--- a/第3章-开源GIS软件开发环境-6课时/第3章-开源GIS软件开发环境-Python开发环境配置-4学时.pptx
+++ b/第3章-开源GIS软件开发环境-6课时/第3章-开源GIS软件开发环境-Python开发环境配置-4学时.pptx
@@ -6,10 +6,10 @@
     <p:sldMasterId id="2147484986" r:id="rId2"/>
   </p:sldMasterIdLst>
   <p:notesMasterIdLst>
-    <p:notesMasterId r:id="rId38"/>
+    <p:notesMasterId r:id="rId37"/>
   </p:notesMasterIdLst>
   <p:handoutMasterIdLst>
-    <p:handoutMasterId r:id="rId39"/>
+    <p:handoutMasterId r:id="rId38"/>
   </p:handoutMasterIdLst>
   <p:sldIdLst>
     <p:sldId id="2708" r:id="rId3"/>
@@ -24,34 +24,33 @@
     <p:sldId id="2757" r:id="rId12"/>
     <p:sldId id="2756" r:id="rId13"/>
     <p:sldId id="2738" r:id="rId14"/>
-    <p:sldId id="2765" r:id="rId15"/>
-    <p:sldId id="2759" r:id="rId16"/>
-    <p:sldId id="2760" r:id="rId17"/>
-    <p:sldId id="2751" r:id="rId18"/>
-    <p:sldId id="2762" r:id="rId19"/>
-    <p:sldId id="2752" r:id="rId20"/>
-    <p:sldId id="2753" r:id="rId21"/>
-    <p:sldId id="2761" r:id="rId22"/>
-    <p:sldId id="2755" r:id="rId23"/>
-    <p:sldId id="2739" r:id="rId24"/>
-    <p:sldId id="2720" r:id="rId25"/>
-    <p:sldId id="2721" r:id="rId26"/>
-    <p:sldId id="2744" r:id="rId27"/>
-    <p:sldId id="2746" r:id="rId28"/>
-    <p:sldId id="2740" r:id="rId29"/>
-    <p:sldId id="2763" r:id="rId30"/>
-    <p:sldId id="2745" r:id="rId31"/>
-    <p:sldId id="2758" r:id="rId32"/>
-    <p:sldId id="2747" r:id="rId33"/>
-    <p:sldId id="2748" r:id="rId34"/>
-    <p:sldId id="2749" r:id="rId35"/>
-    <p:sldId id="2750" r:id="rId36"/>
-    <p:sldId id="2722" r:id="rId37"/>
+    <p:sldId id="2759" r:id="rId15"/>
+    <p:sldId id="2760" r:id="rId16"/>
+    <p:sldId id="2751" r:id="rId17"/>
+    <p:sldId id="2762" r:id="rId18"/>
+    <p:sldId id="2752" r:id="rId19"/>
+    <p:sldId id="2753" r:id="rId20"/>
+    <p:sldId id="2761" r:id="rId21"/>
+    <p:sldId id="2755" r:id="rId22"/>
+    <p:sldId id="2739" r:id="rId23"/>
+    <p:sldId id="2720" r:id="rId24"/>
+    <p:sldId id="2721" r:id="rId25"/>
+    <p:sldId id="2744" r:id="rId26"/>
+    <p:sldId id="2746" r:id="rId27"/>
+    <p:sldId id="2740" r:id="rId28"/>
+    <p:sldId id="2766" r:id="rId29"/>
+    <p:sldId id="2745" r:id="rId30"/>
+    <p:sldId id="2758" r:id="rId31"/>
+    <p:sldId id="2747" r:id="rId32"/>
+    <p:sldId id="2748" r:id="rId33"/>
+    <p:sldId id="2749" r:id="rId34"/>
+    <p:sldId id="2750" r:id="rId35"/>
+    <p:sldId id="2722" r:id="rId36"/>
   </p:sldIdLst>
   <p:sldSz cx="9144000" cy="6858000" type="screen4x3"/>
   <p:notesSz cx="7099300" cy="10234613"/>
   <p:custDataLst>
-    <p:tags r:id="rId40"/>
+    <p:tags r:id="rId39"/>
   </p:custDataLst>
   <p:defaultTextStyle>
     <a:defPPr>
@@ -7136,7 +7135,7 @@
     </p:spTree>
     <p:extLst>
       <p:ext uri="{BB962C8B-B14F-4D97-AF65-F5344CB8AC3E}">
-        <p14:creationId xmlns:p14="http://schemas.microsoft.com/office/powerpoint/2010/main" val="3656766262"/>
+        <p14:creationId xmlns:p14="http://schemas.microsoft.com/office/powerpoint/2010/main" val="2801846591"/>
       </p:ext>
     </p:extLst>
   </p:cSld>
@@ -7190,6 +7189,63 @@
           <a:bodyPr/>
           <a:lstStyle/>
           <a:p>
+            <a:pPr marL="0" marR="0" lvl="0" indent="0" algn="l" defTabSz="914400" rtl="0" eaLnBrk="0" fontAlgn="base" latinLnBrk="0" hangingPunct="0">
+              <a:lnSpc>
+                <a:spcPct val="100000"/>
+              </a:lnSpc>
+              <a:spcBef>
+                <a:spcPct val="30000"/>
+              </a:spcBef>
+              <a:spcAft>
+                <a:spcPct val="0"/>
+              </a:spcAft>
+              <a:buClrTx/>
+              <a:buSzTx/>
+              <a:buFontTx/>
+              <a:buNone/>
+              <a:tabLst/>
+              <a:defRPr/>
+            </a:pPr>
+            <a:r>
+              <a:rPr lang="zh-CN" altLang="en-US" sz="1200" dirty="0">
+                <a:solidFill>
+                  <a:srgbClr val="191B1F"/>
+                </a:solidFill>
+                <a:latin typeface="+mn-ea"/>
+                <a:ea typeface="+mn-ea"/>
+              </a:rPr>
+              <a:t>集中式缺点：如果中央服务器发生故障，所有开发人员都无法进行工作。</a:t>
+            </a:r>
+            <a:endParaRPr lang="en-US" altLang="zh-CN" sz="1200" dirty="0">
+              <a:solidFill>
+                <a:srgbClr val="191B1F"/>
+              </a:solidFill>
+              <a:latin typeface="+mn-ea"/>
+              <a:ea typeface="+mn-ea"/>
+            </a:endParaRPr>
+          </a:p>
+          <a:p>
+            <a:r>
+              <a:rPr lang="zh-CN" altLang="en-US" sz="1200" dirty="0">
+                <a:solidFill>
+                  <a:srgbClr val="191B1F"/>
+                </a:solidFill>
+                <a:latin typeface="+mn-ea"/>
+                <a:ea typeface="+mn-ea"/>
+              </a:rPr>
+              <a:t>分布式：远程仓库发生故障，开发人员能在本地仓库进行正常开发工作</a:t>
+            </a:r>
+            <a:r>
+              <a:rPr lang="zh-CN" altLang="en-US" sz="1200" b="0" i="0" dirty="0">
+                <a:solidFill>
+                  <a:srgbClr val="191B1F"/>
+                </a:solidFill>
+                <a:effectLst/>
+                <a:latin typeface="+mn-ea"/>
+                <a:ea typeface="+mn-ea"/>
+              </a:rPr>
+              <a:t>。</a:t>
+            </a:r>
             <a:endParaRPr lang="zh-CN" altLang="en-US" dirty="0"/>
           </a:p>
         </p:txBody>
@@ -7197,7 +7253,7 @@
     </p:spTree>
     <p:extLst>
       <p:ext uri="{BB962C8B-B14F-4D97-AF65-F5344CB8AC3E}">
-        <p14:creationId xmlns:p14="http://schemas.microsoft.com/office/powerpoint/2010/main" val="2801846591"/>
+        <p14:creationId xmlns:p14="http://schemas.microsoft.com/office/powerpoint/2010/main" val="3581645271"/>
       </p:ext>
     </p:extLst>
   </p:cSld>
@@ -7251,71 +7307,24 @@
           <a:bodyPr/>
           <a:lstStyle/>
           <a:p>
-            <a:pPr marL="0" marR="0" lvl="0" indent="0" algn="l" defTabSz="914400" rtl="0" eaLnBrk="0" fontAlgn="base" latinLnBrk="0" hangingPunct="0">
-              <a:lnSpc>
-                <a:spcPct val="100000"/>
-              </a:lnSpc>
-              <a:spcBef>
-                <a:spcPct val="30000"/>
-              </a:spcBef>
-              <a:spcAft>
-                <a:spcPct val="0"/>
-              </a:spcAft>
-              <a:buClrTx/>
-              <a:buSzTx/>
-              <a:buFontTx/>
-              <a:buNone/>
-              <a:tabLst/>
-              <a:defRPr/>
-            </a:pPr>
-            <a:r>
-              <a:rPr lang="zh-CN" altLang="en-US" sz="1200" dirty="0">
-                <a:solidFill>
-                  <a:srgbClr val="191B1F"/>
-                </a:solidFill>
-                <a:latin typeface="+mn-ea"/>
-                <a:ea typeface="+mn-ea"/>
-              </a:rPr>
-              <a:t>集中式缺点：如果中央服务器发生故障，所有开发人员都无法进行工作。</a:t>
-            </a:r>
-            <a:endParaRPr lang="en-US" altLang="zh-CN" sz="1200" dirty="0">
-              <a:solidFill>
-                <a:srgbClr val="191B1F"/>
-              </a:solidFill>
-              <a:latin typeface="+mn-ea"/>
-              <a:ea typeface="+mn-ea"/>
-            </a:endParaRPr>
-          </a:p>
-          <a:p>
-            <a:r>
-              <a:rPr lang="zh-CN" altLang="en-US" sz="1200" dirty="0">
-                <a:solidFill>
-                  <a:srgbClr val="191B1F"/>
-                </a:solidFill>
-                <a:latin typeface="+mn-ea"/>
-                <a:ea typeface="+mn-ea"/>
-              </a:rPr>
-              <a:t>分布式：远程仓库发生故障，开发人员能在本地仓库进行正常开发工作</a:t>
-            </a:r>
-            <a:r>
-              <a:rPr lang="zh-CN" altLang="en-US" sz="1200" b="0" i="0" dirty="0">
-                <a:solidFill>
-                  <a:srgbClr val="191B1F"/>
-                </a:solidFill>
-                <a:effectLst/>
-                <a:latin typeface="+mn-ea"/>
-                <a:ea typeface="+mn-ea"/>
-              </a:rPr>
-              <a:t>。</a:t>
-            </a:r>
-            <a:endParaRPr lang="zh-CN" altLang="en-US" dirty="0"/>
+            <a:r>
+              <a:rPr lang="zh-CN" altLang="en-US" dirty="0"/>
+              <a:t>开发者的社交平台。发布自己的开源项目，其他开发者可以查看、评论、转载开源项目。</a:t>
+            </a:r>
+            <a:endParaRPr lang="en-US" altLang="zh-CN" dirty="0"/>
+          </a:p>
+          <a:p>
+            <a:r>
+              <a:rPr lang="zh-CN" altLang="en-US" dirty="0"/>
+              <a:t>演示检索开源项目（以云南大学为检索词）、转载点赞开源项目、创建开源项目。</a:t>
+            </a:r>
           </a:p>
         </p:txBody>
       </p:sp>
     </p:spTree>
     <p:extLst>
       <p:ext uri="{BB962C8B-B14F-4D97-AF65-F5344CB8AC3E}">
-        <p14:creationId xmlns:p14="http://schemas.microsoft.com/office/powerpoint/2010/main" val="3581645271"/>
+        <p14:creationId xmlns:p14="http://schemas.microsoft.com/office/powerpoint/2010/main" val="1814300685"/>
       </p:ext>
     </p:extLst>
   </p:cSld>
@@ -7370,15 +7379,34 @@
           <a:lstStyle/>
           <a:p>
             <a:r>
+              <a:rPr lang="en-US" altLang="zh-CN" dirty="0"/>
+              <a:t>1. </a:t>
+            </a:r>
+            <a:r>
               <a:rPr lang="zh-CN" altLang="en-US" dirty="0"/>
-              <a:t>开发者的社交平台。发布自己的开源项目，其他开发者可以查看、评论、转载开源项目。</a:t>
-            </a:r>
-            <a:endParaRPr lang="en-US" altLang="zh-CN" dirty="0"/>
-          </a:p>
-          <a:p>
+              <a:t>检查</a:t>
+            </a:r>
+            <a:r>
+              <a:rPr lang="en-US" altLang="zh-CN" dirty="0"/>
+              <a:t>git</a:t>
+            </a:r>
             <a:r>
               <a:rPr lang="zh-CN" altLang="en-US" dirty="0"/>
-              <a:t>演示检索开源项目（以云南大学为检索词）、转载点赞开源项目、创建开源项目。</a:t>
+              <a:t>安装，</a:t>
+            </a:r>
+            <a:r>
+              <a:rPr lang="en-US" altLang="zh-CN" dirty="0"/>
+              <a:t>git –-version</a:t>
+            </a:r>
+          </a:p>
+          <a:p>
+            <a:r>
+              <a:rPr lang="en-US" altLang="zh-CN" dirty="0"/>
+              <a:t>2. pull request</a:t>
+            </a:r>
+            <a:r>
+              <a:rPr lang="zh-CN" altLang="en-US" dirty="0"/>
+              <a:t>演示。</a:t>
             </a:r>
           </a:p>
         </p:txBody>
@@ -7386,7 +7414,7 @@
     </p:spTree>
     <p:extLst>
       <p:ext uri="{BB962C8B-B14F-4D97-AF65-F5344CB8AC3E}">
-        <p14:creationId xmlns:p14="http://schemas.microsoft.com/office/powerpoint/2010/main" val="1814300685"/>
+        <p14:creationId xmlns:p14="http://schemas.microsoft.com/office/powerpoint/2010/main" val="4142871665"/>
       </p:ext>
     </p:extLst>
   </p:cSld>
@@ -7441,42 +7469,29 @@
           <a:lstStyle/>
           <a:p>
             <a:r>
+              <a:rPr lang="zh-CN" altLang="en-US" dirty="0"/>
+              <a:t>演示</a:t>
+            </a:r>
+            <a:r>
               <a:rPr lang="en-US" altLang="zh-CN" dirty="0"/>
-              <a:t>1. </a:t>
+              <a:t>fork</a:t>
             </a:r>
             <a:r>
               <a:rPr lang="zh-CN" altLang="en-US" dirty="0"/>
-              <a:t>检查</a:t>
+              <a:t>， </a:t>
             </a:r>
             <a:r>
               <a:rPr lang="en-US" altLang="zh-CN" dirty="0"/>
-              <a:t>git</a:t>
-            </a:r>
-            <a:r>
-              <a:rPr lang="zh-CN" altLang="en-US" dirty="0"/>
-              <a:t>安装，</a:t>
-            </a:r>
-            <a:r>
-              <a:rPr lang="en-US" altLang="zh-CN" dirty="0"/>
-              <a:t>git –-version</a:t>
-            </a:r>
-          </a:p>
-          <a:p>
-            <a:r>
-              <a:rPr lang="en-US" altLang="zh-CN" dirty="0"/>
-              <a:t>2. pull request</a:t>
-            </a:r>
-            <a:r>
-              <a:rPr lang="zh-CN" altLang="en-US" dirty="0"/>
-              <a:t>演示。</a:t>
-            </a:r>
+              <a:t>git clone</a:t>
+            </a:r>
+            <a:endParaRPr lang="zh-CN" altLang="en-US" dirty="0"/>
           </a:p>
         </p:txBody>
       </p:sp>
     </p:spTree>
     <p:extLst>
       <p:ext uri="{BB962C8B-B14F-4D97-AF65-F5344CB8AC3E}">
-        <p14:creationId xmlns:p14="http://schemas.microsoft.com/office/powerpoint/2010/main" val="4142871665"/>
+        <p14:creationId xmlns:p14="http://schemas.microsoft.com/office/powerpoint/2010/main" val="2323108460"/>
       </p:ext>
     </p:extLst>
   </p:cSld>
@@ -7531,29 +7546,20 @@
           <a:lstStyle/>
           <a:p>
             <a:r>
+              <a:rPr lang="en-US" altLang="zh-CN" dirty="0"/>
+              <a:t>git –-version </a:t>
+            </a:r>
+            <a:r>
               <a:rPr lang="zh-CN" altLang="en-US" dirty="0"/>
-              <a:t>演示</a:t>
-            </a:r>
-            <a:r>
-              <a:rPr lang="en-US" altLang="zh-CN" dirty="0"/>
-              <a:t>fork</a:t>
-            </a:r>
-            <a:r>
-              <a:rPr lang="zh-CN" altLang="en-US" dirty="0"/>
-              <a:t>， </a:t>
-            </a:r>
-            <a:r>
-              <a:rPr lang="en-US" altLang="zh-CN" dirty="0"/>
-              <a:t>git clone</a:t>
-            </a:r>
-            <a:endParaRPr lang="zh-CN" altLang="en-US" dirty="0"/>
+              <a:t>查看是否安装</a:t>
+            </a:r>
           </a:p>
         </p:txBody>
       </p:sp>
     </p:spTree>
     <p:extLst>
       <p:ext uri="{BB962C8B-B14F-4D97-AF65-F5344CB8AC3E}">
-        <p14:creationId xmlns:p14="http://schemas.microsoft.com/office/powerpoint/2010/main" val="2323108460"/>
+        <p14:creationId xmlns:p14="http://schemas.microsoft.com/office/powerpoint/2010/main" val="147582469"/>
       </p:ext>
     </p:extLst>
   </p:cSld>
@@ -7608,12 +7614,26 @@
           <a:lstStyle/>
           <a:p>
             <a:r>
+              <a:rPr lang="zh-CN" altLang="en-US" dirty="0"/>
+              <a:t>演示修改代码及提交：</a:t>
+            </a:r>
+            <a:r>
               <a:rPr lang="en-US" altLang="zh-CN" dirty="0"/>
-              <a:t>git –-version </a:t>
-            </a:r>
+              <a:t>git branch, git checkout, git add ., git commit –m ‘test git’, git merge, git push origin main.</a:t>
+            </a:r>
+          </a:p>
+          <a:p>
             <a:r>
               <a:rPr lang="zh-CN" altLang="en-US" dirty="0"/>
-              <a:t>查看是否安装</a:t>
+              <a:t>在终端和</a:t>
+            </a:r>
+            <a:r>
+              <a:rPr lang="en-US" altLang="zh-CN" dirty="0" err="1"/>
+              <a:t>vscode</a:t>
+            </a:r>
+            <a:r>
+              <a:rPr lang="zh-CN" altLang="en-US" dirty="0"/>
+              <a:t>下分别演示。</a:t>
             </a:r>
           </a:p>
         </p:txBody>
@@ -7621,7 +7641,7 @@
     </p:spTree>
     <p:extLst>
       <p:ext uri="{BB962C8B-B14F-4D97-AF65-F5344CB8AC3E}">
-        <p14:creationId xmlns:p14="http://schemas.microsoft.com/office/powerpoint/2010/main" val="147582469"/>
+        <p14:creationId xmlns:p14="http://schemas.microsoft.com/office/powerpoint/2010/main" val="2772874160"/>
       </p:ext>
     </p:extLst>
   </p:cSld>
@@ -7789,21 +7809,20 @@
           <a:lstStyle/>
           <a:p>
             <a:r>
+              <a:rPr lang="en-US" altLang="zh-CN" dirty="0"/>
+              <a:t>1.</a:t>
+            </a:r>
+            <a:r>
               <a:rPr lang="zh-CN" altLang="en-US" dirty="0"/>
-              <a:t>演示修改代码及提交：</a:t>
-            </a:r>
-            <a:r>
-              <a:rPr lang="en-US" altLang="zh-CN" dirty="0"/>
-              <a:t>git add ., git commit –m ‘test git’, git push origin main.</a:t>
-            </a:r>
-            <a:endParaRPr lang="zh-CN" altLang="en-US" dirty="0"/>
+              <a:t>演示相关命令</a:t>
+            </a:r>
           </a:p>
         </p:txBody>
       </p:sp>
     </p:spTree>
     <p:extLst>
       <p:ext uri="{BB962C8B-B14F-4D97-AF65-F5344CB8AC3E}">
-        <p14:creationId xmlns:p14="http://schemas.microsoft.com/office/powerpoint/2010/main" val="2772874160"/>
+        <p14:creationId xmlns:p14="http://schemas.microsoft.com/office/powerpoint/2010/main" val="4197159984"/>
       </p:ext>
     </p:extLst>
   </p:cSld>
@@ -7857,21 +7876,14 @@
           <a:bodyPr/>
           <a:lstStyle/>
           <a:p>
-            <a:r>
-              <a:rPr lang="en-US" altLang="zh-CN" dirty="0"/>
-              <a:t>1.</a:t>
-            </a:r>
-            <a:r>
-              <a:rPr lang="zh-CN" altLang="en-US" dirty="0"/>
-              <a:t>演示相关命令</a:t>
-            </a:r>
+            <a:endParaRPr lang="zh-CN" altLang="en-US" dirty="0"/>
           </a:p>
         </p:txBody>
       </p:sp>
     </p:spTree>
     <p:extLst>
       <p:ext uri="{BB962C8B-B14F-4D97-AF65-F5344CB8AC3E}">
-        <p14:creationId xmlns:p14="http://schemas.microsoft.com/office/powerpoint/2010/main" val="4197159984"/>
+        <p14:creationId xmlns:p14="http://schemas.microsoft.com/office/powerpoint/2010/main" val="2730609724"/>
       </p:ext>
     </p:extLst>
   </p:cSld>
@@ -7925,14 +7937,14 @@
           <a:bodyPr/>
           <a:lstStyle/>
           <a:p>
-            <a:endParaRPr lang="zh-CN" altLang="en-US" dirty="0"/>
+            <a:endParaRPr lang="zh-CN" altLang="en-US"/>
           </a:p>
         </p:txBody>
       </p:sp>
     </p:spTree>
     <p:extLst>
       <p:ext uri="{BB962C8B-B14F-4D97-AF65-F5344CB8AC3E}">
-        <p14:creationId xmlns:p14="http://schemas.microsoft.com/office/powerpoint/2010/main" val="2730609724"/>
+        <p14:creationId xmlns:p14="http://schemas.microsoft.com/office/powerpoint/2010/main" val="2541570655"/>
       </p:ext>
     </p:extLst>
   </p:cSld>
@@ -7986,14 +7998,14 @@
           <a:bodyPr/>
           <a:lstStyle/>
           <a:p>
-            <a:endParaRPr lang="zh-CN" altLang="en-US"/>
+            <a:endParaRPr lang="zh-CN" altLang="en-US" dirty="0"/>
           </a:p>
         </p:txBody>
       </p:sp>
     </p:spTree>
     <p:extLst>
       <p:ext uri="{BB962C8B-B14F-4D97-AF65-F5344CB8AC3E}">
-        <p14:creationId xmlns:p14="http://schemas.microsoft.com/office/powerpoint/2010/main" val="2541570655"/>
+        <p14:creationId xmlns:p14="http://schemas.microsoft.com/office/powerpoint/2010/main" val="4050141850"/>
       </p:ext>
     </p:extLst>
   </p:cSld>
@@ -8054,7 +8066,7 @@
     </p:spTree>
     <p:extLst>
       <p:ext uri="{BB962C8B-B14F-4D97-AF65-F5344CB8AC3E}">
-        <p14:creationId xmlns:p14="http://schemas.microsoft.com/office/powerpoint/2010/main" val="4050141850"/>
+        <p14:creationId xmlns:p14="http://schemas.microsoft.com/office/powerpoint/2010/main" val="4057103551"/>
       </p:ext>
     </p:extLst>
   </p:cSld>
@@ -8108,14 +8120,17 @@
           <a:bodyPr/>
           <a:lstStyle/>
           <a:p>
-            <a:endParaRPr lang="zh-CN" altLang="en-US" dirty="0"/>
+            <a:r>
+              <a:rPr lang="zh-CN" altLang="en-US" dirty="0"/>
+              <a:t>演示</a:t>
+            </a:r>
           </a:p>
         </p:txBody>
       </p:sp>
     </p:spTree>
     <p:extLst>
       <p:ext uri="{BB962C8B-B14F-4D97-AF65-F5344CB8AC3E}">
-        <p14:creationId xmlns:p14="http://schemas.microsoft.com/office/powerpoint/2010/main" val="4057103551"/>
+        <p14:creationId xmlns:p14="http://schemas.microsoft.com/office/powerpoint/2010/main" val="253175849"/>
       </p:ext>
     </p:extLst>
   </p:cSld>
@@ -8170,8 +8185,12 @@
           <a:lstStyle/>
           <a:p>
             <a:r>
+              <a:rPr lang="en-US" altLang="zh-CN" dirty="0"/>
+              <a:t>Python</a:t>
+            </a:r>
+            <a:r>
               <a:rPr lang="zh-CN" altLang="en-US" dirty="0"/>
-              <a:t>演示</a:t>
+              <a:t>开发环境配置，借助第三方软件管理工具，提升开发环境管理效率。</a:t>
             </a:r>
           </a:p>
         </p:txBody>
@@ -8179,7 +8198,7 @@
     </p:spTree>
     <p:extLst>
       <p:ext uri="{BB962C8B-B14F-4D97-AF65-F5344CB8AC3E}">
-        <p14:creationId xmlns:p14="http://schemas.microsoft.com/office/powerpoint/2010/main" val="253175849"/>
+        <p14:creationId xmlns:p14="http://schemas.microsoft.com/office/powerpoint/2010/main" val="3967688125"/>
       </p:ext>
     </p:extLst>
   </p:cSld>
@@ -8247,7 +8266,7 @@
     </p:spTree>
     <p:extLst>
       <p:ext uri="{BB962C8B-B14F-4D97-AF65-F5344CB8AC3E}">
-        <p14:creationId xmlns:p14="http://schemas.microsoft.com/office/powerpoint/2010/main" val="3967688125"/>
+        <p14:creationId xmlns:p14="http://schemas.microsoft.com/office/powerpoint/2010/main" val="1767942956"/>
       </p:ext>
     </p:extLst>
   </p:cSld>
@@ -8308,7 +8327,7 @@
     </p:spTree>
     <p:extLst>
       <p:ext uri="{BB962C8B-B14F-4D97-AF65-F5344CB8AC3E}">
-        <p14:creationId xmlns:p14="http://schemas.microsoft.com/office/powerpoint/2010/main" val="1195608212"/>
+        <p14:creationId xmlns:p14="http://schemas.microsoft.com/office/powerpoint/2010/main" val="1356241983"/>
       </p:ext>
     </p:extLst>
   </p:cSld>
@@ -8362,14 +8381,29 @@
           <a:bodyPr/>
           <a:lstStyle/>
           <a:p>
-            <a:endParaRPr lang="zh-CN" altLang="en-US" dirty="0"/>
+            <a:r>
+              <a:rPr lang="zh-CN" altLang="en-US" dirty="0"/>
+              <a:t>添加进环境变量可能与其他软件冲突，但不添加，无法在终端中直接启动。如</a:t>
+            </a:r>
+            <a:r>
+              <a:rPr lang="en-US" altLang="zh-CN" dirty="0" err="1"/>
+              <a:t>conda</a:t>
+            </a:r>
+            <a:r>
+              <a:rPr lang="en-US" altLang="zh-CN" dirty="0"/>
+              <a:t> –version</a:t>
+            </a:r>
+            <a:r>
+              <a:rPr lang="zh-CN" altLang="en-US" dirty="0"/>
+              <a:t>不能启用。</a:t>
+            </a:r>
           </a:p>
         </p:txBody>
       </p:sp>
     </p:spTree>
     <p:extLst>
       <p:ext uri="{BB962C8B-B14F-4D97-AF65-F5344CB8AC3E}">
-        <p14:creationId xmlns:p14="http://schemas.microsoft.com/office/powerpoint/2010/main" val="1356241983"/>
+        <p14:creationId xmlns:p14="http://schemas.microsoft.com/office/powerpoint/2010/main" val="3766728333"/>
       </p:ext>
     </p:extLst>
   </p:cSld>
@@ -8516,21 +8550,84 @@
           <a:bodyPr/>
           <a:lstStyle/>
           <a:p>
+            <a:pPr marL="0" marR="0" lvl="0" indent="0" algn="l" defTabSz="914400" rtl="0" eaLnBrk="0" fontAlgn="base" latinLnBrk="0" hangingPunct="0">
+              <a:lnSpc>
+                <a:spcPct val="100000"/>
+              </a:lnSpc>
+              <a:spcBef>
+                <a:spcPct val="30000"/>
+              </a:spcBef>
+              <a:spcAft>
+                <a:spcPct val="0"/>
+              </a:spcAft>
+              <a:buClrTx/>
+              <a:buSzTx/>
+              <a:buFontTx/>
+              <a:buNone/>
+              <a:tabLst/>
+              <a:defRPr/>
+            </a:pPr>
+            <a:r>
+              <a:rPr lang="en-US" altLang="zh-CN" dirty="0"/>
+              <a:t>1. </a:t>
+            </a:r>
             <a:r>
               <a:rPr lang="zh-CN" altLang="en-US" dirty="0"/>
-              <a:t>添加进环境变量可能与其他软件冲突，但不添加，无法在终端中直接启动。如</a:t>
-            </a:r>
-            <a:r>
-              <a:rPr lang="en-US" altLang="zh-CN" dirty="0" err="1"/>
-              <a:t>conda</a:t>
-            </a:r>
+              <a:t>什么是环境，以人类比，不同需求如读大学、逛街对应需要不同的环境。</a:t>
+            </a:r>
+            <a:endParaRPr lang="en-US" altLang="zh-CN" dirty="0"/>
+          </a:p>
+          <a:p>
             <a:r>
               <a:rPr lang="en-US" altLang="zh-CN" dirty="0"/>
-              <a:t> –version</a:t>
+              <a:t>2. </a:t>
             </a:r>
             <a:r>
               <a:rPr lang="zh-CN" altLang="en-US" dirty="0"/>
-              <a:t>不能启用。</a:t>
+              <a:t>不同</a:t>
+            </a:r>
+            <a:r>
+              <a:rPr lang="en-US" altLang="zh-CN" dirty="0"/>
+              <a:t>python</a:t>
+            </a:r>
+            <a:r>
+              <a:rPr lang="zh-CN" altLang="en-US" dirty="0"/>
+              <a:t>开发任务配置不同的</a:t>
+            </a:r>
+            <a:r>
+              <a:rPr lang="en-US" altLang="zh-CN" dirty="0"/>
+              <a:t>python</a:t>
+            </a:r>
+            <a:r>
+              <a:rPr lang="zh-CN" altLang="en-US" dirty="0"/>
+              <a:t>开发环境。</a:t>
+            </a:r>
+            <a:endParaRPr lang="en-US" altLang="zh-CN" dirty="0"/>
+          </a:p>
+          <a:p>
+            <a:r>
+              <a:rPr lang="en-US" altLang="zh-CN" dirty="0"/>
+              <a:t>3. </a:t>
+            </a:r>
+            <a:r>
+              <a:rPr lang="zh-CN" altLang="en-US" dirty="0"/>
+              <a:t>对于一个开发项目，不可能所有代码从零开始，一定是在已有工具基础上进行开发。</a:t>
+            </a:r>
+            <a:r>
+              <a:rPr lang="en-US" altLang="zh-CN" dirty="0"/>
+              <a:t>python</a:t>
+            </a:r>
+            <a:r>
+              <a:rPr lang="zh-CN" altLang="en-US" dirty="0"/>
+              <a:t>开发环境配置即对开发项目中相关</a:t>
+            </a:r>
+            <a:r>
+              <a:rPr lang="en-US" altLang="zh-CN" dirty="0"/>
+              <a:t>python</a:t>
+            </a:r>
+            <a:r>
+              <a:rPr lang="zh-CN" altLang="en-US" dirty="0"/>
+              <a:t>软件包进行提前安装。</a:t>
             </a:r>
           </a:p>
         </p:txBody>
@@ -8538,7 +8635,7 @@
     </p:spTree>
     <p:extLst>
       <p:ext uri="{BB962C8B-B14F-4D97-AF65-F5344CB8AC3E}">
-        <p14:creationId xmlns:p14="http://schemas.microsoft.com/office/powerpoint/2010/main" val="3766728333"/>
+        <p14:creationId xmlns:p14="http://schemas.microsoft.com/office/powerpoint/2010/main" val="1477229609"/>
       </p:ext>
     </p:extLst>
   </p:cSld>
@@ -8592,73 +8689,9 @@
           <a:bodyPr/>
           <a:lstStyle/>
           <a:p>
-            <a:pPr marL="0" marR="0" lvl="0" indent="0" algn="l" defTabSz="914400" rtl="0" eaLnBrk="0" fontAlgn="base" latinLnBrk="0" hangingPunct="0">
-              <a:lnSpc>
-                <a:spcPct val="100000"/>
-              </a:lnSpc>
-              <a:spcBef>
-                <a:spcPct val="30000"/>
-              </a:spcBef>
-              <a:spcAft>
-                <a:spcPct val="0"/>
-              </a:spcAft>
-              <a:buClrTx/>
-              <a:buSzTx/>
-              <a:buFontTx/>
-              <a:buNone/>
-              <a:tabLst/>
-              <a:defRPr/>
-            </a:pPr>
-            <a:r>
-              <a:rPr lang="en-US" altLang="zh-CN" dirty="0"/>
-              <a:t>1. </a:t>
-            </a:r>
             <a:r>
               <a:rPr lang="zh-CN" altLang="en-US" dirty="0"/>
-              <a:t>什么是环境，读大学需要教学楼、宿舍等；逛街需要饭店、商场，步行街等。</a:t>
-            </a:r>
-            <a:endParaRPr lang="en-US" altLang="zh-CN" dirty="0"/>
-          </a:p>
-          <a:p>
-            <a:r>
-              <a:rPr lang="en-US" altLang="zh-CN" dirty="0"/>
-              <a:t>2. </a:t>
-            </a:r>
-            <a:r>
-              <a:rPr lang="zh-CN" altLang="en-US" dirty="0"/>
-              <a:t>不同</a:t>
-            </a:r>
-            <a:r>
-              <a:rPr lang="en-US" altLang="zh-CN" dirty="0"/>
-              <a:t>python</a:t>
-            </a:r>
-            <a:r>
-              <a:rPr lang="zh-CN" altLang="en-US" dirty="0"/>
-              <a:t>开发任务配置不同的</a:t>
-            </a:r>
-            <a:r>
-              <a:rPr lang="en-US" altLang="zh-CN" dirty="0"/>
-              <a:t>python</a:t>
-            </a:r>
-            <a:r>
-              <a:rPr lang="zh-CN" altLang="en-US" dirty="0"/>
-              <a:t>开发环境。对于一个开发项目，不可能所有代码从零开始，一定是在已有工具基础上进行开发。</a:t>
-            </a:r>
-            <a:r>
-              <a:rPr lang="en-US" altLang="zh-CN" dirty="0"/>
-              <a:t>python</a:t>
-            </a:r>
-            <a:r>
-              <a:rPr lang="zh-CN" altLang="en-US" dirty="0"/>
-              <a:t>开发环境配置即对开发项目中相关</a:t>
-            </a:r>
-            <a:r>
-              <a:rPr lang="en-US" altLang="zh-CN" dirty="0"/>
-              <a:t>python</a:t>
-            </a:r>
-            <a:r>
-              <a:rPr lang="zh-CN" altLang="en-US" dirty="0"/>
-              <a:t>软件包进行提前安装。</a:t>
+              <a:t>在目录下查看环境文件夹</a:t>
             </a:r>
           </a:p>
         </p:txBody>
@@ -8666,7 +8699,7 @@
     </p:spTree>
     <p:extLst>
       <p:ext uri="{BB962C8B-B14F-4D97-AF65-F5344CB8AC3E}">
-        <p14:creationId xmlns:p14="http://schemas.microsoft.com/office/powerpoint/2010/main" val="1477229609"/>
+        <p14:creationId xmlns:p14="http://schemas.microsoft.com/office/powerpoint/2010/main" val="408023687"/>
       </p:ext>
     </p:extLst>
   </p:cSld>
@@ -8720,17 +8753,14 @@
           <a:bodyPr/>
           <a:lstStyle/>
           <a:p>
-            <a:r>
-              <a:rPr lang="zh-CN" altLang="en-US" dirty="0"/>
-              <a:t>在目录下查看环境文件夹</a:t>
-            </a:r>
+            <a:endParaRPr lang="zh-CN" altLang="en-US" dirty="0"/>
           </a:p>
         </p:txBody>
       </p:sp>
     </p:spTree>
     <p:extLst>
       <p:ext uri="{BB962C8B-B14F-4D97-AF65-F5344CB8AC3E}">
-        <p14:creationId xmlns:p14="http://schemas.microsoft.com/office/powerpoint/2010/main" val="408023687"/>
+        <p14:creationId xmlns:p14="http://schemas.microsoft.com/office/powerpoint/2010/main" val="3754564410"/>
       </p:ext>
     </p:extLst>
   </p:cSld>
@@ -8791,7 +8821,7 @@
     </p:spTree>
     <p:extLst>
       <p:ext uri="{BB962C8B-B14F-4D97-AF65-F5344CB8AC3E}">
-        <p14:creationId xmlns:p14="http://schemas.microsoft.com/office/powerpoint/2010/main" val="3754564410"/>
+        <p14:creationId xmlns:p14="http://schemas.microsoft.com/office/powerpoint/2010/main" val="4257943572"/>
       </p:ext>
     </p:extLst>
   </p:cSld>
@@ -8802,67 +8832,6 @@
 </file>
 
 <file path=ppt/notesSlides/notesSlide34.xml><?xml version="1.0" encoding="utf-8"?>
-<p:notes xmlns:a="http://schemas.openxmlformats.org/drawingml/2006/main" xmlns:r="http://schemas.openxmlformats.org/officeDocument/2006/relationships" xmlns:p="http://schemas.openxmlformats.org/presentationml/2006/main">
-  <p:cSld>
-    <p:spTree>
-      <p:nvGrpSpPr>
-        <p:cNvPr id="1" name=""/>
-        <p:cNvGrpSpPr/>
-        <p:nvPr/>
-      </p:nvGrpSpPr>
-      <p:grpSpPr>
-        <a:xfrm>
-          <a:off x="0" y="0"/>
-          <a:ext cx="0" cy="0"/>
-          <a:chOff x="0" y="0"/>
-          <a:chExt cx="0" cy="0"/>
-        </a:xfrm>
-      </p:grpSpPr>
-      <p:sp>
-        <p:nvSpPr>
-          <p:cNvPr id="2" name="幻灯片图像占位符 1"/>
-          <p:cNvSpPr>
-            <a:spLocks noGrp="1" noRot="1" noChangeAspect="1"/>
-          </p:cNvSpPr>
-          <p:nvPr>
-            <p:ph type="sldImg"/>
-          </p:nvPr>
-        </p:nvSpPr>
-        <p:spPr/>
-      </p:sp>
-      <p:sp>
-        <p:nvSpPr>
-          <p:cNvPr id="3" name="备注占位符 2"/>
-          <p:cNvSpPr>
-            <a:spLocks noGrp="1"/>
-          </p:cNvSpPr>
-          <p:nvPr>
-            <p:ph type="body" idx="1"/>
-          </p:nvPr>
-        </p:nvSpPr>
-        <p:spPr/>
-        <p:txBody>
-          <a:bodyPr/>
-          <a:lstStyle/>
-          <a:p>
-            <a:endParaRPr lang="zh-CN" altLang="en-US" dirty="0"/>
-          </a:p>
-        </p:txBody>
-      </p:sp>
-    </p:spTree>
-    <p:extLst>
-      <p:ext uri="{BB962C8B-B14F-4D97-AF65-F5344CB8AC3E}">
-        <p14:creationId xmlns:p14="http://schemas.microsoft.com/office/powerpoint/2010/main" val="4257943572"/>
-      </p:ext>
-    </p:extLst>
-  </p:cSld>
-  <p:clrMapOvr>
-    <a:masterClrMapping/>
-  </p:clrMapOvr>
-</p:notes>
-</file>
-
-<file path=ppt/notesSlides/notesSlide35.xml><?xml version="1.0" encoding="utf-8"?>
 <p:notes xmlns:a="http://schemas.openxmlformats.org/drawingml/2006/main" xmlns:r="http://schemas.openxmlformats.org/officeDocument/2006/relationships" xmlns:p="http://schemas.openxmlformats.org/presentationml/2006/main">
   <p:cSld>
     <p:spTree>
@@ -18355,163 +18324,6 @@
         <p:spPr>
           <a:xfrm>
             <a:off x="317665" y="846748"/>
-            <a:ext cx="8508670" cy="2547172"/>
-          </a:xfrm>
-          <a:prstGeom prst="rect">
-            <a:avLst/>
-          </a:prstGeom>
-          <a:noFill/>
-        </p:spPr>
-        <p:txBody>
-          <a:bodyPr wrap="square" rtlCol="0">
-            <a:spAutoFit/>
-          </a:bodyPr>
-          <a:lstStyle/>
-          <a:p>
-            <a:pPr>
-              <a:lnSpc>
-                <a:spcPct val="150000"/>
-              </a:lnSpc>
-            </a:pPr>
-            <a:endParaRPr lang="en-US" altLang="zh-CN" sz="4800" b="1" dirty="0">
-              <a:solidFill>
-                <a:srgbClr val="FF0000"/>
-              </a:solidFill>
-              <a:latin typeface="+mn-ea"/>
-              <a:ea typeface="+mn-ea"/>
-            </a:endParaRPr>
-          </a:p>
-          <a:p>
-            <a:pPr>
-              <a:lnSpc>
-                <a:spcPct val="150000"/>
-              </a:lnSpc>
-            </a:pPr>
-            <a:r>
-              <a:rPr lang="en-US" altLang="zh-CN" sz="4800" b="1" dirty="0">
-                <a:solidFill>
-                  <a:srgbClr val="FF0000"/>
-                </a:solidFill>
-                <a:latin typeface="+mn-ea"/>
-                <a:ea typeface="+mn-ea"/>
-              </a:rPr>
-              <a:t>#</a:t>
-            </a:r>
-            <a:r>
-              <a:rPr lang="zh-CN" altLang="en-US" sz="4800" b="1" dirty="0">
-                <a:solidFill>
-                  <a:srgbClr val="FF0000"/>
-                </a:solidFill>
-                <a:latin typeface="+mn-ea"/>
-                <a:ea typeface="+mn-ea"/>
-              </a:rPr>
-              <a:t>腾讯会议：</a:t>
-            </a:r>
-            <a:r>
-              <a:rPr lang="en-US" altLang="zh-CN" sz="4800" b="1" dirty="0">
-                <a:solidFill>
-                  <a:srgbClr val="FF0000"/>
-                </a:solidFill>
-                <a:latin typeface="+mn-ea"/>
-                <a:ea typeface="+mn-ea"/>
-              </a:rPr>
-              <a:t>273-972-311</a:t>
-            </a:r>
-          </a:p>
-        </p:txBody>
-      </p:sp>
-    </p:spTree>
-    <p:extLst>
-      <p:ext uri="{BB962C8B-B14F-4D97-AF65-F5344CB8AC3E}">
-        <p14:creationId xmlns:p14="http://schemas.microsoft.com/office/powerpoint/2010/main" val="3431225101"/>
-      </p:ext>
-    </p:extLst>
-  </p:cSld>
-  <p:clrMapOvr>
-    <a:masterClrMapping/>
-  </p:clrMapOvr>
-  <p:transition>
-    <p:fade/>
-  </p:transition>
-</p:sld>
-</file>
-
-<file path=ppt/slides/slide14.xml><?xml version="1.0" encoding="utf-8"?>
-<p:sld xmlns:a="http://schemas.openxmlformats.org/drawingml/2006/main" xmlns:r="http://schemas.openxmlformats.org/officeDocument/2006/relationships" xmlns:p="http://schemas.openxmlformats.org/presentationml/2006/main">
-  <p:cSld>
-    <p:spTree>
-      <p:nvGrpSpPr>
-        <p:cNvPr id="1" name=""/>
-        <p:cNvGrpSpPr/>
-        <p:nvPr/>
-      </p:nvGrpSpPr>
-      <p:grpSpPr>
-        <a:xfrm>
-          <a:off x="0" y="0"/>
-          <a:ext cx="0" cy="0"/>
-          <a:chOff x="0" y="0"/>
-          <a:chExt cx="0" cy="0"/>
-        </a:xfrm>
-      </p:grpSpPr>
-      <p:sp>
-        <p:nvSpPr>
-          <p:cNvPr id="3" name="标题 2"/>
-          <p:cNvSpPr>
-            <a:spLocks noGrp="1"/>
-          </p:cNvSpPr>
-          <p:nvPr>
-            <p:ph type="title"/>
-          </p:nvPr>
-        </p:nvSpPr>
-        <p:spPr>
-          <a:xfrm>
-            <a:off x="0" y="8526"/>
-            <a:ext cx="9013371" cy="792162"/>
-          </a:xfrm>
-        </p:spPr>
-        <p:txBody>
-          <a:bodyPr/>
-          <a:lstStyle/>
-          <a:p>
-            <a:r>
-              <a:rPr lang="zh-CN" altLang="en-US" dirty="0">
-                <a:latin typeface="微软雅黑" pitchFamily="34" charset="-122"/>
-                <a:ea typeface="微软雅黑" pitchFamily="34" charset="-122"/>
-              </a:rPr>
-              <a:t>二、</a:t>
-            </a:r>
-            <a:r>
-              <a:rPr lang="zh-CN" altLang="en-CN" dirty="0">
-                <a:latin typeface="微软雅黑" pitchFamily="34" charset="-122"/>
-                <a:ea typeface="微软雅黑" pitchFamily="34" charset="-122"/>
-              </a:rPr>
-              <a:t>开源</a:t>
-            </a:r>
-            <a:r>
-              <a:rPr lang="zh-CN" altLang="en-US" dirty="0">
-                <a:latin typeface="微软雅黑" pitchFamily="34" charset="-122"/>
-                <a:ea typeface="微软雅黑" pitchFamily="34" charset="-122"/>
-              </a:rPr>
-              <a:t>软件开发工具</a:t>
-            </a:r>
-          </a:p>
-        </p:txBody>
-      </p:sp>
-      <p:sp>
-        <p:nvSpPr>
-          <p:cNvPr id="2" name="TextBox 1">
-            <a:extLst>
-              <a:ext uri="{FF2B5EF4-FFF2-40B4-BE49-F238E27FC236}">
-                <a16:creationId xmlns:a16="http://schemas.microsoft.com/office/drawing/2014/main" id="{631AADB6-C88A-D817-4683-FC087E4E240F}"/>
-              </a:ext>
-            </a:extLst>
-          </p:cNvPr>
-          <p:cNvSpPr txBox="1"/>
-          <p:nvPr/>
-        </p:nvSpPr>
-        <p:spPr>
-          <a:xfrm>
-            <a:off x="317665" y="846748"/>
             <a:ext cx="8508670" cy="662489"/>
           </a:xfrm>
           <a:prstGeom prst="rect">
@@ -18907,7 +18719,7 @@
 </p:sld>
 </file>
 
-<file path=ppt/slides/slide15.xml><?xml version="1.0" encoding="utf-8"?>
+<file path=ppt/slides/slide14.xml><?xml version="1.0" encoding="utf-8"?>
 <p:sld xmlns:a="http://schemas.openxmlformats.org/drawingml/2006/main" xmlns:r="http://schemas.openxmlformats.org/officeDocument/2006/relationships" xmlns:p="http://schemas.openxmlformats.org/presentationml/2006/main">
   <p:cSld>
     <p:spTree>
@@ -19353,7 +19165,7 @@
 </p:sld>
 </file>
 
-<file path=ppt/slides/slide16.xml><?xml version="1.0" encoding="utf-8"?>
+<file path=ppt/slides/slide15.xml><?xml version="1.0" encoding="utf-8"?>
 <p:sld xmlns:a="http://schemas.openxmlformats.org/drawingml/2006/main" xmlns:r="http://schemas.openxmlformats.org/officeDocument/2006/relationships" xmlns:p="http://schemas.openxmlformats.org/presentationml/2006/main">
   <p:cSld>
     <p:spTree>
@@ -19815,7 +19627,7 @@
 </p:sld>
 </file>
 
-<file path=ppt/slides/slide17.xml><?xml version="1.0" encoding="utf-8"?>
+<file path=ppt/slides/slide16.xml><?xml version="1.0" encoding="utf-8"?>
 <p:sld xmlns:a="http://schemas.openxmlformats.org/drawingml/2006/main" xmlns:r="http://schemas.openxmlformats.org/officeDocument/2006/relationships" xmlns:p="http://schemas.openxmlformats.org/presentationml/2006/main">
   <p:cSld>
     <p:spTree>
@@ -20870,7 +20682,7 @@
 </p:sld>
 </file>
 
-<file path=ppt/slides/slide18.xml><?xml version="1.0" encoding="utf-8"?>
+<file path=ppt/slides/slide17.xml><?xml version="1.0" encoding="utf-8"?>
 <p:sld xmlns:a="http://schemas.openxmlformats.org/drawingml/2006/main" xmlns:r="http://schemas.openxmlformats.org/officeDocument/2006/relationships" xmlns:p="http://schemas.openxmlformats.org/presentationml/2006/main">
   <p:cSld>
     <p:spTree>
@@ -21029,7 +20841,7 @@
         <p:spPr>
           <a:xfrm>
             <a:off x="474076" y="1488391"/>
-            <a:ext cx="7228474" cy="499624"/>
+            <a:ext cx="7228474" cy="540341"/>
           </a:xfrm>
           <a:prstGeom prst="rect">
             <a:avLst/>
@@ -21048,7 +20860,7 @@
               </a:lnSpc>
             </a:pPr>
             <a:r>
-              <a:rPr lang="zh-CN" altLang="en-US" sz="2000" b="1" dirty="0">
+              <a:rPr lang="zh-CN" altLang="en-US" sz="2200" b="1" dirty="0">
                 <a:solidFill>
                   <a:schemeClr val="bg2"/>
                 </a:solidFill>
@@ -21057,7 +20869,7 @@
               </a:rPr>
               <a:t>转载开源课程到个人账户，并下载项目到本地。</a:t>
             </a:r>
-            <a:endParaRPr lang="en-US" altLang="zh-CN" sz="2000" b="1" dirty="0">
+            <a:endParaRPr lang="en-US" altLang="zh-CN" sz="2200" b="1" dirty="0">
               <a:solidFill>
                 <a:schemeClr val="bg2"/>
               </a:solidFill>
@@ -21266,7 +21078,7 @@
 </p:sld>
 </file>
 
-<file path=ppt/slides/slide19.xml><?xml version="1.0" encoding="utf-8"?>
+<file path=ppt/slides/slide18.xml><?xml version="1.0" encoding="utf-8"?>
 <p:sld xmlns:a="http://schemas.openxmlformats.org/drawingml/2006/main" xmlns:r="http://schemas.openxmlformats.org/officeDocument/2006/relationships" xmlns:p="http://schemas.openxmlformats.org/presentationml/2006/main">
   <p:cSld>
     <p:spTree>
@@ -21930,912 +21742,7 @@
 </p:sld>
 </file>
 
-<file path=ppt/slides/slide2.xml><?xml version="1.0" encoding="utf-8"?>
-<p:sld xmlns:a="http://schemas.openxmlformats.org/drawingml/2006/main" xmlns:r="http://schemas.openxmlformats.org/officeDocument/2006/relationships" xmlns:p="http://schemas.openxmlformats.org/presentationml/2006/main" showMasterSp="0">
-  <p:cSld>
-    <p:bg>
-      <p:bgPr>
-        <a:solidFill>
-          <a:schemeClr val="tx1">
-            <a:lumMod val="95000"/>
-          </a:schemeClr>
-        </a:solidFill>
-        <a:effectLst/>
-      </p:bgPr>
-    </p:bg>
-    <p:spTree>
-      <p:nvGrpSpPr>
-        <p:cNvPr id="1" name=""/>
-        <p:cNvGrpSpPr/>
-        <p:nvPr/>
-      </p:nvGrpSpPr>
-      <p:grpSpPr>
-        <a:xfrm>
-          <a:off x="0" y="0"/>
-          <a:ext cx="0" cy="0"/>
-          <a:chOff x="0" y="0"/>
-          <a:chExt cx="0" cy="0"/>
-        </a:xfrm>
-      </p:grpSpPr>
-      <p:sp>
-        <p:nvSpPr>
-          <p:cNvPr id="24" name="Rectangle 7"/>
-          <p:cNvSpPr>
-            <a:spLocks noChangeArrowheads="1"/>
-          </p:cNvSpPr>
-          <p:nvPr/>
-        </p:nvSpPr>
-        <p:spPr bwMode="auto">
-          <a:xfrm>
-            <a:off x="319693" y="1685331"/>
-            <a:ext cx="8501204" cy="1917543"/>
-          </a:xfrm>
-          <a:prstGeom prst="rect">
-            <a:avLst/>
-          </a:prstGeom>
-          <a:noFill/>
-          <a:ln>
-            <a:noFill/>
-          </a:ln>
-          <a:extLst>
-            <a:ext uri="{909E8E84-426E-40DD-AFC4-6F175D3DCCD1}">
-              <a14:hiddenFill xmlns:a14="http://schemas.microsoft.com/office/drawing/2010/main">
-                <a:solidFill>
-                  <a:srgbClr val="FFFFFF"/>
-                </a:solidFill>
-              </a14:hiddenFill>
-            </a:ext>
-            <a:ext uri="{91240B29-F687-4F45-9708-019B960494DF}">
-              <a14:hiddenLine xmlns:a14="http://schemas.microsoft.com/office/drawing/2010/main" w="9525">
-                <a:solidFill>
-                  <a:srgbClr val="000000"/>
-                </a:solidFill>
-                <a:miter lim="800000"/>
-                <a:headEnd/>
-                <a:tailEnd/>
-              </a14:hiddenLine>
-            </a:ext>
-          </a:extLst>
-        </p:spPr>
-        <p:txBody>
-          <a:bodyPr anchor="ctr"/>
-          <a:lstStyle/>
-          <a:p>
-            <a:pPr marL="0" marR="0" lvl="0" indent="0" algn="ctr" defTabSz="914400" rtl="0" eaLnBrk="1" fontAlgn="base" latinLnBrk="0" hangingPunct="1">
-              <a:lnSpc>
-                <a:spcPct val="100000"/>
-              </a:lnSpc>
-              <a:spcBef>
-                <a:spcPct val="50000"/>
-              </a:spcBef>
-              <a:spcAft>
-                <a:spcPct val="0"/>
-              </a:spcAft>
-              <a:buClrTx/>
-              <a:buSzTx/>
-              <a:buFontTx/>
-              <a:buNone/>
-              <a:tabLst/>
-              <a:defRPr/>
-            </a:pPr>
-            <a:r>
-              <a:rPr kumimoji="0" lang="en-US" altLang="zh-CN" sz="4800" b="1" i="0" u="none" strike="noStrike" kern="1200" cap="none" spc="0" normalizeH="0" baseline="0" noProof="0" dirty="0">
-                <a:ln>
-                  <a:noFill/>
-                </a:ln>
-                <a:solidFill>
-                  <a:srgbClr val="FF0000"/>
-                </a:solidFill>
-                <a:effectLst/>
-                <a:uLnTx/>
-                <a:uFillTx/>
-                <a:latin typeface="微软雅黑"/>
-                <a:ea typeface="微软雅黑"/>
-              </a:rPr>
-              <a:t>Python</a:t>
-            </a:r>
-            <a:r>
-              <a:rPr kumimoji="0" lang="zh-CN" altLang="en-US" sz="4800" b="1" i="0" u="none" strike="noStrike" kern="1200" cap="none" spc="0" normalizeH="0" baseline="0" noProof="0" dirty="0">
-                <a:ln>
-                  <a:noFill/>
-                </a:ln>
-                <a:solidFill>
-                  <a:srgbClr val="FF0000"/>
-                </a:solidFill>
-                <a:effectLst/>
-                <a:uLnTx/>
-                <a:uFillTx/>
-                <a:latin typeface="微软雅黑"/>
-                <a:ea typeface="微软雅黑"/>
-              </a:rPr>
-              <a:t>开发环境配置</a:t>
-            </a:r>
-            <a:endParaRPr kumimoji="0" lang="zh-CN" altLang="zh-CN" sz="4800" b="1" i="0" u="none" strike="noStrike" kern="1200" cap="none" spc="0" normalizeH="0" baseline="0" noProof="0" dirty="0">
-              <a:ln>
-                <a:noFill/>
-              </a:ln>
-              <a:solidFill>
-                <a:srgbClr val="FF0000"/>
-              </a:solidFill>
-              <a:effectLst/>
-              <a:uLnTx/>
-              <a:uFillTx/>
-              <a:latin typeface="微软雅黑"/>
-              <a:ea typeface="微软雅黑"/>
-            </a:endParaRPr>
-          </a:p>
-        </p:txBody>
-      </p:sp>
-      <p:sp>
-        <p:nvSpPr>
-          <p:cNvPr id="25" name="Rectangle 8"/>
-          <p:cNvSpPr>
-            <a:spLocks noChangeArrowheads="1"/>
-          </p:cNvSpPr>
-          <p:nvPr/>
-        </p:nvSpPr>
-        <p:spPr bwMode="auto">
-          <a:xfrm>
-            <a:off x="153909" y="3931738"/>
-            <a:ext cx="8809022" cy="1439862"/>
-          </a:xfrm>
-          <a:prstGeom prst="rect">
-            <a:avLst/>
-          </a:prstGeom>
-          <a:noFill/>
-          <a:ln>
-            <a:noFill/>
-          </a:ln>
-          <a:extLst>
-            <a:ext uri="{909E8E84-426E-40DD-AFC4-6F175D3DCCD1}">
-              <a14:hiddenFill xmlns:a14="http://schemas.microsoft.com/office/drawing/2010/main">
-                <a:solidFill>
-                  <a:srgbClr val="FFFFFF"/>
-                </a:solidFill>
-              </a14:hiddenFill>
-            </a:ext>
-            <a:ext uri="{91240B29-F687-4F45-9708-019B960494DF}">
-              <a14:hiddenLine xmlns:a14="http://schemas.microsoft.com/office/drawing/2010/main" w="9525">
-                <a:solidFill>
-                  <a:srgbClr val="000000"/>
-                </a:solidFill>
-                <a:miter lim="800000"/>
-                <a:headEnd/>
-                <a:tailEnd/>
-              </a14:hiddenLine>
-            </a:ext>
-          </a:extLst>
-        </p:spPr>
-        <p:txBody>
-          <a:bodyPr/>
-          <a:lstStyle/>
-          <a:p>
-            <a:pPr marL="0" marR="0" lvl="0" indent="0" algn="ctr" defTabSz="914400" rtl="0" eaLnBrk="1" fontAlgn="base" latinLnBrk="0" hangingPunct="1">
-              <a:lnSpc>
-                <a:spcPct val="150000"/>
-              </a:lnSpc>
-              <a:spcBef>
-                <a:spcPts val="0"/>
-              </a:spcBef>
-              <a:spcAft>
-                <a:spcPct val="0"/>
-              </a:spcAft>
-              <a:buClrTx/>
-              <a:buSzPct val="80000"/>
-              <a:buFontTx/>
-              <a:buNone/>
-              <a:tabLst/>
-              <a:defRPr/>
-            </a:pPr>
-            <a:r>
-              <a:rPr kumimoji="0" lang="zh-CN" altLang="en-US" sz="2400" b="1" i="0" u="none" strike="noStrike" kern="1200" cap="none" spc="0" normalizeH="0" baseline="0" noProof="0" dirty="0">
-                <a:ln>
-                  <a:noFill/>
-                </a:ln>
-                <a:solidFill>
-                  <a:srgbClr val="002060"/>
-                </a:solidFill>
-                <a:effectLst/>
-                <a:uLnTx/>
-                <a:uFillTx/>
-                <a:latin typeface="微软雅黑"/>
-                <a:ea typeface="微软雅黑"/>
-                <a:cs typeface="微软雅黑" charset="0"/>
-              </a:rPr>
-              <a:t>罗 新</a:t>
-            </a:r>
-            <a:endParaRPr kumimoji="0" lang="en-US" altLang="zh-CN" sz="2400" b="1" i="0" u="none" strike="noStrike" kern="1200" cap="none" spc="0" normalizeH="0" baseline="0" noProof="0" dirty="0">
-              <a:ln>
-                <a:noFill/>
-              </a:ln>
-              <a:solidFill>
-                <a:srgbClr val="002060"/>
-              </a:solidFill>
-              <a:effectLst/>
-              <a:uLnTx/>
-              <a:uFillTx/>
-              <a:latin typeface="微软雅黑"/>
-              <a:ea typeface="微软雅黑"/>
-              <a:cs typeface="微软雅黑" charset="0"/>
-            </a:endParaRPr>
-          </a:p>
-          <a:p>
-            <a:pPr marL="0" marR="0" lvl="0" indent="0" algn="ctr" defTabSz="914400" rtl="0" eaLnBrk="1" fontAlgn="base" latinLnBrk="0" hangingPunct="1">
-              <a:lnSpc>
-                <a:spcPct val="150000"/>
-              </a:lnSpc>
-              <a:spcBef>
-                <a:spcPts val="0"/>
-              </a:spcBef>
-              <a:spcAft>
-                <a:spcPct val="0"/>
-              </a:spcAft>
-              <a:buClrTx/>
-              <a:buSzPct val="80000"/>
-              <a:buFontTx/>
-              <a:buNone/>
-              <a:tabLst/>
-              <a:defRPr/>
-            </a:pPr>
-            <a:r>
-              <a:rPr kumimoji="0" lang="zh-CN" altLang="en-US" sz="2400" b="1" i="0" u="none" strike="noStrike" kern="1200" cap="none" spc="0" normalizeH="0" baseline="0" noProof="0" dirty="0">
-                <a:ln>
-                  <a:noFill/>
-                </a:ln>
-                <a:solidFill>
-                  <a:srgbClr val="002060"/>
-                </a:solidFill>
-                <a:effectLst/>
-                <a:uLnTx/>
-                <a:uFillTx/>
-                <a:latin typeface="微软雅黑"/>
-                <a:ea typeface="微软雅黑"/>
-                <a:cs typeface="微软雅黑" charset="0"/>
-              </a:rPr>
-              <a:t>云南大学 地球科学学院</a:t>
-            </a:r>
-            <a:endParaRPr kumimoji="0" lang="en-US" altLang="zh-CN" sz="2400" b="1" i="0" u="none" strike="noStrike" kern="1200" cap="none" spc="0" normalizeH="0" baseline="0" noProof="0" dirty="0">
-              <a:ln>
-                <a:noFill/>
-              </a:ln>
-              <a:solidFill>
-                <a:srgbClr val="002060"/>
-              </a:solidFill>
-              <a:effectLst/>
-              <a:uLnTx/>
-              <a:uFillTx/>
-              <a:latin typeface="微软雅黑"/>
-              <a:ea typeface="微软雅黑"/>
-              <a:cs typeface="微软雅黑" charset="0"/>
-            </a:endParaRPr>
-          </a:p>
-          <a:p>
-            <a:pPr marL="0" marR="0" lvl="0" indent="0" algn="ctr" defTabSz="914400" rtl="0" eaLnBrk="1" fontAlgn="base" latinLnBrk="0" hangingPunct="1">
-              <a:lnSpc>
-                <a:spcPct val="150000"/>
-              </a:lnSpc>
-              <a:spcBef>
-                <a:spcPts val="0"/>
-              </a:spcBef>
-              <a:spcAft>
-                <a:spcPct val="0"/>
-              </a:spcAft>
-              <a:buClrTx/>
-              <a:buSzPct val="80000"/>
-              <a:buFontTx/>
-              <a:buNone/>
-              <a:tabLst/>
-              <a:defRPr/>
-            </a:pPr>
-            <a:endParaRPr kumimoji="0" lang="zh-CN" altLang="en-US" sz="2800" b="1" i="0" u="none" strike="noStrike" kern="1200" cap="none" spc="0" normalizeH="0" baseline="0" noProof="0" dirty="0">
-              <a:ln>
-                <a:noFill/>
-              </a:ln>
-              <a:solidFill>
-                <a:srgbClr val="002060"/>
-              </a:solidFill>
-              <a:effectLst/>
-              <a:uLnTx/>
-              <a:uFillTx/>
-              <a:latin typeface="微软雅黑"/>
-              <a:ea typeface="微软雅黑"/>
-              <a:cs typeface="微软雅黑" charset="0"/>
-            </a:endParaRPr>
-          </a:p>
-          <a:p>
-            <a:pPr marL="0" marR="0" lvl="0" indent="0" algn="ctr" defTabSz="914400" rtl="0" eaLnBrk="1" fontAlgn="base" latinLnBrk="0" hangingPunct="1">
-              <a:lnSpc>
-                <a:spcPct val="120000"/>
-              </a:lnSpc>
-              <a:spcBef>
-                <a:spcPts val="0"/>
-              </a:spcBef>
-              <a:spcAft>
-                <a:spcPts val="0"/>
-              </a:spcAft>
-              <a:buClrTx/>
-              <a:buSzPct val="80000"/>
-              <a:buFontTx/>
-              <a:buNone/>
-              <a:tabLst/>
-              <a:defRPr/>
-            </a:pPr>
-            <a:endParaRPr kumimoji="0" lang="en-US" altLang="zh-CN" sz="2000" b="0" i="0" u="none" strike="noStrike" kern="1200" cap="none" spc="0" normalizeH="0" baseline="0" noProof="0" dirty="0">
-              <a:ln>
-                <a:noFill/>
-              </a:ln>
-              <a:solidFill>
-                <a:srgbClr val="002060"/>
-              </a:solidFill>
-              <a:effectLst/>
-              <a:uLnTx/>
-              <a:uFillTx/>
-              <a:latin typeface="微软雅黑"/>
-              <a:ea typeface="微软雅黑"/>
-              <a:cs typeface="微软雅黑" charset="0"/>
-            </a:endParaRPr>
-          </a:p>
-          <a:p>
-            <a:pPr marL="0" marR="0" lvl="0" indent="0" algn="ctr" defTabSz="914400" rtl="0" eaLnBrk="1" fontAlgn="base" latinLnBrk="0" hangingPunct="1">
-              <a:lnSpc>
-                <a:spcPct val="120000"/>
-              </a:lnSpc>
-              <a:spcBef>
-                <a:spcPts val="0"/>
-              </a:spcBef>
-              <a:spcAft>
-                <a:spcPts val="0"/>
-              </a:spcAft>
-              <a:buClrTx/>
-              <a:buSzPct val="80000"/>
-              <a:buFontTx/>
-              <a:buNone/>
-              <a:tabLst/>
-              <a:defRPr/>
-            </a:pPr>
-            <a:endParaRPr kumimoji="0" lang="en-US" altLang="zh-CN" sz="2000" b="0" i="0" u="none" strike="noStrike" kern="1200" cap="none" spc="0" normalizeH="0" baseline="0" noProof="0" dirty="0">
-              <a:ln>
-                <a:noFill/>
-              </a:ln>
-              <a:solidFill>
-                <a:srgbClr val="002060"/>
-              </a:solidFill>
-              <a:effectLst/>
-              <a:uLnTx/>
-              <a:uFillTx/>
-              <a:latin typeface="微软雅黑"/>
-              <a:ea typeface="微软雅黑"/>
-              <a:cs typeface="微软雅黑" charset="0"/>
-            </a:endParaRPr>
-          </a:p>
-          <a:p>
-            <a:pPr marL="0" marR="0" lvl="0" indent="0" algn="ctr" defTabSz="914400" rtl="0" eaLnBrk="1" fontAlgn="base" latinLnBrk="0" hangingPunct="1">
-              <a:lnSpc>
-                <a:spcPct val="120000"/>
-              </a:lnSpc>
-              <a:spcBef>
-                <a:spcPts val="0"/>
-              </a:spcBef>
-              <a:spcAft>
-                <a:spcPts val="0"/>
-              </a:spcAft>
-              <a:buClrTx/>
-              <a:buSzPct val="80000"/>
-              <a:buFontTx/>
-              <a:buNone/>
-              <a:tabLst/>
-              <a:defRPr/>
-            </a:pPr>
-            <a:endParaRPr kumimoji="0" lang="en-US" altLang="zh-CN" sz="1800" b="0" i="0" u="none" strike="noStrike" kern="1200" cap="none" spc="0" normalizeH="0" baseline="0" noProof="0" dirty="0">
-              <a:ln>
-                <a:noFill/>
-              </a:ln>
-              <a:solidFill>
-                <a:srgbClr val="002060"/>
-              </a:solidFill>
-              <a:effectLst/>
-              <a:uLnTx/>
-              <a:uFillTx/>
-              <a:latin typeface="微软雅黑"/>
-              <a:ea typeface="微软雅黑"/>
-              <a:cs typeface="微软雅黑" charset="0"/>
-            </a:endParaRPr>
-          </a:p>
-        </p:txBody>
-      </p:sp>
-      <p:sp>
-        <p:nvSpPr>
-          <p:cNvPr id="54" name="矩形 53"/>
-          <p:cNvSpPr/>
-          <p:nvPr/>
-        </p:nvSpPr>
-        <p:spPr>
-          <a:xfrm flipV="1">
-            <a:off x="792000" y="3614404"/>
-            <a:ext cx="7560000" cy="45719"/>
-          </a:xfrm>
-          <a:prstGeom prst="rect">
-            <a:avLst/>
-          </a:prstGeom>
-          <a:gradFill flip="none" rotWithShape="1">
-            <a:gsLst>
-              <a:gs pos="0">
-                <a:schemeClr val="accent1">
-                  <a:tint val="66000"/>
-                  <a:satMod val="160000"/>
-                  <a:lumMod val="0"/>
-                  <a:lumOff val="100000"/>
-                  <a:alpha val="0"/>
-                </a:schemeClr>
-              </a:gs>
-              <a:gs pos="50000">
-                <a:schemeClr val="accent1"/>
-              </a:gs>
-              <a:gs pos="100000">
-                <a:schemeClr val="accent1">
-                  <a:tint val="23500"/>
-                  <a:satMod val="160000"/>
-                  <a:lumMod val="0"/>
-                  <a:lumOff val="100000"/>
-                  <a:alpha val="0"/>
-                </a:schemeClr>
-              </a:gs>
-            </a:gsLst>
-            <a:lin ang="10800000" scaled="1"/>
-            <a:tileRect/>
-          </a:gradFill>
-        </p:spPr>
-        <p:txBody>
-          <a:bodyPr wrap="square" lIns="0" rtlCol="0" anchor="ctr">
-            <a:noAutofit/>
-          </a:bodyPr>
-          <a:lstStyle/>
-          <a:p>
-            <a:pPr marL="0" marR="0" lvl="0" indent="0" algn="l" defTabSz="914400" rtl="0" eaLnBrk="1" fontAlgn="base" latinLnBrk="0" hangingPunct="1">
-              <a:lnSpc>
-                <a:spcPct val="100000"/>
-              </a:lnSpc>
-              <a:spcBef>
-                <a:spcPct val="50000"/>
-              </a:spcBef>
-              <a:spcAft>
-                <a:spcPct val="0"/>
-              </a:spcAft>
-              <a:buClrTx/>
-              <a:buSzTx/>
-              <a:buFontTx/>
-              <a:buNone/>
-              <a:tabLst/>
-              <a:defRPr/>
-            </a:pPr>
-            <a:endParaRPr kumimoji="0" lang="zh-CN" altLang="en-US" sz="2400" b="1" i="0" u="none" strike="noStrike" kern="1200" cap="none" spc="0" normalizeH="0" baseline="0" noProof="0" dirty="0">
-              <a:ln>
-                <a:noFill/>
-              </a:ln>
-              <a:solidFill>
-                <a:srgbClr val="FF0000"/>
-              </a:solidFill>
-              <a:effectLst/>
-              <a:uLnTx/>
-              <a:uFillTx/>
-              <a:latin typeface="微软雅黑" pitchFamily="34" charset="-122"/>
-              <a:ea typeface="微软雅黑" pitchFamily="34" charset="-122"/>
-            </a:endParaRPr>
-          </a:p>
-        </p:txBody>
-      </p:sp>
-      <p:sp>
-        <p:nvSpPr>
-          <p:cNvPr id="2" name="Rectangle 1">
-            <a:extLst>
-              <a:ext uri="{FF2B5EF4-FFF2-40B4-BE49-F238E27FC236}">
-                <a16:creationId xmlns:a16="http://schemas.microsoft.com/office/drawing/2014/main" id="{C2515BE6-09AD-694B-8839-0C2DC98FAD34}"/>
-              </a:ext>
-            </a:extLst>
-          </p:cNvPr>
-          <p:cNvSpPr/>
-          <p:nvPr/>
-        </p:nvSpPr>
-        <p:spPr>
-          <a:xfrm>
-            <a:off x="307818" y="5474698"/>
-            <a:ext cx="8627953" cy="784830"/>
-          </a:xfrm>
-          <a:prstGeom prst="rect">
-            <a:avLst/>
-          </a:prstGeom>
-        </p:spPr>
-        <p:txBody>
-          <a:bodyPr wrap="square">
-            <a:spAutoFit/>
-          </a:bodyPr>
-          <a:lstStyle/>
-          <a:p>
-            <a:pPr marL="0" marR="0" lvl="0" indent="0" algn="ctr" defTabSz="914400" rtl="0" eaLnBrk="1" fontAlgn="base" latinLnBrk="0" hangingPunct="1">
-              <a:lnSpc>
-                <a:spcPct val="100000"/>
-              </a:lnSpc>
-              <a:spcBef>
-                <a:spcPct val="50000"/>
-              </a:spcBef>
-              <a:spcAft>
-                <a:spcPct val="0"/>
-              </a:spcAft>
-              <a:buClrTx/>
-              <a:buSzTx/>
-              <a:buFontTx/>
-              <a:buNone/>
-              <a:tabLst/>
-              <a:defRPr/>
-            </a:pPr>
-            <a:r>
-              <a:rPr kumimoji="0" lang="en-US" sz="1800" b="0" i="0" u="none" strike="noStrike" kern="1200" cap="none" spc="0" normalizeH="0" baseline="0" noProof="0" dirty="0">
-                <a:ln>
-                  <a:noFill/>
-                </a:ln>
-                <a:solidFill>
-                  <a:prstClr val="black"/>
-                </a:solidFill>
-                <a:effectLst/>
-                <a:uLnTx/>
-                <a:uFillTx/>
-                <a:latin typeface="微软雅黑"/>
-                <a:ea typeface="微软雅黑"/>
-              </a:rPr>
-              <a:t>邮箱</a:t>
-            </a:r>
-            <a:r>
-              <a:rPr kumimoji="0" lang="en-CN" sz="1800" b="0" i="0" u="none" strike="noStrike" kern="1200" cap="none" spc="0" normalizeH="0" baseline="0" noProof="0" dirty="0">
-                <a:ln>
-                  <a:noFill/>
-                </a:ln>
-                <a:solidFill>
-                  <a:prstClr val="black"/>
-                </a:solidFill>
-                <a:effectLst/>
-                <a:uLnTx/>
-                <a:uFillTx/>
-                <a:latin typeface="微软雅黑"/>
-                <a:ea typeface="微软雅黑"/>
-              </a:rPr>
-              <a:t>: xinluo_xin@ynu.edu.cn</a:t>
-            </a:r>
-          </a:p>
-          <a:p>
-            <a:pPr marL="0" marR="0" lvl="0" indent="0" algn="ctr" defTabSz="914400" rtl="0" eaLnBrk="1" fontAlgn="base" latinLnBrk="0" hangingPunct="1">
-              <a:lnSpc>
-                <a:spcPct val="100000"/>
-              </a:lnSpc>
-              <a:spcBef>
-                <a:spcPct val="50000"/>
-              </a:spcBef>
-              <a:spcAft>
-                <a:spcPct val="0"/>
-              </a:spcAft>
-              <a:buClrTx/>
-              <a:buSzTx/>
-              <a:buFontTx/>
-              <a:buNone/>
-              <a:tabLst/>
-              <a:defRPr/>
-            </a:pPr>
-            <a:r>
-              <a:rPr kumimoji="0" lang="en-CN" sz="1800" b="0" i="0" u="none" strike="noStrike" kern="1200" cap="none" spc="0" normalizeH="0" baseline="0" noProof="0" dirty="0">
-                <a:ln>
-                  <a:noFill/>
-                </a:ln>
-                <a:solidFill>
-                  <a:prstClr val="black"/>
-                </a:solidFill>
-                <a:effectLst/>
-                <a:uLnTx/>
-                <a:uFillTx/>
-                <a:latin typeface="微软雅黑"/>
-                <a:ea typeface="微软雅黑"/>
-              </a:rPr>
-              <a:t>地址</a:t>
-            </a:r>
-            <a:r>
-              <a:rPr kumimoji="0" lang="zh-CN" altLang="en-US" sz="1800" b="0" i="0" u="none" strike="noStrike" kern="1200" cap="none" spc="0" normalizeH="0" baseline="0" noProof="0" dirty="0">
-                <a:ln>
-                  <a:noFill/>
-                </a:ln>
-                <a:solidFill>
-                  <a:prstClr val="black"/>
-                </a:solidFill>
-                <a:effectLst/>
-                <a:uLnTx/>
-                <a:uFillTx/>
-                <a:latin typeface="微软雅黑"/>
-                <a:ea typeface="微软雅黑"/>
-              </a:rPr>
-              <a:t>：地球科学学院</a:t>
-            </a:r>
-            <a:r>
-              <a:rPr kumimoji="0" lang="en-US" altLang="zh-CN" sz="1800" b="0" i="0" u="none" strike="noStrike" kern="1200" cap="none" spc="0" normalizeH="0" baseline="0" noProof="0" dirty="0">
-                <a:ln>
-                  <a:noFill/>
-                </a:ln>
-                <a:solidFill>
-                  <a:prstClr val="black"/>
-                </a:solidFill>
-                <a:effectLst/>
-                <a:uLnTx/>
-                <a:uFillTx/>
-                <a:latin typeface="微软雅黑"/>
-                <a:ea typeface="微软雅黑"/>
-              </a:rPr>
-              <a:t>1327</a:t>
-            </a:r>
-            <a:r>
-              <a:rPr kumimoji="0" lang="zh-CN" altLang="en-US" sz="1800" b="0" i="0" u="none" strike="noStrike" kern="1200" cap="none" spc="0" normalizeH="0" baseline="0" noProof="0" dirty="0">
-                <a:ln>
-                  <a:noFill/>
-                </a:ln>
-                <a:solidFill>
-                  <a:prstClr val="black"/>
-                </a:solidFill>
-                <a:effectLst/>
-                <a:uLnTx/>
-                <a:uFillTx/>
-                <a:latin typeface="微软雅黑"/>
-                <a:ea typeface="微软雅黑"/>
-              </a:rPr>
-              <a:t>办公室</a:t>
-            </a:r>
-            <a:endParaRPr kumimoji="0" lang="en-CN" sz="1800" b="0" i="0" u="none" strike="noStrike" kern="1200" cap="none" spc="0" normalizeH="0" baseline="0" noProof="0" dirty="0">
-              <a:ln>
-                <a:noFill/>
-              </a:ln>
-              <a:solidFill>
-                <a:prstClr val="black"/>
-              </a:solidFill>
-              <a:effectLst/>
-              <a:uLnTx/>
-              <a:uFillTx/>
-              <a:latin typeface="微软雅黑"/>
-              <a:ea typeface="微软雅黑"/>
-            </a:endParaRPr>
-          </a:p>
-        </p:txBody>
-      </p:sp>
-      <p:pic>
-        <p:nvPicPr>
-          <p:cNvPr id="4" name="Picture 3">
-            <a:extLst>
-              <a:ext uri="{FF2B5EF4-FFF2-40B4-BE49-F238E27FC236}">
-                <a16:creationId xmlns:a16="http://schemas.microsoft.com/office/drawing/2014/main" id="{C5A20417-E7CA-C285-EB98-9BD26873E83E}"/>
-              </a:ext>
-            </a:extLst>
-          </p:cNvPr>
-          <p:cNvPicPr>
-            <a:picLocks noChangeAspect="1"/>
-          </p:cNvPicPr>
-          <p:nvPr/>
-        </p:nvPicPr>
-        <p:blipFill>
-          <a:blip r:embed="rId3"/>
-          <a:stretch>
-            <a:fillRect/>
-          </a:stretch>
-        </p:blipFill>
-        <p:spPr>
-          <a:xfrm>
-            <a:off x="319693" y="243144"/>
-            <a:ext cx="2866773" cy="1012641"/>
-          </a:xfrm>
-          <a:prstGeom prst="rect">
-            <a:avLst/>
-          </a:prstGeom>
-        </p:spPr>
-      </p:pic>
-      <p:pic>
-        <p:nvPicPr>
-          <p:cNvPr id="9" name="Picture 8">
-            <a:extLst>
-              <a:ext uri="{FF2B5EF4-FFF2-40B4-BE49-F238E27FC236}">
-                <a16:creationId xmlns:a16="http://schemas.microsoft.com/office/drawing/2014/main" id="{D79EB157-7CF0-C636-5797-94C0A73AF8D4}"/>
-              </a:ext>
-            </a:extLst>
-          </p:cNvPr>
-          <p:cNvPicPr>
-            <a:picLocks noChangeAspect="1"/>
-          </p:cNvPicPr>
-          <p:nvPr/>
-        </p:nvPicPr>
-        <p:blipFill>
-          <a:blip r:embed="rId4"/>
-          <a:stretch>
-            <a:fillRect/>
-          </a:stretch>
-        </p:blipFill>
-        <p:spPr>
-          <a:xfrm>
-            <a:off x="6162261" y="6259528"/>
-            <a:ext cx="2996979" cy="622992"/>
-          </a:xfrm>
-          <a:prstGeom prst="rect">
-            <a:avLst/>
-          </a:prstGeom>
-        </p:spPr>
-      </p:pic>
-      <p:sp>
-        <p:nvSpPr>
-          <p:cNvPr id="3" name="TextBox 2">
-            <a:extLst>
-              <a:ext uri="{FF2B5EF4-FFF2-40B4-BE49-F238E27FC236}">
-                <a16:creationId xmlns:a16="http://schemas.microsoft.com/office/drawing/2014/main" id="{E375549C-74EF-2C8F-6432-2C52B803FB1B}"/>
-              </a:ext>
-            </a:extLst>
-          </p:cNvPr>
-          <p:cNvSpPr txBox="1"/>
-          <p:nvPr/>
-        </p:nvSpPr>
-        <p:spPr>
-          <a:xfrm>
-            <a:off x="5219690" y="261082"/>
-            <a:ext cx="3716081" cy="369332"/>
-          </a:xfrm>
-          <a:prstGeom prst="rect">
-            <a:avLst/>
-          </a:prstGeom>
-          <a:noFill/>
-        </p:spPr>
-        <p:txBody>
-          <a:bodyPr wrap="none" rtlCol="0">
-            <a:spAutoFit/>
-          </a:bodyPr>
-          <a:lstStyle/>
-          <a:p>
-            <a:pPr marL="0" marR="0" lvl="0" indent="0" algn="ctr" defTabSz="914400" rtl="0" eaLnBrk="1" fontAlgn="base" latinLnBrk="0" hangingPunct="1">
-              <a:lnSpc>
-                <a:spcPct val="100000"/>
-              </a:lnSpc>
-              <a:spcBef>
-                <a:spcPct val="50000"/>
-              </a:spcBef>
-              <a:spcAft>
-                <a:spcPct val="0"/>
-              </a:spcAft>
-              <a:buClrTx/>
-              <a:buSzTx/>
-              <a:buFontTx/>
-              <a:buNone/>
-              <a:tabLst/>
-              <a:defRPr/>
-            </a:pPr>
-            <a:r>
-              <a:rPr kumimoji="0" lang="en-CN" sz="1800" b="1" i="0" u="none" strike="noStrike" kern="1200" cap="none" spc="0" normalizeH="0" baseline="0" noProof="0" dirty="0">
-                <a:ln>
-                  <a:noFill/>
-                </a:ln>
-                <a:solidFill>
-                  <a:prstClr val="black"/>
-                </a:solidFill>
-                <a:effectLst/>
-                <a:uLnTx/>
-                <a:uFillTx/>
-                <a:latin typeface="微软雅黑"/>
-                <a:ea typeface="微软雅黑"/>
-              </a:rPr>
-              <a:t>云南大学</a:t>
-            </a:r>
-            <a:r>
-              <a:rPr kumimoji="0" lang="en-US" altLang="zh-CN" sz="1800" b="1" i="0" u="none" strike="noStrike" kern="1200" cap="none" spc="0" normalizeH="0" baseline="0" noProof="0" dirty="0">
-                <a:ln>
-                  <a:noFill/>
-                </a:ln>
-                <a:solidFill>
-                  <a:prstClr val="black"/>
-                </a:solidFill>
-                <a:effectLst/>
-                <a:uLnTx/>
-                <a:uFillTx/>
-                <a:latin typeface="微软雅黑"/>
-                <a:ea typeface="微软雅黑"/>
-              </a:rPr>
-              <a:t>《</a:t>
-            </a:r>
-            <a:r>
-              <a:rPr kumimoji="0" lang="en-CN" sz="1800" b="1" i="0" u="none" strike="noStrike" kern="1200" cap="none" spc="0" normalizeH="0" baseline="0" noProof="0" dirty="0">
-                <a:ln>
-                  <a:noFill/>
-                </a:ln>
-                <a:solidFill>
-                  <a:prstClr val="black"/>
-                </a:solidFill>
-                <a:effectLst/>
-                <a:uLnTx/>
-                <a:uFillTx/>
-                <a:latin typeface="微软雅黑"/>
-                <a:ea typeface="微软雅黑"/>
-              </a:rPr>
-              <a:t> 开源GIS </a:t>
-            </a:r>
-            <a:r>
-              <a:rPr kumimoji="0" lang="en-US" altLang="zh-CN" sz="1800" b="1" i="0" u="none" strike="noStrike" kern="1200" cap="none" spc="0" normalizeH="0" baseline="0" noProof="0" dirty="0">
-                <a:ln>
-                  <a:noFill/>
-                </a:ln>
-                <a:solidFill>
-                  <a:prstClr val="black"/>
-                </a:solidFill>
-                <a:effectLst/>
-                <a:uLnTx/>
-                <a:uFillTx/>
-                <a:latin typeface="微软雅黑"/>
-                <a:ea typeface="微软雅黑"/>
-              </a:rPr>
-              <a:t>》</a:t>
-            </a:r>
-            <a:r>
-              <a:rPr kumimoji="0" lang="en-CN" sz="1800" b="1" i="0" u="none" strike="noStrike" kern="1200" cap="none" spc="0" normalizeH="0" baseline="0" noProof="0" dirty="0">
-                <a:ln>
-                  <a:noFill/>
-                </a:ln>
-                <a:solidFill>
-                  <a:prstClr val="black"/>
-                </a:solidFill>
-                <a:effectLst/>
-                <a:uLnTx/>
-                <a:uFillTx/>
-                <a:latin typeface="微软雅黑"/>
-                <a:ea typeface="微软雅黑"/>
-              </a:rPr>
-              <a:t>课程第</a:t>
-            </a:r>
-            <a:r>
-              <a:rPr kumimoji="0" lang="zh-CN" altLang="en-US" sz="1800" b="1" i="0" u="none" strike="noStrike" kern="1200" cap="none" spc="0" normalizeH="0" baseline="0" noProof="0" dirty="0">
-                <a:ln>
-                  <a:noFill/>
-                </a:ln>
-                <a:solidFill>
-                  <a:prstClr val="black"/>
-                </a:solidFill>
-                <a:effectLst/>
-                <a:uLnTx/>
-                <a:uFillTx/>
-                <a:latin typeface="微软雅黑"/>
-                <a:ea typeface="微软雅黑"/>
-              </a:rPr>
-              <a:t>三</a:t>
-            </a:r>
-            <a:r>
-              <a:rPr kumimoji="0" lang="en-CN" sz="1800" b="1" i="0" u="none" strike="noStrike" kern="1200" cap="none" spc="0" normalizeH="0" baseline="0" noProof="0" dirty="0">
-                <a:ln>
-                  <a:noFill/>
-                </a:ln>
-                <a:solidFill>
-                  <a:prstClr val="black"/>
-                </a:solidFill>
-                <a:effectLst/>
-                <a:uLnTx/>
-                <a:uFillTx/>
-                <a:latin typeface="微软雅黑"/>
-                <a:ea typeface="微软雅黑"/>
-              </a:rPr>
-              <a:t>章</a:t>
-            </a:r>
-          </a:p>
-        </p:txBody>
-      </p:sp>
-    </p:spTree>
-    <p:extLst>
-      <p:ext uri="{BB962C8B-B14F-4D97-AF65-F5344CB8AC3E}">
-        <p14:creationId xmlns:p14="http://schemas.microsoft.com/office/powerpoint/2010/main" val="1955629363"/>
-      </p:ext>
-    </p:extLst>
-  </p:cSld>
-  <p:clrMapOvr>
-    <a:masterClrMapping/>
-  </p:clrMapOvr>
-  <p:transition>
-    <p:fade/>
-  </p:transition>
-</p:sld>
-</file>
-
-<file path=ppt/slides/slide20.xml><?xml version="1.0" encoding="utf-8"?>
+<file path=ppt/slides/slide19.xml><?xml version="1.0" encoding="utf-8"?>
 <p:sld xmlns:a="http://schemas.openxmlformats.org/drawingml/2006/main" xmlns:r="http://schemas.openxmlformats.org/officeDocument/2006/relationships" xmlns:p="http://schemas.openxmlformats.org/presentationml/2006/main">
   <p:cSld>
     <p:spTree>
@@ -23918,6 +22825,1483 @@
 </p:sld>
 </file>
 
+<file path=ppt/slides/slide2.xml><?xml version="1.0" encoding="utf-8"?>
+<p:sld xmlns:a="http://schemas.openxmlformats.org/drawingml/2006/main" xmlns:r="http://schemas.openxmlformats.org/officeDocument/2006/relationships" xmlns:p="http://schemas.openxmlformats.org/presentationml/2006/main" showMasterSp="0">
+  <p:cSld>
+    <p:bg>
+      <p:bgPr>
+        <a:solidFill>
+          <a:schemeClr val="tx1">
+            <a:lumMod val="95000"/>
+          </a:schemeClr>
+        </a:solidFill>
+        <a:effectLst/>
+      </p:bgPr>
+    </p:bg>
+    <p:spTree>
+      <p:nvGrpSpPr>
+        <p:cNvPr id="1" name=""/>
+        <p:cNvGrpSpPr/>
+        <p:nvPr/>
+      </p:nvGrpSpPr>
+      <p:grpSpPr>
+        <a:xfrm>
+          <a:off x="0" y="0"/>
+          <a:ext cx="0" cy="0"/>
+          <a:chOff x="0" y="0"/>
+          <a:chExt cx="0" cy="0"/>
+        </a:xfrm>
+      </p:grpSpPr>
+      <p:sp>
+        <p:nvSpPr>
+          <p:cNvPr id="24" name="Rectangle 7"/>
+          <p:cNvSpPr>
+            <a:spLocks noChangeArrowheads="1"/>
+          </p:cNvSpPr>
+          <p:nvPr/>
+        </p:nvSpPr>
+        <p:spPr bwMode="auto">
+          <a:xfrm>
+            <a:off x="319693" y="1685331"/>
+            <a:ext cx="8501204" cy="1917543"/>
+          </a:xfrm>
+          <a:prstGeom prst="rect">
+            <a:avLst/>
+          </a:prstGeom>
+          <a:noFill/>
+          <a:ln>
+            <a:noFill/>
+          </a:ln>
+          <a:extLst>
+            <a:ext uri="{909E8E84-426E-40DD-AFC4-6F175D3DCCD1}">
+              <a14:hiddenFill xmlns:a14="http://schemas.microsoft.com/office/drawing/2010/main">
+                <a:solidFill>
+                  <a:srgbClr val="FFFFFF"/>
+                </a:solidFill>
+              </a14:hiddenFill>
+            </a:ext>
+            <a:ext uri="{91240B29-F687-4F45-9708-019B960494DF}">
+              <a14:hiddenLine xmlns:a14="http://schemas.microsoft.com/office/drawing/2010/main" w="9525">
+                <a:solidFill>
+                  <a:srgbClr val="000000"/>
+                </a:solidFill>
+                <a:miter lim="800000"/>
+                <a:headEnd/>
+                <a:tailEnd/>
+              </a14:hiddenLine>
+            </a:ext>
+          </a:extLst>
+        </p:spPr>
+        <p:txBody>
+          <a:bodyPr anchor="ctr"/>
+          <a:lstStyle/>
+          <a:p>
+            <a:pPr marL="0" marR="0" lvl="0" indent="0" algn="ctr" defTabSz="914400" rtl="0" eaLnBrk="1" fontAlgn="base" latinLnBrk="0" hangingPunct="1">
+              <a:lnSpc>
+                <a:spcPct val="100000"/>
+              </a:lnSpc>
+              <a:spcBef>
+                <a:spcPct val="50000"/>
+              </a:spcBef>
+              <a:spcAft>
+                <a:spcPct val="0"/>
+              </a:spcAft>
+              <a:buClrTx/>
+              <a:buSzTx/>
+              <a:buFontTx/>
+              <a:buNone/>
+              <a:tabLst/>
+              <a:defRPr/>
+            </a:pPr>
+            <a:r>
+              <a:rPr kumimoji="0" lang="en-US" altLang="zh-CN" sz="4800" b="1" i="0" u="none" strike="noStrike" kern="1200" cap="none" spc="0" normalizeH="0" baseline="0" noProof="0" dirty="0">
+                <a:ln>
+                  <a:noFill/>
+                </a:ln>
+                <a:solidFill>
+                  <a:srgbClr val="FF0000"/>
+                </a:solidFill>
+                <a:effectLst/>
+                <a:uLnTx/>
+                <a:uFillTx/>
+                <a:latin typeface="微软雅黑"/>
+                <a:ea typeface="微软雅黑"/>
+              </a:rPr>
+              <a:t>Python</a:t>
+            </a:r>
+            <a:r>
+              <a:rPr kumimoji="0" lang="zh-CN" altLang="en-US" sz="4800" b="1" i="0" u="none" strike="noStrike" kern="1200" cap="none" spc="0" normalizeH="0" baseline="0" noProof="0" dirty="0">
+                <a:ln>
+                  <a:noFill/>
+                </a:ln>
+                <a:solidFill>
+                  <a:srgbClr val="FF0000"/>
+                </a:solidFill>
+                <a:effectLst/>
+                <a:uLnTx/>
+                <a:uFillTx/>
+                <a:latin typeface="微软雅黑"/>
+                <a:ea typeface="微软雅黑"/>
+              </a:rPr>
+              <a:t>开发环境配置</a:t>
+            </a:r>
+            <a:endParaRPr kumimoji="0" lang="zh-CN" altLang="zh-CN" sz="4800" b="1" i="0" u="none" strike="noStrike" kern="1200" cap="none" spc="0" normalizeH="0" baseline="0" noProof="0" dirty="0">
+              <a:ln>
+                <a:noFill/>
+              </a:ln>
+              <a:solidFill>
+                <a:srgbClr val="FF0000"/>
+              </a:solidFill>
+              <a:effectLst/>
+              <a:uLnTx/>
+              <a:uFillTx/>
+              <a:latin typeface="微软雅黑"/>
+              <a:ea typeface="微软雅黑"/>
+            </a:endParaRPr>
+          </a:p>
+        </p:txBody>
+      </p:sp>
+      <p:sp>
+        <p:nvSpPr>
+          <p:cNvPr id="25" name="Rectangle 8"/>
+          <p:cNvSpPr>
+            <a:spLocks noChangeArrowheads="1"/>
+          </p:cNvSpPr>
+          <p:nvPr/>
+        </p:nvSpPr>
+        <p:spPr bwMode="auto">
+          <a:xfrm>
+            <a:off x="153909" y="3931738"/>
+            <a:ext cx="8809022" cy="1439862"/>
+          </a:xfrm>
+          <a:prstGeom prst="rect">
+            <a:avLst/>
+          </a:prstGeom>
+          <a:noFill/>
+          <a:ln>
+            <a:noFill/>
+          </a:ln>
+          <a:extLst>
+            <a:ext uri="{909E8E84-426E-40DD-AFC4-6F175D3DCCD1}">
+              <a14:hiddenFill xmlns:a14="http://schemas.microsoft.com/office/drawing/2010/main">
+                <a:solidFill>
+                  <a:srgbClr val="FFFFFF"/>
+                </a:solidFill>
+              </a14:hiddenFill>
+            </a:ext>
+            <a:ext uri="{91240B29-F687-4F45-9708-019B960494DF}">
+              <a14:hiddenLine xmlns:a14="http://schemas.microsoft.com/office/drawing/2010/main" w="9525">
+                <a:solidFill>
+                  <a:srgbClr val="000000"/>
+                </a:solidFill>
+                <a:miter lim="800000"/>
+                <a:headEnd/>
+                <a:tailEnd/>
+              </a14:hiddenLine>
+            </a:ext>
+          </a:extLst>
+        </p:spPr>
+        <p:txBody>
+          <a:bodyPr/>
+          <a:lstStyle/>
+          <a:p>
+            <a:pPr marL="0" marR="0" lvl="0" indent="0" algn="ctr" defTabSz="914400" rtl="0" eaLnBrk="1" fontAlgn="base" latinLnBrk="0" hangingPunct="1">
+              <a:lnSpc>
+                <a:spcPct val="150000"/>
+              </a:lnSpc>
+              <a:spcBef>
+                <a:spcPts val="0"/>
+              </a:spcBef>
+              <a:spcAft>
+                <a:spcPct val="0"/>
+              </a:spcAft>
+              <a:buClrTx/>
+              <a:buSzPct val="80000"/>
+              <a:buFontTx/>
+              <a:buNone/>
+              <a:tabLst/>
+              <a:defRPr/>
+            </a:pPr>
+            <a:r>
+              <a:rPr kumimoji="0" lang="zh-CN" altLang="en-US" sz="2400" b="1" i="0" u="none" strike="noStrike" kern="1200" cap="none" spc="0" normalizeH="0" baseline="0" noProof="0" dirty="0">
+                <a:ln>
+                  <a:noFill/>
+                </a:ln>
+                <a:solidFill>
+                  <a:srgbClr val="002060"/>
+                </a:solidFill>
+                <a:effectLst/>
+                <a:uLnTx/>
+                <a:uFillTx/>
+                <a:latin typeface="微软雅黑"/>
+                <a:ea typeface="微软雅黑"/>
+                <a:cs typeface="微软雅黑" charset="0"/>
+              </a:rPr>
+              <a:t>罗 新</a:t>
+            </a:r>
+            <a:endParaRPr kumimoji="0" lang="en-US" altLang="zh-CN" sz="2400" b="1" i="0" u="none" strike="noStrike" kern="1200" cap="none" spc="0" normalizeH="0" baseline="0" noProof="0" dirty="0">
+              <a:ln>
+                <a:noFill/>
+              </a:ln>
+              <a:solidFill>
+                <a:srgbClr val="002060"/>
+              </a:solidFill>
+              <a:effectLst/>
+              <a:uLnTx/>
+              <a:uFillTx/>
+              <a:latin typeface="微软雅黑"/>
+              <a:ea typeface="微软雅黑"/>
+              <a:cs typeface="微软雅黑" charset="0"/>
+            </a:endParaRPr>
+          </a:p>
+          <a:p>
+            <a:pPr marL="0" marR="0" lvl="0" indent="0" algn="ctr" defTabSz="914400" rtl="0" eaLnBrk="1" fontAlgn="base" latinLnBrk="0" hangingPunct="1">
+              <a:lnSpc>
+                <a:spcPct val="150000"/>
+              </a:lnSpc>
+              <a:spcBef>
+                <a:spcPts val="0"/>
+              </a:spcBef>
+              <a:spcAft>
+                <a:spcPct val="0"/>
+              </a:spcAft>
+              <a:buClrTx/>
+              <a:buSzPct val="80000"/>
+              <a:buFontTx/>
+              <a:buNone/>
+              <a:tabLst/>
+              <a:defRPr/>
+            </a:pPr>
+            <a:r>
+              <a:rPr kumimoji="0" lang="zh-CN" altLang="en-US" sz="2400" b="1" i="0" u="none" strike="noStrike" kern="1200" cap="none" spc="0" normalizeH="0" baseline="0" noProof="0" dirty="0">
+                <a:ln>
+                  <a:noFill/>
+                </a:ln>
+                <a:solidFill>
+                  <a:srgbClr val="002060"/>
+                </a:solidFill>
+                <a:effectLst/>
+                <a:uLnTx/>
+                <a:uFillTx/>
+                <a:latin typeface="微软雅黑"/>
+                <a:ea typeface="微软雅黑"/>
+                <a:cs typeface="微软雅黑" charset="0"/>
+              </a:rPr>
+              <a:t>云南大学 地球科学学院</a:t>
+            </a:r>
+            <a:endParaRPr kumimoji="0" lang="en-US" altLang="zh-CN" sz="2400" b="1" i="0" u="none" strike="noStrike" kern="1200" cap="none" spc="0" normalizeH="0" baseline="0" noProof="0" dirty="0">
+              <a:ln>
+                <a:noFill/>
+              </a:ln>
+              <a:solidFill>
+                <a:srgbClr val="002060"/>
+              </a:solidFill>
+              <a:effectLst/>
+              <a:uLnTx/>
+              <a:uFillTx/>
+              <a:latin typeface="微软雅黑"/>
+              <a:ea typeface="微软雅黑"/>
+              <a:cs typeface="微软雅黑" charset="0"/>
+            </a:endParaRPr>
+          </a:p>
+          <a:p>
+            <a:pPr marL="0" marR="0" lvl="0" indent="0" algn="ctr" defTabSz="914400" rtl="0" eaLnBrk="1" fontAlgn="base" latinLnBrk="0" hangingPunct="1">
+              <a:lnSpc>
+                <a:spcPct val="150000"/>
+              </a:lnSpc>
+              <a:spcBef>
+                <a:spcPts val="0"/>
+              </a:spcBef>
+              <a:spcAft>
+                <a:spcPct val="0"/>
+              </a:spcAft>
+              <a:buClrTx/>
+              <a:buSzPct val="80000"/>
+              <a:buFontTx/>
+              <a:buNone/>
+              <a:tabLst/>
+              <a:defRPr/>
+            </a:pPr>
+            <a:endParaRPr kumimoji="0" lang="zh-CN" altLang="en-US" sz="2800" b="1" i="0" u="none" strike="noStrike" kern="1200" cap="none" spc="0" normalizeH="0" baseline="0" noProof="0" dirty="0">
+              <a:ln>
+                <a:noFill/>
+              </a:ln>
+              <a:solidFill>
+                <a:srgbClr val="002060"/>
+              </a:solidFill>
+              <a:effectLst/>
+              <a:uLnTx/>
+              <a:uFillTx/>
+              <a:latin typeface="微软雅黑"/>
+              <a:ea typeface="微软雅黑"/>
+              <a:cs typeface="微软雅黑" charset="0"/>
+            </a:endParaRPr>
+          </a:p>
+          <a:p>
+            <a:pPr marL="0" marR="0" lvl="0" indent="0" algn="ctr" defTabSz="914400" rtl="0" eaLnBrk="1" fontAlgn="base" latinLnBrk="0" hangingPunct="1">
+              <a:lnSpc>
+                <a:spcPct val="120000"/>
+              </a:lnSpc>
+              <a:spcBef>
+                <a:spcPts val="0"/>
+              </a:spcBef>
+              <a:spcAft>
+                <a:spcPts val="0"/>
+              </a:spcAft>
+              <a:buClrTx/>
+              <a:buSzPct val="80000"/>
+              <a:buFontTx/>
+              <a:buNone/>
+              <a:tabLst/>
+              <a:defRPr/>
+            </a:pPr>
+            <a:endParaRPr kumimoji="0" lang="en-US" altLang="zh-CN" sz="2000" b="0" i="0" u="none" strike="noStrike" kern="1200" cap="none" spc="0" normalizeH="0" baseline="0" noProof="0" dirty="0">
+              <a:ln>
+                <a:noFill/>
+              </a:ln>
+              <a:solidFill>
+                <a:srgbClr val="002060"/>
+              </a:solidFill>
+              <a:effectLst/>
+              <a:uLnTx/>
+              <a:uFillTx/>
+              <a:latin typeface="微软雅黑"/>
+              <a:ea typeface="微软雅黑"/>
+              <a:cs typeface="微软雅黑" charset="0"/>
+            </a:endParaRPr>
+          </a:p>
+          <a:p>
+            <a:pPr marL="0" marR="0" lvl="0" indent="0" algn="ctr" defTabSz="914400" rtl="0" eaLnBrk="1" fontAlgn="base" latinLnBrk="0" hangingPunct="1">
+              <a:lnSpc>
+                <a:spcPct val="120000"/>
+              </a:lnSpc>
+              <a:spcBef>
+                <a:spcPts val="0"/>
+              </a:spcBef>
+              <a:spcAft>
+                <a:spcPts val="0"/>
+              </a:spcAft>
+              <a:buClrTx/>
+              <a:buSzPct val="80000"/>
+              <a:buFontTx/>
+              <a:buNone/>
+              <a:tabLst/>
+              <a:defRPr/>
+            </a:pPr>
+            <a:endParaRPr kumimoji="0" lang="en-US" altLang="zh-CN" sz="2000" b="0" i="0" u="none" strike="noStrike" kern="1200" cap="none" spc="0" normalizeH="0" baseline="0" noProof="0" dirty="0">
+              <a:ln>
+                <a:noFill/>
+              </a:ln>
+              <a:solidFill>
+                <a:srgbClr val="002060"/>
+              </a:solidFill>
+              <a:effectLst/>
+              <a:uLnTx/>
+              <a:uFillTx/>
+              <a:latin typeface="微软雅黑"/>
+              <a:ea typeface="微软雅黑"/>
+              <a:cs typeface="微软雅黑" charset="0"/>
+            </a:endParaRPr>
+          </a:p>
+          <a:p>
+            <a:pPr marL="0" marR="0" lvl="0" indent="0" algn="ctr" defTabSz="914400" rtl="0" eaLnBrk="1" fontAlgn="base" latinLnBrk="0" hangingPunct="1">
+              <a:lnSpc>
+                <a:spcPct val="120000"/>
+              </a:lnSpc>
+              <a:spcBef>
+                <a:spcPts val="0"/>
+              </a:spcBef>
+              <a:spcAft>
+                <a:spcPts val="0"/>
+              </a:spcAft>
+              <a:buClrTx/>
+              <a:buSzPct val="80000"/>
+              <a:buFontTx/>
+              <a:buNone/>
+              <a:tabLst/>
+              <a:defRPr/>
+            </a:pPr>
+            <a:endParaRPr kumimoji="0" lang="en-US" altLang="zh-CN" sz="1800" b="0" i="0" u="none" strike="noStrike" kern="1200" cap="none" spc="0" normalizeH="0" baseline="0" noProof="0" dirty="0">
+              <a:ln>
+                <a:noFill/>
+              </a:ln>
+              <a:solidFill>
+                <a:srgbClr val="002060"/>
+              </a:solidFill>
+              <a:effectLst/>
+              <a:uLnTx/>
+              <a:uFillTx/>
+              <a:latin typeface="微软雅黑"/>
+              <a:ea typeface="微软雅黑"/>
+              <a:cs typeface="微软雅黑" charset="0"/>
+            </a:endParaRPr>
+          </a:p>
+        </p:txBody>
+      </p:sp>
+      <p:sp>
+        <p:nvSpPr>
+          <p:cNvPr id="54" name="矩形 53"/>
+          <p:cNvSpPr/>
+          <p:nvPr/>
+        </p:nvSpPr>
+        <p:spPr>
+          <a:xfrm flipV="1">
+            <a:off x="792000" y="3614404"/>
+            <a:ext cx="7560000" cy="45719"/>
+          </a:xfrm>
+          <a:prstGeom prst="rect">
+            <a:avLst/>
+          </a:prstGeom>
+          <a:gradFill flip="none" rotWithShape="1">
+            <a:gsLst>
+              <a:gs pos="0">
+                <a:schemeClr val="accent1">
+                  <a:tint val="66000"/>
+                  <a:satMod val="160000"/>
+                  <a:lumMod val="0"/>
+                  <a:lumOff val="100000"/>
+                  <a:alpha val="0"/>
+                </a:schemeClr>
+              </a:gs>
+              <a:gs pos="50000">
+                <a:schemeClr val="accent1"/>
+              </a:gs>
+              <a:gs pos="100000">
+                <a:schemeClr val="accent1">
+                  <a:tint val="23500"/>
+                  <a:satMod val="160000"/>
+                  <a:lumMod val="0"/>
+                  <a:lumOff val="100000"/>
+                  <a:alpha val="0"/>
+                </a:schemeClr>
+              </a:gs>
+            </a:gsLst>
+            <a:lin ang="10800000" scaled="1"/>
+            <a:tileRect/>
+          </a:gradFill>
+        </p:spPr>
+        <p:txBody>
+          <a:bodyPr wrap="square" lIns="0" rtlCol="0" anchor="ctr">
+            <a:noAutofit/>
+          </a:bodyPr>
+          <a:lstStyle/>
+          <a:p>
+            <a:pPr marL="0" marR="0" lvl="0" indent="0" algn="l" defTabSz="914400" rtl="0" eaLnBrk="1" fontAlgn="base" latinLnBrk="0" hangingPunct="1">
+              <a:lnSpc>
+                <a:spcPct val="100000"/>
+              </a:lnSpc>
+              <a:spcBef>
+                <a:spcPct val="50000"/>
+              </a:spcBef>
+              <a:spcAft>
+                <a:spcPct val="0"/>
+              </a:spcAft>
+              <a:buClrTx/>
+              <a:buSzTx/>
+              <a:buFontTx/>
+              <a:buNone/>
+              <a:tabLst/>
+              <a:defRPr/>
+            </a:pPr>
+            <a:endParaRPr kumimoji="0" lang="zh-CN" altLang="en-US" sz="2400" b="1" i="0" u="none" strike="noStrike" kern="1200" cap="none" spc="0" normalizeH="0" baseline="0" noProof="0" dirty="0">
+              <a:ln>
+                <a:noFill/>
+              </a:ln>
+              <a:solidFill>
+                <a:srgbClr val="FF0000"/>
+              </a:solidFill>
+              <a:effectLst/>
+              <a:uLnTx/>
+              <a:uFillTx/>
+              <a:latin typeface="微软雅黑" pitchFamily="34" charset="-122"/>
+              <a:ea typeface="微软雅黑" pitchFamily="34" charset="-122"/>
+            </a:endParaRPr>
+          </a:p>
+        </p:txBody>
+      </p:sp>
+      <p:sp>
+        <p:nvSpPr>
+          <p:cNvPr id="2" name="Rectangle 1">
+            <a:extLst>
+              <a:ext uri="{FF2B5EF4-FFF2-40B4-BE49-F238E27FC236}">
+                <a16:creationId xmlns:a16="http://schemas.microsoft.com/office/drawing/2014/main" id="{C2515BE6-09AD-694B-8839-0C2DC98FAD34}"/>
+              </a:ext>
+            </a:extLst>
+          </p:cNvPr>
+          <p:cNvSpPr/>
+          <p:nvPr/>
+        </p:nvSpPr>
+        <p:spPr>
+          <a:xfrm>
+            <a:off x="307818" y="5474698"/>
+            <a:ext cx="8627953" cy="784830"/>
+          </a:xfrm>
+          <a:prstGeom prst="rect">
+            <a:avLst/>
+          </a:prstGeom>
+        </p:spPr>
+        <p:txBody>
+          <a:bodyPr wrap="square">
+            <a:spAutoFit/>
+          </a:bodyPr>
+          <a:lstStyle/>
+          <a:p>
+            <a:pPr marL="0" marR="0" lvl="0" indent="0" algn="ctr" defTabSz="914400" rtl="0" eaLnBrk="1" fontAlgn="base" latinLnBrk="0" hangingPunct="1">
+              <a:lnSpc>
+                <a:spcPct val="100000"/>
+              </a:lnSpc>
+              <a:spcBef>
+                <a:spcPct val="50000"/>
+              </a:spcBef>
+              <a:spcAft>
+                <a:spcPct val="0"/>
+              </a:spcAft>
+              <a:buClrTx/>
+              <a:buSzTx/>
+              <a:buFontTx/>
+              <a:buNone/>
+              <a:tabLst/>
+              <a:defRPr/>
+            </a:pPr>
+            <a:r>
+              <a:rPr kumimoji="0" lang="en-US" sz="1800" b="0" i="0" u="none" strike="noStrike" kern="1200" cap="none" spc="0" normalizeH="0" baseline="0" noProof="0" dirty="0">
+                <a:ln>
+                  <a:noFill/>
+                </a:ln>
+                <a:solidFill>
+                  <a:prstClr val="black"/>
+                </a:solidFill>
+                <a:effectLst/>
+                <a:uLnTx/>
+                <a:uFillTx/>
+                <a:latin typeface="微软雅黑"/>
+                <a:ea typeface="微软雅黑"/>
+              </a:rPr>
+              <a:t>邮箱</a:t>
+            </a:r>
+            <a:r>
+              <a:rPr kumimoji="0" lang="en-CN" sz="1800" b="0" i="0" u="none" strike="noStrike" kern="1200" cap="none" spc="0" normalizeH="0" baseline="0" noProof="0" dirty="0">
+                <a:ln>
+                  <a:noFill/>
+                </a:ln>
+                <a:solidFill>
+                  <a:prstClr val="black"/>
+                </a:solidFill>
+                <a:effectLst/>
+                <a:uLnTx/>
+                <a:uFillTx/>
+                <a:latin typeface="微软雅黑"/>
+                <a:ea typeface="微软雅黑"/>
+              </a:rPr>
+              <a:t>: xinluo_xin@ynu.edu.cn</a:t>
+            </a:r>
+          </a:p>
+          <a:p>
+            <a:pPr marL="0" marR="0" lvl="0" indent="0" algn="ctr" defTabSz="914400" rtl="0" eaLnBrk="1" fontAlgn="base" latinLnBrk="0" hangingPunct="1">
+              <a:lnSpc>
+                <a:spcPct val="100000"/>
+              </a:lnSpc>
+              <a:spcBef>
+                <a:spcPct val="50000"/>
+              </a:spcBef>
+              <a:spcAft>
+                <a:spcPct val="0"/>
+              </a:spcAft>
+              <a:buClrTx/>
+              <a:buSzTx/>
+              <a:buFontTx/>
+              <a:buNone/>
+              <a:tabLst/>
+              <a:defRPr/>
+            </a:pPr>
+            <a:r>
+              <a:rPr kumimoji="0" lang="en-CN" sz="1800" b="0" i="0" u="none" strike="noStrike" kern="1200" cap="none" spc="0" normalizeH="0" baseline="0" noProof="0" dirty="0">
+                <a:ln>
+                  <a:noFill/>
+                </a:ln>
+                <a:solidFill>
+                  <a:prstClr val="black"/>
+                </a:solidFill>
+                <a:effectLst/>
+                <a:uLnTx/>
+                <a:uFillTx/>
+                <a:latin typeface="微软雅黑"/>
+                <a:ea typeface="微软雅黑"/>
+              </a:rPr>
+              <a:t>地址</a:t>
+            </a:r>
+            <a:r>
+              <a:rPr kumimoji="0" lang="zh-CN" altLang="en-US" sz="1800" b="0" i="0" u="none" strike="noStrike" kern="1200" cap="none" spc="0" normalizeH="0" baseline="0" noProof="0" dirty="0">
+                <a:ln>
+                  <a:noFill/>
+                </a:ln>
+                <a:solidFill>
+                  <a:prstClr val="black"/>
+                </a:solidFill>
+                <a:effectLst/>
+                <a:uLnTx/>
+                <a:uFillTx/>
+                <a:latin typeface="微软雅黑"/>
+                <a:ea typeface="微软雅黑"/>
+              </a:rPr>
+              <a:t>：地球科学学院</a:t>
+            </a:r>
+            <a:r>
+              <a:rPr kumimoji="0" lang="en-US" altLang="zh-CN" sz="1800" b="0" i="0" u="none" strike="noStrike" kern="1200" cap="none" spc="0" normalizeH="0" baseline="0" noProof="0" dirty="0">
+                <a:ln>
+                  <a:noFill/>
+                </a:ln>
+                <a:solidFill>
+                  <a:prstClr val="black"/>
+                </a:solidFill>
+                <a:effectLst/>
+                <a:uLnTx/>
+                <a:uFillTx/>
+                <a:latin typeface="微软雅黑"/>
+                <a:ea typeface="微软雅黑"/>
+              </a:rPr>
+              <a:t>1327</a:t>
+            </a:r>
+            <a:r>
+              <a:rPr kumimoji="0" lang="zh-CN" altLang="en-US" sz="1800" b="0" i="0" u="none" strike="noStrike" kern="1200" cap="none" spc="0" normalizeH="0" baseline="0" noProof="0" dirty="0">
+                <a:ln>
+                  <a:noFill/>
+                </a:ln>
+                <a:solidFill>
+                  <a:prstClr val="black"/>
+                </a:solidFill>
+                <a:effectLst/>
+                <a:uLnTx/>
+                <a:uFillTx/>
+                <a:latin typeface="微软雅黑"/>
+                <a:ea typeface="微软雅黑"/>
+              </a:rPr>
+              <a:t>办公室</a:t>
+            </a:r>
+            <a:endParaRPr kumimoji="0" lang="en-CN" sz="1800" b="0" i="0" u="none" strike="noStrike" kern="1200" cap="none" spc="0" normalizeH="0" baseline="0" noProof="0" dirty="0">
+              <a:ln>
+                <a:noFill/>
+              </a:ln>
+              <a:solidFill>
+                <a:prstClr val="black"/>
+              </a:solidFill>
+              <a:effectLst/>
+              <a:uLnTx/>
+              <a:uFillTx/>
+              <a:latin typeface="微软雅黑"/>
+              <a:ea typeface="微软雅黑"/>
+            </a:endParaRPr>
+          </a:p>
+        </p:txBody>
+      </p:sp>
+      <p:pic>
+        <p:nvPicPr>
+          <p:cNvPr id="4" name="Picture 3">
+            <a:extLst>
+              <a:ext uri="{FF2B5EF4-FFF2-40B4-BE49-F238E27FC236}">
+                <a16:creationId xmlns:a16="http://schemas.microsoft.com/office/drawing/2014/main" id="{C5A20417-E7CA-C285-EB98-9BD26873E83E}"/>
+              </a:ext>
+            </a:extLst>
+          </p:cNvPr>
+          <p:cNvPicPr>
+            <a:picLocks noChangeAspect="1"/>
+          </p:cNvPicPr>
+          <p:nvPr/>
+        </p:nvPicPr>
+        <p:blipFill>
+          <a:blip r:embed="rId3"/>
+          <a:stretch>
+            <a:fillRect/>
+          </a:stretch>
+        </p:blipFill>
+        <p:spPr>
+          <a:xfrm>
+            <a:off x="319693" y="243144"/>
+            <a:ext cx="2866773" cy="1012641"/>
+          </a:xfrm>
+          <a:prstGeom prst="rect">
+            <a:avLst/>
+          </a:prstGeom>
+        </p:spPr>
+      </p:pic>
+      <p:pic>
+        <p:nvPicPr>
+          <p:cNvPr id="9" name="Picture 8">
+            <a:extLst>
+              <a:ext uri="{FF2B5EF4-FFF2-40B4-BE49-F238E27FC236}">
+                <a16:creationId xmlns:a16="http://schemas.microsoft.com/office/drawing/2014/main" id="{D79EB157-7CF0-C636-5797-94C0A73AF8D4}"/>
+              </a:ext>
+            </a:extLst>
+          </p:cNvPr>
+          <p:cNvPicPr>
+            <a:picLocks noChangeAspect="1"/>
+          </p:cNvPicPr>
+          <p:nvPr/>
+        </p:nvPicPr>
+        <p:blipFill>
+          <a:blip r:embed="rId4"/>
+          <a:stretch>
+            <a:fillRect/>
+          </a:stretch>
+        </p:blipFill>
+        <p:spPr>
+          <a:xfrm>
+            <a:off x="6162261" y="6259528"/>
+            <a:ext cx="2996979" cy="622992"/>
+          </a:xfrm>
+          <a:prstGeom prst="rect">
+            <a:avLst/>
+          </a:prstGeom>
+        </p:spPr>
+      </p:pic>
+      <p:sp>
+        <p:nvSpPr>
+          <p:cNvPr id="3" name="TextBox 2">
+            <a:extLst>
+              <a:ext uri="{FF2B5EF4-FFF2-40B4-BE49-F238E27FC236}">
+                <a16:creationId xmlns:a16="http://schemas.microsoft.com/office/drawing/2014/main" id="{E375549C-74EF-2C8F-6432-2C52B803FB1B}"/>
+              </a:ext>
+            </a:extLst>
+          </p:cNvPr>
+          <p:cNvSpPr txBox="1"/>
+          <p:nvPr/>
+        </p:nvSpPr>
+        <p:spPr>
+          <a:xfrm>
+            <a:off x="5219690" y="261082"/>
+            <a:ext cx="3716081" cy="369332"/>
+          </a:xfrm>
+          <a:prstGeom prst="rect">
+            <a:avLst/>
+          </a:prstGeom>
+          <a:noFill/>
+        </p:spPr>
+        <p:txBody>
+          <a:bodyPr wrap="none" rtlCol="0">
+            <a:spAutoFit/>
+          </a:bodyPr>
+          <a:lstStyle/>
+          <a:p>
+            <a:pPr marL="0" marR="0" lvl="0" indent="0" algn="ctr" defTabSz="914400" rtl="0" eaLnBrk="1" fontAlgn="base" latinLnBrk="0" hangingPunct="1">
+              <a:lnSpc>
+                <a:spcPct val="100000"/>
+              </a:lnSpc>
+              <a:spcBef>
+                <a:spcPct val="50000"/>
+              </a:spcBef>
+              <a:spcAft>
+                <a:spcPct val="0"/>
+              </a:spcAft>
+              <a:buClrTx/>
+              <a:buSzTx/>
+              <a:buFontTx/>
+              <a:buNone/>
+              <a:tabLst/>
+              <a:defRPr/>
+            </a:pPr>
+            <a:r>
+              <a:rPr kumimoji="0" lang="en-CN" sz="1800" b="1" i="0" u="none" strike="noStrike" kern="1200" cap="none" spc="0" normalizeH="0" baseline="0" noProof="0" dirty="0">
+                <a:ln>
+                  <a:noFill/>
+                </a:ln>
+                <a:solidFill>
+                  <a:prstClr val="black"/>
+                </a:solidFill>
+                <a:effectLst/>
+                <a:uLnTx/>
+                <a:uFillTx/>
+                <a:latin typeface="微软雅黑"/>
+                <a:ea typeface="微软雅黑"/>
+              </a:rPr>
+              <a:t>云南大学</a:t>
+            </a:r>
+            <a:r>
+              <a:rPr kumimoji="0" lang="en-US" altLang="zh-CN" sz="1800" b="1" i="0" u="none" strike="noStrike" kern="1200" cap="none" spc="0" normalizeH="0" baseline="0" noProof="0" dirty="0">
+                <a:ln>
+                  <a:noFill/>
+                </a:ln>
+                <a:solidFill>
+                  <a:prstClr val="black"/>
+                </a:solidFill>
+                <a:effectLst/>
+                <a:uLnTx/>
+                <a:uFillTx/>
+                <a:latin typeface="微软雅黑"/>
+                <a:ea typeface="微软雅黑"/>
+              </a:rPr>
+              <a:t>《</a:t>
+            </a:r>
+            <a:r>
+              <a:rPr kumimoji="0" lang="en-CN" sz="1800" b="1" i="0" u="none" strike="noStrike" kern="1200" cap="none" spc="0" normalizeH="0" baseline="0" noProof="0" dirty="0">
+                <a:ln>
+                  <a:noFill/>
+                </a:ln>
+                <a:solidFill>
+                  <a:prstClr val="black"/>
+                </a:solidFill>
+                <a:effectLst/>
+                <a:uLnTx/>
+                <a:uFillTx/>
+                <a:latin typeface="微软雅黑"/>
+                <a:ea typeface="微软雅黑"/>
+              </a:rPr>
+              <a:t> 开源GIS </a:t>
+            </a:r>
+            <a:r>
+              <a:rPr kumimoji="0" lang="en-US" altLang="zh-CN" sz="1800" b="1" i="0" u="none" strike="noStrike" kern="1200" cap="none" spc="0" normalizeH="0" baseline="0" noProof="0" dirty="0">
+                <a:ln>
+                  <a:noFill/>
+                </a:ln>
+                <a:solidFill>
+                  <a:prstClr val="black"/>
+                </a:solidFill>
+                <a:effectLst/>
+                <a:uLnTx/>
+                <a:uFillTx/>
+                <a:latin typeface="微软雅黑"/>
+                <a:ea typeface="微软雅黑"/>
+              </a:rPr>
+              <a:t>》</a:t>
+            </a:r>
+            <a:r>
+              <a:rPr kumimoji="0" lang="en-CN" sz="1800" b="1" i="0" u="none" strike="noStrike" kern="1200" cap="none" spc="0" normalizeH="0" baseline="0" noProof="0" dirty="0">
+                <a:ln>
+                  <a:noFill/>
+                </a:ln>
+                <a:solidFill>
+                  <a:prstClr val="black"/>
+                </a:solidFill>
+                <a:effectLst/>
+                <a:uLnTx/>
+                <a:uFillTx/>
+                <a:latin typeface="微软雅黑"/>
+                <a:ea typeface="微软雅黑"/>
+              </a:rPr>
+              <a:t>课程第</a:t>
+            </a:r>
+            <a:r>
+              <a:rPr kumimoji="0" lang="zh-CN" altLang="en-US" sz="1800" b="1" i="0" u="none" strike="noStrike" kern="1200" cap="none" spc="0" normalizeH="0" baseline="0" noProof="0" dirty="0">
+                <a:ln>
+                  <a:noFill/>
+                </a:ln>
+                <a:solidFill>
+                  <a:prstClr val="black"/>
+                </a:solidFill>
+                <a:effectLst/>
+                <a:uLnTx/>
+                <a:uFillTx/>
+                <a:latin typeface="微软雅黑"/>
+                <a:ea typeface="微软雅黑"/>
+              </a:rPr>
+              <a:t>三</a:t>
+            </a:r>
+            <a:r>
+              <a:rPr kumimoji="0" lang="en-CN" sz="1800" b="1" i="0" u="none" strike="noStrike" kern="1200" cap="none" spc="0" normalizeH="0" baseline="0" noProof="0" dirty="0">
+                <a:ln>
+                  <a:noFill/>
+                </a:ln>
+                <a:solidFill>
+                  <a:prstClr val="black"/>
+                </a:solidFill>
+                <a:effectLst/>
+                <a:uLnTx/>
+                <a:uFillTx/>
+                <a:latin typeface="微软雅黑"/>
+                <a:ea typeface="微软雅黑"/>
+              </a:rPr>
+              <a:t>章</a:t>
+            </a:r>
+          </a:p>
+        </p:txBody>
+      </p:sp>
+    </p:spTree>
+    <p:extLst>
+      <p:ext uri="{BB962C8B-B14F-4D97-AF65-F5344CB8AC3E}">
+        <p14:creationId xmlns:p14="http://schemas.microsoft.com/office/powerpoint/2010/main" val="1955629363"/>
+      </p:ext>
+    </p:extLst>
+  </p:cSld>
+  <p:clrMapOvr>
+    <a:masterClrMapping/>
+  </p:clrMapOvr>
+  <p:transition>
+    <p:fade/>
+  </p:transition>
+</p:sld>
+</file>
+
+<file path=ppt/slides/slide20.xml><?xml version="1.0" encoding="utf-8"?>
+<p:sld xmlns:a="http://schemas.openxmlformats.org/drawingml/2006/main" xmlns:r="http://schemas.openxmlformats.org/officeDocument/2006/relationships" xmlns:p="http://schemas.openxmlformats.org/presentationml/2006/main">
+  <p:cSld>
+    <p:spTree>
+      <p:nvGrpSpPr>
+        <p:cNvPr id="1" name=""/>
+        <p:cNvGrpSpPr/>
+        <p:nvPr/>
+      </p:nvGrpSpPr>
+      <p:grpSpPr>
+        <a:xfrm>
+          <a:off x="0" y="0"/>
+          <a:ext cx="0" cy="0"/>
+          <a:chOff x="0" y="0"/>
+          <a:chExt cx="0" cy="0"/>
+        </a:xfrm>
+      </p:grpSpPr>
+      <p:sp>
+        <p:nvSpPr>
+          <p:cNvPr id="3" name="标题 2"/>
+          <p:cNvSpPr>
+            <a:spLocks noGrp="1"/>
+          </p:cNvSpPr>
+          <p:nvPr>
+            <p:ph type="title"/>
+          </p:nvPr>
+        </p:nvSpPr>
+        <p:spPr>
+          <a:xfrm>
+            <a:off x="0" y="8526"/>
+            <a:ext cx="9013371" cy="792162"/>
+          </a:xfrm>
+        </p:spPr>
+        <p:txBody>
+          <a:bodyPr/>
+          <a:lstStyle/>
+          <a:p>
+            <a:r>
+              <a:rPr lang="zh-CN" altLang="en-US" dirty="0">
+                <a:latin typeface="微软雅黑" pitchFamily="34" charset="-122"/>
+                <a:ea typeface="微软雅黑" pitchFamily="34" charset="-122"/>
+              </a:rPr>
+              <a:t>二、</a:t>
+            </a:r>
+            <a:r>
+              <a:rPr lang="zh-CN" altLang="en-CN" dirty="0">
+                <a:latin typeface="微软雅黑" pitchFamily="34" charset="-122"/>
+                <a:ea typeface="微软雅黑" pitchFamily="34" charset="-122"/>
+              </a:rPr>
+              <a:t>开源</a:t>
+            </a:r>
+            <a:r>
+              <a:rPr lang="zh-CN" altLang="en-US" dirty="0">
+                <a:latin typeface="微软雅黑" pitchFamily="34" charset="-122"/>
+                <a:ea typeface="微软雅黑" pitchFamily="34" charset="-122"/>
+              </a:rPr>
+              <a:t>软件开发工具</a:t>
+            </a:r>
+          </a:p>
+        </p:txBody>
+      </p:sp>
+      <p:sp>
+        <p:nvSpPr>
+          <p:cNvPr id="2" name="TextBox 1">
+            <a:extLst>
+              <a:ext uri="{FF2B5EF4-FFF2-40B4-BE49-F238E27FC236}">
+                <a16:creationId xmlns:a16="http://schemas.microsoft.com/office/drawing/2014/main" id="{631AADB6-C88A-D817-4683-FC087E4E240F}"/>
+              </a:ext>
+            </a:extLst>
+          </p:cNvPr>
+          <p:cNvSpPr txBox="1"/>
+          <p:nvPr/>
+        </p:nvSpPr>
+        <p:spPr>
+          <a:xfrm>
+            <a:off x="317665" y="846748"/>
+            <a:ext cx="8508670" cy="662489"/>
+          </a:xfrm>
+          <a:prstGeom prst="rect">
+            <a:avLst/>
+          </a:prstGeom>
+          <a:noFill/>
+        </p:spPr>
+        <p:txBody>
+          <a:bodyPr wrap="square" rtlCol="0">
+            <a:spAutoFit/>
+          </a:bodyPr>
+          <a:lstStyle/>
+          <a:p>
+            <a:pPr algn="just">
+              <a:lnSpc>
+                <a:spcPct val="150000"/>
+              </a:lnSpc>
+            </a:pPr>
+            <a:r>
+              <a:rPr lang="en-US" altLang="zh-CN" sz="2800" b="1" dirty="0">
+                <a:solidFill>
+                  <a:srgbClr val="333333"/>
+                </a:solidFill>
+                <a:latin typeface="+mn-ea"/>
+                <a:ea typeface="+mn-ea"/>
+              </a:rPr>
+              <a:t>2</a:t>
+            </a:r>
+            <a:r>
+              <a:rPr lang="zh-CN" altLang="en-US" sz="2800" b="1" dirty="0">
+                <a:solidFill>
+                  <a:srgbClr val="333333"/>
+                </a:solidFill>
+                <a:latin typeface="+mn-ea"/>
+                <a:ea typeface="+mn-ea"/>
+              </a:rPr>
+              <a:t>、版本管理工具</a:t>
+            </a:r>
+            <a:r>
+              <a:rPr lang="en-CN" altLang="zh-CN" sz="2800" b="1" dirty="0">
+                <a:solidFill>
+                  <a:srgbClr val="333333"/>
+                </a:solidFill>
+                <a:latin typeface="+mn-ea"/>
+                <a:ea typeface="+mn-ea"/>
+              </a:rPr>
+              <a:t>git/github</a:t>
+            </a:r>
+            <a:r>
+              <a:rPr lang="zh-CN" altLang="en-US" sz="2800" b="1" dirty="0">
+                <a:solidFill>
+                  <a:srgbClr val="333333"/>
+                </a:solidFill>
+                <a:latin typeface="+mn-ea"/>
+                <a:ea typeface="+mn-ea"/>
+              </a:rPr>
+              <a:t>。</a:t>
+            </a:r>
+            <a:endParaRPr lang="en-US" altLang="zh-CN" sz="2800" b="1" dirty="0">
+              <a:solidFill>
+                <a:srgbClr val="333333"/>
+              </a:solidFill>
+              <a:latin typeface="+mn-ea"/>
+              <a:ea typeface="+mn-ea"/>
+            </a:endParaRPr>
+          </a:p>
+        </p:txBody>
+      </p:sp>
+      <p:sp>
+        <p:nvSpPr>
+          <p:cNvPr id="8" name="TextBox 7">
+            <a:extLst>
+              <a:ext uri="{FF2B5EF4-FFF2-40B4-BE49-F238E27FC236}">
+                <a16:creationId xmlns:a16="http://schemas.microsoft.com/office/drawing/2014/main" id="{A2337412-D749-2149-F722-E14B45A47143}"/>
+              </a:ext>
+            </a:extLst>
+          </p:cNvPr>
+          <p:cNvSpPr txBox="1"/>
+          <p:nvPr/>
+        </p:nvSpPr>
+        <p:spPr>
+          <a:xfrm>
+            <a:off x="798540" y="1556578"/>
+            <a:ext cx="7672360" cy="581057"/>
+          </a:xfrm>
+          <a:prstGeom prst="rect">
+            <a:avLst/>
+          </a:prstGeom>
+          <a:noFill/>
+        </p:spPr>
+        <p:txBody>
+          <a:bodyPr wrap="square">
+            <a:spAutoFit/>
+          </a:bodyPr>
+          <a:lstStyle/>
+          <a:p>
+            <a:pPr>
+              <a:lnSpc>
+                <a:spcPct val="150000"/>
+              </a:lnSpc>
+            </a:pPr>
+            <a:r>
+              <a:rPr lang="zh-CN" altLang="en-US" b="1" dirty="0">
+                <a:solidFill>
+                  <a:srgbClr val="FF0000"/>
+                </a:solidFill>
+                <a:latin typeface="+mn-ea"/>
+                <a:ea typeface="+mn-ea"/>
+              </a:rPr>
+              <a:t>部分</a:t>
+            </a:r>
+            <a:r>
+              <a:rPr lang="en-US" altLang="zh-CN" b="1" dirty="0">
+                <a:solidFill>
+                  <a:srgbClr val="FF0000"/>
+                </a:solidFill>
+                <a:latin typeface="+mn-ea"/>
+                <a:ea typeface="+mn-ea"/>
+              </a:rPr>
+              <a:t>git</a:t>
+            </a:r>
+            <a:r>
+              <a:rPr lang="zh-CN" altLang="en-US" b="1" dirty="0">
+                <a:solidFill>
+                  <a:srgbClr val="FF0000"/>
+                </a:solidFill>
+                <a:latin typeface="+mn-ea"/>
+                <a:ea typeface="+mn-ea"/>
+              </a:rPr>
+              <a:t>常用命令</a:t>
+            </a:r>
+            <a:endParaRPr lang="en-US" altLang="zh-CN" b="1" dirty="0">
+              <a:solidFill>
+                <a:srgbClr val="FF0000"/>
+              </a:solidFill>
+              <a:latin typeface="+mn-ea"/>
+              <a:ea typeface="+mn-ea"/>
+            </a:endParaRPr>
+          </a:p>
+        </p:txBody>
+      </p:sp>
+      <p:sp>
+        <p:nvSpPr>
+          <p:cNvPr id="10" name="TextBox 9">
+            <a:extLst>
+              <a:ext uri="{FF2B5EF4-FFF2-40B4-BE49-F238E27FC236}">
+                <a16:creationId xmlns:a16="http://schemas.microsoft.com/office/drawing/2014/main" id="{5FE06F54-CFCF-1F7B-8703-FF45449C4348}"/>
+              </a:ext>
+            </a:extLst>
+          </p:cNvPr>
+          <p:cNvSpPr txBox="1"/>
+          <p:nvPr/>
+        </p:nvSpPr>
+        <p:spPr>
+          <a:xfrm>
+            <a:off x="683880" y="2157523"/>
+            <a:ext cx="7787020" cy="4339650"/>
+          </a:xfrm>
+          <a:prstGeom prst="rect">
+            <a:avLst/>
+          </a:prstGeom>
+          <a:noFill/>
+        </p:spPr>
+        <p:txBody>
+          <a:bodyPr wrap="square">
+            <a:spAutoFit/>
+          </a:bodyPr>
+          <a:lstStyle/>
+          <a:p>
+            <a:pPr algn="l"/>
+            <a:r>
+              <a:rPr lang="en-US" altLang="zh-CN" dirty="0">
+                <a:solidFill>
+                  <a:srgbClr val="121212"/>
+                </a:solidFill>
+                <a:latin typeface="+mn-ea"/>
+                <a:ea typeface="+mn-ea"/>
+              </a:rPr>
+              <a:t>$ git pull: </a:t>
+            </a:r>
+            <a:r>
+              <a:rPr lang="zh-CN" altLang="en-US" dirty="0">
+                <a:solidFill>
+                  <a:srgbClr val="121212"/>
+                </a:solidFill>
+                <a:latin typeface="+mn-ea"/>
+                <a:ea typeface="+mn-ea"/>
+              </a:rPr>
+              <a:t>下载及合并</a:t>
+            </a:r>
+            <a:endParaRPr lang="en-US" altLang="zh-CN" dirty="0">
+              <a:solidFill>
+                <a:srgbClr val="121212"/>
+              </a:solidFill>
+              <a:latin typeface="+mn-ea"/>
+              <a:ea typeface="+mn-ea"/>
+            </a:endParaRPr>
+          </a:p>
+          <a:p>
+            <a:pPr algn="l"/>
+            <a:r>
+              <a:rPr lang="en-US" altLang="zh-CN" dirty="0">
+                <a:solidFill>
+                  <a:srgbClr val="121212"/>
+                </a:solidFill>
+                <a:latin typeface="+mn-ea"/>
+                <a:ea typeface="+mn-ea"/>
+              </a:rPr>
+              <a:t>$ git status: </a:t>
+            </a:r>
+            <a:r>
+              <a:rPr lang="zh-CN" altLang="en-US" dirty="0">
+                <a:solidFill>
+                  <a:srgbClr val="121212"/>
+                </a:solidFill>
+                <a:latin typeface="+mn-ea"/>
+                <a:ea typeface="+mn-ea"/>
+              </a:rPr>
+              <a:t>查看开发状态</a:t>
+            </a:r>
+            <a:endParaRPr lang="en-US" dirty="0">
+              <a:solidFill>
+                <a:srgbClr val="121212"/>
+              </a:solidFill>
+              <a:latin typeface="+mn-ea"/>
+              <a:ea typeface="+mn-ea"/>
+            </a:endParaRPr>
+          </a:p>
+          <a:p>
+            <a:pPr algn="l"/>
+            <a:r>
+              <a:rPr lang="en-US" altLang="zh-CN" dirty="0">
+                <a:solidFill>
+                  <a:srgbClr val="121212"/>
+                </a:solidFill>
+                <a:latin typeface="+mn-ea"/>
+                <a:ea typeface="+mn-ea"/>
+              </a:rPr>
+              <a:t>$ git branch: </a:t>
+            </a:r>
+            <a:r>
+              <a:rPr lang="zh-CN" altLang="en-US" dirty="0">
+                <a:solidFill>
+                  <a:srgbClr val="121212"/>
+                </a:solidFill>
+                <a:latin typeface="+mn-ea"/>
+                <a:ea typeface="+mn-ea"/>
+              </a:rPr>
+              <a:t>创建分支</a:t>
+            </a:r>
+            <a:r>
+              <a:rPr lang="en-US" altLang="zh-CN" dirty="0">
+                <a:solidFill>
+                  <a:srgbClr val="121212"/>
+                </a:solidFill>
+                <a:latin typeface="+mn-ea"/>
+                <a:ea typeface="+mn-ea"/>
+              </a:rPr>
+              <a:t>, </a:t>
+            </a:r>
+            <a:r>
+              <a:rPr lang="zh-CN" altLang="en-US" dirty="0">
+                <a:solidFill>
+                  <a:srgbClr val="121212"/>
+                </a:solidFill>
+                <a:latin typeface="+mn-ea"/>
+                <a:ea typeface="+mn-ea"/>
+              </a:rPr>
+              <a:t>参数</a:t>
+            </a:r>
+            <a:r>
+              <a:rPr lang="en-US" altLang="zh-CN" dirty="0">
+                <a:solidFill>
+                  <a:srgbClr val="121212"/>
+                </a:solidFill>
+                <a:latin typeface="+mn-ea"/>
+                <a:ea typeface="+mn-ea"/>
+              </a:rPr>
+              <a:t>-d</a:t>
+            </a:r>
+            <a:r>
+              <a:rPr lang="zh-CN" altLang="en-US" dirty="0">
+                <a:solidFill>
+                  <a:srgbClr val="121212"/>
+                </a:solidFill>
+                <a:latin typeface="+mn-ea"/>
+                <a:ea typeface="+mn-ea"/>
+              </a:rPr>
+              <a:t>，则为删除分支</a:t>
+            </a:r>
+            <a:endParaRPr lang="en-US" dirty="0">
+              <a:solidFill>
+                <a:srgbClr val="121212"/>
+              </a:solidFill>
+              <a:latin typeface="+mn-ea"/>
+              <a:ea typeface="+mn-ea"/>
+            </a:endParaRPr>
+          </a:p>
+          <a:p>
+            <a:pPr algn="l"/>
+            <a:r>
+              <a:rPr lang="en-US" altLang="zh-CN" dirty="0">
+                <a:solidFill>
+                  <a:srgbClr val="121212"/>
+                </a:solidFill>
+                <a:latin typeface="+mn-ea"/>
+                <a:ea typeface="+mn-ea"/>
+              </a:rPr>
+              <a:t>$ git checkout: </a:t>
+            </a:r>
+            <a:r>
+              <a:rPr lang="zh-CN" altLang="en-US" dirty="0">
+                <a:solidFill>
+                  <a:srgbClr val="121212"/>
+                </a:solidFill>
+                <a:latin typeface="+mn-ea"/>
+                <a:ea typeface="+mn-ea"/>
+              </a:rPr>
+              <a:t>切换分支</a:t>
+            </a:r>
+            <a:endParaRPr lang="en-US" altLang="zh-CN" dirty="0">
+              <a:solidFill>
+                <a:srgbClr val="121212"/>
+              </a:solidFill>
+              <a:latin typeface="+mn-ea"/>
+              <a:ea typeface="+mn-ea"/>
+            </a:endParaRPr>
+          </a:p>
+          <a:p>
+            <a:pPr algn="l"/>
+            <a:r>
+              <a:rPr lang="en-US" dirty="0">
+                <a:solidFill>
+                  <a:srgbClr val="121212"/>
+                </a:solidFill>
+                <a:latin typeface="+mn-ea"/>
+                <a:ea typeface="+mn-ea"/>
+              </a:rPr>
+              <a:t>$</a:t>
+            </a:r>
+            <a:r>
+              <a:rPr lang="zh-CN" altLang="en-US" dirty="0">
+                <a:solidFill>
+                  <a:srgbClr val="121212"/>
+                </a:solidFill>
+                <a:latin typeface="+mn-ea"/>
+                <a:ea typeface="+mn-ea"/>
+              </a:rPr>
+              <a:t> </a:t>
+            </a:r>
+            <a:r>
+              <a:rPr lang="en-US" altLang="zh-CN" dirty="0">
+                <a:solidFill>
+                  <a:srgbClr val="121212"/>
+                </a:solidFill>
+                <a:latin typeface="+mn-ea"/>
+                <a:ea typeface="+mn-ea"/>
+              </a:rPr>
+              <a:t>git merge: </a:t>
+            </a:r>
+            <a:r>
+              <a:rPr lang="zh-CN" altLang="en-US" dirty="0">
+                <a:solidFill>
+                  <a:srgbClr val="121212"/>
+                </a:solidFill>
+                <a:latin typeface="+mn-ea"/>
+                <a:ea typeface="+mn-ea"/>
+              </a:rPr>
+              <a:t>合并分支</a:t>
+            </a:r>
+            <a:endParaRPr lang="en-US" dirty="0">
+              <a:solidFill>
+                <a:srgbClr val="121212"/>
+              </a:solidFill>
+              <a:latin typeface="+mn-ea"/>
+              <a:ea typeface="+mn-ea"/>
+            </a:endParaRPr>
+          </a:p>
+          <a:p>
+            <a:pPr algn="l"/>
+            <a:r>
+              <a:rPr lang="en-US" dirty="0">
+                <a:solidFill>
+                  <a:srgbClr val="121212"/>
+                </a:solidFill>
+                <a:latin typeface="+mn-ea"/>
+                <a:ea typeface="+mn-ea"/>
+              </a:rPr>
+              <a:t>$ </a:t>
+            </a:r>
+            <a:r>
+              <a:rPr lang="en-US" altLang="zh-CN" dirty="0">
+                <a:solidFill>
+                  <a:srgbClr val="121212"/>
+                </a:solidFill>
+                <a:latin typeface="+mn-ea"/>
+                <a:ea typeface="+mn-ea"/>
+              </a:rPr>
+              <a:t>git add .</a:t>
+            </a:r>
+            <a:r>
+              <a:rPr lang="zh-CN" altLang="en-US" dirty="0">
+                <a:solidFill>
+                  <a:srgbClr val="121212"/>
+                </a:solidFill>
+                <a:latin typeface="+mn-ea"/>
+                <a:ea typeface="+mn-ea"/>
+              </a:rPr>
+              <a:t>：添加修改</a:t>
+            </a:r>
+            <a:endParaRPr lang="en-US" altLang="zh-CN" dirty="0">
+              <a:solidFill>
+                <a:srgbClr val="121212"/>
+              </a:solidFill>
+              <a:latin typeface="+mn-ea"/>
+              <a:ea typeface="+mn-ea"/>
+            </a:endParaRPr>
+          </a:p>
+          <a:p>
+            <a:pPr algn="l"/>
+            <a:r>
+              <a:rPr lang="en-US" altLang="zh-CN" dirty="0">
+                <a:solidFill>
+                  <a:srgbClr val="121212"/>
+                </a:solidFill>
+                <a:latin typeface="+mn-ea"/>
+                <a:ea typeface="+mn-ea"/>
+              </a:rPr>
+              <a:t>$ git commit –m ‘new commit’</a:t>
+            </a:r>
+            <a:r>
+              <a:rPr lang="zh-CN" altLang="en-US" dirty="0">
+                <a:solidFill>
+                  <a:srgbClr val="121212"/>
+                </a:solidFill>
+                <a:latin typeface="+mn-ea"/>
+                <a:ea typeface="+mn-ea"/>
+              </a:rPr>
+              <a:t>：提交修改</a:t>
+            </a:r>
+            <a:endParaRPr lang="en-US" altLang="zh-CN" dirty="0">
+              <a:solidFill>
+                <a:srgbClr val="121212"/>
+              </a:solidFill>
+              <a:latin typeface="+mn-ea"/>
+              <a:ea typeface="+mn-ea"/>
+            </a:endParaRPr>
+          </a:p>
+          <a:p>
+            <a:pPr algn="l"/>
+            <a:r>
+              <a:rPr lang="en-US" altLang="zh-CN" dirty="0">
+                <a:solidFill>
+                  <a:srgbClr val="121212"/>
+                </a:solidFill>
+                <a:latin typeface="+mn-ea"/>
+                <a:ea typeface="+mn-ea"/>
+              </a:rPr>
+              <a:t>$ git push origin main</a:t>
+            </a:r>
+            <a:r>
+              <a:rPr lang="zh-CN" altLang="en-US" dirty="0">
+                <a:solidFill>
+                  <a:srgbClr val="121212"/>
+                </a:solidFill>
+                <a:latin typeface="+mn-ea"/>
+                <a:ea typeface="+mn-ea"/>
+              </a:rPr>
+              <a:t>：上传本地仓库</a:t>
+            </a:r>
+            <a:endParaRPr lang="en-US" dirty="0">
+              <a:solidFill>
+                <a:srgbClr val="121212"/>
+              </a:solidFill>
+              <a:latin typeface="+mn-ea"/>
+              <a:ea typeface="+mn-ea"/>
+            </a:endParaRPr>
+          </a:p>
+        </p:txBody>
+      </p:sp>
+    </p:spTree>
+    <p:extLst>
+      <p:ext uri="{BB962C8B-B14F-4D97-AF65-F5344CB8AC3E}">
+        <p14:creationId xmlns:p14="http://schemas.microsoft.com/office/powerpoint/2010/main" val="3593416967"/>
+      </p:ext>
+    </p:extLst>
+  </p:cSld>
+  <p:clrMapOvr>
+    <a:masterClrMapping/>
+  </p:clrMapOvr>
+  <p:transition>
+    <p:fade/>
+  </p:transition>
+</p:sld>
+</file>
+
 <file path=ppt/slides/slide21.xml><?xml version="1.0" encoding="utf-8"?>
 <p:sld xmlns:a="http://schemas.openxmlformats.org/drawingml/2006/main" xmlns:r="http://schemas.openxmlformats.org/officeDocument/2006/relationships" xmlns:p="http://schemas.openxmlformats.org/presentationml/2006/main">
   <p:cSld>
@@ -23993,548 +24377,6 @@
         </p:nvSpPr>
         <p:spPr>
           <a:xfrm>
-            <a:off x="317665" y="846748"/>
-            <a:ext cx="8508670" cy="662489"/>
-          </a:xfrm>
-          <a:prstGeom prst="rect">
-            <a:avLst/>
-          </a:prstGeom>
-          <a:noFill/>
-        </p:spPr>
-        <p:txBody>
-          <a:bodyPr wrap="square" rtlCol="0">
-            <a:spAutoFit/>
-          </a:bodyPr>
-          <a:lstStyle/>
-          <a:p>
-            <a:pPr algn="just">
-              <a:lnSpc>
-                <a:spcPct val="150000"/>
-              </a:lnSpc>
-            </a:pPr>
-            <a:r>
-              <a:rPr lang="en-US" altLang="zh-CN" sz="2800" b="1" dirty="0">
-                <a:solidFill>
-                  <a:srgbClr val="333333"/>
-                </a:solidFill>
-                <a:latin typeface="+mn-ea"/>
-                <a:ea typeface="+mn-ea"/>
-              </a:rPr>
-              <a:t>2</a:t>
-            </a:r>
-            <a:r>
-              <a:rPr lang="zh-CN" altLang="en-US" sz="2800" b="1" dirty="0">
-                <a:solidFill>
-                  <a:srgbClr val="333333"/>
-                </a:solidFill>
-                <a:latin typeface="+mn-ea"/>
-                <a:ea typeface="+mn-ea"/>
-              </a:rPr>
-              <a:t>、版本管理工具</a:t>
-            </a:r>
-            <a:r>
-              <a:rPr lang="en-CN" altLang="zh-CN" sz="2800" b="1" dirty="0">
-                <a:solidFill>
-                  <a:srgbClr val="333333"/>
-                </a:solidFill>
-                <a:latin typeface="+mn-ea"/>
-                <a:ea typeface="+mn-ea"/>
-              </a:rPr>
-              <a:t>git/github</a:t>
-            </a:r>
-            <a:r>
-              <a:rPr lang="zh-CN" altLang="en-US" sz="2800" b="1" dirty="0">
-                <a:solidFill>
-                  <a:srgbClr val="333333"/>
-                </a:solidFill>
-                <a:latin typeface="+mn-ea"/>
-                <a:ea typeface="+mn-ea"/>
-              </a:rPr>
-              <a:t>。</a:t>
-            </a:r>
-            <a:endParaRPr lang="en-US" altLang="zh-CN" sz="2800" b="1" dirty="0">
-              <a:solidFill>
-                <a:srgbClr val="333333"/>
-              </a:solidFill>
-              <a:latin typeface="+mn-ea"/>
-              <a:ea typeface="+mn-ea"/>
-            </a:endParaRPr>
-          </a:p>
-        </p:txBody>
-      </p:sp>
-      <p:sp>
-        <p:nvSpPr>
-          <p:cNvPr id="8" name="TextBox 7">
-            <a:extLst>
-              <a:ext uri="{FF2B5EF4-FFF2-40B4-BE49-F238E27FC236}">
-                <a16:creationId xmlns:a16="http://schemas.microsoft.com/office/drawing/2014/main" id="{A2337412-D749-2149-F722-E14B45A47143}"/>
-              </a:ext>
-            </a:extLst>
-          </p:cNvPr>
-          <p:cNvSpPr txBox="1"/>
-          <p:nvPr/>
-        </p:nvSpPr>
-        <p:spPr>
-          <a:xfrm>
-            <a:off x="798540" y="1556578"/>
-            <a:ext cx="7672360" cy="499624"/>
-          </a:xfrm>
-          <a:prstGeom prst="rect">
-            <a:avLst/>
-          </a:prstGeom>
-          <a:noFill/>
-        </p:spPr>
-        <p:txBody>
-          <a:bodyPr wrap="square">
-            <a:spAutoFit/>
-          </a:bodyPr>
-          <a:lstStyle/>
-          <a:p>
-            <a:pPr algn="just">
-              <a:lnSpc>
-                <a:spcPct val="150000"/>
-              </a:lnSpc>
-            </a:pPr>
-            <a:r>
-              <a:rPr lang="zh-CN" altLang="en-US" sz="2000" b="1" dirty="0">
-                <a:solidFill>
-                  <a:schemeClr val="bg2"/>
-                </a:solidFill>
-                <a:latin typeface="+mn-ea"/>
-                <a:ea typeface="+mn-ea"/>
-              </a:rPr>
-              <a:t>部分</a:t>
-            </a:r>
-            <a:r>
-              <a:rPr lang="en-US" altLang="zh-CN" sz="2000" b="1" dirty="0">
-                <a:solidFill>
-                  <a:schemeClr val="bg2"/>
-                </a:solidFill>
-                <a:latin typeface="+mn-ea"/>
-                <a:ea typeface="+mn-ea"/>
-              </a:rPr>
-              <a:t>git</a:t>
-            </a:r>
-            <a:r>
-              <a:rPr lang="zh-CN" altLang="en-US" sz="2000" b="1" dirty="0">
-                <a:solidFill>
-                  <a:schemeClr val="bg2"/>
-                </a:solidFill>
-                <a:latin typeface="+mn-ea"/>
-                <a:ea typeface="+mn-ea"/>
-              </a:rPr>
-              <a:t>常用命令</a:t>
-            </a:r>
-            <a:endParaRPr lang="en-US" altLang="zh-CN" sz="2000" b="1" dirty="0">
-              <a:solidFill>
-                <a:schemeClr val="bg2"/>
-              </a:solidFill>
-              <a:latin typeface="+mn-ea"/>
-              <a:ea typeface="+mn-ea"/>
-            </a:endParaRPr>
-          </a:p>
-        </p:txBody>
-      </p:sp>
-      <p:sp>
-        <p:nvSpPr>
-          <p:cNvPr id="10" name="TextBox 9">
-            <a:extLst>
-              <a:ext uri="{FF2B5EF4-FFF2-40B4-BE49-F238E27FC236}">
-                <a16:creationId xmlns:a16="http://schemas.microsoft.com/office/drawing/2014/main" id="{5FE06F54-CFCF-1F7B-8703-FF45449C4348}"/>
-              </a:ext>
-            </a:extLst>
-          </p:cNvPr>
-          <p:cNvSpPr txBox="1"/>
-          <p:nvPr/>
-        </p:nvSpPr>
-        <p:spPr>
-          <a:xfrm>
-            <a:off x="683879" y="2157523"/>
-            <a:ext cx="7937607" cy="4247317"/>
-          </a:xfrm>
-          <a:prstGeom prst="rect">
-            <a:avLst/>
-          </a:prstGeom>
-          <a:noFill/>
-        </p:spPr>
-        <p:txBody>
-          <a:bodyPr wrap="square">
-            <a:spAutoFit/>
-          </a:bodyPr>
-          <a:lstStyle/>
-          <a:p>
-            <a:pPr algn="l"/>
-            <a:r>
-              <a:rPr lang="en-US" altLang="zh-CN" sz="2600" dirty="0">
-                <a:solidFill>
-                  <a:srgbClr val="121212"/>
-                </a:solidFill>
-                <a:latin typeface="+mn-ea"/>
-                <a:ea typeface="+mn-ea"/>
-              </a:rPr>
-              <a:t>$ git pull: </a:t>
-            </a:r>
-            <a:r>
-              <a:rPr lang="zh-CN" altLang="en-US" sz="2600" dirty="0">
-                <a:solidFill>
-                  <a:srgbClr val="121212"/>
-                </a:solidFill>
-                <a:latin typeface="+mn-ea"/>
-                <a:ea typeface="+mn-ea"/>
-              </a:rPr>
-              <a:t>下载及合并</a:t>
-            </a:r>
-            <a:endParaRPr lang="en-US" sz="2600" dirty="0">
-              <a:solidFill>
-                <a:srgbClr val="121212"/>
-              </a:solidFill>
-              <a:latin typeface="+mn-ea"/>
-              <a:ea typeface="+mn-ea"/>
-            </a:endParaRPr>
-          </a:p>
-          <a:p>
-            <a:pPr algn="l"/>
-            <a:r>
-              <a:rPr lang="en-US" altLang="zh-CN" sz="2600" dirty="0">
-                <a:solidFill>
-                  <a:srgbClr val="121212"/>
-                </a:solidFill>
-                <a:latin typeface="+mn-ea"/>
-                <a:ea typeface="+mn-ea"/>
-              </a:rPr>
-              <a:t>$ git branch: </a:t>
-            </a:r>
-            <a:r>
-              <a:rPr lang="zh-CN" altLang="en-US" sz="2600" dirty="0">
-                <a:solidFill>
-                  <a:srgbClr val="121212"/>
-                </a:solidFill>
-                <a:latin typeface="+mn-ea"/>
-                <a:ea typeface="+mn-ea"/>
-              </a:rPr>
-              <a:t>创建分支</a:t>
-            </a:r>
-            <a:r>
-              <a:rPr lang="en-US" altLang="zh-CN" sz="2600" dirty="0">
-                <a:solidFill>
-                  <a:srgbClr val="121212"/>
-                </a:solidFill>
-                <a:latin typeface="+mn-ea"/>
-                <a:ea typeface="+mn-ea"/>
-              </a:rPr>
-              <a:t>, </a:t>
-            </a:r>
-            <a:r>
-              <a:rPr lang="zh-CN" altLang="en-US" sz="2600" dirty="0">
-                <a:solidFill>
-                  <a:srgbClr val="121212"/>
-                </a:solidFill>
-                <a:latin typeface="+mn-ea"/>
-                <a:ea typeface="+mn-ea"/>
-              </a:rPr>
-              <a:t>参数</a:t>
-            </a:r>
-            <a:r>
-              <a:rPr lang="en-US" altLang="zh-CN" sz="2600" dirty="0">
-                <a:solidFill>
-                  <a:srgbClr val="121212"/>
-                </a:solidFill>
-                <a:latin typeface="+mn-ea"/>
-                <a:ea typeface="+mn-ea"/>
-              </a:rPr>
-              <a:t>-d</a:t>
-            </a:r>
-            <a:r>
-              <a:rPr lang="zh-CN" altLang="en-US" sz="2600" dirty="0">
-                <a:solidFill>
-                  <a:srgbClr val="121212"/>
-                </a:solidFill>
-                <a:latin typeface="+mn-ea"/>
-                <a:ea typeface="+mn-ea"/>
-              </a:rPr>
-              <a:t>，则为删除分支</a:t>
-            </a:r>
-            <a:endParaRPr lang="en-US" sz="2600" dirty="0">
-              <a:solidFill>
-                <a:srgbClr val="121212"/>
-              </a:solidFill>
-              <a:latin typeface="+mn-ea"/>
-              <a:ea typeface="+mn-ea"/>
-            </a:endParaRPr>
-          </a:p>
-          <a:p>
-            <a:pPr algn="l"/>
-            <a:r>
-              <a:rPr lang="en-US" altLang="zh-CN" sz="2600" dirty="0">
-                <a:solidFill>
-                  <a:srgbClr val="121212"/>
-                </a:solidFill>
-                <a:latin typeface="+mn-ea"/>
-                <a:ea typeface="+mn-ea"/>
-              </a:rPr>
-              <a:t>$ git checkout: </a:t>
-            </a:r>
-            <a:r>
-              <a:rPr lang="zh-CN" altLang="en-US" sz="2600" dirty="0">
-                <a:solidFill>
-                  <a:srgbClr val="121212"/>
-                </a:solidFill>
-                <a:latin typeface="+mn-ea"/>
-                <a:ea typeface="+mn-ea"/>
-              </a:rPr>
-              <a:t>切换分支</a:t>
-            </a:r>
-            <a:endParaRPr lang="en-US" altLang="zh-CN" sz="2600" dirty="0">
-              <a:solidFill>
-                <a:srgbClr val="121212"/>
-              </a:solidFill>
-              <a:latin typeface="+mn-ea"/>
-              <a:ea typeface="+mn-ea"/>
-            </a:endParaRPr>
-          </a:p>
-          <a:p>
-            <a:pPr algn="l"/>
-            <a:r>
-              <a:rPr lang="en-US" sz="2600" dirty="0">
-                <a:solidFill>
-                  <a:srgbClr val="121212"/>
-                </a:solidFill>
-                <a:latin typeface="+mn-ea"/>
-                <a:ea typeface="+mn-ea"/>
-              </a:rPr>
-              <a:t>$</a:t>
-            </a:r>
-            <a:r>
-              <a:rPr lang="zh-CN" altLang="en-US" sz="2600" dirty="0">
-                <a:solidFill>
-                  <a:srgbClr val="121212"/>
-                </a:solidFill>
-                <a:latin typeface="+mn-ea"/>
-                <a:ea typeface="+mn-ea"/>
-              </a:rPr>
-              <a:t> </a:t>
-            </a:r>
-            <a:r>
-              <a:rPr lang="en-US" altLang="zh-CN" sz="2600" dirty="0">
-                <a:solidFill>
-                  <a:srgbClr val="121212"/>
-                </a:solidFill>
-                <a:latin typeface="+mn-ea"/>
-                <a:ea typeface="+mn-ea"/>
-              </a:rPr>
-              <a:t>git merge: </a:t>
-            </a:r>
-            <a:r>
-              <a:rPr lang="zh-CN" altLang="en-US" sz="2600" dirty="0">
-                <a:solidFill>
-                  <a:srgbClr val="121212"/>
-                </a:solidFill>
-                <a:latin typeface="+mn-ea"/>
-                <a:ea typeface="+mn-ea"/>
-              </a:rPr>
-              <a:t>合并分支</a:t>
-            </a:r>
-            <a:endParaRPr lang="en-US" sz="2600" dirty="0">
-              <a:solidFill>
-                <a:srgbClr val="121212"/>
-              </a:solidFill>
-              <a:latin typeface="+mn-ea"/>
-              <a:ea typeface="+mn-ea"/>
-            </a:endParaRPr>
-          </a:p>
-          <a:p>
-            <a:pPr algn="l"/>
-            <a:r>
-              <a:rPr lang="en-US" sz="2600" dirty="0">
-                <a:solidFill>
-                  <a:srgbClr val="121212"/>
-                </a:solidFill>
-                <a:latin typeface="+mn-ea"/>
-                <a:ea typeface="+mn-ea"/>
-              </a:rPr>
-              <a:t>$ </a:t>
-            </a:r>
-            <a:r>
-              <a:rPr lang="en-US" altLang="zh-CN" sz="2600" dirty="0">
-                <a:solidFill>
-                  <a:srgbClr val="121212"/>
-                </a:solidFill>
-                <a:latin typeface="+mn-ea"/>
-                <a:ea typeface="+mn-ea"/>
-              </a:rPr>
-              <a:t>git add .</a:t>
-            </a:r>
-            <a:r>
-              <a:rPr lang="zh-CN" altLang="en-US" sz="2600" dirty="0">
-                <a:solidFill>
-                  <a:srgbClr val="121212"/>
-                </a:solidFill>
-                <a:latin typeface="+mn-ea"/>
-                <a:ea typeface="+mn-ea"/>
-              </a:rPr>
-              <a:t>：添加修改</a:t>
-            </a:r>
-            <a:endParaRPr lang="en-US" altLang="zh-CN" sz="2600" dirty="0">
-              <a:solidFill>
-                <a:srgbClr val="121212"/>
-              </a:solidFill>
-              <a:latin typeface="+mn-ea"/>
-              <a:ea typeface="+mn-ea"/>
-            </a:endParaRPr>
-          </a:p>
-          <a:p>
-            <a:pPr algn="l"/>
-            <a:r>
-              <a:rPr lang="en-US" altLang="zh-CN" sz="2600" dirty="0">
-                <a:solidFill>
-                  <a:srgbClr val="121212"/>
-                </a:solidFill>
-                <a:latin typeface="+mn-ea"/>
-                <a:ea typeface="+mn-ea"/>
-              </a:rPr>
-              <a:t>$ git commit –m ‘new commit’</a:t>
-            </a:r>
-            <a:r>
-              <a:rPr lang="zh-CN" altLang="en-US" sz="2600" dirty="0">
-                <a:solidFill>
-                  <a:srgbClr val="121212"/>
-                </a:solidFill>
-                <a:latin typeface="+mn-ea"/>
-                <a:ea typeface="+mn-ea"/>
-              </a:rPr>
-              <a:t>：提交修改</a:t>
-            </a:r>
-            <a:endParaRPr lang="en-US" altLang="zh-CN" sz="2600" dirty="0">
-              <a:solidFill>
-                <a:srgbClr val="121212"/>
-              </a:solidFill>
-              <a:latin typeface="+mn-ea"/>
-              <a:ea typeface="+mn-ea"/>
-            </a:endParaRPr>
-          </a:p>
-          <a:p>
-            <a:pPr algn="l"/>
-            <a:r>
-              <a:rPr lang="en-US" altLang="zh-CN" sz="2600" dirty="0">
-                <a:solidFill>
-                  <a:srgbClr val="121212"/>
-                </a:solidFill>
-                <a:latin typeface="+mn-ea"/>
-                <a:ea typeface="+mn-ea"/>
-              </a:rPr>
-              <a:t>$ git push origin main</a:t>
-            </a:r>
-            <a:r>
-              <a:rPr lang="zh-CN" altLang="en-US" sz="2600" dirty="0">
-                <a:solidFill>
-                  <a:srgbClr val="121212"/>
-                </a:solidFill>
-                <a:latin typeface="+mn-ea"/>
-                <a:ea typeface="+mn-ea"/>
-              </a:rPr>
-              <a:t>：上传本地仓库</a:t>
-            </a:r>
-            <a:endParaRPr lang="en-US" sz="2600" dirty="0">
-              <a:solidFill>
-                <a:srgbClr val="121212"/>
-              </a:solidFill>
-              <a:latin typeface="+mn-ea"/>
-              <a:ea typeface="+mn-ea"/>
-            </a:endParaRPr>
-          </a:p>
-        </p:txBody>
-      </p:sp>
-    </p:spTree>
-    <p:extLst>
-      <p:ext uri="{BB962C8B-B14F-4D97-AF65-F5344CB8AC3E}">
-        <p14:creationId xmlns:p14="http://schemas.microsoft.com/office/powerpoint/2010/main" val="3593416967"/>
-      </p:ext>
-    </p:extLst>
-  </p:cSld>
-  <p:clrMapOvr>
-    <a:masterClrMapping/>
-  </p:clrMapOvr>
-  <p:transition>
-    <p:fade/>
-  </p:transition>
-</p:sld>
-</file>
-
-<file path=ppt/slides/slide22.xml><?xml version="1.0" encoding="utf-8"?>
-<p:sld xmlns:a="http://schemas.openxmlformats.org/drawingml/2006/main" xmlns:r="http://schemas.openxmlformats.org/officeDocument/2006/relationships" xmlns:p="http://schemas.openxmlformats.org/presentationml/2006/main">
-  <p:cSld>
-    <p:spTree>
-      <p:nvGrpSpPr>
-        <p:cNvPr id="1" name=""/>
-        <p:cNvGrpSpPr/>
-        <p:nvPr/>
-      </p:nvGrpSpPr>
-      <p:grpSpPr>
-        <a:xfrm>
-          <a:off x="0" y="0"/>
-          <a:ext cx="0" cy="0"/>
-          <a:chOff x="0" y="0"/>
-          <a:chExt cx="0" cy="0"/>
-        </a:xfrm>
-      </p:grpSpPr>
-      <p:sp>
-        <p:nvSpPr>
-          <p:cNvPr id="3" name="标题 2"/>
-          <p:cNvSpPr>
-            <a:spLocks noGrp="1"/>
-          </p:cNvSpPr>
-          <p:nvPr>
-            <p:ph type="title"/>
-          </p:nvPr>
-        </p:nvSpPr>
-        <p:spPr>
-          <a:xfrm>
-            <a:off x="0" y="8526"/>
-            <a:ext cx="9013371" cy="792162"/>
-          </a:xfrm>
-        </p:spPr>
-        <p:txBody>
-          <a:bodyPr/>
-          <a:lstStyle/>
-          <a:p>
-            <a:r>
-              <a:rPr lang="zh-CN" altLang="en-US" dirty="0">
-                <a:latin typeface="微软雅黑" pitchFamily="34" charset="-122"/>
-                <a:ea typeface="微软雅黑" pitchFamily="34" charset="-122"/>
-              </a:rPr>
-              <a:t>二、</a:t>
-            </a:r>
-            <a:r>
-              <a:rPr lang="zh-CN" altLang="en-CN" dirty="0">
-                <a:latin typeface="微软雅黑" pitchFamily="34" charset="-122"/>
-                <a:ea typeface="微软雅黑" pitchFamily="34" charset="-122"/>
-              </a:rPr>
-              <a:t>开源</a:t>
-            </a:r>
-            <a:r>
-              <a:rPr lang="zh-CN" altLang="en-US" dirty="0">
-                <a:latin typeface="微软雅黑" pitchFamily="34" charset="-122"/>
-                <a:ea typeface="微软雅黑" pitchFamily="34" charset="-122"/>
-              </a:rPr>
-              <a:t>软件开发工具</a:t>
-            </a:r>
-          </a:p>
-        </p:txBody>
-      </p:sp>
-      <p:sp>
-        <p:nvSpPr>
-          <p:cNvPr id="2" name="TextBox 1">
-            <a:extLst>
-              <a:ext uri="{FF2B5EF4-FFF2-40B4-BE49-F238E27FC236}">
-                <a16:creationId xmlns:a16="http://schemas.microsoft.com/office/drawing/2014/main" id="{631AADB6-C88A-D817-4683-FC087E4E240F}"/>
-              </a:ext>
-            </a:extLst>
-          </p:cNvPr>
-          <p:cNvSpPr txBox="1"/>
-          <p:nvPr/>
-        </p:nvSpPr>
-        <p:spPr>
-          <a:xfrm>
             <a:off x="317665" y="999705"/>
             <a:ext cx="8508670" cy="662489"/>
           </a:xfrm>
@@ -24806,7 +24648,7 @@
 </p:sld>
 </file>
 
-<file path=ppt/slides/slide23.xml><?xml version="1.0" encoding="utf-8"?>
+<file path=ppt/slides/slide22.xml><?xml version="1.0" encoding="utf-8"?>
 <p:sld xmlns:a="http://schemas.openxmlformats.org/drawingml/2006/main" xmlns:r="http://schemas.openxmlformats.org/officeDocument/2006/relationships" xmlns:p="http://schemas.openxmlformats.org/presentationml/2006/main">
   <p:cSld>
     <p:spTree>
@@ -24956,6 +24798,571 @@
     <p:extLst>
       <p:ext uri="{BB962C8B-B14F-4D97-AF65-F5344CB8AC3E}">
         <p14:creationId xmlns:p14="http://schemas.microsoft.com/office/powerpoint/2010/main" val="972163772"/>
+      </p:ext>
+    </p:extLst>
+  </p:cSld>
+  <p:clrMapOvr>
+    <a:masterClrMapping/>
+  </p:clrMapOvr>
+  <p:transition>
+    <p:fade/>
+  </p:transition>
+</p:sld>
+</file>
+
+<file path=ppt/slides/slide23.xml><?xml version="1.0" encoding="utf-8"?>
+<p:sld xmlns:a="http://schemas.openxmlformats.org/drawingml/2006/main" xmlns:r="http://schemas.openxmlformats.org/officeDocument/2006/relationships" xmlns:p="http://schemas.openxmlformats.org/presentationml/2006/main">
+  <p:cSld>
+    <p:spTree>
+      <p:nvGrpSpPr>
+        <p:cNvPr id="1" name=""/>
+        <p:cNvGrpSpPr/>
+        <p:nvPr/>
+      </p:nvGrpSpPr>
+      <p:grpSpPr>
+        <a:xfrm>
+          <a:off x="0" y="0"/>
+          <a:ext cx="0" cy="0"/>
+          <a:chOff x="0" y="0"/>
+          <a:chExt cx="0" cy="0"/>
+        </a:xfrm>
+      </p:grpSpPr>
+      <p:sp>
+        <p:nvSpPr>
+          <p:cNvPr id="3" name="标题 2"/>
+          <p:cNvSpPr>
+            <a:spLocks noGrp="1"/>
+          </p:cNvSpPr>
+          <p:nvPr>
+            <p:ph type="title"/>
+          </p:nvPr>
+        </p:nvSpPr>
+        <p:spPr>
+          <a:xfrm>
+            <a:off x="0" y="8526"/>
+            <a:ext cx="9013371" cy="792162"/>
+          </a:xfrm>
+        </p:spPr>
+        <p:txBody>
+          <a:bodyPr/>
+          <a:lstStyle/>
+          <a:p>
+            <a:pPr algn="l" fontAlgn="auto">
+              <a:spcBef>
+                <a:spcPts val="0"/>
+              </a:spcBef>
+              <a:spcAft>
+                <a:spcPts val="0"/>
+              </a:spcAft>
+            </a:pPr>
+            <a:r>
+              <a:rPr lang="zh-CN" altLang="en-US" sz="3600" b="1" dirty="0">
+                <a:latin typeface="微软雅黑" pitchFamily="34" charset="-122"/>
+                <a:ea typeface="微软雅黑" pitchFamily="34" charset="-122"/>
+              </a:rPr>
+              <a:t>三、</a:t>
+            </a:r>
+            <a:r>
+              <a:rPr lang="en-US" altLang="zh-CN" sz="3600" b="1" dirty="0">
+                <a:latin typeface="微软雅黑" pitchFamily="34" charset="-122"/>
+                <a:ea typeface="微软雅黑" pitchFamily="34" charset="-122"/>
+              </a:rPr>
+              <a:t>Python</a:t>
+            </a:r>
+            <a:r>
+              <a:rPr lang="zh-CN" altLang="en-US" sz="3600" b="1" dirty="0">
+                <a:latin typeface="微软雅黑" pitchFamily="34" charset="-122"/>
+                <a:ea typeface="微软雅黑" pitchFamily="34" charset="-122"/>
+              </a:rPr>
+              <a:t>开发环境配置</a:t>
+            </a:r>
+          </a:p>
+        </p:txBody>
+      </p:sp>
+      <p:sp>
+        <p:nvSpPr>
+          <p:cNvPr id="2" name="TextBox 1">
+            <a:extLst>
+              <a:ext uri="{FF2B5EF4-FFF2-40B4-BE49-F238E27FC236}">
+                <a16:creationId xmlns:a16="http://schemas.microsoft.com/office/drawing/2014/main" id="{631AADB6-C88A-D817-4683-FC087E4E240F}"/>
+              </a:ext>
+            </a:extLst>
+          </p:cNvPr>
+          <p:cNvSpPr txBox="1"/>
+          <p:nvPr/>
+        </p:nvSpPr>
+        <p:spPr>
+          <a:xfrm>
+            <a:off x="317665" y="902168"/>
+            <a:ext cx="8508670" cy="662489"/>
+          </a:xfrm>
+          <a:prstGeom prst="rect">
+            <a:avLst/>
+          </a:prstGeom>
+          <a:noFill/>
+        </p:spPr>
+        <p:txBody>
+          <a:bodyPr wrap="square" rtlCol="0">
+            <a:spAutoFit/>
+          </a:bodyPr>
+          <a:lstStyle/>
+          <a:p>
+            <a:pPr algn="just">
+              <a:lnSpc>
+                <a:spcPct val="150000"/>
+              </a:lnSpc>
+            </a:pPr>
+            <a:r>
+              <a:rPr lang="en-US" altLang="zh-CN" sz="2800" b="1" dirty="0">
+                <a:solidFill>
+                  <a:srgbClr val="333333"/>
+                </a:solidFill>
+                <a:latin typeface="+mn-ea"/>
+                <a:ea typeface="+mn-ea"/>
+              </a:rPr>
+              <a:t>1</a:t>
+            </a:r>
+            <a:r>
+              <a:rPr lang="zh-CN" altLang="en-US" sz="2800" b="1" dirty="0">
+                <a:solidFill>
+                  <a:srgbClr val="333333"/>
+                </a:solidFill>
+                <a:latin typeface="+mn-ea"/>
+                <a:ea typeface="+mn-ea"/>
+              </a:rPr>
+              <a:t>、</a:t>
+            </a:r>
+            <a:r>
+              <a:rPr lang="en-US" altLang="zh-CN" sz="2800" b="1" dirty="0">
+                <a:solidFill>
+                  <a:srgbClr val="333333"/>
+                </a:solidFill>
+                <a:latin typeface="+mn-ea"/>
+                <a:ea typeface="+mn-ea"/>
+              </a:rPr>
+              <a:t>Python</a:t>
+            </a:r>
+            <a:r>
+              <a:rPr lang="zh-CN" altLang="en-US" sz="2800" b="1" dirty="0">
+                <a:solidFill>
+                  <a:srgbClr val="333333"/>
+                </a:solidFill>
+                <a:latin typeface="+mn-ea"/>
+                <a:ea typeface="+mn-ea"/>
+              </a:rPr>
+              <a:t>开发环境概念</a:t>
+            </a:r>
+            <a:endParaRPr lang="en-US" altLang="zh-CN" sz="2800" b="1" dirty="0">
+              <a:solidFill>
+                <a:srgbClr val="333333"/>
+              </a:solidFill>
+              <a:latin typeface="+mn-ea"/>
+              <a:ea typeface="+mn-ea"/>
+            </a:endParaRPr>
+          </a:p>
+        </p:txBody>
+      </p:sp>
+      <p:sp>
+        <p:nvSpPr>
+          <p:cNvPr id="17" name="TextBox 16">
+            <a:extLst>
+              <a:ext uri="{FF2B5EF4-FFF2-40B4-BE49-F238E27FC236}">
+                <a16:creationId xmlns:a16="http://schemas.microsoft.com/office/drawing/2014/main" id="{9E05FFCA-3371-AF5C-381D-71D984055F5A}"/>
+              </a:ext>
+            </a:extLst>
+          </p:cNvPr>
+          <p:cNvSpPr txBox="1"/>
+          <p:nvPr/>
+        </p:nvSpPr>
+        <p:spPr>
+          <a:xfrm>
+            <a:off x="402610" y="1607631"/>
+            <a:ext cx="8423726" cy="4782207"/>
+          </a:xfrm>
+          <a:prstGeom prst="rect">
+            <a:avLst/>
+          </a:prstGeom>
+          <a:noFill/>
+        </p:spPr>
+        <p:txBody>
+          <a:bodyPr wrap="square">
+            <a:spAutoFit/>
+          </a:bodyPr>
+          <a:lstStyle/>
+          <a:p>
+            <a:pPr algn="l">
+              <a:lnSpc>
+                <a:spcPct val="200000"/>
+              </a:lnSpc>
+            </a:pPr>
+            <a:r>
+              <a:rPr lang="en-US" altLang="zh-CN" b="0" i="0" dirty="0">
+                <a:solidFill>
+                  <a:srgbClr val="333333"/>
+                </a:solidFill>
+                <a:effectLst/>
+                <a:latin typeface="Microsoft YaHei" panose="020B0503020204020204" pitchFamily="34" charset="-122"/>
+                <a:ea typeface="Microsoft YaHei" panose="020B0503020204020204" pitchFamily="34" charset="-122"/>
+              </a:rPr>
+              <a:t>1</a:t>
+            </a:r>
+            <a:r>
+              <a:rPr lang="zh-CN" altLang="en-US" b="0" i="0" dirty="0">
+                <a:solidFill>
+                  <a:srgbClr val="333333"/>
+                </a:solidFill>
+                <a:effectLst/>
+                <a:latin typeface="Microsoft YaHei" panose="020B0503020204020204" pitchFamily="34" charset="-122"/>
+                <a:ea typeface="Microsoft YaHei" panose="020B0503020204020204" pitchFamily="34" charset="-122"/>
+              </a:rPr>
+              <a:t>）开发环境顾名思义是指程序员在编写代码时所使用的环境。配置开发环境目的</a:t>
+            </a:r>
+            <a:r>
+              <a:rPr lang="zh-CN" altLang="en-US" dirty="0">
+                <a:solidFill>
+                  <a:srgbClr val="333333"/>
+                </a:solidFill>
+                <a:latin typeface="Microsoft YaHei" panose="020B0503020204020204" pitchFamily="34" charset="-122"/>
+                <a:ea typeface="Microsoft YaHei" panose="020B0503020204020204" pitchFamily="34" charset="-122"/>
+              </a:rPr>
+              <a:t>是</a:t>
+            </a:r>
+            <a:r>
+              <a:rPr lang="zh-CN" altLang="en-US" b="0" i="0" dirty="0">
+                <a:solidFill>
+                  <a:srgbClr val="333333"/>
+                </a:solidFill>
+                <a:effectLst/>
+                <a:latin typeface="Microsoft YaHei" panose="020B0503020204020204" pitchFamily="34" charset="-122"/>
+                <a:ea typeface="Microsoft YaHei" panose="020B0503020204020204" pitchFamily="34" charset="-122"/>
+              </a:rPr>
+              <a:t>最大程度提高程序员的开发效率。</a:t>
+            </a:r>
+            <a:endParaRPr lang="en-US" altLang="zh-CN" b="0" i="0" dirty="0">
+              <a:solidFill>
+                <a:srgbClr val="333333"/>
+              </a:solidFill>
+              <a:effectLst/>
+              <a:latin typeface="Microsoft YaHei" panose="020B0503020204020204" pitchFamily="34" charset="-122"/>
+              <a:ea typeface="Microsoft YaHei" panose="020B0503020204020204" pitchFamily="34" charset="-122"/>
+            </a:endParaRPr>
+          </a:p>
+          <a:p>
+            <a:pPr algn="l">
+              <a:lnSpc>
+                <a:spcPct val="200000"/>
+              </a:lnSpc>
+            </a:pPr>
+            <a:r>
+              <a:rPr lang="en-US" altLang="zh-CN" dirty="0">
+                <a:solidFill>
+                  <a:srgbClr val="333333"/>
+                </a:solidFill>
+                <a:latin typeface="Microsoft YaHei" panose="020B0503020204020204" pitchFamily="34" charset="-122"/>
+                <a:ea typeface="Microsoft YaHei" panose="020B0503020204020204" pitchFamily="34" charset="-122"/>
+              </a:rPr>
+              <a:t>2</a:t>
+            </a:r>
+            <a:r>
+              <a:rPr lang="zh-CN" altLang="en-US" b="0" i="0" dirty="0">
+                <a:solidFill>
+                  <a:srgbClr val="333333"/>
+                </a:solidFill>
+                <a:effectLst/>
+                <a:latin typeface="Microsoft YaHei" panose="020B0503020204020204" pitchFamily="34" charset="-122"/>
+                <a:ea typeface="Microsoft YaHei" panose="020B0503020204020204" pitchFamily="34" charset="-122"/>
+              </a:rPr>
+              <a:t>） </a:t>
+            </a:r>
+            <a:r>
+              <a:rPr lang="en-US" altLang="zh-CN" dirty="0">
+                <a:solidFill>
+                  <a:srgbClr val="333333"/>
+                </a:solidFill>
+                <a:latin typeface="Microsoft YaHei" panose="020B0503020204020204" pitchFamily="34" charset="-122"/>
+                <a:ea typeface="Microsoft YaHei" panose="020B0503020204020204" pitchFamily="34" charset="-122"/>
+              </a:rPr>
+              <a:t>Python</a:t>
+            </a:r>
+            <a:r>
+              <a:rPr lang="zh-CN" altLang="en-US" dirty="0">
+                <a:solidFill>
+                  <a:srgbClr val="333333"/>
+                </a:solidFill>
+                <a:latin typeface="Microsoft YaHei" panose="020B0503020204020204" pitchFamily="34" charset="-122"/>
+                <a:ea typeface="Microsoft YaHei" panose="020B0503020204020204" pitchFamily="34" charset="-122"/>
+              </a:rPr>
+              <a:t>开发环境一般包括：</a:t>
+            </a:r>
+            <a:r>
+              <a:rPr lang="en-US" altLang="zh-CN" dirty="0">
+                <a:solidFill>
+                  <a:srgbClr val="333333"/>
+                </a:solidFill>
+                <a:latin typeface="Microsoft YaHei" panose="020B0503020204020204" pitchFamily="34" charset="-122"/>
+                <a:ea typeface="Microsoft YaHei" panose="020B0503020204020204" pitchFamily="34" charset="-122"/>
+              </a:rPr>
+              <a:t>a</a:t>
+            </a:r>
+            <a:r>
+              <a:rPr lang="zh-CN" altLang="en-US" dirty="0">
+                <a:solidFill>
+                  <a:srgbClr val="333333"/>
+                </a:solidFill>
+                <a:latin typeface="Microsoft YaHei" panose="020B0503020204020204" pitchFamily="34" charset="-122"/>
+                <a:ea typeface="Microsoft YaHei" panose="020B0503020204020204" pitchFamily="34" charset="-122"/>
+              </a:rPr>
+              <a:t>）电脑操作系统；</a:t>
+            </a:r>
+            <a:r>
+              <a:rPr lang="en-US" altLang="zh-CN" dirty="0">
+                <a:solidFill>
+                  <a:srgbClr val="333333"/>
+                </a:solidFill>
+                <a:latin typeface="Microsoft YaHei" panose="020B0503020204020204" pitchFamily="34" charset="-122"/>
+                <a:ea typeface="Microsoft YaHei" panose="020B0503020204020204" pitchFamily="34" charset="-122"/>
+              </a:rPr>
+              <a:t> b</a:t>
+            </a:r>
+            <a:r>
+              <a:rPr lang="zh-CN" altLang="en-US" dirty="0">
+                <a:solidFill>
+                  <a:srgbClr val="333333"/>
+                </a:solidFill>
+                <a:latin typeface="Microsoft YaHei" panose="020B0503020204020204" pitchFamily="34" charset="-122"/>
+                <a:ea typeface="Microsoft YaHei" panose="020B0503020204020204" pitchFamily="34" charset="-122"/>
+              </a:rPr>
+              <a:t>）代码编辑器； </a:t>
+            </a:r>
+            <a:r>
+              <a:rPr lang="en-US" altLang="zh-CN" b="1" dirty="0">
+                <a:solidFill>
+                  <a:srgbClr val="333333"/>
+                </a:solidFill>
+                <a:latin typeface="Microsoft YaHei" panose="020B0503020204020204" pitchFamily="34" charset="-122"/>
+                <a:ea typeface="Microsoft YaHei" panose="020B0503020204020204" pitchFamily="34" charset="-122"/>
+              </a:rPr>
+              <a:t>c</a:t>
+            </a:r>
+            <a:r>
+              <a:rPr lang="zh-CN" altLang="en-US" b="1" dirty="0">
+                <a:solidFill>
+                  <a:srgbClr val="333333"/>
+                </a:solidFill>
+                <a:latin typeface="Microsoft YaHei" panose="020B0503020204020204" pitchFamily="34" charset="-122"/>
+                <a:ea typeface="Microsoft YaHei" panose="020B0503020204020204" pitchFamily="34" charset="-122"/>
+              </a:rPr>
+              <a:t>）</a:t>
+            </a:r>
+            <a:r>
+              <a:rPr lang="en-US" altLang="zh-CN" b="1" dirty="0">
+                <a:solidFill>
+                  <a:srgbClr val="333333"/>
+                </a:solidFill>
+                <a:latin typeface="Microsoft YaHei" panose="020B0503020204020204" pitchFamily="34" charset="-122"/>
+                <a:ea typeface="Microsoft YaHei" panose="020B0503020204020204" pitchFamily="34" charset="-122"/>
+              </a:rPr>
+              <a:t>Python</a:t>
+            </a:r>
+            <a:r>
+              <a:rPr lang="zh-CN" altLang="en-US" b="1" dirty="0">
+                <a:solidFill>
+                  <a:srgbClr val="333333"/>
+                </a:solidFill>
+                <a:latin typeface="Microsoft YaHei" panose="020B0503020204020204" pitchFamily="34" charset="-122"/>
+                <a:ea typeface="Microsoft YaHei" panose="020B0503020204020204" pitchFamily="34" charset="-122"/>
+              </a:rPr>
+              <a:t>解释器；</a:t>
+            </a:r>
+            <a:r>
+              <a:rPr lang="en-US" altLang="zh-CN" b="1" dirty="0">
+                <a:solidFill>
+                  <a:schemeClr val="bg2"/>
+                </a:solidFill>
+                <a:latin typeface="Microsoft YaHei" panose="020B0503020204020204" pitchFamily="34" charset="-122"/>
+                <a:ea typeface="Microsoft YaHei" panose="020B0503020204020204" pitchFamily="34" charset="-122"/>
+              </a:rPr>
+              <a:t>d</a:t>
+            </a:r>
+            <a:r>
+              <a:rPr lang="zh-CN" altLang="en-US" b="1" dirty="0">
+                <a:solidFill>
+                  <a:schemeClr val="bg2"/>
+                </a:solidFill>
+                <a:latin typeface="Microsoft YaHei" panose="020B0503020204020204" pitchFamily="34" charset="-122"/>
+                <a:ea typeface="Microsoft YaHei" panose="020B0503020204020204" pitchFamily="34" charset="-122"/>
+              </a:rPr>
+              <a:t>）</a:t>
+            </a:r>
+            <a:r>
+              <a:rPr lang="en-US" altLang="zh-CN" b="1" dirty="0">
+                <a:solidFill>
+                  <a:schemeClr val="bg2"/>
+                </a:solidFill>
+                <a:latin typeface="Microsoft YaHei" panose="020B0503020204020204" pitchFamily="34" charset="-122"/>
+                <a:ea typeface="Microsoft YaHei" panose="020B0503020204020204" pitchFamily="34" charset="-122"/>
+              </a:rPr>
+              <a:t>Python</a:t>
+            </a:r>
+            <a:r>
+              <a:rPr lang="zh-CN" altLang="en-US" b="1" dirty="0">
+                <a:solidFill>
+                  <a:schemeClr val="bg2"/>
+                </a:solidFill>
+                <a:latin typeface="Microsoft YaHei" panose="020B0503020204020204" pitchFamily="34" charset="-122"/>
+                <a:ea typeface="Microsoft YaHei" panose="020B0503020204020204" pitchFamily="34" charset="-122"/>
+              </a:rPr>
+              <a:t>第三方软件包。</a:t>
+            </a:r>
+            <a:endParaRPr lang="en-US" altLang="zh-CN" b="1" dirty="0">
+              <a:solidFill>
+                <a:schemeClr val="bg2"/>
+              </a:solidFill>
+              <a:latin typeface="Microsoft YaHei" panose="020B0503020204020204" pitchFamily="34" charset="-122"/>
+              <a:ea typeface="Microsoft YaHei" panose="020B0503020204020204" pitchFamily="34" charset="-122"/>
+            </a:endParaRPr>
+          </a:p>
+          <a:p>
+            <a:pPr algn="l">
+              <a:lnSpc>
+                <a:spcPct val="200000"/>
+              </a:lnSpc>
+            </a:pPr>
+            <a:r>
+              <a:rPr lang="en-US" altLang="zh-CN" dirty="0">
+                <a:solidFill>
+                  <a:srgbClr val="333333"/>
+                </a:solidFill>
+                <a:latin typeface="Microsoft YaHei" panose="020B0503020204020204" pitchFamily="34" charset="-122"/>
+                <a:ea typeface="Microsoft YaHei" panose="020B0503020204020204" pitchFamily="34" charset="-122"/>
+              </a:rPr>
+              <a:t>3</a:t>
+            </a:r>
+            <a:r>
+              <a:rPr lang="zh-CN" altLang="en-US" b="0" i="0" dirty="0">
+                <a:solidFill>
+                  <a:srgbClr val="333333"/>
+                </a:solidFill>
+                <a:effectLst/>
+                <a:latin typeface="Microsoft YaHei" panose="020B0503020204020204" pitchFamily="34" charset="-122"/>
+                <a:ea typeface="Microsoft YaHei" panose="020B0503020204020204" pitchFamily="34" charset="-122"/>
+              </a:rPr>
+              <a:t>） </a:t>
+            </a:r>
+            <a:r>
+              <a:rPr lang="en-US" altLang="zh-CN" dirty="0">
+                <a:solidFill>
+                  <a:srgbClr val="333333"/>
+                </a:solidFill>
+                <a:latin typeface="Microsoft YaHei" panose="020B0503020204020204" pitchFamily="34" charset="-122"/>
+                <a:ea typeface="Microsoft YaHei" panose="020B0503020204020204" pitchFamily="34" charset="-122"/>
+              </a:rPr>
+              <a:t>Python</a:t>
+            </a:r>
+            <a:r>
+              <a:rPr lang="zh-CN" altLang="en-US" dirty="0">
+                <a:solidFill>
+                  <a:srgbClr val="333333"/>
+                </a:solidFill>
+                <a:latin typeface="Microsoft YaHei" panose="020B0503020204020204" pitchFamily="34" charset="-122"/>
+                <a:ea typeface="Microsoft YaHei" panose="020B0503020204020204" pitchFamily="34" charset="-122"/>
+              </a:rPr>
+              <a:t>第三方软件包管理可用</a:t>
+            </a:r>
+            <a:r>
+              <a:rPr lang="en-US" altLang="zh-CN" dirty="0">
+                <a:solidFill>
+                  <a:srgbClr val="333333"/>
+                </a:solidFill>
+                <a:latin typeface="Microsoft YaHei" panose="020B0503020204020204" pitchFamily="34" charset="-122"/>
+                <a:ea typeface="Microsoft YaHei" panose="020B0503020204020204" pitchFamily="34" charset="-122"/>
+              </a:rPr>
+              <a:t>python</a:t>
+            </a:r>
+            <a:r>
+              <a:rPr lang="zh-CN" altLang="en-US" dirty="0">
+                <a:solidFill>
+                  <a:srgbClr val="333333"/>
+                </a:solidFill>
+                <a:latin typeface="Microsoft YaHei" panose="020B0503020204020204" pitchFamily="34" charset="-122"/>
+                <a:ea typeface="Microsoft YaHei" panose="020B0503020204020204" pitchFamily="34" charset="-122"/>
+              </a:rPr>
+              <a:t>内置的</a:t>
+            </a:r>
+            <a:r>
+              <a:rPr lang="en-US" altLang="zh-CN" b="1" dirty="0">
+                <a:solidFill>
+                  <a:srgbClr val="333333"/>
+                </a:solidFill>
+                <a:latin typeface="Microsoft YaHei" panose="020B0503020204020204" pitchFamily="34" charset="-122"/>
+                <a:ea typeface="Microsoft YaHei" panose="020B0503020204020204" pitchFamily="34" charset="-122"/>
+              </a:rPr>
+              <a:t>pip</a:t>
+            </a:r>
+            <a:r>
+              <a:rPr lang="zh-CN" altLang="en-US" dirty="0">
+                <a:solidFill>
+                  <a:srgbClr val="333333"/>
+                </a:solidFill>
+                <a:latin typeface="Microsoft YaHei" panose="020B0503020204020204" pitchFamily="34" charset="-122"/>
+                <a:ea typeface="Microsoft YaHei" panose="020B0503020204020204" pitchFamily="34" charset="-122"/>
+              </a:rPr>
+              <a:t>工具，也可用软件包管理器</a:t>
+            </a:r>
+            <a:r>
+              <a:rPr lang="en-US" altLang="zh-CN" dirty="0">
+                <a:solidFill>
+                  <a:srgbClr val="333333"/>
+                </a:solidFill>
+                <a:latin typeface="Microsoft YaHei" panose="020B0503020204020204" pitchFamily="34" charset="-122"/>
+                <a:ea typeface="Microsoft YaHei" panose="020B0503020204020204" pitchFamily="34" charset="-122"/>
+              </a:rPr>
+              <a:t>Anaconda</a:t>
+            </a:r>
+            <a:r>
+              <a:rPr lang="zh-CN" altLang="en-US" dirty="0">
+                <a:solidFill>
+                  <a:srgbClr val="333333"/>
+                </a:solidFill>
+                <a:latin typeface="Microsoft YaHei" panose="020B0503020204020204" pitchFamily="34" charset="-122"/>
+                <a:ea typeface="Microsoft YaHei" panose="020B0503020204020204" pitchFamily="34" charset="-122"/>
+              </a:rPr>
+              <a:t>中的</a:t>
+            </a:r>
+            <a:r>
+              <a:rPr lang="en-US" altLang="zh-CN" dirty="0" err="1">
+                <a:solidFill>
+                  <a:srgbClr val="333333"/>
+                </a:solidFill>
+                <a:latin typeface="Microsoft YaHei" panose="020B0503020204020204" pitchFamily="34" charset="-122"/>
+                <a:ea typeface="Microsoft YaHei" panose="020B0503020204020204" pitchFamily="34" charset="-122"/>
+              </a:rPr>
+              <a:t>conda</a:t>
+            </a:r>
+            <a:r>
+              <a:rPr lang="zh-CN" altLang="en-US" dirty="0">
+                <a:solidFill>
+                  <a:srgbClr val="333333"/>
+                </a:solidFill>
+                <a:latin typeface="Microsoft YaHei" panose="020B0503020204020204" pitchFamily="34" charset="-122"/>
+                <a:ea typeface="Microsoft YaHei" panose="020B0503020204020204" pitchFamily="34" charset="-122"/>
+              </a:rPr>
+              <a:t>工具。</a:t>
+            </a:r>
+            <a:endParaRPr lang="en-US" altLang="zh-CN" dirty="0">
+              <a:solidFill>
+                <a:srgbClr val="333333"/>
+              </a:solidFill>
+              <a:latin typeface="Microsoft YaHei" panose="020B0503020204020204" pitchFamily="34" charset="-122"/>
+              <a:ea typeface="Microsoft YaHei" panose="020B0503020204020204" pitchFamily="34" charset="-122"/>
+            </a:endParaRPr>
+          </a:p>
+        </p:txBody>
+      </p:sp>
+    </p:spTree>
+    <p:extLst>
+      <p:ext uri="{BB962C8B-B14F-4D97-AF65-F5344CB8AC3E}">
+        <p14:creationId xmlns:p14="http://schemas.microsoft.com/office/powerpoint/2010/main" val="2689695864"/>
       </p:ext>
     </p:extLst>
   </p:cSld>
@@ -25134,571 +25541,6 @@
         </p:nvSpPr>
         <p:spPr>
           <a:xfrm>
-            <a:off x="402610" y="1607631"/>
-            <a:ext cx="8423726" cy="4782207"/>
-          </a:xfrm>
-          <a:prstGeom prst="rect">
-            <a:avLst/>
-          </a:prstGeom>
-          <a:noFill/>
-        </p:spPr>
-        <p:txBody>
-          <a:bodyPr wrap="square">
-            <a:spAutoFit/>
-          </a:bodyPr>
-          <a:lstStyle/>
-          <a:p>
-            <a:pPr algn="l">
-              <a:lnSpc>
-                <a:spcPct val="200000"/>
-              </a:lnSpc>
-            </a:pPr>
-            <a:r>
-              <a:rPr lang="en-US" altLang="zh-CN" b="0" i="0" dirty="0">
-                <a:solidFill>
-                  <a:srgbClr val="333333"/>
-                </a:solidFill>
-                <a:effectLst/>
-                <a:latin typeface="Microsoft YaHei" panose="020B0503020204020204" pitchFamily="34" charset="-122"/>
-                <a:ea typeface="Microsoft YaHei" panose="020B0503020204020204" pitchFamily="34" charset="-122"/>
-              </a:rPr>
-              <a:t>1</a:t>
-            </a:r>
-            <a:r>
-              <a:rPr lang="zh-CN" altLang="en-US" b="0" i="0" dirty="0">
-                <a:solidFill>
-                  <a:srgbClr val="333333"/>
-                </a:solidFill>
-                <a:effectLst/>
-                <a:latin typeface="Microsoft YaHei" panose="020B0503020204020204" pitchFamily="34" charset="-122"/>
-                <a:ea typeface="Microsoft YaHei" panose="020B0503020204020204" pitchFamily="34" charset="-122"/>
-              </a:rPr>
-              <a:t>）开发环境顾名思义是指程序员在编写代码时所使用的环境。配置开发环境目的</a:t>
-            </a:r>
-            <a:r>
-              <a:rPr lang="zh-CN" altLang="en-US" dirty="0">
-                <a:solidFill>
-                  <a:srgbClr val="333333"/>
-                </a:solidFill>
-                <a:latin typeface="Microsoft YaHei" panose="020B0503020204020204" pitchFamily="34" charset="-122"/>
-                <a:ea typeface="Microsoft YaHei" panose="020B0503020204020204" pitchFamily="34" charset="-122"/>
-              </a:rPr>
-              <a:t>是</a:t>
-            </a:r>
-            <a:r>
-              <a:rPr lang="zh-CN" altLang="en-US" b="0" i="0" dirty="0">
-                <a:solidFill>
-                  <a:srgbClr val="333333"/>
-                </a:solidFill>
-                <a:effectLst/>
-                <a:latin typeface="Microsoft YaHei" panose="020B0503020204020204" pitchFamily="34" charset="-122"/>
-                <a:ea typeface="Microsoft YaHei" panose="020B0503020204020204" pitchFamily="34" charset="-122"/>
-              </a:rPr>
-              <a:t>最大程度提高程序员的开发效率。</a:t>
-            </a:r>
-            <a:endParaRPr lang="en-US" altLang="zh-CN" b="0" i="0" dirty="0">
-              <a:solidFill>
-                <a:srgbClr val="333333"/>
-              </a:solidFill>
-              <a:effectLst/>
-              <a:latin typeface="Microsoft YaHei" panose="020B0503020204020204" pitchFamily="34" charset="-122"/>
-              <a:ea typeface="Microsoft YaHei" panose="020B0503020204020204" pitchFamily="34" charset="-122"/>
-            </a:endParaRPr>
-          </a:p>
-          <a:p>
-            <a:pPr algn="l">
-              <a:lnSpc>
-                <a:spcPct val="200000"/>
-              </a:lnSpc>
-            </a:pPr>
-            <a:r>
-              <a:rPr lang="en-US" altLang="zh-CN" dirty="0">
-                <a:solidFill>
-                  <a:srgbClr val="333333"/>
-                </a:solidFill>
-                <a:latin typeface="Microsoft YaHei" panose="020B0503020204020204" pitchFamily="34" charset="-122"/>
-                <a:ea typeface="Microsoft YaHei" panose="020B0503020204020204" pitchFamily="34" charset="-122"/>
-              </a:rPr>
-              <a:t>2</a:t>
-            </a:r>
-            <a:r>
-              <a:rPr lang="zh-CN" altLang="en-US" b="0" i="0" dirty="0">
-                <a:solidFill>
-                  <a:srgbClr val="333333"/>
-                </a:solidFill>
-                <a:effectLst/>
-                <a:latin typeface="Microsoft YaHei" panose="020B0503020204020204" pitchFamily="34" charset="-122"/>
-                <a:ea typeface="Microsoft YaHei" panose="020B0503020204020204" pitchFamily="34" charset="-122"/>
-              </a:rPr>
-              <a:t>） </a:t>
-            </a:r>
-            <a:r>
-              <a:rPr lang="en-US" altLang="zh-CN" dirty="0">
-                <a:solidFill>
-                  <a:srgbClr val="333333"/>
-                </a:solidFill>
-                <a:latin typeface="Microsoft YaHei" panose="020B0503020204020204" pitchFamily="34" charset="-122"/>
-                <a:ea typeface="Microsoft YaHei" panose="020B0503020204020204" pitchFamily="34" charset="-122"/>
-              </a:rPr>
-              <a:t>Python</a:t>
-            </a:r>
-            <a:r>
-              <a:rPr lang="zh-CN" altLang="en-US" dirty="0">
-                <a:solidFill>
-                  <a:srgbClr val="333333"/>
-                </a:solidFill>
-                <a:latin typeface="Microsoft YaHei" panose="020B0503020204020204" pitchFamily="34" charset="-122"/>
-                <a:ea typeface="Microsoft YaHei" panose="020B0503020204020204" pitchFamily="34" charset="-122"/>
-              </a:rPr>
-              <a:t>开发环境一般包括：</a:t>
-            </a:r>
-            <a:r>
-              <a:rPr lang="en-US" altLang="zh-CN" dirty="0">
-                <a:solidFill>
-                  <a:srgbClr val="333333"/>
-                </a:solidFill>
-                <a:latin typeface="Microsoft YaHei" panose="020B0503020204020204" pitchFamily="34" charset="-122"/>
-                <a:ea typeface="Microsoft YaHei" panose="020B0503020204020204" pitchFamily="34" charset="-122"/>
-              </a:rPr>
-              <a:t>a</a:t>
-            </a:r>
-            <a:r>
-              <a:rPr lang="zh-CN" altLang="en-US" dirty="0">
-                <a:solidFill>
-                  <a:srgbClr val="333333"/>
-                </a:solidFill>
-                <a:latin typeface="Microsoft YaHei" panose="020B0503020204020204" pitchFamily="34" charset="-122"/>
-                <a:ea typeface="Microsoft YaHei" panose="020B0503020204020204" pitchFamily="34" charset="-122"/>
-              </a:rPr>
-              <a:t>）电脑操作系统；</a:t>
-            </a:r>
-            <a:r>
-              <a:rPr lang="en-US" altLang="zh-CN" dirty="0">
-                <a:solidFill>
-                  <a:srgbClr val="333333"/>
-                </a:solidFill>
-                <a:latin typeface="Microsoft YaHei" panose="020B0503020204020204" pitchFamily="34" charset="-122"/>
-                <a:ea typeface="Microsoft YaHei" panose="020B0503020204020204" pitchFamily="34" charset="-122"/>
-              </a:rPr>
-              <a:t> b</a:t>
-            </a:r>
-            <a:r>
-              <a:rPr lang="zh-CN" altLang="en-US" dirty="0">
-                <a:solidFill>
-                  <a:srgbClr val="333333"/>
-                </a:solidFill>
-                <a:latin typeface="Microsoft YaHei" panose="020B0503020204020204" pitchFamily="34" charset="-122"/>
-                <a:ea typeface="Microsoft YaHei" panose="020B0503020204020204" pitchFamily="34" charset="-122"/>
-              </a:rPr>
-              <a:t>）代码编辑器； </a:t>
-            </a:r>
-            <a:r>
-              <a:rPr lang="en-US" altLang="zh-CN" b="1" dirty="0">
-                <a:solidFill>
-                  <a:srgbClr val="333333"/>
-                </a:solidFill>
-                <a:latin typeface="Microsoft YaHei" panose="020B0503020204020204" pitchFamily="34" charset="-122"/>
-                <a:ea typeface="Microsoft YaHei" panose="020B0503020204020204" pitchFamily="34" charset="-122"/>
-              </a:rPr>
-              <a:t>c</a:t>
-            </a:r>
-            <a:r>
-              <a:rPr lang="zh-CN" altLang="en-US" b="1" dirty="0">
-                <a:solidFill>
-                  <a:srgbClr val="333333"/>
-                </a:solidFill>
-                <a:latin typeface="Microsoft YaHei" panose="020B0503020204020204" pitchFamily="34" charset="-122"/>
-                <a:ea typeface="Microsoft YaHei" panose="020B0503020204020204" pitchFamily="34" charset="-122"/>
-              </a:rPr>
-              <a:t>）</a:t>
-            </a:r>
-            <a:r>
-              <a:rPr lang="en-US" altLang="zh-CN" b="1" dirty="0">
-                <a:solidFill>
-                  <a:srgbClr val="333333"/>
-                </a:solidFill>
-                <a:latin typeface="Microsoft YaHei" panose="020B0503020204020204" pitchFamily="34" charset="-122"/>
-                <a:ea typeface="Microsoft YaHei" panose="020B0503020204020204" pitchFamily="34" charset="-122"/>
-              </a:rPr>
-              <a:t>Python</a:t>
-            </a:r>
-            <a:r>
-              <a:rPr lang="zh-CN" altLang="en-US" b="1" dirty="0">
-                <a:solidFill>
-                  <a:srgbClr val="333333"/>
-                </a:solidFill>
-                <a:latin typeface="Microsoft YaHei" panose="020B0503020204020204" pitchFamily="34" charset="-122"/>
-                <a:ea typeface="Microsoft YaHei" panose="020B0503020204020204" pitchFamily="34" charset="-122"/>
-              </a:rPr>
-              <a:t>解释器；</a:t>
-            </a:r>
-            <a:r>
-              <a:rPr lang="en-US" altLang="zh-CN" b="1" dirty="0">
-                <a:solidFill>
-                  <a:schemeClr val="bg2"/>
-                </a:solidFill>
-                <a:latin typeface="Microsoft YaHei" panose="020B0503020204020204" pitchFamily="34" charset="-122"/>
-                <a:ea typeface="Microsoft YaHei" panose="020B0503020204020204" pitchFamily="34" charset="-122"/>
-              </a:rPr>
-              <a:t>d</a:t>
-            </a:r>
-            <a:r>
-              <a:rPr lang="zh-CN" altLang="en-US" b="1" dirty="0">
-                <a:solidFill>
-                  <a:schemeClr val="bg2"/>
-                </a:solidFill>
-                <a:latin typeface="Microsoft YaHei" panose="020B0503020204020204" pitchFamily="34" charset="-122"/>
-                <a:ea typeface="Microsoft YaHei" panose="020B0503020204020204" pitchFamily="34" charset="-122"/>
-              </a:rPr>
-              <a:t>）</a:t>
-            </a:r>
-            <a:r>
-              <a:rPr lang="en-US" altLang="zh-CN" b="1" dirty="0">
-                <a:solidFill>
-                  <a:schemeClr val="bg2"/>
-                </a:solidFill>
-                <a:latin typeface="Microsoft YaHei" panose="020B0503020204020204" pitchFamily="34" charset="-122"/>
-                <a:ea typeface="Microsoft YaHei" panose="020B0503020204020204" pitchFamily="34" charset="-122"/>
-              </a:rPr>
-              <a:t>Python</a:t>
-            </a:r>
-            <a:r>
-              <a:rPr lang="zh-CN" altLang="en-US" b="1" dirty="0">
-                <a:solidFill>
-                  <a:schemeClr val="bg2"/>
-                </a:solidFill>
-                <a:latin typeface="Microsoft YaHei" panose="020B0503020204020204" pitchFamily="34" charset="-122"/>
-                <a:ea typeface="Microsoft YaHei" panose="020B0503020204020204" pitchFamily="34" charset="-122"/>
-              </a:rPr>
-              <a:t>第三方软件包。</a:t>
-            </a:r>
-            <a:endParaRPr lang="en-US" altLang="zh-CN" b="1" dirty="0">
-              <a:solidFill>
-                <a:schemeClr val="bg2"/>
-              </a:solidFill>
-              <a:latin typeface="Microsoft YaHei" panose="020B0503020204020204" pitchFamily="34" charset="-122"/>
-              <a:ea typeface="Microsoft YaHei" panose="020B0503020204020204" pitchFamily="34" charset="-122"/>
-            </a:endParaRPr>
-          </a:p>
-          <a:p>
-            <a:pPr algn="l">
-              <a:lnSpc>
-                <a:spcPct val="200000"/>
-              </a:lnSpc>
-            </a:pPr>
-            <a:r>
-              <a:rPr lang="en-US" altLang="zh-CN" dirty="0">
-                <a:solidFill>
-                  <a:srgbClr val="333333"/>
-                </a:solidFill>
-                <a:latin typeface="Microsoft YaHei" panose="020B0503020204020204" pitchFamily="34" charset="-122"/>
-                <a:ea typeface="Microsoft YaHei" panose="020B0503020204020204" pitchFamily="34" charset="-122"/>
-              </a:rPr>
-              <a:t>3</a:t>
-            </a:r>
-            <a:r>
-              <a:rPr lang="zh-CN" altLang="en-US" b="0" i="0" dirty="0">
-                <a:solidFill>
-                  <a:srgbClr val="333333"/>
-                </a:solidFill>
-                <a:effectLst/>
-                <a:latin typeface="Microsoft YaHei" panose="020B0503020204020204" pitchFamily="34" charset="-122"/>
-                <a:ea typeface="Microsoft YaHei" panose="020B0503020204020204" pitchFamily="34" charset="-122"/>
-              </a:rPr>
-              <a:t>） </a:t>
-            </a:r>
-            <a:r>
-              <a:rPr lang="en-US" altLang="zh-CN" dirty="0">
-                <a:solidFill>
-                  <a:srgbClr val="333333"/>
-                </a:solidFill>
-                <a:latin typeface="Microsoft YaHei" panose="020B0503020204020204" pitchFamily="34" charset="-122"/>
-                <a:ea typeface="Microsoft YaHei" panose="020B0503020204020204" pitchFamily="34" charset="-122"/>
-              </a:rPr>
-              <a:t>Python</a:t>
-            </a:r>
-            <a:r>
-              <a:rPr lang="zh-CN" altLang="en-US" dirty="0">
-                <a:solidFill>
-                  <a:srgbClr val="333333"/>
-                </a:solidFill>
-                <a:latin typeface="Microsoft YaHei" panose="020B0503020204020204" pitchFamily="34" charset="-122"/>
-                <a:ea typeface="Microsoft YaHei" panose="020B0503020204020204" pitchFamily="34" charset="-122"/>
-              </a:rPr>
-              <a:t>第三方软件包管理可用</a:t>
-            </a:r>
-            <a:r>
-              <a:rPr lang="en-US" altLang="zh-CN" dirty="0">
-                <a:solidFill>
-                  <a:srgbClr val="333333"/>
-                </a:solidFill>
-                <a:latin typeface="Microsoft YaHei" panose="020B0503020204020204" pitchFamily="34" charset="-122"/>
-                <a:ea typeface="Microsoft YaHei" panose="020B0503020204020204" pitchFamily="34" charset="-122"/>
-              </a:rPr>
-              <a:t>python</a:t>
-            </a:r>
-            <a:r>
-              <a:rPr lang="zh-CN" altLang="en-US" dirty="0">
-                <a:solidFill>
-                  <a:srgbClr val="333333"/>
-                </a:solidFill>
-                <a:latin typeface="Microsoft YaHei" panose="020B0503020204020204" pitchFamily="34" charset="-122"/>
-                <a:ea typeface="Microsoft YaHei" panose="020B0503020204020204" pitchFamily="34" charset="-122"/>
-              </a:rPr>
-              <a:t>内置的</a:t>
-            </a:r>
-            <a:r>
-              <a:rPr lang="en-US" altLang="zh-CN" b="1" dirty="0">
-                <a:solidFill>
-                  <a:srgbClr val="333333"/>
-                </a:solidFill>
-                <a:latin typeface="Microsoft YaHei" panose="020B0503020204020204" pitchFamily="34" charset="-122"/>
-                <a:ea typeface="Microsoft YaHei" panose="020B0503020204020204" pitchFamily="34" charset="-122"/>
-              </a:rPr>
-              <a:t>pip</a:t>
-            </a:r>
-            <a:r>
-              <a:rPr lang="zh-CN" altLang="en-US" dirty="0">
-                <a:solidFill>
-                  <a:srgbClr val="333333"/>
-                </a:solidFill>
-                <a:latin typeface="Microsoft YaHei" panose="020B0503020204020204" pitchFamily="34" charset="-122"/>
-                <a:ea typeface="Microsoft YaHei" panose="020B0503020204020204" pitchFamily="34" charset="-122"/>
-              </a:rPr>
-              <a:t>工具，也可用软件包管理器</a:t>
-            </a:r>
-            <a:r>
-              <a:rPr lang="en-US" altLang="zh-CN" dirty="0">
-                <a:solidFill>
-                  <a:srgbClr val="333333"/>
-                </a:solidFill>
-                <a:latin typeface="Microsoft YaHei" panose="020B0503020204020204" pitchFamily="34" charset="-122"/>
-                <a:ea typeface="Microsoft YaHei" panose="020B0503020204020204" pitchFamily="34" charset="-122"/>
-              </a:rPr>
-              <a:t>Anaconda</a:t>
-            </a:r>
-            <a:r>
-              <a:rPr lang="zh-CN" altLang="en-US" dirty="0">
-                <a:solidFill>
-                  <a:srgbClr val="333333"/>
-                </a:solidFill>
-                <a:latin typeface="Microsoft YaHei" panose="020B0503020204020204" pitchFamily="34" charset="-122"/>
-                <a:ea typeface="Microsoft YaHei" panose="020B0503020204020204" pitchFamily="34" charset="-122"/>
-              </a:rPr>
-              <a:t>中的</a:t>
-            </a:r>
-            <a:r>
-              <a:rPr lang="en-US" altLang="zh-CN" dirty="0" err="1">
-                <a:solidFill>
-                  <a:srgbClr val="333333"/>
-                </a:solidFill>
-                <a:latin typeface="Microsoft YaHei" panose="020B0503020204020204" pitchFamily="34" charset="-122"/>
-                <a:ea typeface="Microsoft YaHei" panose="020B0503020204020204" pitchFamily="34" charset="-122"/>
-              </a:rPr>
-              <a:t>conda</a:t>
-            </a:r>
-            <a:r>
-              <a:rPr lang="zh-CN" altLang="en-US" dirty="0">
-                <a:solidFill>
-                  <a:srgbClr val="333333"/>
-                </a:solidFill>
-                <a:latin typeface="Microsoft YaHei" panose="020B0503020204020204" pitchFamily="34" charset="-122"/>
-                <a:ea typeface="Microsoft YaHei" panose="020B0503020204020204" pitchFamily="34" charset="-122"/>
-              </a:rPr>
-              <a:t>工具。</a:t>
-            </a:r>
-            <a:endParaRPr lang="en-US" altLang="zh-CN" dirty="0">
-              <a:solidFill>
-                <a:srgbClr val="333333"/>
-              </a:solidFill>
-              <a:latin typeface="Microsoft YaHei" panose="020B0503020204020204" pitchFamily="34" charset="-122"/>
-              <a:ea typeface="Microsoft YaHei" panose="020B0503020204020204" pitchFamily="34" charset="-122"/>
-            </a:endParaRPr>
-          </a:p>
-        </p:txBody>
-      </p:sp>
-    </p:spTree>
-    <p:extLst>
-      <p:ext uri="{BB962C8B-B14F-4D97-AF65-F5344CB8AC3E}">
-        <p14:creationId xmlns:p14="http://schemas.microsoft.com/office/powerpoint/2010/main" val="2689695864"/>
-      </p:ext>
-    </p:extLst>
-  </p:cSld>
-  <p:clrMapOvr>
-    <a:masterClrMapping/>
-  </p:clrMapOvr>
-  <p:transition>
-    <p:fade/>
-  </p:transition>
-</p:sld>
-</file>
-
-<file path=ppt/slides/slide25.xml><?xml version="1.0" encoding="utf-8"?>
-<p:sld xmlns:a="http://schemas.openxmlformats.org/drawingml/2006/main" xmlns:r="http://schemas.openxmlformats.org/officeDocument/2006/relationships" xmlns:p="http://schemas.openxmlformats.org/presentationml/2006/main">
-  <p:cSld>
-    <p:spTree>
-      <p:nvGrpSpPr>
-        <p:cNvPr id="1" name=""/>
-        <p:cNvGrpSpPr/>
-        <p:nvPr/>
-      </p:nvGrpSpPr>
-      <p:grpSpPr>
-        <a:xfrm>
-          <a:off x="0" y="0"/>
-          <a:ext cx="0" cy="0"/>
-          <a:chOff x="0" y="0"/>
-          <a:chExt cx="0" cy="0"/>
-        </a:xfrm>
-      </p:grpSpPr>
-      <p:sp>
-        <p:nvSpPr>
-          <p:cNvPr id="3" name="标题 2"/>
-          <p:cNvSpPr>
-            <a:spLocks noGrp="1"/>
-          </p:cNvSpPr>
-          <p:nvPr>
-            <p:ph type="title"/>
-          </p:nvPr>
-        </p:nvSpPr>
-        <p:spPr>
-          <a:xfrm>
-            <a:off x="0" y="8526"/>
-            <a:ext cx="9013371" cy="792162"/>
-          </a:xfrm>
-        </p:spPr>
-        <p:txBody>
-          <a:bodyPr/>
-          <a:lstStyle/>
-          <a:p>
-            <a:pPr algn="l" fontAlgn="auto">
-              <a:spcBef>
-                <a:spcPts val="0"/>
-              </a:spcBef>
-              <a:spcAft>
-                <a:spcPts val="0"/>
-              </a:spcAft>
-            </a:pPr>
-            <a:r>
-              <a:rPr lang="zh-CN" altLang="en-US" sz="3600" b="1" dirty="0">
-                <a:latin typeface="微软雅黑" pitchFamily="34" charset="-122"/>
-                <a:ea typeface="微软雅黑" pitchFamily="34" charset="-122"/>
-              </a:rPr>
-              <a:t>三、</a:t>
-            </a:r>
-            <a:r>
-              <a:rPr lang="en-US" altLang="zh-CN" sz="3600" b="1" dirty="0">
-                <a:latin typeface="微软雅黑" pitchFamily="34" charset="-122"/>
-                <a:ea typeface="微软雅黑" pitchFamily="34" charset="-122"/>
-              </a:rPr>
-              <a:t>Python</a:t>
-            </a:r>
-            <a:r>
-              <a:rPr lang="zh-CN" altLang="en-US" sz="3600" b="1" dirty="0">
-                <a:latin typeface="微软雅黑" pitchFamily="34" charset="-122"/>
-                <a:ea typeface="微软雅黑" pitchFamily="34" charset="-122"/>
-              </a:rPr>
-              <a:t>开发环境配置</a:t>
-            </a:r>
-          </a:p>
-        </p:txBody>
-      </p:sp>
-      <p:sp>
-        <p:nvSpPr>
-          <p:cNvPr id="2" name="TextBox 1">
-            <a:extLst>
-              <a:ext uri="{FF2B5EF4-FFF2-40B4-BE49-F238E27FC236}">
-                <a16:creationId xmlns:a16="http://schemas.microsoft.com/office/drawing/2014/main" id="{631AADB6-C88A-D817-4683-FC087E4E240F}"/>
-              </a:ext>
-            </a:extLst>
-          </p:cNvPr>
-          <p:cNvSpPr txBox="1"/>
-          <p:nvPr/>
-        </p:nvSpPr>
-        <p:spPr>
-          <a:xfrm>
-            <a:off x="317665" y="902168"/>
-            <a:ext cx="8508670" cy="662489"/>
-          </a:xfrm>
-          <a:prstGeom prst="rect">
-            <a:avLst/>
-          </a:prstGeom>
-          <a:noFill/>
-        </p:spPr>
-        <p:txBody>
-          <a:bodyPr wrap="square" rtlCol="0">
-            <a:spAutoFit/>
-          </a:bodyPr>
-          <a:lstStyle/>
-          <a:p>
-            <a:pPr algn="just">
-              <a:lnSpc>
-                <a:spcPct val="150000"/>
-              </a:lnSpc>
-            </a:pPr>
-            <a:r>
-              <a:rPr lang="en-US" altLang="zh-CN" sz="2800" b="1" dirty="0">
-                <a:solidFill>
-                  <a:srgbClr val="333333"/>
-                </a:solidFill>
-                <a:latin typeface="+mn-ea"/>
-                <a:ea typeface="+mn-ea"/>
-              </a:rPr>
-              <a:t>1</a:t>
-            </a:r>
-            <a:r>
-              <a:rPr lang="zh-CN" altLang="en-US" sz="2800" b="1" dirty="0">
-                <a:solidFill>
-                  <a:srgbClr val="333333"/>
-                </a:solidFill>
-                <a:latin typeface="+mn-ea"/>
-                <a:ea typeface="+mn-ea"/>
-              </a:rPr>
-              <a:t>、</a:t>
-            </a:r>
-            <a:r>
-              <a:rPr lang="en-US" altLang="zh-CN" sz="2800" b="1" dirty="0">
-                <a:solidFill>
-                  <a:srgbClr val="333333"/>
-                </a:solidFill>
-                <a:latin typeface="+mn-ea"/>
-                <a:ea typeface="+mn-ea"/>
-              </a:rPr>
-              <a:t>Python</a:t>
-            </a:r>
-            <a:r>
-              <a:rPr lang="zh-CN" altLang="en-US" sz="2800" b="1" dirty="0">
-                <a:solidFill>
-                  <a:srgbClr val="333333"/>
-                </a:solidFill>
-                <a:latin typeface="+mn-ea"/>
-                <a:ea typeface="+mn-ea"/>
-              </a:rPr>
-              <a:t>开发环境概念</a:t>
-            </a:r>
-            <a:endParaRPr lang="en-US" altLang="zh-CN" sz="2800" b="1" dirty="0">
-              <a:solidFill>
-                <a:srgbClr val="333333"/>
-              </a:solidFill>
-              <a:latin typeface="+mn-ea"/>
-              <a:ea typeface="+mn-ea"/>
-            </a:endParaRPr>
-          </a:p>
-        </p:txBody>
-      </p:sp>
-      <p:sp>
-        <p:nvSpPr>
-          <p:cNvPr id="17" name="TextBox 16">
-            <a:extLst>
-              <a:ext uri="{FF2B5EF4-FFF2-40B4-BE49-F238E27FC236}">
-                <a16:creationId xmlns:a16="http://schemas.microsoft.com/office/drawing/2014/main" id="{9E05FFCA-3371-AF5C-381D-71D984055F5A}"/>
-              </a:ext>
-            </a:extLst>
-          </p:cNvPr>
-          <p:cNvSpPr txBox="1"/>
-          <p:nvPr/>
-        </p:nvSpPr>
-        <p:spPr>
-          <a:xfrm>
             <a:off x="553148" y="1607631"/>
             <a:ext cx="8273187" cy="662554"/>
           </a:xfrm>
@@ -25800,7 +25642,7 @@
 </p:sld>
 </file>
 
-<file path=ppt/slides/slide26.xml><?xml version="1.0" encoding="utf-8"?>
+<file path=ppt/slides/slide25.xml><?xml version="1.0" encoding="utf-8"?>
 <p:sld xmlns:a="http://schemas.openxmlformats.org/drawingml/2006/main" xmlns:r="http://schemas.openxmlformats.org/officeDocument/2006/relationships" xmlns:p="http://schemas.openxmlformats.org/presentationml/2006/main">
   <p:cSld>
     <p:spTree>
@@ -26257,7 +26099,7 @@
 </p:sld>
 </file>
 
-<file path=ppt/slides/slide27.xml><?xml version="1.0" encoding="utf-8"?>
+<file path=ppt/slides/slide26.xml><?xml version="1.0" encoding="utf-8"?>
 <p:sld xmlns:a="http://schemas.openxmlformats.org/drawingml/2006/main" xmlns:r="http://schemas.openxmlformats.org/officeDocument/2006/relationships" xmlns:p="http://schemas.openxmlformats.org/presentationml/2006/main">
   <p:cSld>
     <p:spTree>
@@ -26423,7 +26265,7 @@
         </p:nvSpPr>
         <p:spPr>
           <a:xfrm>
-            <a:off x="524406" y="1495169"/>
+            <a:off x="524406" y="1437113"/>
             <a:ext cx="8212340" cy="1755609"/>
           </a:xfrm>
           <a:prstGeom prst="rect">
@@ -26573,6 +26415,475 @@
     <p:extLst>
       <p:ext uri="{BB962C8B-B14F-4D97-AF65-F5344CB8AC3E}">
         <p14:creationId xmlns:p14="http://schemas.microsoft.com/office/powerpoint/2010/main" val="2510358707"/>
+      </p:ext>
+    </p:extLst>
+  </p:cSld>
+  <p:clrMapOvr>
+    <a:masterClrMapping/>
+  </p:clrMapOvr>
+  <p:transition>
+    <p:fade/>
+  </p:transition>
+</p:sld>
+</file>
+
+<file path=ppt/slides/slide27.xml><?xml version="1.0" encoding="utf-8"?>
+<p:sld xmlns:a="http://schemas.openxmlformats.org/drawingml/2006/main" xmlns:r="http://schemas.openxmlformats.org/officeDocument/2006/relationships" xmlns:p="http://schemas.openxmlformats.org/presentationml/2006/main">
+  <p:cSld>
+    <p:spTree>
+      <p:nvGrpSpPr>
+        <p:cNvPr id="1" name=""/>
+        <p:cNvGrpSpPr/>
+        <p:nvPr/>
+      </p:nvGrpSpPr>
+      <p:grpSpPr>
+        <a:xfrm>
+          <a:off x="0" y="0"/>
+          <a:ext cx="0" cy="0"/>
+          <a:chOff x="0" y="0"/>
+          <a:chExt cx="0" cy="0"/>
+        </a:xfrm>
+      </p:grpSpPr>
+      <p:sp>
+        <p:nvSpPr>
+          <p:cNvPr id="3" name="标题 2"/>
+          <p:cNvSpPr>
+            <a:spLocks noGrp="1"/>
+          </p:cNvSpPr>
+          <p:nvPr>
+            <p:ph type="title"/>
+          </p:nvPr>
+        </p:nvSpPr>
+        <p:spPr>
+          <a:xfrm>
+            <a:off x="0" y="8526"/>
+            <a:ext cx="9013371" cy="792162"/>
+          </a:xfrm>
+        </p:spPr>
+        <p:txBody>
+          <a:bodyPr/>
+          <a:lstStyle/>
+          <a:p>
+            <a:pPr algn="l" fontAlgn="auto">
+              <a:spcBef>
+                <a:spcPts val="0"/>
+              </a:spcBef>
+              <a:spcAft>
+                <a:spcPts val="0"/>
+              </a:spcAft>
+            </a:pPr>
+            <a:r>
+              <a:rPr lang="zh-CN" altLang="en-US" sz="3600" b="1" dirty="0">
+                <a:latin typeface="微软雅黑" pitchFamily="34" charset="-122"/>
+                <a:ea typeface="微软雅黑" pitchFamily="34" charset="-122"/>
+              </a:rPr>
+              <a:t>三、</a:t>
+            </a:r>
+            <a:r>
+              <a:rPr lang="en-US" altLang="zh-CN" sz="3600" b="1" dirty="0">
+                <a:latin typeface="微软雅黑" pitchFamily="34" charset="-122"/>
+                <a:ea typeface="微软雅黑" pitchFamily="34" charset="-122"/>
+              </a:rPr>
+              <a:t>Python</a:t>
+            </a:r>
+            <a:r>
+              <a:rPr lang="zh-CN" altLang="en-US" sz="3600" b="1" dirty="0">
+                <a:latin typeface="微软雅黑" pitchFamily="34" charset="-122"/>
+                <a:ea typeface="微软雅黑" pitchFamily="34" charset="-122"/>
+              </a:rPr>
+              <a:t>开发环境配置</a:t>
+            </a:r>
+          </a:p>
+        </p:txBody>
+      </p:sp>
+      <p:sp>
+        <p:nvSpPr>
+          <p:cNvPr id="2" name="TextBox 1">
+            <a:extLst>
+              <a:ext uri="{FF2B5EF4-FFF2-40B4-BE49-F238E27FC236}">
+                <a16:creationId xmlns:a16="http://schemas.microsoft.com/office/drawing/2014/main" id="{631AADB6-C88A-D817-4683-FC087E4E240F}"/>
+              </a:ext>
+            </a:extLst>
+          </p:cNvPr>
+          <p:cNvSpPr txBox="1"/>
+          <p:nvPr/>
+        </p:nvSpPr>
+        <p:spPr>
+          <a:xfrm>
+            <a:off x="317665" y="845264"/>
+            <a:ext cx="6000008" cy="662489"/>
+          </a:xfrm>
+          <a:prstGeom prst="rect">
+            <a:avLst/>
+          </a:prstGeom>
+          <a:noFill/>
+        </p:spPr>
+        <p:txBody>
+          <a:bodyPr wrap="square" rtlCol="0">
+            <a:spAutoFit/>
+          </a:bodyPr>
+          <a:lstStyle/>
+          <a:p>
+            <a:pPr algn="just">
+              <a:lnSpc>
+                <a:spcPct val="150000"/>
+              </a:lnSpc>
+            </a:pPr>
+            <a:r>
+              <a:rPr lang="en-US" altLang="zh-CN" sz="2800" b="1" dirty="0">
+                <a:solidFill>
+                  <a:srgbClr val="333333"/>
+                </a:solidFill>
+                <a:latin typeface="+mn-ea"/>
+                <a:ea typeface="+mn-ea"/>
+              </a:rPr>
+              <a:t>2</a:t>
+            </a:r>
+            <a:r>
+              <a:rPr lang="zh-CN" altLang="en-US" sz="2800" b="1" dirty="0">
+                <a:solidFill>
+                  <a:srgbClr val="333333"/>
+                </a:solidFill>
+                <a:latin typeface="+mn-ea"/>
+                <a:ea typeface="+mn-ea"/>
+              </a:rPr>
+              <a:t>、</a:t>
+            </a:r>
+            <a:r>
+              <a:rPr lang="en-US" altLang="zh-CN" sz="2800" b="1" dirty="0">
+                <a:solidFill>
+                  <a:srgbClr val="333333"/>
+                </a:solidFill>
+                <a:latin typeface="+mn-ea"/>
+                <a:ea typeface="+mn-ea"/>
+              </a:rPr>
+              <a:t>Anaconda</a:t>
+            </a:r>
+            <a:r>
+              <a:rPr lang="zh-CN" altLang="en-US" sz="2800" b="1" dirty="0">
+                <a:solidFill>
+                  <a:srgbClr val="333333"/>
+                </a:solidFill>
+                <a:latin typeface="+mn-ea"/>
+                <a:ea typeface="+mn-ea"/>
+              </a:rPr>
+              <a:t>软件管理工具（特点）</a:t>
+            </a:r>
+            <a:endParaRPr lang="en-US" altLang="zh-CN" sz="2800" b="1" dirty="0">
+              <a:solidFill>
+                <a:srgbClr val="333333"/>
+              </a:solidFill>
+              <a:latin typeface="+mn-ea"/>
+              <a:ea typeface="+mn-ea"/>
+            </a:endParaRPr>
+          </a:p>
+        </p:txBody>
+      </p:sp>
+      <p:sp>
+        <p:nvSpPr>
+          <p:cNvPr id="17" name="TextBox 16">
+            <a:extLst>
+              <a:ext uri="{FF2B5EF4-FFF2-40B4-BE49-F238E27FC236}">
+                <a16:creationId xmlns:a16="http://schemas.microsoft.com/office/drawing/2014/main" id="{9E05FFCA-3371-AF5C-381D-71D984055F5A}"/>
+              </a:ext>
+            </a:extLst>
+          </p:cNvPr>
+          <p:cNvSpPr txBox="1"/>
+          <p:nvPr/>
+        </p:nvSpPr>
+        <p:spPr>
+          <a:xfrm>
+            <a:off x="524406" y="1495169"/>
+            <a:ext cx="8212340" cy="1569660"/>
+          </a:xfrm>
+          <a:prstGeom prst="rect">
+            <a:avLst/>
+          </a:prstGeom>
+          <a:noFill/>
+        </p:spPr>
+        <p:txBody>
+          <a:bodyPr wrap="square">
+            <a:spAutoFit/>
+          </a:bodyPr>
+          <a:lstStyle/>
+          <a:p>
+            <a:pPr algn="just"/>
+            <a:r>
+              <a:rPr lang="en-US" altLang="zh-CN" dirty="0">
+                <a:solidFill>
+                  <a:srgbClr val="333333"/>
+                </a:solidFill>
+                <a:latin typeface="+mn-ea"/>
+                <a:ea typeface="+mn-ea"/>
+              </a:rPr>
+              <a:t>1</a:t>
+            </a:r>
+            <a:r>
+              <a:rPr lang="zh-CN" altLang="en-US" dirty="0">
+                <a:solidFill>
+                  <a:srgbClr val="333333"/>
+                </a:solidFill>
+                <a:latin typeface="+mn-ea"/>
+                <a:ea typeface="+mn-ea"/>
+              </a:rPr>
+              <a:t>）内置</a:t>
+            </a:r>
+            <a:r>
+              <a:rPr lang="en-US" altLang="zh-CN" dirty="0">
+                <a:solidFill>
+                  <a:srgbClr val="333333"/>
+                </a:solidFill>
+                <a:latin typeface="+mn-ea"/>
+                <a:ea typeface="+mn-ea"/>
+              </a:rPr>
+              <a:t>python</a:t>
+            </a:r>
+            <a:r>
+              <a:rPr lang="zh-CN" altLang="en-US" dirty="0">
+                <a:solidFill>
+                  <a:srgbClr val="333333"/>
+                </a:solidFill>
+                <a:latin typeface="+mn-ea"/>
+                <a:ea typeface="+mn-ea"/>
+              </a:rPr>
+              <a:t>解释器</a:t>
+            </a:r>
+            <a:r>
+              <a:rPr lang="en-US" altLang="zh-CN" dirty="0">
+                <a:solidFill>
+                  <a:srgbClr val="333333"/>
+                </a:solidFill>
+                <a:latin typeface="+mn-ea"/>
+                <a:ea typeface="+mn-ea"/>
+              </a:rPr>
+              <a:t>，</a:t>
+            </a:r>
+            <a:r>
+              <a:rPr lang="zh-CN" altLang="en-US" dirty="0">
+                <a:solidFill>
+                  <a:srgbClr val="333333"/>
+                </a:solidFill>
+                <a:latin typeface="+mn-ea"/>
+                <a:ea typeface="+mn-ea"/>
+              </a:rPr>
+              <a:t>高度集成</a:t>
+            </a:r>
+            <a:r>
+              <a:rPr lang="en-US" altLang="zh-CN" dirty="0">
+                <a:solidFill>
+                  <a:srgbClr val="333333"/>
+                </a:solidFill>
+                <a:latin typeface="+mn-ea"/>
+                <a:ea typeface="+mn-ea"/>
+              </a:rPr>
+              <a:t>python</a:t>
+            </a:r>
+            <a:r>
+              <a:rPr lang="zh-CN" altLang="en-US" dirty="0">
+                <a:solidFill>
+                  <a:srgbClr val="333333"/>
+                </a:solidFill>
+                <a:latin typeface="+mn-ea"/>
+                <a:ea typeface="+mn-ea"/>
+              </a:rPr>
+              <a:t>数据科学生态；</a:t>
+            </a:r>
+            <a:endParaRPr lang="en-US" altLang="zh-CN" dirty="0">
+              <a:solidFill>
+                <a:srgbClr val="333333"/>
+              </a:solidFill>
+              <a:latin typeface="+mn-ea"/>
+              <a:ea typeface="+mn-ea"/>
+            </a:endParaRPr>
+          </a:p>
+          <a:p>
+            <a:pPr algn="just"/>
+            <a:r>
+              <a:rPr lang="en-US" altLang="zh-CN" dirty="0">
+                <a:solidFill>
+                  <a:srgbClr val="333333"/>
+                </a:solidFill>
+                <a:latin typeface="+mn-ea"/>
+                <a:ea typeface="+mn-ea"/>
+              </a:rPr>
+              <a:t>2</a:t>
+            </a:r>
+            <a:r>
+              <a:rPr lang="zh-CN" altLang="en-US" dirty="0">
+                <a:solidFill>
+                  <a:srgbClr val="333333"/>
+                </a:solidFill>
+                <a:latin typeface="+mn-ea"/>
+                <a:ea typeface="+mn-ea"/>
+              </a:rPr>
+              <a:t>）拥有强大的包管理工具</a:t>
+            </a:r>
+            <a:r>
+              <a:rPr lang="en-US" altLang="zh-CN" dirty="0" err="1">
+                <a:solidFill>
+                  <a:srgbClr val="333333"/>
+                </a:solidFill>
+                <a:latin typeface="+mn-ea"/>
+                <a:ea typeface="+mn-ea"/>
+              </a:rPr>
+              <a:t>conda</a:t>
+            </a:r>
+            <a:r>
+              <a:rPr lang="zh-CN" altLang="en-US" dirty="0">
+                <a:solidFill>
+                  <a:srgbClr val="333333"/>
+                </a:solidFill>
+                <a:latin typeface="+mn-ea"/>
+                <a:ea typeface="+mn-ea"/>
+              </a:rPr>
+              <a:t>；</a:t>
+            </a:r>
+            <a:endParaRPr lang="en-US" altLang="zh-CN" dirty="0">
+              <a:solidFill>
+                <a:srgbClr val="333333"/>
+              </a:solidFill>
+              <a:latin typeface="+mn-ea"/>
+              <a:ea typeface="+mn-ea"/>
+            </a:endParaRPr>
+          </a:p>
+          <a:p>
+            <a:pPr algn="l"/>
+            <a:r>
+              <a:rPr lang="en-US" altLang="zh-CN" dirty="0">
+                <a:solidFill>
+                  <a:srgbClr val="333333"/>
+                </a:solidFill>
+                <a:latin typeface="+mn-ea"/>
+                <a:ea typeface="+mn-ea"/>
+              </a:rPr>
+              <a:t>3</a:t>
+            </a:r>
+            <a:r>
+              <a:rPr lang="zh-CN" altLang="en-US" dirty="0">
+                <a:solidFill>
+                  <a:srgbClr val="333333"/>
+                </a:solidFill>
+                <a:latin typeface="+mn-ea"/>
+                <a:ea typeface="+mn-ea"/>
+              </a:rPr>
+              <a:t>）可用超过</a:t>
+            </a:r>
+            <a:r>
+              <a:rPr lang="en-US" altLang="zh-CN" sz="2400" dirty="0">
+                <a:solidFill>
+                  <a:srgbClr val="333333"/>
+                </a:solidFill>
+                <a:latin typeface="+mn-ea"/>
+                <a:ea typeface="+mn-ea"/>
+              </a:rPr>
+              <a:t>1400</a:t>
+            </a:r>
+            <a:r>
+              <a:rPr lang="zh-CN" altLang="en-US" sz="2400" b="0" i="0" dirty="0">
+                <a:solidFill>
+                  <a:srgbClr val="333333"/>
+                </a:solidFill>
+                <a:effectLst/>
+                <a:latin typeface="+mn-ea"/>
+                <a:ea typeface="+mn-ea"/>
+              </a:rPr>
+              <a:t>个</a:t>
+            </a:r>
+            <a:r>
+              <a:rPr lang="en-US" altLang="zh-CN" sz="2400" b="0" i="0" dirty="0">
+                <a:solidFill>
+                  <a:srgbClr val="333333"/>
+                </a:solidFill>
+                <a:effectLst/>
+                <a:latin typeface="+mn-ea"/>
+                <a:ea typeface="+mn-ea"/>
+              </a:rPr>
+              <a:t>python</a:t>
+            </a:r>
+            <a:r>
+              <a:rPr lang="zh-CN" altLang="en-US" sz="2400" b="0" i="0" dirty="0">
+                <a:solidFill>
+                  <a:srgbClr val="333333"/>
+                </a:solidFill>
+                <a:effectLst/>
+                <a:latin typeface="+mn-ea"/>
+                <a:ea typeface="+mn-ea"/>
+              </a:rPr>
+              <a:t>数据科学库</a:t>
+            </a:r>
+            <a:r>
+              <a:rPr lang="en-US" altLang="zh-CN" sz="2400" b="0" i="0" dirty="0">
+                <a:solidFill>
+                  <a:srgbClr val="333333"/>
+                </a:solidFill>
+                <a:effectLst/>
+                <a:latin typeface="+mn-ea"/>
+                <a:ea typeface="+mn-ea"/>
+              </a:rPr>
+              <a:t>.</a:t>
+            </a:r>
+            <a:endParaRPr lang="zh-CN" altLang="en-US" sz="2400" b="0" i="0" dirty="0">
+              <a:solidFill>
+                <a:srgbClr val="333333"/>
+              </a:solidFill>
+              <a:effectLst/>
+              <a:latin typeface="+mn-ea"/>
+              <a:ea typeface="+mn-ea"/>
+            </a:endParaRPr>
+          </a:p>
+        </p:txBody>
+      </p:sp>
+      <p:pic>
+        <p:nvPicPr>
+          <p:cNvPr id="3074" name="Picture 2" descr="An Overview of Python and Anaconda in Coding">
+            <a:extLst>
+              <a:ext uri="{FF2B5EF4-FFF2-40B4-BE49-F238E27FC236}">
+                <a16:creationId xmlns:a16="http://schemas.microsoft.com/office/drawing/2014/main" id="{883FA736-D3F1-A350-41D4-7D9EB2DE5DDA}"/>
+              </a:ext>
+            </a:extLst>
+          </p:cNvPr>
+          <p:cNvPicPr>
+            <a:picLocks noChangeAspect="1" noChangeArrowheads="1"/>
+          </p:cNvPicPr>
+          <p:nvPr/>
+        </p:nvPicPr>
+        <p:blipFill>
+          <a:blip r:embed="rId3">
+            <a:extLst>
+              <a:ext uri="{28A0092B-C50C-407E-A947-70E740481C1C}">
+                <a14:useLocalDpi xmlns:a14="http://schemas.microsoft.com/office/drawing/2010/main" val="0"/>
+              </a:ext>
+            </a:extLst>
+          </a:blip>
+          <a:srcRect/>
+          <a:stretch>
+            <a:fillRect/>
+          </a:stretch>
+        </p:blipFill>
+        <p:spPr bwMode="auto">
+          <a:xfrm>
+            <a:off x="1172030" y="3292491"/>
+            <a:ext cx="6799940" cy="3346846"/>
+          </a:xfrm>
+          <a:prstGeom prst="rect">
+            <a:avLst/>
+          </a:prstGeom>
+          <a:noFill/>
+          <a:extLst>
+            <a:ext uri="{909E8E84-426E-40DD-AFC4-6F175D3DCCD1}">
+              <a14:hiddenFill xmlns:a14="http://schemas.microsoft.com/office/drawing/2010/main">
+                <a:solidFill>
+                  <a:srgbClr val="FFFFFF"/>
+                </a:solidFill>
+              </a14:hiddenFill>
+            </a:ext>
+          </a:extLst>
+        </p:spPr>
+      </p:pic>
+    </p:spTree>
+    <p:extLst>
+      <p:ext uri="{BB962C8B-B14F-4D97-AF65-F5344CB8AC3E}">
+        <p14:creationId xmlns:p14="http://schemas.microsoft.com/office/powerpoint/2010/main" val="2573322686"/>
       </p:ext>
     </p:extLst>
   </p:cSld>
@@ -26668,8 +26979,8 @@
         </p:nvSpPr>
         <p:spPr>
           <a:xfrm>
-            <a:off x="317665" y="824792"/>
-            <a:ext cx="6349266" cy="662489"/>
+            <a:off x="317665" y="902168"/>
+            <a:ext cx="8508670" cy="662489"/>
           </a:xfrm>
           <a:prstGeom prst="rect">
             <a:avLst/>
@@ -26751,8 +27062,8 @@
         </p:nvSpPr>
         <p:spPr>
           <a:xfrm>
-            <a:off x="524405" y="1508817"/>
-            <a:ext cx="8141923" cy="2054409"/>
+            <a:off x="238206" y="1645665"/>
+            <a:ext cx="8721549" cy="4100161"/>
           </a:xfrm>
           <a:prstGeom prst="rect">
             <a:avLst/>
@@ -26765,341 +27076,396 @@
           </a:bodyPr>
           <a:lstStyle/>
           <a:p>
-            <a:pPr algn="just"/>
-            <a:r>
-              <a:rPr lang="en-US" altLang="zh-CN" b="1" dirty="0">
+            <a:pPr algn="l">
+              <a:lnSpc>
+                <a:spcPct val="150000"/>
+              </a:lnSpc>
+            </a:pPr>
+            <a:r>
+              <a:rPr lang="en-US" altLang="zh-CN" sz="2300" b="1" i="0" dirty="0">
                 <a:solidFill>
                   <a:srgbClr val="333333"/>
                 </a:solidFill>
+                <a:effectLst/>
                 <a:latin typeface="Microsoft YaHei" panose="020B0503020204020204" pitchFamily="34" charset="-122"/>
                 <a:ea typeface="Microsoft YaHei" panose="020B0503020204020204" pitchFamily="34" charset="-122"/>
               </a:rPr>
-              <a:t>Anaconda</a:t>
-            </a:r>
-            <a:r>
-              <a:rPr lang="zh-CN" altLang="en-US" b="1" dirty="0">
+              <a:t>1</a:t>
+            </a:r>
+            <a:r>
+              <a:rPr lang="zh-CN" altLang="en-US" sz="2300" b="1" i="0" dirty="0">
                 <a:solidFill>
                   <a:srgbClr val="333333"/>
                 </a:solidFill>
+                <a:effectLst/>
                 <a:latin typeface="Microsoft YaHei" panose="020B0503020204020204" pitchFamily="34" charset="-122"/>
                 <a:ea typeface="Microsoft YaHei" panose="020B0503020204020204" pitchFamily="34" charset="-122"/>
               </a:rPr>
-              <a:t>特点：</a:t>
-            </a:r>
-            <a:endParaRPr lang="en-US" altLang="zh-CN" b="1" dirty="0">
+              <a:t>）</a:t>
+            </a:r>
+            <a:r>
+              <a:rPr lang="en-US" altLang="zh-CN" sz="2300" b="1" i="0" dirty="0">
+                <a:solidFill>
+                  <a:srgbClr val="333333"/>
+                </a:solidFill>
+                <a:effectLst/>
+                <a:latin typeface="Microsoft YaHei" panose="020B0503020204020204" pitchFamily="34" charset="-122"/>
+                <a:ea typeface="Microsoft YaHei" panose="020B0503020204020204" pitchFamily="34" charset="-122"/>
+              </a:rPr>
+              <a:t>mini</a:t>
+            </a:r>
+            <a:r>
+              <a:rPr lang="en-CN" altLang="zh-CN" sz="2300" b="1" i="0" dirty="0">
+                <a:solidFill>
+                  <a:srgbClr val="333333"/>
+                </a:solidFill>
+                <a:effectLst/>
+                <a:latin typeface="Microsoft YaHei" panose="020B0503020204020204" pitchFamily="34" charset="-122"/>
+                <a:ea typeface="Microsoft YaHei" panose="020B0503020204020204" pitchFamily="34" charset="-122"/>
+              </a:rPr>
+              <a:t>conda </a:t>
+            </a:r>
+            <a:r>
+              <a:rPr lang="zh-CN" altLang="en-CN" sz="2300" b="1" i="0" dirty="0">
+                <a:solidFill>
+                  <a:srgbClr val="333333"/>
+                </a:solidFill>
+                <a:effectLst/>
+                <a:latin typeface="Microsoft YaHei" panose="020B0503020204020204" pitchFamily="34" charset="-122"/>
+                <a:ea typeface="Microsoft YaHei" panose="020B0503020204020204" pitchFamily="34" charset="-122"/>
+              </a:rPr>
+              <a:t>安装</a:t>
+            </a:r>
+            <a:endParaRPr lang="en-US" altLang="zh-CN" sz="2300" b="1" i="0" dirty="0">
+              <a:solidFill>
+                <a:schemeClr val="bg2"/>
+              </a:solidFill>
+              <a:effectLst/>
+              <a:latin typeface="Microsoft YaHei" panose="020B0503020204020204" pitchFamily="34" charset="-122"/>
+              <a:ea typeface="Microsoft YaHei" panose="020B0503020204020204" pitchFamily="34" charset="-122"/>
+            </a:endParaRPr>
+          </a:p>
+          <a:p>
+            <a:pPr algn="l">
+              <a:lnSpc>
+                <a:spcPct val="150000"/>
+              </a:lnSpc>
+            </a:pPr>
+            <a:r>
+              <a:rPr lang="zh-CN" altLang="en-US" sz="2300" b="0" i="0" dirty="0">
+                <a:solidFill>
+                  <a:schemeClr val="bg2"/>
+                </a:solidFill>
+                <a:effectLst/>
+                <a:latin typeface="+mn-ea"/>
+                <a:ea typeface="+mn-ea"/>
+              </a:rPr>
+              <a:t>进入</a:t>
+            </a:r>
+            <a:r>
+              <a:rPr lang="en-US" altLang="zh-CN" sz="2300" b="0" i="0" dirty="0" err="1">
+                <a:solidFill>
+                  <a:schemeClr val="bg2"/>
+                </a:solidFill>
+                <a:effectLst/>
+                <a:latin typeface="+mn-ea"/>
+                <a:ea typeface="+mn-ea"/>
+              </a:rPr>
+              <a:t>miniconda</a:t>
+            </a:r>
+            <a:r>
+              <a:rPr lang="zh-CN" altLang="en-US" sz="2300" b="0" i="0" dirty="0">
+                <a:solidFill>
+                  <a:schemeClr val="bg2"/>
+                </a:solidFill>
+                <a:effectLst/>
+                <a:latin typeface="+mn-ea"/>
+                <a:ea typeface="+mn-ea"/>
+              </a:rPr>
+              <a:t>官网，找到对应系统的</a:t>
+            </a:r>
+            <a:r>
+              <a:rPr lang="en-US" altLang="zh-CN" sz="2300" b="0" i="0" dirty="0" err="1">
+                <a:solidFill>
+                  <a:schemeClr val="bg2"/>
+                </a:solidFill>
+                <a:effectLst/>
+                <a:latin typeface="+mn-ea"/>
+                <a:ea typeface="+mn-ea"/>
+              </a:rPr>
+              <a:t>miniconda</a:t>
+            </a:r>
+            <a:r>
+              <a:rPr lang="zh-CN" altLang="en-US" sz="2300" b="0" i="0" dirty="0">
+                <a:solidFill>
+                  <a:schemeClr val="bg2"/>
+                </a:solidFill>
+                <a:effectLst/>
+                <a:latin typeface="+mn-ea"/>
+                <a:ea typeface="+mn-ea"/>
+              </a:rPr>
+              <a:t>最新版本</a:t>
+            </a:r>
+            <a:r>
+              <a:rPr lang="zh-CN" altLang="en-US" sz="2300" dirty="0">
+                <a:solidFill>
+                  <a:schemeClr val="bg2"/>
+                </a:solidFill>
+                <a:latin typeface="+mn-ea"/>
+                <a:ea typeface="+mn-ea"/>
+              </a:rPr>
+              <a:t>安装包。</a:t>
+            </a:r>
+            <a:endParaRPr lang="en-US" altLang="zh-CN" sz="2300" b="0" i="0" dirty="0">
+              <a:solidFill>
+                <a:schemeClr val="bg2"/>
+              </a:solidFill>
+              <a:effectLst/>
+              <a:latin typeface="+mn-ea"/>
+              <a:ea typeface="+mn-ea"/>
+            </a:endParaRPr>
+          </a:p>
+          <a:p>
+            <a:pPr algn="l">
+              <a:lnSpc>
+                <a:spcPct val="150000"/>
+              </a:lnSpc>
+            </a:pPr>
+            <a:r>
+              <a:rPr lang="en-US" sz="2300" b="1" dirty="0" err="1">
+                <a:solidFill>
+                  <a:schemeClr val="bg2"/>
+                </a:solidFill>
+                <a:effectLst/>
+                <a:latin typeface="+mn-ea"/>
+                <a:ea typeface="+mn-ea"/>
+              </a:rPr>
+              <a:t>Windows系统安装</a:t>
+            </a:r>
+            <a:r>
+              <a:rPr lang="zh-CN" altLang="en-US" sz="2300" dirty="0">
+                <a:solidFill>
+                  <a:schemeClr val="bg2"/>
+                </a:solidFill>
+                <a:effectLst/>
+                <a:latin typeface="+mn-ea"/>
+                <a:ea typeface="+mn-ea"/>
+              </a:rPr>
+              <a:t>：</a:t>
+            </a:r>
+            <a:r>
+              <a:rPr lang="zh-CN" altLang="en-US" sz="2300" dirty="0">
+                <a:solidFill>
+                  <a:schemeClr val="bg2"/>
+                </a:solidFill>
+                <a:latin typeface="+mn-ea"/>
+                <a:ea typeface="+mn-ea"/>
+              </a:rPr>
+              <a:t>鼠标左键双击安装包文件。</a:t>
+            </a:r>
+            <a:endParaRPr lang="en-US" sz="2300" dirty="0">
+              <a:solidFill>
+                <a:schemeClr val="bg2"/>
+              </a:solidFill>
+              <a:latin typeface="+mn-ea"/>
+              <a:ea typeface="+mn-ea"/>
+            </a:endParaRPr>
+          </a:p>
+          <a:p>
+            <a:pPr algn="l">
+              <a:lnSpc>
+                <a:spcPct val="150000"/>
+              </a:lnSpc>
+            </a:pPr>
+            <a:r>
+              <a:rPr lang="en-US" sz="2300" b="1" dirty="0" err="1">
+                <a:solidFill>
+                  <a:schemeClr val="bg2"/>
+                </a:solidFill>
+                <a:latin typeface="+mn-ea"/>
+                <a:ea typeface="+mn-ea"/>
+              </a:rPr>
+              <a:t>Mac系统安装</a:t>
+            </a:r>
+            <a:r>
+              <a:rPr lang="zh-CN" altLang="en-US" sz="2300" b="1" dirty="0">
+                <a:solidFill>
+                  <a:schemeClr val="bg2"/>
+                </a:solidFill>
+                <a:latin typeface="+mn-ea"/>
+                <a:ea typeface="+mn-ea"/>
+              </a:rPr>
+              <a:t>：</a:t>
+            </a:r>
+            <a:r>
+              <a:rPr lang="en-US" sz="2300" dirty="0">
+                <a:solidFill>
+                  <a:schemeClr val="bg2"/>
+                </a:solidFill>
+                <a:latin typeface="+mn-ea"/>
+                <a:ea typeface="+mn-ea"/>
+              </a:rPr>
+              <a:t>bash Miniconda3-latest-MacOSX-x86_64.sh</a:t>
+            </a:r>
+          </a:p>
+          <a:p>
+            <a:pPr algn="l">
+              <a:lnSpc>
+                <a:spcPct val="150000"/>
+              </a:lnSpc>
+            </a:pPr>
+            <a:r>
+              <a:rPr lang="en-US" sz="2300" b="1" dirty="0" err="1">
+                <a:solidFill>
+                  <a:schemeClr val="bg2"/>
+                </a:solidFill>
+                <a:latin typeface="+mn-ea"/>
+                <a:ea typeface="+mn-ea"/>
+              </a:rPr>
+              <a:t>Linux系统安装</a:t>
+            </a:r>
+            <a:r>
+              <a:rPr lang="zh-CN" altLang="en-US" sz="2300" b="1" dirty="0">
+                <a:solidFill>
+                  <a:schemeClr val="bg2"/>
+                </a:solidFill>
+                <a:latin typeface="+mn-ea"/>
+                <a:ea typeface="+mn-ea"/>
+              </a:rPr>
+              <a:t>：</a:t>
+            </a:r>
+            <a:r>
+              <a:rPr lang="en-US" sz="2300" dirty="0">
+                <a:solidFill>
+                  <a:schemeClr val="bg2"/>
+                </a:solidFill>
+                <a:latin typeface="+mn-ea"/>
+                <a:ea typeface="+mn-ea"/>
+              </a:rPr>
+              <a:t>bash Miniconda3-latest-Linux-x86_64.sh</a:t>
+            </a:r>
+            <a:endParaRPr lang="en-US" altLang="zh-CN" sz="2300" dirty="0">
               <a:solidFill>
                 <a:srgbClr val="333333"/>
               </a:solidFill>
-              <a:latin typeface="Microsoft YaHei" panose="020B0503020204020204" pitchFamily="34" charset="-122"/>
-              <a:ea typeface="Microsoft YaHei" panose="020B0503020204020204" pitchFamily="34" charset="-122"/>
+              <a:latin typeface="+mn-ea"/>
+              <a:ea typeface="+mn-ea"/>
             </a:endParaRPr>
           </a:p>
           <a:p>
             <a:pPr algn="l">
-              <a:buFont typeface="+mj-lt"/>
-              <a:buAutoNum type="arabicPeriod"/>
+              <a:lnSpc>
+                <a:spcPct val="150000"/>
+              </a:lnSpc>
             </a:pPr>
             <a:r>
-              <a:rPr lang="en-US" altLang="zh-CN" sz="2300" b="0" i="0" dirty="0">
+              <a:rPr lang="zh-CN" altLang="en-US" sz="2300" dirty="0">
                 <a:solidFill>
                   <a:srgbClr val="333333"/>
                 </a:solidFill>
-                <a:effectLst/>
-                <a:latin typeface="PingFang SC" panose="020B0400000000000000" pitchFamily="34" charset="-122"/>
-                <a:ea typeface="PingFang SC" panose="020B0400000000000000" pitchFamily="34" charset="-122"/>
-              </a:rPr>
-              <a:t> </a:t>
-            </a:r>
-            <a:r>
-              <a:rPr lang="zh-CN" altLang="en-US" sz="2300" b="0" i="0" dirty="0">
+                <a:latin typeface="+mn-ea"/>
+                <a:ea typeface="+mn-ea"/>
+              </a:rPr>
+              <a:t>安装后，查看</a:t>
+            </a:r>
+            <a:r>
+              <a:rPr lang="en-US" altLang="zh-CN" sz="2300" dirty="0" err="1">
                 <a:solidFill>
                   <a:srgbClr val="333333"/>
                 </a:solidFill>
-                <a:effectLst/>
-                <a:latin typeface="PingFang SC" panose="020B0400000000000000" pitchFamily="34" charset="-122"/>
-                <a:ea typeface="PingFang SC" panose="020B0400000000000000" pitchFamily="34" charset="-122"/>
-              </a:rPr>
-              <a:t>内置</a:t>
-            </a:r>
-            <a:r>
-              <a:rPr lang="en-US" sz="2300" b="0" i="0" dirty="0">
+                <a:latin typeface="+mn-ea"/>
+                <a:ea typeface="+mn-ea"/>
+              </a:rPr>
+              <a:t>conda</a:t>
+            </a:r>
+            <a:r>
+              <a:rPr lang="zh-CN" altLang="en-US" sz="2300" dirty="0">
                 <a:solidFill>
                   <a:srgbClr val="333333"/>
                 </a:solidFill>
-                <a:effectLst/>
-                <a:latin typeface="PingFang SC" panose="020B0400000000000000" pitchFamily="34" charset="-122"/>
-                <a:ea typeface="PingFang SC" panose="020B0400000000000000" pitchFamily="34" charset="-122"/>
-              </a:rPr>
-              <a:t>python</a:t>
-            </a:r>
-            <a:r>
-              <a:rPr lang="zh-CN" altLang="en-US" sz="2300" b="0" i="0" dirty="0">
+                <a:latin typeface="+mn-ea"/>
+                <a:ea typeface="+mn-ea"/>
+              </a:rPr>
+              <a:t>版本命令：</a:t>
+            </a:r>
+            <a:r>
+              <a:rPr lang="en-US" altLang="zh-CN" sz="2300" dirty="0" err="1">
                 <a:solidFill>
                   <a:srgbClr val="333333"/>
                 </a:solidFill>
-                <a:effectLst/>
-                <a:latin typeface="PingFang SC" panose="020B0400000000000000" pitchFamily="34" charset="-122"/>
-                <a:ea typeface="PingFang SC" panose="020B0400000000000000" pitchFamily="34" charset="-122"/>
-              </a:rPr>
-              <a:t>解释器</a:t>
-            </a:r>
-            <a:r>
-              <a:rPr lang="en-US" sz="2300" b="0" i="0" dirty="0">
+                <a:latin typeface="+mn-ea"/>
+                <a:ea typeface="+mn-ea"/>
+              </a:rPr>
+              <a:t>conda</a:t>
+            </a:r>
+            <a:r>
+              <a:rPr lang="en-US" altLang="zh-CN" sz="2300" dirty="0">
                 <a:solidFill>
                   <a:srgbClr val="333333"/>
                 </a:solidFill>
-                <a:effectLst/>
-                <a:latin typeface="PingFang SC" panose="020B0400000000000000" pitchFamily="34" charset="-122"/>
-                <a:ea typeface="PingFang SC" panose="020B0400000000000000" pitchFamily="34" charset="-122"/>
-              </a:rPr>
-              <a:t>，</a:t>
-            </a:r>
-            <a:r>
-              <a:rPr lang="zh-CN" altLang="en-US" sz="2300" b="0" i="0" dirty="0">
-                <a:solidFill>
-                  <a:srgbClr val="333333"/>
-                </a:solidFill>
-                <a:effectLst/>
-                <a:latin typeface="PingFang SC" panose="020B0400000000000000" pitchFamily="34" charset="-122"/>
-                <a:ea typeface="PingFang SC" panose="020B0400000000000000" pitchFamily="34" charset="-122"/>
-              </a:rPr>
-              <a:t>高度集成</a:t>
-            </a:r>
-            <a:r>
-              <a:rPr lang="en-US" sz="2300" b="0" i="0" dirty="0">
-                <a:solidFill>
-                  <a:srgbClr val="333333"/>
-                </a:solidFill>
-                <a:effectLst/>
-                <a:latin typeface="PingFang SC" panose="020B0400000000000000" pitchFamily="34" charset="-122"/>
-                <a:ea typeface="PingFang SC" panose="020B0400000000000000" pitchFamily="34" charset="-122"/>
-              </a:rPr>
-              <a:t>python</a:t>
-            </a:r>
-            <a:r>
-              <a:rPr lang="zh-CN" altLang="en-US" sz="2300" b="0" i="0" dirty="0">
-                <a:solidFill>
-                  <a:srgbClr val="333333"/>
-                </a:solidFill>
-                <a:effectLst/>
-                <a:latin typeface="PingFang SC" panose="020B0400000000000000" pitchFamily="34" charset="-122"/>
-                <a:ea typeface="PingFang SC" panose="020B0400000000000000" pitchFamily="34" charset="-122"/>
-              </a:rPr>
-              <a:t>数据科学生态；</a:t>
-            </a:r>
-          </a:p>
-          <a:p>
-            <a:pPr algn="l">
-              <a:buFont typeface="+mj-lt"/>
-              <a:buAutoNum type="arabicPeriod"/>
-            </a:pPr>
-            <a:r>
-              <a:rPr lang="en-US" altLang="zh-CN" sz="2300" b="0" i="0" dirty="0">
-                <a:solidFill>
-                  <a:srgbClr val="333333"/>
-                </a:solidFill>
-                <a:effectLst/>
-                <a:latin typeface="PingFang SC" panose="020B0400000000000000" pitchFamily="34" charset="-122"/>
-                <a:ea typeface="PingFang SC" panose="020B0400000000000000" pitchFamily="34" charset="-122"/>
-              </a:rPr>
-              <a:t> </a:t>
-            </a:r>
-            <a:r>
-              <a:rPr lang="zh-CN" altLang="en-US" sz="2300" b="0" i="0" dirty="0">
-                <a:solidFill>
-                  <a:srgbClr val="333333"/>
-                </a:solidFill>
-                <a:effectLst/>
-                <a:latin typeface="PingFang SC" panose="020B0400000000000000" pitchFamily="34" charset="-122"/>
-                <a:ea typeface="PingFang SC" panose="020B0400000000000000" pitchFamily="34" charset="-122"/>
-              </a:rPr>
-              <a:t>拥有强大的包管理工具</a:t>
-            </a:r>
-            <a:r>
-              <a:rPr lang="en-US" altLang="zh-CN" sz="2300" b="0" i="0" dirty="0" err="1">
-                <a:solidFill>
-                  <a:srgbClr val="333333"/>
-                </a:solidFill>
-                <a:effectLst/>
-                <a:latin typeface="PingFang SC" panose="020B0400000000000000" pitchFamily="34" charset="-122"/>
-                <a:ea typeface="PingFang SC" panose="020B0400000000000000" pitchFamily="34" charset="-122"/>
-              </a:rPr>
-              <a:t>c</a:t>
-            </a:r>
-            <a:r>
-              <a:rPr lang="en-US" sz="2300" b="0" i="0" dirty="0" err="1">
-                <a:solidFill>
-                  <a:srgbClr val="333333"/>
-                </a:solidFill>
-                <a:effectLst/>
-                <a:latin typeface="PingFang SC" panose="020B0400000000000000" pitchFamily="34" charset="-122"/>
-                <a:ea typeface="PingFang SC" panose="020B0400000000000000" pitchFamily="34" charset="-122"/>
-              </a:rPr>
-              <a:t>onda</a:t>
-            </a:r>
-            <a:r>
-              <a:rPr lang="zh-CN" altLang="en-US" sz="2300" b="0" i="0" dirty="0">
-                <a:solidFill>
-                  <a:srgbClr val="333333"/>
-                </a:solidFill>
-                <a:effectLst/>
-                <a:latin typeface="PingFang SC" panose="020B0400000000000000" pitchFamily="34" charset="-122"/>
-                <a:ea typeface="PingFang SC" panose="020B0400000000000000" pitchFamily="34" charset="-122"/>
-              </a:rPr>
-              <a:t>；</a:t>
-            </a:r>
-            <a:endParaRPr lang="en-US" sz="2300" b="0" i="0" dirty="0">
-              <a:solidFill>
-                <a:srgbClr val="333333"/>
-              </a:solidFill>
-              <a:effectLst/>
-              <a:latin typeface="PingFang SC" panose="020B0400000000000000" pitchFamily="34" charset="-122"/>
-              <a:ea typeface="PingFang SC" panose="020B0400000000000000" pitchFamily="34" charset="-122"/>
-            </a:endParaRPr>
-          </a:p>
-          <a:p>
-            <a:pPr algn="l">
-              <a:buFont typeface="+mj-lt"/>
-              <a:buAutoNum type="arabicPeriod"/>
-            </a:pPr>
-            <a:r>
-              <a:rPr lang="en-US" altLang="zh-CN" sz="2300" b="0" i="0" dirty="0">
-                <a:solidFill>
-                  <a:srgbClr val="333333"/>
-                </a:solidFill>
-                <a:effectLst/>
-                <a:latin typeface="PingFang SC" panose="020B0400000000000000" pitchFamily="34" charset="-122"/>
-                <a:ea typeface="PingFang SC" panose="020B0400000000000000" pitchFamily="34" charset="-122"/>
-              </a:rPr>
-              <a:t> </a:t>
-            </a:r>
-            <a:r>
-              <a:rPr lang="zh-CN" altLang="en-US" sz="2300" b="0" i="0" dirty="0">
-                <a:solidFill>
-                  <a:srgbClr val="333333"/>
-                </a:solidFill>
-                <a:effectLst/>
-                <a:latin typeface="PingFang SC" panose="020B0400000000000000" pitchFamily="34" charset="-122"/>
-                <a:ea typeface="PingFang SC" panose="020B0400000000000000" pitchFamily="34" charset="-122"/>
-              </a:rPr>
-              <a:t>可用超过</a:t>
-            </a:r>
-            <a:r>
-              <a:rPr lang="en-US" altLang="zh-CN" sz="2300" dirty="0">
-                <a:solidFill>
-                  <a:srgbClr val="333333"/>
-                </a:solidFill>
-                <a:latin typeface="PingFang SC" panose="020B0400000000000000" pitchFamily="34" charset="-122"/>
-                <a:ea typeface="PingFang SC" panose="020B0400000000000000" pitchFamily="34" charset="-122"/>
-              </a:rPr>
-              <a:t>1400</a:t>
-            </a:r>
-            <a:r>
-              <a:rPr lang="zh-CN" altLang="en-US" sz="2300" b="0" i="0" dirty="0">
-                <a:solidFill>
-                  <a:srgbClr val="333333"/>
-                </a:solidFill>
-                <a:effectLst/>
-                <a:latin typeface="PingFang SC" panose="020B0400000000000000" pitchFamily="34" charset="-122"/>
-                <a:ea typeface="PingFang SC" panose="020B0400000000000000" pitchFamily="34" charset="-122"/>
-              </a:rPr>
-              <a:t>个</a:t>
-            </a:r>
-            <a:r>
-              <a:rPr lang="en-US" sz="2300" b="0" i="0" dirty="0">
-                <a:solidFill>
-                  <a:srgbClr val="333333"/>
-                </a:solidFill>
-                <a:effectLst/>
-                <a:latin typeface="PingFang SC" panose="020B0400000000000000" pitchFamily="34" charset="-122"/>
-                <a:ea typeface="PingFang SC" panose="020B0400000000000000" pitchFamily="34" charset="-122"/>
-              </a:rPr>
-              <a:t>python</a:t>
-            </a:r>
-            <a:r>
-              <a:rPr lang="zh-CN" altLang="en-US" sz="2300" b="0" i="0" dirty="0">
-                <a:solidFill>
-                  <a:srgbClr val="333333"/>
-                </a:solidFill>
-                <a:effectLst/>
-                <a:latin typeface="PingFang SC" panose="020B0400000000000000" pitchFamily="34" charset="-122"/>
-                <a:ea typeface="PingFang SC" panose="020B0400000000000000" pitchFamily="34" charset="-122"/>
-              </a:rPr>
-              <a:t>数据科学库</a:t>
-            </a:r>
-            <a:r>
-              <a:rPr lang="en-US" altLang="zh-CN" sz="2300" b="0" i="0" dirty="0">
-                <a:solidFill>
-                  <a:srgbClr val="333333"/>
-                </a:solidFill>
-                <a:effectLst/>
-                <a:latin typeface="PingFang SC" panose="020B0400000000000000" pitchFamily="34" charset="-122"/>
-                <a:ea typeface="PingFang SC" panose="020B0400000000000000" pitchFamily="34" charset="-122"/>
-              </a:rPr>
-              <a:t>.</a:t>
-            </a:r>
-            <a:endParaRPr lang="zh-CN" altLang="en-US" sz="2300" b="0" i="0" dirty="0">
-              <a:solidFill>
-                <a:srgbClr val="333333"/>
-              </a:solidFill>
-              <a:effectLst/>
-              <a:latin typeface="PingFang SC" panose="020B0400000000000000" pitchFamily="34" charset="-122"/>
-              <a:ea typeface="PingFang SC" panose="020B0400000000000000" pitchFamily="34" charset="-122"/>
-            </a:endParaRPr>
+                <a:latin typeface="+mn-ea"/>
+                <a:ea typeface="+mn-ea"/>
+              </a:rPr>
+              <a:t> –-version</a:t>
+            </a:r>
           </a:p>
         </p:txBody>
       </p:sp>
-      <p:pic>
-        <p:nvPicPr>
-          <p:cNvPr id="6148" name="Picture 4" descr="An Overview of Python and Anaconda in Coding">
+      <p:sp>
+        <p:nvSpPr>
+          <p:cNvPr id="5" name="文本框 4">
             <a:extLst>
               <a:ext uri="{FF2B5EF4-FFF2-40B4-BE49-F238E27FC236}">
-                <a16:creationId xmlns:a16="http://schemas.microsoft.com/office/drawing/2014/main" id="{2BDC71E0-66D1-C9A4-EC06-83CEA1E59321}"/>
+                <a16:creationId xmlns:a16="http://schemas.microsoft.com/office/drawing/2014/main" id="{FE8F0FF0-899E-0134-D350-768DFED1E99B}"/>
               </a:ext>
             </a:extLst>
           </p:cNvPr>
-          <p:cNvPicPr>
-            <a:picLocks noChangeAspect="1" noChangeArrowheads="1"/>
-          </p:cNvPicPr>
+          <p:cNvSpPr txBox="1"/>
           <p:nvPr/>
-        </p:nvPicPr>
-        <p:blipFill>
-          <a:blip r:embed="rId3">
-            <a:extLst>
-              <a:ext uri="{28A0092B-C50C-407E-A947-70E740481C1C}">
-                <a14:useLocalDpi xmlns:a14="http://schemas.microsoft.com/office/drawing/2010/main" val="0"/>
-              </a:ext>
-            </a:extLst>
-          </a:blip>
-          <a:srcRect/>
-          <a:stretch>
-            <a:fillRect/>
-          </a:stretch>
-        </p:blipFill>
-        <p:spPr bwMode="auto">
+        </p:nvSpPr>
+        <p:spPr>
           <a:xfrm>
-            <a:off x="1347848" y="3685259"/>
-            <a:ext cx="6317673" cy="3109480"/>
+            <a:off x="374826" y="6132621"/>
+            <a:ext cx="8291014" cy="430887"/>
           </a:xfrm>
           <a:prstGeom prst="rect">
             <a:avLst/>
           </a:prstGeom>
           <a:noFill/>
-          <a:extLst>
-            <a:ext uri="{909E8E84-426E-40DD-AFC4-6F175D3DCCD1}">
-              <a14:hiddenFill xmlns:a14="http://schemas.microsoft.com/office/drawing/2010/main">
-                <a:solidFill>
-                  <a:srgbClr val="FFFFFF"/>
-                </a:solidFill>
-              </a14:hiddenFill>
-            </a:ext>
-          </a:extLst>
         </p:spPr>
-      </p:pic>
+        <p:txBody>
+          <a:bodyPr wrap="square">
+            <a:spAutoFit/>
+          </a:bodyPr>
+          <a:lstStyle/>
+          <a:p>
+            <a:r>
+              <a:rPr lang="en-US" altLang="zh-CN" sz="2200" i="1" dirty="0" err="1">
+                <a:solidFill>
+                  <a:schemeClr val="accent1"/>
+                </a:solidFill>
+                <a:latin typeface="+mn-ea"/>
+                <a:ea typeface="+mn-ea"/>
+              </a:rPr>
+              <a:t>miniconda</a:t>
+            </a:r>
+            <a:r>
+              <a:rPr lang="zh-CN" altLang="en-US" sz="2200" i="1" dirty="0">
+                <a:solidFill>
+                  <a:schemeClr val="accent1"/>
+                </a:solidFill>
+                <a:latin typeface="+mn-ea"/>
+                <a:ea typeface="+mn-ea"/>
+              </a:rPr>
+              <a:t>官网：https://docs.anaconda.com/miniconda/</a:t>
+            </a:r>
+          </a:p>
+        </p:txBody>
+      </p:sp>
     </p:spTree>
     <p:extLst>
       <p:ext uri="{BB962C8B-B14F-4D97-AF65-F5344CB8AC3E}">
-        <p14:creationId xmlns:p14="http://schemas.microsoft.com/office/powerpoint/2010/main" val="3724560275"/>
+        <p14:creationId xmlns:p14="http://schemas.microsoft.com/office/powerpoint/2010/main" val="3741103209"/>
       </p:ext>
     </p:extLst>
   </p:cSld>
@@ -27278,8 +27644,8 @@
         </p:nvSpPr>
         <p:spPr>
           <a:xfrm>
-            <a:off x="238206" y="1645665"/>
-            <a:ext cx="8721549" cy="4100161"/>
+            <a:off x="456213" y="1472384"/>
+            <a:ext cx="8273186" cy="581057"/>
           </a:xfrm>
           <a:prstGeom prst="rect">
             <a:avLst/>
@@ -27298,7 +27664,7 @@
               </a:lnSpc>
             </a:pPr>
             <a:r>
-              <a:rPr lang="en-US" altLang="zh-CN" sz="2300" b="1" i="0" dirty="0">
+              <a:rPr lang="en-US" altLang="zh-CN" b="0" i="0" dirty="0">
                 <a:solidFill>
                   <a:srgbClr val="333333"/>
                 </a:solidFill>
@@ -27309,7 +27675,7 @@
               <a:t>1</a:t>
             </a:r>
             <a:r>
-              <a:rPr lang="zh-CN" altLang="en-US" sz="2300" b="1" i="0" dirty="0">
+              <a:rPr lang="zh-CN" altLang="en-US" b="0" i="0" dirty="0">
                 <a:solidFill>
                   <a:srgbClr val="333333"/>
                 </a:solidFill>
@@ -27320,7 +27686,7 @@
               <a:t>）</a:t>
             </a:r>
             <a:r>
-              <a:rPr lang="en-US" altLang="zh-CN" sz="2300" b="1" i="0" dirty="0">
+              <a:rPr lang="en-US" altLang="zh-CN" b="0" i="0" dirty="0">
                 <a:solidFill>
                   <a:srgbClr val="333333"/>
                 </a:solidFill>
@@ -27331,7 +27697,7 @@
               <a:t>mini</a:t>
             </a:r>
             <a:r>
-              <a:rPr lang="en-CN" altLang="zh-CN" sz="2300" b="1" i="0" dirty="0">
+              <a:rPr lang="en-CN" altLang="zh-CN" b="0" i="0" dirty="0">
                 <a:solidFill>
                   <a:srgbClr val="333333"/>
                 </a:solidFill>
@@ -27342,7 +27708,7 @@
               <a:t>conda </a:t>
             </a:r>
             <a:r>
-              <a:rPr lang="zh-CN" altLang="en-CN" sz="2300" b="1" i="0" dirty="0">
+              <a:rPr lang="zh-CN" altLang="en-CN" b="0" i="0" dirty="0">
                 <a:solidFill>
                   <a:srgbClr val="333333"/>
                 </a:solidFill>
@@ -27352,7 +27718,7 @@
               </a:rPr>
               <a:t>安装</a:t>
             </a:r>
-            <a:endParaRPr lang="en-US" altLang="zh-CN" sz="2300" b="1" i="0" dirty="0">
+            <a:endParaRPr lang="en-US" altLang="zh-CN" b="0" i="0" dirty="0">
               <a:solidFill>
                 <a:schemeClr val="bg2"/>
               </a:solidFill>
@@ -27361,327 +27727,162 @@
               <a:ea typeface="Microsoft YaHei" panose="020B0503020204020204" pitchFamily="34" charset="-122"/>
             </a:endParaRPr>
           </a:p>
-          <a:p>
-            <a:pPr algn="l">
-              <a:lnSpc>
-                <a:spcPct val="150000"/>
-              </a:lnSpc>
-            </a:pPr>
-            <a:r>
-              <a:rPr lang="zh-CN" altLang="en-US" sz="2300" b="0" i="0" dirty="0">
-                <a:solidFill>
-                  <a:schemeClr val="bg2"/>
-                </a:solidFill>
-                <a:effectLst/>
-                <a:latin typeface="+mn-ea"/>
-                <a:ea typeface="+mn-ea"/>
-              </a:rPr>
-              <a:t>进入</a:t>
-            </a:r>
-            <a:r>
-              <a:rPr lang="en-US" altLang="zh-CN" sz="2300" b="0" i="0" dirty="0" err="1">
-                <a:solidFill>
-                  <a:schemeClr val="bg2"/>
-                </a:solidFill>
-                <a:effectLst/>
-                <a:latin typeface="+mn-ea"/>
-                <a:ea typeface="+mn-ea"/>
-              </a:rPr>
-              <a:t>miniconda</a:t>
-            </a:r>
-            <a:r>
-              <a:rPr lang="zh-CN" altLang="en-US" sz="2300" b="0" i="0" dirty="0">
-                <a:solidFill>
-                  <a:schemeClr val="bg2"/>
-                </a:solidFill>
-                <a:effectLst/>
-                <a:latin typeface="+mn-ea"/>
-                <a:ea typeface="+mn-ea"/>
-              </a:rPr>
-              <a:t>官网，找到对应系统的</a:t>
-            </a:r>
-            <a:r>
-              <a:rPr lang="en-US" altLang="zh-CN" sz="2300" b="0" i="0" dirty="0" err="1">
-                <a:solidFill>
-                  <a:schemeClr val="bg2"/>
-                </a:solidFill>
-                <a:effectLst/>
-                <a:latin typeface="+mn-ea"/>
-                <a:ea typeface="+mn-ea"/>
-              </a:rPr>
-              <a:t>miniconda</a:t>
-            </a:r>
-            <a:r>
-              <a:rPr lang="zh-CN" altLang="en-US" sz="2300" b="0" i="0" dirty="0">
-                <a:solidFill>
-                  <a:schemeClr val="bg2"/>
-                </a:solidFill>
-                <a:effectLst/>
-                <a:latin typeface="+mn-ea"/>
-                <a:ea typeface="+mn-ea"/>
-              </a:rPr>
-              <a:t>最新版本</a:t>
-            </a:r>
-            <a:r>
-              <a:rPr lang="zh-CN" altLang="en-US" sz="2300" dirty="0">
-                <a:solidFill>
-                  <a:schemeClr val="bg2"/>
-                </a:solidFill>
-                <a:latin typeface="+mn-ea"/>
-                <a:ea typeface="+mn-ea"/>
-              </a:rPr>
-              <a:t>安装包。</a:t>
-            </a:r>
-            <a:endParaRPr lang="en-US" altLang="zh-CN" sz="2300" b="0" i="0" dirty="0">
-              <a:solidFill>
-                <a:schemeClr val="bg2"/>
-              </a:solidFill>
-              <a:effectLst/>
-              <a:latin typeface="+mn-ea"/>
-              <a:ea typeface="+mn-ea"/>
-            </a:endParaRPr>
-          </a:p>
-          <a:p>
-            <a:pPr algn="l">
-              <a:lnSpc>
-                <a:spcPct val="150000"/>
-              </a:lnSpc>
-            </a:pPr>
-            <a:r>
-              <a:rPr lang="en-US" sz="2300" b="1" dirty="0" err="1">
-                <a:solidFill>
-                  <a:schemeClr val="bg2"/>
-                </a:solidFill>
-                <a:effectLst/>
-                <a:latin typeface="+mn-ea"/>
-                <a:ea typeface="+mn-ea"/>
-              </a:rPr>
-              <a:t>Windows系统安装</a:t>
-            </a:r>
-            <a:r>
-              <a:rPr lang="zh-CN" altLang="en-US" sz="2300" dirty="0">
-                <a:solidFill>
-                  <a:schemeClr val="bg2"/>
-                </a:solidFill>
-                <a:effectLst/>
-                <a:latin typeface="+mn-ea"/>
-                <a:ea typeface="+mn-ea"/>
-              </a:rPr>
-              <a:t>：</a:t>
-            </a:r>
-            <a:r>
-              <a:rPr lang="zh-CN" altLang="en-US" sz="2300" dirty="0">
-                <a:solidFill>
-                  <a:schemeClr val="bg2"/>
-                </a:solidFill>
-                <a:latin typeface="+mn-ea"/>
-                <a:ea typeface="+mn-ea"/>
-              </a:rPr>
-              <a:t>鼠标左键双击安装包文件。</a:t>
-            </a:r>
-            <a:endParaRPr lang="en-US" sz="2300" dirty="0">
-              <a:solidFill>
-                <a:schemeClr val="bg2"/>
-              </a:solidFill>
-              <a:latin typeface="+mn-ea"/>
-              <a:ea typeface="+mn-ea"/>
-            </a:endParaRPr>
-          </a:p>
-          <a:p>
-            <a:pPr algn="l">
-              <a:lnSpc>
-                <a:spcPct val="150000"/>
-              </a:lnSpc>
-            </a:pPr>
-            <a:r>
-              <a:rPr lang="en-US" sz="2300" b="1" dirty="0" err="1">
-                <a:solidFill>
-                  <a:schemeClr val="bg2"/>
-                </a:solidFill>
-                <a:latin typeface="+mn-ea"/>
-                <a:ea typeface="+mn-ea"/>
-              </a:rPr>
-              <a:t>Mac系统安装</a:t>
-            </a:r>
-            <a:r>
-              <a:rPr lang="zh-CN" altLang="en-US" sz="2300" b="1" dirty="0">
-                <a:solidFill>
-                  <a:schemeClr val="bg2"/>
-                </a:solidFill>
-                <a:latin typeface="+mn-ea"/>
-                <a:ea typeface="+mn-ea"/>
-              </a:rPr>
-              <a:t>：</a:t>
-            </a:r>
-            <a:r>
-              <a:rPr lang="en-US" sz="2300" dirty="0">
-                <a:solidFill>
-                  <a:schemeClr val="bg2"/>
-                </a:solidFill>
-                <a:latin typeface="+mn-ea"/>
-                <a:ea typeface="+mn-ea"/>
-              </a:rPr>
-              <a:t>bash Miniconda3-latest-MacOSX-x86_64.sh</a:t>
-            </a:r>
-          </a:p>
-          <a:p>
-            <a:pPr algn="l">
-              <a:lnSpc>
-                <a:spcPct val="150000"/>
-              </a:lnSpc>
-            </a:pPr>
-            <a:r>
-              <a:rPr lang="en-US" sz="2300" b="1" dirty="0" err="1">
-                <a:solidFill>
-                  <a:schemeClr val="bg2"/>
-                </a:solidFill>
-                <a:latin typeface="+mn-ea"/>
-                <a:ea typeface="+mn-ea"/>
-              </a:rPr>
-              <a:t>Linux系统安装</a:t>
-            </a:r>
-            <a:r>
-              <a:rPr lang="zh-CN" altLang="en-US" sz="2300" b="1" dirty="0">
-                <a:solidFill>
-                  <a:schemeClr val="bg2"/>
-                </a:solidFill>
-                <a:latin typeface="+mn-ea"/>
-                <a:ea typeface="+mn-ea"/>
-              </a:rPr>
-              <a:t>：</a:t>
-            </a:r>
-            <a:r>
-              <a:rPr lang="en-US" sz="2300" dirty="0">
-                <a:solidFill>
-                  <a:schemeClr val="bg2"/>
-                </a:solidFill>
-                <a:latin typeface="+mn-ea"/>
-                <a:ea typeface="+mn-ea"/>
-              </a:rPr>
-              <a:t>bash Miniconda3-latest-Linux-x86_64.sh</a:t>
-            </a:r>
-            <a:endParaRPr lang="en-US" altLang="zh-CN" sz="2300" dirty="0">
-              <a:solidFill>
-                <a:srgbClr val="333333"/>
-              </a:solidFill>
-              <a:latin typeface="+mn-ea"/>
-              <a:ea typeface="+mn-ea"/>
-            </a:endParaRPr>
-          </a:p>
-          <a:p>
-            <a:pPr algn="l">
-              <a:lnSpc>
-                <a:spcPct val="150000"/>
-              </a:lnSpc>
-            </a:pPr>
-            <a:r>
-              <a:rPr lang="zh-CN" altLang="en-US" sz="2300" dirty="0">
-                <a:solidFill>
-                  <a:srgbClr val="333333"/>
-                </a:solidFill>
-                <a:latin typeface="+mn-ea"/>
-                <a:ea typeface="+mn-ea"/>
-              </a:rPr>
-              <a:t>安装后，查看</a:t>
-            </a:r>
-            <a:r>
-              <a:rPr lang="en-US" altLang="zh-CN" sz="2300" dirty="0" err="1">
-                <a:solidFill>
-                  <a:srgbClr val="333333"/>
-                </a:solidFill>
-                <a:latin typeface="+mn-ea"/>
-                <a:ea typeface="+mn-ea"/>
-              </a:rPr>
-              <a:t>conda</a:t>
-            </a:r>
-            <a:r>
-              <a:rPr lang="zh-CN" altLang="en-US" sz="2300" dirty="0">
-                <a:solidFill>
-                  <a:srgbClr val="333333"/>
-                </a:solidFill>
-                <a:latin typeface="+mn-ea"/>
-                <a:ea typeface="+mn-ea"/>
-              </a:rPr>
-              <a:t>版本命令：</a:t>
-            </a:r>
-            <a:r>
-              <a:rPr lang="en-US" altLang="zh-CN" sz="2300" dirty="0" err="1">
-                <a:solidFill>
-                  <a:srgbClr val="333333"/>
-                </a:solidFill>
-                <a:latin typeface="+mn-ea"/>
-                <a:ea typeface="+mn-ea"/>
-              </a:rPr>
-              <a:t>conda</a:t>
-            </a:r>
-            <a:r>
-              <a:rPr lang="en-US" altLang="zh-CN" sz="2300" dirty="0">
-                <a:solidFill>
-                  <a:srgbClr val="333333"/>
-                </a:solidFill>
-                <a:latin typeface="+mn-ea"/>
-                <a:ea typeface="+mn-ea"/>
-              </a:rPr>
-              <a:t> –-version</a:t>
-            </a:r>
-          </a:p>
         </p:txBody>
       </p:sp>
-      <p:sp>
-        <p:nvSpPr>
-          <p:cNvPr id="5" name="文本框 4">
+      <p:grpSp>
+        <p:nvGrpSpPr>
+          <p:cNvPr id="7" name="组合 6">
             <a:extLst>
               <a:ext uri="{FF2B5EF4-FFF2-40B4-BE49-F238E27FC236}">
-                <a16:creationId xmlns:a16="http://schemas.microsoft.com/office/drawing/2014/main" id="{FE8F0FF0-899E-0134-D350-768DFED1E99B}"/>
+                <a16:creationId xmlns:a16="http://schemas.microsoft.com/office/drawing/2014/main" id="{8D22590C-01B2-FEF0-E2A0-F67F9E75C51F}"/>
               </a:ext>
             </a:extLst>
           </p:cNvPr>
-          <p:cNvSpPr txBox="1"/>
+          <p:cNvGrpSpPr/>
           <p:nvPr/>
-        </p:nvSpPr>
-        <p:spPr>
+        </p:nvGrpSpPr>
+        <p:grpSpPr>
           <a:xfrm>
-            <a:off x="374826" y="6132621"/>
-            <a:ext cx="8291014" cy="430887"/>
+            <a:off x="1161742" y="2053441"/>
+            <a:ext cx="7343629" cy="4659611"/>
+            <a:chOff x="827914" y="2101959"/>
+            <a:chExt cx="7343629" cy="4659611"/>
           </a:xfrm>
-          <a:prstGeom prst="rect">
-            <a:avLst/>
-          </a:prstGeom>
-          <a:noFill/>
-        </p:spPr>
-        <p:txBody>
-          <a:bodyPr wrap="square">
-            <a:spAutoFit/>
-          </a:bodyPr>
-          <a:lstStyle/>
-          <a:p>
-            <a:r>
-              <a:rPr lang="en-US" altLang="zh-CN" sz="2200" i="1" dirty="0" err="1">
-                <a:solidFill>
-                  <a:schemeClr val="accent2"/>
-                </a:solidFill>
-                <a:latin typeface="+mn-ea"/>
-                <a:ea typeface="+mn-ea"/>
-              </a:rPr>
-              <a:t>miniconda</a:t>
-            </a:r>
-            <a:r>
-              <a:rPr lang="zh-CN" altLang="en-US" sz="2200" i="1" dirty="0">
-                <a:solidFill>
-                  <a:schemeClr val="accent2"/>
-                </a:solidFill>
-                <a:latin typeface="+mn-ea"/>
-                <a:ea typeface="+mn-ea"/>
-              </a:rPr>
-              <a:t>官网：https://docs.anaconda.com/miniconda/</a:t>
-            </a:r>
-          </a:p>
-        </p:txBody>
-      </p:sp>
+        </p:grpSpPr>
+        <p:pic>
+          <p:nvPicPr>
+            <p:cNvPr id="5" name="Picture 4">
+              <a:extLst>
+                <a:ext uri="{FF2B5EF4-FFF2-40B4-BE49-F238E27FC236}">
+                  <a16:creationId xmlns:a16="http://schemas.microsoft.com/office/drawing/2014/main" id="{197EF1EF-C4B4-1C55-B736-D9AE60BE4C77}"/>
+                </a:ext>
+              </a:extLst>
+            </p:cNvPr>
+            <p:cNvPicPr>
+              <a:picLocks noChangeAspect="1"/>
+            </p:cNvPicPr>
+            <p:nvPr/>
+          </p:nvPicPr>
+          <p:blipFill>
+            <a:blip r:embed="rId3"/>
+            <a:stretch>
+              <a:fillRect/>
+            </a:stretch>
+          </p:blipFill>
+          <p:spPr>
+            <a:xfrm>
+              <a:off x="827914" y="2101959"/>
+              <a:ext cx="6030086" cy="4659611"/>
+            </a:xfrm>
+            <a:prstGeom prst="rect">
+              <a:avLst/>
+            </a:prstGeom>
+          </p:spPr>
+        </p:pic>
+        <p:sp>
+          <p:nvSpPr>
+            <p:cNvPr id="4" name="矩形 3">
+              <a:extLst>
+                <a:ext uri="{FF2B5EF4-FFF2-40B4-BE49-F238E27FC236}">
+                  <a16:creationId xmlns:a16="http://schemas.microsoft.com/office/drawing/2014/main" id="{D31580DD-CBE0-F7F1-41ED-02A90DA04644}"/>
+                </a:ext>
+              </a:extLst>
+            </p:cNvPr>
+            <p:cNvSpPr/>
+            <p:nvPr/>
+          </p:nvSpPr>
+          <p:spPr>
+            <a:xfrm>
+              <a:off x="907143" y="3477517"/>
+              <a:ext cx="5653314" cy="664029"/>
+            </a:xfrm>
+            <a:prstGeom prst="rect">
+              <a:avLst/>
+            </a:prstGeom>
+            <a:noFill/>
+            <a:ln>
+              <a:solidFill>
+                <a:srgbClr val="C00000"/>
+              </a:solidFill>
+            </a:ln>
+          </p:spPr>
+          <p:style>
+            <a:lnRef idx="2">
+              <a:schemeClr val="accent2"/>
+            </a:lnRef>
+            <a:fillRef idx="1">
+              <a:schemeClr val="lt1"/>
+            </a:fillRef>
+            <a:effectRef idx="0">
+              <a:schemeClr val="accent2"/>
+            </a:effectRef>
+            <a:fontRef idx="minor">
+              <a:schemeClr val="dk1"/>
+            </a:fontRef>
+          </p:style>
+          <p:txBody>
+            <a:bodyPr wrap="square" lIns="0" rtlCol="0" anchor="ctr">
+              <a:noAutofit/>
+            </a:bodyPr>
+            <a:lstStyle/>
+            <a:p>
+              <a:pPr algn="l"/>
+              <a:endParaRPr lang="zh-CN" altLang="en-US" b="1" dirty="0">
+                <a:solidFill>
+                  <a:srgbClr val="FF0000"/>
+                </a:solidFill>
+                <a:latin typeface="微软雅黑" pitchFamily="34" charset="-122"/>
+                <a:ea typeface="微软雅黑" pitchFamily="34" charset="-122"/>
+              </a:endParaRPr>
+            </a:p>
+          </p:txBody>
+        </p:sp>
+        <p:sp>
+          <p:nvSpPr>
+            <p:cNvPr id="6" name="文本框 5">
+              <a:extLst>
+                <a:ext uri="{FF2B5EF4-FFF2-40B4-BE49-F238E27FC236}">
+                  <a16:creationId xmlns:a16="http://schemas.microsoft.com/office/drawing/2014/main" id="{47B7402E-3921-7010-157E-D02BA7C08847}"/>
+                </a:ext>
+              </a:extLst>
+            </p:cNvPr>
+            <p:cNvSpPr txBox="1"/>
+            <p:nvPr/>
+          </p:nvSpPr>
+          <p:spPr>
+            <a:xfrm>
+              <a:off x="6639686" y="3477517"/>
+              <a:ext cx="1531857" cy="707886"/>
+            </a:xfrm>
+            <a:prstGeom prst="rect">
+              <a:avLst/>
+            </a:prstGeom>
+            <a:noFill/>
+          </p:spPr>
+          <p:txBody>
+            <a:bodyPr wrap="square" rtlCol="0">
+              <a:spAutoFit/>
+            </a:bodyPr>
+            <a:lstStyle/>
+            <a:p>
+              <a:r>
+                <a:rPr lang="zh-CN" altLang="en-US" sz="2000" b="1" dirty="0">
+                  <a:solidFill>
+                    <a:schemeClr val="accent2"/>
+                  </a:solidFill>
+                  <a:latin typeface="+mj-ea"/>
+                  <a:ea typeface="+mj-ea"/>
+                </a:rPr>
+                <a:t>不推荐，但仍勾选</a:t>
+              </a:r>
+            </a:p>
+          </p:txBody>
+        </p:sp>
+      </p:grpSp>
     </p:spTree>
     <p:extLst>
       <p:ext uri="{BB962C8B-B14F-4D97-AF65-F5344CB8AC3E}">
-        <p14:creationId xmlns:p14="http://schemas.microsoft.com/office/powerpoint/2010/main" val="3741103209"/>
+        <p14:creationId xmlns:p14="http://schemas.microsoft.com/office/powerpoint/2010/main" val="1878724924"/>
       </p:ext>
     </p:extLst>
   </p:cSld>
@@ -28375,423 +28576,6 @@
         </p:nvSpPr>
         <p:spPr>
           <a:xfrm>
-            <a:off x="317665" y="902168"/>
-            <a:ext cx="8508670" cy="662489"/>
-          </a:xfrm>
-          <a:prstGeom prst="rect">
-            <a:avLst/>
-          </a:prstGeom>
-          <a:noFill/>
-        </p:spPr>
-        <p:txBody>
-          <a:bodyPr wrap="square" rtlCol="0">
-            <a:spAutoFit/>
-          </a:bodyPr>
-          <a:lstStyle/>
-          <a:p>
-            <a:pPr algn="just">
-              <a:lnSpc>
-                <a:spcPct val="150000"/>
-              </a:lnSpc>
-            </a:pPr>
-            <a:r>
-              <a:rPr lang="en-US" altLang="zh-CN" sz="2800" b="1" dirty="0">
-                <a:solidFill>
-                  <a:srgbClr val="333333"/>
-                </a:solidFill>
-                <a:latin typeface="+mn-ea"/>
-                <a:ea typeface="+mn-ea"/>
-              </a:rPr>
-              <a:t>2</a:t>
-            </a:r>
-            <a:r>
-              <a:rPr lang="zh-CN" altLang="en-US" sz="2800" b="1" dirty="0">
-                <a:solidFill>
-                  <a:srgbClr val="333333"/>
-                </a:solidFill>
-                <a:latin typeface="+mn-ea"/>
-                <a:ea typeface="+mn-ea"/>
-              </a:rPr>
-              <a:t>、</a:t>
-            </a:r>
-            <a:r>
-              <a:rPr lang="en-US" altLang="zh-CN" sz="2800" b="1" dirty="0">
-                <a:solidFill>
-                  <a:srgbClr val="333333"/>
-                </a:solidFill>
-                <a:latin typeface="+mn-ea"/>
-                <a:ea typeface="+mn-ea"/>
-              </a:rPr>
-              <a:t>Anaconda</a:t>
-            </a:r>
-            <a:r>
-              <a:rPr lang="zh-CN" altLang="en-US" sz="2800" b="1" dirty="0">
-                <a:solidFill>
-                  <a:srgbClr val="333333"/>
-                </a:solidFill>
-                <a:latin typeface="+mn-ea"/>
-                <a:ea typeface="+mn-ea"/>
-              </a:rPr>
-              <a:t>软件管理工具</a:t>
-            </a:r>
-            <a:endParaRPr lang="en-US" altLang="zh-CN" sz="2800" b="1" dirty="0">
-              <a:solidFill>
-                <a:srgbClr val="333333"/>
-              </a:solidFill>
-              <a:latin typeface="+mn-ea"/>
-              <a:ea typeface="+mn-ea"/>
-            </a:endParaRPr>
-          </a:p>
-        </p:txBody>
-      </p:sp>
-      <p:sp>
-        <p:nvSpPr>
-          <p:cNvPr id="17" name="TextBox 16">
-            <a:extLst>
-              <a:ext uri="{FF2B5EF4-FFF2-40B4-BE49-F238E27FC236}">
-                <a16:creationId xmlns:a16="http://schemas.microsoft.com/office/drawing/2014/main" id="{9E05FFCA-3371-AF5C-381D-71D984055F5A}"/>
-              </a:ext>
-            </a:extLst>
-          </p:cNvPr>
-          <p:cNvSpPr txBox="1"/>
-          <p:nvPr/>
-        </p:nvSpPr>
-        <p:spPr>
-          <a:xfrm>
-            <a:off x="456213" y="1472384"/>
-            <a:ext cx="8273186" cy="581057"/>
-          </a:xfrm>
-          <a:prstGeom prst="rect">
-            <a:avLst/>
-          </a:prstGeom>
-          <a:noFill/>
-        </p:spPr>
-        <p:txBody>
-          <a:bodyPr wrap="square">
-            <a:spAutoFit/>
-          </a:bodyPr>
-          <a:lstStyle/>
-          <a:p>
-            <a:pPr algn="l">
-              <a:lnSpc>
-                <a:spcPct val="150000"/>
-              </a:lnSpc>
-            </a:pPr>
-            <a:r>
-              <a:rPr lang="en-US" altLang="zh-CN" b="0" i="0" dirty="0">
-                <a:solidFill>
-                  <a:srgbClr val="333333"/>
-                </a:solidFill>
-                <a:effectLst/>
-                <a:latin typeface="Microsoft YaHei" panose="020B0503020204020204" pitchFamily="34" charset="-122"/>
-                <a:ea typeface="Microsoft YaHei" panose="020B0503020204020204" pitchFamily="34" charset="-122"/>
-              </a:rPr>
-              <a:t>1</a:t>
-            </a:r>
-            <a:r>
-              <a:rPr lang="zh-CN" altLang="en-US" b="0" i="0" dirty="0">
-                <a:solidFill>
-                  <a:srgbClr val="333333"/>
-                </a:solidFill>
-                <a:effectLst/>
-                <a:latin typeface="Microsoft YaHei" panose="020B0503020204020204" pitchFamily="34" charset="-122"/>
-                <a:ea typeface="Microsoft YaHei" panose="020B0503020204020204" pitchFamily="34" charset="-122"/>
-              </a:rPr>
-              <a:t>）</a:t>
-            </a:r>
-            <a:r>
-              <a:rPr lang="en-US" altLang="zh-CN" b="0" i="0" dirty="0">
-                <a:solidFill>
-                  <a:srgbClr val="333333"/>
-                </a:solidFill>
-                <a:effectLst/>
-                <a:latin typeface="Microsoft YaHei" panose="020B0503020204020204" pitchFamily="34" charset="-122"/>
-                <a:ea typeface="Microsoft YaHei" panose="020B0503020204020204" pitchFamily="34" charset="-122"/>
-              </a:rPr>
-              <a:t>mini</a:t>
-            </a:r>
-            <a:r>
-              <a:rPr lang="en-CN" altLang="zh-CN" b="0" i="0" dirty="0">
-                <a:solidFill>
-                  <a:srgbClr val="333333"/>
-                </a:solidFill>
-                <a:effectLst/>
-                <a:latin typeface="Microsoft YaHei" panose="020B0503020204020204" pitchFamily="34" charset="-122"/>
-                <a:ea typeface="Microsoft YaHei" panose="020B0503020204020204" pitchFamily="34" charset="-122"/>
-              </a:rPr>
-              <a:t>conda </a:t>
-            </a:r>
-            <a:r>
-              <a:rPr lang="zh-CN" altLang="en-CN" b="0" i="0" dirty="0">
-                <a:solidFill>
-                  <a:srgbClr val="333333"/>
-                </a:solidFill>
-                <a:effectLst/>
-                <a:latin typeface="Microsoft YaHei" panose="020B0503020204020204" pitchFamily="34" charset="-122"/>
-                <a:ea typeface="Microsoft YaHei" panose="020B0503020204020204" pitchFamily="34" charset="-122"/>
-              </a:rPr>
-              <a:t>安装</a:t>
-            </a:r>
-            <a:endParaRPr lang="en-US" altLang="zh-CN" b="0" i="0" dirty="0">
-              <a:solidFill>
-                <a:schemeClr val="bg2"/>
-              </a:solidFill>
-              <a:effectLst/>
-              <a:latin typeface="Microsoft YaHei" panose="020B0503020204020204" pitchFamily="34" charset="-122"/>
-              <a:ea typeface="Microsoft YaHei" panose="020B0503020204020204" pitchFamily="34" charset="-122"/>
-            </a:endParaRPr>
-          </a:p>
-        </p:txBody>
-      </p:sp>
-      <p:grpSp>
-        <p:nvGrpSpPr>
-          <p:cNvPr id="7" name="组合 6">
-            <a:extLst>
-              <a:ext uri="{FF2B5EF4-FFF2-40B4-BE49-F238E27FC236}">
-                <a16:creationId xmlns:a16="http://schemas.microsoft.com/office/drawing/2014/main" id="{8D22590C-01B2-FEF0-E2A0-F67F9E75C51F}"/>
-              </a:ext>
-            </a:extLst>
-          </p:cNvPr>
-          <p:cNvGrpSpPr/>
-          <p:nvPr/>
-        </p:nvGrpSpPr>
-        <p:grpSpPr>
-          <a:xfrm>
-            <a:off x="1161742" y="2053441"/>
-            <a:ext cx="7343629" cy="4659611"/>
-            <a:chOff x="827914" y="2101959"/>
-            <a:chExt cx="7343629" cy="4659611"/>
-          </a:xfrm>
-        </p:grpSpPr>
-        <p:pic>
-          <p:nvPicPr>
-            <p:cNvPr id="5" name="Picture 4">
-              <a:extLst>
-                <a:ext uri="{FF2B5EF4-FFF2-40B4-BE49-F238E27FC236}">
-                  <a16:creationId xmlns:a16="http://schemas.microsoft.com/office/drawing/2014/main" id="{197EF1EF-C4B4-1C55-B736-D9AE60BE4C77}"/>
-                </a:ext>
-              </a:extLst>
-            </p:cNvPr>
-            <p:cNvPicPr>
-              <a:picLocks noChangeAspect="1"/>
-            </p:cNvPicPr>
-            <p:nvPr/>
-          </p:nvPicPr>
-          <p:blipFill>
-            <a:blip r:embed="rId3"/>
-            <a:stretch>
-              <a:fillRect/>
-            </a:stretch>
-          </p:blipFill>
-          <p:spPr>
-            <a:xfrm>
-              <a:off x="827914" y="2101959"/>
-              <a:ext cx="6030086" cy="4659611"/>
-            </a:xfrm>
-            <a:prstGeom prst="rect">
-              <a:avLst/>
-            </a:prstGeom>
-          </p:spPr>
-        </p:pic>
-        <p:sp>
-          <p:nvSpPr>
-            <p:cNvPr id="4" name="矩形 3">
-              <a:extLst>
-                <a:ext uri="{FF2B5EF4-FFF2-40B4-BE49-F238E27FC236}">
-                  <a16:creationId xmlns:a16="http://schemas.microsoft.com/office/drawing/2014/main" id="{D31580DD-CBE0-F7F1-41ED-02A90DA04644}"/>
-                </a:ext>
-              </a:extLst>
-            </p:cNvPr>
-            <p:cNvSpPr/>
-            <p:nvPr/>
-          </p:nvSpPr>
-          <p:spPr>
-            <a:xfrm>
-              <a:off x="907143" y="3477517"/>
-              <a:ext cx="5653314" cy="664029"/>
-            </a:xfrm>
-            <a:prstGeom prst="rect">
-              <a:avLst/>
-            </a:prstGeom>
-            <a:noFill/>
-            <a:ln>
-              <a:solidFill>
-                <a:srgbClr val="C00000"/>
-              </a:solidFill>
-            </a:ln>
-          </p:spPr>
-          <p:style>
-            <a:lnRef idx="2">
-              <a:schemeClr val="accent2"/>
-            </a:lnRef>
-            <a:fillRef idx="1">
-              <a:schemeClr val="lt1"/>
-            </a:fillRef>
-            <a:effectRef idx="0">
-              <a:schemeClr val="accent2"/>
-            </a:effectRef>
-            <a:fontRef idx="minor">
-              <a:schemeClr val="dk1"/>
-            </a:fontRef>
-          </p:style>
-          <p:txBody>
-            <a:bodyPr wrap="square" lIns="0" rtlCol="0" anchor="ctr">
-              <a:noAutofit/>
-            </a:bodyPr>
-            <a:lstStyle/>
-            <a:p>
-              <a:pPr algn="l"/>
-              <a:endParaRPr lang="zh-CN" altLang="en-US" b="1" dirty="0">
-                <a:solidFill>
-                  <a:srgbClr val="FF0000"/>
-                </a:solidFill>
-                <a:latin typeface="微软雅黑" pitchFamily="34" charset="-122"/>
-                <a:ea typeface="微软雅黑" pitchFamily="34" charset="-122"/>
-              </a:endParaRPr>
-            </a:p>
-          </p:txBody>
-        </p:sp>
-        <p:sp>
-          <p:nvSpPr>
-            <p:cNvPr id="6" name="文本框 5">
-              <a:extLst>
-                <a:ext uri="{FF2B5EF4-FFF2-40B4-BE49-F238E27FC236}">
-                  <a16:creationId xmlns:a16="http://schemas.microsoft.com/office/drawing/2014/main" id="{47B7402E-3921-7010-157E-D02BA7C08847}"/>
-                </a:ext>
-              </a:extLst>
-            </p:cNvPr>
-            <p:cNvSpPr txBox="1"/>
-            <p:nvPr/>
-          </p:nvSpPr>
-          <p:spPr>
-            <a:xfrm>
-              <a:off x="6639686" y="3477517"/>
-              <a:ext cx="1531857" cy="707886"/>
-            </a:xfrm>
-            <a:prstGeom prst="rect">
-              <a:avLst/>
-            </a:prstGeom>
-            <a:noFill/>
-          </p:spPr>
-          <p:txBody>
-            <a:bodyPr wrap="square" rtlCol="0">
-              <a:spAutoFit/>
-            </a:bodyPr>
-            <a:lstStyle/>
-            <a:p>
-              <a:r>
-                <a:rPr lang="zh-CN" altLang="en-US" sz="2000" b="1" dirty="0">
-                  <a:solidFill>
-                    <a:schemeClr val="accent2"/>
-                  </a:solidFill>
-                  <a:latin typeface="+mj-ea"/>
-                  <a:ea typeface="+mj-ea"/>
-                </a:rPr>
-                <a:t>不推荐，但仍勾选</a:t>
-              </a:r>
-            </a:p>
-          </p:txBody>
-        </p:sp>
-      </p:grpSp>
-    </p:spTree>
-    <p:extLst>
-      <p:ext uri="{BB962C8B-B14F-4D97-AF65-F5344CB8AC3E}">
-        <p14:creationId xmlns:p14="http://schemas.microsoft.com/office/powerpoint/2010/main" val="1878724924"/>
-      </p:ext>
-    </p:extLst>
-  </p:cSld>
-  <p:clrMapOvr>
-    <a:masterClrMapping/>
-  </p:clrMapOvr>
-  <p:transition>
-    <p:fade/>
-  </p:transition>
-</p:sld>
-</file>
-
-<file path=ppt/slides/slide31.xml><?xml version="1.0" encoding="utf-8"?>
-<p:sld xmlns:a="http://schemas.openxmlformats.org/drawingml/2006/main" xmlns:r="http://schemas.openxmlformats.org/officeDocument/2006/relationships" xmlns:p="http://schemas.openxmlformats.org/presentationml/2006/main">
-  <p:cSld>
-    <p:spTree>
-      <p:nvGrpSpPr>
-        <p:cNvPr id="1" name=""/>
-        <p:cNvGrpSpPr/>
-        <p:nvPr/>
-      </p:nvGrpSpPr>
-      <p:grpSpPr>
-        <a:xfrm>
-          <a:off x="0" y="0"/>
-          <a:ext cx="0" cy="0"/>
-          <a:chOff x="0" y="0"/>
-          <a:chExt cx="0" cy="0"/>
-        </a:xfrm>
-      </p:grpSpPr>
-      <p:sp>
-        <p:nvSpPr>
-          <p:cNvPr id="3" name="标题 2"/>
-          <p:cNvSpPr>
-            <a:spLocks noGrp="1"/>
-          </p:cNvSpPr>
-          <p:nvPr>
-            <p:ph type="title"/>
-          </p:nvPr>
-        </p:nvSpPr>
-        <p:spPr>
-          <a:xfrm>
-            <a:off x="0" y="8526"/>
-            <a:ext cx="9013371" cy="792162"/>
-          </a:xfrm>
-        </p:spPr>
-        <p:txBody>
-          <a:bodyPr/>
-          <a:lstStyle/>
-          <a:p>
-            <a:pPr algn="l" fontAlgn="auto">
-              <a:spcBef>
-                <a:spcPts val="0"/>
-              </a:spcBef>
-              <a:spcAft>
-                <a:spcPts val="0"/>
-              </a:spcAft>
-            </a:pPr>
-            <a:r>
-              <a:rPr lang="zh-CN" altLang="en-US" sz="3600" b="1" dirty="0">
-                <a:latin typeface="微软雅黑" pitchFamily="34" charset="-122"/>
-                <a:ea typeface="微软雅黑" pitchFamily="34" charset="-122"/>
-              </a:rPr>
-              <a:t>三、</a:t>
-            </a:r>
-            <a:r>
-              <a:rPr lang="en-US" altLang="zh-CN" sz="3600" b="1" dirty="0">
-                <a:latin typeface="微软雅黑" pitchFamily="34" charset="-122"/>
-                <a:ea typeface="微软雅黑" pitchFamily="34" charset="-122"/>
-              </a:rPr>
-              <a:t>Python</a:t>
-            </a:r>
-            <a:r>
-              <a:rPr lang="zh-CN" altLang="en-US" sz="3600" b="1" dirty="0">
-                <a:latin typeface="微软雅黑" pitchFamily="34" charset="-122"/>
-                <a:ea typeface="微软雅黑" pitchFamily="34" charset="-122"/>
-              </a:rPr>
-              <a:t>开发环境配置</a:t>
-            </a:r>
-          </a:p>
-        </p:txBody>
-      </p:sp>
-      <p:sp>
-        <p:nvSpPr>
-          <p:cNvPr id="2" name="TextBox 1">
-            <a:extLst>
-              <a:ext uri="{FF2B5EF4-FFF2-40B4-BE49-F238E27FC236}">
-                <a16:creationId xmlns:a16="http://schemas.microsoft.com/office/drawing/2014/main" id="{631AADB6-C88A-D817-4683-FC087E4E240F}"/>
-              </a:ext>
-            </a:extLst>
-          </p:cNvPr>
-          <p:cNvSpPr txBox="1"/>
-          <p:nvPr/>
-        </p:nvSpPr>
-        <p:spPr>
-          <a:xfrm>
             <a:off x="317665" y="797100"/>
             <a:ext cx="8508670" cy="662489"/>
           </a:xfrm>
@@ -28876,7 +28660,7 @@
         <p:spPr>
           <a:xfrm>
             <a:off x="461176" y="1428540"/>
-            <a:ext cx="8309113" cy="2092881"/>
+            <a:ext cx="8437659" cy="1969770"/>
           </a:xfrm>
           <a:prstGeom prst="rect">
             <a:avLst/>
@@ -28946,7 +28730,7 @@
           <a:p>
             <a:pPr algn="l"/>
             <a:r>
-              <a:rPr lang="zh-CN" altLang="en-US" sz="2600" dirty="0">
+              <a:rPr lang="zh-CN" altLang="en-US" dirty="0">
                 <a:solidFill>
                   <a:srgbClr val="333333"/>
                 </a:solidFill>
@@ -28956,7 +28740,7 @@
               <a:t>不同开源项目所需开发环境不同，在开始</a:t>
             </a:r>
             <a:r>
-              <a:rPr lang="en-US" altLang="zh-CN" sz="2600" dirty="0">
+              <a:rPr lang="en-US" altLang="zh-CN" dirty="0">
                 <a:solidFill>
                   <a:srgbClr val="333333"/>
                 </a:solidFill>
@@ -28966,7 +28750,7 @@
               <a:t>python</a:t>
             </a:r>
             <a:r>
-              <a:rPr lang="zh-CN" altLang="en-US" sz="2600" dirty="0">
+              <a:rPr lang="zh-CN" altLang="en-US" dirty="0">
                 <a:solidFill>
                   <a:srgbClr val="333333"/>
                 </a:solidFill>
@@ -28975,7 +28759,7 @@
               </a:rPr>
               <a:t>开源项目开发前往往需要定制化创建满足项目需求的开发环境。</a:t>
             </a:r>
-            <a:endParaRPr lang="en-US" altLang="zh-CN" sz="2600" dirty="0">
+            <a:endParaRPr lang="en-US" altLang="zh-CN" dirty="0">
               <a:solidFill>
                 <a:srgbClr val="333333"/>
               </a:solidFill>
@@ -28986,7 +28770,7 @@
           <a:p>
             <a:pPr algn="l"/>
             <a:r>
-              <a:rPr lang="zh-CN" altLang="en-CN" sz="2600" dirty="0">
+              <a:rPr lang="zh-CN" altLang="en-CN" dirty="0">
                 <a:solidFill>
                   <a:srgbClr val="333333"/>
                 </a:solidFill>
@@ -28996,7 +28780,7 @@
               <a:t>查看</a:t>
             </a:r>
             <a:r>
-              <a:rPr lang="zh-CN" altLang="en-US" sz="2600" dirty="0">
+              <a:rPr lang="zh-CN" altLang="en-US" dirty="0">
                 <a:solidFill>
                   <a:srgbClr val="333333"/>
                 </a:solidFill>
@@ -29006,7 +28790,7 @@
               <a:t>虚拟环境信息命令：</a:t>
             </a:r>
             <a:r>
-              <a:rPr lang="en-US" altLang="zh-CN" sz="2600" dirty="0" err="1">
+              <a:rPr lang="en-US" altLang="zh-CN" dirty="0" err="1">
                 <a:solidFill>
                   <a:srgbClr val="333333"/>
                 </a:solidFill>
@@ -29016,7 +28800,7 @@
               <a:t>conda</a:t>
             </a:r>
             <a:r>
-              <a:rPr lang="en-US" altLang="zh-CN" sz="2600" dirty="0">
+              <a:rPr lang="en-US" altLang="zh-CN" dirty="0">
                 <a:solidFill>
                   <a:srgbClr val="333333"/>
                 </a:solidFill>
@@ -29025,7 +28809,7 @@
               </a:rPr>
               <a:t> env list</a:t>
             </a:r>
-            <a:endParaRPr lang="en-CN" altLang="zh-CN" sz="2600" b="0" i="0" dirty="0">
+            <a:endParaRPr lang="en-CN" altLang="zh-CN" b="0" i="0" dirty="0">
               <a:solidFill>
                 <a:srgbClr val="333333"/>
               </a:solidFill>
@@ -29057,8 +28841,8 @@
         </p:blipFill>
         <p:spPr>
           <a:xfrm>
-            <a:off x="1475698" y="3545274"/>
-            <a:ext cx="6542854" cy="3189481"/>
+            <a:off x="1300134" y="3459692"/>
+            <a:ext cx="6718418" cy="3275064"/>
           </a:xfrm>
           <a:prstGeom prst="rect">
             <a:avLst/>
@@ -29081,7 +28865,7 @@
 </p:sld>
 </file>
 
-<file path=ppt/slides/slide32.xml><?xml version="1.0" encoding="utf-8"?>
+<file path=ppt/slides/slide31.xml><?xml version="1.0" encoding="utf-8"?>
 <p:sld xmlns:a="http://schemas.openxmlformats.org/drawingml/2006/main" xmlns:r="http://schemas.openxmlformats.org/officeDocument/2006/relationships" xmlns:p="http://schemas.openxmlformats.org/presentationml/2006/main">
   <p:cSld>
     <p:spTree>
@@ -29649,7 +29433,7 @@
 </p:sld>
 </file>
 
-<file path=ppt/slides/slide33.xml><?xml version="1.0" encoding="utf-8"?>
+<file path=ppt/slides/slide32.xml><?xml version="1.0" encoding="utf-8"?>
 <p:sld xmlns:a="http://schemas.openxmlformats.org/drawingml/2006/main" xmlns:r="http://schemas.openxmlformats.org/officeDocument/2006/relationships" xmlns:p="http://schemas.openxmlformats.org/presentationml/2006/main">
   <p:cSld>
     <p:spTree>
@@ -30121,7 +29905,7 @@
 </p:sld>
 </file>
 
-<file path=ppt/slides/slide34.xml><?xml version="1.0" encoding="utf-8"?>
+<file path=ppt/slides/slide33.xml><?xml version="1.0" encoding="utf-8"?>
 <p:sld xmlns:a="http://schemas.openxmlformats.org/drawingml/2006/main" xmlns:r="http://schemas.openxmlformats.org/officeDocument/2006/relationships" xmlns:p="http://schemas.openxmlformats.org/presentationml/2006/main">
   <p:cSld>
     <p:spTree>
@@ -30631,7 +30415,7 @@
 </p:sld>
 </file>
 
-<file path=ppt/slides/slide35.xml><?xml version="1.0" encoding="utf-8"?>
+<file path=ppt/slides/slide34.xml><?xml version="1.0" encoding="utf-8"?>
 <p:sld xmlns:a="http://schemas.openxmlformats.org/drawingml/2006/main" xmlns:r="http://schemas.openxmlformats.org/officeDocument/2006/relationships" xmlns:p="http://schemas.openxmlformats.org/presentationml/2006/main">
   <p:cSld>
     <p:spTree>
@@ -32830,8 +32614,8 @@
         </p:blipFill>
         <p:spPr bwMode="auto">
           <a:xfrm>
-            <a:off x="184806" y="2738764"/>
-            <a:ext cx="4800571" cy="3600429"/>
+            <a:off x="184807" y="2738764"/>
+            <a:ext cx="4668990" cy="3501743"/>
           </a:xfrm>
           <a:prstGeom prst="rect">
             <a:avLst/>
@@ -33002,8 +32786,8 @@
         </p:nvSpPr>
         <p:spPr>
           <a:xfrm>
-            <a:off x="4990632" y="2180998"/>
-            <a:ext cx="4116475" cy="4602991"/>
+            <a:off x="4853798" y="2180998"/>
+            <a:ext cx="4253310" cy="4602991"/>
           </a:xfrm>
           <a:prstGeom prst="rect">
             <a:avLst/>

--- a/第3章-开源GIS软件开发环境-6课时/第3章-开源GIS软件开发环境-Python开发环境配置-4学时.pptx
+++ b/第3章-开源GIS软件开发环境-6课时/第3章-开源GIS软件开发环境-Python开发环境配置-4学时.pptx
@@ -2926,6 +2926,350 @@
     </pc:docChg>
   </pc:docChgLst>
   <pc:docChgLst>
+    <pc:chgData name="Xin Luo" userId="82312ee5779919a4" providerId="LiveId" clId="{23920C8D-EBCE-A347-9C82-C14316D20539}"/>
+    <pc:docChg chg="undo custSel addSld modSld">
+      <pc:chgData name="Xin Luo" userId="82312ee5779919a4" providerId="LiveId" clId="{23920C8D-EBCE-A347-9C82-C14316D20539}" dt="2022-10-26T12:19:06.428" v="501" actId="767"/>
+      <pc:docMkLst>
+        <pc:docMk/>
+      </pc:docMkLst>
+      <pc:sldChg chg="modSp mod">
+        <pc:chgData name="Xin Luo" userId="82312ee5779919a4" providerId="LiveId" clId="{23920C8D-EBCE-A347-9C82-C14316D20539}" dt="2022-10-10T01:06:29.261" v="368" actId="404"/>
+        <pc:sldMkLst>
+          <pc:docMk/>
+          <pc:sldMk cId="1576120367" sldId="2387"/>
+        </pc:sldMkLst>
+        <pc:spChg chg="mod">
+          <ac:chgData name="Xin Luo" userId="82312ee5779919a4" providerId="LiveId" clId="{23920C8D-EBCE-A347-9C82-C14316D20539}" dt="2022-10-10T01:06:29.261" v="368" actId="404"/>
+          <ac:spMkLst>
+            <pc:docMk/>
+            <pc:sldMk cId="1576120367" sldId="2387"/>
+            <ac:spMk id="10" creationId="{00000000-0000-0000-0000-000000000000}"/>
+          </ac:spMkLst>
+        </pc:spChg>
+        <pc:spChg chg="mod">
+          <ac:chgData name="Xin Luo" userId="82312ee5779919a4" providerId="LiveId" clId="{23920C8D-EBCE-A347-9C82-C14316D20539}" dt="2022-10-10T01:06:13.262" v="366" actId="403"/>
+          <ac:spMkLst>
+            <pc:docMk/>
+            <pc:sldMk cId="1576120367" sldId="2387"/>
+            <ac:spMk id="12" creationId="{00000000-0000-0000-0000-000000000000}"/>
+          </ac:spMkLst>
+        </pc:spChg>
+        <pc:spChg chg="mod">
+          <ac:chgData name="Xin Luo" userId="82312ee5779919a4" providerId="LiveId" clId="{23920C8D-EBCE-A347-9C82-C14316D20539}" dt="2022-10-10T01:06:29.261" v="368" actId="404"/>
+          <ac:spMkLst>
+            <pc:docMk/>
+            <pc:sldMk cId="1576120367" sldId="2387"/>
+            <ac:spMk id="13" creationId="{00000000-0000-0000-0000-000000000000}"/>
+          </ac:spMkLst>
+        </pc:spChg>
+        <pc:spChg chg="mod">
+          <ac:chgData name="Xin Luo" userId="82312ee5779919a4" providerId="LiveId" clId="{23920C8D-EBCE-A347-9C82-C14316D20539}" dt="2022-10-10T01:06:13.262" v="366" actId="403"/>
+          <ac:spMkLst>
+            <pc:docMk/>
+            <pc:sldMk cId="1576120367" sldId="2387"/>
+            <ac:spMk id="14" creationId="{00000000-0000-0000-0000-000000000000}"/>
+          </ac:spMkLst>
+        </pc:spChg>
+        <pc:spChg chg="mod">
+          <ac:chgData name="Xin Luo" userId="82312ee5779919a4" providerId="LiveId" clId="{23920C8D-EBCE-A347-9C82-C14316D20539}" dt="2022-10-10T01:06:29.261" v="368" actId="404"/>
+          <ac:spMkLst>
+            <pc:docMk/>
+            <pc:sldMk cId="1576120367" sldId="2387"/>
+            <ac:spMk id="15" creationId="{00000000-0000-0000-0000-000000000000}"/>
+          </ac:spMkLst>
+        </pc:spChg>
+        <pc:spChg chg="mod">
+          <ac:chgData name="Xin Luo" userId="82312ee5779919a4" providerId="LiveId" clId="{23920C8D-EBCE-A347-9C82-C14316D20539}" dt="2022-10-10T01:06:19.369" v="367" actId="14100"/>
+          <ac:spMkLst>
+            <pc:docMk/>
+            <pc:sldMk cId="1576120367" sldId="2387"/>
+            <ac:spMk id="16" creationId="{00000000-0000-0000-0000-000000000000}"/>
+          </ac:spMkLst>
+        </pc:spChg>
+      </pc:sldChg>
+      <pc:sldChg chg="modSp mod">
+        <pc:chgData name="Xin Luo" userId="82312ee5779919a4" providerId="LiveId" clId="{23920C8D-EBCE-A347-9C82-C14316D20539}" dt="2022-10-10T01:06:39.449" v="369" actId="403"/>
+        <pc:sldMkLst>
+          <pc:docMk/>
+          <pc:sldMk cId="2415901206" sldId="2447"/>
+        </pc:sldMkLst>
+        <pc:spChg chg="mod">
+          <ac:chgData name="Xin Luo" userId="82312ee5779919a4" providerId="LiveId" clId="{23920C8D-EBCE-A347-9C82-C14316D20539}" dt="2022-10-10T01:06:39.449" v="369" actId="403"/>
+          <ac:spMkLst>
+            <pc:docMk/>
+            <pc:sldMk cId="2415901206" sldId="2447"/>
+            <ac:spMk id="7" creationId="{00000000-0000-0000-0000-000000000000}"/>
+          </ac:spMkLst>
+        </pc:spChg>
+      </pc:sldChg>
+      <pc:sldChg chg="addSp delSp modSp mod">
+        <pc:chgData name="Xin Luo" userId="82312ee5779919a4" providerId="LiveId" clId="{23920C8D-EBCE-A347-9C82-C14316D20539}" dt="2022-10-26T11:18:20.490" v="500"/>
+        <pc:sldMkLst>
+          <pc:docMk/>
+          <pc:sldMk cId="2689840772" sldId="2604"/>
+        </pc:sldMkLst>
+        <pc:spChg chg="mod">
+          <ac:chgData name="Xin Luo" userId="82312ee5779919a4" providerId="LiveId" clId="{23920C8D-EBCE-A347-9C82-C14316D20539}" dt="2022-10-26T11:18:14.630" v="497" actId="1038"/>
+          <ac:spMkLst>
+            <pc:docMk/>
+            <pc:sldMk cId="2689840772" sldId="2604"/>
+            <ac:spMk id="2" creationId="{DB381E7B-A050-4BE4-6756-9B64308C74D7}"/>
+          </ac:spMkLst>
+        </pc:spChg>
+        <pc:spChg chg="del mod">
+          <ac:chgData name="Xin Luo" userId="82312ee5779919a4" providerId="LiveId" clId="{23920C8D-EBCE-A347-9C82-C14316D20539}" dt="2022-10-10T00:58:26.498" v="9" actId="478"/>
+          <ac:spMkLst>
+            <pc:docMk/>
+            <pc:sldMk cId="2689840772" sldId="2604"/>
+            <ac:spMk id="3" creationId="{00000000-0000-0000-0000-000000000000}"/>
+          </ac:spMkLst>
+        </pc:spChg>
+        <pc:spChg chg="add del mod">
+          <ac:chgData name="Xin Luo" userId="82312ee5779919a4" providerId="LiveId" clId="{23920C8D-EBCE-A347-9C82-C14316D20539}" dt="2022-10-26T11:18:20.490" v="500"/>
+          <ac:spMkLst>
+            <pc:docMk/>
+            <pc:sldMk cId="2689840772" sldId="2604"/>
+            <ac:spMk id="3" creationId="{0AC6D251-AEF6-35BE-71D5-DE25EAD72977}"/>
+          </ac:spMkLst>
+        </pc:spChg>
+        <pc:spChg chg="add mod">
+          <ac:chgData name="Xin Luo" userId="82312ee5779919a4" providerId="LiveId" clId="{23920C8D-EBCE-A347-9C82-C14316D20539}" dt="2022-10-10T01:03:50.909" v="356" actId="20577"/>
+          <ac:spMkLst>
+            <pc:docMk/>
+            <pc:sldMk cId="2689840772" sldId="2604"/>
+            <ac:spMk id="4" creationId="{5B949F23-92C2-3ACE-AE9A-58F8C8D7AB52}"/>
+          </ac:spMkLst>
+        </pc:spChg>
+      </pc:sldChg>
+      <pc:sldChg chg="modSp mod">
+        <pc:chgData name="Xin Luo" userId="82312ee5779919a4" providerId="LiveId" clId="{23920C8D-EBCE-A347-9C82-C14316D20539}" dt="2022-10-25T11:53:23.523" v="402" actId="207"/>
+        <pc:sldMkLst>
+          <pc:docMk/>
+          <pc:sldMk cId="1392274363" sldId="2606"/>
+        </pc:sldMkLst>
+        <pc:spChg chg="mod">
+          <ac:chgData name="Xin Luo" userId="82312ee5779919a4" providerId="LiveId" clId="{23920C8D-EBCE-A347-9C82-C14316D20539}" dt="2022-10-10T01:08:08.448" v="392" actId="20577"/>
+          <ac:spMkLst>
+            <pc:docMk/>
+            <pc:sldMk cId="1392274363" sldId="2606"/>
+            <ac:spMk id="35" creationId="{2CBBD54C-A0C4-CFAB-2A67-F8BF299D28F5}"/>
+          </ac:spMkLst>
+        </pc:spChg>
+        <pc:spChg chg="mod">
+          <ac:chgData name="Xin Luo" userId="82312ee5779919a4" providerId="LiveId" clId="{23920C8D-EBCE-A347-9C82-C14316D20539}" dt="2022-10-25T11:53:23.523" v="402" actId="207"/>
+          <ac:spMkLst>
+            <pc:docMk/>
+            <pc:sldMk cId="1392274363" sldId="2606"/>
+            <ac:spMk id="42" creationId="{E4B07DDE-AB89-2B16-6B7A-2142621DE6F5}"/>
+          </ac:spMkLst>
+        </pc:spChg>
+      </pc:sldChg>
+      <pc:sldChg chg="modSp mod">
+        <pc:chgData name="Xin Luo" userId="82312ee5779919a4" providerId="LiveId" clId="{23920C8D-EBCE-A347-9C82-C14316D20539}" dt="2022-10-25T12:03:26.240" v="414" actId="14100"/>
+        <pc:sldMkLst>
+          <pc:docMk/>
+          <pc:sldMk cId="292605530" sldId="2607"/>
+        </pc:sldMkLst>
+        <pc:spChg chg="mod">
+          <ac:chgData name="Xin Luo" userId="82312ee5779919a4" providerId="LiveId" clId="{23920C8D-EBCE-A347-9C82-C14316D20539}" dt="2022-10-25T12:03:26.240" v="414" actId="14100"/>
+          <ac:spMkLst>
+            <pc:docMk/>
+            <pc:sldMk cId="292605530" sldId="2607"/>
+            <ac:spMk id="18" creationId="{8399C9E7-13B6-1DAF-F5BF-4471E8528C5F}"/>
+          </ac:spMkLst>
+        </pc:spChg>
+      </pc:sldChg>
+      <pc:sldChg chg="modSp mod">
+        <pc:chgData name="Xin Luo" userId="82312ee5779919a4" providerId="LiveId" clId="{23920C8D-EBCE-A347-9C82-C14316D20539}" dt="2022-10-25T12:09:03.730" v="478" actId="1036"/>
+        <pc:sldMkLst>
+          <pc:docMk/>
+          <pc:sldMk cId="2780969545" sldId="2609"/>
+        </pc:sldMkLst>
+        <pc:spChg chg="mod">
+          <ac:chgData name="Xin Luo" userId="82312ee5779919a4" providerId="LiveId" clId="{23920C8D-EBCE-A347-9C82-C14316D20539}" dt="2022-10-25T12:08:56.496" v="469" actId="115"/>
+          <ac:spMkLst>
+            <pc:docMk/>
+            <pc:sldMk cId="2780969545" sldId="2609"/>
+            <ac:spMk id="6" creationId="{2D1A6305-FF43-CF53-224A-B6D4901EAB0F}"/>
+          </ac:spMkLst>
+        </pc:spChg>
+        <pc:spChg chg="mod">
+          <ac:chgData name="Xin Luo" userId="82312ee5779919a4" providerId="LiveId" clId="{23920C8D-EBCE-A347-9C82-C14316D20539}" dt="2022-10-25T12:09:03.730" v="478" actId="1036"/>
+          <ac:spMkLst>
+            <pc:docMk/>
+            <pc:sldMk cId="2780969545" sldId="2609"/>
+            <ac:spMk id="11" creationId="{63EAC848-88D2-7A10-E878-444ADA855E23}"/>
+          </ac:spMkLst>
+        </pc:spChg>
+        <pc:spChg chg="mod">
+          <ac:chgData name="Xin Luo" userId="82312ee5779919a4" providerId="LiveId" clId="{23920C8D-EBCE-A347-9C82-C14316D20539}" dt="2022-10-25T12:09:03.730" v="478" actId="1036"/>
+          <ac:spMkLst>
+            <pc:docMk/>
+            <pc:sldMk cId="2780969545" sldId="2609"/>
+            <ac:spMk id="12" creationId="{BED7A820-9D6E-7E7E-A906-8A9424528316}"/>
+          </ac:spMkLst>
+        </pc:spChg>
+        <pc:spChg chg="mod">
+          <ac:chgData name="Xin Luo" userId="82312ee5779919a4" providerId="LiveId" clId="{23920C8D-EBCE-A347-9C82-C14316D20539}" dt="2022-10-25T12:09:03.730" v="478" actId="1036"/>
+          <ac:spMkLst>
+            <pc:docMk/>
+            <pc:sldMk cId="2780969545" sldId="2609"/>
+            <ac:spMk id="20" creationId="{87EC125B-CB98-6914-1633-6697471A2CB4}"/>
+          </ac:spMkLst>
+        </pc:spChg>
+        <pc:spChg chg="mod">
+          <ac:chgData name="Xin Luo" userId="82312ee5779919a4" providerId="LiveId" clId="{23920C8D-EBCE-A347-9C82-C14316D20539}" dt="2022-10-25T12:09:03.730" v="478" actId="1036"/>
+          <ac:spMkLst>
+            <pc:docMk/>
+            <pc:sldMk cId="2780969545" sldId="2609"/>
+            <ac:spMk id="21" creationId="{0AF67847-7DEF-CDAB-6208-0271BFB4FB06}"/>
+          </ac:spMkLst>
+        </pc:spChg>
+        <pc:spChg chg="mod">
+          <ac:chgData name="Xin Luo" userId="82312ee5779919a4" providerId="LiveId" clId="{23920C8D-EBCE-A347-9C82-C14316D20539}" dt="2022-10-25T12:09:03.730" v="478" actId="1036"/>
+          <ac:spMkLst>
+            <pc:docMk/>
+            <pc:sldMk cId="2780969545" sldId="2609"/>
+            <ac:spMk id="23" creationId="{0011846D-F543-398E-85CB-0AB0A842928A}"/>
+          </ac:spMkLst>
+        </pc:spChg>
+        <pc:spChg chg="mod">
+          <ac:chgData name="Xin Luo" userId="82312ee5779919a4" providerId="LiveId" clId="{23920C8D-EBCE-A347-9C82-C14316D20539}" dt="2022-10-25T12:09:03.730" v="478" actId="1036"/>
+          <ac:spMkLst>
+            <pc:docMk/>
+            <pc:sldMk cId="2780969545" sldId="2609"/>
+            <ac:spMk id="24" creationId="{37B5D87E-7419-7CC0-91CC-8A0807F0F999}"/>
+          </ac:spMkLst>
+        </pc:spChg>
+        <pc:spChg chg="mod">
+          <ac:chgData name="Xin Luo" userId="82312ee5779919a4" providerId="LiveId" clId="{23920C8D-EBCE-A347-9C82-C14316D20539}" dt="2022-10-25T12:09:03.730" v="478" actId="1036"/>
+          <ac:spMkLst>
+            <pc:docMk/>
+            <pc:sldMk cId="2780969545" sldId="2609"/>
+            <ac:spMk id="25" creationId="{4745244D-B431-F067-4A97-7CC4387296FB}"/>
+          </ac:spMkLst>
+        </pc:spChg>
+        <pc:spChg chg="mod">
+          <ac:chgData name="Xin Luo" userId="82312ee5779919a4" providerId="LiveId" clId="{23920C8D-EBCE-A347-9C82-C14316D20539}" dt="2022-10-25T12:09:03.730" v="478" actId="1036"/>
+          <ac:spMkLst>
+            <pc:docMk/>
+            <pc:sldMk cId="2780969545" sldId="2609"/>
+            <ac:spMk id="26" creationId="{FB9C53DE-8D1F-6DF4-8CE3-3A262A9F8737}"/>
+          </ac:spMkLst>
+        </pc:spChg>
+        <pc:picChg chg="mod">
+          <ac:chgData name="Xin Luo" userId="82312ee5779919a4" providerId="LiveId" clId="{23920C8D-EBCE-A347-9C82-C14316D20539}" dt="2022-10-25T12:09:03.730" v="478" actId="1036"/>
+          <ac:picMkLst>
+            <pc:docMk/>
+            <pc:sldMk cId="2780969545" sldId="2609"/>
+            <ac:picMk id="4" creationId="{49B7ACC6-6794-9162-52B2-E80F7E4B0442}"/>
+          </ac:picMkLst>
+        </pc:picChg>
+        <pc:picChg chg="mod">
+          <ac:chgData name="Xin Luo" userId="82312ee5779919a4" providerId="LiveId" clId="{23920C8D-EBCE-A347-9C82-C14316D20539}" dt="2022-10-25T12:09:03.730" v="478" actId="1036"/>
+          <ac:picMkLst>
+            <pc:docMk/>
+            <pc:sldMk cId="2780969545" sldId="2609"/>
+            <ac:picMk id="7" creationId="{42FD45A0-A9EA-D518-41B5-21FA7A24BA60}"/>
+          </ac:picMkLst>
+        </pc:picChg>
+        <pc:picChg chg="mod">
+          <ac:chgData name="Xin Luo" userId="82312ee5779919a4" providerId="LiveId" clId="{23920C8D-EBCE-A347-9C82-C14316D20539}" dt="2022-10-25T12:09:03.730" v="478" actId="1036"/>
+          <ac:picMkLst>
+            <pc:docMk/>
+            <pc:sldMk cId="2780969545" sldId="2609"/>
+            <ac:picMk id="10" creationId="{C2B12388-3179-41F8-2462-0C9BA14093FF}"/>
+          </ac:picMkLst>
+        </pc:picChg>
+        <pc:picChg chg="mod">
+          <ac:chgData name="Xin Luo" userId="82312ee5779919a4" providerId="LiveId" clId="{23920C8D-EBCE-A347-9C82-C14316D20539}" dt="2022-10-25T12:09:03.730" v="478" actId="1036"/>
+          <ac:picMkLst>
+            <pc:docMk/>
+            <pc:sldMk cId="2780969545" sldId="2609"/>
+            <ac:picMk id="7170" creationId="{A3C33C8C-6841-03A7-574F-E161D6BA2409}"/>
+          </ac:picMkLst>
+        </pc:picChg>
+        <pc:cxnChg chg="mod">
+          <ac:chgData name="Xin Luo" userId="82312ee5779919a4" providerId="LiveId" clId="{23920C8D-EBCE-A347-9C82-C14316D20539}" dt="2022-10-25T12:09:03.730" v="478" actId="1036"/>
+          <ac:cxnSpMkLst>
+            <pc:docMk/>
+            <pc:sldMk cId="2780969545" sldId="2609"/>
+            <ac:cxnSpMk id="9" creationId="{FD972B84-6C44-171E-8256-D2A04F01B0C9}"/>
+          </ac:cxnSpMkLst>
+        </pc:cxnChg>
+        <pc:cxnChg chg="mod">
+          <ac:chgData name="Xin Luo" userId="82312ee5779919a4" providerId="LiveId" clId="{23920C8D-EBCE-A347-9C82-C14316D20539}" dt="2022-10-25T12:09:03.730" v="478" actId="1036"/>
+          <ac:cxnSpMkLst>
+            <pc:docMk/>
+            <pc:sldMk cId="2780969545" sldId="2609"/>
+            <ac:cxnSpMk id="16" creationId="{612BCBDC-DECE-5090-7C5B-6492FF4CE722}"/>
+          </ac:cxnSpMkLst>
+        </pc:cxnChg>
+        <pc:cxnChg chg="mod">
+          <ac:chgData name="Xin Luo" userId="82312ee5779919a4" providerId="LiveId" clId="{23920C8D-EBCE-A347-9C82-C14316D20539}" dt="2022-10-25T12:09:03.730" v="478" actId="1036"/>
+          <ac:cxnSpMkLst>
+            <pc:docMk/>
+            <pc:sldMk cId="2780969545" sldId="2609"/>
+            <ac:cxnSpMk id="17" creationId="{AF045F09-2718-C456-D477-E816A43885FF}"/>
+          </ac:cxnSpMkLst>
+        </pc:cxnChg>
+        <pc:cxnChg chg="mod">
+          <ac:chgData name="Xin Luo" userId="82312ee5779919a4" providerId="LiveId" clId="{23920C8D-EBCE-A347-9C82-C14316D20539}" dt="2022-10-25T12:09:03.730" v="478" actId="1036"/>
+          <ac:cxnSpMkLst>
+            <pc:docMk/>
+            <pc:sldMk cId="2780969545" sldId="2609"/>
+            <ac:cxnSpMk id="28" creationId="{6C11ADF7-6234-2989-2798-F5AAD5EDE3BF}"/>
+          </ac:cxnSpMkLst>
+        </pc:cxnChg>
+      </pc:sldChg>
+      <pc:sldChg chg="modSp mod">
+        <pc:chgData name="Xin Luo" userId="82312ee5779919a4" providerId="LiveId" clId="{23920C8D-EBCE-A347-9C82-C14316D20539}" dt="2022-10-26T02:56:58.658" v="480" actId="207"/>
+        <pc:sldMkLst>
+          <pc:docMk/>
+          <pc:sldMk cId="63705705" sldId="2612"/>
+        </pc:sldMkLst>
+        <pc:spChg chg="mod">
+          <ac:chgData name="Xin Luo" userId="82312ee5779919a4" providerId="LiveId" clId="{23920C8D-EBCE-A347-9C82-C14316D20539}" dt="2022-10-26T02:56:58.658" v="480" actId="207"/>
+          <ac:spMkLst>
+            <pc:docMk/>
+            <pc:sldMk cId="63705705" sldId="2612"/>
+            <ac:spMk id="63" creationId="{6400CC45-5050-7ACD-CE08-CC6D7000A1DA}"/>
+          </ac:spMkLst>
+        </pc:spChg>
+      </pc:sldChg>
+      <pc:sldChg chg="addSp modSp">
+        <pc:chgData name="Xin Luo" userId="82312ee5779919a4" providerId="LiveId" clId="{23920C8D-EBCE-A347-9C82-C14316D20539}" dt="2022-10-26T12:19:06.428" v="501" actId="767"/>
+        <pc:sldMkLst>
+          <pc:docMk/>
+          <pc:sldMk cId="963926578" sldId="2613"/>
+        </pc:sldMkLst>
+        <pc:spChg chg="add mod">
+          <ac:chgData name="Xin Luo" userId="82312ee5779919a4" providerId="LiveId" clId="{23920C8D-EBCE-A347-9C82-C14316D20539}" dt="2022-10-26T12:19:06.428" v="501" actId="767"/>
+          <ac:spMkLst>
+            <pc:docMk/>
+            <pc:sldMk cId="963926578" sldId="2613"/>
+            <ac:spMk id="2" creationId="{5F7683B3-77E0-69A9-94AE-FF04E7249325}"/>
+          </ac:spMkLst>
+        </pc:spChg>
+      </pc:sldChg>
+      <pc:sldChg chg="modSp add mod">
+        <pc:chgData name="Xin Luo" userId="82312ee5779919a4" providerId="LiveId" clId="{23920C8D-EBCE-A347-9C82-C14316D20539}" dt="2022-10-10T01:06:02.902" v="365" actId="403"/>
+        <pc:sldMkLst>
+          <pc:docMk/>
+          <pc:sldMk cId="2358282757" sldId="2714"/>
+        </pc:sldMkLst>
+        <pc:spChg chg="mod">
+          <ac:chgData name="Xin Luo" userId="82312ee5779919a4" providerId="LiveId" clId="{23920C8D-EBCE-A347-9C82-C14316D20539}" dt="2022-10-10T01:06:02.902" v="365" actId="403"/>
+          <ac:spMkLst>
+            <pc:docMk/>
+            <pc:sldMk cId="2358282757" sldId="2714"/>
+            <ac:spMk id="2" creationId="{DB381E7B-A050-4BE4-6756-9B64308C74D7}"/>
+          </ac:spMkLst>
+        </pc:spChg>
+      </pc:sldChg>
+    </pc:docChg>
+  </pc:docChgLst>
+  <pc:docChgLst>
     <pc:chgData name="Xin Luo" userId="82312ee5779919a4" providerId="LiveId" clId="{7C35D78A-E8DF-394E-816A-D2222F18F092}"/>
     <pc:docChg chg="delSld modSld">
       <pc:chgData name="Xin Luo" userId="82312ee5779919a4" providerId="LiveId" clId="{7C35D78A-E8DF-394E-816A-D2222F18F092}" dt="2022-11-28T03:56:42.353" v="21" actId="2696"/>
@@ -3146,350 +3490,6 @@
     </pc:docChg>
   </pc:docChgLst>
   <pc:docChgLst>
-    <pc:chgData name="Xin Luo" userId="82312ee5779919a4" providerId="LiveId" clId="{23920C8D-EBCE-A347-9C82-C14316D20539}"/>
-    <pc:docChg chg="undo custSel addSld modSld">
-      <pc:chgData name="Xin Luo" userId="82312ee5779919a4" providerId="LiveId" clId="{23920C8D-EBCE-A347-9C82-C14316D20539}" dt="2022-10-26T12:19:06.428" v="501" actId="767"/>
-      <pc:docMkLst>
-        <pc:docMk/>
-      </pc:docMkLst>
-      <pc:sldChg chg="modSp mod">
-        <pc:chgData name="Xin Luo" userId="82312ee5779919a4" providerId="LiveId" clId="{23920C8D-EBCE-A347-9C82-C14316D20539}" dt="2022-10-10T01:06:29.261" v="368" actId="404"/>
-        <pc:sldMkLst>
-          <pc:docMk/>
-          <pc:sldMk cId="1576120367" sldId="2387"/>
-        </pc:sldMkLst>
-        <pc:spChg chg="mod">
-          <ac:chgData name="Xin Luo" userId="82312ee5779919a4" providerId="LiveId" clId="{23920C8D-EBCE-A347-9C82-C14316D20539}" dt="2022-10-10T01:06:29.261" v="368" actId="404"/>
-          <ac:spMkLst>
-            <pc:docMk/>
-            <pc:sldMk cId="1576120367" sldId="2387"/>
-            <ac:spMk id="10" creationId="{00000000-0000-0000-0000-000000000000}"/>
-          </ac:spMkLst>
-        </pc:spChg>
-        <pc:spChg chg="mod">
-          <ac:chgData name="Xin Luo" userId="82312ee5779919a4" providerId="LiveId" clId="{23920C8D-EBCE-A347-9C82-C14316D20539}" dt="2022-10-10T01:06:13.262" v="366" actId="403"/>
-          <ac:spMkLst>
-            <pc:docMk/>
-            <pc:sldMk cId="1576120367" sldId="2387"/>
-            <ac:spMk id="12" creationId="{00000000-0000-0000-0000-000000000000}"/>
-          </ac:spMkLst>
-        </pc:spChg>
-        <pc:spChg chg="mod">
-          <ac:chgData name="Xin Luo" userId="82312ee5779919a4" providerId="LiveId" clId="{23920C8D-EBCE-A347-9C82-C14316D20539}" dt="2022-10-10T01:06:29.261" v="368" actId="404"/>
-          <ac:spMkLst>
-            <pc:docMk/>
-            <pc:sldMk cId="1576120367" sldId="2387"/>
-            <ac:spMk id="13" creationId="{00000000-0000-0000-0000-000000000000}"/>
-          </ac:spMkLst>
-        </pc:spChg>
-        <pc:spChg chg="mod">
-          <ac:chgData name="Xin Luo" userId="82312ee5779919a4" providerId="LiveId" clId="{23920C8D-EBCE-A347-9C82-C14316D20539}" dt="2022-10-10T01:06:13.262" v="366" actId="403"/>
-          <ac:spMkLst>
-            <pc:docMk/>
-            <pc:sldMk cId="1576120367" sldId="2387"/>
-            <ac:spMk id="14" creationId="{00000000-0000-0000-0000-000000000000}"/>
-          </ac:spMkLst>
-        </pc:spChg>
-        <pc:spChg chg="mod">
-          <ac:chgData name="Xin Luo" userId="82312ee5779919a4" providerId="LiveId" clId="{23920C8D-EBCE-A347-9C82-C14316D20539}" dt="2022-10-10T01:06:29.261" v="368" actId="404"/>
-          <ac:spMkLst>
-            <pc:docMk/>
-            <pc:sldMk cId="1576120367" sldId="2387"/>
-            <ac:spMk id="15" creationId="{00000000-0000-0000-0000-000000000000}"/>
-          </ac:spMkLst>
-        </pc:spChg>
-        <pc:spChg chg="mod">
-          <ac:chgData name="Xin Luo" userId="82312ee5779919a4" providerId="LiveId" clId="{23920C8D-EBCE-A347-9C82-C14316D20539}" dt="2022-10-10T01:06:19.369" v="367" actId="14100"/>
-          <ac:spMkLst>
-            <pc:docMk/>
-            <pc:sldMk cId="1576120367" sldId="2387"/>
-            <ac:spMk id="16" creationId="{00000000-0000-0000-0000-000000000000}"/>
-          </ac:spMkLst>
-        </pc:spChg>
-      </pc:sldChg>
-      <pc:sldChg chg="modSp mod">
-        <pc:chgData name="Xin Luo" userId="82312ee5779919a4" providerId="LiveId" clId="{23920C8D-EBCE-A347-9C82-C14316D20539}" dt="2022-10-10T01:06:39.449" v="369" actId="403"/>
-        <pc:sldMkLst>
-          <pc:docMk/>
-          <pc:sldMk cId="2415901206" sldId="2447"/>
-        </pc:sldMkLst>
-        <pc:spChg chg="mod">
-          <ac:chgData name="Xin Luo" userId="82312ee5779919a4" providerId="LiveId" clId="{23920C8D-EBCE-A347-9C82-C14316D20539}" dt="2022-10-10T01:06:39.449" v="369" actId="403"/>
-          <ac:spMkLst>
-            <pc:docMk/>
-            <pc:sldMk cId="2415901206" sldId="2447"/>
-            <ac:spMk id="7" creationId="{00000000-0000-0000-0000-000000000000}"/>
-          </ac:spMkLst>
-        </pc:spChg>
-      </pc:sldChg>
-      <pc:sldChg chg="addSp delSp modSp mod">
-        <pc:chgData name="Xin Luo" userId="82312ee5779919a4" providerId="LiveId" clId="{23920C8D-EBCE-A347-9C82-C14316D20539}" dt="2022-10-26T11:18:20.490" v="500"/>
-        <pc:sldMkLst>
-          <pc:docMk/>
-          <pc:sldMk cId="2689840772" sldId="2604"/>
-        </pc:sldMkLst>
-        <pc:spChg chg="mod">
-          <ac:chgData name="Xin Luo" userId="82312ee5779919a4" providerId="LiveId" clId="{23920C8D-EBCE-A347-9C82-C14316D20539}" dt="2022-10-26T11:18:14.630" v="497" actId="1038"/>
-          <ac:spMkLst>
-            <pc:docMk/>
-            <pc:sldMk cId="2689840772" sldId="2604"/>
-            <ac:spMk id="2" creationId="{DB381E7B-A050-4BE4-6756-9B64308C74D7}"/>
-          </ac:spMkLst>
-        </pc:spChg>
-        <pc:spChg chg="del mod">
-          <ac:chgData name="Xin Luo" userId="82312ee5779919a4" providerId="LiveId" clId="{23920C8D-EBCE-A347-9C82-C14316D20539}" dt="2022-10-10T00:58:26.498" v="9" actId="478"/>
-          <ac:spMkLst>
-            <pc:docMk/>
-            <pc:sldMk cId="2689840772" sldId="2604"/>
-            <ac:spMk id="3" creationId="{00000000-0000-0000-0000-000000000000}"/>
-          </ac:spMkLst>
-        </pc:spChg>
-        <pc:spChg chg="add del mod">
-          <ac:chgData name="Xin Luo" userId="82312ee5779919a4" providerId="LiveId" clId="{23920C8D-EBCE-A347-9C82-C14316D20539}" dt="2022-10-26T11:18:20.490" v="500"/>
-          <ac:spMkLst>
-            <pc:docMk/>
-            <pc:sldMk cId="2689840772" sldId="2604"/>
-            <ac:spMk id="3" creationId="{0AC6D251-AEF6-35BE-71D5-DE25EAD72977}"/>
-          </ac:spMkLst>
-        </pc:spChg>
-        <pc:spChg chg="add mod">
-          <ac:chgData name="Xin Luo" userId="82312ee5779919a4" providerId="LiveId" clId="{23920C8D-EBCE-A347-9C82-C14316D20539}" dt="2022-10-10T01:03:50.909" v="356" actId="20577"/>
-          <ac:spMkLst>
-            <pc:docMk/>
-            <pc:sldMk cId="2689840772" sldId="2604"/>
-            <ac:spMk id="4" creationId="{5B949F23-92C2-3ACE-AE9A-58F8C8D7AB52}"/>
-          </ac:spMkLst>
-        </pc:spChg>
-      </pc:sldChg>
-      <pc:sldChg chg="modSp mod">
-        <pc:chgData name="Xin Luo" userId="82312ee5779919a4" providerId="LiveId" clId="{23920C8D-EBCE-A347-9C82-C14316D20539}" dt="2022-10-25T11:53:23.523" v="402" actId="207"/>
-        <pc:sldMkLst>
-          <pc:docMk/>
-          <pc:sldMk cId="1392274363" sldId="2606"/>
-        </pc:sldMkLst>
-        <pc:spChg chg="mod">
-          <ac:chgData name="Xin Luo" userId="82312ee5779919a4" providerId="LiveId" clId="{23920C8D-EBCE-A347-9C82-C14316D20539}" dt="2022-10-10T01:08:08.448" v="392" actId="20577"/>
-          <ac:spMkLst>
-            <pc:docMk/>
-            <pc:sldMk cId="1392274363" sldId="2606"/>
-            <ac:spMk id="35" creationId="{2CBBD54C-A0C4-CFAB-2A67-F8BF299D28F5}"/>
-          </ac:spMkLst>
-        </pc:spChg>
-        <pc:spChg chg="mod">
-          <ac:chgData name="Xin Luo" userId="82312ee5779919a4" providerId="LiveId" clId="{23920C8D-EBCE-A347-9C82-C14316D20539}" dt="2022-10-25T11:53:23.523" v="402" actId="207"/>
-          <ac:spMkLst>
-            <pc:docMk/>
-            <pc:sldMk cId="1392274363" sldId="2606"/>
-            <ac:spMk id="42" creationId="{E4B07DDE-AB89-2B16-6B7A-2142621DE6F5}"/>
-          </ac:spMkLst>
-        </pc:spChg>
-      </pc:sldChg>
-      <pc:sldChg chg="modSp mod">
-        <pc:chgData name="Xin Luo" userId="82312ee5779919a4" providerId="LiveId" clId="{23920C8D-EBCE-A347-9C82-C14316D20539}" dt="2022-10-25T12:03:26.240" v="414" actId="14100"/>
-        <pc:sldMkLst>
-          <pc:docMk/>
-          <pc:sldMk cId="292605530" sldId="2607"/>
-        </pc:sldMkLst>
-        <pc:spChg chg="mod">
-          <ac:chgData name="Xin Luo" userId="82312ee5779919a4" providerId="LiveId" clId="{23920C8D-EBCE-A347-9C82-C14316D20539}" dt="2022-10-25T12:03:26.240" v="414" actId="14100"/>
-          <ac:spMkLst>
-            <pc:docMk/>
-            <pc:sldMk cId="292605530" sldId="2607"/>
-            <ac:spMk id="18" creationId="{8399C9E7-13B6-1DAF-F5BF-4471E8528C5F}"/>
-          </ac:spMkLst>
-        </pc:spChg>
-      </pc:sldChg>
-      <pc:sldChg chg="modSp mod">
-        <pc:chgData name="Xin Luo" userId="82312ee5779919a4" providerId="LiveId" clId="{23920C8D-EBCE-A347-9C82-C14316D20539}" dt="2022-10-25T12:09:03.730" v="478" actId="1036"/>
-        <pc:sldMkLst>
-          <pc:docMk/>
-          <pc:sldMk cId="2780969545" sldId="2609"/>
-        </pc:sldMkLst>
-        <pc:spChg chg="mod">
-          <ac:chgData name="Xin Luo" userId="82312ee5779919a4" providerId="LiveId" clId="{23920C8D-EBCE-A347-9C82-C14316D20539}" dt="2022-10-25T12:08:56.496" v="469" actId="115"/>
-          <ac:spMkLst>
-            <pc:docMk/>
-            <pc:sldMk cId="2780969545" sldId="2609"/>
-            <ac:spMk id="6" creationId="{2D1A6305-FF43-CF53-224A-B6D4901EAB0F}"/>
-          </ac:spMkLst>
-        </pc:spChg>
-        <pc:spChg chg="mod">
-          <ac:chgData name="Xin Luo" userId="82312ee5779919a4" providerId="LiveId" clId="{23920C8D-EBCE-A347-9C82-C14316D20539}" dt="2022-10-25T12:09:03.730" v="478" actId="1036"/>
-          <ac:spMkLst>
-            <pc:docMk/>
-            <pc:sldMk cId="2780969545" sldId="2609"/>
-            <ac:spMk id="11" creationId="{63EAC848-88D2-7A10-E878-444ADA855E23}"/>
-          </ac:spMkLst>
-        </pc:spChg>
-        <pc:spChg chg="mod">
-          <ac:chgData name="Xin Luo" userId="82312ee5779919a4" providerId="LiveId" clId="{23920C8D-EBCE-A347-9C82-C14316D20539}" dt="2022-10-25T12:09:03.730" v="478" actId="1036"/>
-          <ac:spMkLst>
-            <pc:docMk/>
-            <pc:sldMk cId="2780969545" sldId="2609"/>
-            <ac:spMk id="12" creationId="{BED7A820-9D6E-7E7E-A906-8A9424528316}"/>
-          </ac:spMkLst>
-        </pc:spChg>
-        <pc:spChg chg="mod">
-          <ac:chgData name="Xin Luo" userId="82312ee5779919a4" providerId="LiveId" clId="{23920C8D-EBCE-A347-9C82-C14316D20539}" dt="2022-10-25T12:09:03.730" v="478" actId="1036"/>
-          <ac:spMkLst>
-            <pc:docMk/>
-            <pc:sldMk cId="2780969545" sldId="2609"/>
-            <ac:spMk id="20" creationId="{87EC125B-CB98-6914-1633-6697471A2CB4}"/>
-          </ac:spMkLst>
-        </pc:spChg>
-        <pc:spChg chg="mod">
-          <ac:chgData name="Xin Luo" userId="82312ee5779919a4" providerId="LiveId" clId="{23920C8D-EBCE-A347-9C82-C14316D20539}" dt="2022-10-25T12:09:03.730" v="478" actId="1036"/>
-          <ac:spMkLst>
-            <pc:docMk/>
-            <pc:sldMk cId="2780969545" sldId="2609"/>
-            <ac:spMk id="21" creationId="{0AF67847-7DEF-CDAB-6208-0271BFB4FB06}"/>
-          </ac:spMkLst>
-        </pc:spChg>
-        <pc:spChg chg="mod">
-          <ac:chgData name="Xin Luo" userId="82312ee5779919a4" providerId="LiveId" clId="{23920C8D-EBCE-A347-9C82-C14316D20539}" dt="2022-10-25T12:09:03.730" v="478" actId="1036"/>
-          <ac:spMkLst>
-            <pc:docMk/>
-            <pc:sldMk cId="2780969545" sldId="2609"/>
-            <ac:spMk id="23" creationId="{0011846D-F543-398E-85CB-0AB0A842928A}"/>
-          </ac:spMkLst>
-        </pc:spChg>
-        <pc:spChg chg="mod">
-          <ac:chgData name="Xin Luo" userId="82312ee5779919a4" providerId="LiveId" clId="{23920C8D-EBCE-A347-9C82-C14316D20539}" dt="2022-10-25T12:09:03.730" v="478" actId="1036"/>
-          <ac:spMkLst>
-            <pc:docMk/>
-            <pc:sldMk cId="2780969545" sldId="2609"/>
-            <ac:spMk id="24" creationId="{37B5D87E-7419-7CC0-91CC-8A0807F0F999}"/>
-          </ac:spMkLst>
-        </pc:spChg>
-        <pc:spChg chg="mod">
-          <ac:chgData name="Xin Luo" userId="82312ee5779919a4" providerId="LiveId" clId="{23920C8D-EBCE-A347-9C82-C14316D20539}" dt="2022-10-25T12:09:03.730" v="478" actId="1036"/>
-          <ac:spMkLst>
-            <pc:docMk/>
-            <pc:sldMk cId="2780969545" sldId="2609"/>
-            <ac:spMk id="25" creationId="{4745244D-B431-F067-4A97-7CC4387296FB}"/>
-          </ac:spMkLst>
-        </pc:spChg>
-        <pc:spChg chg="mod">
-          <ac:chgData name="Xin Luo" userId="82312ee5779919a4" providerId="LiveId" clId="{23920C8D-EBCE-A347-9C82-C14316D20539}" dt="2022-10-25T12:09:03.730" v="478" actId="1036"/>
-          <ac:spMkLst>
-            <pc:docMk/>
-            <pc:sldMk cId="2780969545" sldId="2609"/>
-            <ac:spMk id="26" creationId="{FB9C53DE-8D1F-6DF4-8CE3-3A262A9F8737}"/>
-          </ac:spMkLst>
-        </pc:spChg>
-        <pc:picChg chg="mod">
-          <ac:chgData name="Xin Luo" userId="82312ee5779919a4" providerId="LiveId" clId="{23920C8D-EBCE-A347-9C82-C14316D20539}" dt="2022-10-25T12:09:03.730" v="478" actId="1036"/>
-          <ac:picMkLst>
-            <pc:docMk/>
-            <pc:sldMk cId="2780969545" sldId="2609"/>
-            <ac:picMk id="4" creationId="{49B7ACC6-6794-9162-52B2-E80F7E4B0442}"/>
-          </ac:picMkLst>
-        </pc:picChg>
-        <pc:picChg chg="mod">
-          <ac:chgData name="Xin Luo" userId="82312ee5779919a4" providerId="LiveId" clId="{23920C8D-EBCE-A347-9C82-C14316D20539}" dt="2022-10-25T12:09:03.730" v="478" actId="1036"/>
-          <ac:picMkLst>
-            <pc:docMk/>
-            <pc:sldMk cId="2780969545" sldId="2609"/>
-            <ac:picMk id="7" creationId="{42FD45A0-A9EA-D518-41B5-21FA7A24BA60}"/>
-          </ac:picMkLst>
-        </pc:picChg>
-        <pc:picChg chg="mod">
-          <ac:chgData name="Xin Luo" userId="82312ee5779919a4" providerId="LiveId" clId="{23920C8D-EBCE-A347-9C82-C14316D20539}" dt="2022-10-25T12:09:03.730" v="478" actId="1036"/>
-          <ac:picMkLst>
-            <pc:docMk/>
-            <pc:sldMk cId="2780969545" sldId="2609"/>
-            <ac:picMk id="10" creationId="{C2B12388-3179-41F8-2462-0C9BA14093FF}"/>
-          </ac:picMkLst>
-        </pc:picChg>
-        <pc:picChg chg="mod">
-          <ac:chgData name="Xin Luo" userId="82312ee5779919a4" providerId="LiveId" clId="{23920C8D-EBCE-A347-9C82-C14316D20539}" dt="2022-10-25T12:09:03.730" v="478" actId="1036"/>
-          <ac:picMkLst>
-            <pc:docMk/>
-            <pc:sldMk cId="2780969545" sldId="2609"/>
-            <ac:picMk id="7170" creationId="{A3C33C8C-6841-03A7-574F-E161D6BA2409}"/>
-          </ac:picMkLst>
-        </pc:picChg>
-        <pc:cxnChg chg="mod">
-          <ac:chgData name="Xin Luo" userId="82312ee5779919a4" providerId="LiveId" clId="{23920C8D-EBCE-A347-9C82-C14316D20539}" dt="2022-10-25T12:09:03.730" v="478" actId="1036"/>
-          <ac:cxnSpMkLst>
-            <pc:docMk/>
-            <pc:sldMk cId="2780969545" sldId="2609"/>
-            <ac:cxnSpMk id="9" creationId="{FD972B84-6C44-171E-8256-D2A04F01B0C9}"/>
-          </ac:cxnSpMkLst>
-        </pc:cxnChg>
-        <pc:cxnChg chg="mod">
-          <ac:chgData name="Xin Luo" userId="82312ee5779919a4" providerId="LiveId" clId="{23920C8D-EBCE-A347-9C82-C14316D20539}" dt="2022-10-25T12:09:03.730" v="478" actId="1036"/>
-          <ac:cxnSpMkLst>
-            <pc:docMk/>
-            <pc:sldMk cId="2780969545" sldId="2609"/>
-            <ac:cxnSpMk id="16" creationId="{612BCBDC-DECE-5090-7C5B-6492FF4CE722}"/>
-          </ac:cxnSpMkLst>
-        </pc:cxnChg>
-        <pc:cxnChg chg="mod">
-          <ac:chgData name="Xin Luo" userId="82312ee5779919a4" providerId="LiveId" clId="{23920C8D-EBCE-A347-9C82-C14316D20539}" dt="2022-10-25T12:09:03.730" v="478" actId="1036"/>
-          <ac:cxnSpMkLst>
-            <pc:docMk/>
-            <pc:sldMk cId="2780969545" sldId="2609"/>
-            <ac:cxnSpMk id="17" creationId="{AF045F09-2718-C456-D477-E816A43885FF}"/>
-          </ac:cxnSpMkLst>
-        </pc:cxnChg>
-        <pc:cxnChg chg="mod">
-          <ac:chgData name="Xin Luo" userId="82312ee5779919a4" providerId="LiveId" clId="{23920C8D-EBCE-A347-9C82-C14316D20539}" dt="2022-10-25T12:09:03.730" v="478" actId="1036"/>
-          <ac:cxnSpMkLst>
-            <pc:docMk/>
-            <pc:sldMk cId="2780969545" sldId="2609"/>
-            <ac:cxnSpMk id="28" creationId="{6C11ADF7-6234-2989-2798-F5AAD5EDE3BF}"/>
-          </ac:cxnSpMkLst>
-        </pc:cxnChg>
-      </pc:sldChg>
-      <pc:sldChg chg="modSp mod">
-        <pc:chgData name="Xin Luo" userId="82312ee5779919a4" providerId="LiveId" clId="{23920C8D-EBCE-A347-9C82-C14316D20539}" dt="2022-10-26T02:56:58.658" v="480" actId="207"/>
-        <pc:sldMkLst>
-          <pc:docMk/>
-          <pc:sldMk cId="63705705" sldId="2612"/>
-        </pc:sldMkLst>
-        <pc:spChg chg="mod">
-          <ac:chgData name="Xin Luo" userId="82312ee5779919a4" providerId="LiveId" clId="{23920C8D-EBCE-A347-9C82-C14316D20539}" dt="2022-10-26T02:56:58.658" v="480" actId="207"/>
-          <ac:spMkLst>
-            <pc:docMk/>
-            <pc:sldMk cId="63705705" sldId="2612"/>
-            <ac:spMk id="63" creationId="{6400CC45-5050-7ACD-CE08-CC6D7000A1DA}"/>
-          </ac:spMkLst>
-        </pc:spChg>
-      </pc:sldChg>
-      <pc:sldChg chg="addSp modSp">
-        <pc:chgData name="Xin Luo" userId="82312ee5779919a4" providerId="LiveId" clId="{23920C8D-EBCE-A347-9C82-C14316D20539}" dt="2022-10-26T12:19:06.428" v="501" actId="767"/>
-        <pc:sldMkLst>
-          <pc:docMk/>
-          <pc:sldMk cId="963926578" sldId="2613"/>
-        </pc:sldMkLst>
-        <pc:spChg chg="add mod">
-          <ac:chgData name="Xin Luo" userId="82312ee5779919a4" providerId="LiveId" clId="{23920C8D-EBCE-A347-9C82-C14316D20539}" dt="2022-10-26T12:19:06.428" v="501" actId="767"/>
-          <ac:spMkLst>
-            <pc:docMk/>
-            <pc:sldMk cId="963926578" sldId="2613"/>
-            <ac:spMk id="2" creationId="{5F7683B3-77E0-69A9-94AE-FF04E7249325}"/>
-          </ac:spMkLst>
-        </pc:spChg>
-      </pc:sldChg>
-      <pc:sldChg chg="modSp add mod">
-        <pc:chgData name="Xin Luo" userId="82312ee5779919a4" providerId="LiveId" clId="{23920C8D-EBCE-A347-9C82-C14316D20539}" dt="2022-10-10T01:06:02.902" v="365" actId="403"/>
-        <pc:sldMkLst>
-          <pc:docMk/>
-          <pc:sldMk cId="2358282757" sldId="2714"/>
-        </pc:sldMkLst>
-        <pc:spChg chg="mod">
-          <ac:chgData name="Xin Luo" userId="82312ee5779919a4" providerId="LiveId" clId="{23920C8D-EBCE-A347-9C82-C14316D20539}" dt="2022-10-10T01:06:02.902" v="365" actId="403"/>
-          <ac:spMkLst>
-            <pc:docMk/>
-            <pc:sldMk cId="2358282757" sldId="2714"/>
-            <ac:spMk id="2" creationId="{DB381E7B-A050-4BE4-6756-9B64308C74D7}"/>
-          </ac:spMkLst>
-        </pc:spChg>
-      </pc:sldChg>
-    </pc:docChg>
-  </pc:docChgLst>
-  <pc:docChgLst>
     <pc:chgData name="Xin Luo" userId="82312ee5779919a4" providerId="LiveId" clId="{4807F875-6F75-AB41-83F0-5AE490FE2F1C}"/>
     <pc:docChg chg="custSel addSld modSld">
       <pc:chgData name="Xin Luo" userId="82312ee5779919a4" providerId="LiveId" clId="{4807F875-6F75-AB41-83F0-5AE490FE2F1C}" dt="2023-09-13T14:07:01.122" v="8" actId="1076"/>
@@ -5071,138 +5071,6 @@
     </pc:docChg>
   </pc:docChgLst>
   <pc:docChgLst>
-    <pc:chgData name="Xin Luo" userId="82312ee5779919a4" providerId="LiveId" clId="{A508F461-0D73-864F-B88A-277BCD613B0A}"/>
-    <pc:docChg chg="modSld">
-      <pc:chgData name="Xin Luo" userId="82312ee5779919a4" providerId="LiveId" clId="{A508F461-0D73-864F-B88A-277BCD613B0A}" dt="2023-09-11T02:08:48.074" v="121" actId="1076"/>
-      <pc:docMkLst>
-        <pc:docMk/>
-      </pc:docMkLst>
-      <pc:sldChg chg="modSp mod">
-        <pc:chgData name="Xin Luo" userId="82312ee5779919a4" providerId="LiveId" clId="{A508F461-0D73-864F-B88A-277BCD613B0A}" dt="2023-09-11T01:25:36.157" v="49" actId="255"/>
-        <pc:sldMkLst>
-          <pc:docMk/>
-          <pc:sldMk cId="1209572041" sldId="2722"/>
-        </pc:sldMkLst>
-        <pc:spChg chg="mod">
-          <ac:chgData name="Xin Luo" userId="82312ee5779919a4" providerId="LiveId" clId="{A508F461-0D73-864F-B88A-277BCD613B0A}" dt="2023-09-11T01:25:36.157" v="49" actId="255"/>
-          <ac:spMkLst>
-            <pc:docMk/>
-            <pc:sldMk cId="1209572041" sldId="2722"/>
-            <ac:spMk id="13" creationId="{303BC878-BC57-D350-27A3-F03AE48213AC}"/>
-          </ac:spMkLst>
-        </pc:spChg>
-      </pc:sldChg>
-      <pc:sldChg chg="modSp mod">
-        <pc:chgData name="Xin Luo" userId="82312ee5779919a4" providerId="LiveId" clId="{A508F461-0D73-864F-B88A-277BCD613B0A}" dt="2023-09-11T02:08:48.074" v="121" actId="1076"/>
-        <pc:sldMkLst>
-          <pc:docMk/>
-          <pc:sldMk cId="3151170836" sldId="2742"/>
-        </pc:sldMkLst>
-        <pc:spChg chg="mod">
-          <ac:chgData name="Xin Luo" userId="82312ee5779919a4" providerId="LiveId" clId="{A508F461-0D73-864F-B88A-277BCD613B0A}" dt="2023-09-11T02:08:48.074" v="121" actId="1076"/>
-          <ac:spMkLst>
-            <pc:docMk/>
-            <pc:sldMk cId="3151170836" sldId="2742"/>
-            <ac:spMk id="6" creationId="{FA343B24-C04E-C7D0-D427-DA131ECB74AB}"/>
-          </ac:spMkLst>
-        </pc:spChg>
-      </pc:sldChg>
-      <pc:sldChg chg="modSp mod">
-        <pc:chgData name="Xin Luo" userId="82312ee5779919a4" providerId="LiveId" clId="{A508F461-0D73-864F-B88A-277BCD613B0A}" dt="2023-09-11T01:24:19.474" v="26" actId="255"/>
-        <pc:sldMkLst>
-          <pc:docMk/>
-          <pc:sldMk cId="3741103209" sldId="2745"/>
-        </pc:sldMkLst>
-        <pc:spChg chg="mod">
-          <ac:chgData name="Xin Luo" userId="82312ee5779919a4" providerId="LiveId" clId="{A508F461-0D73-864F-B88A-277BCD613B0A}" dt="2023-09-11T01:24:19.474" v="26" actId="255"/>
-          <ac:spMkLst>
-            <pc:docMk/>
-            <pc:sldMk cId="3741103209" sldId="2745"/>
-            <ac:spMk id="17" creationId="{9E05FFCA-3371-AF5C-381D-71D984055F5A}"/>
-          </ac:spMkLst>
-        </pc:spChg>
-      </pc:sldChg>
-      <pc:sldChg chg="modSp mod">
-        <pc:chgData name="Xin Luo" userId="82312ee5779919a4" providerId="LiveId" clId="{A508F461-0D73-864F-B88A-277BCD613B0A}" dt="2023-09-11T01:25:10.921" v="46" actId="1035"/>
-        <pc:sldMkLst>
-          <pc:docMk/>
-          <pc:sldMk cId="2081473989" sldId="2748"/>
-        </pc:sldMkLst>
-        <pc:spChg chg="mod">
-          <ac:chgData name="Xin Luo" userId="82312ee5779919a4" providerId="LiveId" clId="{A508F461-0D73-864F-B88A-277BCD613B0A}" dt="2023-09-11T01:25:10.921" v="46" actId="1035"/>
-          <ac:spMkLst>
-            <pc:docMk/>
-            <pc:sldMk cId="2081473989" sldId="2748"/>
-            <ac:spMk id="15" creationId="{DAE75BEB-15B0-6AD3-FEA5-24688F0C9399}"/>
-          </ac:spMkLst>
-        </pc:spChg>
-        <pc:spChg chg="mod">
-          <ac:chgData name="Xin Luo" userId="82312ee5779919a4" providerId="LiveId" clId="{A508F461-0D73-864F-B88A-277BCD613B0A}" dt="2023-09-11T01:25:10.921" v="46" actId="1035"/>
-          <ac:spMkLst>
-            <pc:docMk/>
-            <pc:sldMk cId="2081473989" sldId="2748"/>
-            <ac:spMk id="16" creationId="{011A1F98-9159-4FE6-698D-1B0B7EFC1F4C}"/>
-          </ac:spMkLst>
-        </pc:spChg>
-        <pc:spChg chg="mod">
-          <ac:chgData name="Xin Luo" userId="82312ee5779919a4" providerId="LiveId" clId="{A508F461-0D73-864F-B88A-277BCD613B0A}" dt="2023-09-11T01:25:03.190" v="37" actId="2710"/>
-          <ac:spMkLst>
-            <pc:docMk/>
-            <pc:sldMk cId="2081473989" sldId="2748"/>
-            <ac:spMk id="17" creationId="{9E05FFCA-3371-AF5C-381D-71D984055F5A}"/>
-          </ac:spMkLst>
-        </pc:spChg>
-        <pc:picChg chg="mod">
-          <ac:chgData name="Xin Luo" userId="82312ee5779919a4" providerId="LiveId" clId="{A508F461-0D73-864F-B88A-277BCD613B0A}" dt="2023-09-11T01:25:10.921" v="46" actId="1035"/>
-          <ac:picMkLst>
-            <pc:docMk/>
-            <pc:sldMk cId="2081473989" sldId="2748"/>
-            <ac:picMk id="8" creationId="{79143EB1-6171-6D6B-E065-52F98AD03CCA}"/>
-          </ac:picMkLst>
-        </pc:picChg>
-        <pc:picChg chg="mod">
-          <ac:chgData name="Xin Luo" userId="82312ee5779919a4" providerId="LiveId" clId="{A508F461-0D73-864F-B88A-277BCD613B0A}" dt="2023-09-11T01:25:10.921" v="46" actId="1035"/>
-          <ac:picMkLst>
-            <pc:docMk/>
-            <pc:sldMk cId="2081473989" sldId="2748"/>
-            <ac:picMk id="12" creationId="{CD5784D5-D55B-B02C-C48B-B4566A95D7A5}"/>
-          </ac:picMkLst>
-        </pc:picChg>
-      </pc:sldChg>
-      <pc:sldChg chg="modSp mod">
-        <pc:chgData name="Xin Luo" userId="82312ee5779919a4" providerId="LiveId" clId="{A508F461-0D73-864F-B88A-277BCD613B0A}" dt="2023-09-11T01:23:28.376" v="25" actId="1037"/>
-        <pc:sldMkLst>
-          <pc:docMk/>
-          <pc:sldMk cId="2927474256" sldId="2754"/>
-        </pc:sldMkLst>
-        <pc:spChg chg="mod">
-          <ac:chgData name="Xin Luo" userId="82312ee5779919a4" providerId="LiveId" clId="{A508F461-0D73-864F-B88A-277BCD613B0A}" dt="2023-09-11T01:23:28.376" v="25" actId="1037"/>
-          <ac:spMkLst>
-            <pc:docMk/>
-            <pc:sldMk cId="2927474256" sldId="2754"/>
-            <ac:spMk id="17" creationId="{8CFF8A22-C033-47DF-8707-CA76F142CBBA}"/>
-          </ac:spMkLst>
-        </pc:spChg>
-        <pc:grpChg chg="mod">
-          <ac:chgData name="Xin Luo" userId="82312ee5779919a4" providerId="LiveId" clId="{A508F461-0D73-864F-B88A-277BCD613B0A}" dt="2023-09-11T01:23:15.792" v="0" actId="1037"/>
-          <ac:grpSpMkLst>
-            <pc:docMk/>
-            <pc:sldMk cId="2927474256" sldId="2754"/>
-            <ac:grpSpMk id="20" creationId="{8AA7B3E2-1D42-96C9-43F0-1F320D3EFD63}"/>
-          </ac:grpSpMkLst>
-        </pc:grpChg>
-        <pc:picChg chg="mod">
-          <ac:chgData name="Xin Luo" userId="82312ee5779919a4" providerId="LiveId" clId="{A508F461-0D73-864F-B88A-277BCD613B0A}" dt="2023-09-11T01:23:18.846" v="10" actId="1038"/>
-          <ac:picMkLst>
-            <pc:docMk/>
-            <pc:sldMk cId="2927474256" sldId="2754"/>
-            <ac:picMk id="9" creationId="{0CF46726-2B51-43A4-FDEF-A6131C46F05F}"/>
-          </ac:picMkLst>
-        </pc:picChg>
-      </pc:sldChg>
-    </pc:docChg>
-  </pc:docChgLst>
-  <pc:docChgLst>
     <pc:chgData name="Xin Luo" userId="82312ee5779919a4" providerId="LiveId" clId="{82BFAA31-791A-9843-976C-3AAFAA5AC07D}"/>
     <pc:docChg chg="undo custSel addSld delSld modSld">
       <pc:chgData name="Xin Luo" userId="82312ee5779919a4" providerId="LiveId" clId="{82BFAA31-791A-9843-976C-3AAFAA5AC07D}" dt="2023-03-05T13:50:34.172" v="6224" actId="1035"/>
@@ -5939,6 +5807,138 @@
           <pc:docMk/>
           <pc:sldMk cId="1628918360" sldId="2751"/>
         </pc:sldMkLst>
+      </pc:sldChg>
+    </pc:docChg>
+  </pc:docChgLst>
+  <pc:docChgLst>
+    <pc:chgData name="Xin Luo" userId="82312ee5779919a4" providerId="LiveId" clId="{A508F461-0D73-864F-B88A-277BCD613B0A}"/>
+    <pc:docChg chg="modSld">
+      <pc:chgData name="Xin Luo" userId="82312ee5779919a4" providerId="LiveId" clId="{A508F461-0D73-864F-B88A-277BCD613B0A}" dt="2023-09-11T02:08:48.074" v="121" actId="1076"/>
+      <pc:docMkLst>
+        <pc:docMk/>
+      </pc:docMkLst>
+      <pc:sldChg chg="modSp mod">
+        <pc:chgData name="Xin Luo" userId="82312ee5779919a4" providerId="LiveId" clId="{A508F461-0D73-864F-B88A-277BCD613B0A}" dt="2023-09-11T01:25:36.157" v="49" actId="255"/>
+        <pc:sldMkLst>
+          <pc:docMk/>
+          <pc:sldMk cId="1209572041" sldId="2722"/>
+        </pc:sldMkLst>
+        <pc:spChg chg="mod">
+          <ac:chgData name="Xin Luo" userId="82312ee5779919a4" providerId="LiveId" clId="{A508F461-0D73-864F-B88A-277BCD613B0A}" dt="2023-09-11T01:25:36.157" v="49" actId="255"/>
+          <ac:spMkLst>
+            <pc:docMk/>
+            <pc:sldMk cId="1209572041" sldId="2722"/>
+            <ac:spMk id="13" creationId="{303BC878-BC57-D350-27A3-F03AE48213AC}"/>
+          </ac:spMkLst>
+        </pc:spChg>
+      </pc:sldChg>
+      <pc:sldChg chg="modSp mod">
+        <pc:chgData name="Xin Luo" userId="82312ee5779919a4" providerId="LiveId" clId="{A508F461-0D73-864F-B88A-277BCD613B0A}" dt="2023-09-11T02:08:48.074" v="121" actId="1076"/>
+        <pc:sldMkLst>
+          <pc:docMk/>
+          <pc:sldMk cId="3151170836" sldId="2742"/>
+        </pc:sldMkLst>
+        <pc:spChg chg="mod">
+          <ac:chgData name="Xin Luo" userId="82312ee5779919a4" providerId="LiveId" clId="{A508F461-0D73-864F-B88A-277BCD613B0A}" dt="2023-09-11T02:08:48.074" v="121" actId="1076"/>
+          <ac:spMkLst>
+            <pc:docMk/>
+            <pc:sldMk cId="3151170836" sldId="2742"/>
+            <ac:spMk id="6" creationId="{FA343B24-C04E-C7D0-D427-DA131ECB74AB}"/>
+          </ac:spMkLst>
+        </pc:spChg>
+      </pc:sldChg>
+      <pc:sldChg chg="modSp mod">
+        <pc:chgData name="Xin Luo" userId="82312ee5779919a4" providerId="LiveId" clId="{A508F461-0D73-864F-B88A-277BCD613B0A}" dt="2023-09-11T01:24:19.474" v="26" actId="255"/>
+        <pc:sldMkLst>
+          <pc:docMk/>
+          <pc:sldMk cId="3741103209" sldId="2745"/>
+        </pc:sldMkLst>
+        <pc:spChg chg="mod">
+          <ac:chgData name="Xin Luo" userId="82312ee5779919a4" providerId="LiveId" clId="{A508F461-0D73-864F-B88A-277BCD613B0A}" dt="2023-09-11T01:24:19.474" v="26" actId="255"/>
+          <ac:spMkLst>
+            <pc:docMk/>
+            <pc:sldMk cId="3741103209" sldId="2745"/>
+            <ac:spMk id="17" creationId="{9E05FFCA-3371-AF5C-381D-71D984055F5A}"/>
+          </ac:spMkLst>
+        </pc:spChg>
+      </pc:sldChg>
+      <pc:sldChg chg="modSp mod">
+        <pc:chgData name="Xin Luo" userId="82312ee5779919a4" providerId="LiveId" clId="{A508F461-0D73-864F-B88A-277BCD613B0A}" dt="2023-09-11T01:25:10.921" v="46" actId="1035"/>
+        <pc:sldMkLst>
+          <pc:docMk/>
+          <pc:sldMk cId="2081473989" sldId="2748"/>
+        </pc:sldMkLst>
+        <pc:spChg chg="mod">
+          <ac:chgData name="Xin Luo" userId="82312ee5779919a4" providerId="LiveId" clId="{A508F461-0D73-864F-B88A-277BCD613B0A}" dt="2023-09-11T01:25:10.921" v="46" actId="1035"/>
+          <ac:spMkLst>
+            <pc:docMk/>
+            <pc:sldMk cId="2081473989" sldId="2748"/>
+            <ac:spMk id="15" creationId="{DAE75BEB-15B0-6AD3-FEA5-24688F0C9399}"/>
+          </ac:spMkLst>
+        </pc:spChg>
+        <pc:spChg chg="mod">
+          <ac:chgData name="Xin Luo" userId="82312ee5779919a4" providerId="LiveId" clId="{A508F461-0D73-864F-B88A-277BCD613B0A}" dt="2023-09-11T01:25:10.921" v="46" actId="1035"/>
+          <ac:spMkLst>
+            <pc:docMk/>
+            <pc:sldMk cId="2081473989" sldId="2748"/>
+            <ac:spMk id="16" creationId="{011A1F98-9159-4FE6-698D-1B0B7EFC1F4C}"/>
+          </ac:spMkLst>
+        </pc:spChg>
+        <pc:spChg chg="mod">
+          <ac:chgData name="Xin Luo" userId="82312ee5779919a4" providerId="LiveId" clId="{A508F461-0D73-864F-B88A-277BCD613B0A}" dt="2023-09-11T01:25:03.190" v="37" actId="2710"/>
+          <ac:spMkLst>
+            <pc:docMk/>
+            <pc:sldMk cId="2081473989" sldId="2748"/>
+            <ac:spMk id="17" creationId="{9E05FFCA-3371-AF5C-381D-71D984055F5A}"/>
+          </ac:spMkLst>
+        </pc:spChg>
+        <pc:picChg chg="mod">
+          <ac:chgData name="Xin Luo" userId="82312ee5779919a4" providerId="LiveId" clId="{A508F461-0D73-864F-B88A-277BCD613B0A}" dt="2023-09-11T01:25:10.921" v="46" actId="1035"/>
+          <ac:picMkLst>
+            <pc:docMk/>
+            <pc:sldMk cId="2081473989" sldId="2748"/>
+            <ac:picMk id="8" creationId="{79143EB1-6171-6D6B-E065-52F98AD03CCA}"/>
+          </ac:picMkLst>
+        </pc:picChg>
+        <pc:picChg chg="mod">
+          <ac:chgData name="Xin Luo" userId="82312ee5779919a4" providerId="LiveId" clId="{A508F461-0D73-864F-B88A-277BCD613B0A}" dt="2023-09-11T01:25:10.921" v="46" actId="1035"/>
+          <ac:picMkLst>
+            <pc:docMk/>
+            <pc:sldMk cId="2081473989" sldId="2748"/>
+            <ac:picMk id="12" creationId="{CD5784D5-D55B-B02C-C48B-B4566A95D7A5}"/>
+          </ac:picMkLst>
+        </pc:picChg>
+      </pc:sldChg>
+      <pc:sldChg chg="modSp mod">
+        <pc:chgData name="Xin Luo" userId="82312ee5779919a4" providerId="LiveId" clId="{A508F461-0D73-864F-B88A-277BCD613B0A}" dt="2023-09-11T01:23:28.376" v="25" actId="1037"/>
+        <pc:sldMkLst>
+          <pc:docMk/>
+          <pc:sldMk cId="2927474256" sldId="2754"/>
+        </pc:sldMkLst>
+        <pc:spChg chg="mod">
+          <ac:chgData name="Xin Luo" userId="82312ee5779919a4" providerId="LiveId" clId="{A508F461-0D73-864F-B88A-277BCD613B0A}" dt="2023-09-11T01:23:28.376" v="25" actId="1037"/>
+          <ac:spMkLst>
+            <pc:docMk/>
+            <pc:sldMk cId="2927474256" sldId="2754"/>
+            <ac:spMk id="17" creationId="{8CFF8A22-C033-47DF-8707-CA76F142CBBA}"/>
+          </ac:spMkLst>
+        </pc:spChg>
+        <pc:grpChg chg="mod">
+          <ac:chgData name="Xin Luo" userId="82312ee5779919a4" providerId="LiveId" clId="{A508F461-0D73-864F-B88A-277BCD613B0A}" dt="2023-09-11T01:23:15.792" v="0" actId="1037"/>
+          <ac:grpSpMkLst>
+            <pc:docMk/>
+            <pc:sldMk cId="2927474256" sldId="2754"/>
+            <ac:grpSpMk id="20" creationId="{8AA7B3E2-1D42-96C9-43F0-1F320D3EFD63}"/>
+          </ac:grpSpMkLst>
+        </pc:grpChg>
+        <pc:picChg chg="mod">
+          <ac:chgData name="Xin Luo" userId="82312ee5779919a4" providerId="LiveId" clId="{A508F461-0D73-864F-B88A-277BCD613B0A}" dt="2023-09-11T01:23:18.846" v="10" actId="1038"/>
+          <ac:picMkLst>
+            <pc:docMk/>
+            <pc:sldMk cId="2927474256" sldId="2754"/>
+            <ac:picMk id="9" creationId="{0CF46726-2B51-43A4-FDEF-A6131C46F05F}"/>
+          </ac:picMkLst>
+        </pc:picChg>
       </pc:sldChg>
     </pc:docChg>
   </pc:docChgLst>
@@ -6352,7 +6352,7 @@
               </a14:hiddenFill>
             </a:ext>
             <a:ext uri="{FAA26D3D-D897-4be2-8F04-BA451C77F1D7}">
-              <ma14:placeholderFlag xmlns="" xmlns:ma14="http://schemas.microsoft.com/office/mac/drawingml/2011/main" val="1"/>
+              <ma14:placeholderFlag xmlns:ma14="http://schemas.microsoft.com/office/mac/drawingml/2011/main" xmlns="" val="1"/>
             </a:ext>
           </a:extLst>
         </p:spPr>
@@ -6736,7 +6736,7 @@
               </a14:hiddenLine>
             </a:ext>
             <a:ext uri="{FAA26D3D-D897-4be2-8F04-BA451C77F1D7}">
-              <ma14:placeholderFlag xmlns="" xmlns:ma14="http://schemas.microsoft.com/office/mac/drawingml/2011/main" val="1"/>
+              <ma14:placeholderFlag xmlns:ma14="http://schemas.microsoft.com/office/mac/drawingml/2011/main" xmlns="" val="1"/>
             </a:ext>
           </a:extLst>
         </p:spPr>
@@ -7619,7 +7619,15 @@
             </a:r>
             <a:r>
               <a:rPr lang="en-US" altLang="zh-CN" dirty="0"/>
-              <a:t>git branch, git checkout, git add ., git commit –m ‘test git’, git merge, git push origin main.</a:t>
+              <a:t>git checkout (</a:t>
+            </a:r>
+            <a:r>
+              <a:rPr lang="zh-CN" altLang="en-US" dirty="0"/>
+              <a:t>如需在分支中开发时使用</a:t>
+            </a:r>
+            <a:r>
+              <a:rPr lang="en-US" altLang="zh-CN" dirty="0"/>
+              <a:t>), git add ., git commit –m ‘test git’, git push origin main.</a:t>
             </a:r>
           </a:p>
           <a:p>
@@ -7714,7 +7722,7 @@
               </a14:hiddenLine>
             </a:ext>
             <a:ext uri="{FAA26D3D-D897-4be2-8F04-BA451C77F1D7}">
-              <ma14:placeholderFlag xmlns="" xmlns:ma14="http://schemas.microsoft.com/office/mac/drawingml/2011/main" val="1"/>
+              <ma14:placeholderFlag xmlns:ma14="http://schemas.microsoft.com/office/mac/drawingml/2011/main" xmlns="" val="1"/>
             </a:ext>
           </a:extLst>
         </p:spPr>
@@ -11194,7 +11202,7 @@
               </a14:hiddenLine>
             </a:ext>
             <a:ext uri="{FAA26D3D-D897-4be2-8F04-BA451C77F1D7}">
-              <ma14:placeholderFlag xmlns="" xmlns:ma14="http://schemas.microsoft.com/office/mac/drawingml/2011/main" val="1"/>
+              <ma14:placeholderFlag xmlns:ma14="http://schemas.microsoft.com/office/mac/drawingml/2011/main" xmlns="" val="1"/>
             </a:ext>
           </a:extLst>
         </p:spPr>
@@ -14885,7 +14893,7 @@
               </a14:hiddenLine>
             </a:ext>
             <a:ext uri="{FAA26D3D-D897-4be2-8F04-BA451C77F1D7}">
-              <ma14:placeholderFlag xmlns="" xmlns:ma14="http://schemas.microsoft.com/office/mac/drawingml/2011/main" val="1"/>
+              <ma14:placeholderFlag xmlns:ma14="http://schemas.microsoft.com/office/mac/drawingml/2011/main" xmlns="" val="1"/>
             </a:ext>
           </a:extLst>
         </p:spPr>
@@ -19646,6 +19654,94 @@
       </p:grpSpPr>
       <p:sp>
         <p:nvSpPr>
+          <p:cNvPr id="7" name="矩形 6">
+            <a:extLst>
+              <a:ext uri="{FF2B5EF4-FFF2-40B4-BE49-F238E27FC236}">
+                <a16:creationId xmlns:a16="http://schemas.microsoft.com/office/drawing/2014/main" id="{6822E02D-EF26-697A-46C3-B83807ED0FCB}"/>
+              </a:ext>
+            </a:extLst>
+          </p:cNvPr>
+          <p:cNvSpPr/>
+          <p:nvPr/>
+        </p:nvSpPr>
+        <p:spPr>
+          <a:xfrm>
+            <a:off x="258417" y="2310742"/>
+            <a:ext cx="2578938" cy="1576195"/>
+          </a:xfrm>
+          <a:prstGeom prst="rect">
+            <a:avLst/>
+          </a:prstGeom>
+          <a:solidFill>
+            <a:schemeClr val="accent3">
+              <a:lumMod val="20000"/>
+              <a:lumOff val="80000"/>
+              <a:alpha val="63137"/>
+            </a:schemeClr>
+          </a:solidFill>
+        </p:spPr>
+        <p:txBody>
+          <a:bodyPr wrap="square" lIns="0" rtlCol="0" anchor="ctr">
+            <a:noAutofit/>
+          </a:bodyPr>
+          <a:lstStyle/>
+          <a:p>
+            <a:pPr algn="l"/>
+            <a:endParaRPr lang="zh-CN" altLang="en-US" b="1" dirty="0">
+              <a:solidFill>
+                <a:srgbClr val="FF0000"/>
+              </a:solidFill>
+              <a:latin typeface="微软雅黑" pitchFamily="34" charset="-122"/>
+              <a:ea typeface="微软雅黑" pitchFamily="34" charset="-122"/>
+            </a:endParaRPr>
+          </a:p>
+        </p:txBody>
+      </p:sp>
+      <p:sp>
+        <p:nvSpPr>
+          <p:cNvPr id="4" name="矩形 3">
+            <a:extLst>
+              <a:ext uri="{FF2B5EF4-FFF2-40B4-BE49-F238E27FC236}">
+                <a16:creationId xmlns:a16="http://schemas.microsoft.com/office/drawing/2014/main" id="{847CB1A1-8B32-95E2-057B-8C6E2294CF03}"/>
+              </a:ext>
+            </a:extLst>
+          </p:cNvPr>
+          <p:cNvSpPr/>
+          <p:nvPr/>
+        </p:nvSpPr>
+        <p:spPr>
+          <a:xfrm>
+            <a:off x="2915478" y="2310742"/>
+            <a:ext cx="6097892" cy="1576195"/>
+          </a:xfrm>
+          <a:prstGeom prst="rect">
+            <a:avLst/>
+          </a:prstGeom>
+          <a:solidFill>
+            <a:srgbClr val="C3E8CC">
+              <a:alpha val="63137"/>
+            </a:srgbClr>
+          </a:solidFill>
+        </p:spPr>
+        <p:txBody>
+          <a:bodyPr wrap="square" lIns="0" rtlCol="0" anchor="ctr">
+            <a:noAutofit/>
+          </a:bodyPr>
+          <a:lstStyle/>
+          <a:p>
+            <a:pPr algn="l"/>
+            <a:endParaRPr lang="zh-CN" altLang="en-US" b="1" dirty="0">
+              <a:solidFill>
+                <a:srgbClr val="FF0000"/>
+              </a:solidFill>
+              <a:latin typeface="微软雅黑" pitchFamily="34" charset="-122"/>
+              <a:ea typeface="微软雅黑" pitchFamily="34" charset="-122"/>
+            </a:endParaRPr>
+          </a:p>
+        </p:txBody>
+      </p:sp>
+      <p:sp>
+        <p:nvSpPr>
           <p:cNvPr id="3" name="标题 2"/>
           <p:cNvSpPr>
             <a:spLocks noGrp="1"/>
@@ -19824,451 +19920,388 @@
           </a:p>
         </p:txBody>
       </p:sp>
-      <p:grpSp>
-        <p:nvGrpSpPr>
-          <p:cNvPr id="32" name="组合 31">
+      <p:sp>
+        <p:nvSpPr>
+          <p:cNvPr id="14" name="矩形: 圆角 13">
             <a:extLst>
               <a:ext uri="{FF2B5EF4-FFF2-40B4-BE49-F238E27FC236}">
-                <a16:creationId xmlns:a16="http://schemas.microsoft.com/office/drawing/2014/main" id="{9E77CBBD-0657-5F8E-3DF8-09C31168DE78}"/>
+                <a16:creationId xmlns:a16="http://schemas.microsoft.com/office/drawing/2014/main" id="{43E21F87-A39E-71C5-6052-B1F3F4A9CFDA}"/>
               </a:ext>
             </a:extLst>
           </p:cNvPr>
-          <p:cNvGrpSpPr/>
+          <p:cNvSpPr/>
           <p:nvPr/>
-        </p:nvGrpSpPr>
-        <p:grpSpPr>
+        </p:nvSpPr>
+        <p:spPr>
           <a:xfrm>
-            <a:off x="474076" y="2461710"/>
-            <a:ext cx="2193762" cy="3795789"/>
-            <a:chOff x="236539" y="2229698"/>
-            <a:chExt cx="2274888" cy="3795789"/>
+            <a:off x="474076" y="2779760"/>
+            <a:ext cx="2193762" cy="1005612"/>
           </a:xfrm>
-        </p:grpSpPr>
-        <p:sp>
-          <p:nvSpPr>
-            <p:cNvPr id="14" name="矩形: 圆角 13">
-              <a:extLst>
-                <a:ext uri="{FF2B5EF4-FFF2-40B4-BE49-F238E27FC236}">
-                  <a16:creationId xmlns:a16="http://schemas.microsoft.com/office/drawing/2014/main" id="{43E21F87-A39E-71C5-6052-B1F3F4A9CFDA}"/>
-                </a:ext>
-              </a:extLst>
-            </p:cNvPr>
-            <p:cNvSpPr/>
-            <p:nvPr/>
-          </p:nvSpPr>
-          <p:spPr>
-            <a:xfrm>
-              <a:off x="236539" y="2229698"/>
-              <a:ext cx="2274888" cy="1005612"/>
-            </a:xfrm>
-            <a:prstGeom prst="roundRect">
-              <a:avLst/>
-            </a:prstGeom>
-          </p:spPr>
-          <p:style>
-            <a:lnRef idx="2">
-              <a:schemeClr val="dk1"/>
-            </a:lnRef>
-            <a:fillRef idx="1">
-              <a:schemeClr val="lt1"/>
-            </a:fillRef>
-            <a:effectRef idx="0">
-              <a:schemeClr val="dk1"/>
-            </a:effectRef>
-            <a:fontRef idx="minor">
-              <a:schemeClr val="dk1"/>
-            </a:fontRef>
-          </p:style>
-          <p:txBody>
-            <a:bodyPr wrap="square" lIns="0" rtlCol="0" anchor="ctr">
-              <a:noAutofit/>
-            </a:bodyPr>
-            <a:lstStyle/>
-            <a:p>
-              <a:r>
-                <a:rPr lang="zh-CN" altLang="en-US" b="1" dirty="0">
-                  <a:solidFill>
-                    <a:srgbClr val="FF0000"/>
-                  </a:solidFill>
-                  <a:latin typeface="微软雅黑" pitchFamily="34" charset="-122"/>
-                  <a:ea typeface="微软雅黑" pitchFamily="34" charset="-122"/>
-                </a:rPr>
-                <a:t>本地仓库</a:t>
-              </a:r>
-              <a:endParaRPr lang="en-US" altLang="zh-CN" b="1" dirty="0">
+          <a:prstGeom prst="roundRect">
+            <a:avLst/>
+          </a:prstGeom>
+        </p:spPr>
+        <p:style>
+          <a:lnRef idx="2">
+            <a:schemeClr val="dk1"/>
+          </a:lnRef>
+          <a:fillRef idx="1">
+            <a:schemeClr val="lt1"/>
+          </a:fillRef>
+          <a:effectRef idx="0">
+            <a:schemeClr val="dk1"/>
+          </a:effectRef>
+          <a:fontRef idx="minor">
+            <a:schemeClr val="dk1"/>
+          </a:fontRef>
+        </p:style>
+        <p:txBody>
+          <a:bodyPr wrap="square" lIns="0" rtlCol="0" anchor="ctr">
+            <a:noAutofit/>
+          </a:bodyPr>
+          <a:lstStyle/>
+          <a:p>
+            <a:r>
+              <a:rPr lang="zh-CN" altLang="en-US" b="1" dirty="0">
                 <a:solidFill>
                   <a:srgbClr val="FF0000"/>
                 </a:solidFill>
                 <a:latin typeface="微软雅黑" pitchFamily="34" charset="-122"/>
                 <a:ea typeface="微软雅黑" pitchFamily="34" charset="-122"/>
-              </a:endParaRPr>
-            </a:p>
-            <a:p>
-              <a:r>
-                <a:rPr lang="en-US" altLang="zh-CN" sz="2000" b="1" dirty="0">
-                  <a:solidFill>
-                    <a:schemeClr val="bg2"/>
-                  </a:solidFill>
-                  <a:latin typeface="微软雅黑" pitchFamily="34" charset="-122"/>
-                  <a:ea typeface="微软雅黑" pitchFamily="34" charset="-122"/>
-                </a:rPr>
-                <a:t>(</a:t>
-              </a:r>
-              <a:r>
-                <a:rPr lang="zh-CN" altLang="en-US" sz="2000" b="1" dirty="0">
-                  <a:solidFill>
-                    <a:schemeClr val="bg2"/>
-                  </a:solidFill>
-                  <a:latin typeface="微软雅黑" pitchFamily="34" charset="-122"/>
-                  <a:ea typeface="微软雅黑" pitchFamily="34" charset="-122"/>
-                </a:rPr>
-                <a:t>项目参与者</a:t>
-              </a:r>
-              <a:r>
-                <a:rPr lang="en-US" altLang="zh-CN" sz="2000" b="1" dirty="0">
-                  <a:solidFill>
-                    <a:schemeClr val="bg2"/>
-                  </a:solidFill>
-                  <a:latin typeface="微软雅黑" pitchFamily="34" charset="-122"/>
-                  <a:ea typeface="微软雅黑" pitchFamily="34" charset="-122"/>
-                </a:rPr>
-                <a:t>)</a:t>
-              </a:r>
-              <a:endParaRPr lang="zh-CN" altLang="en-US" sz="2000" b="1" dirty="0">
+              </a:rPr>
+              <a:t>本地仓库</a:t>
+            </a:r>
+            <a:endParaRPr lang="en-US" altLang="zh-CN" b="1" dirty="0">
+              <a:solidFill>
+                <a:srgbClr val="FF0000"/>
+              </a:solidFill>
+              <a:latin typeface="微软雅黑" pitchFamily="34" charset="-122"/>
+              <a:ea typeface="微软雅黑" pitchFamily="34" charset="-122"/>
+            </a:endParaRPr>
+          </a:p>
+          <a:p>
+            <a:r>
+              <a:rPr lang="en-US" altLang="zh-CN" sz="2000" b="1" dirty="0">
                 <a:solidFill>
                   <a:schemeClr val="bg2"/>
                 </a:solidFill>
                 <a:latin typeface="微软雅黑" pitchFamily="34" charset="-122"/>
                 <a:ea typeface="微软雅黑" pitchFamily="34" charset="-122"/>
-              </a:endParaRPr>
-            </a:p>
-          </p:txBody>
-        </p:sp>
-        <p:cxnSp>
-          <p:nvCxnSpPr>
-            <p:cNvPr id="19" name="直接连接符 18">
-              <a:extLst>
-                <a:ext uri="{FF2B5EF4-FFF2-40B4-BE49-F238E27FC236}">
-                  <a16:creationId xmlns:a16="http://schemas.microsoft.com/office/drawing/2014/main" id="{A534CF88-EBC7-01FA-C695-ADE474BAE702}"/>
-                </a:ext>
-              </a:extLst>
-            </p:cNvPr>
-            <p:cNvCxnSpPr>
-              <a:cxnSpLocks/>
-              <a:stCxn id="14" idx="2"/>
-            </p:cNvCxnSpPr>
-            <p:nvPr/>
-          </p:nvCxnSpPr>
-          <p:spPr bwMode="auto">
-            <a:xfrm>
-              <a:off x="1373983" y="3235310"/>
-              <a:ext cx="0" cy="2790177"/>
-            </a:xfrm>
-            <a:prstGeom prst="line">
-              <a:avLst/>
-            </a:prstGeom>
-            <a:ln w="19050">
-              <a:headEnd type="none" w="med" len="med"/>
-              <a:tailEnd type="none" w="med" len="med"/>
-            </a:ln>
-          </p:spPr>
-          <p:style>
-            <a:lnRef idx="1">
-              <a:schemeClr val="dk1"/>
-            </a:lnRef>
-            <a:fillRef idx="0">
-              <a:schemeClr val="dk1"/>
-            </a:fillRef>
-            <a:effectRef idx="0">
-              <a:schemeClr val="dk1"/>
-            </a:effectRef>
-            <a:fontRef idx="minor">
-              <a:schemeClr val="tx1"/>
-            </a:fontRef>
-          </p:style>
-        </p:cxnSp>
-      </p:grpSp>
-      <p:grpSp>
-        <p:nvGrpSpPr>
-          <p:cNvPr id="33" name="组合 32">
+              </a:rPr>
+              <a:t>(</a:t>
+            </a:r>
+            <a:r>
+              <a:rPr lang="zh-CN" altLang="en-US" sz="2000" b="1" dirty="0">
+                <a:solidFill>
+                  <a:schemeClr val="bg2"/>
+                </a:solidFill>
+                <a:latin typeface="微软雅黑" pitchFamily="34" charset="-122"/>
+                <a:ea typeface="微软雅黑" pitchFamily="34" charset="-122"/>
+              </a:rPr>
+              <a:t>项目参与者</a:t>
+            </a:r>
+            <a:r>
+              <a:rPr lang="en-US" altLang="zh-CN" sz="2000" b="1" dirty="0">
+                <a:solidFill>
+                  <a:schemeClr val="bg2"/>
+                </a:solidFill>
+                <a:latin typeface="微软雅黑" pitchFamily="34" charset="-122"/>
+                <a:ea typeface="微软雅黑" pitchFamily="34" charset="-122"/>
+              </a:rPr>
+              <a:t>)</a:t>
+            </a:r>
+            <a:endParaRPr lang="zh-CN" altLang="en-US" sz="2000" b="1" dirty="0">
+              <a:solidFill>
+                <a:schemeClr val="bg2"/>
+              </a:solidFill>
+              <a:latin typeface="微软雅黑" pitchFamily="34" charset="-122"/>
+              <a:ea typeface="微软雅黑" pitchFamily="34" charset="-122"/>
+            </a:endParaRPr>
+          </a:p>
+        </p:txBody>
+      </p:sp>
+      <p:cxnSp>
+        <p:nvCxnSpPr>
+          <p:cNvPr id="19" name="直接连接符 18">
             <a:extLst>
               <a:ext uri="{FF2B5EF4-FFF2-40B4-BE49-F238E27FC236}">
-                <a16:creationId xmlns:a16="http://schemas.microsoft.com/office/drawing/2014/main" id="{03A65DC4-A3CF-0557-31F9-DC8E66FBEE76}"/>
+                <a16:creationId xmlns:a16="http://schemas.microsoft.com/office/drawing/2014/main" id="{A534CF88-EBC7-01FA-C695-ADE474BAE702}"/>
               </a:ext>
             </a:extLst>
           </p:cNvPr>
-          <p:cNvGrpSpPr/>
+          <p:cNvCxnSpPr>
+            <a:cxnSpLocks/>
+            <a:stCxn id="14" idx="2"/>
+          </p:cNvCxnSpPr>
           <p:nvPr/>
-        </p:nvGrpSpPr>
-        <p:grpSpPr>
+        </p:nvCxnSpPr>
+        <p:spPr bwMode="auto">
           <a:xfrm>
-            <a:off x="3079396" y="2468534"/>
-            <a:ext cx="2442454" cy="3843556"/>
-            <a:chOff x="2847920" y="2236522"/>
-            <a:chExt cx="2579253" cy="3843556"/>
+            <a:off x="1570957" y="3785372"/>
+            <a:ext cx="0" cy="2790177"/>
           </a:xfrm>
-        </p:grpSpPr>
-        <p:sp>
-          <p:nvSpPr>
-            <p:cNvPr id="15" name="矩形: 圆角 14">
-              <a:extLst>
-                <a:ext uri="{FF2B5EF4-FFF2-40B4-BE49-F238E27FC236}">
-                  <a16:creationId xmlns:a16="http://schemas.microsoft.com/office/drawing/2014/main" id="{DDA1ECE4-E683-F17D-DCD6-3904B2890D79}"/>
-                </a:ext>
-              </a:extLst>
-            </p:cNvPr>
-            <p:cNvSpPr/>
-            <p:nvPr/>
-          </p:nvSpPr>
-          <p:spPr>
-            <a:xfrm>
-              <a:off x="2847920" y="2236522"/>
-              <a:ext cx="2579253" cy="1005612"/>
-            </a:xfrm>
-            <a:prstGeom prst="roundRect">
-              <a:avLst/>
-            </a:prstGeom>
-          </p:spPr>
-          <p:style>
-            <a:lnRef idx="2">
-              <a:schemeClr val="dk1"/>
-            </a:lnRef>
-            <a:fillRef idx="1">
-              <a:schemeClr val="lt1"/>
-            </a:fillRef>
-            <a:effectRef idx="0">
-              <a:schemeClr val="dk1"/>
-            </a:effectRef>
-            <a:fontRef idx="minor">
-              <a:schemeClr val="dk1"/>
-            </a:fontRef>
-          </p:style>
-          <p:txBody>
-            <a:bodyPr wrap="square" lIns="0" rtlCol="0" anchor="ctr">
-              <a:noAutofit/>
-            </a:bodyPr>
-            <a:lstStyle/>
-            <a:p>
-              <a:r>
-                <a:rPr lang="zh-CN" altLang="en-US" b="1" dirty="0">
-                  <a:solidFill>
-                    <a:srgbClr val="FF0000"/>
-                  </a:solidFill>
-                  <a:latin typeface="微软雅黑" pitchFamily="34" charset="-122"/>
-                  <a:ea typeface="微软雅黑" pitchFamily="34" charset="-122"/>
-                </a:rPr>
-                <a:t>远程仓库</a:t>
-              </a:r>
-              <a:endParaRPr lang="en-US" altLang="zh-CN" b="1" dirty="0">
-                <a:solidFill>
-                  <a:srgbClr val="FF0000"/>
-                </a:solidFill>
-                <a:latin typeface="微软雅黑" pitchFamily="34" charset="-122"/>
-                <a:ea typeface="微软雅黑" pitchFamily="34" charset="-122"/>
-              </a:endParaRPr>
-            </a:p>
-            <a:p>
-              <a:r>
-                <a:rPr lang="zh-CN" altLang="en-US" sz="2000" b="1" dirty="0">
-                  <a:solidFill>
-                    <a:schemeClr val="bg2"/>
-                  </a:solidFill>
-                  <a:latin typeface="微软雅黑" pitchFamily="34" charset="-122"/>
-                  <a:ea typeface="微软雅黑" pitchFamily="34" charset="-122"/>
-                </a:rPr>
-                <a:t>（项目参与者）</a:t>
-              </a:r>
-              <a:endParaRPr lang="zh-CN" altLang="en-US" sz="1600" b="1" dirty="0">
-                <a:solidFill>
-                  <a:schemeClr val="bg2"/>
-                </a:solidFill>
-                <a:latin typeface="微软雅黑" pitchFamily="34" charset="-122"/>
-                <a:ea typeface="微软雅黑" pitchFamily="34" charset="-122"/>
-              </a:endParaRPr>
-            </a:p>
-          </p:txBody>
-        </p:sp>
-        <p:cxnSp>
-          <p:nvCxnSpPr>
-            <p:cNvPr id="20" name="直接连接符 19">
-              <a:extLst>
-                <a:ext uri="{FF2B5EF4-FFF2-40B4-BE49-F238E27FC236}">
-                  <a16:creationId xmlns:a16="http://schemas.microsoft.com/office/drawing/2014/main" id="{F2649E05-74E2-F891-9323-E92E87CE4D82}"/>
-                </a:ext>
-              </a:extLst>
-            </p:cNvPr>
-            <p:cNvCxnSpPr>
-              <a:cxnSpLocks/>
-              <a:stCxn id="15" idx="2"/>
-            </p:cNvCxnSpPr>
-            <p:nvPr/>
-          </p:nvCxnSpPr>
-          <p:spPr bwMode="auto">
-            <a:xfrm>
-              <a:off x="4137547" y="3242134"/>
-              <a:ext cx="1" cy="2837944"/>
-            </a:xfrm>
-            <a:prstGeom prst="line">
-              <a:avLst/>
-            </a:prstGeom>
-            <a:ln w="19050">
-              <a:headEnd type="none" w="med" len="med"/>
-              <a:tailEnd type="none" w="med" len="med"/>
-            </a:ln>
-          </p:spPr>
-          <p:style>
-            <a:lnRef idx="1">
-              <a:schemeClr val="dk1"/>
-            </a:lnRef>
-            <a:fillRef idx="0">
-              <a:schemeClr val="dk1"/>
-            </a:fillRef>
-            <a:effectRef idx="0">
-              <a:schemeClr val="dk1"/>
-            </a:effectRef>
-            <a:fontRef idx="minor">
-              <a:schemeClr val="tx1"/>
-            </a:fontRef>
-          </p:style>
-        </p:cxnSp>
-      </p:grpSp>
-      <p:grpSp>
-        <p:nvGrpSpPr>
-          <p:cNvPr id="31" name="组合 30">
+          <a:prstGeom prst="line">
+            <a:avLst/>
+          </a:prstGeom>
+          <a:ln w="19050">
+            <a:headEnd type="none" w="med" len="med"/>
+            <a:tailEnd type="none" w="med" len="med"/>
+          </a:ln>
+        </p:spPr>
+        <p:style>
+          <a:lnRef idx="1">
+            <a:schemeClr val="dk1"/>
+          </a:lnRef>
+          <a:fillRef idx="0">
+            <a:schemeClr val="dk1"/>
+          </a:fillRef>
+          <a:effectRef idx="0">
+            <a:schemeClr val="dk1"/>
+          </a:effectRef>
+          <a:fontRef idx="minor">
+            <a:schemeClr val="tx1"/>
+          </a:fontRef>
+        </p:style>
+      </p:cxnSp>
+      <p:sp>
+        <p:nvSpPr>
+          <p:cNvPr id="15" name="矩形: 圆角 14">
             <a:extLst>
               <a:ext uri="{FF2B5EF4-FFF2-40B4-BE49-F238E27FC236}">
-                <a16:creationId xmlns:a16="http://schemas.microsoft.com/office/drawing/2014/main" id="{69EB7722-A7BC-4C3A-B9A0-A9C8A51DD8FF}"/>
+                <a16:creationId xmlns:a16="http://schemas.microsoft.com/office/drawing/2014/main" id="{DDA1ECE4-E683-F17D-DCD6-3904B2890D79}"/>
               </a:ext>
             </a:extLst>
           </p:cNvPr>
-          <p:cNvGrpSpPr/>
+          <p:cNvSpPr/>
           <p:nvPr/>
-        </p:nvGrpSpPr>
-        <p:grpSpPr>
+        </p:nvSpPr>
+        <p:spPr>
           <a:xfrm>
-            <a:off x="5939553" y="2461710"/>
-            <a:ext cx="2781832" cy="3781554"/>
-            <a:chOff x="5517008" y="2229698"/>
-            <a:chExt cx="3347214" cy="3781554"/>
+            <a:off x="3079396" y="2786584"/>
+            <a:ext cx="2442454" cy="1005612"/>
           </a:xfrm>
-        </p:grpSpPr>
-        <p:sp>
-          <p:nvSpPr>
-            <p:cNvPr id="16" name="矩形: 圆角 15">
-              <a:extLst>
-                <a:ext uri="{FF2B5EF4-FFF2-40B4-BE49-F238E27FC236}">
-                  <a16:creationId xmlns:a16="http://schemas.microsoft.com/office/drawing/2014/main" id="{4405A558-2CCC-ABDC-9C7B-70F061EB69F2}"/>
-                </a:ext>
-              </a:extLst>
-            </p:cNvPr>
-            <p:cNvSpPr/>
-            <p:nvPr/>
-          </p:nvSpPr>
-          <p:spPr>
-            <a:xfrm>
-              <a:off x="5517008" y="2229698"/>
-              <a:ext cx="3347214" cy="1005612"/>
-            </a:xfrm>
-            <a:prstGeom prst="roundRect">
-              <a:avLst/>
-            </a:prstGeom>
-          </p:spPr>
-          <p:style>
-            <a:lnRef idx="2">
-              <a:schemeClr val="dk1"/>
-            </a:lnRef>
-            <a:fillRef idx="1">
-              <a:schemeClr val="lt1"/>
-            </a:fillRef>
-            <a:effectRef idx="0">
-              <a:schemeClr val="dk1"/>
-            </a:effectRef>
-            <a:fontRef idx="minor">
-              <a:schemeClr val="dk1"/>
-            </a:fontRef>
-          </p:style>
-          <p:txBody>
-            <a:bodyPr wrap="square" lIns="0" rtlCol="0" anchor="ctr">
-              <a:noAutofit/>
-            </a:bodyPr>
-            <a:lstStyle/>
-            <a:p>
-              <a:r>
-                <a:rPr lang="zh-CN" altLang="en-US" b="1" dirty="0">
-                  <a:solidFill>
-                    <a:srgbClr val="FF0000"/>
-                  </a:solidFill>
-                  <a:latin typeface="微软雅黑" pitchFamily="34" charset="-122"/>
-                  <a:ea typeface="微软雅黑" pitchFamily="34" charset="-122"/>
-                </a:rPr>
-                <a:t>远程仓库上游</a:t>
-              </a:r>
-              <a:endParaRPr lang="en-US" altLang="zh-CN" b="1" dirty="0">
+          <a:prstGeom prst="roundRect">
+            <a:avLst/>
+          </a:prstGeom>
+        </p:spPr>
+        <p:style>
+          <a:lnRef idx="2">
+            <a:schemeClr val="dk1"/>
+          </a:lnRef>
+          <a:fillRef idx="1">
+            <a:schemeClr val="lt1"/>
+          </a:fillRef>
+          <a:effectRef idx="0">
+            <a:schemeClr val="dk1"/>
+          </a:effectRef>
+          <a:fontRef idx="minor">
+            <a:schemeClr val="dk1"/>
+          </a:fontRef>
+        </p:style>
+        <p:txBody>
+          <a:bodyPr wrap="square" lIns="0" rtlCol="0" anchor="ctr">
+            <a:noAutofit/>
+          </a:bodyPr>
+          <a:lstStyle/>
+          <a:p>
+            <a:r>
+              <a:rPr lang="zh-CN" altLang="en-US" b="1" dirty="0">
                 <a:solidFill>
                   <a:srgbClr val="FF0000"/>
                 </a:solidFill>
                 <a:latin typeface="微软雅黑" pitchFamily="34" charset="-122"/>
                 <a:ea typeface="微软雅黑" pitchFamily="34" charset="-122"/>
-              </a:endParaRPr>
-            </a:p>
-            <a:p>
-              <a:r>
-                <a:rPr lang="zh-CN" altLang="en-US" sz="2000" b="1" dirty="0">
-                  <a:solidFill>
-                    <a:schemeClr val="bg2"/>
-                  </a:solidFill>
-                  <a:latin typeface="微软雅黑" pitchFamily="34" charset="-122"/>
-                  <a:ea typeface="微软雅黑" pitchFamily="34" charset="-122"/>
-                </a:rPr>
-                <a:t>（项目发起者）</a:t>
-              </a:r>
-            </a:p>
-          </p:txBody>
-        </p:sp>
-        <p:cxnSp>
-          <p:nvCxnSpPr>
-            <p:cNvPr id="23" name="直接连接符 22">
-              <a:extLst>
-                <a:ext uri="{FF2B5EF4-FFF2-40B4-BE49-F238E27FC236}">
-                  <a16:creationId xmlns:a16="http://schemas.microsoft.com/office/drawing/2014/main" id="{D941F7D8-952F-A4EA-879E-251E9FFA5C08}"/>
-                </a:ext>
-              </a:extLst>
-            </p:cNvPr>
-            <p:cNvCxnSpPr>
-              <a:cxnSpLocks/>
-              <a:stCxn id="16" idx="2"/>
-            </p:cNvCxnSpPr>
-            <p:nvPr/>
-          </p:nvCxnSpPr>
-          <p:spPr bwMode="auto">
-            <a:xfrm>
-              <a:off x="7190615" y="3235310"/>
-              <a:ext cx="0" cy="2775942"/>
-            </a:xfrm>
-            <a:prstGeom prst="line">
-              <a:avLst/>
-            </a:prstGeom>
-            <a:ln w="19050">
-              <a:headEnd type="none" w="med" len="med"/>
-              <a:tailEnd type="none" w="med" len="med"/>
-            </a:ln>
-          </p:spPr>
-          <p:style>
-            <a:lnRef idx="1">
-              <a:schemeClr val="dk1"/>
-            </a:lnRef>
-            <a:fillRef idx="0">
-              <a:schemeClr val="dk1"/>
-            </a:fillRef>
-            <a:effectRef idx="0">
-              <a:schemeClr val="dk1"/>
-            </a:effectRef>
-            <a:fontRef idx="minor">
-              <a:schemeClr val="tx1"/>
-            </a:fontRef>
-          </p:style>
-        </p:cxnSp>
-      </p:grpSp>
+              </a:rPr>
+              <a:t>远程仓库</a:t>
+            </a:r>
+            <a:endParaRPr lang="en-US" altLang="zh-CN" b="1" dirty="0">
+              <a:solidFill>
+                <a:srgbClr val="FF0000"/>
+              </a:solidFill>
+              <a:latin typeface="微软雅黑" pitchFamily="34" charset="-122"/>
+              <a:ea typeface="微软雅黑" pitchFamily="34" charset="-122"/>
+            </a:endParaRPr>
+          </a:p>
+          <a:p>
+            <a:r>
+              <a:rPr lang="zh-CN" altLang="en-US" sz="2000" b="1" dirty="0">
+                <a:solidFill>
+                  <a:schemeClr val="bg2"/>
+                </a:solidFill>
+                <a:latin typeface="微软雅黑" pitchFamily="34" charset="-122"/>
+                <a:ea typeface="微软雅黑" pitchFamily="34" charset="-122"/>
+              </a:rPr>
+              <a:t>（项目参与者）</a:t>
+            </a:r>
+            <a:endParaRPr lang="zh-CN" altLang="en-US" sz="1600" b="1" dirty="0">
+              <a:solidFill>
+                <a:schemeClr val="bg2"/>
+              </a:solidFill>
+              <a:latin typeface="微软雅黑" pitchFamily="34" charset="-122"/>
+              <a:ea typeface="微软雅黑" pitchFamily="34" charset="-122"/>
+            </a:endParaRPr>
+          </a:p>
+        </p:txBody>
+      </p:sp>
+      <p:cxnSp>
+        <p:nvCxnSpPr>
+          <p:cNvPr id="20" name="直接连接符 19">
+            <a:extLst>
+              <a:ext uri="{FF2B5EF4-FFF2-40B4-BE49-F238E27FC236}">
+                <a16:creationId xmlns:a16="http://schemas.microsoft.com/office/drawing/2014/main" id="{F2649E05-74E2-F891-9323-E92E87CE4D82}"/>
+              </a:ext>
+            </a:extLst>
+          </p:cNvPr>
+          <p:cNvCxnSpPr>
+            <a:cxnSpLocks/>
+            <a:stCxn id="15" idx="2"/>
+          </p:cNvCxnSpPr>
+          <p:nvPr/>
+        </p:nvCxnSpPr>
+        <p:spPr bwMode="auto">
+          <a:xfrm>
+            <a:off x="4300623" y="3792196"/>
+            <a:ext cx="1" cy="2837944"/>
+          </a:xfrm>
+          <a:prstGeom prst="line">
+            <a:avLst/>
+          </a:prstGeom>
+          <a:ln w="19050">
+            <a:headEnd type="none" w="med" len="med"/>
+            <a:tailEnd type="none" w="med" len="med"/>
+          </a:ln>
+        </p:spPr>
+        <p:style>
+          <a:lnRef idx="1">
+            <a:schemeClr val="dk1"/>
+          </a:lnRef>
+          <a:fillRef idx="0">
+            <a:schemeClr val="dk1"/>
+          </a:fillRef>
+          <a:effectRef idx="0">
+            <a:schemeClr val="dk1"/>
+          </a:effectRef>
+          <a:fontRef idx="minor">
+            <a:schemeClr val="tx1"/>
+          </a:fontRef>
+        </p:style>
+      </p:cxnSp>
+      <p:sp>
+        <p:nvSpPr>
+          <p:cNvPr id="16" name="矩形: 圆角 15">
+            <a:extLst>
+              <a:ext uri="{FF2B5EF4-FFF2-40B4-BE49-F238E27FC236}">
+                <a16:creationId xmlns:a16="http://schemas.microsoft.com/office/drawing/2014/main" id="{4405A558-2CCC-ABDC-9C7B-70F061EB69F2}"/>
+              </a:ext>
+            </a:extLst>
+          </p:cNvPr>
+          <p:cNvSpPr/>
+          <p:nvPr/>
+        </p:nvSpPr>
+        <p:spPr>
+          <a:xfrm>
+            <a:off x="5939553" y="2779760"/>
+            <a:ext cx="2781832" cy="1005612"/>
+          </a:xfrm>
+          <a:prstGeom prst="roundRect">
+            <a:avLst/>
+          </a:prstGeom>
+        </p:spPr>
+        <p:style>
+          <a:lnRef idx="2">
+            <a:schemeClr val="dk1"/>
+          </a:lnRef>
+          <a:fillRef idx="1">
+            <a:schemeClr val="lt1"/>
+          </a:fillRef>
+          <a:effectRef idx="0">
+            <a:schemeClr val="dk1"/>
+          </a:effectRef>
+          <a:fontRef idx="minor">
+            <a:schemeClr val="dk1"/>
+          </a:fontRef>
+        </p:style>
+        <p:txBody>
+          <a:bodyPr wrap="square" lIns="0" rtlCol="0" anchor="ctr">
+            <a:noAutofit/>
+          </a:bodyPr>
+          <a:lstStyle/>
+          <a:p>
+            <a:r>
+              <a:rPr lang="zh-CN" altLang="en-US" b="1" dirty="0">
+                <a:solidFill>
+                  <a:srgbClr val="FF0000"/>
+                </a:solidFill>
+                <a:latin typeface="微软雅黑" pitchFamily="34" charset="-122"/>
+                <a:ea typeface="微软雅黑" pitchFamily="34" charset="-122"/>
+              </a:rPr>
+              <a:t>远程仓库上游</a:t>
+            </a:r>
+            <a:endParaRPr lang="en-US" altLang="zh-CN" b="1" dirty="0">
+              <a:solidFill>
+                <a:srgbClr val="FF0000"/>
+              </a:solidFill>
+              <a:latin typeface="微软雅黑" pitchFamily="34" charset="-122"/>
+              <a:ea typeface="微软雅黑" pitchFamily="34" charset="-122"/>
+            </a:endParaRPr>
+          </a:p>
+          <a:p>
+            <a:r>
+              <a:rPr lang="zh-CN" altLang="en-US" sz="2000" b="1" dirty="0">
+                <a:solidFill>
+                  <a:schemeClr val="bg2"/>
+                </a:solidFill>
+                <a:latin typeface="微软雅黑" pitchFamily="34" charset="-122"/>
+                <a:ea typeface="微软雅黑" pitchFamily="34" charset="-122"/>
+              </a:rPr>
+              <a:t>（项目发起者）</a:t>
+            </a:r>
+          </a:p>
+        </p:txBody>
+      </p:sp>
+      <p:cxnSp>
+        <p:nvCxnSpPr>
+          <p:cNvPr id="23" name="直接连接符 22">
+            <a:extLst>
+              <a:ext uri="{FF2B5EF4-FFF2-40B4-BE49-F238E27FC236}">
+                <a16:creationId xmlns:a16="http://schemas.microsoft.com/office/drawing/2014/main" id="{D941F7D8-952F-A4EA-879E-251E9FFA5C08}"/>
+              </a:ext>
+            </a:extLst>
+          </p:cNvPr>
+          <p:cNvCxnSpPr>
+            <a:cxnSpLocks/>
+            <a:stCxn id="16" idx="2"/>
+          </p:cNvCxnSpPr>
+          <p:nvPr/>
+        </p:nvCxnSpPr>
+        <p:spPr bwMode="auto">
+          <a:xfrm>
+            <a:off x="7330469" y="3785372"/>
+            <a:ext cx="0" cy="2775942"/>
+          </a:xfrm>
+          <a:prstGeom prst="line">
+            <a:avLst/>
+          </a:prstGeom>
+          <a:ln w="19050">
+            <a:headEnd type="none" w="med" len="med"/>
+            <a:tailEnd type="none" w="med" len="med"/>
+          </a:ln>
+        </p:spPr>
+        <p:style>
+          <a:lnRef idx="1">
+            <a:schemeClr val="dk1"/>
+          </a:lnRef>
+          <a:fillRef idx="0">
+            <a:schemeClr val="dk1"/>
+          </a:fillRef>
+          <a:effectRef idx="0">
+            <a:schemeClr val="dk1"/>
+          </a:effectRef>
+          <a:fontRef idx="minor">
+            <a:schemeClr val="tx1"/>
+          </a:fontRef>
+        </p:style>
+      </p:cxnSp>
       <p:sp>
         <p:nvSpPr>
           <p:cNvPr id="37" name="箭头: 右 36">
@@ -20283,7 +20316,7 @@
         </p:nvSpPr>
         <p:spPr>
           <a:xfrm flipH="1">
-            <a:off x="4400863" y="3883844"/>
+            <a:off x="4400863" y="4201894"/>
             <a:ext cx="2781833" cy="844403"/>
           </a:xfrm>
           <a:prstGeom prst="rightArrow">
@@ -20353,7 +20386,7 @@
         </p:nvSpPr>
         <p:spPr>
           <a:xfrm>
-            <a:off x="1644012" y="4882163"/>
+            <a:off x="1644012" y="5200213"/>
             <a:ext cx="2525712" cy="844403"/>
           </a:xfrm>
           <a:prstGeom prst="rightArrow">
@@ -20426,8 +20459,8 @@
         </p:nvSpPr>
         <p:spPr>
           <a:xfrm>
-            <a:off x="4400862" y="4885900"/>
-            <a:ext cx="2781833" cy="844403"/>
+            <a:off x="4400862" y="5203950"/>
+            <a:ext cx="2851484" cy="844403"/>
           </a:xfrm>
           <a:prstGeom prst="rightArrow">
             <a:avLst/>
@@ -20496,7 +20529,7 @@
         </p:nvSpPr>
         <p:spPr>
           <a:xfrm flipH="1">
-            <a:off x="1644011" y="3893028"/>
+            <a:off x="1644011" y="4211078"/>
             <a:ext cx="2525714" cy="835219"/>
           </a:xfrm>
           <a:prstGeom prst="rightArrow">
@@ -20530,7 +20563,7 @@
                 <a:latin typeface="微软雅黑" pitchFamily="34" charset="-122"/>
                 <a:ea typeface="微软雅黑" pitchFamily="34" charset="-122"/>
               </a:rPr>
-              <a:t>项目下载</a:t>
+              <a:t>代码下载</a:t>
             </a:r>
             <a:r>
               <a:rPr lang="en-US" altLang="zh-CN" sz="1800" b="1" dirty="0">
@@ -20569,7 +20602,7 @@
         </p:nvGrpSpPr>
         <p:grpSpPr>
           <a:xfrm>
-            <a:off x="7408592" y="3568887"/>
+            <a:off x="7408592" y="3886937"/>
             <a:ext cx="1107609" cy="1958455"/>
             <a:chOff x="7456360" y="3568887"/>
             <a:chExt cx="1107609" cy="1958455"/>
@@ -20666,6 +20699,206 @@
           </p:txBody>
         </p:sp>
       </p:grpSp>
+      <p:sp>
+        <p:nvSpPr>
+          <p:cNvPr id="5" name="文本框 4">
+            <a:extLst>
+              <a:ext uri="{FF2B5EF4-FFF2-40B4-BE49-F238E27FC236}">
+                <a16:creationId xmlns:a16="http://schemas.microsoft.com/office/drawing/2014/main" id="{ABC14624-99B9-8A62-23F5-C0E3BDD9AE05}"/>
+              </a:ext>
+            </a:extLst>
+          </p:cNvPr>
+          <p:cNvSpPr txBox="1"/>
+          <p:nvPr/>
+        </p:nvSpPr>
+        <p:spPr>
+          <a:xfrm>
+            <a:off x="4940896" y="2353344"/>
+            <a:ext cx="1577676" cy="400110"/>
+          </a:xfrm>
+          <a:prstGeom prst="rect">
+            <a:avLst/>
+          </a:prstGeom>
+          <a:noFill/>
+        </p:spPr>
+        <p:txBody>
+          <a:bodyPr wrap="none" rtlCol="0">
+            <a:spAutoFit/>
+          </a:bodyPr>
+          <a:lstStyle/>
+          <a:p>
+            <a:r>
+              <a:rPr lang="en-US" altLang="zh-CN" sz="2000" b="1" dirty="0" err="1">
+                <a:solidFill>
+                  <a:schemeClr val="bg2"/>
+                </a:solidFill>
+                <a:latin typeface="+mn-ea"/>
+                <a:ea typeface="+mn-ea"/>
+              </a:rPr>
+              <a:t>Github</a:t>
+            </a:r>
+            <a:r>
+              <a:rPr lang="zh-CN" altLang="en-US" sz="2000" b="1" dirty="0">
+                <a:solidFill>
+                  <a:schemeClr val="bg2"/>
+                </a:solidFill>
+                <a:latin typeface="+mn-ea"/>
+                <a:ea typeface="+mn-ea"/>
+              </a:rPr>
+              <a:t>平台</a:t>
+            </a:r>
+          </a:p>
+        </p:txBody>
+      </p:sp>
+      <p:sp>
+        <p:nvSpPr>
+          <p:cNvPr id="8" name="文本框 7">
+            <a:extLst>
+              <a:ext uri="{FF2B5EF4-FFF2-40B4-BE49-F238E27FC236}">
+                <a16:creationId xmlns:a16="http://schemas.microsoft.com/office/drawing/2014/main" id="{32DAD104-46EB-653A-DA55-D199EE2C5B58}"/>
+              </a:ext>
+            </a:extLst>
+          </p:cNvPr>
+          <p:cNvSpPr txBox="1"/>
+          <p:nvPr/>
+        </p:nvSpPr>
+        <p:spPr>
+          <a:xfrm>
+            <a:off x="965662" y="2346520"/>
+            <a:ext cx="1210588" cy="400110"/>
+          </a:xfrm>
+          <a:prstGeom prst="rect">
+            <a:avLst/>
+          </a:prstGeom>
+          <a:noFill/>
+        </p:spPr>
+        <p:txBody>
+          <a:bodyPr wrap="none" rtlCol="0">
+            <a:spAutoFit/>
+          </a:bodyPr>
+          <a:lstStyle/>
+          <a:p>
+            <a:r>
+              <a:rPr lang="zh-CN" altLang="en-US" sz="2000" b="1" dirty="0">
+                <a:solidFill>
+                  <a:schemeClr val="bg2"/>
+                </a:solidFill>
+                <a:latin typeface="+mn-ea"/>
+                <a:ea typeface="+mn-ea"/>
+              </a:rPr>
+              <a:t>个人电脑</a:t>
+            </a:r>
+          </a:p>
+        </p:txBody>
+      </p:sp>
+      <p:grpSp>
+        <p:nvGrpSpPr>
+          <p:cNvPr id="11" name="组合 10">
+            <a:extLst>
+              <a:ext uri="{FF2B5EF4-FFF2-40B4-BE49-F238E27FC236}">
+                <a16:creationId xmlns:a16="http://schemas.microsoft.com/office/drawing/2014/main" id="{03DDDD7C-3AC7-780E-75D6-7EB27CE37398}"/>
+              </a:ext>
+            </a:extLst>
+          </p:cNvPr>
+          <p:cNvGrpSpPr/>
+          <p:nvPr/>
+        </p:nvGrpSpPr>
+        <p:grpSpPr>
+          <a:xfrm>
+            <a:off x="585847" y="4542662"/>
+            <a:ext cx="886463" cy="1302729"/>
+            <a:chOff x="585847" y="4542662"/>
+            <a:chExt cx="886463" cy="1302729"/>
+          </a:xfrm>
+        </p:grpSpPr>
+        <p:sp>
+          <p:nvSpPr>
+            <p:cNvPr id="9" name="箭头: 手杖形 8">
+              <a:extLst>
+                <a:ext uri="{FF2B5EF4-FFF2-40B4-BE49-F238E27FC236}">
+                  <a16:creationId xmlns:a16="http://schemas.microsoft.com/office/drawing/2014/main" id="{82FB554A-8608-01FF-392B-CD13E937E179}"/>
+                </a:ext>
+              </a:extLst>
+            </p:cNvPr>
+            <p:cNvSpPr/>
+            <p:nvPr/>
+          </p:nvSpPr>
+          <p:spPr>
+            <a:xfrm rot="16200000" flipH="1">
+              <a:off x="382033" y="4755115"/>
+              <a:ext cx="1302729" cy="877824"/>
+            </a:xfrm>
+            <a:prstGeom prst="uturnArrow">
+              <a:avLst>
+                <a:gd name="adj1" fmla="val 37832"/>
+                <a:gd name="adj2" fmla="val 25000"/>
+                <a:gd name="adj3" fmla="val 26510"/>
+                <a:gd name="adj4" fmla="val 43750"/>
+                <a:gd name="adj5" fmla="val 75000"/>
+              </a:avLst>
+            </a:prstGeom>
+            <a:solidFill>
+              <a:schemeClr val="accent6">
+                <a:lumMod val="10000"/>
+              </a:schemeClr>
+            </a:solidFill>
+          </p:spPr>
+          <p:txBody>
+            <a:bodyPr wrap="square" lIns="0" rtlCol="0" anchor="ctr">
+              <a:noAutofit/>
+            </a:bodyPr>
+            <a:lstStyle/>
+            <a:p>
+              <a:pPr algn="l"/>
+              <a:endParaRPr lang="zh-CN" altLang="en-US" b="1" dirty="0">
+                <a:solidFill>
+                  <a:srgbClr val="FF0000"/>
+                </a:solidFill>
+                <a:latin typeface="微软雅黑" pitchFamily="34" charset="-122"/>
+                <a:ea typeface="微软雅黑" pitchFamily="34" charset="-122"/>
+              </a:endParaRPr>
+            </a:p>
+          </p:txBody>
+        </p:sp>
+        <p:sp>
+          <p:nvSpPr>
+            <p:cNvPr id="10" name="文本框 9">
+              <a:extLst>
+                <a:ext uri="{FF2B5EF4-FFF2-40B4-BE49-F238E27FC236}">
+                  <a16:creationId xmlns:a16="http://schemas.microsoft.com/office/drawing/2014/main" id="{51DC01B6-5CDD-D933-860F-F063F4F75C9E}"/>
+                </a:ext>
+              </a:extLst>
+            </p:cNvPr>
+            <p:cNvSpPr txBox="1"/>
+            <p:nvPr/>
+          </p:nvSpPr>
+          <p:spPr>
+            <a:xfrm rot="16200000">
+              <a:off x="213309" y="4988677"/>
+              <a:ext cx="1114408" cy="369332"/>
+            </a:xfrm>
+            <a:prstGeom prst="rect">
+              <a:avLst/>
+            </a:prstGeom>
+            <a:noFill/>
+          </p:spPr>
+          <p:txBody>
+            <a:bodyPr wrap="none" rtlCol="0">
+              <a:spAutoFit/>
+            </a:bodyPr>
+            <a:lstStyle/>
+            <a:p>
+              <a:r>
+                <a:rPr lang="zh-CN" altLang="en-US" sz="1800" b="1" dirty="0">
+                  <a:latin typeface="+mj-ea"/>
+                  <a:ea typeface="+mj-ea"/>
+                </a:rPr>
+                <a:t>编辑修改</a:t>
+              </a:r>
+            </a:p>
+          </p:txBody>
+        </p:sp>
+      </p:grpSp>
     </p:spTree>
     <p:extLst>
       <p:ext uri="{BB962C8B-B14F-4D97-AF65-F5344CB8AC3E}">
@@ -20679,6 +20912,735 @@
   <p:transition>
     <p:fade/>
   </p:transition>
+  <p:timing>
+    <p:tnLst>
+      <p:par>
+        <p:cTn id="1" dur="indefinite" restart="never" nodeType="tmRoot">
+          <p:childTnLst>
+            <p:seq concurrent="1" nextAc="seek">
+              <p:cTn id="2" dur="indefinite" nodeType="mainSeq">
+                <p:childTnLst>
+                  <p:par>
+                    <p:cTn id="3" fill="hold">
+                      <p:stCondLst>
+                        <p:cond delay="indefinite"/>
+                      </p:stCondLst>
+                      <p:childTnLst>
+                        <p:par>
+                          <p:cTn id="4" fill="hold">
+                            <p:stCondLst>
+                              <p:cond delay="0"/>
+                            </p:stCondLst>
+                            <p:childTnLst>
+                              <p:par>
+                                <p:cTn id="5" presetID="10" presetClass="entr" presetSubtype="0" fill="hold" grpId="0" nodeType="clickEffect">
+                                  <p:stCondLst>
+                                    <p:cond delay="0"/>
+                                  </p:stCondLst>
+                                  <p:childTnLst>
+                                    <p:set>
+                                      <p:cBhvr>
+                                        <p:cTn id="6" dur="1" fill="hold">
+                                          <p:stCondLst>
+                                            <p:cond delay="0"/>
+                                          </p:stCondLst>
+                                        </p:cTn>
+                                        <p:tgtEl>
+                                          <p:spTgt spid="4"/>
+                                        </p:tgtEl>
+                                        <p:attrNameLst>
+                                          <p:attrName>style.visibility</p:attrName>
+                                        </p:attrNameLst>
+                                      </p:cBhvr>
+                                      <p:to>
+                                        <p:strVal val="visible"/>
+                                      </p:to>
+                                    </p:set>
+                                    <p:animEffect transition="in" filter="fade">
+                                      <p:cBhvr>
+                                        <p:cTn id="7" dur="1000"/>
+                                        <p:tgtEl>
+                                          <p:spTgt spid="4"/>
+                                        </p:tgtEl>
+                                      </p:cBhvr>
+                                    </p:animEffect>
+                                  </p:childTnLst>
+                                </p:cTn>
+                              </p:par>
+                              <p:par>
+                                <p:cTn id="8" presetID="10" presetClass="entr" presetSubtype="0" fill="hold" grpId="0" nodeType="withEffect">
+                                  <p:stCondLst>
+                                    <p:cond delay="0"/>
+                                  </p:stCondLst>
+                                  <p:childTnLst>
+                                    <p:set>
+                                      <p:cBhvr>
+                                        <p:cTn id="9" dur="1" fill="hold">
+                                          <p:stCondLst>
+                                            <p:cond delay="0"/>
+                                          </p:stCondLst>
+                                        </p:cTn>
+                                        <p:tgtEl>
+                                          <p:spTgt spid="5"/>
+                                        </p:tgtEl>
+                                        <p:attrNameLst>
+                                          <p:attrName>style.visibility</p:attrName>
+                                        </p:attrNameLst>
+                                      </p:cBhvr>
+                                      <p:to>
+                                        <p:strVal val="visible"/>
+                                      </p:to>
+                                    </p:set>
+                                    <p:animEffect transition="in" filter="fade">
+                                      <p:cBhvr>
+                                        <p:cTn id="10" dur="1000"/>
+                                        <p:tgtEl>
+                                          <p:spTgt spid="5"/>
+                                        </p:tgtEl>
+                                      </p:cBhvr>
+                                    </p:animEffect>
+                                  </p:childTnLst>
+                                </p:cTn>
+                              </p:par>
+                              <p:par>
+                                <p:cTn id="11" presetID="10" presetClass="entr" presetSubtype="0" fill="hold" grpId="0" nodeType="withEffect">
+                                  <p:stCondLst>
+                                    <p:cond delay="0"/>
+                                  </p:stCondLst>
+                                  <p:childTnLst>
+                                    <p:set>
+                                      <p:cBhvr>
+                                        <p:cTn id="12" dur="1" fill="hold">
+                                          <p:stCondLst>
+                                            <p:cond delay="0"/>
+                                          </p:stCondLst>
+                                        </p:cTn>
+                                        <p:tgtEl>
+                                          <p:spTgt spid="16"/>
+                                        </p:tgtEl>
+                                        <p:attrNameLst>
+                                          <p:attrName>style.visibility</p:attrName>
+                                        </p:attrNameLst>
+                                      </p:cBhvr>
+                                      <p:to>
+                                        <p:strVal val="visible"/>
+                                      </p:to>
+                                    </p:set>
+                                    <p:animEffect transition="in" filter="fade">
+                                      <p:cBhvr>
+                                        <p:cTn id="13" dur="1000"/>
+                                        <p:tgtEl>
+                                          <p:spTgt spid="16"/>
+                                        </p:tgtEl>
+                                      </p:cBhvr>
+                                    </p:animEffect>
+                                  </p:childTnLst>
+                                </p:cTn>
+                              </p:par>
+                            </p:childTnLst>
+                          </p:cTn>
+                        </p:par>
+                      </p:childTnLst>
+                    </p:cTn>
+                  </p:par>
+                  <p:par>
+                    <p:cTn id="14" fill="hold">
+                      <p:stCondLst>
+                        <p:cond delay="indefinite"/>
+                      </p:stCondLst>
+                      <p:childTnLst>
+                        <p:par>
+                          <p:cTn id="15" fill="hold">
+                            <p:stCondLst>
+                              <p:cond delay="0"/>
+                            </p:stCondLst>
+                            <p:childTnLst>
+                              <p:par>
+                                <p:cTn id="16" presetID="10" presetClass="entr" presetSubtype="0" fill="hold" nodeType="clickEffect">
+                                  <p:stCondLst>
+                                    <p:cond delay="0"/>
+                                  </p:stCondLst>
+                                  <p:childTnLst>
+                                    <p:set>
+                                      <p:cBhvr>
+                                        <p:cTn id="17" dur="1" fill="hold">
+                                          <p:stCondLst>
+                                            <p:cond delay="0"/>
+                                          </p:stCondLst>
+                                        </p:cTn>
+                                        <p:tgtEl>
+                                          <p:spTgt spid="23"/>
+                                        </p:tgtEl>
+                                        <p:attrNameLst>
+                                          <p:attrName>style.visibility</p:attrName>
+                                        </p:attrNameLst>
+                                      </p:cBhvr>
+                                      <p:to>
+                                        <p:strVal val="visible"/>
+                                      </p:to>
+                                    </p:set>
+                                    <p:animEffect transition="in" filter="fade">
+                                      <p:cBhvr>
+                                        <p:cTn id="18" dur="1000"/>
+                                        <p:tgtEl>
+                                          <p:spTgt spid="23"/>
+                                        </p:tgtEl>
+                                      </p:cBhvr>
+                                    </p:animEffect>
+                                  </p:childTnLst>
+                                </p:cTn>
+                              </p:par>
+                              <p:par>
+                                <p:cTn id="19" presetID="10" presetClass="entr" presetSubtype="0" fill="hold" grpId="0" nodeType="withEffect">
+                                  <p:stCondLst>
+                                    <p:cond delay="0"/>
+                                  </p:stCondLst>
+                                  <p:childTnLst>
+                                    <p:set>
+                                      <p:cBhvr>
+                                        <p:cTn id="20" dur="1" fill="hold">
+                                          <p:stCondLst>
+                                            <p:cond delay="0"/>
+                                          </p:stCondLst>
+                                        </p:cTn>
+                                        <p:tgtEl>
+                                          <p:spTgt spid="37"/>
+                                        </p:tgtEl>
+                                        <p:attrNameLst>
+                                          <p:attrName>style.visibility</p:attrName>
+                                        </p:attrNameLst>
+                                      </p:cBhvr>
+                                      <p:to>
+                                        <p:strVal val="visible"/>
+                                      </p:to>
+                                    </p:set>
+                                    <p:animEffect transition="in" filter="fade">
+                                      <p:cBhvr>
+                                        <p:cTn id="21" dur="1000"/>
+                                        <p:tgtEl>
+                                          <p:spTgt spid="37"/>
+                                        </p:tgtEl>
+                                      </p:cBhvr>
+                                    </p:animEffect>
+                                  </p:childTnLst>
+                                </p:cTn>
+                              </p:par>
+                              <p:par>
+                                <p:cTn id="22" presetID="10" presetClass="entr" presetSubtype="0" fill="hold" nodeType="withEffect">
+                                  <p:stCondLst>
+                                    <p:cond delay="0"/>
+                                  </p:stCondLst>
+                                  <p:childTnLst>
+                                    <p:set>
+                                      <p:cBhvr>
+                                        <p:cTn id="23" dur="1" fill="hold">
+                                          <p:stCondLst>
+                                            <p:cond delay="0"/>
+                                          </p:stCondLst>
+                                        </p:cTn>
+                                        <p:tgtEl>
+                                          <p:spTgt spid="20"/>
+                                        </p:tgtEl>
+                                        <p:attrNameLst>
+                                          <p:attrName>style.visibility</p:attrName>
+                                        </p:attrNameLst>
+                                      </p:cBhvr>
+                                      <p:to>
+                                        <p:strVal val="visible"/>
+                                      </p:to>
+                                    </p:set>
+                                    <p:animEffect transition="in" filter="fade">
+                                      <p:cBhvr>
+                                        <p:cTn id="24" dur="1000"/>
+                                        <p:tgtEl>
+                                          <p:spTgt spid="20"/>
+                                        </p:tgtEl>
+                                      </p:cBhvr>
+                                    </p:animEffect>
+                                  </p:childTnLst>
+                                </p:cTn>
+                              </p:par>
+                              <p:par>
+                                <p:cTn id="25" presetID="10" presetClass="entr" presetSubtype="0" fill="hold" grpId="0" nodeType="withEffect">
+                                  <p:stCondLst>
+                                    <p:cond delay="0"/>
+                                  </p:stCondLst>
+                                  <p:childTnLst>
+                                    <p:set>
+                                      <p:cBhvr>
+                                        <p:cTn id="26" dur="1" fill="hold">
+                                          <p:stCondLst>
+                                            <p:cond delay="0"/>
+                                          </p:stCondLst>
+                                        </p:cTn>
+                                        <p:tgtEl>
+                                          <p:spTgt spid="15"/>
+                                        </p:tgtEl>
+                                        <p:attrNameLst>
+                                          <p:attrName>style.visibility</p:attrName>
+                                        </p:attrNameLst>
+                                      </p:cBhvr>
+                                      <p:to>
+                                        <p:strVal val="visible"/>
+                                      </p:to>
+                                    </p:set>
+                                    <p:animEffect transition="in" filter="fade">
+                                      <p:cBhvr>
+                                        <p:cTn id="27" dur="1000"/>
+                                        <p:tgtEl>
+                                          <p:spTgt spid="15"/>
+                                        </p:tgtEl>
+                                      </p:cBhvr>
+                                    </p:animEffect>
+                                  </p:childTnLst>
+                                </p:cTn>
+                              </p:par>
+                            </p:childTnLst>
+                          </p:cTn>
+                        </p:par>
+                      </p:childTnLst>
+                    </p:cTn>
+                  </p:par>
+                  <p:par>
+                    <p:cTn id="28" fill="hold">
+                      <p:stCondLst>
+                        <p:cond delay="indefinite"/>
+                      </p:stCondLst>
+                      <p:childTnLst>
+                        <p:par>
+                          <p:cTn id="29" fill="hold">
+                            <p:stCondLst>
+                              <p:cond delay="0"/>
+                            </p:stCondLst>
+                            <p:childTnLst>
+                              <p:par>
+                                <p:cTn id="30" presetID="10" presetClass="entr" presetSubtype="0" fill="hold" nodeType="clickEffect">
+                                  <p:stCondLst>
+                                    <p:cond delay="0"/>
+                                  </p:stCondLst>
+                                  <p:childTnLst>
+                                    <p:set>
+                                      <p:cBhvr>
+                                        <p:cTn id="31" dur="1" fill="hold">
+                                          <p:stCondLst>
+                                            <p:cond delay="0"/>
+                                          </p:stCondLst>
+                                        </p:cTn>
+                                        <p:tgtEl>
+                                          <p:spTgt spid="19"/>
+                                        </p:tgtEl>
+                                        <p:attrNameLst>
+                                          <p:attrName>style.visibility</p:attrName>
+                                        </p:attrNameLst>
+                                      </p:cBhvr>
+                                      <p:to>
+                                        <p:strVal val="visible"/>
+                                      </p:to>
+                                    </p:set>
+                                    <p:animEffect transition="in" filter="fade">
+                                      <p:cBhvr>
+                                        <p:cTn id="32" dur="500"/>
+                                        <p:tgtEl>
+                                          <p:spTgt spid="19"/>
+                                        </p:tgtEl>
+                                      </p:cBhvr>
+                                    </p:animEffect>
+                                  </p:childTnLst>
+                                </p:cTn>
+                              </p:par>
+                              <p:par>
+                                <p:cTn id="33" presetID="10" presetClass="entr" presetSubtype="0" fill="hold" grpId="0" nodeType="withEffect">
+                                  <p:stCondLst>
+                                    <p:cond delay="0"/>
+                                  </p:stCondLst>
+                                  <p:childTnLst>
+                                    <p:set>
+                                      <p:cBhvr>
+                                        <p:cTn id="34" dur="1" fill="hold">
+                                          <p:stCondLst>
+                                            <p:cond delay="0"/>
+                                          </p:stCondLst>
+                                        </p:cTn>
+                                        <p:tgtEl>
+                                          <p:spTgt spid="28"/>
+                                        </p:tgtEl>
+                                        <p:attrNameLst>
+                                          <p:attrName>style.visibility</p:attrName>
+                                        </p:attrNameLst>
+                                      </p:cBhvr>
+                                      <p:to>
+                                        <p:strVal val="visible"/>
+                                      </p:to>
+                                    </p:set>
+                                    <p:animEffect transition="in" filter="fade">
+                                      <p:cBhvr>
+                                        <p:cTn id="35" dur="500"/>
+                                        <p:tgtEl>
+                                          <p:spTgt spid="28"/>
+                                        </p:tgtEl>
+                                      </p:cBhvr>
+                                    </p:animEffect>
+                                  </p:childTnLst>
+                                </p:cTn>
+                              </p:par>
+                              <p:par>
+                                <p:cTn id="36" presetID="10" presetClass="entr" presetSubtype="0" fill="hold" grpId="0" nodeType="withEffect">
+                                  <p:stCondLst>
+                                    <p:cond delay="0"/>
+                                  </p:stCondLst>
+                                  <p:childTnLst>
+                                    <p:set>
+                                      <p:cBhvr>
+                                        <p:cTn id="37" dur="1" fill="hold">
+                                          <p:stCondLst>
+                                            <p:cond delay="0"/>
+                                          </p:stCondLst>
+                                        </p:cTn>
+                                        <p:tgtEl>
+                                          <p:spTgt spid="14"/>
+                                        </p:tgtEl>
+                                        <p:attrNameLst>
+                                          <p:attrName>style.visibility</p:attrName>
+                                        </p:attrNameLst>
+                                      </p:cBhvr>
+                                      <p:to>
+                                        <p:strVal val="visible"/>
+                                      </p:to>
+                                    </p:set>
+                                    <p:animEffect transition="in" filter="fade">
+                                      <p:cBhvr>
+                                        <p:cTn id="38" dur="500"/>
+                                        <p:tgtEl>
+                                          <p:spTgt spid="14"/>
+                                        </p:tgtEl>
+                                      </p:cBhvr>
+                                    </p:animEffect>
+                                  </p:childTnLst>
+                                </p:cTn>
+                              </p:par>
+                              <p:par>
+                                <p:cTn id="39" presetID="10" presetClass="entr" presetSubtype="0" fill="hold" grpId="0" nodeType="withEffect">
+                                  <p:stCondLst>
+                                    <p:cond delay="0"/>
+                                  </p:stCondLst>
+                                  <p:childTnLst>
+                                    <p:set>
+                                      <p:cBhvr>
+                                        <p:cTn id="40" dur="1" fill="hold">
+                                          <p:stCondLst>
+                                            <p:cond delay="0"/>
+                                          </p:stCondLst>
+                                        </p:cTn>
+                                        <p:tgtEl>
+                                          <p:spTgt spid="8"/>
+                                        </p:tgtEl>
+                                        <p:attrNameLst>
+                                          <p:attrName>style.visibility</p:attrName>
+                                        </p:attrNameLst>
+                                      </p:cBhvr>
+                                      <p:to>
+                                        <p:strVal val="visible"/>
+                                      </p:to>
+                                    </p:set>
+                                    <p:animEffect transition="in" filter="fade">
+                                      <p:cBhvr>
+                                        <p:cTn id="41" dur="1000"/>
+                                        <p:tgtEl>
+                                          <p:spTgt spid="8"/>
+                                        </p:tgtEl>
+                                      </p:cBhvr>
+                                    </p:animEffect>
+                                  </p:childTnLst>
+                                </p:cTn>
+                              </p:par>
+                              <p:par>
+                                <p:cTn id="42" presetID="10" presetClass="entr" presetSubtype="0" fill="hold" grpId="0" nodeType="withEffect">
+                                  <p:stCondLst>
+                                    <p:cond delay="0"/>
+                                  </p:stCondLst>
+                                  <p:childTnLst>
+                                    <p:set>
+                                      <p:cBhvr>
+                                        <p:cTn id="43" dur="1" fill="hold">
+                                          <p:stCondLst>
+                                            <p:cond delay="0"/>
+                                          </p:stCondLst>
+                                        </p:cTn>
+                                        <p:tgtEl>
+                                          <p:spTgt spid="7"/>
+                                        </p:tgtEl>
+                                        <p:attrNameLst>
+                                          <p:attrName>style.visibility</p:attrName>
+                                        </p:attrNameLst>
+                                      </p:cBhvr>
+                                      <p:to>
+                                        <p:strVal val="visible"/>
+                                      </p:to>
+                                    </p:set>
+                                    <p:animEffect transition="in" filter="fade">
+                                      <p:cBhvr>
+                                        <p:cTn id="44" dur="1000"/>
+                                        <p:tgtEl>
+                                          <p:spTgt spid="7"/>
+                                        </p:tgtEl>
+                                      </p:cBhvr>
+                                    </p:animEffect>
+                                  </p:childTnLst>
+                                </p:cTn>
+                              </p:par>
+                            </p:childTnLst>
+                          </p:cTn>
+                        </p:par>
+                      </p:childTnLst>
+                    </p:cTn>
+                  </p:par>
+                  <p:par>
+                    <p:cTn id="45" fill="hold">
+                      <p:stCondLst>
+                        <p:cond delay="indefinite"/>
+                      </p:stCondLst>
+                      <p:childTnLst>
+                        <p:par>
+                          <p:cTn id="46" fill="hold">
+                            <p:stCondLst>
+                              <p:cond delay="0"/>
+                            </p:stCondLst>
+                            <p:childTnLst>
+                              <p:par>
+                                <p:cTn id="47" presetID="10" presetClass="entr" presetSubtype="0" fill="hold" nodeType="clickEffect">
+                                  <p:stCondLst>
+                                    <p:cond delay="0"/>
+                                  </p:stCondLst>
+                                  <p:childTnLst>
+                                    <p:set>
+                                      <p:cBhvr>
+                                        <p:cTn id="48" dur="1" fill="hold">
+                                          <p:stCondLst>
+                                            <p:cond delay="0"/>
+                                          </p:stCondLst>
+                                        </p:cTn>
+                                        <p:tgtEl>
+                                          <p:spTgt spid="11"/>
+                                        </p:tgtEl>
+                                        <p:attrNameLst>
+                                          <p:attrName>style.visibility</p:attrName>
+                                        </p:attrNameLst>
+                                      </p:cBhvr>
+                                      <p:to>
+                                        <p:strVal val="visible"/>
+                                      </p:to>
+                                    </p:set>
+                                    <p:animEffect transition="in" filter="fade">
+                                      <p:cBhvr>
+                                        <p:cTn id="49" dur="1000"/>
+                                        <p:tgtEl>
+                                          <p:spTgt spid="11"/>
+                                        </p:tgtEl>
+                                      </p:cBhvr>
+                                    </p:animEffect>
+                                  </p:childTnLst>
+                                </p:cTn>
+                              </p:par>
+                            </p:childTnLst>
+                          </p:cTn>
+                        </p:par>
+                      </p:childTnLst>
+                    </p:cTn>
+                  </p:par>
+                  <p:par>
+                    <p:cTn id="50" fill="hold">
+                      <p:stCondLst>
+                        <p:cond delay="indefinite"/>
+                      </p:stCondLst>
+                      <p:childTnLst>
+                        <p:par>
+                          <p:cTn id="51" fill="hold">
+                            <p:stCondLst>
+                              <p:cond delay="0"/>
+                            </p:stCondLst>
+                            <p:childTnLst>
+                              <p:par>
+                                <p:cTn id="52" presetID="10" presetClass="entr" presetSubtype="0" fill="hold" grpId="0" nodeType="clickEffect">
+                                  <p:stCondLst>
+                                    <p:cond delay="0"/>
+                                  </p:stCondLst>
+                                  <p:childTnLst>
+                                    <p:set>
+                                      <p:cBhvr>
+                                        <p:cTn id="53" dur="1" fill="hold">
+                                          <p:stCondLst>
+                                            <p:cond delay="0"/>
+                                          </p:stCondLst>
+                                        </p:cTn>
+                                        <p:tgtEl>
+                                          <p:spTgt spid="38"/>
+                                        </p:tgtEl>
+                                        <p:attrNameLst>
+                                          <p:attrName>style.visibility</p:attrName>
+                                        </p:attrNameLst>
+                                      </p:cBhvr>
+                                      <p:to>
+                                        <p:strVal val="visible"/>
+                                      </p:to>
+                                    </p:set>
+                                    <p:animEffect transition="in" filter="fade">
+                                      <p:cBhvr>
+                                        <p:cTn id="54" dur="1000"/>
+                                        <p:tgtEl>
+                                          <p:spTgt spid="38"/>
+                                        </p:tgtEl>
+                                      </p:cBhvr>
+                                    </p:animEffect>
+                                  </p:childTnLst>
+                                </p:cTn>
+                              </p:par>
+                            </p:childTnLst>
+                          </p:cTn>
+                        </p:par>
+                      </p:childTnLst>
+                    </p:cTn>
+                  </p:par>
+                  <p:par>
+                    <p:cTn id="55" fill="hold">
+                      <p:stCondLst>
+                        <p:cond delay="indefinite"/>
+                      </p:stCondLst>
+                      <p:childTnLst>
+                        <p:par>
+                          <p:cTn id="56" fill="hold">
+                            <p:stCondLst>
+                              <p:cond delay="0"/>
+                            </p:stCondLst>
+                            <p:childTnLst>
+                              <p:par>
+                                <p:cTn id="57" presetID="10" presetClass="entr" presetSubtype="0" fill="hold" grpId="0" nodeType="clickEffect">
+                                  <p:stCondLst>
+                                    <p:cond delay="0"/>
+                                  </p:stCondLst>
+                                  <p:childTnLst>
+                                    <p:set>
+                                      <p:cBhvr>
+                                        <p:cTn id="58" dur="1" fill="hold">
+                                          <p:stCondLst>
+                                            <p:cond delay="0"/>
+                                          </p:stCondLst>
+                                        </p:cTn>
+                                        <p:tgtEl>
+                                          <p:spTgt spid="39"/>
+                                        </p:tgtEl>
+                                        <p:attrNameLst>
+                                          <p:attrName>style.visibility</p:attrName>
+                                        </p:attrNameLst>
+                                      </p:cBhvr>
+                                      <p:to>
+                                        <p:strVal val="visible"/>
+                                      </p:to>
+                                    </p:set>
+                                    <p:animEffect transition="in" filter="fade">
+                                      <p:cBhvr>
+                                        <p:cTn id="59" dur="1000"/>
+                                        <p:tgtEl>
+                                          <p:spTgt spid="39"/>
+                                        </p:tgtEl>
+                                      </p:cBhvr>
+                                    </p:animEffect>
+                                  </p:childTnLst>
+                                </p:cTn>
+                              </p:par>
+                            </p:childTnLst>
+                          </p:cTn>
+                        </p:par>
+                      </p:childTnLst>
+                    </p:cTn>
+                  </p:par>
+                  <p:par>
+                    <p:cTn id="60" fill="hold">
+                      <p:stCondLst>
+                        <p:cond delay="indefinite"/>
+                      </p:stCondLst>
+                      <p:childTnLst>
+                        <p:par>
+                          <p:cTn id="61" fill="hold">
+                            <p:stCondLst>
+                              <p:cond delay="0"/>
+                            </p:stCondLst>
+                            <p:childTnLst>
+                              <p:par>
+                                <p:cTn id="62" presetID="10" presetClass="entr" presetSubtype="0" fill="hold" nodeType="clickEffect">
+                                  <p:stCondLst>
+                                    <p:cond delay="0"/>
+                                  </p:stCondLst>
+                                  <p:childTnLst>
+                                    <p:set>
+                                      <p:cBhvr>
+                                        <p:cTn id="63" dur="1" fill="hold">
+                                          <p:stCondLst>
+                                            <p:cond delay="0"/>
+                                          </p:stCondLst>
+                                        </p:cTn>
+                                        <p:tgtEl>
+                                          <p:spTgt spid="41"/>
+                                        </p:tgtEl>
+                                        <p:attrNameLst>
+                                          <p:attrName>style.visibility</p:attrName>
+                                        </p:attrNameLst>
+                                      </p:cBhvr>
+                                      <p:to>
+                                        <p:strVal val="visible"/>
+                                      </p:to>
+                                    </p:set>
+                                    <p:animEffect transition="in" filter="fade">
+                                      <p:cBhvr>
+                                        <p:cTn id="64" dur="1000"/>
+                                        <p:tgtEl>
+                                          <p:spTgt spid="41"/>
+                                        </p:tgtEl>
+                                      </p:cBhvr>
+                                    </p:animEffect>
+                                  </p:childTnLst>
+                                </p:cTn>
+                              </p:par>
+                            </p:childTnLst>
+                          </p:cTn>
+                        </p:par>
+                      </p:childTnLst>
+                    </p:cTn>
+                  </p:par>
+                </p:childTnLst>
+              </p:cTn>
+              <p:prevCondLst>
+                <p:cond evt="onPrev" delay="0">
+                  <p:tgtEl>
+                    <p:sldTgt/>
+                  </p:tgtEl>
+                </p:cond>
+              </p:prevCondLst>
+              <p:nextCondLst>
+                <p:cond evt="onNext" delay="0">
+                  <p:tgtEl>
+                    <p:sldTgt/>
+                  </p:tgtEl>
+                </p:cond>
+              </p:nextCondLst>
+            </p:seq>
+          </p:childTnLst>
+        </p:cTn>
+      </p:par>
+    </p:tnLst>
+    <p:bldLst>
+      <p:bldP spid="7" grpId="0" animBg="1"/>
+      <p:bldP spid="4" grpId="0" animBg="1"/>
+      <p:bldP spid="14" grpId="0" animBg="1"/>
+      <p:bldP spid="15" grpId="0" animBg="1"/>
+      <p:bldP spid="16" grpId="0" animBg="1"/>
+      <p:bldP spid="37" grpId="0" animBg="1"/>
+      <p:bldP spid="38" grpId="0" animBg="1"/>
+      <p:bldP spid="39" grpId="0" animBg="1"/>
+      <p:bldP spid="28" grpId="0" animBg="1"/>
+      <p:bldP spid="5" grpId="0"/>
+      <p:bldP spid="8" grpId="0"/>
+    </p:bldLst>
+  </p:timing>
 </p:sld>
 </file>
 
@@ -21759,6 +22721,257 @@
           <a:chExt cx="0" cy="0"/>
         </a:xfrm>
       </p:grpSpPr>
+      <p:grpSp>
+        <p:nvGrpSpPr>
+          <p:cNvPr id="31" name="组合 30">
+            <a:extLst>
+              <a:ext uri="{FF2B5EF4-FFF2-40B4-BE49-F238E27FC236}">
+                <a16:creationId xmlns:a16="http://schemas.microsoft.com/office/drawing/2014/main" id="{168A2F87-848F-5E51-BAE1-CFD3F7595614}"/>
+              </a:ext>
+            </a:extLst>
+          </p:cNvPr>
+          <p:cNvGrpSpPr/>
+          <p:nvPr/>
+        </p:nvGrpSpPr>
+        <p:grpSpPr>
+          <a:xfrm>
+            <a:off x="129535" y="2057704"/>
+            <a:ext cx="6523504" cy="4306310"/>
+            <a:chOff x="129535" y="2057704"/>
+            <a:chExt cx="6523504" cy="4306310"/>
+          </a:xfrm>
+        </p:grpSpPr>
+        <p:sp>
+          <p:nvSpPr>
+            <p:cNvPr id="9" name="矩形 8">
+              <a:extLst>
+                <a:ext uri="{FF2B5EF4-FFF2-40B4-BE49-F238E27FC236}">
+                  <a16:creationId xmlns:a16="http://schemas.microsoft.com/office/drawing/2014/main" id="{7043112C-8AA1-968D-E27F-3A05584382E7}"/>
+                </a:ext>
+              </a:extLst>
+            </p:cNvPr>
+            <p:cNvSpPr/>
+            <p:nvPr/>
+          </p:nvSpPr>
+          <p:spPr>
+            <a:xfrm>
+              <a:off x="129535" y="2057704"/>
+              <a:ext cx="6523504" cy="1514657"/>
+            </a:xfrm>
+            <a:prstGeom prst="rect">
+              <a:avLst/>
+            </a:prstGeom>
+            <a:solidFill>
+              <a:schemeClr val="accent3">
+                <a:lumMod val="20000"/>
+                <a:lumOff val="80000"/>
+                <a:alpha val="63137"/>
+              </a:schemeClr>
+            </a:solidFill>
+          </p:spPr>
+          <p:txBody>
+            <a:bodyPr wrap="square" lIns="0" rtlCol="0" anchor="ctr">
+              <a:noAutofit/>
+            </a:bodyPr>
+            <a:lstStyle/>
+            <a:p>
+              <a:pPr algn="l"/>
+              <a:endParaRPr lang="zh-CN" altLang="en-US" b="1" dirty="0">
+                <a:solidFill>
+                  <a:srgbClr val="FF0000"/>
+                </a:solidFill>
+                <a:latin typeface="微软雅黑" pitchFamily="34" charset="-122"/>
+                <a:ea typeface="微软雅黑" pitchFamily="34" charset="-122"/>
+              </a:endParaRPr>
+            </a:p>
+          </p:txBody>
+        </p:sp>
+        <p:grpSp>
+          <p:nvGrpSpPr>
+            <p:cNvPr id="22" name="组合 21">
+              <a:extLst>
+                <a:ext uri="{FF2B5EF4-FFF2-40B4-BE49-F238E27FC236}">
+                  <a16:creationId xmlns:a16="http://schemas.microsoft.com/office/drawing/2014/main" id="{A0C5241C-97E0-E1D6-6AD7-BFA694373D50}"/>
+                </a:ext>
+              </a:extLst>
+            </p:cNvPr>
+            <p:cNvGrpSpPr/>
+            <p:nvPr/>
+          </p:nvGrpSpPr>
+          <p:grpSpPr>
+            <a:xfrm>
+              <a:off x="4775975" y="2563751"/>
+              <a:ext cx="1841087" cy="3800263"/>
+              <a:chOff x="4827795" y="2327836"/>
+              <a:chExt cx="1841087" cy="3683416"/>
+            </a:xfrm>
+          </p:grpSpPr>
+          <p:sp>
+            <p:nvSpPr>
+              <p:cNvPr id="16" name="矩形: 圆角 15">
+                <a:extLst>
+                  <a:ext uri="{FF2B5EF4-FFF2-40B4-BE49-F238E27FC236}">
+                    <a16:creationId xmlns:a16="http://schemas.microsoft.com/office/drawing/2014/main" id="{4405A558-2CCC-ABDC-9C7B-70F061EB69F2}"/>
+                  </a:ext>
+                </a:extLst>
+              </p:cNvPr>
+              <p:cNvSpPr/>
+              <p:nvPr/>
+            </p:nvSpPr>
+            <p:spPr>
+              <a:xfrm>
+                <a:off x="4827795" y="2327836"/>
+                <a:ext cx="1841087" cy="854023"/>
+              </a:xfrm>
+              <a:prstGeom prst="roundRect">
+                <a:avLst/>
+              </a:prstGeom>
+            </p:spPr>
+            <p:style>
+              <a:lnRef idx="2">
+                <a:schemeClr val="dk1"/>
+              </a:lnRef>
+              <a:fillRef idx="1">
+                <a:schemeClr val="lt1"/>
+              </a:fillRef>
+              <a:effectRef idx="0">
+                <a:schemeClr val="dk1"/>
+              </a:effectRef>
+              <a:fontRef idx="minor">
+                <a:schemeClr val="dk1"/>
+              </a:fontRef>
+            </p:style>
+            <p:txBody>
+              <a:bodyPr wrap="square" lIns="0" rtlCol="0" anchor="ctr">
+                <a:noAutofit/>
+              </a:bodyPr>
+              <a:lstStyle/>
+              <a:p>
+                <a:r>
+                  <a:rPr lang="zh-CN" altLang="en-US" b="1" dirty="0">
+                    <a:solidFill>
+                      <a:srgbClr val="FF0000"/>
+                    </a:solidFill>
+                    <a:latin typeface="微软雅黑" pitchFamily="34" charset="-122"/>
+                    <a:ea typeface="微软雅黑" pitchFamily="34" charset="-122"/>
+                  </a:rPr>
+                  <a:t>本地仓库</a:t>
+                </a:r>
+                <a:endParaRPr lang="en-US" altLang="zh-CN" b="1" dirty="0">
+                  <a:solidFill>
+                    <a:srgbClr val="FF0000"/>
+                  </a:solidFill>
+                  <a:latin typeface="微软雅黑" pitchFamily="34" charset="-122"/>
+                  <a:ea typeface="微软雅黑" pitchFamily="34" charset="-122"/>
+                </a:endParaRPr>
+              </a:p>
+              <a:p>
+                <a:r>
+                  <a:rPr lang="en-US" altLang="zh-CN" sz="2000" b="1" dirty="0">
+                    <a:solidFill>
+                      <a:schemeClr val="bg2"/>
+                    </a:solidFill>
+                    <a:latin typeface="微软雅黑" pitchFamily="34" charset="-122"/>
+                    <a:ea typeface="微软雅黑" pitchFamily="34" charset="-122"/>
+                  </a:rPr>
+                  <a:t>local repo</a:t>
+                </a:r>
+                <a:endParaRPr lang="zh-CN" altLang="en-US" sz="2000" b="1" dirty="0">
+                  <a:solidFill>
+                    <a:schemeClr val="bg2"/>
+                  </a:solidFill>
+                  <a:latin typeface="微软雅黑" pitchFamily="34" charset="-122"/>
+                  <a:ea typeface="微软雅黑" pitchFamily="34" charset="-122"/>
+                </a:endParaRPr>
+              </a:p>
+            </p:txBody>
+          </p:sp>
+          <p:cxnSp>
+            <p:nvCxnSpPr>
+              <p:cNvPr id="23" name="直接连接符 22">
+                <a:extLst>
+                  <a:ext uri="{FF2B5EF4-FFF2-40B4-BE49-F238E27FC236}">
+                    <a16:creationId xmlns:a16="http://schemas.microsoft.com/office/drawing/2014/main" id="{D941F7D8-952F-A4EA-879E-251E9FFA5C08}"/>
+                  </a:ext>
+                </a:extLst>
+              </p:cNvPr>
+              <p:cNvCxnSpPr>
+                <a:cxnSpLocks/>
+                <a:stCxn id="16" idx="2"/>
+              </p:cNvCxnSpPr>
+              <p:nvPr/>
+            </p:nvCxnSpPr>
+            <p:spPr bwMode="auto">
+              <a:xfrm>
+                <a:off x="5748339" y="3181859"/>
+                <a:ext cx="0" cy="2829393"/>
+              </a:xfrm>
+              <a:prstGeom prst="line">
+                <a:avLst/>
+              </a:prstGeom>
+              <a:ln w="19050">
+                <a:headEnd type="none" w="med" len="med"/>
+                <a:tailEnd type="none" w="med" len="med"/>
+              </a:ln>
+            </p:spPr>
+            <p:style>
+              <a:lnRef idx="1">
+                <a:schemeClr val="dk1"/>
+              </a:lnRef>
+              <a:fillRef idx="0">
+                <a:schemeClr val="dk1"/>
+              </a:fillRef>
+              <a:effectRef idx="0">
+                <a:schemeClr val="dk1"/>
+              </a:effectRef>
+              <a:fontRef idx="minor">
+                <a:schemeClr val="tx1"/>
+              </a:fontRef>
+            </p:style>
+          </p:cxnSp>
+        </p:grpSp>
+        <p:sp>
+          <p:nvSpPr>
+            <p:cNvPr id="11" name="文本框 10">
+              <a:extLst>
+                <a:ext uri="{FF2B5EF4-FFF2-40B4-BE49-F238E27FC236}">
+                  <a16:creationId xmlns:a16="http://schemas.microsoft.com/office/drawing/2014/main" id="{56BED098-3CD2-3EED-B45D-34C68074E3C2}"/>
+                </a:ext>
+              </a:extLst>
+            </p:cNvPr>
+            <p:cNvSpPr txBox="1"/>
+            <p:nvPr/>
+          </p:nvSpPr>
+          <p:spPr>
+            <a:xfrm>
+              <a:off x="129535" y="2094732"/>
+              <a:ext cx="6523503" cy="400110"/>
+            </a:xfrm>
+            <a:prstGeom prst="rect">
+              <a:avLst/>
+            </a:prstGeom>
+            <a:noFill/>
+          </p:spPr>
+          <p:txBody>
+            <a:bodyPr wrap="square" rtlCol="0">
+              <a:spAutoFit/>
+            </a:bodyPr>
+            <a:lstStyle/>
+            <a:p>
+              <a:r>
+                <a:rPr lang="zh-CN" altLang="en-US" sz="2000" b="1" dirty="0">
+                  <a:solidFill>
+                    <a:schemeClr val="bg2"/>
+                  </a:solidFill>
+                  <a:latin typeface="+mn-ea"/>
+                  <a:ea typeface="+mn-ea"/>
+                </a:rPr>
+                <a:t>个人电脑</a:t>
+              </a:r>
+            </a:p>
+          </p:txBody>
+        </p:sp>
+      </p:grpSp>
       <p:sp>
         <p:nvSpPr>
           <p:cNvPr id="3" name="标题 2"/>
@@ -21900,8 +23113,8 @@
         </p:nvSpPr>
         <p:spPr>
           <a:xfrm>
-            <a:off x="474076" y="1555297"/>
-            <a:ext cx="3977274" cy="581057"/>
+            <a:off x="317665" y="1424055"/>
+            <a:ext cx="4996458" cy="581057"/>
           </a:xfrm>
           <a:prstGeom prst="rect">
             <a:avLst/>
@@ -21937,7 +23150,7 @@
                 <a:latin typeface="+mn-ea"/>
                 <a:ea typeface="+mn-ea"/>
               </a:rPr>
-              <a:t>软件工作流程</a:t>
+              <a:t>本地开发流程</a:t>
             </a:r>
             <a:endParaRPr lang="en-US" altLang="zh-CN" b="1" dirty="0">
               <a:solidFill>
@@ -21963,7 +23176,7 @@
         </p:nvSpPr>
         <p:spPr>
           <a:xfrm>
-            <a:off x="474076" y="6148175"/>
+            <a:off x="474076" y="6426467"/>
             <a:ext cx="8022224" cy="400110"/>
           </a:xfrm>
           <a:prstGeom prst="rect">
@@ -22004,7 +23217,7 @@
         </p:nvGrpSpPr>
         <p:grpSpPr>
           <a:xfrm>
-            <a:off x="317665" y="2227694"/>
+            <a:off x="224901" y="2525864"/>
             <a:ext cx="2193762" cy="3838149"/>
             <a:chOff x="130630" y="2291114"/>
             <a:chExt cx="2380797" cy="3720137"/>
@@ -22148,7 +23361,7 @@
         </p:nvGrpSpPr>
         <p:grpSpPr>
           <a:xfrm>
-            <a:off x="2677320" y="2227694"/>
+            <a:off x="2584556" y="2525864"/>
             <a:ext cx="2011361" cy="3838150"/>
             <a:chOff x="2677320" y="2291114"/>
             <a:chExt cx="2011361" cy="3720138"/>
@@ -22271,344 +23484,6 @@
           </p:style>
         </p:cxnSp>
       </p:grpSp>
-      <p:grpSp>
-        <p:nvGrpSpPr>
-          <p:cNvPr id="22" name="组合 21">
-            <a:extLst>
-              <a:ext uri="{FF2B5EF4-FFF2-40B4-BE49-F238E27FC236}">
-                <a16:creationId xmlns:a16="http://schemas.microsoft.com/office/drawing/2014/main" id="{A0C5241C-97E0-E1D6-6AD7-BFA694373D50}"/>
-              </a:ext>
-            </a:extLst>
-          </p:cNvPr>
-          <p:cNvGrpSpPr/>
-          <p:nvPr/>
-        </p:nvGrpSpPr>
-        <p:grpSpPr>
-          <a:xfrm>
-            <a:off x="4868739" y="2265581"/>
-            <a:ext cx="1841087" cy="3800263"/>
-            <a:chOff x="4827795" y="2327836"/>
-            <a:chExt cx="1841087" cy="3683416"/>
-          </a:xfrm>
-        </p:grpSpPr>
-        <p:sp>
-          <p:nvSpPr>
-            <p:cNvPr id="16" name="矩形: 圆角 15">
-              <a:extLst>
-                <a:ext uri="{FF2B5EF4-FFF2-40B4-BE49-F238E27FC236}">
-                  <a16:creationId xmlns:a16="http://schemas.microsoft.com/office/drawing/2014/main" id="{4405A558-2CCC-ABDC-9C7B-70F061EB69F2}"/>
-                </a:ext>
-              </a:extLst>
-            </p:cNvPr>
-            <p:cNvSpPr/>
-            <p:nvPr/>
-          </p:nvSpPr>
-          <p:spPr>
-            <a:xfrm>
-              <a:off x="4827795" y="2327836"/>
-              <a:ext cx="1841087" cy="854023"/>
-            </a:xfrm>
-            <a:prstGeom prst="roundRect">
-              <a:avLst/>
-            </a:prstGeom>
-          </p:spPr>
-          <p:style>
-            <a:lnRef idx="2">
-              <a:schemeClr val="dk1"/>
-            </a:lnRef>
-            <a:fillRef idx="1">
-              <a:schemeClr val="lt1"/>
-            </a:fillRef>
-            <a:effectRef idx="0">
-              <a:schemeClr val="dk1"/>
-            </a:effectRef>
-            <a:fontRef idx="minor">
-              <a:schemeClr val="dk1"/>
-            </a:fontRef>
-          </p:style>
-          <p:txBody>
-            <a:bodyPr wrap="square" lIns="0" rtlCol="0" anchor="ctr">
-              <a:noAutofit/>
-            </a:bodyPr>
-            <a:lstStyle/>
-            <a:p>
-              <a:r>
-                <a:rPr lang="zh-CN" altLang="en-US" b="1" dirty="0">
-                  <a:solidFill>
-                    <a:srgbClr val="FF0000"/>
-                  </a:solidFill>
-                  <a:latin typeface="微软雅黑" pitchFamily="34" charset="-122"/>
-                  <a:ea typeface="微软雅黑" pitchFamily="34" charset="-122"/>
-                </a:rPr>
-                <a:t>本地仓库</a:t>
-              </a:r>
-              <a:endParaRPr lang="en-US" altLang="zh-CN" b="1" dirty="0">
-                <a:solidFill>
-                  <a:srgbClr val="FF0000"/>
-                </a:solidFill>
-                <a:latin typeface="微软雅黑" pitchFamily="34" charset="-122"/>
-                <a:ea typeface="微软雅黑" pitchFamily="34" charset="-122"/>
-              </a:endParaRPr>
-            </a:p>
-            <a:p>
-              <a:r>
-                <a:rPr lang="en-US" altLang="zh-CN" sz="2000" b="1" dirty="0">
-                  <a:solidFill>
-                    <a:schemeClr val="bg2"/>
-                  </a:solidFill>
-                  <a:latin typeface="微软雅黑" pitchFamily="34" charset="-122"/>
-                  <a:ea typeface="微软雅黑" pitchFamily="34" charset="-122"/>
-                </a:rPr>
-                <a:t>local repo</a:t>
-              </a:r>
-              <a:endParaRPr lang="zh-CN" altLang="en-US" sz="2000" b="1" dirty="0">
-                <a:solidFill>
-                  <a:schemeClr val="bg2"/>
-                </a:solidFill>
-                <a:latin typeface="微软雅黑" pitchFamily="34" charset="-122"/>
-                <a:ea typeface="微软雅黑" pitchFamily="34" charset="-122"/>
-              </a:endParaRPr>
-            </a:p>
-          </p:txBody>
-        </p:sp>
-        <p:cxnSp>
-          <p:nvCxnSpPr>
-            <p:cNvPr id="23" name="直接连接符 22">
-              <a:extLst>
-                <a:ext uri="{FF2B5EF4-FFF2-40B4-BE49-F238E27FC236}">
-                  <a16:creationId xmlns:a16="http://schemas.microsoft.com/office/drawing/2014/main" id="{D941F7D8-952F-A4EA-879E-251E9FFA5C08}"/>
-                </a:ext>
-              </a:extLst>
-            </p:cNvPr>
-            <p:cNvCxnSpPr>
-              <a:cxnSpLocks/>
-              <a:stCxn id="16" idx="2"/>
-            </p:cNvCxnSpPr>
-            <p:nvPr/>
-          </p:nvCxnSpPr>
-          <p:spPr bwMode="auto">
-            <a:xfrm>
-              <a:off x="5748339" y="3181859"/>
-              <a:ext cx="0" cy="2829393"/>
-            </a:xfrm>
-            <a:prstGeom prst="line">
-              <a:avLst/>
-            </a:prstGeom>
-            <a:ln w="19050">
-              <a:headEnd type="none" w="med" len="med"/>
-              <a:tailEnd type="none" w="med" len="med"/>
-            </a:ln>
-          </p:spPr>
-          <p:style>
-            <a:lnRef idx="1">
-              <a:schemeClr val="dk1"/>
-            </a:lnRef>
-            <a:fillRef idx="0">
-              <a:schemeClr val="dk1"/>
-            </a:fillRef>
-            <a:effectRef idx="0">
-              <a:schemeClr val="dk1"/>
-            </a:effectRef>
-            <a:fontRef idx="minor">
-              <a:schemeClr val="tx1"/>
-            </a:fontRef>
-          </p:style>
-        </p:cxnSp>
-      </p:grpSp>
-      <p:grpSp>
-        <p:nvGrpSpPr>
-          <p:cNvPr id="4" name="组合 3">
-            <a:extLst>
-              <a:ext uri="{FF2B5EF4-FFF2-40B4-BE49-F238E27FC236}">
-                <a16:creationId xmlns:a16="http://schemas.microsoft.com/office/drawing/2014/main" id="{BC96D347-3825-E488-C552-43AA947E8EB0}"/>
-              </a:ext>
-            </a:extLst>
-          </p:cNvPr>
-          <p:cNvGrpSpPr/>
-          <p:nvPr/>
-        </p:nvGrpSpPr>
-        <p:grpSpPr>
-          <a:xfrm>
-            <a:off x="6863978" y="2265580"/>
-            <a:ext cx="2190336" cy="3800264"/>
-            <a:chOff x="6823034" y="2327835"/>
-            <a:chExt cx="1841087" cy="3611646"/>
-          </a:xfrm>
-        </p:grpSpPr>
-        <p:sp>
-          <p:nvSpPr>
-            <p:cNvPr id="17" name="矩形: 圆角 16">
-              <a:extLst>
-                <a:ext uri="{FF2B5EF4-FFF2-40B4-BE49-F238E27FC236}">
-                  <a16:creationId xmlns:a16="http://schemas.microsoft.com/office/drawing/2014/main" id="{E6BBE3ED-991F-4F0D-94FA-BF8A891EE875}"/>
-                </a:ext>
-              </a:extLst>
-            </p:cNvPr>
-            <p:cNvSpPr/>
-            <p:nvPr/>
-          </p:nvSpPr>
-          <p:spPr>
-            <a:xfrm>
-              <a:off x="6823034" y="2327835"/>
-              <a:ext cx="1841087" cy="854023"/>
-            </a:xfrm>
-            <a:prstGeom prst="roundRect">
-              <a:avLst/>
-            </a:prstGeom>
-          </p:spPr>
-          <p:style>
-            <a:lnRef idx="2">
-              <a:schemeClr val="dk1"/>
-            </a:lnRef>
-            <a:fillRef idx="1">
-              <a:schemeClr val="lt1"/>
-            </a:fillRef>
-            <a:effectRef idx="0">
-              <a:schemeClr val="dk1"/>
-            </a:effectRef>
-            <a:fontRef idx="minor">
-              <a:schemeClr val="dk1"/>
-            </a:fontRef>
-          </p:style>
-          <p:txBody>
-            <a:bodyPr wrap="square" lIns="0" rtlCol="0" anchor="ctr">
-              <a:noAutofit/>
-            </a:bodyPr>
-            <a:lstStyle/>
-            <a:p>
-              <a:r>
-                <a:rPr lang="zh-CN" altLang="en-US" b="1" dirty="0">
-                  <a:solidFill>
-                    <a:srgbClr val="FF0000"/>
-                  </a:solidFill>
-                  <a:latin typeface="微软雅黑" pitchFamily="34" charset="-122"/>
-                  <a:ea typeface="微软雅黑" pitchFamily="34" charset="-122"/>
-                </a:rPr>
-                <a:t>远程仓库</a:t>
-              </a:r>
-              <a:endParaRPr lang="en-US" altLang="zh-CN" b="1" dirty="0">
-                <a:solidFill>
-                  <a:srgbClr val="FF0000"/>
-                </a:solidFill>
-                <a:latin typeface="微软雅黑" pitchFamily="34" charset="-122"/>
-                <a:ea typeface="微软雅黑" pitchFamily="34" charset="-122"/>
-              </a:endParaRPr>
-            </a:p>
-            <a:p>
-              <a:r>
-                <a:rPr lang="en-US" altLang="zh-CN" sz="2000" b="1" dirty="0">
-                  <a:solidFill>
-                    <a:schemeClr val="bg2"/>
-                  </a:solidFill>
-                  <a:latin typeface="微软雅黑" pitchFamily="34" charset="-122"/>
-                  <a:ea typeface="微软雅黑" pitchFamily="34" charset="-122"/>
-                </a:rPr>
-                <a:t>remote repo</a:t>
-              </a:r>
-              <a:endParaRPr lang="zh-CN" altLang="en-US" sz="2000" b="1" dirty="0">
-                <a:solidFill>
-                  <a:schemeClr val="bg2"/>
-                </a:solidFill>
-                <a:latin typeface="微软雅黑" pitchFamily="34" charset="-122"/>
-                <a:ea typeface="微软雅黑" pitchFamily="34" charset="-122"/>
-              </a:endParaRPr>
-            </a:p>
-          </p:txBody>
-        </p:sp>
-        <p:cxnSp>
-          <p:nvCxnSpPr>
-            <p:cNvPr id="26" name="直接连接符 25">
-              <a:extLst>
-                <a:ext uri="{FF2B5EF4-FFF2-40B4-BE49-F238E27FC236}">
-                  <a16:creationId xmlns:a16="http://schemas.microsoft.com/office/drawing/2014/main" id="{69190F03-7B5F-48DF-6807-84A6F3FE94BF}"/>
-                </a:ext>
-              </a:extLst>
-            </p:cNvPr>
-            <p:cNvCxnSpPr>
-              <a:cxnSpLocks/>
-              <a:stCxn id="17" idx="2"/>
-            </p:cNvCxnSpPr>
-            <p:nvPr/>
-          </p:nvCxnSpPr>
-          <p:spPr bwMode="auto">
-            <a:xfrm flipH="1">
-              <a:off x="7743576" y="3181858"/>
-              <a:ext cx="2" cy="2757623"/>
-            </a:xfrm>
-            <a:prstGeom prst="line">
-              <a:avLst/>
-            </a:prstGeom>
-            <a:ln w="19050">
-              <a:headEnd type="none" w="med" len="med"/>
-              <a:tailEnd type="none" w="med" len="med"/>
-            </a:ln>
-          </p:spPr>
-          <p:style>
-            <a:lnRef idx="1">
-              <a:schemeClr val="dk1"/>
-            </a:lnRef>
-            <a:fillRef idx="0">
-              <a:schemeClr val="dk1"/>
-            </a:fillRef>
-            <a:effectRef idx="0">
-              <a:schemeClr val="dk1"/>
-            </a:effectRef>
-            <a:fontRef idx="minor">
-              <a:schemeClr val="tx1"/>
-            </a:fontRef>
-          </p:style>
-        </p:cxnSp>
-      </p:grpSp>
-      <p:sp>
-        <p:nvSpPr>
-          <p:cNvPr id="29" name="箭头: 右 28">
-            <a:extLst>
-              <a:ext uri="{FF2B5EF4-FFF2-40B4-BE49-F238E27FC236}">
-                <a16:creationId xmlns:a16="http://schemas.microsoft.com/office/drawing/2014/main" id="{8A1CB6D4-9755-7357-0B5C-E6CB8CA165C7}"/>
-              </a:ext>
-            </a:extLst>
-          </p:cNvPr>
-          <p:cNvSpPr/>
-          <p:nvPr/>
-        </p:nvSpPr>
-        <p:spPr>
-          <a:xfrm>
-            <a:off x="5978834" y="4722103"/>
-            <a:ext cx="1914960" cy="854022"/>
-          </a:xfrm>
-          <a:prstGeom prst="rightArrow">
-            <a:avLst/>
-          </a:prstGeom>
-          <a:solidFill>
-            <a:schemeClr val="accent6"/>
-          </a:solidFill>
-        </p:spPr>
-        <p:txBody>
-          <a:bodyPr wrap="square" lIns="0" rtlCol="0" anchor="ctr">
-            <a:noAutofit/>
-          </a:bodyPr>
-          <a:lstStyle/>
-          <a:p>
-            <a:r>
-              <a:rPr lang="en-US" altLang="zh-CN" sz="1800" b="1" dirty="0">
-                <a:solidFill>
-                  <a:srgbClr val="002060"/>
-                </a:solidFill>
-                <a:latin typeface="微软雅黑" pitchFamily="34" charset="-122"/>
-                <a:ea typeface="微软雅黑" pitchFamily="34" charset="-122"/>
-              </a:rPr>
-              <a:t>Git push</a:t>
-            </a:r>
-            <a:endParaRPr lang="zh-CN" altLang="en-US" sz="1800" b="1" dirty="0">
-              <a:solidFill>
-                <a:srgbClr val="002060"/>
-              </a:solidFill>
-              <a:latin typeface="微软雅黑" pitchFamily="34" charset="-122"/>
-              <a:ea typeface="微软雅黑" pitchFamily="34" charset="-122"/>
-            </a:endParaRPr>
-          </a:p>
-        </p:txBody>
-      </p:sp>
       <p:sp>
         <p:nvSpPr>
           <p:cNvPr id="30" name="箭头: 右 29">
@@ -22623,7 +23498,7 @@
         </p:nvSpPr>
         <p:spPr>
           <a:xfrm flipH="1">
-            <a:off x="5926009" y="3578828"/>
+            <a:off x="5833245" y="3876998"/>
             <a:ext cx="1914960" cy="854022"/>
           </a:xfrm>
           <a:prstGeom prst="rightArrow">
@@ -22673,7 +23548,7 @@
         </p:nvSpPr>
         <p:spPr>
           <a:xfrm flipH="1">
-            <a:off x="1512136" y="3580561"/>
+            <a:off x="1419372" y="3878731"/>
             <a:ext cx="3977273" cy="854022"/>
           </a:xfrm>
           <a:prstGeom prst="rightArrow">
@@ -22723,7 +23598,7 @@
         </p:nvSpPr>
         <p:spPr>
           <a:xfrm>
-            <a:off x="1615467" y="4684880"/>
+            <a:off x="1522703" y="4983050"/>
             <a:ext cx="1990457" cy="854022"/>
           </a:xfrm>
           <a:prstGeom prst="rightArrow">
@@ -22773,7 +23648,7 @@
         </p:nvSpPr>
         <p:spPr>
           <a:xfrm>
-            <a:off x="3756298" y="4684880"/>
+            <a:off x="3663534" y="4983050"/>
             <a:ext cx="1921940" cy="854022"/>
           </a:xfrm>
           <a:prstGeom prst="rightArrow">
@@ -22809,6 +23684,385 @@
           </a:p>
         </p:txBody>
       </p:sp>
+      <p:grpSp>
+        <p:nvGrpSpPr>
+          <p:cNvPr id="13" name="组合 12">
+            <a:extLst>
+              <a:ext uri="{FF2B5EF4-FFF2-40B4-BE49-F238E27FC236}">
+                <a16:creationId xmlns:a16="http://schemas.microsoft.com/office/drawing/2014/main" id="{950F9A58-EDC8-C622-D677-48E0E2CB02B5}"/>
+              </a:ext>
+            </a:extLst>
+          </p:cNvPr>
+          <p:cNvGrpSpPr/>
+          <p:nvPr/>
+        </p:nvGrpSpPr>
+        <p:grpSpPr>
+          <a:xfrm>
+            <a:off x="6689691" y="2096660"/>
+            <a:ext cx="2353377" cy="4267354"/>
+            <a:chOff x="6689691" y="2096660"/>
+            <a:chExt cx="2353377" cy="4267354"/>
+          </a:xfrm>
+        </p:grpSpPr>
+        <p:sp>
+          <p:nvSpPr>
+            <p:cNvPr id="5" name="矩形 4">
+              <a:extLst>
+                <a:ext uri="{FF2B5EF4-FFF2-40B4-BE49-F238E27FC236}">
+                  <a16:creationId xmlns:a16="http://schemas.microsoft.com/office/drawing/2014/main" id="{C1A6ABC2-64F7-5D69-2E64-383506D964D8}"/>
+                </a:ext>
+              </a:extLst>
+            </p:cNvPr>
+            <p:cNvSpPr/>
+            <p:nvPr/>
+          </p:nvSpPr>
+          <p:spPr>
+            <a:xfrm>
+              <a:off x="6689691" y="2096660"/>
+              <a:ext cx="2353377" cy="1475701"/>
+            </a:xfrm>
+            <a:prstGeom prst="rect">
+              <a:avLst/>
+            </a:prstGeom>
+            <a:solidFill>
+              <a:srgbClr val="C3E8CC">
+                <a:alpha val="63137"/>
+              </a:srgbClr>
+            </a:solidFill>
+          </p:spPr>
+          <p:txBody>
+            <a:bodyPr wrap="square" lIns="0" rtlCol="0" anchor="ctr">
+              <a:noAutofit/>
+            </a:bodyPr>
+            <a:lstStyle/>
+            <a:p>
+              <a:pPr algn="l"/>
+              <a:endParaRPr lang="zh-CN" altLang="en-US" b="1" dirty="0">
+                <a:solidFill>
+                  <a:srgbClr val="FF0000"/>
+                </a:solidFill>
+                <a:latin typeface="微软雅黑" pitchFamily="34" charset="-122"/>
+                <a:ea typeface="微软雅黑" pitchFamily="34" charset="-122"/>
+              </a:endParaRPr>
+            </a:p>
+          </p:txBody>
+        </p:sp>
+        <p:grpSp>
+          <p:nvGrpSpPr>
+            <p:cNvPr id="4" name="组合 3">
+              <a:extLst>
+                <a:ext uri="{FF2B5EF4-FFF2-40B4-BE49-F238E27FC236}">
+                  <a16:creationId xmlns:a16="http://schemas.microsoft.com/office/drawing/2014/main" id="{BC96D347-3825-E488-C552-43AA947E8EB0}"/>
+                </a:ext>
+              </a:extLst>
+            </p:cNvPr>
+            <p:cNvGrpSpPr/>
+            <p:nvPr/>
+          </p:nvGrpSpPr>
+          <p:grpSpPr>
+            <a:xfrm>
+              <a:off x="6771214" y="2563750"/>
+              <a:ext cx="2190336" cy="3800264"/>
+              <a:chOff x="6823034" y="2327835"/>
+              <a:chExt cx="1841087" cy="3611646"/>
+            </a:xfrm>
+          </p:grpSpPr>
+          <p:sp>
+            <p:nvSpPr>
+              <p:cNvPr id="17" name="矩形: 圆角 16">
+                <a:extLst>
+                  <a:ext uri="{FF2B5EF4-FFF2-40B4-BE49-F238E27FC236}">
+                    <a16:creationId xmlns:a16="http://schemas.microsoft.com/office/drawing/2014/main" id="{E6BBE3ED-991F-4F0D-94FA-BF8A891EE875}"/>
+                  </a:ext>
+                </a:extLst>
+              </p:cNvPr>
+              <p:cNvSpPr/>
+              <p:nvPr/>
+            </p:nvSpPr>
+            <p:spPr>
+              <a:xfrm>
+                <a:off x="6823034" y="2327835"/>
+                <a:ext cx="1841087" cy="854023"/>
+              </a:xfrm>
+              <a:prstGeom prst="roundRect">
+                <a:avLst/>
+              </a:prstGeom>
+            </p:spPr>
+            <p:style>
+              <a:lnRef idx="2">
+                <a:schemeClr val="dk1"/>
+              </a:lnRef>
+              <a:fillRef idx="1">
+                <a:schemeClr val="lt1"/>
+              </a:fillRef>
+              <a:effectRef idx="0">
+                <a:schemeClr val="dk1"/>
+              </a:effectRef>
+              <a:fontRef idx="minor">
+                <a:schemeClr val="dk1"/>
+              </a:fontRef>
+            </p:style>
+            <p:txBody>
+              <a:bodyPr wrap="square" lIns="0" rtlCol="0" anchor="ctr">
+                <a:noAutofit/>
+              </a:bodyPr>
+              <a:lstStyle/>
+              <a:p>
+                <a:r>
+                  <a:rPr lang="zh-CN" altLang="en-US" b="1" dirty="0">
+                    <a:solidFill>
+                      <a:srgbClr val="FF0000"/>
+                    </a:solidFill>
+                    <a:latin typeface="微软雅黑" pitchFamily="34" charset="-122"/>
+                    <a:ea typeface="微软雅黑" pitchFamily="34" charset="-122"/>
+                  </a:rPr>
+                  <a:t>远程仓库</a:t>
+                </a:r>
+                <a:endParaRPr lang="en-US" altLang="zh-CN" b="1" dirty="0">
+                  <a:solidFill>
+                    <a:srgbClr val="FF0000"/>
+                  </a:solidFill>
+                  <a:latin typeface="微软雅黑" pitchFamily="34" charset="-122"/>
+                  <a:ea typeface="微软雅黑" pitchFamily="34" charset="-122"/>
+                </a:endParaRPr>
+              </a:p>
+              <a:p>
+                <a:r>
+                  <a:rPr lang="en-US" altLang="zh-CN" sz="2000" b="1" dirty="0">
+                    <a:solidFill>
+                      <a:schemeClr val="bg2"/>
+                    </a:solidFill>
+                    <a:latin typeface="微软雅黑" pitchFamily="34" charset="-122"/>
+                    <a:ea typeface="微软雅黑" pitchFamily="34" charset="-122"/>
+                  </a:rPr>
+                  <a:t>remote repo</a:t>
+                </a:r>
+                <a:endParaRPr lang="zh-CN" altLang="en-US" sz="2000" b="1" dirty="0">
+                  <a:solidFill>
+                    <a:schemeClr val="bg2"/>
+                  </a:solidFill>
+                  <a:latin typeface="微软雅黑" pitchFamily="34" charset="-122"/>
+                  <a:ea typeface="微软雅黑" pitchFamily="34" charset="-122"/>
+                </a:endParaRPr>
+              </a:p>
+            </p:txBody>
+          </p:sp>
+          <p:cxnSp>
+            <p:nvCxnSpPr>
+              <p:cNvPr id="26" name="直接连接符 25">
+                <a:extLst>
+                  <a:ext uri="{FF2B5EF4-FFF2-40B4-BE49-F238E27FC236}">
+                    <a16:creationId xmlns:a16="http://schemas.microsoft.com/office/drawing/2014/main" id="{69190F03-7B5F-48DF-6807-84A6F3FE94BF}"/>
+                  </a:ext>
+                </a:extLst>
+              </p:cNvPr>
+              <p:cNvCxnSpPr>
+                <a:cxnSpLocks/>
+                <a:stCxn id="17" idx="2"/>
+              </p:cNvCxnSpPr>
+              <p:nvPr/>
+            </p:nvCxnSpPr>
+            <p:spPr bwMode="auto">
+              <a:xfrm flipH="1">
+                <a:off x="7743576" y="3181858"/>
+                <a:ext cx="2" cy="2757623"/>
+              </a:xfrm>
+              <a:prstGeom prst="line">
+                <a:avLst/>
+              </a:prstGeom>
+              <a:ln w="19050">
+                <a:headEnd type="none" w="med" len="med"/>
+                <a:tailEnd type="none" w="med" len="med"/>
+              </a:ln>
+            </p:spPr>
+            <p:style>
+              <a:lnRef idx="1">
+                <a:schemeClr val="dk1"/>
+              </a:lnRef>
+              <a:fillRef idx="0">
+                <a:schemeClr val="dk1"/>
+              </a:fillRef>
+              <a:effectRef idx="0">
+                <a:schemeClr val="dk1"/>
+              </a:effectRef>
+              <a:fontRef idx="minor">
+                <a:schemeClr val="tx1"/>
+              </a:fontRef>
+            </p:style>
+          </p:cxnSp>
+        </p:grpSp>
+        <p:sp>
+          <p:nvSpPr>
+            <p:cNvPr id="8" name="文本框 7">
+              <a:extLst>
+                <a:ext uri="{FF2B5EF4-FFF2-40B4-BE49-F238E27FC236}">
+                  <a16:creationId xmlns:a16="http://schemas.microsoft.com/office/drawing/2014/main" id="{D36F47CF-4B93-6B94-811E-4AC03E70DCAE}"/>
+                </a:ext>
+              </a:extLst>
+            </p:cNvPr>
+            <p:cNvSpPr txBox="1"/>
+            <p:nvPr/>
+          </p:nvSpPr>
+          <p:spPr>
+            <a:xfrm>
+              <a:off x="6689691" y="2156899"/>
+              <a:ext cx="2353377" cy="400110"/>
+            </a:xfrm>
+            <a:prstGeom prst="rect">
+              <a:avLst/>
+            </a:prstGeom>
+            <a:noFill/>
+          </p:spPr>
+          <p:txBody>
+            <a:bodyPr wrap="square">
+              <a:spAutoFit/>
+            </a:bodyPr>
+            <a:lstStyle/>
+            <a:p>
+              <a:r>
+                <a:rPr lang="en-US" altLang="zh-CN" sz="2000" b="1" dirty="0" err="1">
+                  <a:solidFill>
+                    <a:schemeClr val="bg2"/>
+                  </a:solidFill>
+                  <a:latin typeface="+mn-ea"/>
+                  <a:ea typeface="+mn-ea"/>
+                </a:rPr>
+                <a:t>Github</a:t>
+              </a:r>
+              <a:r>
+                <a:rPr lang="zh-CN" altLang="en-US" sz="2000" b="1" dirty="0">
+                  <a:solidFill>
+                    <a:schemeClr val="bg2"/>
+                  </a:solidFill>
+                  <a:latin typeface="+mn-ea"/>
+                  <a:ea typeface="+mn-ea"/>
+                </a:rPr>
+                <a:t>平台</a:t>
+              </a:r>
+            </a:p>
+          </p:txBody>
+        </p:sp>
+      </p:grpSp>
+      <p:grpSp>
+        <p:nvGrpSpPr>
+          <p:cNvPr id="28" name="组合 27">
+            <a:extLst>
+              <a:ext uri="{FF2B5EF4-FFF2-40B4-BE49-F238E27FC236}">
+                <a16:creationId xmlns:a16="http://schemas.microsoft.com/office/drawing/2014/main" id="{ED197750-840E-1636-DE84-CF100E6D57D9}"/>
+              </a:ext>
+            </a:extLst>
+          </p:cNvPr>
+          <p:cNvGrpSpPr/>
+          <p:nvPr/>
+        </p:nvGrpSpPr>
+        <p:grpSpPr>
+          <a:xfrm>
+            <a:off x="5885346" y="3691428"/>
+            <a:ext cx="2923258" cy="1940746"/>
+            <a:chOff x="5885346" y="3691428"/>
+            <a:chExt cx="2923258" cy="1940746"/>
+          </a:xfrm>
+        </p:grpSpPr>
+        <p:sp>
+          <p:nvSpPr>
+            <p:cNvPr id="24" name="箭头: 圆角右 23">
+              <a:extLst>
+                <a:ext uri="{FF2B5EF4-FFF2-40B4-BE49-F238E27FC236}">
+                  <a16:creationId xmlns:a16="http://schemas.microsoft.com/office/drawing/2014/main" id="{E461731D-D0AC-3F4E-2603-1338658B12E2}"/>
+                </a:ext>
+              </a:extLst>
+            </p:cNvPr>
+            <p:cNvSpPr/>
+            <p:nvPr/>
+          </p:nvSpPr>
+          <p:spPr>
+            <a:xfrm rot="5400000" flipH="1">
+              <a:off x="6376602" y="3200172"/>
+              <a:ext cx="1940746" cy="2923258"/>
+            </a:xfrm>
+            <a:prstGeom prst="bentArrow">
+              <a:avLst>
+                <a:gd name="adj1" fmla="val 19889"/>
+                <a:gd name="adj2" fmla="val 20982"/>
+                <a:gd name="adj3" fmla="val 25000"/>
+                <a:gd name="adj4" fmla="val 43750"/>
+              </a:avLst>
+            </a:prstGeom>
+            <a:solidFill>
+              <a:schemeClr val="accent6"/>
+            </a:solidFill>
+            <a:ln>
+              <a:solidFill>
+                <a:schemeClr val="accent6"/>
+              </a:solidFill>
+            </a:ln>
+          </p:spPr>
+          <p:txBody>
+            <a:bodyPr wrap="square" lIns="0" rtlCol="0" anchor="ctr">
+              <a:noAutofit/>
+            </a:bodyPr>
+            <a:lstStyle/>
+            <a:p>
+              <a:pPr algn="l"/>
+              <a:endParaRPr lang="zh-CN" altLang="en-US" b="1" dirty="0">
+                <a:solidFill>
+                  <a:srgbClr val="FF0000"/>
+                </a:solidFill>
+                <a:latin typeface="微软雅黑" pitchFamily="34" charset="-122"/>
+                <a:ea typeface="微软雅黑" pitchFamily="34" charset="-122"/>
+              </a:endParaRPr>
+            </a:p>
+          </p:txBody>
+        </p:sp>
+        <p:sp>
+          <p:nvSpPr>
+            <p:cNvPr id="27" name="文本框 26">
+              <a:extLst>
+                <a:ext uri="{FF2B5EF4-FFF2-40B4-BE49-F238E27FC236}">
+                  <a16:creationId xmlns:a16="http://schemas.microsoft.com/office/drawing/2014/main" id="{587513EA-58CF-B9F1-6679-B6D74C6C7079}"/>
+                </a:ext>
+              </a:extLst>
+            </p:cNvPr>
+            <p:cNvSpPr txBox="1"/>
+            <p:nvPr/>
+          </p:nvSpPr>
+          <p:spPr>
+            <a:xfrm>
+              <a:off x="6440556" y="5250059"/>
+              <a:ext cx="1652399" cy="369332"/>
+            </a:xfrm>
+            <a:prstGeom prst="rect">
+              <a:avLst/>
+            </a:prstGeom>
+            <a:noFill/>
+          </p:spPr>
+          <p:txBody>
+            <a:bodyPr wrap="square">
+              <a:spAutoFit/>
+            </a:bodyPr>
+            <a:lstStyle/>
+            <a:p>
+              <a:r>
+                <a:rPr lang="en-US" altLang="zh-CN" sz="1800" b="1" dirty="0">
+                  <a:solidFill>
+                    <a:srgbClr val="002060"/>
+                  </a:solidFill>
+                  <a:latin typeface="微软雅黑" pitchFamily="34" charset="-122"/>
+                  <a:ea typeface="微软雅黑" pitchFamily="34" charset="-122"/>
+                </a:rPr>
+                <a:t>Git push</a:t>
+              </a:r>
+              <a:endParaRPr lang="zh-CN" altLang="en-US" sz="1800" b="1" dirty="0">
+                <a:solidFill>
+                  <a:srgbClr val="002060"/>
+                </a:solidFill>
+                <a:latin typeface="微软雅黑" pitchFamily="34" charset="-122"/>
+                <a:ea typeface="微软雅黑" pitchFamily="34" charset="-122"/>
+              </a:endParaRPr>
+            </a:p>
+          </p:txBody>
+        </p:sp>
+      </p:grpSp>
     </p:spTree>
     <p:extLst>
       <p:ext uri="{BB962C8B-B14F-4D97-AF65-F5344CB8AC3E}">
@@ -22822,6 +24076,465 @@
   <p:transition>
     <p:fade/>
   </p:transition>
+  <p:timing>
+    <p:tnLst>
+      <p:par>
+        <p:cTn id="1" dur="indefinite" restart="never" nodeType="tmRoot">
+          <p:childTnLst>
+            <p:seq concurrent="1" nextAc="seek">
+              <p:cTn id="2" dur="indefinite" nodeType="mainSeq">
+                <p:childTnLst>
+                  <p:par>
+                    <p:cTn id="3" fill="hold">
+                      <p:stCondLst>
+                        <p:cond delay="indefinite"/>
+                      </p:stCondLst>
+                      <p:childTnLst>
+                        <p:par>
+                          <p:cTn id="4" fill="hold">
+                            <p:stCondLst>
+                              <p:cond delay="0"/>
+                            </p:stCondLst>
+                            <p:childTnLst>
+                              <p:par>
+                                <p:cTn id="5" presetID="10" presetClass="entr" presetSubtype="0" fill="hold" nodeType="clickEffect">
+                                  <p:stCondLst>
+                                    <p:cond delay="0"/>
+                                  </p:stCondLst>
+                                  <p:childTnLst>
+                                    <p:set>
+                                      <p:cBhvr>
+                                        <p:cTn id="6" dur="1" fill="hold">
+                                          <p:stCondLst>
+                                            <p:cond delay="0"/>
+                                          </p:stCondLst>
+                                        </p:cTn>
+                                        <p:tgtEl>
+                                          <p:spTgt spid="13"/>
+                                        </p:tgtEl>
+                                        <p:attrNameLst>
+                                          <p:attrName>style.visibility</p:attrName>
+                                        </p:attrNameLst>
+                                      </p:cBhvr>
+                                      <p:to>
+                                        <p:strVal val="visible"/>
+                                      </p:to>
+                                    </p:set>
+                                    <p:animEffect transition="in" filter="fade">
+                                      <p:cBhvr>
+                                        <p:cTn id="7" dur="1000"/>
+                                        <p:tgtEl>
+                                          <p:spTgt spid="13"/>
+                                        </p:tgtEl>
+                                      </p:cBhvr>
+                                    </p:animEffect>
+                                  </p:childTnLst>
+                                </p:cTn>
+                              </p:par>
+                            </p:childTnLst>
+                          </p:cTn>
+                        </p:par>
+                      </p:childTnLst>
+                    </p:cTn>
+                  </p:par>
+                  <p:par>
+                    <p:cTn id="8" fill="hold">
+                      <p:stCondLst>
+                        <p:cond delay="indefinite"/>
+                      </p:stCondLst>
+                      <p:childTnLst>
+                        <p:par>
+                          <p:cTn id="9" fill="hold">
+                            <p:stCondLst>
+                              <p:cond delay="0"/>
+                            </p:stCondLst>
+                            <p:childTnLst>
+                              <p:par>
+                                <p:cTn id="10" presetID="10" presetClass="entr" presetSubtype="0" fill="hold" grpId="0" nodeType="clickEffect">
+                                  <p:stCondLst>
+                                    <p:cond delay="0"/>
+                                  </p:stCondLst>
+                                  <p:childTnLst>
+                                    <p:set>
+                                      <p:cBhvr>
+                                        <p:cTn id="11" dur="1" fill="hold">
+                                          <p:stCondLst>
+                                            <p:cond delay="0"/>
+                                          </p:stCondLst>
+                                        </p:cTn>
+                                        <p:tgtEl>
+                                          <p:spTgt spid="30"/>
+                                        </p:tgtEl>
+                                        <p:attrNameLst>
+                                          <p:attrName>style.visibility</p:attrName>
+                                        </p:attrNameLst>
+                                      </p:cBhvr>
+                                      <p:to>
+                                        <p:strVal val="visible"/>
+                                      </p:to>
+                                    </p:set>
+                                    <p:animEffect transition="in" filter="fade">
+                                      <p:cBhvr>
+                                        <p:cTn id="12" dur="500"/>
+                                        <p:tgtEl>
+                                          <p:spTgt spid="30"/>
+                                        </p:tgtEl>
+                                      </p:cBhvr>
+                                    </p:animEffect>
+                                  </p:childTnLst>
+                                </p:cTn>
+                              </p:par>
+                              <p:par>
+                                <p:cTn id="13" presetID="10" presetClass="entr" presetSubtype="0" fill="hold" nodeType="withEffect">
+                                  <p:stCondLst>
+                                    <p:cond delay="0"/>
+                                  </p:stCondLst>
+                                  <p:childTnLst>
+                                    <p:set>
+                                      <p:cBhvr>
+                                        <p:cTn id="14" dur="1" fill="hold">
+                                          <p:stCondLst>
+                                            <p:cond delay="0"/>
+                                          </p:stCondLst>
+                                        </p:cTn>
+                                        <p:tgtEl>
+                                          <p:spTgt spid="31"/>
+                                        </p:tgtEl>
+                                        <p:attrNameLst>
+                                          <p:attrName>style.visibility</p:attrName>
+                                        </p:attrNameLst>
+                                      </p:cBhvr>
+                                      <p:to>
+                                        <p:strVal val="visible"/>
+                                      </p:to>
+                                    </p:set>
+                                    <p:animEffect transition="in" filter="fade">
+                                      <p:cBhvr>
+                                        <p:cTn id="15" dur="1000"/>
+                                        <p:tgtEl>
+                                          <p:spTgt spid="31"/>
+                                        </p:tgtEl>
+                                      </p:cBhvr>
+                                    </p:animEffect>
+                                  </p:childTnLst>
+                                </p:cTn>
+                              </p:par>
+                            </p:childTnLst>
+                          </p:cTn>
+                        </p:par>
+                      </p:childTnLst>
+                    </p:cTn>
+                  </p:par>
+                  <p:par>
+                    <p:cTn id="16" fill="hold">
+                      <p:stCondLst>
+                        <p:cond delay="indefinite"/>
+                      </p:stCondLst>
+                      <p:childTnLst>
+                        <p:par>
+                          <p:cTn id="17" fill="hold">
+                            <p:stCondLst>
+                              <p:cond delay="0"/>
+                            </p:stCondLst>
+                            <p:childTnLst>
+                              <p:par>
+                                <p:cTn id="18" presetID="10" presetClass="entr" presetSubtype="0" fill="hold" grpId="0" nodeType="clickEffect">
+                                  <p:stCondLst>
+                                    <p:cond delay="0"/>
+                                  </p:stCondLst>
+                                  <p:childTnLst>
+                                    <p:set>
+                                      <p:cBhvr>
+                                        <p:cTn id="19" dur="1" fill="hold">
+                                          <p:stCondLst>
+                                            <p:cond delay="0"/>
+                                          </p:stCondLst>
+                                        </p:cTn>
+                                        <p:tgtEl>
+                                          <p:spTgt spid="37"/>
+                                        </p:tgtEl>
+                                        <p:attrNameLst>
+                                          <p:attrName>style.visibility</p:attrName>
+                                        </p:attrNameLst>
+                                      </p:cBhvr>
+                                      <p:to>
+                                        <p:strVal val="visible"/>
+                                      </p:to>
+                                    </p:set>
+                                    <p:animEffect transition="in" filter="fade">
+                                      <p:cBhvr>
+                                        <p:cTn id="20" dur="1000"/>
+                                        <p:tgtEl>
+                                          <p:spTgt spid="37"/>
+                                        </p:tgtEl>
+                                      </p:cBhvr>
+                                    </p:animEffect>
+                                  </p:childTnLst>
+                                </p:cTn>
+                              </p:par>
+                              <p:par>
+                                <p:cTn id="21" presetID="10" presetClass="entr" presetSubtype="0" fill="hold" nodeType="withEffect">
+                                  <p:stCondLst>
+                                    <p:cond delay="0"/>
+                                  </p:stCondLst>
+                                  <p:childTnLst>
+                                    <p:set>
+                                      <p:cBhvr>
+                                        <p:cTn id="22" dur="1" fill="hold">
+                                          <p:stCondLst>
+                                            <p:cond delay="0"/>
+                                          </p:stCondLst>
+                                        </p:cTn>
+                                        <p:tgtEl>
+                                          <p:spTgt spid="12"/>
+                                        </p:tgtEl>
+                                        <p:attrNameLst>
+                                          <p:attrName>style.visibility</p:attrName>
+                                        </p:attrNameLst>
+                                      </p:cBhvr>
+                                      <p:to>
+                                        <p:strVal val="visible"/>
+                                      </p:to>
+                                    </p:set>
+                                    <p:animEffect transition="in" filter="fade">
+                                      <p:cBhvr>
+                                        <p:cTn id="23" dur="1000"/>
+                                        <p:tgtEl>
+                                          <p:spTgt spid="12"/>
+                                        </p:tgtEl>
+                                      </p:cBhvr>
+                                    </p:animEffect>
+                                  </p:childTnLst>
+                                </p:cTn>
+                              </p:par>
+                            </p:childTnLst>
+                          </p:cTn>
+                        </p:par>
+                      </p:childTnLst>
+                    </p:cTn>
+                  </p:par>
+                  <p:par>
+                    <p:cTn id="24" fill="hold">
+                      <p:stCondLst>
+                        <p:cond delay="indefinite"/>
+                      </p:stCondLst>
+                      <p:childTnLst>
+                        <p:par>
+                          <p:cTn id="25" fill="hold">
+                            <p:stCondLst>
+                              <p:cond delay="0"/>
+                            </p:stCondLst>
+                            <p:childTnLst>
+                              <p:par>
+                                <p:cTn id="26" presetID="10" presetClass="entr" presetSubtype="0" fill="hold" grpId="0" nodeType="clickEffect">
+                                  <p:stCondLst>
+                                    <p:cond delay="0"/>
+                                  </p:stCondLst>
+                                  <p:childTnLst>
+                                    <p:set>
+                                      <p:cBhvr>
+                                        <p:cTn id="27" dur="1" fill="hold">
+                                          <p:stCondLst>
+                                            <p:cond delay="0"/>
+                                          </p:stCondLst>
+                                        </p:cTn>
+                                        <p:tgtEl>
+                                          <p:spTgt spid="38"/>
+                                        </p:tgtEl>
+                                        <p:attrNameLst>
+                                          <p:attrName>style.visibility</p:attrName>
+                                        </p:attrNameLst>
+                                      </p:cBhvr>
+                                      <p:to>
+                                        <p:strVal val="visible"/>
+                                      </p:to>
+                                    </p:set>
+                                    <p:animEffect transition="in" filter="fade">
+                                      <p:cBhvr>
+                                        <p:cTn id="28" dur="1000"/>
+                                        <p:tgtEl>
+                                          <p:spTgt spid="38"/>
+                                        </p:tgtEl>
+                                      </p:cBhvr>
+                                    </p:animEffect>
+                                  </p:childTnLst>
+                                </p:cTn>
+                              </p:par>
+                              <p:par>
+                                <p:cTn id="29" presetID="10" presetClass="entr" presetSubtype="0" fill="hold" nodeType="withEffect">
+                                  <p:stCondLst>
+                                    <p:cond delay="0"/>
+                                  </p:stCondLst>
+                                  <p:childTnLst>
+                                    <p:set>
+                                      <p:cBhvr>
+                                        <p:cTn id="30" dur="1" fill="hold">
+                                          <p:stCondLst>
+                                            <p:cond delay="0"/>
+                                          </p:stCondLst>
+                                        </p:cTn>
+                                        <p:tgtEl>
+                                          <p:spTgt spid="21"/>
+                                        </p:tgtEl>
+                                        <p:attrNameLst>
+                                          <p:attrName>style.visibility</p:attrName>
+                                        </p:attrNameLst>
+                                      </p:cBhvr>
+                                      <p:to>
+                                        <p:strVal val="visible"/>
+                                      </p:to>
+                                    </p:set>
+                                    <p:animEffect transition="in" filter="fade">
+                                      <p:cBhvr>
+                                        <p:cTn id="31" dur="1000"/>
+                                        <p:tgtEl>
+                                          <p:spTgt spid="21"/>
+                                        </p:tgtEl>
+                                      </p:cBhvr>
+                                    </p:animEffect>
+                                  </p:childTnLst>
+                                </p:cTn>
+                              </p:par>
+                            </p:childTnLst>
+                          </p:cTn>
+                        </p:par>
+                      </p:childTnLst>
+                    </p:cTn>
+                  </p:par>
+                  <p:par>
+                    <p:cTn id="32" fill="hold">
+                      <p:stCondLst>
+                        <p:cond delay="indefinite"/>
+                      </p:stCondLst>
+                      <p:childTnLst>
+                        <p:par>
+                          <p:cTn id="33" fill="hold">
+                            <p:stCondLst>
+                              <p:cond delay="0"/>
+                            </p:stCondLst>
+                            <p:childTnLst>
+                              <p:par>
+                                <p:cTn id="34" presetID="10" presetClass="entr" presetSubtype="0" fill="hold" grpId="0" nodeType="clickEffect">
+                                  <p:stCondLst>
+                                    <p:cond delay="0"/>
+                                  </p:stCondLst>
+                                  <p:childTnLst>
+                                    <p:set>
+                                      <p:cBhvr>
+                                        <p:cTn id="35" dur="1" fill="hold">
+                                          <p:stCondLst>
+                                            <p:cond delay="0"/>
+                                          </p:stCondLst>
+                                        </p:cTn>
+                                        <p:tgtEl>
+                                          <p:spTgt spid="39"/>
+                                        </p:tgtEl>
+                                        <p:attrNameLst>
+                                          <p:attrName>style.visibility</p:attrName>
+                                        </p:attrNameLst>
+                                      </p:cBhvr>
+                                      <p:to>
+                                        <p:strVal val="visible"/>
+                                      </p:to>
+                                    </p:set>
+                                    <p:animEffect transition="in" filter="fade">
+                                      <p:cBhvr>
+                                        <p:cTn id="36" dur="1000"/>
+                                        <p:tgtEl>
+                                          <p:spTgt spid="39"/>
+                                        </p:tgtEl>
+                                      </p:cBhvr>
+                                    </p:animEffect>
+                                  </p:childTnLst>
+                                </p:cTn>
+                              </p:par>
+                            </p:childTnLst>
+                          </p:cTn>
+                        </p:par>
+                      </p:childTnLst>
+                    </p:cTn>
+                  </p:par>
+                  <p:par>
+                    <p:cTn id="37" fill="hold">
+                      <p:stCondLst>
+                        <p:cond delay="indefinite"/>
+                      </p:stCondLst>
+                      <p:childTnLst>
+                        <p:par>
+                          <p:cTn id="38" fill="hold">
+                            <p:stCondLst>
+                              <p:cond delay="0"/>
+                            </p:stCondLst>
+                            <p:childTnLst>
+                              <p:par>
+                                <p:cTn id="39" presetID="10" presetClass="entr" presetSubtype="0" fill="hold" nodeType="clickEffect">
+                                  <p:stCondLst>
+                                    <p:cond delay="0"/>
+                                  </p:stCondLst>
+                                  <p:childTnLst>
+                                    <p:set>
+                                      <p:cBhvr>
+                                        <p:cTn id="40" dur="1" fill="hold">
+                                          <p:stCondLst>
+                                            <p:cond delay="0"/>
+                                          </p:stCondLst>
+                                        </p:cTn>
+                                        <p:tgtEl>
+                                          <p:spTgt spid="28"/>
+                                        </p:tgtEl>
+                                        <p:attrNameLst>
+                                          <p:attrName>style.visibility</p:attrName>
+                                        </p:attrNameLst>
+                                      </p:cBhvr>
+                                      <p:to>
+                                        <p:strVal val="visible"/>
+                                      </p:to>
+                                    </p:set>
+                                    <p:animEffect transition="in" filter="fade">
+                                      <p:cBhvr>
+                                        <p:cTn id="41" dur="1000"/>
+                                        <p:tgtEl>
+                                          <p:spTgt spid="28"/>
+                                        </p:tgtEl>
+                                      </p:cBhvr>
+                                    </p:animEffect>
+                                  </p:childTnLst>
+                                </p:cTn>
+                              </p:par>
+                            </p:childTnLst>
+                          </p:cTn>
+                        </p:par>
+                      </p:childTnLst>
+                    </p:cTn>
+                  </p:par>
+                </p:childTnLst>
+              </p:cTn>
+              <p:prevCondLst>
+                <p:cond evt="onPrev" delay="0">
+                  <p:tgtEl>
+                    <p:sldTgt/>
+                  </p:tgtEl>
+                </p:cond>
+              </p:prevCondLst>
+              <p:nextCondLst>
+                <p:cond evt="onNext" delay="0">
+                  <p:tgtEl>
+                    <p:sldTgt/>
+                  </p:tgtEl>
+                </p:cond>
+              </p:nextCondLst>
+            </p:seq>
+          </p:childTnLst>
+        </p:cTn>
+      </p:par>
+    </p:tnLst>
+    <p:bldLst>
+      <p:bldP spid="30" grpId="0" animBg="1"/>
+      <p:bldP spid="37" grpId="0" animBg="1"/>
+      <p:bldP spid="38" grpId="0" animBg="1"/>
+      <p:bldP spid="39" grpId="0" animBg="1"/>
+    </p:bldLst>
+  </p:timing>
 </p:sld>
 </file>
 
@@ -29273,7 +30986,7 @@
         </p:blipFill>
         <p:spPr>
           <a:xfrm>
-            <a:off x="322636" y="3525886"/>
+            <a:off x="322636" y="3612024"/>
             <a:ext cx="4249364" cy="2611055"/>
           </a:xfrm>
           <a:prstGeom prst="rect">
@@ -29295,7 +31008,7 @@
         </p:nvGrpSpPr>
         <p:grpSpPr>
           <a:xfrm>
-            <a:off x="4688691" y="3525885"/>
+            <a:off x="4688691" y="3612023"/>
             <a:ext cx="4279156" cy="2611056"/>
             <a:chOff x="4688691" y="3653106"/>
             <a:chExt cx="4279156" cy="2611056"/>
@@ -29851,7 +31564,7 @@
         </p:blipFill>
         <p:spPr>
           <a:xfrm>
-            <a:off x="168282" y="3775742"/>
+            <a:off x="168282" y="3742612"/>
             <a:ext cx="4445269" cy="2631966"/>
           </a:xfrm>
           <a:prstGeom prst="rect">
@@ -29881,7 +31594,7 @@
         </p:blipFill>
         <p:spPr>
           <a:xfrm>
-            <a:off x="4729975" y="3775742"/>
+            <a:off x="4729975" y="3742612"/>
             <a:ext cx="4283396" cy="2631966"/>
           </a:xfrm>
           <a:prstGeom prst="rect">

--- a/第3章-开源GIS软件开发环境-6课时/第3章-开源GIS软件开发环境-Python开发环境配置-4学时.pptx
+++ b/第3章-开源GIS软件开发环境-6课时/第3章-开源GIS软件开发环境-Python开发环境配置-4学时.pptx
@@ -461,23 +461,47 @@
 </p:cmAuthorLst>
 </file>
 
+<file path=ppt/revisionInfo.xml><?xml version="1.0" encoding="utf-8"?>
+<p1510:revInfo xmlns:a="http://schemas.openxmlformats.org/drawingml/2006/main" xmlns:r="http://schemas.openxmlformats.org/officeDocument/2006/relationships" xmlns:p1510="http://schemas.microsoft.com/office/powerpoint/2015/10/main">
+  <p1510:revLst>
+    <p1510:client id="{2FF6A6EB-E5A4-8842-BF32-6D47E8C174A0}" v="2" dt="2024-09-12T05:11:35.090"/>
+  </p1510:revLst>
+</p1510:revInfo>
+</file>
+
 <file path=ppt/changesInfos/changesInfo1.xml><?xml version="1.0" encoding="utf-8"?>
 <pc:chgInfo xmlns:a="http://schemas.openxmlformats.org/drawingml/2006/main" xmlns:r="http://schemas.openxmlformats.org/officeDocument/2006/relationships" xmlns:ac="http://schemas.microsoft.com/office/drawing/2013/main/command" xmlns:pc="http://schemas.microsoft.com/office/powerpoint/2013/main/command">
   <pc:docChgLst>
-    <pc:chgData name="Xin Luo" userId="82312ee5779919a4" providerId="LiveId" clId="{ABECCF1F-1CAA-3A42-9710-47D9CB1C5B21}"/>
-    <pc:docChg chg="undo custSel addSld modSld sldOrd">
-      <pc:chgData name="Xin Luo" userId="82312ee5779919a4" providerId="LiveId" clId="{ABECCF1F-1CAA-3A42-9710-47D9CB1C5B21}" dt="2023-08-21T09:31:16.266" v="879" actId="20577"/>
+    <pc:chgData name="Xin Luo" userId="82312ee5779919a4" providerId="LiveId" clId="{98EC8ECB-A80D-1449-ACFE-0D931F29C13A}"/>
+    <pc:docChg chg="undo custSel addSld delSld modSld">
+      <pc:chgData name="Xin Luo" userId="82312ee5779919a4" providerId="LiveId" clId="{98EC8ECB-A80D-1449-ACFE-0D931F29C13A}" dt="2023-02-23T15:47:30.471" v="734" actId="478"/>
       <pc:docMkLst>
         <pc:docMk/>
       </pc:docMkLst>
       <pc:sldChg chg="modSp mod">
-        <pc:chgData name="Xin Luo" userId="82312ee5779919a4" providerId="LiveId" clId="{ABECCF1F-1CAA-3A42-9710-47D9CB1C5B21}" dt="2023-08-21T02:55:15.471" v="67" actId="20577"/>
+        <pc:chgData name="Xin Luo" userId="82312ee5779919a4" providerId="LiveId" clId="{98EC8ECB-A80D-1449-ACFE-0D931F29C13A}" dt="2023-02-23T15:07:38.481" v="282" actId="20577"/>
         <pc:sldMkLst>
           <pc:docMk/>
           <pc:sldMk cId="1576120367" sldId="2387"/>
         </pc:sldMkLst>
         <pc:spChg chg="mod">
-          <ac:chgData name="Xin Luo" userId="82312ee5779919a4" providerId="LiveId" clId="{ABECCF1F-1CAA-3A42-9710-47D9CB1C5B21}" dt="2023-08-21T02:55:15.471" v="67" actId="20577"/>
+          <ac:chgData name="Xin Luo" userId="82312ee5779919a4" providerId="LiveId" clId="{98EC8ECB-A80D-1449-ACFE-0D931F29C13A}" dt="2023-02-23T15:07:38.481" v="282" actId="20577"/>
+          <ac:spMkLst>
+            <pc:docMk/>
+            <pc:sldMk cId="1576120367" sldId="2387"/>
+            <ac:spMk id="5" creationId="{494DAA55-5621-28DB-D255-E0EBB6C6477B}"/>
+          </ac:spMkLst>
+        </pc:spChg>
+        <pc:spChg chg="mod">
+          <ac:chgData name="Xin Luo" userId="82312ee5779919a4" providerId="LiveId" clId="{98EC8ECB-A80D-1449-ACFE-0D931F29C13A}" dt="2023-02-23T15:06:04.024" v="241" actId="1076"/>
+          <ac:spMkLst>
+            <pc:docMk/>
+            <pc:sldMk cId="1576120367" sldId="2387"/>
+            <ac:spMk id="6" creationId="{00000000-0000-0000-0000-000000000000}"/>
+          </ac:spMkLst>
+        </pc:spChg>
+        <pc:spChg chg="mod">
+          <ac:chgData name="Xin Luo" userId="82312ee5779919a4" providerId="LiveId" clId="{98EC8ECB-A80D-1449-ACFE-0D931F29C13A}" dt="2023-02-23T15:05:37.607" v="201" actId="403"/>
           <ac:spMkLst>
             <pc:docMk/>
             <pc:sldMk cId="1576120367" sldId="2387"/>
@@ -485,7 +509,7 @@
           </ac:spMkLst>
         </pc:spChg>
         <pc:spChg chg="mod">
-          <ac:chgData name="Xin Luo" userId="82312ee5779919a4" providerId="LiveId" clId="{ABECCF1F-1CAA-3A42-9710-47D9CB1C5B21}" dt="2023-08-21T02:38:36.931" v="38" actId="20577"/>
+          <ac:chgData name="Xin Luo" userId="82312ee5779919a4" providerId="LiveId" clId="{98EC8ECB-A80D-1449-ACFE-0D931F29C13A}" dt="2023-02-23T15:04:17.856" v="99" actId="20577"/>
           <ac:spMkLst>
             <pc:docMk/>
             <pc:sldMk cId="1576120367" sldId="2387"/>
@@ -494,402 +518,436 @@
         </pc:spChg>
       </pc:sldChg>
       <pc:sldChg chg="modSp mod">
-        <pc:chgData name="Xin Luo" userId="82312ee5779919a4" providerId="LiveId" clId="{ABECCF1F-1CAA-3A42-9710-47D9CB1C5B21}" dt="2023-08-21T03:50:02.826" v="70" actId="14100"/>
+        <pc:chgData name="Xin Luo" userId="82312ee5779919a4" providerId="LiveId" clId="{98EC8ECB-A80D-1449-ACFE-0D931F29C13A}" dt="2023-02-23T15:23:38.561" v="288" actId="20577"/>
+        <pc:sldMkLst>
+          <pc:docMk/>
+          <pc:sldMk cId="2415901206" sldId="2447"/>
+        </pc:sldMkLst>
+        <pc:spChg chg="mod">
+          <ac:chgData name="Xin Luo" userId="82312ee5779919a4" providerId="LiveId" clId="{98EC8ECB-A80D-1449-ACFE-0D931F29C13A}" dt="2023-02-23T15:23:38.561" v="288" actId="20577"/>
+          <ac:spMkLst>
+            <pc:docMk/>
+            <pc:sldMk cId="2415901206" sldId="2447"/>
+            <ac:spMk id="7" creationId="{00000000-0000-0000-0000-000000000000}"/>
+          </ac:spMkLst>
+        </pc:spChg>
+      </pc:sldChg>
+      <pc:sldChg chg="addSp delSp modSp mod">
+        <pc:chgData name="Xin Luo" userId="82312ee5779919a4" providerId="LiveId" clId="{98EC8ECB-A80D-1449-ACFE-0D931F29C13A}" dt="2023-02-23T15:32:00.813" v="490" actId="20577"/>
+        <pc:sldMkLst>
+          <pc:docMk/>
+          <pc:sldMk cId="4067577602" sldId="2605"/>
+        </pc:sldMkLst>
+        <pc:spChg chg="mod">
+          <ac:chgData name="Xin Luo" userId="82312ee5779919a4" providerId="LiveId" clId="{98EC8ECB-A80D-1449-ACFE-0D931F29C13A}" dt="2023-02-23T15:23:43.970" v="296" actId="20577"/>
+          <ac:spMkLst>
+            <pc:docMk/>
+            <pc:sldMk cId="4067577602" sldId="2605"/>
+            <ac:spMk id="3" creationId="{00000000-0000-0000-0000-000000000000}"/>
+          </ac:spMkLst>
+        </pc:spChg>
+        <pc:spChg chg="add mod">
+          <ac:chgData name="Xin Luo" userId="82312ee5779919a4" providerId="LiveId" clId="{98EC8ECB-A80D-1449-ACFE-0D931F29C13A}" dt="2023-02-23T15:32:00.813" v="490" actId="20577"/>
+          <ac:spMkLst>
+            <pc:docMk/>
+            <pc:sldMk cId="4067577602" sldId="2605"/>
+            <ac:spMk id="5" creationId="{78502774-B04C-634F-1396-E5815996BC36}"/>
+          </ac:spMkLst>
+        </pc:spChg>
+        <pc:spChg chg="add del">
+          <ac:chgData name="Xin Luo" userId="82312ee5779919a4" providerId="LiveId" clId="{98EC8ECB-A80D-1449-ACFE-0D931F29C13A}" dt="2023-02-23T15:31:17.254" v="472" actId="478"/>
+          <ac:spMkLst>
+            <pc:docMk/>
+            <pc:sldMk cId="4067577602" sldId="2605"/>
+            <ac:spMk id="8" creationId="{F79B8069-33FF-F2D3-2749-C72697740ACD}"/>
+          </ac:spMkLst>
+        </pc:spChg>
+        <pc:spChg chg="del">
+          <ac:chgData name="Xin Luo" userId="82312ee5779919a4" providerId="LiveId" clId="{98EC8ECB-A80D-1449-ACFE-0D931F29C13A}" dt="2023-02-23T15:23:49.248" v="298" actId="478"/>
+          <ac:spMkLst>
+            <pc:docMk/>
+            <pc:sldMk cId="4067577602" sldId="2605"/>
+            <ac:spMk id="15" creationId="{8F7436BD-0CD5-04DA-2B44-925CE86CF70D}"/>
+          </ac:spMkLst>
+        </pc:spChg>
+        <pc:spChg chg="del">
+          <ac:chgData name="Xin Luo" userId="82312ee5779919a4" providerId="LiveId" clId="{98EC8ECB-A80D-1449-ACFE-0D931F29C13A}" dt="2023-02-23T15:23:49.248" v="298" actId="478"/>
+          <ac:spMkLst>
+            <pc:docMk/>
+            <pc:sldMk cId="4067577602" sldId="2605"/>
+            <ac:spMk id="16" creationId="{5E1E7D79-A815-9A32-ABAB-129BFCE643F1}"/>
+          </ac:spMkLst>
+        </pc:spChg>
+        <pc:spChg chg="del mod">
+          <ac:chgData name="Xin Luo" userId="82312ee5779919a4" providerId="LiveId" clId="{98EC8ECB-A80D-1449-ACFE-0D931F29C13A}" dt="2023-02-23T15:23:47.004" v="297" actId="478"/>
+          <ac:spMkLst>
+            <pc:docMk/>
+            <pc:sldMk cId="4067577602" sldId="2605"/>
+            <ac:spMk id="17" creationId="{9E05FFCA-3371-AF5C-381D-71D984055F5A}"/>
+          </ac:spMkLst>
+        </pc:spChg>
+        <pc:picChg chg="del">
+          <ac:chgData name="Xin Luo" userId="82312ee5779919a4" providerId="LiveId" clId="{98EC8ECB-A80D-1449-ACFE-0D931F29C13A}" dt="2023-02-23T15:23:49.248" v="298" actId="478"/>
+          <ac:picMkLst>
+            <pc:docMk/>
+            <pc:sldMk cId="4067577602" sldId="2605"/>
+            <ac:picMk id="7" creationId="{C7993E05-4ADB-9D0C-E633-5749F445E479}"/>
+          </ac:picMkLst>
+        </pc:picChg>
+        <pc:picChg chg="del">
+          <ac:chgData name="Xin Luo" userId="82312ee5779919a4" providerId="LiveId" clId="{98EC8ECB-A80D-1449-ACFE-0D931F29C13A}" dt="2023-02-23T15:23:49.248" v="298" actId="478"/>
+          <ac:picMkLst>
+            <pc:docMk/>
+            <pc:sldMk cId="4067577602" sldId="2605"/>
+            <ac:picMk id="10" creationId="{26D555B6-DE11-BF17-8D9F-B5F93A876835}"/>
+          </ac:picMkLst>
+        </pc:picChg>
+        <pc:picChg chg="del">
+          <ac:chgData name="Xin Luo" userId="82312ee5779919a4" providerId="LiveId" clId="{98EC8ECB-A80D-1449-ACFE-0D931F29C13A}" dt="2023-02-23T15:23:49.248" v="298" actId="478"/>
+          <ac:picMkLst>
+            <pc:docMk/>
+            <pc:sldMk cId="4067577602" sldId="2605"/>
+            <ac:picMk id="1028" creationId="{9FA49340-63F1-4959-1786-FD893DE76CE9}"/>
+          </ac:picMkLst>
+        </pc:picChg>
+        <pc:picChg chg="del">
+          <ac:chgData name="Xin Luo" userId="82312ee5779919a4" providerId="LiveId" clId="{98EC8ECB-A80D-1449-ACFE-0D931F29C13A}" dt="2023-02-23T15:23:49.248" v="298" actId="478"/>
+          <ac:picMkLst>
+            <pc:docMk/>
+            <pc:sldMk cId="4067577602" sldId="2605"/>
+            <ac:picMk id="1030" creationId="{35CDAC06-D9CF-2AC8-535E-A1B01EC14218}"/>
+          </ac:picMkLst>
+        </pc:picChg>
+        <pc:picChg chg="del">
+          <ac:chgData name="Xin Luo" userId="82312ee5779919a4" providerId="LiveId" clId="{98EC8ECB-A80D-1449-ACFE-0D931F29C13A}" dt="2023-02-23T15:23:49.248" v="298" actId="478"/>
+          <ac:picMkLst>
+            <pc:docMk/>
+            <pc:sldMk cId="4067577602" sldId="2605"/>
+            <ac:picMk id="1032" creationId="{AFE202E8-A338-4627-93EE-5AD65BEE9525}"/>
+          </ac:picMkLst>
+        </pc:picChg>
+        <pc:picChg chg="del">
+          <ac:chgData name="Xin Luo" userId="82312ee5779919a4" providerId="LiveId" clId="{98EC8ECB-A80D-1449-ACFE-0D931F29C13A}" dt="2023-02-23T15:23:49.248" v="298" actId="478"/>
+          <ac:picMkLst>
+            <pc:docMk/>
+            <pc:sldMk cId="4067577602" sldId="2605"/>
+            <ac:picMk id="1034" creationId="{D5CBEF68-23C0-8F4A-FA5F-CB6BCAE76176}"/>
+          </ac:picMkLst>
+        </pc:picChg>
+        <pc:picChg chg="del">
+          <ac:chgData name="Xin Luo" userId="82312ee5779919a4" providerId="LiveId" clId="{98EC8ECB-A80D-1449-ACFE-0D931F29C13A}" dt="2023-02-23T15:23:49.248" v="298" actId="478"/>
+          <ac:picMkLst>
+            <pc:docMk/>
+            <pc:sldMk cId="4067577602" sldId="2605"/>
+            <ac:picMk id="1036" creationId="{5E2738F1-9461-1F5B-3007-2AA2AD20C330}"/>
+          </ac:picMkLst>
+        </pc:picChg>
+        <pc:cxnChg chg="del">
+          <ac:chgData name="Xin Luo" userId="82312ee5779919a4" providerId="LiveId" clId="{98EC8ECB-A80D-1449-ACFE-0D931F29C13A}" dt="2023-02-23T15:23:49.248" v="298" actId="478"/>
+          <ac:cxnSpMkLst>
+            <pc:docMk/>
+            <pc:sldMk cId="4067577602" sldId="2605"/>
+            <ac:cxnSpMk id="12" creationId="{78FA799A-1F2C-F1DA-9F71-B1B8AFBC5758}"/>
+          </ac:cxnSpMkLst>
+        </pc:cxnChg>
+      </pc:sldChg>
+      <pc:sldChg chg="modSp mod">
+        <pc:chgData name="Xin Luo" userId="82312ee5779919a4" providerId="LiveId" clId="{98EC8ECB-A80D-1449-ACFE-0D931F29C13A}" dt="2023-02-23T15:03:54.789" v="48" actId="20577"/>
+        <pc:sldMkLst>
+          <pc:docMk/>
+          <pc:sldMk cId="1658607177" sldId="2708"/>
+        </pc:sldMkLst>
+        <pc:spChg chg="mod">
+          <ac:chgData name="Xin Luo" userId="82312ee5779919a4" providerId="LiveId" clId="{98EC8ECB-A80D-1449-ACFE-0D931F29C13A}" dt="2023-02-23T15:03:29.071" v="4" actId="20577"/>
+          <ac:spMkLst>
+            <pc:docMk/>
+            <pc:sldMk cId="1658607177" sldId="2708"/>
+            <ac:spMk id="3" creationId="{E375549C-74EF-2C8F-6432-2C52B803FB1B}"/>
+          </ac:spMkLst>
+        </pc:spChg>
+        <pc:spChg chg="mod">
+          <ac:chgData name="Xin Luo" userId="82312ee5779919a4" providerId="LiveId" clId="{98EC8ECB-A80D-1449-ACFE-0D931F29C13A}" dt="2023-02-23T15:03:54.789" v="48" actId="20577"/>
+          <ac:spMkLst>
+            <pc:docMk/>
+            <pc:sldMk cId="1658607177" sldId="2708"/>
+            <ac:spMk id="24" creationId="{00000000-0000-0000-0000-000000000000}"/>
+          </ac:spMkLst>
+        </pc:spChg>
+      </pc:sldChg>
+      <pc:sldChg chg="modSp mod">
+        <pc:chgData name="Xin Luo" userId="82312ee5779919a4" providerId="LiveId" clId="{98EC8ECB-A80D-1449-ACFE-0D931F29C13A}" dt="2023-02-23T15:46:16.929" v="710" actId="20577"/>
+        <pc:sldMkLst>
+          <pc:docMk/>
+          <pc:sldMk cId="481122590" sldId="2709"/>
+        </pc:sldMkLst>
+        <pc:spChg chg="mod">
+          <ac:chgData name="Xin Luo" userId="82312ee5779919a4" providerId="LiveId" clId="{98EC8ECB-A80D-1449-ACFE-0D931F29C13A}" dt="2023-02-23T15:46:16.929" v="710" actId="20577"/>
+          <ac:spMkLst>
+            <pc:docMk/>
+            <pc:sldMk cId="481122590" sldId="2709"/>
+            <ac:spMk id="7" creationId="{00000000-0000-0000-0000-000000000000}"/>
+          </ac:spMkLst>
+        </pc:spChg>
+      </pc:sldChg>
+      <pc:sldChg chg="modSp mod">
+        <pc:chgData name="Xin Luo" userId="82312ee5779919a4" providerId="LiveId" clId="{98EC8ECB-A80D-1449-ACFE-0D931F29C13A}" dt="2023-02-23T15:46:36.362" v="717" actId="20577"/>
         <pc:sldMkLst>
           <pc:docMk/>
           <pc:sldMk cId="3833073590" sldId="2716"/>
         </pc:sldMkLst>
         <pc:spChg chg="mod">
-          <ac:chgData name="Xin Luo" userId="82312ee5779919a4" providerId="LiveId" clId="{ABECCF1F-1CAA-3A42-9710-47D9CB1C5B21}" dt="2023-08-21T03:50:02.826" v="70" actId="14100"/>
+          <ac:chgData name="Xin Luo" userId="82312ee5779919a4" providerId="LiveId" clId="{98EC8ECB-A80D-1449-ACFE-0D931F29C13A}" dt="2023-02-23T15:46:29.354" v="716" actId="108"/>
           <ac:spMkLst>
             <pc:docMk/>
             <pc:sldMk cId="3833073590" sldId="2716"/>
-            <ac:spMk id="6" creationId="{6741FEA2-C046-FD82-2800-2CB513792080}"/>
+            <ac:spMk id="3" creationId="{00000000-0000-0000-0000-000000000000}"/>
+          </ac:spMkLst>
+        </pc:spChg>
+        <pc:spChg chg="mod">
+          <ac:chgData name="Xin Luo" userId="82312ee5779919a4" providerId="LiveId" clId="{98EC8ECB-A80D-1449-ACFE-0D931F29C13A}" dt="2023-02-23T15:46:36.362" v="717" actId="20577"/>
+          <ac:spMkLst>
+            <pc:docMk/>
+            <pc:sldMk cId="3833073590" sldId="2716"/>
+            <ac:spMk id="5" creationId="{9F4AEA98-0C33-E82A-EB75-839D0F0B55A4}"/>
+          </ac:spMkLst>
+        </pc:spChg>
+      </pc:sldChg>
+      <pc:sldChg chg="modSp mod">
+        <pc:chgData name="Xin Luo" userId="82312ee5779919a4" providerId="LiveId" clId="{98EC8ECB-A80D-1449-ACFE-0D931F29C13A}" dt="2023-02-23T15:47:08.933" v="728" actId="20577"/>
+        <pc:sldMkLst>
+          <pc:docMk/>
+          <pc:sldMk cId="972163772" sldId="2720"/>
+        </pc:sldMkLst>
+        <pc:spChg chg="mod">
+          <ac:chgData name="Xin Luo" userId="82312ee5779919a4" providerId="LiveId" clId="{98EC8ECB-A80D-1449-ACFE-0D931F29C13A}" dt="2023-02-23T15:47:00.360" v="722" actId="1076"/>
+          <ac:spMkLst>
+            <pc:docMk/>
+            <pc:sldMk cId="972163772" sldId="2720"/>
+            <ac:spMk id="3" creationId="{00000000-0000-0000-0000-000000000000}"/>
+          </ac:spMkLst>
+        </pc:spChg>
+        <pc:spChg chg="mod">
+          <ac:chgData name="Xin Luo" userId="82312ee5779919a4" providerId="LiveId" clId="{98EC8ECB-A80D-1449-ACFE-0D931F29C13A}" dt="2023-02-23T15:47:08.933" v="728" actId="20577"/>
+          <ac:spMkLst>
+            <pc:docMk/>
+            <pc:sldMk cId="972163772" sldId="2720"/>
+            <ac:spMk id="7" creationId="{00000000-0000-0000-0000-000000000000}"/>
+          </ac:spMkLst>
+        </pc:spChg>
+      </pc:sldChg>
+      <pc:sldChg chg="modSp mod">
+        <pc:chgData name="Xin Luo" userId="82312ee5779919a4" providerId="LiveId" clId="{98EC8ECB-A80D-1449-ACFE-0D931F29C13A}" dt="2023-02-23T15:47:17.016" v="729"/>
+        <pc:sldMkLst>
+          <pc:docMk/>
+          <pc:sldMk cId="2689695864" sldId="2721"/>
+        </pc:sldMkLst>
+        <pc:spChg chg="mod">
+          <ac:chgData name="Xin Luo" userId="82312ee5779919a4" providerId="LiveId" clId="{98EC8ECB-A80D-1449-ACFE-0D931F29C13A}" dt="2023-02-23T15:47:17.016" v="729"/>
+          <ac:spMkLst>
+            <pc:docMk/>
+            <pc:sldMk cId="2689695864" sldId="2721"/>
+            <ac:spMk id="3" creationId="{00000000-0000-0000-0000-000000000000}"/>
+          </ac:spMkLst>
+        </pc:spChg>
+      </pc:sldChg>
+      <pc:sldChg chg="delSp modSp mod">
+        <pc:chgData name="Xin Luo" userId="82312ee5779919a4" providerId="LiveId" clId="{98EC8ECB-A80D-1449-ACFE-0D931F29C13A}" dt="2023-02-23T15:47:30.471" v="734" actId="478"/>
+        <pc:sldMkLst>
+          <pc:docMk/>
+          <pc:sldMk cId="1209572041" sldId="2722"/>
+        </pc:sldMkLst>
+        <pc:spChg chg="del mod">
+          <ac:chgData name="Xin Luo" userId="82312ee5779919a4" providerId="LiveId" clId="{98EC8ECB-A80D-1449-ACFE-0D931F29C13A}" dt="2023-02-23T15:47:30.471" v="734" actId="478"/>
+          <ac:spMkLst>
+            <pc:docMk/>
+            <pc:sldMk cId="1209572041" sldId="2722"/>
+            <ac:spMk id="14" creationId="{0DADB612-499B-577C-8C56-FA81A4204DD1}"/>
+          </ac:spMkLst>
+        </pc:spChg>
+      </pc:sldChg>
+      <pc:sldChg chg="del">
+        <pc:chgData name="Xin Luo" userId="82312ee5779919a4" providerId="LiveId" clId="{98EC8ECB-A80D-1449-ACFE-0D931F29C13A}" dt="2023-02-23T15:46:08.434" v="701" actId="2696"/>
+        <pc:sldMkLst>
+          <pc:docMk/>
+          <pc:sldMk cId="353940032" sldId="2725"/>
+        </pc:sldMkLst>
+      </pc:sldChg>
+      <pc:sldChg chg="del">
+        <pc:chgData name="Xin Luo" userId="82312ee5779919a4" providerId="LiveId" clId="{98EC8ECB-A80D-1449-ACFE-0D931F29C13A}" dt="2023-02-23T15:46:08.455" v="709" actId="2696"/>
+        <pc:sldMkLst>
+          <pc:docMk/>
+          <pc:sldMk cId="45083394" sldId="2726"/>
+        </pc:sldMkLst>
+      </pc:sldChg>
+      <pc:sldChg chg="del">
+        <pc:chgData name="Xin Luo" userId="82312ee5779919a4" providerId="LiveId" clId="{98EC8ECB-A80D-1449-ACFE-0D931F29C13A}" dt="2023-02-23T15:46:08.437" v="702" actId="2696"/>
+        <pc:sldMkLst>
+          <pc:docMk/>
+          <pc:sldMk cId="148985918" sldId="2727"/>
+        </pc:sldMkLst>
+      </pc:sldChg>
+      <pc:sldChg chg="del">
+        <pc:chgData name="Xin Luo" userId="82312ee5779919a4" providerId="LiveId" clId="{98EC8ECB-A80D-1449-ACFE-0D931F29C13A}" dt="2023-02-23T15:46:08.445" v="706" actId="2696"/>
+        <pc:sldMkLst>
+          <pc:docMk/>
+          <pc:sldMk cId="3544980656" sldId="2728"/>
+        </pc:sldMkLst>
+      </pc:sldChg>
+      <pc:sldChg chg="del">
+        <pc:chgData name="Xin Luo" userId="82312ee5779919a4" providerId="LiveId" clId="{98EC8ECB-A80D-1449-ACFE-0D931F29C13A}" dt="2023-02-23T15:46:08.448" v="708" actId="2696"/>
+        <pc:sldMkLst>
+          <pc:docMk/>
+          <pc:sldMk cId="1664139585" sldId="2729"/>
+        </pc:sldMkLst>
+      </pc:sldChg>
+      <pc:sldChg chg="del">
+        <pc:chgData name="Xin Luo" userId="82312ee5779919a4" providerId="LiveId" clId="{98EC8ECB-A80D-1449-ACFE-0D931F29C13A}" dt="2023-02-23T15:46:08.446" v="707" actId="2696"/>
+        <pc:sldMkLst>
+          <pc:docMk/>
+          <pc:sldMk cId="3561803108" sldId="2730"/>
+        </pc:sldMkLst>
+      </pc:sldChg>
+      <pc:sldChg chg="del">
+        <pc:chgData name="Xin Luo" userId="82312ee5779919a4" providerId="LiveId" clId="{98EC8ECB-A80D-1449-ACFE-0D931F29C13A}" dt="2023-02-23T15:46:08.439" v="703" actId="2696"/>
+        <pc:sldMkLst>
+          <pc:docMk/>
+          <pc:sldMk cId="236610701" sldId="2731"/>
+        </pc:sldMkLst>
+      </pc:sldChg>
+      <pc:sldChg chg="del">
+        <pc:chgData name="Xin Luo" userId="82312ee5779919a4" providerId="LiveId" clId="{98EC8ECB-A80D-1449-ACFE-0D931F29C13A}" dt="2023-02-23T15:46:08.441" v="704" actId="2696"/>
+        <pc:sldMkLst>
+          <pc:docMk/>
+          <pc:sldMk cId="1986913413" sldId="2732"/>
+        </pc:sldMkLst>
+      </pc:sldChg>
+      <pc:sldChg chg="del">
+        <pc:chgData name="Xin Luo" userId="82312ee5779919a4" providerId="LiveId" clId="{98EC8ECB-A80D-1449-ACFE-0D931F29C13A}" dt="2023-02-23T15:46:08.443" v="705" actId="2696"/>
+        <pc:sldMkLst>
+          <pc:docMk/>
+          <pc:sldMk cId="270311508" sldId="2733"/>
+        </pc:sldMkLst>
+      </pc:sldChg>
+      <pc:sldChg chg="del">
+        <pc:chgData name="Xin Luo" userId="82312ee5779919a4" providerId="LiveId" clId="{98EC8ECB-A80D-1449-ACFE-0D931F29C13A}" dt="2023-02-23T15:47:22.827" v="730" actId="2696"/>
+        <pc:sldMkLst>
+          <pc:docMk/>
+          <pc:sldMk cId="3138813826" sldId="2734"/>
+        </pc:sldMkLst>
+      </pc:sldChg>
+      <pc:sldChg chg="del">
+        <pc:chgData name="Xin Luo" userId="82312ee5779919a4" providerId="LiveId" clId="{98EC8ECB-A80D-1449-ACFE-0D931F29C13A}" dt="2023-02-23T15:47:22.864" v="732" actId="2696"/>
+        <pc:sldMkLst>
+          <pc:docMk/>
+          <pc:sldMk cId="128317883" sldId="2735"/>
+        </pc:sldMkLst>
+      </pc:sldChg>
+      <pc:sldChg chg="del">
+        <pc:chgData name="Xin Luo" userId="82312ee5779919a4" providerId="LiveId" clId="{98EC8ECB-A80D-1449-ACFE-0D931F29C13A}" dt="2023-02-23T15:47:22.829" v="731" actId="2696"/>
+        <pc:sldMkLst>
+          <pc:docMk/>
+          <pc:sldMk cId="383906436" sldId="2736"/>
+        </pc:sldMkLst>
+      </pc:sldChg>
+      <pc:sldChg chg="addSp delSp modSp add mod">
+        <pc:chgData name="Xin Luo" userId="82312ee5779919a4" providerId="LiveId" clId="{98EC8ECB-A80D-1449-ACFE-0D931F29C13A}" dt="2023-02-23T15:45:27.987" v="683" actId="1037"/>
+        <pc:sldMkLst>
+          <pc:docMk/>
+          <pc:sldMk cId="655142816" sldId="2737"/>
+        </pc:sldMkLst>
+        <pc:spChg chg="add del mod">
+          <ac:chgData name="Xin Luo" userId="82312ee5779919a4" providerId="LiveId" clId="{98EC8ECB-A80D-1449-ACFE-0D931F29C13A}" dt="2023-02-23T15:36:38.445" v="650" actId="20577"/>
+          <ac:spMkLst>
+            <pc:docMk/>
+            <pc:sldMk cId="655142816" sldId="2737"/>
+            <ac:spMk id="5" creationId="{78502774-B04C-634F-1396-E5815996BC36}"/>
+          </ac:spMkLst>
+        </pc:spChg>
+        <pc:spChg chg="del mod">
+          <ac:chgData name="Xin Luo" userId="82312ee5779919a4" providerId="LiveId" clId="{98EC8ECB-A80D-1449-ACFE-0D931F29C13A}" dt="2023-02-23T15:31:28.203" v="477" actId="478"/>
+          <ac:spMkLst>
+            <pc:docMk/>
+            <pc:sldMk cId="655142816" sldId="2737"/>
+            <ac:spMk id="8" creationId="{F79B8069-33FF-F2D3-2749-C72697740ACD}"/>
+          </ac:spMkLst>
+        </pc:spChg>
+        <pc:picChg chg="add mod">
+          <ac:chgData name="Xin Luo" userId="82312ee5779919a4" providerId="LiveId" clId="{98EC8ECB-A80D-1449-ACFE-0D931F29C13A}" dt="2023-02-23T15:45:27.987" v="683" actId="1037"/>
+          <ac:picMkLst>
+            <pc:docMk/>
+            <pc:sldMk cId="655142816" sldId="2737"/>
+            <ac:picMk id="1026" creationId="{75908E15-58DA-73BD-95F9-CACD1B8B9D82}"/>
+          </ac:picMkLst>
+        </pc:picChg>
+        <pc:picChg chg="add mod">
+          <ac:chgData name="Xin Luo" userId="82312ee5779919a4" providerId="LiveId" clId="{98EC8ECB-A80D-1449-ACFE-0D931F29C13A}" dt="2023-02-23T15:45:27.987" v="683" actId="1037"/>
+          <ac:picMkLst>
+            <pc:docMk/>
+            <pc:sldMk cId="655142816" sldId="2737"/>
+            <ac:picMk id="1028" creationId="{1E2BFB6C-B7E5-CAF9-B8CC-09A5029EC264}"/>
+          </ac:picMkLst>
+        </pc:picChg>
+        <pc:picChg chg="add mod">
+          <ac:chgData name="Xin Luo" userId="82312ee5779919a4" providerId="LiveId" clId="{98EC8ECB-A80D-1449-ACFE-0D931F29C13A}" dt="2023-02-23T15:45:27.987" v="683" actId="1037"/>
+          <ac:picMkLst>
+            <pc:docMk/>
+            <pc:sldMk cId="655142816" sldId="2737"/>
+            <ac:picMk id="1030" creationId="{CB7EE236-3D18-EC53-3225-10EBB3B4EC77}"/>
+          </ac:picMkLst>
+        </pc:picChg>
+        <pc:picChg chg="add mod">
+          <ac:chgData name="Xin Luo" userId="82312ee5779919a4" providerId="LiveId" clId="{98EC8ECB-A80D-1449-ACFE-0D931F29C13A}" dt="2023-02-23T15:45:27.987" v="683" actId="1037"/>
+          <ac:picMkLst>
+            <pc:docMk/>
+            <pc:sldMk cId="655142816" sldId="2737"/>
+            <ac:picMk id="1032" creationId="{BFA8C7BD-9CEC-ADA1-21BA-0EE8338C6EA3}"/>
+          </ac:picMkLst>
+        </pc:picChg>
+      </pc:sldChg>
+    </pc:docChg>
+  </pc:docChgLst>
+  <pc:docChgLst>
+    <pc:chgData name="Xin Luo" userId="82312ee5779919a4" providerId="LiveId" clId="{4807F875-6F75-AB41-83F0-5AE490FE2F1C}"/>
+    <pc:docChg chg="custSel addSld modSld">
+      <pc:chgData name="Xin Luo" userId="82312ee5779919a4" providerId="LiveId" clId="{4807F875-6F75-AB41-83F0-5AE490FE2F1C}" dt="2023-09-13T14:07:01.122" v="8" actId="1076"/>
+      <pc:docMkLst>
+        <pc:docMk/>
+      </pc:docMkLst>
+      <pc:sldChg chg="addSp delSp modSp mod">
+        <pc:chgData name="Xin Luo" userId="82312ee5779919a4" providerId="LiveId" clId="{4807F875-6F75-AB41-83F0-5AE490FE2F1C}" dt="2023-09-13T14:06:41.345" v="2" actId="478"/>
+        <pc:sldMkLst>
+          <pc:docMk/>
+          <pc:sldMk cId="3741103209" sldId="2745"/>
+        </pc:sldMkLst>
+        <pc:picChg chg="add del mod">
+          <ac:chgData name="Xin Luo" userId="82312ee5779919a4" providerId="LiveId" clId="{4807F875-6F75-AB41-83F0-5AE490FE2F1C}" dt="2023-09-13T14:06:41.345" v="2" actId="478"/>
+          <ac:picMkLst>
+            <pc:docMk/>
+            <pc:sldMk cId="3741103209" sldId="2745"/>
+            <ac:picMk id="5" creationId="{197EF1EF-C4B4-1C55-B736-D9AE60BE4C77}"/>
+          </ac:picMkLst>
+        </pc:picChg>
+      </pc:sldChg>
+      <pc:sldChg chg="modSp add mod">
+        <pc:chgData name="Xin Luo" userId="82312ee5779919a4" providerId="LiveId" clId="{4807F875-6F75-AB41-83F0-5AE490FE2F1C}" dt="2023-09-13T14:07:01.122" v="8" actId="1076"/>
+        <pc:sldMkLst>
+          <pc:docMk/>
+          <pc:sldMk cId="1878724924" sldId="2758"/>
+        </pc:sldMkLst>
+        <pc:spChg chg="mod">
+          <ac:chgData name="Xin Luo" userId="82312ee5779919a4" providerId="LiveId" clId="{4807F875-6F75-AB41-83F0-5AE490FE2F1C}" dt="2023-09-13T14:06:54.082" v="5" actId="20577"/>
+          <ac:spMkLst>
+            <pc:docMk/>
+            <pc:sldMk cId="1878724924" sldId="2758"/>
+            <ac:spMk id="17" creationId="{9E05FFCA-3371-AF5C-381D-71D984055F5A}"/>
           </ac:spMkLst>
         </pc:spChg>
         <pc:picChg chg="mod">
-          <ac:chgData name="Xin Luo" userId="82312ee5779919a4" providerId="LiveId" clId="{ABECCF1F-1CAA-3A42-9710-47D9CB1C5B21}" dt="2023-08-21T03:50:00.106" v="69" actId="1076"/>
+          <ac:chgData name="Xin Luo" userId="82312ee5779919a4" providerId="LiveId" clId="{4807F875-6F75-AB41-83F0-5AE490FE2F1C}" dt="2023-09-13T14:07:01.122" v="8" actId="1076"/>
           <ac:picMkLst>
             <pc:docMk/>
-            <pc:sldMk cId="3833073590" sldId="2716"/>
-            <ac:picMk id="1030" creationId="{C93DB76E-C02F-05AC-2014-674F7E808ADA}"/>
-          </ac:picMkLst>
-        </pc:picChg>
-      </pc:sldChg>
-      <pc:sldChg chg="addSp delSp modSp mod">
-        <pc:chgData name="Xin Luo" userId="82312ee5779919a4" providerId="LiveId" clId="{ABECCF1F-1CAA-3A42-9710-47D9CB1C5B21}" dt="2023-08-21T03:52:56.239" v="118"/>
-        <pc:sldMkLst>
-          <pc:docMk/>
-          <pc:sldMk cId="2776132283" sldId="2739"/>
-        </pc:sldMkLst>
-        <pc:spChg chg="add del mod">
-          <ac:chgData name="Xin Luo" userId="82312ee5779919a4" providerId="LiveId" clId="{ABECCF1F-1CAA-3A42-9710-47D9CB1C5B21}" dt="2023-08-21T03:52:56.239" v="118"/>
-          <ac:spMkLst>
-            <pc:docMk/>
-            <pc:sldMk cId="2776132283" sldId="2739"/>
-            <ac:spMk id="4" creationId="{0411BEA9-35E9-6B80-5BDE-4EEB0EC8EBCB}"/>
-          </ac:spMkLst>
-        </pc:spChg>
-        <pc:spChg chg="mod">
-          <ac:chgData name="Xin Luo" userId="82312ee5779919a4" providerId="LiveId" clId="{ABECCF1F-1CAA-3A42-9710-47D9CB1C5B21}" dt="2023-08-21T03:50:50.271" v="115" actId="20577"/>
-          <ac:spMkLst>
-            <pc:docMk/>
-            <pc:sldMk cId="2776132283" sldId="2739"/>
-            <ac:spMk id="6" creationId="{6741FEA2-C046-FD82-2800-2CB513792080}"/>
-          </ac:spMkLst>
-        </pc:spChg>
-      </pc:sldChg>
-      <pc:sldChg chg="addSp modSp mod ord">
-        <pc:chgData name="Xin Luo" userId="82312ee5779919a4" providerId="LiveId" clId="{ABECCF1F-1CAA-3A42-9710-47D9CB1C5B21}" dt="2023-08-21T07:26:51.742" v="177" actId="20578"/>
-        <pc:sldMkLst>
-          <pc:docMk/>
-          <pc:sldMk cId="4194482579" sldId="2743"/>
-        </pc:sldMkLst>
-        <pc:spChg chg="mod">
-          <ac:chgData name="Xin Luo" userId="82312ee5779919a4" providerId="LiveId" clId="{ABECCF1F-1CAA-3A42-9710-47D9CB1C5B21}" dt="2023-08-21T03:59:16.975" v="136" actId="1076"/>
-          <ac:spMkLst>
-            <pc:docMk/>
-            <pc:sldMk cId="4194482579" sldId="2743"/>
-            <ac:spMk id="6" creationId="{6741FEA2-C046-FD82-2800-2CB513792080}"/>
-          </ac:spMkLst>
-        </pc:spChg>
-        <pc:picChg chg="add mod">
-          <ac:chgData name="Xin Luo" userId="82312ee5779919a4" providerId="LiveId" clId="{ABECCF1F-1CAA-3A42-9710-47D9CB1C5B21}" dt="2023-08-21T04:10:13.653" v="140" actId="1076"/>
-          <ac:picMkLst>
-            <pc:docMk/>
-            <pc:sldMk cId="4194482579" sldId="2743"/>
-            <ac:picMk id="5" creationId="{9ADF8EDA-38B9-3779-D260-4F6A4E5D19BA}"/>
-          </ac:picMkLst>
-        </pc:picChg>
-      </pc:sldChg>
-      <pc:sldChg chg="addSp delSp modSp add mod">
-        <pc:chgData name="Xin Luo" userId="82312ee5779919a4" providerId="LiveId" clId="{ABECCF1F-1CAA-3A42-9710-47D9CB1C5B21}" dt="2023-08-21T07:50:33.166" v="356" actId="20577"/>
-        <pc:sldMkLst>
-          <pc:docMk/>
-          <pc:sldMk cId="738332523" sldId="2751"/>
-        </pc:sldMkLst>
-        <pc:spChg chg="mod">
-          <ac:chgData name="Xin Luo" userId="82312ee5779919a4" providerId="LiveId" clId="{ABECCF1F-1CAA-3A42-9710-47D9CB1C5B21}" dt="2023-08-21T07:50:33.166" v="356" actId="20577"/>
-          <ac:spMkLst>
-            <pc:docMk/>
-            <pc:sldMk cId="738332523" sldId="2751"/>
-            <ac:spMk id="6" creationId="{6741FEA2-C046-FD82-2800-2CB513792080}"/>
-          </ac:spMkLst>
-        </pc:spChg>
-        <pc:spChg chg="add mod">
-          <ac:chgData name="Xin Luo" userId="82312ee5779919a4" providerId="LiveId" clId="{ABECCF1F-1CAA-3A42-9710-47D9CB1C5B21}" dt="2023-08-21T07:34:15.357" v="219" actId="1582"/>
-          <ac:spMkLst>
-            <pc:docMk/>
-            <pc:sldMk cId="738332523" sldId="2751"/>
-            <ac:spMk id="9" creationId="{7DC24FD0-4314-6A12-D955-592B771F546D}"/>
-          </ac:spMkLst>
-        </pc:spChg>
-        <pc:spChg chg="add mod">
-          <ac:chgData name="Xin Luo" userId="82312ee5779919a4" providerId="LiveId" clId="{ABECCF1F-1CAA-3A42-9710-47D9CB1C5B21}" dt="2023-08-21T07:34:15.357" v="219" actId="1582"/>
-          <ac:spMkLst>
-            <pc:docMk/>
-            <pc:sldMk cId="738332523" sldId="2751"/>
-            <ac:spMk id="10" creationId="{99C411EF-3CC5-A5C6-671F-2074FAC1B2AA}"/>
-          </ac:spMkLst>
-        </pc:spChg>
-        <pc:picChg chg="del">
-          <ac:chgData name="Xin Luo" userId="82312ee5779919a4" providerId="LiveId" clId="{ABECCF1F-1CAA-3A42-9710-47D9CB1C5B21}" dt="2023-08-21T04:10:31.596" v="142" actId="478"/>
-          <ac:picMkLst>
-            <pc:docMk/>
-            <pc:sldMk cId="738332523" sldId="2751"/>
-            <ac:picMk id="5" creationId="{9ADF8EDA-38B9-3779-D260-4F6A4E5D19BA}"/>
-          </ac:picMkLst>
-        </pc:picChg>
-        <pc:picChg chg="add mod">
-          <ac:chgData name="Xin Luo" userId="82312ee5779919a4" providerId="LiveId" clId="{ABECCF1F-1CAA-3A42-9710-47D9CB1C5B21}" dt="2023-08-21T07:32:54.017" v="202" actId="14100"/>
-          <ac:picMkLst>
-            <pc:docMk/>
-            <pc:sldMk cId="738332523" sldId="2751"/>
-            <ac:picMk id="5" creationId="{BE72E01E-2598-0120-36F4-36F0A128ED69}"/>
-          </ac:picMkLst>
-        </pc:picChg>
-        <pc:picChg chg="add mod">
-          <ac:chgData name="Xin Luo" userId="82312ee5779919a4" providerId="LiveId" clId="{ABECCF1F-1CAA-3A42-9710-47D9CB1C5B21}" dt="2023-08-21T07:32:58.176" v="211" actId="1037"/>
-          <ac:picMkLst>
-            <pc:docMk/>
-            <pc:sldMk cId="738332523" sldId="2751"/>
-            <ac:picMk id="8" creationId="{BE0108F0-EC07-C1EA-3126-BA6F63A1A7B8}"/>
-          </ac:picMkLst>
-        </pc:picChg>
-      </pc:sldChg>
-      <pc:sldChg chg="addSp delSp modSp add mod">
-        <pc:chgData name="Xin Luo" userId="82312ee5779919a4" providerId="LiveId" clId="{ABECCF1F-1CAA-3A42-9710-47D9CB1C5B21}" dt="2023-08-21T07:50:29.891" v="352" actId="20577"/>
-        <pc:sldMkLst>
-          <pc:docMk/>
-          <pc:sldMk cId="3189639985" sldId="2752"/>
-        </pc:sldMkLst>
-        <pc:spChg chg="mod">
-          <ac:chgData name="Xin Luo" userId="82312ee5779919a4" providerId="LiveId" clId="{ABECCF1F-1CAA-3A42-9710-47D9CB1C5B21}" dt="2023-08-21T07:50:29.891" v="352" actId="20577"/>
-          <ac:spMkLst>
-            <pc:docMk/>
-            <pc:sldMk cId="3189639985" sldId="2752"/>
-            <ac:spMk id="6" creationId="{6741FEA2-C046-FD82-2800-2CB513792080}"/>
-          </ac:spMkLst>
-        </pc:spChg>
-        <pc:spChg chg="del">
-          <ac:chgData name="Xin Luo" userId="82312ee5779919a4" providerId="LiveId" clId="{ABECCF1F-1CAA-3A42-9710-47D9CB1C5B21}" dt="2023-08-21T07:35:06.445" v="254" actId="478"/>
-          <ac:spMkLst>
-            <pc:docMk/>
-            <pc:sldMk cId="3189639985" sldId="2752"/>
-            <ac:spMk id="9" creationId="{7DC24FD0-4314-6A12-D955-592B771F546D}"/>
-          </ac:spMkLst>
-        </pc:spChg>
-        <pc:spChg chg="del">
-          <ac:chgData name="Xin Luo" userId="82312ee5779919a4" providerId="LiveId" clId="{ABECCF1F-1CAA-3A42-9710-47D9CB1C5B21}" dt="2023-08-21T07:35:05.287" v="253" actId="478"/>
-          <ac:spMkLst>
-            <pc:docMk/>
-            <pc:sldMk cId="3189639985" sldId="2752"/>
-            <ac:spMk id="10" creationId="{99C411EF-3CC5-A5C6-671F-2074FAC1B2AA}"/>
-          </ac:spMkLst>
-        </pc:spChg>
-        <pc:spChg chg="add mod">
-          <ac:chgData name="Xin Luo" userId="82312ee5779919a4" providerId="LiveId" clId="{ABECCF1F-1CAA-3A42-9710-47D9CB1C5B21}" dt="2023-08-21T07:40:48.338" v="306" actId="1036"/>
-          <ac:spMkLst>
-            <pc:docMk/>
-            <pc:sldMk cId="3189639985" sldId="2752"/>
-            <ac:spMk id="11" creationId="{C402EBD9-8BC8-2A75-1218-C7F537BD4F74}"/>
-          </ac:spMkLst>
-        </pc:spChg>
-        <pc:picChg chg="del">
-          <ac:chgData name="Xin Luo" userId="82312ee5779919a4" providerId="LiveId" clId="{ABECCF1F-1CAA-3A42-9710-47D9CB1C5B21}" dt="2023-08-21T07:35:02.911" v="251" actId="478"/>
-          <ac:picMkLst>
-            <pc:docMk/>
-            <pc:sldMk cId="3189639985" sldId="2752"/>
-            <ac:picMk id="5" creationId="{BE72E01E-2598-0120-36F4-36F0A128ED69}"/>
-          </ac:picMkLst>
-        </pc:picChg>
-        <pc:picChg chg="add mod">
-          <ac:chgData name="Xin Luo" userId="82312ee5779919a4" providerId="LiveId" clId="{ABECCF1F-1CAA-3A42-9710-47D9CB1C5B21}" dt="2023-08-21T07:39:33.543" v="260" actId="1076"/>
-          <ac:picMkLst>
-            <pc:docMk/>
-            <pc:sldMk cId="3189639985" sldId="2752"/>
-            <ac:picMk id="7" creationId="{24022410-0AAA-D584-D160-5FF352C689F2}"/>
-          </ac:picMkLst>
-        </pc:picChg>
-        <pc:picChg chg="del">
-          <ac:chgData name="Xin Luo" userId="82312ee5779919a4" providerId="LiveId" clId="{ABECCF1F-1CAA-3A42-9710-47D9CB1C5B21}" dt="2023-08-21T07:35:04.316" v="252" actId="478"/>
-          <ac:picMkLst>
-            <pc:docMk/>
-            <pc:sldMk cId="3189639985" sldId="2752"/>
-            <ac:picMk id="8" creationId="{BE0108F0-EC07-C1EA-3126-BA6F63A1A7B8}"/>
-          </ac:picMkLst>
-        </pc:picChg>
-      </pc:sldChg>
-      <pc:sldChg chg="addSp delSp modSp add mod">
-        <pc:chgData name="Xin Luo" userId="82312ee5779919a4" providerId="LiveId" clId="{ABECCF1F-1CAA-3A42-9710-47D9CB1C5B21}" dt="2023-08-21T08:59:24.857" v="602" actId="478"/>
-        <pc:sldMkLst>
-          <pc:docMk/>
-          <pc:sldMk cId="2878944048" sldId="2753"/>
-        </pc:sldMkLst>
-        <pc:spChg chg="add mod">
-          <ac:chgData name="Xin Luo" userId="82312ee5779919a4" providerId="LiveId" clId="{ABECCF1F-1CAA-3A42-9710-47D9CB1C5B21}" dt="2023-08-21T08:50:36.994" v="558" actId="1035"/>
-          <ac:spMkLst>
-            <pc:docMk/>
-            <pc:sldMk cId="2878944048" sldId="2753"/>
-            <ac:spMk id="4" creationId="{7C941D71-E279-B2E7-21F9-0FFA72E7FAD1}"/>
-          </ac:spMkLst>
-        </pc:spChg>
-        <pc:spChg chg="add mod">
-          <ac:chgData name="Xin Luo" userId="82312ee5779919a4" providerId="LiveId" clId="{ABECCF1F-1CAA-3A42-9710-47D9CB1C5B21}" dt="2023-08-21T08:57:49.557" v="576" actId="20577"/>
-          <ac:spMkLst>
-            <pc:docMk/>
-            <pc:sldMk cId="2878944048" sldId="2753"/>
-            <ac:spMk id="5" creationId="{94F1BB64-6BD2-B2BF-B804-61A5AE170068}"/>
-          </ac:spMkLst>
-        </pc:spChg>
-        <pc:spChg chg="mod">
-          <ac:chgData name="Xin Luo" userId="82312ee5779919a4" providerId="LiveId" clId="{ABECCF1F-1CAA-3A42-9710-47D9CB1C5B21}" dt="2023-08-21T07:50:17.070" v="348" actId="20577"/>
-          <ac:spMkLst>
-            <pc:docMk/>
-            <pc:sldMk cId="2878944048" sldId="2753"/>
-            <ac:spMk id="6" creationId="{6741FEA2-C046-FD82-2800-2CB513792080}"/>
-          </ac:spMkLst>
-        </pc:spChg>
-        <pc:spChg chg="add del mod">
-          <ac:chgData name="Xin Luo" userId="82312ee5779919a4" providerId="LiveId" clId="{ABECCF1F-1CAA-3A42-9710-47D9CB1C5B21}" dt="2023-08-21T08:59:24.857" v="602" actId="478"/>
-          <ac:spMkLst>
-            <pc:docMk/>
-            <pc:sldMk cId="2878944048" sldId="2753"/>
-            <ac:spMk id="8" creationId="{A2337412-D749-2149-F722-E14B45A47143}"/>
-          </ac:spMkLst>
-        </pc:spChg>
-        <pc:spChg chg="add del mod">
-          <ac:chgData name="Xin Luo" userId="82312ee5779919a4" providerId="LiveId" clId="{ABECCF1F-1CAA-3A42-9710-47D9CB1C5B21}" dt="2023-08-21T08:59:23.825" v="601" actId="478"/>
-          <ac:spMkLst>
-            <pc:docMk/>
-            <pc:sldMk cId="2878944048" sldId="2753"/>
-            <ac:spMk id="10" creationId="{5FE06F54-CFCF-1F7B-8703-FF45449C4348}"/>
-          </ac:spMkLst>
-        </pc:spChg>
-        <pc:spChg chg="mod">
-          <ac:chgData name="Xin Luo" userId="82312ee5779919a4" providerId="LiveId" clId="{ABECCF1F-1CAA-3A42-9710-47D9CB1C5B21}" dt="2023-08-21T08:23:18.853" v="465" actId="1076"/>
-          <ac:spMkLst>
-            <pc:docMk/>
-            <pc:sldMk cId="2878944048" sldId="2753"/>
-            <ac:spMk id="11" creationId="{C402EBD9-8BC8-2A75-1218-C7F537BD4F74}"/>
-          </ac:spMkLst>
-        </pc:spChg>
-        <pc:picChg chg="del">
-          <ac:chgData name="Xin Luo" userId="82312ee5779919a4" providerId="LiveId" clId="{ABECCF1F-1CAA-3A42-9710-47D9CB1C5B21}" dt="2023-08-21T08:21:53.593" v="357" actId="478"/>
-          <ac:picMkLst>
-            <pc:docMk/>
-            <pc:sldMk cId="2878944048" sldId="2753"/>
-            <ac:picMk id="7" creationId="{24022410-0AAA-D584-D160-5FF352C689F2}"/>
-          </ac:picMkLst>
-        </pc:picChg>
-      </pc:sldChg>
-      <pc:sldChg chg="addSp delSp modSp add mod">
-        <pc:chgData name="Xin Luo" userId="82312ee5779919a4" providerId="LiveId" clId="{ABECCF1F-1CAA-3A42-9710-47D9CB1C5B21}" dt="2023-08-21T09:09:03.859" v="781" actId="14100"/>
-        <pc:sldMkLst>
-          <pc:docMk/>
-          <pc:sldMk cId="2927474256" sldId="2754"/>
-        </pc:sldMkLst>
-        <pc:spChg chg="del">
-          <ac:chgData name="Xin Luo" userId="82312ee5779919a4" providerId="LiveId" clId="{ABECCF1F-1CAA-3A42-9710-47D9CB1C5B21}" dt="2023-08-21T08:59:29.253" v="603" actId="478"/>
-          <ac:spMkLst>
-            <pc:docMk/>
-            <pc:sldMk cId="2927474256" sldId="2754"/>
-            <ac:spMk id="4" creationId="{7C941D71-E279-B2E7-21F9-0FFA72E7FAD1}"/>
-          </ac:spMkLst>
-        </pc:spChg>
-        <pc:spChg chg="del">
-          <ac:chgData name="Xin Luo" userId="82312ee5779919a4" providerId="LiveId" clId="{ABECCF1F-1CAA-3A42-9710-47D9CB1C5B21}" dt="2023-08-21T08:59:29.253" v="603" actId="478"/>
-          <ac:spMkLst>
-            <pc:docMk/>
-            <pc:sldMk cId="2927474256" sldId="2754"/>
-            <ac:spMk id="5" creationId="{94F1BB64-6BD2-B2BF-B804-61A5AE170068}"/>
-          </ac:spMkLst>
-        </pc:spChg>
-        <pc:spChg chg="del">
-          <ac:chgData name="Xin Luo" userId="82312ee5779919a4" providerId="LiveId" clId="{ABECCF1F-1CAA-3A42-9710-47D9CB1C5B21}" dt="2023-08-21T08:59:29.253" v="603" actId="478"/>
-          <ac:spMkLst>
-            <pc:docMk/>
-            <pc:sldMk cId="2927474256" sldId="2754"/>
-            <ac:spMk id="6" creationId="{6741FEA2-C046-FD82-2800-2CB513792080}"/>
-          </ac:spMkLst>
-        </pc:spChg>
-        <pc:spChg chg="mod">
-          <ac:chgData name="Xin Luo" userId="82312ee5779919a4" providerId="LiveId" clId="{ABECCF1F-1CAA-3A42-9710-47D9CB1C5B21}" dt="2023-08-21T09:08:39.577" v="757" actId="1035"/>
-          <ac:spMkLst>
-            <pc:docMk/>
-            <pc:sldMk cId="2927474256" sldId="2754"/>
-            <ac:spMk id="8" creationId="{A2337412-D749-2149-F722-E14B45A47143}"/>
-          </ac:spMkLst>
-        </pc:spChg>
-        <pc:spChg chg="mod">
-          <ac:chgData name="Xin Luo" userId="82312ee5779919a4" providerId="LiveId" clId="{ABECCF1F-1CAA-3A42-9710-47D9CB1C5B21}" dt="2023-08-21T09:08:39.577" v="757" actId="1035"/>
-          <ac:spMkLst>
-            <pc:docMk/>
-            <pc:sldMk cId="2927474256" sldId="2754"/>
-            <ac:spMk id="10" creationId="{5FE06F54-CFCF-1F7B-8703-FF45449C4348}"/>
-          </ac:spMkLst>
-        </pc:spChg>
-        <pc:spChg chg="del">
-          <ac:chgData name="Xin Luo" userId="82312ee5779919a4" providerId="LiveId" clId="{ABECCF1F-1CAA-3A42-9710-47D9CB1C5B21}" dt="2023-08-21T08:59:29.253" v="603" actId="478"/>
-          <ac:spMkLst>
-            <pc:docMk/>
-            <pc:sldMk cId="2927474256" sldId="2754"/>
-            <ac:spMk id="11" creationId="{C402EBD9-8BC8-2A75-1218-C7F537BD4F74}"/>
-          </ac:spMkLst>
-        </pc:spChg>
-        <pc:spChg chg="add mod">
-          <ac:chgData name="Xin Luo" userId="82312ee5779919a4" providerId="LiveId" clId="{ABECCF1F-1CAA-3A42-9710-47D9CB1C5B21}" dt="2023-08-21T09:08:39.577" v="757" actId="1035"/>
-          <ac:spMkLst>
-            <pc:docMk/>
-            <pc:sldMk cId="2927474256" sldId="2754"/>
-            <ac:spMk id="16" creationId="{2EA13607-3EE9-0EBE-2310-AB66CADD8400}"/>
-          </ac:spMkLst>
-        </pc:spChg>
-        <pc:spChg chg="add mod">
-          <ac:chgData name="Xin Luo" userId="82312ee5779919a4" providerId="LiveId" clId="{ABECCF1F-1CAA-3A42-9710-47D9CB1C5B21}" dt="2023-08-21T09:08:39.577" v="757" actId="1035"/>
-          <ac:spMkLst>
-            <pc:docMk/>
-            <pc:sldMk cId="2927474256" sldId="2754"/>
-            <ac:spMk id="17" creationId="{8CFF8A22-C033-47DF-8707-CA76F142CBBA}"/>
-          </ac:spMkLst>
-        </pc:spChg>
-        <pc:spChg chg="add mod">
-          <ac:chgData name="Xin Luo" userId="82312ee5779919a4" providerId="LiveId" clId="{ABECCF1F-1CAA-3A42-9710-47D9CB1C5B21}" dt="2023-08-21T09:09:03.859" v="781" actId="14100"/>
-          <ac:spMkLst>
-            <pc:docMk/>
-            <pc:sldMk cId="2927474256" sldId="2754"/>
-            <ac:spMk id="19" creationId="{F1F8BC3A-2851-66F8-445F-CC5C10AB9E4F}"/>
-          </ac:spMkLst>
-        </pc:spChg>
-        <pc:grpChg chg="add mod">
-          <ac:chgData name="Xin Luo" userId="82312ee5779919a4" providerId="LiveId" clId="{ABECCF1F-1CAA-3A42-9710-47D9CB1C5B21}" dt="2023-08-21T09:08:55.770" v="774" actId="1036"/>
-          <ac:grpSpMkLst>
-            <pc:docMk/>
-            <pc:sldMk cId="2927474256" sldId="2754"/>
-            <ac:grpSpMk id="20" creationId="{8AA7B3E2-1D42-96C9-43F0-1F320D3EFD63}"/>
-          </ac:grpSpMkLst>
-        </pc:grpChg>
-        <pc:picChg chg="add mod modCrop">
-          <ac:chgData name="Xin Luo" userId="82312ee5779919a4" providerId="LiveId" clId="{ABECCF1F-1CAA-3A42-9710-47D9CB1C5B21}" dt="2023-08-21T09:08:55.770" v="774" actId="1036"/>
-          <ac:picMkLst>
-            <pc:docMk/>
-            <pc:sldMk cId="2927474256" sldId="2754"/>
-            <ac:picMk id="9" creationId="{0CF46726-2B51-43A4-FDEF-A6131C46F05F}"/>
-          </ac:picMkLst>
-        </pc:picChg>
-        <pc:picChg chg="add del mod">
-          <ac:chgData name="Xin Luo" userId="82312ee5779919a4" providerId="LiveId" clId="{ABECCF1F-1CAA-3A42-9710-47D9CB1C5B21}" dt="2023-08-21T09:04:37.137" v="680" actId="478"/>
-          <ac:picMkLst>
-            <pc:docMk/>
-            <pc:sldMk cId="2927474256" sldId="2754"/>
-            <ac:picMk id="13" creationId="{2C310207-BBE2-954A-9122-8957AF07383A}"/>
-          </ac:picMkLst>
-        </pc:picChg>
-        <pc:picChg chg="add mod modCrop">
-          <ac:chgData name="Xin Luo" userId="82312ee5779919a4" providerId="LiveId" clId="{ABECCF1F-1CAA-3A42-9710-47D9CB1C5B21}" dt="2023-08-21T09:08:39.577" v="757" actId="1035"/>
-          <ac:picMkLst>
-            <pc:docMk/>
-            <pc:sldMk cId="2927474256" sldId="2754"/>
-            <ac:picMk id="15" creationId="{639D3A36-F4F5-4F0C-7519-97D401E3DE91}"/>
-          </ac:picMkLst>
-        </pc:picChg>
-      </pc:sldChg>
-      <pc:sldChg chg="delSp modSp add mod">
-        <pc:chgData name="Xin Luo" userId="82312ee5779919a4" providerId="LiveId" clId="{ABECCF1F-1CAA-3A42-9710-47D9CB1C5B21}" dt="2023-08-21T09:31:16.266" v="879" actId="20577"/>
-        <pc:sldMkLst>
-          <pc:docMk/>
-          <pc:sldMk cId="3593416967" sldId="2755"/>
-        </pc:sldMkLst>
-        <pc:spChg chg="mod">
-          <ac:chgData name="Xin Luo" userId="82312ee5779919a4" providerId="LiveId" clId="{ABECCF1F-1CAA-3A42-9710-47D9CB1C5B21}" dt="2023-08-21T09:31:03.242" v="873" actId="20577"/>
-          <ac:spMkLst>
-            <pc:docMk/>
-            <pc:sldMk cId="3593416967" sldId="2755"/>
-            <ac:spMk id="8" creationId="{A2337412-D749-2149-F722-E14B45A47143}"/>
-          </ac:spMkLst>
-        </pc:spChg>
-        <pc:spChg chg="mod">
-          <ac:chgData name="Xin Luo" userId="82312ee5779919a4" providerId="LiveId" clId="{ABECCF1F-1CAA-3A42-9710-47D9CB1C5B21}" dt="2023-08-21T09:31:16.266" v="879" actId="20577"/>
-          <ac:spMkLst>
-            <pc:docMk/>
-            <pc:sldMk cId="3593416967" sldId="2755"/>
-            <ac:spMk id="10" creationId="{5FE06F54-CFCF-1F7B-8703-FF45449C4348}"/>
-          </ac:spMkLst>
-        </pc:spChg>
-        <pc:grpChg chg="del">
-          <ac:chgData name="Xin Luo" userId="82312ee5779919a4" providerId="LiveId" clId="{ABECCF1F-1CAA-3A42-9710-47D9CB1C5B21}" dt="2023-08-21T09:31:06.835" v="875" actId="478"/>
-          <ac:grpSpMkLst>
-            <pc:docMk/>
-            <pc:sldMk cId="3593416967" sldId="2755"/>
-            <ac:grpSpMk id="20" creationId="{8AA7B3E2-1D42-96C9-43F0-1F320D3EFD63}"/>
-          </ac:grpSpMkLst>
-        </pc:grpChg>
-        <pc:picChg chg="del">
-          <ac:chgData name="Xin Luo" userId="82312ee5779919a4" providerId="LiveId" clId="{ABECCF1F-1CAA-3A42-9710-47D9CB1C5B21}" dt="2023-08-21T09:31:06.186" v="874" actId="478"/>
-          <ac:picMkLst>
-            <pc:docMk/>
-            <pc:sldMk cId="3593416967" sldId="2755"/>
-            <ac:picMk id="9" creationId="{0CF46726-2B51-43A4-FDEF-A6131C46F05F}"/>
+            <pc:sldMk cId="1878724924" sldId="2758"/>
+            <ac:picMk id="5" creationId="{197EF1EF-C4B4-1C55-B736-D9AE60BE4C77}"/>
           </ac:picMkLst>
         </pc:picChg>
       </pc:sldChg>
@@ -3490,83 +3548,183 @@
     </pc:docChg>
   </pc:docChgLst>
   <pc:docChgLst>
-    <pc:chgData name="Xin Luo" userId="82312ee5779919a4" providerId="LiveId" clId="{4807F875-6F75-AB41-83F0-5AE490FE2F1C}"/>
-    <pc:docChg chg="custSel addSld modSld">
-      <pc:chgData name="Xin Luo" userId="82312ee5779919a4" providerId="LiveId" clId="{4807F875-6F75-AB41-83F0-5AE490FE2F1C}" dt="2023-09-13T14:07:01.122" v="8" actId="1076"/>
+    <pc:chgData name="Xin Luo" userId="82312ee5779919a4" providerId="LiveId" clId="{2FF6A6EB-E5A4-8842-BF32-6D47E8C174A0}"/>
+    <pc:docChg chg="custSel addSld delSld modSld">
+      <pc:chgData name="Xin Luo" userId="82312ee5779919a4" providerId="LiveId" clId="{2FF6A6EB-E5A4-8842-BF32-6D47E8C174A0}" dt="2024-09-12T05:11:37.890" v="3" actId="478"/>
       <pc:docMkLst>
         <pc:docMk/>
       </pc:docMkLst>
       <pc:sldChg chg="addSp delSp modSp mod">
-        <pc:chgData name="Xin Luo" userId="82312ee5779919a4" providerId="LiveId" clId="{4807F875-6F75-AB41-83F0-5AE490FE2F1C}" dt="2023-09-13T14:06:41.345" v="2" actId="478"/>
+        <pc:chgData name="Xin Luo" userId="82312ee5779919a4" providerId="LiveId" clId="{2FF6A6EB-E5A4-8842-BF32-6D47E8C174A0}" dt="2024-09-12T05:11:37.890" v="3" actId="478"/>
+        <pc:sldMkLst>
+          <pc:docMk/>
+          <pc:sldMk cId="2776132283" sldId="2739"/>
+        </pc:sldMkLst>
+        <pc:spChg chg="add del mod">
+          <ac:chgData name="Xin Luo" userId="82312ee5779919a4" providerId="LiveId" clId="{2FF6A6EB-E5A4-8842-BF32-6D47E8C174A0}" dt="2024-09-12T05:11:37.890" v="3" actId="478"/>
+          <ac:spMkLst>
+            <pc:docMk/>
+            <pc:sldMk cId="2776132283" sldId="2739"/>
+            <ac:spMk id="4" creationId="{978072F8-5233-DA61-BB59-38E1F9162CF1}"/>
+          </ac:spMkLst>
+        </pc:spChg>
+      </pc:sldChg>
+      <pc:sldChg chg="add del">
+        <pc:chgData name="Xin Luo" userId="82312ee5779919a4" providerId="LiveId" clId="{2FF6A6EB-E5A4-8842-BF32-6D47E8C174A0}" dt="2024-09-12T03:22:05.035" v="1" actId="2696"/>
+        <pc:sldMkLst>
+          <pc:docMk/>
+          <pc:sldMk cId="2363515716" sldId="2767"/>
+        </pc:sldMkLst>
+      </pc:sldChg>
+    </pc:docChg>
+  </pc:docChgLst>
+  <pc:docChgLst>
+    <pc:chgData name="Xin Luo" userId="82312ee5779919a4" providerId="LiveId" clId="{A508F461-0D73-864F-B88A-277BCD613B0A}"/>
+    <pc:docChg chg="modSld">
+      <pc:chgData name="Xin Luo" userId="82312ee5779919a4" providerId="LiveId" clId="{A508F461-0D73-864F-B88A-277BCD613B0A}" dt="2023-09-11T02:08:48.074" v="121" actId="1076"/>
+      <pc:docMkLst>
+        <pc:docMk/>
+      </pc:docMkLst>
+      <pc:sldChg chg="modSp mod">
+        <pc:chgData name="Xin Luo" userId="82312ee5779919a4" providerId="LiveId" clId="{A508F461-0D73-864F-B88A-277BCD613B0A}" dt="2023-09-11T01:25:36.157" v="49" actId="255"/>
+        <pc:sldMkLst>
+          <pc:docMk/>
+          <pc:sldMk cId="1209572041" sldId="2722"/>
+        </pc:sldMkLst>
+        <pc:spChg chg="mod">
+          <ac:chgData name="Xin Luo" userId="82312ee5779919a4" providerId="LiveId" clId="{A508F461-0D73-864F-B88A-277BCD613B0A}" dt="2023-09-11T01:25:36.157" v="49" actId="255"/>
+          <ac:spMkLst>
+            <pc:docMk/>
+            <pc:sldMk cId="1209572041" sldId="2722"/>
+            <ac:spMk id="13" creationId="{303BC878-BC57-D350-27A3-F03AE48213AC}"/>
+          </ac:spMkLst>
+        </pc:spChg>
+      </pc:sldChg>
+      <pc:sldChg chg="modSp mod">
+        <pc:chgData name="Xin Luo" userId="82312ee5779919a4" providerId="LiveId" clId="{A508F461-0D73-864F-B88A-277BCD613B0A}" dt="2023-09-11T02:08:48.074" v="121" actId="1076"/>
+        <pc:sldMkLst>
+          <pc:docMk/>
+          <pc:sldMk cId="3151170836" sldId="2742"/>
+        </pc:sldMkLst>
+        <pc:spChg chg="mod">
+          <ac:chgData name="Xin Luo" userId="82312ee5779919a4" providerId="LiveId" clId="{A508F461-0D73-864F-B88A-277BCD613B0A}" dt="2023-09-11T02:08:48.074" v="121" actId="1076"/>
+          <ac:spMkLst>
+            <pc:docMk/>
+            <pc:sldMk cId="3151170836" sldId="2742"/>
+            <ac:spMk id="6" creationId="{FA343B24-C04E-C7D0-D427-DA131ECB74AB}"/>
+          </ac:spMkLst>
+        </pc:spChg>
+      </pc:sldChg>
+      <pc:sldChg chg="modSp mod">
+        <pc:chgData name="Xin Luo" userId="82312ee5779919a4" providerId="LiveId" clId="{A508F461-0D73-864F-B88A-277BCD613B0A}" dt="2023-09-11T01:24:19.474" v="26" actId="255"/>
         <pc:sldMkLst>
           <pc:docMk/>
           <pc:sldMk cId="3741103209" sldId="2745"/>
         </pc:sldMkLst>
-        <pc:picChg chg="add del mod">
-          <ac:chgData name="Xin Luo" userId="82312ee5779919a4" providerId="LiveId" clId="{4807F875-6F75-AB41-83F0-5AE490FE2F1C}" dt="2023-09-13T14:06:41.345" v="2" actId="478"/>
-          <ac:picMkLst>
+        <pc:spChg chg="mod">
+          <ac:chgData name="Xin Luo" userId="82312ee5779919a4" providerId="LiveId" clId="{A508F461-0D73-864F-B88A-277BCD613B0A}" dt="2023-09-11T01:24:19.474" v="26" actId="255"/>
+          <ac:spMkLst>
             <pc:docMk/>
             <pc:sldMk cId="3741103209" sldId="2745"/>
-            <ac:picMk id="5" creationId="{197EF1EF-C4B4-1C55-B736-D9AE60BE4C77}"/>
-          </ac:picMkLst>
-        </pc:picChg>
+            <ac:spMk id="17" creationId="{9E05FFCA-3371-AF5C-381D-71D984055F5A}"/>
+          </ac:spMkLst>
+        </pc:spChg>
       </pc:sldChg>
-      <pc:sldChg chg="modSp add mod">
-        <pc:chgData name="Xin Luo" userId="82312ee5779919a4" providerId="LiveId" clId="{4807F875-6F75-AB41-83F0-5AE490FE2F1C}" dt="2023-09-13T14:07:01.122" v="8" actId="1076"/>
+      <pc:sldChg chg="modSp mod">
+        <pc:chgData name="Xin Luo" userId="82312ee5779919a4" providerId="LiveId" clId="{A508F461-0D73-864F-B88A-277BCD613B0A}" dt="2023-09-11T01:25:10.921" v="46" actId="1035"/>
         <pc:sldMkLst>
           <pc:docMk/>
-          <pc:sldMk cId="1878724924" sldId="2758"/>
+          <pc:sldMk cId="2081473989" sldId="2748"/>
         </pc:sldMkLst>
         <pc:spChg chg="mod">
-          <ac:chgData name="Xin Luo" userId="82312ee5779919a4" providerId="LiveId" clId="{4807F875-6F75-AB41-83F0-5AE490FE2F1C}" dt="2023-09-13T14:06:54.082" v="5" actId="20577"/>
+          <ac:chgData name="Xin Luo" userId="82312ee5779919a4" providerId="LiveId" clId="{A508F461-0D73-864F-B88A-277BCD613B0A}" dt="2023-09-11T01:25:10.921" v="46" actId="1035"/>
           <ac:spMkLst>
             <pc:docMk/>
-            <pc:sldMk cId="1878724924" sldId="2758"/>
+            <pc:sldMk cId="2081473989" sldId="2748"/>
+            <ac:spMk id="15" creationId="{DAE75BEB-15B0-6AD3-FEA5-24688F0C9399}"/>
+          </ac:spMkLst>
+        </pc:spChg>
+        <pc:spChg chg="mod">
+          <ac:chgData name="Xin Luo" userId="82312ee5779919a4" providerId="LiveId" clId="{A508F461-0D73-864F-B88A-277BCD613B0A}" dt="2023-09-11T01:25:10.921" v="46" actId="1035"/>
+          <ac:spMkLst>
+            <pc:docMk/>
+            <pc:sldMk cId="2081473989" sldId="2748"/>
+            <ac:spMk id="16" creationId="{011A1F98-9159-4FE6-698D-1B0B7EFC1F4C}"/>
+          </ac:spMkLst>
+        </pc:spChg>
+        <pc:spChg chg="mod">
+          <ac:chgData name="Xin Luo" userId="82312ee5779919a4" providerId="LiveId" clId="{A508F461-0D73-864F-B88A-277BCD613B0A}" dt="2023-09-11T01:25:03.190" v="37" actId="2710"/>
+          <ac:spMkLst>
+            <pc:docMk/>
+            <pc:sldMk cId="2081473989" sldId="2748"/>
             <ac:spMk id="17" creationId="{9E05FFCA-3371-AF5C-381D-71D984055F5A}"/>
           </ac:spMkLst>
         </pc:spChg>
         <pc:picChg chg="mod">
-          <ac:chgData name="Xin Luo" userId="82312ee5779919a4" providerId="LiveId" clId="{4807F875-6F75-AB41-83F0-5AE490FE2F1C}" dt="2023-09-13T14:07:01.122" v="8" actId="1076"/>
+          <ac:chgData name="Xin Luo" userId="82312ee5779919a4" providerId="LiveId" clId="{A508F461-0D73-864F-B88A-277BCD613B0A}" dt="2023-09-11T01:25:10.921" v="46" actId="1035"/>
           <ac:picMkLst>
             <pc:docMk/>
-            <pc:sldMk cId="1878724924" sldId="2758"/>
-            <ac:picMk id="5" creationId="{197EF1EF-C4B4-1C55-B736-D9AE60BE4C77}"/>
+            <pc:sldMk cId="2081473989" sldId="2748"/>
+            <ac:picMk id="8" creationId="{79143EB1-6171-6D6B-E065-52F98AD03CCA}"/>
+          </ac:picMkLst>
+        </pc:picChg>
+        <pc:picChg chg="mod">
+          <ac:chgData name="Xin Luo" userId="82312ee5779919a4" providerId="LiveId" clId="{A508F461-0D73-864F-B88A-277BCD613B0A}" dt="2023-09-11T01:25:10.921" v="46" actId="1035"/>
+          <ac:picMkLst>
+            <pc:docMk/>
+            <pc:sldMk cId="2081473989" sldId="2748"/>
+            <ac:picMk id="12" creationId="{CD5784D5-D55B-B02C-C48B-B4566A95D7A5}"/>
+          </ac:picMkLst>
+        </pc:picChg>
+      </pc:sldChg>
+      <pc:sldChg chg="modSp mod">
+        <pc:chgData name="Xin Luo" userId="82312ee5779919a4" providerId="LiveId" clId="{A508F461-0D73-864F-B88A-277BCD613B0A}" dt="2023-09-11T01:23:28.376" v="25" actId="1037"/>
+        <pc:sldMkLst>
+          <pc:docMk/>
+          <pc:sldMk cId="2927474256" sldId="2754"/>
+        </pc:sldMkLst>
+        <pc:spChg chg="mod">
+          <ac:chgData name="Xin Luo" userId="82312ee5779919a4" providerId="LiveId" clId="{A508F461-0D73-864F-B88A-277BCD613B0A}" dt="2023-09-11T01:23:28.376" v="25" actId="1037"/>
+          <ac:spMkLst>
+            <pc:docMk/>
+            <pc:sldMk cId="2927474256" sldId="2754"/>
+            <ac:spMk id="17" creationId="{8CFF8A22-C033-47DF-8707-CA76F142CBBA}"/>
+          </ac:spMkLst>
+        </pc:spChg>
+        <pc:grpChg chg="mod">
+          <ac:chgData name="Xin Luo" userId="82312ee5779919a4" providerId="LiveId" clId="{A508F461-0D73-864F-B88A-277BCD613B0A}" dt="2023-09-11T01:23:15.792" v="0" actId="1037"/>
+          <ac:grpSpMkLst>
+            <pc:docMk/>
+            <pc:sldMk cId="2927474256" sldId="2754"/>
+            <ac:grpSpMk id="20" creationId="{8AA7B3E2-1D42-96C9-43F0-1F320D3EFD63}"/>
+          </ac:grpSpMkLst>
+        </pc:grpChg>
+        <pc:picChg chg="mod">
+          <ac:chgData name="Xin Luo" userId="82312ee5779919a4" providerId="LiveId" clId="{A508F461-0D73-864F-B88A-277BCD613B0A}" dt="2023-09-11T01:23:18.846" v="10" actId="1038"/>
+          <ac:picMkLst>
+            <pc:docMk/>
+            <pc:sldMk cId="2927474256" sldId="2754"/>
+            <ac:picMk id="9" creationId="{0CF46726-2B51-43A4-FDEF-A6131C46F05F}"/>
           </ac:picMkLst>
         </pc:picChg>
       </pc:sldChg>
     </pc:docChg>
   </pc:docChgLst>
   <pc:docChgLst>
-    <pc:chgData name="Xin Luo" userId="82312ee5779919a4" providerId="LiveId" clId="{98EC8ECB-A80D-1449-ACFE-0D931F29C13A}"/>
-    <pc:docChg chg="undo custSel addSld delSld modSld">
-      <pc:chgData name="Xin Luo" userId="82312ee5779919a4" providerId="LiveId" clId="{98EC8ECB-A80D-1449-ACFE-0D931F29C13A}" dt="2023-02-23T15:47:30.471" v="734" actId="478"/>
+    <pc:chgData name="Xin Luo" userId="82312ee5779919a4" providerId="LiveId" clId="{ABECCF1F-1CAA-3A42-9710-47D9CB1C5B21}"/>
+    <pc:docChg chg="undo custSel addSld modSld sldOrd">
+      <pc:chgData name="Xin Luo" userId="82312ee5779919a4" providerId="LiveId" clId="{ABECCF1F-1CAA-3A42-9710-47D9CB1C5B21}" dt="2023-08-21T09:31:16.266" v="879" actId="20577"/>
       <pc:docMkLst>
         <pc:docMk/>
       </pc:docMkLst>
       <pc:sldChg chg="modSp mod">
-        <pc:chgData name="Xin Luo" userId="82312ee5779919a4" providerId="LiveId" clId="{98EC8ECB-A80D-1449-ACFE-0D931F29C13A}" dt="2023-02-23T15:07:38.481" v="282" actId="20577"/>
+        <pc:chgData name="Xin Luo" userId="82312ee5779919a4" providerId="LiveId" clId="{ABECCF1F-1CAA-3A42-9710-47D9CB1C5B21}" dt="2023-08-21T02:55:15.471" v="67" actId="20577"/>
         <pc:sldMkLst>
           <pc:docMk/>
           <pc:sldMk cId="1576120367" sldId="2387"/>
         </pc:sldMkLst>
         <pc:spChg chg="mod">
-          <ac:chgData name="Xin Luo" userId="82312ee5779919a4" providerId="LiveId" clId="{98EC8ECB-A80D-1449-ACFE-0D931F29C13A}" dt="2023-02-23T15:07:38.481" v="282" actId="20577"/>
-          <ac:spMkLst>
-            <pc:docMk/>
-            <pc:sldMk cId="1576120367" sldId="2387"/>
-            <ac:spMk id="5" creationId="{494DAA55-5621-28DB-D255-E0EBB6C6477B}"/>
-          </ac:spMkLst>
-        </pc:spChg>
-        <pc:spChg chg="mod">
-          <ac:chgData name="Xin Luo" userId="82312ee5779919a4" providerId="LiveId" clId="{98EC8ECB-A80D-1449-ACFE-0D931F29C13A}" dt="2023-02-23T15:06:04.024" v="241" actId="1076"/>
-          <ac:spMkLst>
-            <pc:docMk/>
-            <pc:sldMk cId="1576120367" sldId="2387"/>
-            <ac:spMk id="6" creationId="{00000000-0000-0000-0000-000000000000}"/>
-          </ac:spMkLst>
-        </pc:spChg>
-        <pc:spChg chg="mod">
-          <ac:chgData name="Xin Luo" userId="82312ee5779919a4" providerId="LiveId" clId="{98EC8ECB-A80D-1449-ACFE-0D931F29C13A}" dt="2023-02-23T15:05:37.607" v="201" actId="403"/>
+          <ac:chgData name="Xin Luo" userId="82312ee5779919a4" providerId="LiveId" clId="{ABECCF1F-1CAA-3A42-9710-47D9CB1C5B21}" dt="2023-08-21T02:55:15.471" v="67" actId="20577"/>
           <ac:spMkLst>
             <pc:docMk/>
             <pc:sldMk cId="1576120367" sldId="2387"/>
@@ -3574,7 +3732,7 @@
           </ac:spMkLst>
         </pc:spChg>
         <pc:spChg chg="mod">
-          <ac:chgData name="Xin Luo" userId="82312ee5779919a4" providerId="LiveId" clId="{98EC8ECB-A80D-1449-ACFE-0D931F29C13A}" dt="2023-02-23T15:04:17.856" v="99" actId="20577"/>
+          <ac:chgData name="Xin Luo" userId="82312ee5779919a4" providerId="LiveId" clId="{ABECCF1F-1CAA-3A42-9710-47D9CB1C5B21}" dt="2023-08-21T02:38:36.931" v="38" actId="20577"/>
           <ac:spMkLst>
             <pc:docMk/>
             <pc:sldMk cId="1576120367" sldId="2387"/>
@@ -3583,422 +3741,404 @@
         </pc:spChg>
       </pc:sldChg>
       <pc:sldChg chg="modSp mod">
-        <pc:chgData name="Xin Luo" userId="82312ee5779919a4" providerId="LiveId" clId="{98EC8ECB-A80D-1449-ACFE-0D931F29C13A}" dt="2023-02-23T15:23:38.561" v="288" actId="20577"/>
-        <pc:sldMkLst>
-          <pc:docMk/>
-          <pc:sldMk cId="2415901206" sldId="2447"/>
-        </pc:sldMkLst>
-        <pc:spChg chg="mod">
-          <ac:chgData name="Xin Luo" userId="82312ee5779919a4" providerId="LiveId" clId="{98EC8ECB-A80D-1449-ACFE-0D931F29C13A}" dt="2023-02-23T15:23:38.561" v="288" actId="20577"/>
-          <ac:spMkLst>
-            <pc:docMk/>
-            <pc:sldMk cId="2415901206" sldId="2447"/>
-            <ac:spMk id="7" creationId="{00000000-0000-0000-0000-000000000000}"/>
-          </ac:spMkLst>
-        </pc:spChg>
-      </pc:sldChg>
-      <pc:sldChg chg="addSp delSp modSp mod">
-        <pc:chgData name="Xin Luo" userId="82312ee5779919a4" providerId="LiveId" clId="{98EC8ECB-A80D-1449-ACFE-0D931F29C13A}" dt="2023-02-23T15:32:00.813" v="490" actId="20577"/>
-        <pc:sldMkLst>
-          <pc:docMk/>
-          <pc:sldMk cId="4067577602" sldId="2605"/>
-        </pc:sldMkLst>
-        <pc:spChg chg="mod">
-          <ac:chgData name="Xin Luo" userId="82312ee5779919a4" providerId="LiveId" clId="{98EC8ECB-A80D-1449-ACFE-0D931F29C13A}" dt="2023-02-23T15:23:43.970" v="296" actId="20577"/>
-          <ac:spMkLst>
-            <pc:docMk/>
-            <pc:sldMk cId="4067577602" sldId="2605"/>
-            <ac:spMk id="3" creationId="{00000000-0000-0000-0000-000000000000}"/>
-          </ac:spMkLst>
-        </pc:spChg>
-        <pc:spChg chg="add mod">
-          <ac:chgData name="Xin Luo" userId="82312ee5779919a4" providerId="LiveId" clId="{98EC8ECB-A80D-1449-ACFE-0D931F29C13A}" dt="2023-02-23T15:32:00.813" v="490" actId="20577"/>
-          <ac:spMkLst>
-            <pc:docMk/>
-            <pc:sldMk cId="4067577602" sldId="2605"/>
-            <ac:spMk id="5" creationId="{78502774-B04C-634F-1396-E5815996BC36}"/>
-          </ac:spMkLst>
-        </pc:spChg>
-        <pc:spChg chg="add del">
-          <ac:chgData name="Xin Luo" userId="82312ee5779919a4" providerId="LiveId" clId="{98EC8ECB-A80D-1449-ACFE-0D931F29C13A}" dt="2023-02-23T15:31:17.254" v="472" actId="478"/>
-          <ac:spMkLst>
-            <pc:docMk/>
-            <pc:sldMk cId="4067577602" sldId="2605"/>
-            <ac:spMk id="8" creationId="{F79B8069-33FF-F2D3-2749-C72697740ACD}"/>
-          </ac:spMkLst>
-        </pc:spChg>
-        <pc:spChg chg="del">
-          <ac:chgData name="Xin Luo" userId="82312ee5779919a4" providerId="LiveId" clId="{98EC8ECB-A80D-1449-ACFE-0D931F29C13A}" dt="2023-02-23T15:23:49.248" v="298" actId="478"/>
-          <ac:spMkLst>
-            <pc:docMk/>
-            <pc:sldMk cId="4067577602" sldId="2605"/>
-            <ac:spMk id="15" creationId="{8F7436BD-0CD5-04DA-2B44-925CE86CF70D}"/>
-          </ac:spMkLst>
-        </pc:spChg>
-        <pc:spChg chg="del">
-          <ac:chgData name="Xin Luo" userId="82312ee5779919a4" providerId="LiveId" clId="{98EC8ECB-A80D-1449-ACFE-0D931F29C13A}" dt="2023-02-23T15:23:49.248" v="298" actId="478"/>
-          <ac:spMkLst>
-            <pc:docMk/>
-            <pc:sldMk cId="4067577602" sldId="2605"/>
-            <ac:spMk id="16" creationId="{5E1E7D79-A815-9A32-ABAB-129BFCE643F1}"/>
-          </ac:spMkLst>
-        </pc:spChg>
-        <pc:spChg chg="del mod">
-          <ac:chgData name="Xin Luo" userId="82312ee5779919a4" providerId="LiveId" clId="{98EC8ECB-A80D-1449-ACFE-0D931F29C13A}" dt="2023-02-23T15:23:47.004" v="297" actId="478"/>
-          <ac:spMkLst>
-            <pc:docMk/>
-            <pc:sldMk cId="4067577602" sldId="2605"/>
-            <ac:spMk id="17" creationId="{9E05FFCA-3371-AF5C-381D-71D984055F5A}"/>
-          </ac:spMkLst>
-        </pc:spChg>
-        <pc:picChg chg="del">
-          <ac:chgData name="Xin Luo" userId="82312ee5779919a4" providerId="LiveId" clId="{98EC8ECB-A80D-1449-ACFE-0D931F29C13A}" dt="2023-02-23T15:23:49.248" v="298" actId="478"/>
-          <ac:picMkLst>
-            <pc:docMk/>
-            <pc:sldMk cId="4067577602" sldId="2605"/>
-            <ac:picMk id="7" creationId="{C7993E05-4ADB-9D0C-E633-5749F445E479}"/>
-          </ac:picMkLst>
-        </pc:picChg>
-        <pc:picChg chg="del">
-          <ac:chgData name="Xin Luo" userId="82312ee5779919a4" providerId="LiveId" clId="{98EC8ECB-A80D-1449-ACFE-0D931F29C13A}" dt="2023-02-23T15:23:49.248" v="298" actId="478"/>
-          <ac:picMkLst>
-            <pc:docMk/>
-            <pc:sldMk cId="4067577602" sldId="2605"/>
-            <ac:picMk id="10" creationId="{26D555B6-DE11-BF17-8D9F-B5F93A876835}"/>
-          </ac:picMkLst>
-        </pc:picChg>
-        <pc:picChg chg="del">
-          <ac:chgData name="Xin Luo" userId="82312ee5779919a4" providerId="LiveId" clId="{98EC8ECB-A80D-1449-ACFE-0D931F29C13A}" dt="2023-02-23T15:23:49.248" v="298" actId="478"/>
-          <ac:picMkLst>
-            <pc:docMk/>
-            <pc:sldMk cId="4067577602" sldId="2605"/>
-            <ac:picMk id="1028" creationId="{9FA49340-63F1-4959-1786-FD893DE76CE9}"/>
-          </ac:picMkLst>
-        </pc:picChg>
-        <pc:picChg chg="del">
-          <ac:chgData name="Xin Luo" userId="82312ee5779919a4" providerId="LiveId" clId="{98EC8ECB-A80D-1449-ACFE-0D931F29C13A}" dt="2023-02-23T15:23:49.248" v="298" actId="478"/>
-          <ac:picMkLst>
-            <pc:docMk/>
-            <pc:sldMk cId="4067577602" sldId="2605"/>
-            <ac:picMk id="1030" creationId="{35CDAC06-D9CF-2AC8-535E-A1B01EC14218}"/>
-          </ac:picMkLst>
-        </pc:picChg>
-        <pc:picChg chg="del">
-          <ac:chgData name="Xin Luo" userId="82312ee5779919a4" providerId="LiveId" clId="{98EC8ECB-A80D-1449-ACFE-0D931F29C13A}" dt="2023-02-23T15:23:49.248" v="298" actId="478"/>
-          <ac:picMkLst>
-            <pc:docMk/>
-            <pc:sldMk cId="4067577602" sldId="2605"/>
-            <ac:picMk id="1032" creationId="{AFE202E8-A338-4627-93EE-5AD65BEE9525}"/>
-          </ac:picMkLst>
-        </pc:picChg>
-        <pc:picChg chg="del">
-          <ac:chgData name="Xin Luo" userId="82312ee5779919a4" providerId="LiveId" clId="{98EC8ECB-A80D-1449-ACFE-0D931F29C13A}" dt="2023-02-23T15:23:49.248" v="298" actId="478"/>
-          <ac:picMkLst>
-            <pc:docMk/>
-            <pc:sldMk cId="4067577602" sldId="2605"/>
-            <ac:picMk id="1034" creationId="{D5CBEF68-23C0-8F4A-FA5F-CB6BCAE76176}"/>
-          </ac:picMkLst>
-        </pc:picChg>
-        <pc:picChg chg="del">
-          <ac:chgData name="Xin Luo" userId="82312ee5779919a4" providerId="LiveId" clId="{98EC8ECB-A80D-1449-ACFE-0D931F29C13A}" dt="2023-02-23T15:23:49.248" v="298" actId="478"/>
-          <ac:picMkLst>
-            <pc:docMk/>
-            <pc:sldMk cId="4067577602" sldId="2605"/>
-            <ac:picMk id="1036" creationId="{5E2738F1-9461-1F5B-3007-2AA2AD20C330}"/>
-          </ac:picMkLst>
-        </pc:picChg>
-        <pc:cxnChg chg="del">
-          <ac:chgData name="Xin Luo" userId="82312ee5779919a4" providerId="LiveId" clId="{98EC8ECB-A80D-1449-ACFE-0D931F29C13A}" dt="2023-02-23T15:23:49.248" v="298" actId="478"/>
-          <ac:cxnSpMkLst>
-            <pc:docMk/>
-            <pc:sldMk cId="4067577602" sldId="2605"/>
-            <ac:cxnSpMk id="12" creationId="{78FA799A-1F2C-F1DA-9F71-B1B8AFBC5758}"/>
-          </ac:cxnSpMkLst>
-        </pc:cxnChg>
-      </pc:sldChg>
-      <pc:sldChg chg="modSp mod">
-        <pc:chgData name="Xin Luo" userId="82312ee5779919a4" providerId="LiveId" clId="{98EC8ECB-A80D-1449-ACFE-0D931F29C13A}" dt="2023-02-23T15:03:54.789" v="48" actId="20577"/>
-        <pc:sldMkLst>
-          <pc:docMk/>
-          <pc:sldMk cId="1658607177" sldId="2708"/>
-        </pc:sldMkLst>
-        <pc:spChg chg="mod">
-          <ac:chgData name="Xin Luo" userId="82312ee5779919a4" providerId="LiveId" clId="{98EC8ECB-A80D-1449-ACFE-0D931F29C13A}" dt="2023-02-23T15:03:29.071" v="4" actId="20577"/>
-          <ac:spMkLst>
-            <pc:docMk/>
-            <pc:sldMk cId="1658607177" sldId="2708"/>
-            <ac:spMk id="3" creationId="{E375549C-74EF-2C8F-6432-2C52B803FB1B}"/>
-          </ac:spMkLst>
-        </pc:spChg>
-        <pc:spChg chg="mod">
-          <ac:chgData name="Xin Luo" userId="82312ee5779919a4" providerId="LiveId" clId="{98EC8ECB-A80D-1449-ACFE-0D931F29C13A}" dt="2023-02-23T15:03:54.789" v="48" actId="20577"/>
-          <ac:spMkLst>
-            <pc:docMk/>
-            <pc:sldMk cId="1658607177" sldId="2708"/>
-            <ac:spMk id="24" creationId="{00000000-0000-0000-0000-000000000000}"/>
-          </ac:spMkLst>
-        </pc:spChg>
-      </pc:sldChg>
-      <pc:sldChg chg="modSp mod">
-        <pc:chgData name="Xin Luo" userId="82312ee5779919a4" providerId="LiveId" clId="{98EC8ECB-A80D-1449-ACFE-0D931F29C13A}" dt="2023-02-23T15:46:16.929" v="710" actId="20577"/>
-        <pc:sldMkLst>
-          <pc:docMk/>
-          <pc:sldMk cId="481122590" sldId="2709"/>
-        </pc:sldMkLst>
-        <pc:spChg chg="mod">
-          <ac:chgData name="Xin Luo" userId="82312ee5779919a4" providerId="LiveId" clId="{98EC8ECB-A80D-1449-ACFE-0D931F29C13A}" dt="2023-02-23T15:46:16.929" v="710" actId="20577"/>
-          <ac:spMkLst>
-            <pc:docMk/>
-            <pc:sldMk cId="481122590" sldId="2709"/>
-            <ac:spMk id="7" creationId="{00000000-0000-0000-0000-000000000000}"/>
-          </ac:spMkLst>
-        </pc:spChg>
-      </pc:sldChg>
-      <pc:sldChg chg="modSp mod">
-        <pc:chgData name="Xin Luo" userId="82312ee5779919a4" providerId="LiveId" clId="{98EC8ECB-A80D-1449-ACFE-0D931F29C13A}" dt="2023-02-23T15:46:36.362" v="717" actId="20577"/>
+        <pc:chgData name="Xin Luo" userId="82312ee5779919a4" providerId="LiveId" clId="{ABECCF1F-1CAA-3A42-9710-47D9CB1C5B21}" dt="2023-08-21T03:50:02.826" v="70" actId="14100"/>
         <pc:sldMkLst>
           <pc:docMk/>
           <pc:sldMk cId="3833073590" sldId="2716"/>
         </pc:sldMkLst>
         <pc:spChg chg="mod">
-          <ac:chgData name="Xin Luo" userId="82312ee5779919a4" providerId="LiveId" clId="{98EC8ECB-A80D-1449-ACFE-0D931F29C13A}" dt="2023-02-23T15:46:29.354" v="716" actId="108"/>
+          <ac:chgData name="Xin Luo" userId="82312ee5779919a4" providerId="LiveId" clId="{ABECCF1F-1CAA-3A42-9710-47D9CB1C5B21}" dt="2023-08-21T03:50:02.826" v="70" actId="14100"/>
           <ac:spMkLst>
             <pc:docMk/>
             <pc:sldMk cId="3833073590" sldId="2716"/>
-            <ac:spMk id="3" creationId="{00000000-0000-0000-0000-000000000000}"/>
+            <ac:spMk id="6" creationId="{6741FEA2-C046-FD82-2800-2CB513792080}"/>
+          </ac:spMkLst>
+        </pc:spChg>
+        <pc:picChg chg="mod">
+          <ac:chgData name="Xin Luo" userId="82312ee5779919a4" providerId="LiveId" clId="{ABECCF1F-1CAA-3A42-9710-47D9CB1C5B21}" dt="2023-08-21T03:50:00.106" v="69" actId="1076"/>
+          <ac:picMkLst>
+            <pc:docMk/>
+            <pc:sldMk cId="3833073590" sldId="2716"/>
+            <ac:picMk id="1030" creationId="{C93DB76E-C02F-05AC-2014-674F7E808ADA}"/>
+          </ac:picMkLst>
+        </pc:picChg>
+      </pc:sldChg>
+      <pc:sldChg chg="addSp delSp modSp mod">
+        <pc:chgData name="Xin Luo" userId="82312ee5779919a4" providerId="LiveId" clId="{ABECCF1F-1CAA-3A42-9710-47D9CB1C5B21}" dt="2023-08-21T03:52:56.239" v="118"/>
+        <pc:sldMkLst>
+          <pc:docMk/>
+          <pc:sldMk cId="2776132283" sldId="2739"/>
+        </pc:sldMkLst>
+        <pc:spChg chg="add del mod">
+          <ac:chgData name="Xin Luo" userId="82312ee5779919a4" providerId="LiveId" clId="{ABECCF1F-1CAA-3A42-9710-47D9CB1C5B21}" dt="2023-08-21T03:52:56.239" v="118"/>
+          <ac:spMkLst>
+            <pc:docMk/>
+            <pc:sldMk cId="2776132283" sldId="2739"/>
+            <ac:spMk id="4" creationId="{0411BEA9-35E9-6B80-5BDE-4EEB0EC8EBCB}"/>
           </ac:spMkLst>
         </pc:spChg>
         <pc:spChg chg="mod">
-          <ac:chgData name="Xin Luo" userId="82312ee5779919a4" providerId="LiveId" clId="{98EC8ECB-A80D-1449-ACFE-0D931F29C13A}" dt="2023-02-23T15:46:36.362" v="717" actId="20577"/>
+          <ac:chgData name="Xin Luo" userId="82312ee5779919a4" providerId="LiveId" clId="{ABECCF1F-1CAA-3A42-9710-47D9CB1C5B21}" dt="2023-08-21T03:50:50.271" v="115" actId="20577"/>
           <ac:spMkLst>
             <pc:docMk/>
-            <pc:sldMk cId="3833073590" sldId="2716"/>
-            <ac:spMk id="5" creationId="{9F4AEA98-0C33-E82A-EB75-839D0F0B55A4}"/>
+            <pc:sldMk cId="2776132283" sldId="2739"/>
+            <ac:spMk id="6" creationId="{6741FEA2-C046-FD82-2800-2CB513792080}"/>
           </ac:spMkLst>
         </pc:spChg>
       </pc:sldChg>
-      <pc:sldChg chg="modSp mod">
-        <pc:chgData name="Xin Luo" userId="82312ee5779919a4" providerId="LiveId" clId="{98EC8ECB-A80D-1449-ACFE-0D931F29C13A}" dt="2023-02-23T15:47:08.933" v="728" actId="20577"/>
+      <pc:sldChg chg="addSp modSp mod ord">
+        <pc:chgData name="Xin Luo" userId="82312ee5779919a4" providerId="LiveId" clId="{ABECCF1F-1CAA-3A42-9710-47D9CB1C5B21}" dt="2023-08-21T07:26:51.742" v="177" actId="20578"/>
         <pc:sldMkLst>
           <pc:docMk/>
-          <pc:sldMk cId="972163772" sldId="2720"/>
+          <pc:sldMk cId="4194482579" sldId="2743"/>
         </pc:sldMkLst>
         <pc:spChg chg="mod">
-          <ac:chgData name="Xin Luo" userId="82312ee5779919a4" providerId="LiveId" clId="{98EC8ECB-A80D-1449-ACFE-0D931F29C13A}" dt="2023-02-23T15:47:00.360" v="722" actId="1076"/>
+          <ac:chgData name="Xin Luo" userId="82312ee5779919a4" providerId="LiveId" clId="{ABECCF1F-1CAA-3A42-9710-47D9CB1C5B21}" dt="2023-08-21T03:59:16.975" v="136" actId="1076"/>
           <ac:spMkLst>
             <pc:docMk/>
-            <pc:sldMk cId="972163772" sldId="2720"/>
-            <ac:spMk id="3" creationId="{00000000-0000-0000-0000-000000000000}"/>
+            <pc:sldMk cId="4194482579" sldId="2743"/>
+            <ac:spMk id="6" creationId="{6741FEA2-C046-FD82-2800-2CB513792080}"/>
+          </ac:spMkLst>
+        </pc:spChg>
+        <pc:picChg chg="add mod">
+          <ac:chgData name="Xin Luo" userId="82312ee5779919a4" providerId="LiveId" clId="{ABECCF1F-1CAA-3A42-9710-47D9CB1C5B21}" dt="2023-08-21T04:10:13.653" v="140" actId="1076"/>
+          <ac:picMkLst>
+            <pc:docMk/>
+            <pc:sldMk cId="4194482579" sldId="2743"/>
+            <ac:picMk id="5" creationId="{9ADF8EDA-38B9-3779-D260-4F6A4E5D19BA}"/>
+          </ac:picMkLst>
+        </pc:picChg>
+      </pc:sldChg>
+      <pc:sldChg chg="addSp delSp modSp add mod">
+        <pc:chgData name="Xin Luo" userId="82312ee5779919a4" providerId="LiveId" clId="{ABECCF1F-1CAA-3A42-9710-47D9CB1C5B21}" dt="2023-08-21T07:50:33.166" v="356" actId="20577"/>
+        <pc:sldMkLst>
+          <pc:docMk/>
+          <pc:sldMk cId="738332523" sldId="2751"/>
+        </pc:sldMkLst>
+        <pc:spChg chg="mod">
+          <ac:chgData name="Xin Luo" userId="82312ee5779919a4" providerId="LiveId" clId="{ABECCF1F-1CAA-3A42-9710-47D9CB1C5B21}" dt="2023-08-21T07:50:33.166" v="356" actId="20577"/>
+          <ac:spMkLst>
+            <pc:docMk/>
+            <pc:sldMk cId="738332523" sldId="2751"/>
+            <ac:spMk id="6" creationId="{6741FEA2-C046-FD82-2800-2CB513792080}"/>
+          </ac:spMkLst>
+        </pc:spChg>
+        <pc:spChg chg="add mod">
+          <ac:chgData name="Xin Luo" userId="82312ee5779919a4" providerId="LiveId" clId="{ABECCF1F-1CAA-3A42-9710-47D9CB1C5B21}" dt="2023-08-21T07:34:15.357" v="219" actId="1582"/>
+          <ac:spMkLst>
+            <pc:docMk/>
+            <pc:sldMk cId="738332523" sldId="2751"/>
+            <ac:spMk id="9" creationId="{7DC24FD0-4314-6A12-D955-592B771F546D}"/>
+          </ac:spMkLst>
+        </pc:spChg>
+        <pc:spChg chg="add mod">
+          <ac:chgData name="Xin Luo" userId="82312ee5779919a4" providerId="LiveId" clId="{ABECCF1F-1CAA-3A42-9710-47D9CB1C5B21}" dt="2023-08-21T07:34:15.357" v="219" actId="1582"/>
+          <ac:spMkLst>
+            <pc:docMk/>
+            <pc:sldMk cId="738332523" sldId="2751"/>
+            <ac:spMk id="10" creationId="{99C411EF-3CC5-A5C6-671F-2074FAC1B2AA}"/>
+          </ac:spMkLst>
+        </pc:spChg>
+        <pc:picChg chg="del">
+          <ac:chgData name="Xin Luo" userId="82312ee5779919a4" providerId="LiveId" clId="{ABECCF1F-1CAA-3A42-9710-47D9CB1C5B21}" dt="2023-08-21T04:10:31.596" v="142" actId="478"/>
+          <ac:picMkLst>
+            <pc:docMk/>
+            <pc:sldMk cId="738332523" sldId="2751"/>
+            <ac:picMk id="5" creationId="{9ADF8EDA-38B9-3779-D260-4F6A4E5D19BA}"/>
+          </ac:picMkLst>
+        </pc:picChg>
+        <pc:picChg chg="add mod">
+          <ac:chgData name="Xin Luo" userId="82312ee5779919a4" providerId="LiveId" clId="{ABECCF1F-1CAA-3A42-9710-47D9CB1C5B21}" dt="2023-08-21T07:32:54.017" v="202" actId="14100"/>
+          <ac:picMkLst>
+            <pc:docMk/>
+            <pc:sldMk cId="738332523" sldId="2751"/>
+            <ac:picMk id="5" creationId="{BE72E01E-2598-0120-36F4-36F0A128ED69}"/>
+          </ac:picMkLst>
+        </pc:picChg>
+        <pc:picChg chg="add mod">
+          <ac:chgData name="Xin Luo" userId="82312ee5779919a4" providerId="LiveId" clId="{ABECCF1F-1CAA-3A42-9710-47D9CB1C5B21}" dt="2023-08-21T07:32:58.176" v="211" actId="1037"/>
+          <ac:picMkLst>
+            <pc:docMk/>
+            <pc:sldMk cId="738332523" sldId="2751"/>
+            <ac:picMk id="8" creationId="{BE0108F0-EC07-C1EA-3126-BA6F63A1A7B8}"/>
+          </ac:picMkLst>
+        </pc:picChg>
+      </pc:sldChg>
+      <pc:sldChg chg="addSp delSp modSp add mod">
+        <pc:chgData name="Xin Luo" userId="82312ee5779919a4" providerId="LiveId" clId="{ABECCF1F-1CAA-3A42-9710-47D9CB1C5B21}" dt="2023-08-21T07:50:29.891" v="352" actId="20577"/>
+        <pc:sldMkLst>
+          <pc:docMk/>
+          <pc:sldMk cId="3189639985" sldId="2752"/>
+        </pc:sldMkLst>
+        <pc:spChg chg="mod">
+          <ac:chgData name="Xin Luo" userId="82312ee5779919a4" providerId="LiveId" clId="{ABECCF1F-1CAA-3A42-9710-47D9CB1C5B21}" dt="2023-08-21T07:50:29.891" v="352" actId="20577"/>
+          <ac:spMkLst>
+            <pc:docMk/>
+            <pc:sldMk cId="3189639985" sldId="2752"/>
+            <ac:spMk id="6" creationId="{6741FEA2-C046-FD82-2800-2CB513792080}"/>
+          </ac:spMkLst>
+        </pc:spChg>
+        <pc:spChg chg="del">
+          <ac:chgData name="Xin Luo" userId="82312ee5779919a4" providerId="LiveId" clId="{ABECCF1F-1CAA-3A42-9710-47D9CB1C5B21}" dt="2023-08-21T07:35:06.445" v="254" actId="478"/>
+          <ac:spMkLst>
+            <pc:docMk/>
+            <pc:sldMk cId="3189639985" sldId="2752"/>
+            <ac:spMk id="9" creationId="{7DC24FD0-4314-6A12-D955-592B771F546D}"/>
+          </ac:spMkLst>
+        </pc:spChg>
+        <pc:spChg chg="del">
+          <ac:chgData name="Xin Luo" userId="82312ee5779919a4" providerId="LiveId" clId="{ABECCF1F-1CAA-3A42-9710-47D9CB1C5B21}" dt="2023-08-21T07:35:05.287" v="253" actId="478"/>
+          <ac:spMkLst>
+            <pc:docMk/>
+            <pc:sldMk cId="3189639985" sldId="2752"/>
+            <ac:spMk id="10" creationId="{99C411EF-3CC5-A5C6-671F-2074FAC1B2AA}"/>
+          </ac:spMkLst>
+        </pc:spChg>
+        <pc:spChg chg="add mod">
+          <ac:chgData name="Xin Luo" userId="82312ee5779919a4" providerId="LiveId" clId="{ABECCF1F-1CAA-3A42-9710-47D9CB1C5B21}" dt="2023-08-21T07:40:48.338" v="306" actId="1036"/>
+          <ac:spMkLst>
+            <pc:docMk/>
+            <pc:sldMk cId="3189639985" sldId="2752"/>
+            <ac:spMk id="11" creationId="{C402EBD9-8BC8-2A75-1218-C7F537BD4F74}"/>
+          </ac:spMkLst>
+        </pc:spChg>
+        <pc:picChg chg="del">
+          <ac:chgData name="Xin Luo" userId="82312ee5779919a4" providerId="LiveId" clId="{ABECCF1F-1CAA-3A42-9710-47D9CB1C5B21}" dt="2023-08-21T07:35:02.911" v="251" actId="478"/>
+          <ac:picMkLst>
+            <pc:docMk/>
+            <pc:sldMk cId="3189639985" sldId="2752"/>
+            <ac:picMk id="5" creationId="{BE72E01E-2598-0120-36F4-36F0A128ED69}"/>
+          </ac:picMkLst>
+        </pc:picChg>
+        <pc:picChg chg="add mod">
+          <ac:chgData name="Xin Luo" userId="82312ee5779919a4" providerId="LiveId" clId="{ABECCF1F-1CAA-3A42-9710-47D9CB1C5B21}" dt="2023-08-21T07:39:33.543" v="260" actId="1076"/>
+          <ac:picMkLst>
+            <pc:docMk/>
+            <pc:sldMk cId="3189639985" sldId="2752"/>
+            <ac:picMk id="7" creationId="{24022410-0AAA-D584-D160-5FF352C689F2}"/>
+          </ac:picMkLst>
+        </pc:picChg>
+        <pc:picChg chg="del">
+          <ac:chgData name="Xin Luo" userId="82312ee5779919a4" providerId="LiveId" clId="{ABECCF1F-1CAA-3A42-9710-47D9CB1C5B21}" dt="2023-08-21T07:35:04.316" v="252" actId="478"/>
+          <ac:picMkLst>
+            <pc:docMk/>
+            <pc:sldMk cId="3189639985" sldId="2752"/>
+            <ac:picMk id="8" creationId="{BE0108F0-EC07-C1EA-3126-BA6F63A1A7B8}"/>
+          </ac:picMkLst>
+        </pc:picChg>
+      </pc:sldChg>
+      <pc:sldChg chg="addSp delSp modSp add mod">
+        <pc:chgData name="Xin Luo" userId="82312ee5779919a4" providerId="LiveId" clId="{ABECCF1F-1CAA-3A42-9710-47D9CB1C5B21}" dt="2023-08-21T08:59:24.857" v="602" actId="478"/>
+        <pc:sldMkLst>
+          <pc:docMk/>
+          <pc:sldMk cId="2878944048" sldId="2753"/>
+        </pc:sldMkLst>
+        <pc:spChg chg="add mod">
+          <ac:chgData name="Xin Luo" userId="82312ee5779919a4" providerId="LiveId" clId="{ABECCF1F-1CAA-3A42-9710-47D9CB1C5B21}" dt="2023-08-21T08:50:36.994" v="558" actId="1035"/>
+          <ac:spMkLst>
+            <pc:docMk/>
+            <pc:sldMk cId="2878944048" sldId="2753"/>
+            <ac:spMk id="4" creationId="{7C941D71-E279-B2E7-21F9-0FFA72E7FAD1}"/>
+          </ac:spMkLst>
+        </pc:spChg>
+        <pc:spChg chg="add mod">
+          <ac:chgData name="Xin Luo" userId="82312ee5779919a4" providerId="LiveId" clId="{ABECCF1F-1CAA-3A42-9710-47D9CB1C5B21}" dt="2023-08-21T08:57:49.557" v="576" actId="20577"/>
+          <ac:spMkLst>
+            <pc:docMk/>
+            <pc:sldMk cId="2878944048" sldId="2753"/>
+            <ac:spMk id="5" creationId="{94F1BB64-6BD2-B2BF-B804-61A5AE170068}"/>
           </ac:spMkLst>
         </pc:spChg>
         <pc:spChg chg="mod">
-          <ac:chgData name="Xin Luo" userId="82312ee5779919a4" providerId="LiveId" clId="{98EC8ECB-A80D-1449-ACFE-0D931F29C13A}" dt="2023-02-23T15:47:08.933" v="728" actId="20577"/>
+          <ac:chgData name="Xin Luo" userId="82312ee5779919a4" providerId="LiveId" clId="{ABECCF1F-1CAA-3A42-9710-47D9CB1C5B21}" dt="2023-08-21T07:50:17.070" v="348" actId="20577"/>
           <ac:spMkLst>
             <pc:docMk/>
-            <pc:sldMk cId="972163772" sldId="2720"/>
-            <ac:spMk id="7" creationId="{00000000-0000-0000-0000-000000000000}"/>
+            <pc:sldMk cId="2878944048" sldId="2753"/>
+            <ac:spMk id="6" creationId="{6741FEA2-C046-FD82-2800-2CB513792080}"/>
           </ac:spMkLst>
         </pc:spChg>
-      </pc:sldChg>
-      <pc:sldChg chg="modSp mod">
-        <pc:chgData name="Xin Luo" userId="82312ee5779919a4" providerId="LiveId" clId="{98EC8ECB-A80D-1449-ACFE-0D931F29C13A}" dt="2023-02-23T15:47:17.016" v="729"/>
-        <pc:sldMkLst>
-          <pc:docMk/>
-          <pc:sldMk cId="2689695864" sldId="2721"/>
-        </pc:sldMkLst>
-        <pc:spChg chg="mod">
-          <ac:chgData name="Xin Luo" userId="82312ee5779919a4" providerId="LiveId" clId="{98EC8ECB-A80D-1449-ACFE-0D931F29C13A}" dt="2023-02-23T15:47:17.016" v="729"/>
+        <pc:spChg chg="add del mod">
+          <ac:chgData name="Xin Luo" userId="82312ee5779919a4" providerId="LiveId" clId="{ABECCF1F-1CAA-3A42-9710-47D9CB1C5B21}" dt="2023-08-21T08:59:24.857" v="602" actId="478"/>
           <ac:spMkLst>
             <pc:docMk/>
-            <pc:sldMk cId="2689695864" sldId="2721"/>
-            <ac:spMk id="3" creationId="{00000000-0000-0000-0000-000000000000}"/>
+            <pc:sldMk cId="2878944048" sldId="2753"/>
+            <ac:spMk id="8" creationId="{A2337412-D749-2149-F722-E14B45A47143}"/>
           </ac:spMkLst>
         </pc:spChg>
-      </pc:sldChg>
-      <pc:sldChg chg="delSp modSp mod">
-        <pc:chgData name="Xin Luo" userId="82312ee5779919a4" providerId="LiveId" clId="{98EC8ECB-A80D-1449-ACFE-0D931F29C13A}" dt="2023-02-23T15:47:30.471" v="734" actId="478"/>
-        <pc:sldMkLst>
-          <pc:docMk/>
-          <pc:sldMk cId="1209572041" sldId="2722"/>
-        </pc:sldMkLst>
-        <pc:spChg chg="del mod">
-          <ac:chgData name="Xin Luo" userId="82312ee5779919a4" providerId="LiveId" clId="{98EC8ECB-A80D-1449-ACFE-0D931F29C13A}" dt="2023-02-23T15:47:30.471" v="734" actId="478"/>
+        <pc:spChg chg="add del mod">
+          <ac:chgData name="Xin Luo" userId="82312ee5779919a4" providerId="LiveId" clId="{ABECCF1F-1CAA-3A42-9710-47D9CB1C5B21}" dt="2023-08-21T08:59:23.825" v="601" actId="478"/>
           <ac:spMkLst>
             <pc:docMk/>
-            <pc:sldMk cId="1209572041" sldId="2722"/>
-            <ac:spMk id="14" creationId="{0DADB612-499B-577C-8C56-FA81A4204DD1}"/>
+            <pc:sldMk cId="2878944048" sldId="2753"/>
+            <ac:spMk id="10" creationId="{5FE06F54-CFCF-1F7B-8703-FF45449C4348}"/>
           </ac:spMkLst>
         </pc:spChg>
-      </pc:sldChg>
-      <pc:sldChg chg="del">
-        <pc:chgData name="Xin Luo" userId="82312ee5779919a4" providerId="LiveId" clId="{98EC8ECB-A80D-1449-ACFE-0D931F29C13A}" dt="2023-02-23T15:46:08.434" v="701" actId="2696"/>
-        <pc:sldMkLst>
-          <pc:docMk/>
-          <pc:sldMk cId="353940032" sldId="2725"/>
-        </pc:sldMkLst>
-      </pc:sldChg>
-      <pc:sldChg chg="del">
-        <pc:chgData name="Xin Luo" userId="82312ee5779919a4" providerId="LiveId" clId="{98EC8ECB-A80D-1449-ACFE-0D931F29C13A}" dt="2023-02-23T15:46:08.455" v="709" actId="2696"/>
-        <pc:sldMkLst>
-          <pc:docMk/>
-          <pc:sldMk cId="45083394" sldId="2726"/>
-        </pc:sldMkLst>
-      </pc:sldChg>
-      <pc:sldChg chg="del">
-        <pc:chgData name="Xin Luo" userId="82312ee5779919a4" providerId="LiveId" clId="{98EC8ECB-A80D-1449-ACFE-0D931F29C13A}" dt="2023-02-23T15:46:08.437" v="702" actId="2696"/>
-        <pc:sldMkLst>
-          <pc:docMk/>
-          <pc:sldMk cId="148985918" sldId="2727"/>
-        </pc:sldMkLst>
-      </pc:sldChg>
-      <pc:sldChg chg="del">
-        <pc:chgData name="Xin Luo" userId="82312ee5779919a4" providerId="LiveId" clId="{98EC8ECB-A80D-1449-ACFE-0D931F29C13A}" dt="2023-02-23T15:46:08.445" v="706" actId="2696"/>
-        <pc:sldMkLst>
-          <pc:docMk/>
-          <pc:sldMk cId="3544980656" sldId="2728"/>
-        </pc:sldMkLst>
-      </pc:sldChg>
-      <pc:sldChg chg="del">
-        <pc:chgData name="Xin Luo" userId="82312ee5779919a4" providerId="LiveId" clId="{98EC8ECB-A80D-1449-ACFE-0D931F29C13A}" dt="2023-02-23T15:46:08.448" v="708" actId="2696"/>
-        <pc:sldMkLst>
-          <pc:docMk/>
-          <pc:sldMk cId="1664139585" sldId="2729"/>
-        </pc:sldMkLst>
-      </pc:sldChg>
-      <pc:sldChg chg="del">
-        <pc:chgData name="Xin Luo" userId="82312ee5779919a4" providerId="LiveId" clId="{98EC8ECB-A80D-1449-ACFE-0D931F29C13A}" dt="2023-02-23T15:46:08.446" v="707" actId="2696"/>
-        <pc:sldMkLst>
-          <pc:docMk/>
-          <pc:sldMk cId="3561803108" sldId="2730"/>
-        </pc:sldMkLst>
-      </pc:sldChg>
-      <pc:sldChg chg="del">
-        <pc:chgData name="Xin Luo" userId="82312ee5779919a4" providerId="LiveId" clId="{98EC8ECB-A80D-1449-ACFE-0D931F29C13A}" dt="2023-02-23T15:46:08.439" v="703" actId="2696"/>
-        <pc:sldMkLst>
-          <pc:docMk/>
-          <pc:sldMk cId="236610701" sldId="2731"/>
-        </pc:sldMkLst>
-      </pc:sldChg>
-      <pc:sldChg chg="del">
-        <pc:chgData name="Xin Luo" userId="82312ee5779919a4" providerId="LiveId" clId="{98EC8ECB-A80D-1449-ACFE-0D931F29C13A}" dt="2023-02-23T15:46:08.441" v="704" actId="2696"/>
-        <pc:sldMkLst>
-          <pc:docMk/>
-          <pc:sldMk cId="1986913413" sldId="2732"/>
-        </pc:sldMkLst>
-      </pc:sldChg>
-      <pc:sldChg chg="del">
-        <pc:chgData name="Xin Luo" userId="82312ee5779919a4" providerId="LiveId" clId="{98EC8ECB-A80D-1449-ACFE-0D931F29C13A}" dt="2023-02-23T15:46:08.443" v="705" actId="2696"/>
-        <pc:sldMkLst>
-          <pc:docMk/>
-          <pc:sldMk cId="270311508" sldId="2733"/>
-        </pc:sldMkLst>
-      </pc:sldChg>
-      <pc:sldChg chg="del">
-        <pc:chgData name="Xin Luo" userId="82312ee5779919a4" providerId="LiveId" clId="{98EC8ECB-A80D-1449-ACFE-0D931F29C13A}" dt="2023-02-23T15:47:22.827" v="730" actId="2696"/>
-        <pc:sldMkLst>
-          <pc:docMk/>
-          <pc:sldMk cId="3138813826" sldId="2734"/>
-        </pc:sldMkLst>
-      </pc:sldChg>
-      <pc:sldChg chg="del">
-        <pc:chgData name="Xin Luo" userId="82312ee5779919a4" providerId="LiveId" clId="{98EC8ECB-A80D-1449-ACFE-0D931F29C13A}" dt="2023-02-23T15:47:22.864" v="732" actId="2696"/>
-        <pc:sldMkLst>
-          <pc:docMk/>
-          <pc:sldMk cId="128317883" sldId="2735"/>
-        </pc:sldMkLst>
-      </pc:sldChg>
-      <pc:sldChg chg="del">
-        <pc:chgData name="Xin Luo" userId="82312ee5779919a4" providerId="LiveId" clId="{98EC8ECB-A80D-1449-ACFE-0D931F29C13A}" dt="2023-02-23T15:47:22.829" v="731" actId="2696"/>
-        <pc:sldMkLst>
-          <pc:docMk/>
-          <pc:sldMk cId="383906436" sldId="2736"/>
-        </pc:sldMkLst>
-      </pc:sldChg>
-      <pc:sldChg chg="addSp delSp modSp add mod">
-        <pc:chgData name="Xin Luo" userId="82312ee5779919a4" providerId="LiveId" clId="{98EC8ECB-A80D-1449-ACFE-0D931F29C13A}" dt="2023-02-23T15:45:27.987" v="683" actId="1037"/>
-        <pc:sldMkLst>
-          <pc:docMk/>
-          <pc:sldMk cId="655142816" sldId="2737"/>
-        </pc:sldMkLst>
-        <pc:spChg chg="add del mod">
-          <ac:chgData name="Xin Luo" userId="82312ee5779919a4" providerId="LiveId" clId="{98EC8ECB-A80D-1449-ACFE-0D931F29C13A}" dt="2023-02-23T15:36:38.445" v="650" actId="20577"/>
+        <pc:spChg chg="mod">
+          <ac:chgData name="Xin Luo" userId="82312ee5779919a4" providerId="LiveId" clId="{ABECCF1F-1CAA-3A42-9710-47D9CB1C5B21}" dt="2023-08-21T08:23:18.853" v="465" actId="1076"/>
           <ac:spMkLst>
             <pc:docMk/>
-            <pc:sldMk cId="655142816" sldId="2737"/>
-            <ac:spMk id="5" creationId="{78502774-B04C-634F-1396-E5815996BC36}"/>
+            <pc:sldMk cId="2878944048" sldId="2753"/>
+            <ac:spMk id="11" creationId="{C402EBD9-8BC8-2A75-1218-C7F537BD4F74}"/>
           </ac:spMkLst>
         </pc:spChg>
-        <pc:spChg chg="del mod">
-          <ac:chgData name="Xin Luo" userId="82312ee5779919a4" providerId="LiveId" clId="{98EC8ECB-A80D-1449-ACFE-0D931F29C13A}" dt="2023-02-23T15:31:28.203" v="477" actId="478"/>
-          <ac:spMkLst>
-            <pc:docMk/>
-            <pc:sldMk cId="655142816" sldId="2737"/>
-            <ac:spMk id="8" creationId="{F79B8069-33FF-F2D3-2749-C72697740ACD}"/>
-          </ac:spMkLst>
-        </pc:spChg>
-        <pc:picChg chg="add mod">
-          <ac:chgData name="Xin Luo" userId="82312ee5779919a4" providerId="LiveId" clId="{98EC8ECB-A80D-1449-ACFE-0D931F29C13A}" dt="2023-02-23T15:45:27.987" v="683" actId="1037"/>
+        <pc:picChg chg="del">
+          <ac:chgData name="Xin Luo" userId="82312ee5779919a4" providerId="LiveId" clId="{ABECCF1F-1CAA-3A42-9710-47D9CB1C5B21}" dt="2023-08-21T08:21:53.593" v="357" actId="478"/>
           <ac:picMkLst>
             <pc:docMk/>
-            <pc:sldMk cId="655142816" sldId="2737"/>
-            <ac:picMk id="1026" creationId="{75908E15-58DA-73BD-95F9-CACD1B8B9D82}"/>
-          </ac:picMkLst>
-        </pc:picChg>
-        <pc:picChg chg="add mod">
-          <ac:chgData name="Xin Luo" userId="82312ee5779919a4" providerId="LiveId" clId="{98EC8ECB-A80D-1449-ACFE-0D931F29C13A}" dt="2023-02-23T15:45:27.987" v="683" actId="1037"/>
-          <ac:picMkLst>
-            <pc:docMk/>
-            <pc:sldMk cId="655142816" sldId="2737"/>
-            <ac:picMk id="1028" creationId="{1E2BFB6C-B7E5-CAF9-B8CC-09A5029EC264}"/>
-          </ac:picMkLst>
-        </pc:picChg>
-        <pc:picChg chg="add mod">
-          <ac:chgData name="Xin Luo" userId="82312ee5779919a4" providerId="LiveId" clId="{98EC8ECB-A80D-1449-ACFE-0D931F29C13A}" dt="2023-02-23T15:45:27.987" v="683" actId="1037"/>
-          <ac:picMkLst>
-            <pc:docMk/>
-            <pc:sldMk cId="655142816" sldId="2737"/>
-            <ac:picMk id="1030" creationId="{CB7EE236-3D18-EC53-3225-10EBB3B4EC77}"/>
-          </ac:picMkLst>
-        </pc:picChg>
-        <pc:picChg chg="add mod">
-          <ac:chgData name="Xin Luo" userId="82312ee5779919a4" providerId="LiveId" clId="{98EC8ECB-A80D-1449-ACFE-0D931F29C13A}" dt="2023-02-23T15:45:27.987" v="683" actId="1037"/>
-          <ac:picMkLst>
-            <pc:docMk/>
-            <pc:sldMk cId="655142816" sldId="2737"/>
-            <ac:picMk id="1032" creationId="{BFA8C7BD-9CEC-ADA1-21BA-0EE8338C6EA3}"/>
+            <pc:sldMk cId="2878944048" sldId="2753"/>
+            <ac:picMk id="7" creationId="{24022410-0AAA-D584-D160-5FF352C689F2}"/>
           </ac:picMkLst>
         </pc:picChg>
       </pc:sldChg>
-    </pc:docChg>
-  </pc:docChgLst>
-  <pc:docChgLst>
-    <pc:chgData name="Xin Luo" userId="82312ee5779919a4" providerId="LiveId" clId="{D28526AD-BB72-0B4E-9638-04907E1F3622}"/>
-    <pc:docChg chg="delSld modSld">
-      <pc:chgData name="Xin Luo" userId="82312ee5779919a4" providerId="LiveId" clId="{D28526AD-BB72-0B4E-9638-04907E1F3622}" dt="2023-09-18T01:27:13.837" v="116" actId="2696"/>
-      <pc:docMkLst>
-        <pc:docMk/>
-      </pc:docMkLst>
-      <pc:sldChg chg="modSp mod">
-        <pc:chgData name="Xin Luo" userId="82312ee5779919a4" providerId="LiveId" clId="{D28526AD-BB72-0B4E-9638-04907E1F3622}" dt="2023-09-18T01:27:09.604" v="115" actId="255"/>
+      <pc:sldChg chg="addSp delSp modSp add mod">
+        <pc:chgData name="Xin Luo" userId="82312ee5779919a4" providerId="LiveId" clId="{ABECCF1F-1CAA-3A42-9710-47D9CB1C5B21}" dt="2023-08-21T09:09:03.859" v="781" actId="14100"/>
         <pc:sldMkLst>
           <pc:docMk/>
-          <pc:sldMk cId="1209572041" sldId="2722"/>
+          <pc:sldMk cId="2927474256" sldId="2754"/>
+        </pc:sldMkLst>
+        <pc:spChg chg="del">
+          <ac:chgData name="Xin Luo" userId="82312ee5779919a4" providerId="LiveId" clId="{ABECCF1F-1CAA-3A42-9710-47D9CB1C5B21}" dt="2023-08-21T08:59:29.253" v="603" actId="478"/>
+          <ac:spMkLst>
+            <pc:docMk/>
+            <pc:sldMk cId="2927474256" sldId="2754"/>
+            <ac:spMk id="4" creationId="{7C941D71-E279-B2E7-21F9-0FFA72E7FAD1}"/>
+          </ac:spMkLst>
+        </pc:spChg>
+        <pc:spChg chg="del">
+          <ac:chgData name="Xin Luo" userId="82312ee5779919a4" providerId="LiveId" clId="{ABECCF1F-1CAA-3A42-9710-47D9CB1C5B21}" dt="2023-08-21T08:59:29.253" v="603" actId="478"/>
+          <ac:spMkLst>
+            <pc:docMk/>
+            <pc:sldMk cId="2927474256" sldId="2754"/>
+            <ac:spMk id="5" creationId="{94F1BB64-6BD2-B2BF-B804-61A5AE170068}"/>
+          </ac:spMkLst>
+        </pc:spChg>
+        <pc:spChg chg="del">
+          <ac:chgData name="Xin Luo" userId="82312ee5779919a4" providerId="LiveId" clId="{ABECCF1F-1CAA-3A42-9710-47D9CB1C5B21}" dt="2023-08-21T08:59:29.253" v="603" actId="478"/>
+          <ac:spMkLst>
+            <pc:docMk/>
+            <pc:sldMk cId="2927474256" sldId="2754"/>
+            <ac:spMk id="6" creationId="{6741FEA2-C046-FD82-2800-2CB513792080}"/>
+          </ac:spMkLst>
+        </pc:spChg>
+        <pc:spChg chg="mod">
+          <ac:chgData name="Xin Luo" userId="82312ee5779919a4" providerId="LiveId" clId="{ABECCF1F-1CAA-3A42-9710-47D9CB1C5B21}" dt="2023-08-21T09:08:39.577" v="757" actId="1035"/>
+          <ac:spMkLst>
+            <pc:docMk/>
+            <pc:sldMk cId="2927474256" sldId="2754"/>
+            <ac:spMk id="8" creationId="{A2337412-D749-2149-F722-E14B45A47143}"/>
+          </ac:spMkLst>
+        </pc:spChg>
+        <pc:spChg chg="mod">
+          <ac:chgData name="Xin Luo" userId="82312ee5779919a4" providerId="LiveId" clId="{ABECCF1F-1CAA-3A42-9710-47D9CB1C5B21}" dt="2023-08-21T09:08:39.577" v="757" actId="1035"/>
+          <ac:spMkLst>
+            <pc:docMk/>
+            <pc:sldMk cId="2927474256" sldId="2754"/>
+            <ac:spMk id="10" creationId="{5FE06F54-CFCF-1F7B-8703-FF45449C4348}"/>
+          </ac:spMkLst>
+        </pc:spChg>
+        <pc:spChg chg="del">
+          <ac:chgData name="Xin Luo" userId="82312ee5779919a4" providerId="LiveId" clId="{ABECCF1F-1CAA-3A42-9710-47D9CB1C5B21}" dt="2023-08-21T08:59:29.253" v="603" actId="478"/>
+          <ac:spMkLst>
+            <pc:docMk/>
+            <pc:sldMk cId="2927474256" sldId="2754"/>
+            <ac:spMk id="11" creationId="{C402EBD9-8BC8-2A75-1218-C7F537BD4F74}"/>
+          </ac:spMkLst>
+        </pc:spChg>
+        <pc:spChg chg="add mod">
+          <ac:chgData name="Xin Luo" userId="82312ee5779919a4" providerId="LiveId" clId="{ABECCF1F-1CAA-3A42-9710-47D9CB1C5B21}" dt="2023-08-21T09:08:39.577" v="757" actId="1035"/>
+          <ac:spMkLst>
+            <pc:docMk/>
+            <pc:sldMk cId="2927474256" sldId="2754"/>
+            <ac:spMk id="16" creationId="{2EA13607-3EE9-0EBE-2310-AB66CADD8400}"/>
+          </ac:spMkLst>
+        </pc:spChg>
+        <pc:spChg chg="add mod">
+          <ac:chgData name="Xin Luo" userId="82312ee5779919a4" providerId="LiveId" clId="{ABECCF1F-1CAA-3A42-9710-47D9CB1C5B21}" dt="2023-08-21T09:08:39.577" v="757" actId="1035"/>
+          <ac:spMkLst>
+            <pc:docMk/>
+            <pc:sldMk cId="2927474256" sldId="2754"/>
+            <ac:spMk id="17" creationId="{8CFF8A22-C033-47DF-8707-CA76F142CBBA}"/>
+          </ac:spMkLst>
+        </pc:spChg>
+        <pc:spChg chg="add mod">
+          <ac:chgData name="Xin Luo" userId="82312ee5779919a4" providerId="LiveId" clId="{ABECCF1F-1CAA-3A42-9710-47D9CB1C5B21}" dt="2023-08-21T09:09:03.859" v="781" actId="14100"/>
+          <ac:spMkLst>
+            <pc:docMk/>
+            <pc:sldMk cId="2927474256" sldId="2754"/>
+            <ac:spMk id="19" creationId="{F1F8BC3A-2851-66F8-445F-CC5C10AB9E4F}"/>
+          </ac:spMkLst>
+        </pc:spChg>
+        <pc:grpChg chg="add mod">
+          <ac:chgData name="Xin Luo" userId="82312ee5779919a4" providerId="LiveId" clId="{ABECCF1F-1CAA-3A42-9710-47D9CB1C5B21}" dt="2023-08-21T09:08:55.770" v="774" actId="1036"/>
+          <ac:grpSpMkLst>
+            <pc:docMk/>
+            <pc:sldMk cId="2927474256" sldId="2754"/>
+            <ac:grpSpMk id="20" creationId="{8AA7B3E2-1D42-96C9-43F0-1F320D3EFD63}"/>
+          </ac:grpSpMkLst>
+        </pc:grpChg>
+        <pc:picChg chg="add mod modCrop">
+          <ac:chgData name="Xin Luo" userId="82312ee5779919a4" providerId="LiveId" clId="{ABECCF1F-1CAA-3A42-9710-47D9CB1C5B21}" dt="2023-08-21T09:08:55.770" v="774" actId="1036"/>
+          <ac:picMkLst>
+            <pc:docMk/>
+            <pc:sldMk cId="2927474256" sldId="2754"/>
+            <ac:picMk id="9" creationId="{0CF46726-2B51-43A4-FDEF-A6131C46F05F}"/>
+          </ac:picMkLst>
+        </pc:picChg>
+        <pc:picChg chg="add del mod">
+          <ac:chgData name="Xin Luo" userId="82312ee5779919a4" providerId="LiveId" clId="{ABECCF1F-1CAA-3A42-9710-47D9CB1C5B21}" dt="2023-08-21T09:04:37.137" v="680" actId="478"/>
+          <ac:picMkLst>
+            <pc:docMk/>
+            <pc:sldMk cId="2927474256" sldId="2754"/>
+            <ac:picMk id="13" creationId="{2C310207-BBE2-954A-9122-8957AF07383A}"/>
+          </ac:picMkLst>
+        </pc:picChg>
+        <pc:picChg chg="add mod modCrop">
+          <ac:chgData name="Xin Luo" userId="82312ee5779919a4" providerId="LiveId" clId="{ABECCF1F-1CAA-3A42-9710-47D9CB1C5B21}" dt="2023-08-21T09:08:39.577" v="757" actId="1035"/>
+          <ac:picMkLst>
+            <pc:docMk/>
+            <pc:sldMk cId="2927474256" sldId="2754"/>
+            <ac:picMk id="15" creationId="{639D3A36-F4F5-4F0C-7519-97D401E3DE91}"/>
+          </ac:picMkLst>
+        </pc:picChg>
+      </pc:sldChg>
+      <pc:sldChg chg="delSp modSp add mod">
+        <pc:chgData name="Xin Luo" userId="82312ee5779919a4" providerId="LiveId" clId="{ABECCF1F-1CAA-3A42-9710-47D9CB1C5B21}" dt="2023-08-21T09:31:16.266" v="879" actId="20577"/>
+        <pc:sldMkLst>
+          <pc:docMk/>
+          <pc:sldMk cId="3593416967" sldId="2755"/>
         </pc:sldMkLst>
         <pc:spChg chg="mod">
-          <ac:chgData name="Xin Luo" userId="82312ee5779919a4" providerId="LiveId" clId="{D28526AD-BB72-0B4E-9638-04907E1F3622}" dt="2023-09-18T01:27:09.604" v="115" actId="255"/>
+          <ac:chgData name="Xin Luo" userId="82312ee5779919a4" providerId="LiveId" clId="{ABECCF1F-1CAA-3A42-9710-47D9CB1C5B21}" dt="2023-08-21T09:31:03.242" v="873" actId="20577"/>
           <ac:spMkLst>
             <pc:docMk/>
-            <pc:sldMk cId="1209572041" sldId="2722"/>
-            <ac:spMk id="13" creationId="{303BC878-BC57-D350-27A3-F03AE48213AC}"/>
+            <pc:sldMk cId="3593416967" sldId="2755"/>
+            <ac:spMk id="8" creationId="{A2337412-D749-2149-F722-E14B45A47143}"/>
           </ac:spMkLst>
         </pc:spChg>
-      </pc:sldChg>
-      <pc:sldChg chg="del">
-        <pc:chgData name="Xin Luo" userId="82312ee5779919a4" providerId="LiveId" clId="{D28526AD-BB72-0B4E-9638-04907E1F3622}" dt="2023-09-18T01:27:13.837" v="116" actId="2696"/>
-        <pc:sldMkLst>
-          <pc:docMk/>
-          <pc:sldMk cId="2476237792" sldId="2741"/>
-        </pc:sldMkLst>
+        <pc:spChg chg="mod">
+          <ac:chgData name="Xin Luo" userId="82312ee5779919a4" providerId="LiveId" clId="{ABECCF1F-1CAA-3A42-9710-47D9CB1C5B21}" dt="2023-08-21T09:31:16.266" v="879" actId="20577"/>
+          <ac:spMkLst>
+            <pc:docMk/>
+            <pc:sldMk cId="3593416967" sldId="2755"/>
+            <ac:spMk id="10" creationId="{5FE06F54-CFCF-1F7B-8703-FF45449C4348}"/>
+          </ac:spMkLst>
+        </pc:spChg>
+        <pc:grpChg chg="del">
+          <ac:chgData name="Xin Luo" userId="82312ee5779919a4" providerId="LiveId" clId="{ABECCF1F-1CAA-3A42-9710-47D9CB1C5B21}" dt="2023-08-21T09:31:06.835" v="875" actId="478"/>
+          <ac:grpSpMkLst>
+            <pc:docMk/>
+            <pc:sldMk cId="3593416967" sldId="2755"/>
+            <ac:grpSpMk id="20" creationId="{8AA7B3E2-1D42-96C9-43F0-1F320D3EFD63}"/>
+          </ac:grpSpMkLst>
+        </pc:grpChg>
+        <pc:picChg chg="del">
+          <ac:chgData name="Xin Luo" userId="82312ee5779919a4" providerId="LiveId" clId="{ABECCF1F-1CAA-3A42-9710-47D9CB1C5B21}" dt="2023-08-21T09:31:06.186" v="874" actId="478"/>
+          <ac:picMkLst>
+            <pc:docMk/>
+            <pc:sldMk cId="3593416967" sldId="2755"/>
+            <ac:picMk id="9" creationId="{0CF46726-2B51-43A4-FDEF-A6131C46F05F}"/>
+          </ac:picMkLst>
+        </pc:picChg>
       </pc:sldChg>
     </pc:docChg>
   </pc:docChgLst>
@@ -5811,20 +5951,20 @@
     </pc:docChg>
   </pc:docChgLst>
   <pc:docChgLst>
-    <pc:chgData name="Xin Luo" userId="82312ee5779919a4" providerId="LiveId" clId="{A508F461-0D73-864F-B88A-277BCD613B0A}"/>
-    <pc:docChg chg="modSld">
-      <pc:chgData name="Xin Luo" userId="82312ee5779919a4" providerId="LiveId" clId="{A508F461-0D73-864F-B88A-277BCD613B0A}" dt="2023-09-11T02:08:48.074" v="121" actId="1076"/>
+    <pc:chgData name="Xin Luo" userId="82312ee5779919a4" providerId="LiveId" clId="{D28526AD-BB72-0B4E-9638-04907E1F3622}"/>
+    <pc:docChg chg="delSld modSld">
+      <pc:chgData name="Xin Luo" userId="82312ee5779919a4" providerId="LiveId" clId="{D28526AD-BB72-0B4E-9638-04907E1F3622}" dt="2023-09-18T01:27:13.837" v="116" actId="2696"/>
       <pc:docMkLst>
         <pc:docMk/>
       </pc:docMkLst>
       <pc:sldChg chg="modSp mod">
-        <pc:chgData name="Xin Luo" userId="82312ee5779919a4" providerId="LiveId" clId="{A508F461-0D73-864F-B88A-277BCD613B0A}" dt="2023-09-11T01:25:36.157" v="49" actId="255"/>
+        <pc:chgData name="Xin Luo" userId="82312ee5779919a4" providerId="LiveId" clId="{D28526AD-BB72-0B4E-9638-04907E1F3622}" dt="2023-09-18T01:27:09.604" v="115" actId="255"/>
         <pc:sldMkLst>
           <pc:docMk/>
           <pc:sldMk cId="1209572041" sldId="2722"/>
         </pc:sldMkLst>
         <pc:spChg chg="mod">
-          <ac:chgData name="Xin Luo" userId="82312ee5779919a4" providerId="LiveId" clId="{A508F461-0D73-864F-B88A-277BCD613B0A}" dt="2023-09-11T01:25:36.157" v="49" actId="255"/>
+          <ac:chgData name="Xin Luo" userId="82312ee5779919a4" providerId="LiveId" clId="{D28526AD-BB72-0B4E-9638-04907E1F3622}" dt="2023-09-18T01:27:09.604" v="115" actId="255"/>
           <ac:spMkLst>
             <pc:docMk/>
             <pc:sldMk cId="1209572041" sldId="2722"/>
@@ -5832,113 +5972,12 @@
           </ac:spMkLst>
         </pc:spChg>
       </pc:sldChg>
-      <pc:sldChg chg="modSp mod">
-        <pc:chgData name="Xin Luo" userId="82312ee5779919a4" providerId="LiveId" clId="{A508F461-0D73-864F-B88A-277BCD613B0A}" dt="2023-09-11T02:08:48.074" v="121" actId="1076"/>
+      <pc:sldChg chg="del">
+        <pc:chgData name="Xin Luo" userId="82312ee5779919a4" providerId="LiveId" clId="{D28526AD-BB72-0B4E-9638-04907E1F3622}" dt="2023-09-18T01:27:13.837" v="116" actId="2696"/>
         <pc:sldMkLst>
           <pc:docMk/>
-          <pc:sldMk cId="3151170836" sldId="2742"/>
+          <pc:sldMk cId="2476237792" sldId="2741"/>
         </pc:sldMkLst>
-        <pc:spChg chg="mod">
-          <ac:chgData name="Xin Luo" userId="82312ee5779919a4" providerId="LiveId" clId="{A508F461-0D73-864F-B88A-277BCD613B0A}" dt="2023-09-11T02:08:48.074" v="121" actId="1076"/>
-          <ac:spMkLst>
-            <pc:docMk/>
-            <pc:sldMk cId="3151170836" sldId="2742"/>
-            <ac:spMk id="6" creationId="{FA343B24-C04E-C7D0-D427-DA131ECB74AB}"/>
-          </ac:spMkLst>
-        </pc:spChg>
-      </pc:sldChg>
-      <pc:sldChg chg="modSp mod">
-        <pc:chgData name="Xin Luo" userId="82312ee5779919a4" providerId="LiveId" clId="{A508F461-0D73-864F-B88A-277BCD613B0A}" dt="2023-09-11T01:24:19.474" v="26" actId="255"/>
-        <pc:sldMkLst>
-          <pc:docMk/>
-          <pc:sldMk cId="3741103209" sldId="2745"/>
-        </pc:sldMkLst>
-        <pc:spChg chg="mod">
-          <ac:chgData name="Xin Luo" userId="82312ee5779919a4" providerId="LiveId" clId="{A508F461-0D73-864F-B88A-277BCD613B0A}" dt="2023-09-11T01:24:19.474" v="26" actId="255"/>
-          <ac:spMkLst>
-            <pc:docMk/>
-            <pc:sldMk cId="3741103209" sldId="2745"/>
-            <ac:spMk id="17" creationId="{9E05FFCA-3371-AF5C-381D-71D984055F5A}"/>
-          </ac:spMkLst>
-        </pc:spChg>
-      </pc:sldChg>
-      <pc:sldChg chg="modSp mod">
-        <pc:chgData name="Xin Luo" userId="82312ee5779919a4" providerId="LiveId" clId="{A508F461-0D73-864F-B88A-277BCD613B0A}" dt="2023-09-11T01:25:10.921" v="46" actId="1035"/>
-        <pc:sldMkLst>
-          <pc:docMk/>
-          <pc:sldMk cId="2081473989" sldId="2748"/>
-        </pc:sldMkLst>
-        <pc:spChg chg="mod">
-          <ac:chgData name="Xin Luo" userId="82312ee5779919a4" providerId="LiveId" clId="{A508F461-0D73-864F-B88A-277BCD613B0A}" dt="2023-09-11T01:25:10.921" v="46" actId="1035"/>
-          <ac:spMkLst>
-            <pc:docMk/>
-            <pc:sldMk cId="2081473989" sldId="2748"/>
-            <ac:spMk id="15" creationId="{DAE75BEB-15B0-6AD3-FEA5-24688F0C9399}"/>
-          </ac:spMkLst>
-        </pc:spChg>
-        <pc:spChg chg="mod">
-          <ac:chgData name="Xin Luo" userId="82312ee5779919a4" providerId="LiveId" clId="{A508F461-0D73-864F-B88A-277BCD613B0A}" dt="2023-09-11T01:25:10.921" v="46" actId="1035"/>
-          <ac:spMkLst>
-            <pc:docMk/>
-            <pc:sldMk cId="2081473989" sldId="2748"/>
-            <ac:spMk id="16" creationId="{011A1F98-9159-4FE6-698D-1B0B7EFC1F4C}"/>
-          </ac:spMkLst>
-        </pc:spChg>
-        <pc:spChg chg="mod">
-          <ac:chgData name="Xin Luo" userId="82312ee5779919a4" providerId="LiveId" clId="{A508F461-0D73-864F-B88A-277BCD613B0A}" dt="2023-09-11T01:25:03.190" v="37" actId="2710"/>
-          <ac:spMkLst>
-            <pc:docMk/>
-            <pc:sldMk cId="2081473989" sldId="2748"/>
-            <ac:spMk id="17" creationId="{9E05FFCA-3371-AF5C-381D-71D984055F5A}"/>
-          </ac:spMkLst>
-        </pc:spChg>
-        <pc:picChg chg="mod">
-          <ac:chgData name="Xin Luo" userId="82312ee5779919a4" providerId="LiveId" clId="{A508F461-0D73-864F-B88A-277BCD613B0A}" dt="2023-09-11T01:25:10.921" v="46" actId="1035"/>
-          <ac:picMkLst>
-            <pc:docMk/>
-            <pc:sldMk cId="2081473989" sldId="2748"/>
-            <ac:picMk id="8" creationId="{79143EB1-6171-6D6B-E065-52F98AD03CCA}"/>
-          </ac:picMkLst>
-        </pc:picChg>
-        <pc:picChg chg="mod">
-          <ac:chgData name="Xin Luo" userId="82312ee5779919a4" providerId="LiveId" clId="{A508F461-0D73-864F-B88A-277BCD613B0A}" dt="2023-09-11T01:25:10.921" v="46" actId="1035"/>
-          <ac:picMkLst>
-            <pc:docMk/>
-            <pc:sldMk cId="2081473989" sldId="2748"/>
-            <ac:picMk id="12" creationId="{CD5784D5-D55B-B02C-C48B-B4566A95D7A5}"/>
-          </ac:picMkLst>
-        </pc:picChg>
-      </pc:sldChg>
-      <pc:sldChg chg="modSp mod">
-        <pc:chgData name="Xin Luo" userId="82312ee5779919a4" providerId="LiveId" clId="{A508F461-0D73-864F-B88A-277BCD613B0A}" dt="2023-09-11T01:23:28.376" v="25" actId="1037"/>
-        <pc:sldMkLst>
-          <pc:docMk/>
-          <pc:sldMk cId="2927474256" sldId="2754"/>
-        </pc:sldMkLst>
-        <pc:spChg chg="mod">
-          <ac:chgData name="Xin Luo" userId="82312ee5779919a4" providerId="LiveId" clId="{A508F461-0D73-864F-B88A-277BCD613B0A}" dt="2023-09-11T01:23:28.376" v="25" actId="1037"/>
-          <ac:spMkLst>
-            <pc:docMk/>
-            <pc:sldMk cId="2927474256" sldId="2754"/>
-            <ac:spMk id="17" creationId="{8CFF8A22-C033-47DF-8707-CA76F142CBBA}"/>
-          </ac:spMkLst>
-        </pc:spChg>
-        <pc:grpChg chg="mod">
-          <ac:chgData name="Xin Luo" userId="82312ee5779919a4" providerId="LiveId" clId="{A508F461-0D73-864F-B88A-277BCD613B0A}" dt="2023-09-11T01:23:15.792" v="0" actId="1037"/>
-          <ac:grpSpMkLst>
-            <pc:docMk/>
-            <pc:sldMk cId="2927474256" sldId="2754"/>
-            <ac:grpSpMk id="20" creationId="{8AA7B3E2-1D42-96C9-43F0-1F320D3EFD63}"/>
-          </ac:grpSpMkLst>
-        </pc:grpChg>
-        <pc:picChg chg="mod">
-          <ac:chgData name="Xin Luo" userId="82312ee5779919a4" providerId="LiveId" clId="{A508F461-0D73-864F-B88A-277BCD613B0A}" dt="2023-09-11T01:23:18.846" v="10" actId="1038"/>
-          <ac:picMkLst>
-            <pc:docMk/>
-            <pc:sldMk cId="2927474256" sldId="2754"/>
-            <ac:picMk id="9" creationId="{0CF46726-2B51-43A4-FDEF-A6131C46F05F}"/>
-          </ac:picMkLst>
-        </pc:picChg>
       </pc:sldChg>
     </pc:docChg>
   </pc:docChgLst>
@@ -6352,7 +6391,7 @@
               </a14:hiddenFill>
             </a:ext>
             <a:ext uri="{FAA26D3D-D897-4be2-8F04-BA451C77F1D7}">
-              <ma14:placeholderFlag xmlns:ma14="http://schemas.microsoft.com/office/mac/drawingml/2011/main" xmlns="" val="1"/>
+              <ma14:placeholderFlag xmlns="" xmlns:ma14="http://schemas.microsoft.com/office/mac/drawingml/2011/main" val="1"/>
             </a:ext>
           </a:extLst>
         </p:spPr>
@@ -6736,7 +6775,7 @@
               </a14:hiddenLine>
             </a:ext>
             <a:ext uri="{FAA26D3D-D897-4be2-8F04-BA451C77F1D7}">
-              <ma14:placeholderFlag xmlns:ma14="http://schemas.microsoft.com/office/mac/drawingml/2011/main" xmlns="" val="1"/>
+              <ma14:placeholderFlag xmlns="" xmlns:ma14="http://schemas.microsoft.com/office/mac/drawingml/2011/main" val="1"/>
             </a:ext>
           </a:extLst>
         </p:spPr>
@@ -7722,7 +7761,7 @@
               </a14:hiddenLine>
             </a:ext>
             <a:ext uri="{FAA26D3D-D897-4be2-8F04-BA451C77F1D7}">
-              <ma14:placeholderFlag xmlns:ma14="http://schemas.microsoft.com/office/mac/drawingml/2011/main" xmlns="" val="1"/>
+              <ma14:placeholderFlag xmlns="" xmlns:ma14="http://schemas.microsoft.com/office/mac/drawingml/2011/main" val="1"/>
             </a:ext>
           </a:extLst>
         </p:spPr>
@@ -11202,7 +11241,7 @@
               </a14:hiddenLine>
             </a:ext>
             <a:ext uri="{FAA26D3D-D897-4be2-8F04-BA451C77F1D7}">
-              <ma14:placeholderFlag xmlns:ma14="http://schemas.microsoft.com/office/mac/drawingml/2011/main" xmlns="" val="1"/>
+              <ma14:placeholderFlag xmlns="" xmlns:ma14="http://schemas.microsoft.com/office/mac/drawingml/2011/main" val="1"/>
             </a:ext>
           </a:extLst>
         </p:spPr>
@@ -14893,7 +14932,7 @@
               </a14:hiddenLine>
             </a:ext>
             <a:ext uri="{FAA26D3D-D897-4be2-8F04-BA451C77F1D7}">
-              <ma14:placeholderFlag xmlns:ma14="http://schemas.microsoft.com/office/mac/drawingml/2011/main" xmlns="" val="1"/>
+              <ma14:placeholderFlag xmlns="" xmlns:ma14="http://schemas.microsoft.com/office/mac/drawingml/2011/main" val="1"/>
             </a:ext>
           </a:extLst>
         </p:spPr>

--- a/第3章-开源GIS软件开发环境-6课时/第3章-开源GIS软件开发环境-Python开发环境配置-4学时.pptx
+++ b/第3章-开源GIS软件开发环境-6课时/第3章-开源GIS软件开发环境-Python开发环境配置-4学时.pptx
@@ -27,7 +27,7 @@
     <p:sldId id="2759" r:id="rId15"/>
     <p:sldId id="2760" r:id="rId16"/>
     <p:sldId id="2751" r:id="rId17"/>
-    <p:sldId id="2762" r:id="rId18"/>
+    <p:sldId id="2767" r:id="rId18"/>
     <p:sldId id="2752" r:id="rId19"/>
     <p:sldId id="2753" r:id="rId20"/>
     <p:sldId id="2761" r:id="rId21"/>
@@ -907,49 +907,597 @@
     </pc:docChg>
   </pc:docChgLst>
   <pc:docChgLst>
-    <pc:chgData name="Xin Luo" userId="82312ee5779919a4" providerId="LiveId" clId="{4807F875-6F75-AB41-83F0-5AE490FE2F1C}"/>
-    <pc:docChg chg="custSel addSld modSld">
-      <pc:chgData name="Xin Luo" userId="82312ee5779919a4" providerId="LiveId" clId="{4807F875-6F75-AB41-83F0-5AE490FE2F1C}" dt="2023-09-13T14:07:01.122" v="8" actId="1076"/>
+    <pc:chgData name="Xin Luo" userId="82312ee5779919a4" providerId="LiveId" clId="{A508F461-0D73-864F-B88A-277BCD613B0A}"/>
+    <pc:docChg chg="modSld">
+      <pc:chgData name="Xin Luo" userId="82312ee5779919a4" providerId="LiveId" clId="{A508F461-0D73-864F-B88A-277BCD613B0A}" dt="2023-09-11T02:08:48.074" v="121" actId="1076"/>
       <pc:docMkLst>
         <pc:docMk/>
       </pc:docMkLst>
-      <pc:sldChg chg="addSp delSp modSp mod">
-        <pc:chgData name="Xin Luo" userId="82312ee5779919a4" providerId="LiveId" clId="{4807F875-6F75-AB41-83F0-5AE490FE2F1C}" dt="2023-09-13T14:06:41.345" v="2" actId="478"/>
+      <pc:sldChg chg="modSp mod">
+        <pc:chgData name="Xin Luo" userId="82312ee5779919a4" providerId="LiveId" clId="{A508F461-0D73-864F-B88A-277BCD613B0A}" dt="2023-09-11T01:25:36.157" v="49" actId="255"/>
+        <pc:sldMkLst>
+          <pc:docMk/>
+          <pc:sldMk cId="1209572041" sldId="2722"/>
+        </pc:sldMkLst>
+        <pc:spChg chg="mod">
+          <ac:chgData name="Xin Luo" userId="82312ee5779919a4" providerId="LiveId" clId="{A508F461-0D73-864F-B88A-277BCD613B0A}" dt="2023-09-11T01:25:36.157" v="49" actId="255"/>
+          <ac:spMkLst>
+            <pc:docMk/>
+            <pc:sldMk cId="1209572041" sldId="2722"/>
+            <ac:spMk id="13" creationId="{303BC878-BC57-D350-27A3-F03AE48213AC}"/>
+          </ac:spMkLst>
+        </pc:spChg>
+      </pc:sldChg>
+      <pc:sldChg chg="modSp mod">
+        <pc:chgData name="Xin Luo" userId="82312ee5779919a4" providerId="LiveId" clId="{A508F461-0D73-864F-B88A-277BCD613B0A}" dt="2023-09-11T02:08:48.074" v="121" actId="1076"/>
+        <pc:sldMkLst>
+          <pc:docMk/>
+          <pc:sldMk cId="3151170836" sldId="2742"/>
+        </pc:sldMkLst>
+        <pc:spChg chg="mod">
+          <ac:chgData name="Xin Luo" userId="82312ee5779919a4" providerId="LiveId" clId="{A508F461-0D73-864F-B88A-277BCD613B0A}" dt="2023-09-11T02:08:48.074" v="121" actId="1076"/>
+          <ac:spMkLst>
+            <pc:docMk/>
+            <pc:sldMk cId="3151170836" sldId="2742"/>
+            <ac:spMk id="6" creationId="{FA343B24-C04E-C7D0-D427-DA131ECB74AB}"/>
+          </ac:spMkLst>
+        </pc:spChg>
+      </pc:sldChg>
+      <pc:sldChg chg="modSp mod">
+        <pc:chgData name="Xin Luo" userId="82312ee5779919a4" providerId="LiveId" clId="{A508F461-0D73-864F-B88A-277BCD613B0A}" dt="2023-09-11T01:24:19.474" v="26" actId="255"/>
         <pc:sldMkLst>
           <pc:docMk/>
           <pc:sldMk cId="3741103209" sldId="2745"/>
         </pc:sldMkLst>
-        <pc:picChg chg="add del mod">
-          <ac:chgData name="Xin Luo" userId="82312ee5779919a4" providerId="LiveId" clId="{4807F875-6F75-AB41-83F0-5AE490FE2F1C}" dt="2023-09-13T14:06:41.345" v="2" actId="478"/>
-          <ac:picMkLst>
+        <pc:spChg chg="mod">
+          <ac:chgData name="Xin Luo" userId="82312ee5779919a4" providerId="LiveId" clId="{A508F461-0D73-864F-B88A-277BCD613B0A}" dt="2023-09-11T01:24:19.474" v="26" actId="255"/>
+          <ac:spMkLst>
             <pc:docMk/>
             <pc:sldMk cId="3741103209" sldId="2745"/>
-            <ac:picMk id="5" creationId="{197EF1EF-C4B4-1C55-B736-D9AE60BE4C77}"/>
-          </ac:picMkLst>
-        </pc:picChg>
+            <ac:spMk id="17" creationId="{9E05FFCA-3371-AF5C-381D-71D984055F5A}"/>
+          </ac:spMkLst>
+        </pc:spChg>
       </pc:sldChg>
-      <pc:sldChg chg="modSp add mod">
-        <pc:chgData name="Xin Luo" userId="82312ee5779919a4" providerId="LiveId" clId="{4807F875-6F75-AB41-83F0-5AE490FE2F1C}" dt="2023-09-13T14:07:01.122" v="8" actId="1076"/>
+      <pc:sldChg chg="modSp mod">
+        <pc:chgData name="Xin Luo" userId="82312ee5779919a4" providerId="LiveId" clId="{A508F461-0D73-864F-B88A-277BCD613B0A}" dt="2023-09-11T01:25:10.921" v="46" actId="1035"/>
         <pc:sldMkLst>
           <pc:docMk/>
-          <pc:sldMk cId="1878724924" sldId="2758"/>
+          <pc:sldMk cId="2081473989" sldId="2748"/>
         </pc:sldMkLst>
         <pc:spChg chg="mod">
-          <ac:chgData name="Xin Luo" userId="82312ee5779919a4" providerId="LiveId" clId="{4807F875-6F75-AB41-83F0-5AE490FE2F1C}" dt="2023-09-13T14:06:54.082" v="5" actId="20577"/>
+          <ac:chgData name="Xin Luo" userId="82312ee5779919a4" providerId="LiveId" clId="{A508F461-0D73-864F-B88A-277BCD613B0A}" dt="2023-09-11T01:25:10.921" v="46" actId="1035"/>
           <ac:spMkLst>
             <pc:docMk/>
-            <pc:sldMk cId="1878724924" sldId="2758"/>
+            <pc:sldMk cId="2081473989" sldId="2748"/>
+            <ac:spMk id="15" creationId="{DAE75BEB-15B0-6AD3-FEA5-24688F0C9399}"/>
+          </ac:spMkLst>
+        </pc:spChg>
+        <pc:spChg chg="mod">
+          <ac:chgData name="Xin Luo" userId="82312ee5779919a4" providerId="LiveId" clId="{A508F461-0D73-864F-B88A-277BCD613B0A}" dt="2023-09-11T01:25:10.921" v="46" actId="1035"/>
+          <ac:spMkLst>
+            <pc:docMk/>
+            <pc:sldMk cId="2081473989" sldId="2748"/>
+            <ac:spMk id="16" creationId="{011A1F98-9159-4FE6-698D-1B0B7EFC1F4C}"/>
+          </ac:spMkLst>
+        </pc:spChg>
+        <pc:spChg chg="mod">
+          <ac:chgData name="Xin Luo" userId="82312ee5779919a4" providerId="LiveId" clId="{A508F461-0D73-864F-B88A-277BCD613B0A}" dt="2023-09-11T01:25:03.190" v="37" actId="2710"/>
+          <ac:spMkLst>
+            <pc:docMk/>
+            <pc:sldMk cId="2081473989" sldId="2748"/>
             <ac:spMk id="17" creationId="{9E05FFCA-3371-AF5C-381D-71D984055F5A}"/>
           </ac:spMkLst>
         </pc:spChg>
         <pc:picChg chg="mod">
-          <ac:chgData name="Xin Luo" userId="82312ee5779919a4" providerId="LiveId" clId="{4807F875-6F75-AB41-83F0-5AE490FE2F1C}" dt="2023-09-13T14:07:01.122" v="8" actId="1076"/>
+          <ac:chgData name="Xin Luo" userId="82312ee5779919a4" providerId="LiveId" clId="{A508F461-0D73-864F-B88A-277BCD613B0A}" dt="2023-09-11T01:25:10.921" v="46" actId="1035"/>
           <ac:picMkLst>
             <pc:docMk/>
-            <pc:sldMk cId="1878724924" sldId="2758"/>
-            <ac:picMk id="5" creationId="{197EF1EF-C4B4-1C55-B736-D9AE60BE4C77}"/>
+            <pc:sldMk cId="2081473989" sldId="2748"/>
+            <ac:picMk id="8" creationId="{79143EB1-6171-6D6B-E065-52F98AD03CCA}"/>
           </ac:picMkLst>
         </pc:picChg>
+        <pc:picChg chg="mod">
+          <ac:chgData name="Xin Luo" userId="82312ee5779919a4" providerId="LiveId" clId="{A508F461-0D73-864F-B88A-277BCD613B0A}" dt="2023-09-11T01:25:10.921" v="46" actId="1035"/>
+          <ac:picMkLst>
+            <pc:docMk/>
+            <pc:sldMk cId="2081473989" sldId="2748"/>
+            <ac:picMk id="12" creationId="{CD5784D5-D55B-B02C-C48B-B4566A95D7A5}"/>
+          </ac:picMkLst>
+        </pc:picChg>
+      </pc:sldChg>
+      <pc:sldChg chg="modSp mod">
+        <pc:chgData name="Xin Luo" userId="82312ee5779919a4" providerId="LiveId" clId="{A508F461-0D73-864F-B88A-277BCD613B0A}" dt="2023-09-11T01:23:28.376" v="25" actId="1037"/>
+        <pc:sldMkLst>
+          <pc:docMk/>
+          <pc:sldMk cId="2927474256" sldId="2754"/>
+        </pc:sldMkLst>
+        <pc:spChg chg="mod">
+          <ac:chgData name="Xin Luo" userId="82312ee5779919a4" providerId="LiveId" clId="{A508F461-0D73-864F-B88A-277BCD613B0A}" dt="2023-09-11T01:23:28.376" v="25" actId="1037"/>
+          <ac:spMkLst>
+            <pc:docMk/>
+            <pc:sldMk cId="2927474256" sldId="2754"/>
+            <ac:spMk id="17" creationId="{8CFF8A22-C033-47DF-8707-CA76F142CBBA}"/>
+          </ac:spMkLst>
+        </pc:spChg>
+        <pc:grpChg chg="mod">
+          <ac:chgData name="Xin Luo" userId="82312ee5779919a4" providerId="LiveId" clId="{A508F461-0D73-864F-B88A-277BCD613B0A}" dt="2023-09-11T01:23:15.792" v="0" actId="1037"/>
+          <ac:grpSpMkLst>
+            <pc:docMk/>
+            <pc:sldMk cId="2927474256" sldId="2754"/>
+            <ac:grpSpMk id="20" creationId="{8AA7B3E2-1D42-96C9-43F0-1F320D3EFD63}"/>
+          </ac:grpSpMkLst>
+        </pc:grpChg>
+        <pc:picChg chg="mod">
+          <ac:chgData name="Xin Luo" userId="82312ee5779919a4" providerId="LiveId" clId="{A508F461-0D73-864F-B88A-277BCD613B0A}" dt="2023-09-11T01:23:18.846" v="10" actId="1038"/>
+          <ac:picMkLst>
+            <pc:docMk/>
+            <pc:sldMk cId="2927474256" sldId="2754"/>
+            <ac:picMk id="9" creationId="{0CF46726-2B51-43A4-FDEF-A6131C46F05F}"/>
+          </ac:picMkLst>
+        </pc:picChg>
+      </pc:sldChg>
+    </pc:docChg>
+  </pc:docChgLst>
+  <pc:docChgLst>
+    <pc:chgData name="Xin Luo" userId="82312ee5779919a4" providerId="LiveId" clId="{ABECCF1F-1CAA-3A42-9710-47D9CB1C5B21}"/>
+    <pc:docChg chg="undo custSel addSld modSld sldOrd">
+      <pc:chgData name="Xin Luo" userId="82312ee5779919a4" providerId="LiveId" clId="{ABECCF1F-1CAA-3A42-9710-47D9CB1C5B21}" dt="2023-08-21T09:31:16.266" v="879" actId="20577"/>
+      <pc:docMkLst>
+        <pc:docMk/>
+      </pc:docMkLst>
+      <pc:sldChg chg="modSp mod">
+        <pc:chgData name="Xin Luo" userId="82312ee5779919a4" providerId="LiveId" clId="{ABECCF1F-1CAA-3A42-9710-47D9CB1C5B21}" dt="2023-08-21T02:55:15.471" v="67" actId="20577"/>
+        <pc:sldMkLst>
+          <pc:docMk/>
+          <pc:sldMk cId="1576120367" sldId="2387"/>
+        </pc:sldMkLst>
+        <pc:spChg chg="mod">
+          <ac:chgData name="Xin Luo" userId="82312ee5779919a4" providerId="LiveId" clId="{ABECCF1F-1CAA-3A42-9710-47D9CB1C5B21}" dt="2023-08-21T02:55:15.471" v="67" actId="20577"/>
+          <ac:spMkLst>
+            <pc:docMk/>
+            <pc:sldMk cId="1576120367" sldId="2387"/>
+            <ac:spMk id="12" creationId="{00000000-0000-0000-0000-000000000000}"/>
+          </ac:spMkLst>
+        </pc:spChg>
+        <pc:spChg chg="mod">
+          <ac:chgData name="Xin Luo" userId="82312ee5779919a4" providerId="LiveId" clId="{ABECCF1F-1CAA-3A42-9710-47D9CB1C5B21}" dt="2023-08-21T02:38:36.931" v="38" actId="20577"/>
+          <ac:spMkLst>
+            <pc:docMk/>
+            <pc:sldMk cId="1576120367" sldId="2387"/>
+            <ac:spMk id="14" creationId="{00000000-0000-0000-0000-000000000000}"/>
+          </ac:spMkLst>
+        </pc:spChg>
+      </pc:sldChg>
+      <pc:sldChg chg="modSp mod">
+        <pc:chgData name="Xin Luo" userId="82312ee5779919a4" providerId="LiveId" clId="{ABECCF1F-1CAA-3A42-9710-47D9CB1C5B21}" dt="2023-08-21T03:50:02.826" v="70" actId="14100"/>
+        <pc:sldMkLst>
+          <pc:docMk/>
+          <pc:sldMk cId="3833073590" sldId="2716"/>
+        </pc:sldMkLst>
+        <pc:spChg chg="mod">
+          <ac:chgData name="Xin Luo" userId="82312ee5779919a4" providerId="LiveId" clId="{ABECCF1F-1CAA-3A42-9710-47D9CB1C5B21}" dt="2023-08-21T03:50:02.826" v="70" actId="14100"/>
+          <ac:spMkLst>
+            <pc:docMk/>
+            <pc:sldMk cId="3833073590" sldId="2716"/>
+            <ac:spMk id="6" creationId="{6741FEA2-C046-FD82-2800-2CB513792080}"/>
+          </ac:spMkLst>
+        </pc:spChg>
+        <pc:picChg chg="mod">
+          <ac:chgData name="Xin Luo" userId="82312ee5779919a4" providerId="LiveId" clId="{ABECCF1F-1CAA-3A42-9710-47D9CB1C5B21}" dt="2023-08-21T03:50:00.106" v="69" actId="1076"/>
+          <ac:picMkLst>
+            <pc:docMk/>
+            <pc:sldMk cId="3833073590" sldId="2716"/>
+            <ac:picMk id="1030" creationId="{C93DB76E-C02F-05AC-2014-674F7E808ADA}"/>
+          </ac:picMkLst>
+        </pc:picChg>
+      </pc:sldChg>
+      <pc:sldChg chg="addSp delSp modSp mod">
+        <pc:chgData name="Xin Luo" userId="82312ee5779919a4" providerId="LiveId" clId="{ABECCF1F-1CAA-3A42-9710-47D9CB1C5B21}" dt="2023-08-21T03:52:56.239" v="118"/>
+        <pc:sldMkLst>
+          <pc:docMk/>
+          <pc:sldMk cId="2776132283" sldId="2739"/>
+        </pc:sldMkLst>
+        <pc:spChg chg="add del mod">
+          <ac:chgData name="Xin Luo" userId="82312ee5779919a4" providerId="LiveId" clId="{ABECCF1F-1CAA-3A42-9710-47D9CB1C5B21}" dt="2023-08-21T03:52:56.239" v="118"/>
+          <ac:spMkLst>
+            <pc:docMk/>
+            <pc:sldMk cId="2776132283" sldId="2739"/>
+            <ac:spMk id="4" creationId="{0411BEA9-35E9-6B80-5BDE-4EEB0EC8EBCB}"/>
+          </ac:spMkLst>
+        </pc:spChg>
+        <pc:spChg chg="mod">
+          <ac:chgData name="Xin Luo" userId="82312ee5779919a4" providerId="LiveId" clId="{ABECCF1F-1CAA-3A42-9710-47D9CB1C5B21}" dt="2023-08-21T03:50:50.271" v="115" actId="20577"/>
+          <ac:spMkLst>
+            <pc:docMk/>
+            <pc:sldMk cId="2776132283" sldId="2739"/>
+            <ac:spMk id="6" creationId="{6741FEA2-C046-FD82-2800-2CB513792080}"/>
+          </ac:spMkLst>
+        </pc:spChg>
+      </pc:sldChg>
+      <pc:sldChg chg="addSp modSp mod ord">
+        <pc:chgData name="Xin Luo" userId="82312ee5779919a4" providerId="LiveId" clId="{ABECCF1F-1CAA-3A42-9710-47D9CB1C5B21}" dt="2023-08-21T07:26:51.742" v="177" actId="20578"/>
+        <pc:sldMkLst>
+          <pc:docMk/>
+          <pc:sldMk cId="4194482579" sldId="2743"/>
+        </pc:sldMkLst>
+        <pc:spChg chg="mod">
+          <ac:chgData name="Xin Luo" userId="82312ee5779919a4" providerId="LiveId" clId="{ABECCF1F-1CAA-3A42-9710-47D9CB1C5B21}" dt="2023-08-21T03:59:16.975" v="136" actId="1076"/>
+          <ac:spMkLst>
+            <pc:docMk/>
+            <pc:sldMk cId="4194482579" sldId="2743"/>
+            <ac:spMk id="6" creationId="{6741FEA2-C046-FD82-2800-2CB513792080}"/>
+          </ac:spMkLst>
+        </pc:spChg>
+        <pc:picChg chg="add mod">
+          <ac:chgData name="Xin Luo" userId="82312ee5779919a4" providerId="LiveId" clId="{ABECCF1F-1CAA-3A42-9710-47D9CB1C5B21}" dt="2023-08-21T04:10:13.653" v="140" actId="1076"/>
+          <ac:picMkLst>
+            <pc:docMk/>
+            <pc:sldMk cId="4194482579" sldId="2743"/>
+            <ac:picMk id="5" creationId="{9ADF8EDA-38B9-3779-D260-4F6A4E5D19BA}"/>
+          </ac:picMkLst>
+        </pc:picChg>
+      </pc:sldChg>
+      <pc:sldChg chg="addSp delSp modSp add mod">
+        <pc:chgData name="Xin Luo" userId="82312ee5779919a4" providerId="LiveId" clId="{ABECCF1F-1CAA-3A42-9710-47D9CB1C5B21}" dt="2023-08-21T07:50:33.166" v="356" actId="20577"/>
+        <pc:sldMkLst>
+          <pc:docMk/>
+          <pc:sldMk cId="738332523" sldId="2751"/>
+        </pc:sldMkLst>
+        <pc:spChg chg="mod">
+          <ac:chgData name="Xin Luo" userId="82312ee5779919a4" providerId="LiveId" clId="{ABECCF1F-1CAA-3A42-9710-47D9CB1C5B21}" dt="2023-08-21T07:50:33.166" v="356" actId="20577"/>
+          <ac:spMkLst>
+            <pc:docMk/>
+            <pc:sldMk cId="738332523" sldId="2751"/>
+            <ac:spMk id="6" creationId="{6741FEA2-C046-FD82-2800-2CB513792080}"/>
+          </ac:spMkLst>
+        </pc:spChg>
+        <pc:spChg chg="add mod">
+          <ac:chgData name="Xin Luo" userId="82312ee5779919a4" providerId="LiveId" clId="{ABECCF1F-1CAA-3A42-9710-47D9CB1C5B21}" dt="2023-08-21T07:34:15.357" v="219" actId="1582"/>
+          <ac:spMkLst>
+            <pc:docMk/>
+            <pc:sldMk cId="738332523" sldId="2751"/>
+            <ac:spMk id="9" creationId="{7DC24FD0-4314-6A12-D955-592B771F546D}"/>
+          </ac:spMkLst>
+        </pc:spChg>
+        <pc:spChg chg="add mod">
+          <ac:chgData name="Xin Luo" userId="82312ee5779919a4" providerId="LiveId" clId="{ABECCF1F-1CAA-3A42-9710-47D9CB1C5B21}" dt="2023-08-21T07:34:15.357" v="219" actId="1582"/>
+          <ac:spMkLst>
+            <pc:docMk/>
+            <pc:sldMk cId="738332523" sldId="2751"/>
+            <ac:spMk id="10" creationId="{99C411EF-3CC5-A5C6-671F-2074FAC1B2AA}"/>
+          </ac:spMkLst>
+        </pc:spChg>
+        <pc:picChg chg="del">
+          <ac:chgData name="Xin Luo" userId="82312ee5779919a4" providerId="LiveId" clId="{ABECCF1F-1CAA-3A42-9710-47D9CB1C5B21}" dt="2023-08-21T04:10:31.596" v="142" actId="478"/>
+          <ac:picMkLst>
+            <pc:docMk/>
+            <pc:sldMk cId="738332523" sldId="2751"/>
+            <ac:picMk id="5" creationId="{9ADF8EDA-38B9-3779-D260-4F6A4E5D19BA}"/>
+          </ac:picMkLst>
+        </pc:picChg>
+        <pc:picChg chg="add mod">
+          <ac:chgData name="Xin Luo" userId="82312ee5779919a4" providerId="LiveId" clId="{ABECCF1F-1CAA-3A42-9710-47D9CB1C5B21}" dt="2023-08-21T07:32:54.017" v="202" actId="14100"/>
+          <ac:picMkLst>
+            <pc:docMk/>
+            <pc:sldMk cId="738332523" sldId="2751"/>
+            <ac:picMk id="5" creationId="{BE72E01E-2598-0120-36F4-36F0A128ED69}"/>
+          </ac:picMkLst>
+        </pc:picChg>
+        <pc:picChg chg="add mod">
+          <ac:chgData name="Xin Luo" userId="82312ee5779919a4" providerId="LiveId" clId="{ABECCF1F-1CAA-3A42-9710-47D9CB1C5B21}" dt="2023-08-21T07:32:58.176" v="211" actId="1037"/>
+          <ac:picMkLst>
+            <pc:docMk/>
+            <pc:sldMk cId="738332523" sldId="2751"/>
+            <ac:picMk id="8" creationId="{BE0108F0-EC07-C1EA-3126-BA6F63A1A7B8}"/>
+          </ac:picMkLst>
+        </pc:picChg>
+      </pc:sldChg>
+      <pc:sldChg chg="addSp delSp modSp add mod">
+        <pc:chgData name="Xin Luo" userId="82312ee5779919a4" providerId="LiveId" clId="{ABECCF1F-1CAA-3A42-9710-47D9CB1C5B21}" dt="2023-08-21T07:50:29.891" v="352" actId="20577"/>
+        <pc:sldMkLst>
+          <pc:docMk/>
+          <pc:sldMk cId="3189639985" sldId="2752"/>
+        </pc:sldMkLst>
+        <pc:spChg chg="mod">
+          <ac:chgData name="Xin Luo" userId="82312ee5779919a4" providerId="LiveId" clId="{ABECCF1F-1CAA-3A42-9710-47D9CB1C5B21}" dt="2023-08-21T07:50:29.891" v="352" actId="20577"/>
+          <ac:spMkLst>
+            <pc:docMk/>
+            <pc:sldMk cId="3189639985" sldId="2752"/>
+            <ac:spMk id="6" creationId="{6741FEA2-C046-FD82-2800-2CB513792080}"/>
+          </ac:spMkLst>
+        </pc:spChg>
+        <pc:spChg chg="del">
+          <ac:chgData name="Xin Luo" userId="82312ee5779919a4" providerId="LiveId" clId="{ABECCF1F-1CAA-3A42-9710-47D9CB1C5B21}" dt="2023-08-21T07:35:06.445" v="254" actId="478"/>
+          <ac:spMkLst>
+            <pc:docMk/>
+            <pc:sldMk cId="3189639985" sldId="2752"/>
+            <ac:spMk id="9" creationId="{7DC24FD0-4314-6A12-D955-592B771F546D}"/>
+          </ac:spMkLst>
+        </pc:spChg>
+        <pc:spChg chg="del">
+          <ac:chgData name="Xin Luo" userId="82312ee5779919a4" providerId="LiveId" clId="{ABECCF1F-1CAA-3A42-9710-47D9CB1C5B21}" dt="2023-08-21T07:35:05.287" v="253" actId="478"/>
+          <ac:spMkLst>
+            <pc:docMk/>
+            <pc:sldMk cId="3189639985" sldId="2752"/>
+            <ac:spMk id="10" creationId="{99C411EF-3CC5-A5C6-671F-2074FAC1B2AA}"/>
+          </ac:spMkLst>
+        </pc:spChg>
+        <pc:spChg chg="add mod">
+          <ac:chgData name="Xin Luo" userId="82312ee5779919a4" providerId="LiveId" clId="{ABECCF1F-1CAA-3A42-9710-47D9CB1C5B21}" dt="2023-08-21T07:40:48.338" v="306" actId="1036"/>
+          <ac:spMkLst>
+            <pc:docMk/>
+            <pc:sldMk cId="3189639985" sldId="2752"/>
+            <ac:spMk id="11" creationId="{C402EBD9-8BC8-2A75-1218-C7F537BD4F74}"/>
+          </ac:spMkLst>
+        </pc:spChg>
+        <pc:picChg chg="del">
+          <ac:chgData name="Xin Luo" userId="82312ee5779919a4" providerId="LiveId" clId="{ABECCF1F-1CAA-3A42-9710-47D9CB1C5B21}" dt="2023-08-21T07:35:02.911" v="251" actId="478"/>
+          <ac:picMkLst>
+            <pc:docMk/>
+            <pc:sldMk cId="3189639985" sldId="2752"/>
+            <ac:picMk id="5" creationId="{BE72E01E-2598-0120-36F4-36F0A128ED69}"/>
+          </ac:picMkLst>
+        </pc:picChg>
+        <pc:picChg chg="add mod">
+          <ac:chgData name="Xin Luo" userId="82312ee5779919a4" providerId="LiveId" clId="{ABECCF1F-1CAA-3A42-9710-47D9CB1C5B21}" dt="2023-08-21T07:39:33.543" v="260" actId="1076"/>
+          <ac:picMkLst>
+            <pc:docMk/>
+            <pc:sldMk cId="3189639985" sldId="2752"/>
+            <ac:picMk id="7" creationId="{24022410-0AAA-D584-D160-5FF352C689F2}"/>
+          </ac:picMkLst>
+        </pc:picChg>
+        <pc:picChg chg="del">
+          <ac:chgData name="Xin Luo" userId="82312ee5779919a4" providerId="LiveId" clId="{ABECCF1F-1CAA-3A42-9710-47D9CB1C5B21}" dt="2023-08-21T07:35:04.316" v="252" actId="478"/>
+          <ac:picMkLst>
+            <pc:docMk/>
+            <pc:sldMk cId="3189639985" sldId="2752"/>
+            <ac:picMk id="8" creationId="{BE0108F0-EC07-C1EA-3126-BA6F63A1A7B8}"/>
+          </ac:picMkLst>
+        </pc:picChg>
+      </pc:sldChg>
+      <pc:sldChg chg="addSp delSp modSp add mod">
+        <pc:chgData name="Xin Luo" userId="82312ee5779919a4" providerId="LiveId" clId="{ABECCF1F-1CAA-3A42-9710-47D9CB1C5B21}" dt="2023-08-21T08:59:24.857" v="602" actId="478"/>
+        <pc:sldMkLst>
+          <pc:docMk/>
+          <pc:sldMk cId="2878944048" sldId="2753"/>
+        </pc:sldMkLst>
+        <pc:spChg chg="add mod">
+          <ac:chgData name="Xin Luo" userId="82312ee5779919a4" providerId="LiveId" clId="{ABECCF1F-1CAA-3A42-9710-47D9CB1C5B21}" dt="2023-08-21T08:50:36.994" v="558" actId="1035"/>
+          <ac:spMkLst>
+            <pc:docMk/>
+            <pc:sldMk cId="2878944048" sldId="2753"/>
+            <ac:spMk id="4" creationId="{7C941D71-E279-B2E7-21F9-0FFA72E7FAD1}"/>
+          </ac:spMkLst>
+        </pc:spChg>
+        <pc:spChg chg="add mod">
+          <ac:chgData name="Xin Luo" userId="82312ee5779919a4" providerId="LiveId" clId="{ABECCF1F-1CAA-3A42-9710-47D9CB1C5B21}" dt="2023-08-21T08:57:49.557" v="576" actId="20577"/>
+          <ac:spMkLst>
+            <pc:docMk/>
+            <pc:sldMk cId="2878944048" sldId="2753"/>
+            <ac:spMk id="5" creationId="{94F1BB64-6BD2-B2BF-B804-61A5AE170068}"/>
+          </ac:spMkLst>
+        </pc:spChg>
+        <pc:spChg chg="mod">
+          <ac:chgData name="Xin Luo" userId="82312ee5779919a4" providerId="LiveId" clId="{ABECCF1F-1CAA-3A42-9710-47D9CB1C5B21}" dt="2023-08-21T07:50:17.070" v="348" actId="20577"/>
+          <ac:spMkLst>
+            <pc:docMk/>
+            <pc:sldMk cId="2878944048" sldId="2753"/>
+            <ac:spMk id="6" creationId="{6741FEA2-C046-FD82-2800-2CB513792080}"/>
+          </ac:spMkLst>
+        </pc:spChg>
+        <pc:spChg chg="add del mod">
+          <ac:chgData name="Xin Luo" userId="82312ee5779919a4" providerId="LiveId" clId="{ABECCF1F-1CAA-3A42-9710-47D9CB1C5B21}" dt="2023-08-21T08:59:24.857" v="602" actId="478"/>
+          <ac:spMkLst>
+            <pc:docMk/>
+            <pc:sldMk cId="2878944048" sldId="2753"/>
+            <ac:spMk id="8" creationId="{A2337412-D749-2149-F722-E14B45A47143}"/>
+          </ac:spMkLst>
+        </pc:spChg>
+        <pc:spChg chg="add del mod">
+          <ac:chgData name="Xin Luo" userId="82312ee5779919a4" providerId="LiveId" clId="{ABECCF1F-1CAA-3A42-9710-47D9CB1C5B21}" dt="2023-08-21T08:59:23.825" v="601" actId="478"/>
+          <ac:spMkLst>
+            <pc:docMk/>
+            <pc:sldMk cId="2878944048" sldId="2753"/>
+            <ac:spMk id="10" creationId="{5FE06F54-CFCF-1F7B-8703-FF45449C4348}"/>
+          </ac:spMkLst>
+        </pc:spChg>
+        <pc:spChg chg="mod">
+          <ac:chgData name="Xin Luo" userId="82312ee5779919a4" providerId="LiveId" clId="{ABECCF1F-1CAA-3A42-9710-47D9CB1C5B21}" dt="2023-08-21T08:23:18.853" v="465" actId="1076"/>
+          <ac:spMkLst>
+            <pc:docMk/>
+            <pc:sldMk cId="2878944048" sldId="2753"/>
+            <ac:spMk id="11" creationId="{C402EBD9-8BC8-2A75-1218-C7F537BD4F74}"/>
+          </ac:spMkLst>
+        </pc:spChg>
+        <pc:picChg chg="del">
+          <ac:chgData name="Xin Luo" userId="82312ee5779919a4" providerId="LiveId" clId="{ABECCF1F-1CAA-3A42-9710-47D9CB1C5B21}" dt="2023-08-21T08:21:53.593" v="357" actId="478"/>
+          <ac:picMkLst>
+            <pc:docMk/>
+            <pc:sldMk cId="2878944048" sldId="2753"/>
+            <ac:picMk id="7" creationId="{24022410-0AAA-D584-D160-5FF352C689F2}"/>
+          </ac:picMkLst>
+        </pc:picChg>
+      </pc:sldChg>
+      <pc:sldChg chg="addSp delSp modSp add mod">
+        <pc:chgData name="Xin Luo" userId="82312ee5779919a4" providerId="LiveId" clId="{ABECCF1F-1CAA-3A42-9710-47D9CB1C5B21}" dt="2023-08-21T09:09:03.859" v="781" actId="14100"/>
+        <pc:sldMkLst>
+          <pc:docMk/>
+          <pc:sldMk cId="2927474256" sldId="2754"/>
+        </pc:sldMkLst>
+        <pc:spChg chg="del">
+          <ac:chgData name="Xin Luo" userId="82312ee5779919a4" providerId="LiveId" clId="{ABECCF1F-1CAA-3A42-9710-47D9CB1C5B21}" dt="2023-08-21T08:59:29.253" v="603" actId="478"/>
+          <ac:spMkLst>
+            <pc:docMk/>
+            <pc:sldMk cId="2927474256" sldId="2754"/>
+            <ac:spMk id="4" creationId="{7C941D71-E279-B2E7-21F9-0FFA72E7FAD1}"/>
+          </ac:spMkLst>
+        </pc:spChg>
+        <pc:spChg chg="del">
+          <ac:chgData name="Xin Luo" userId="82312ee5779919a4" providerId="LiveId" clId="{ABECCF1F-1CAA-3A42-9710-47D9CB1C5B21}" dt="2023-08-21T08:59:29.253" v="603" actId="478"/>
+          <ac:spMkLst>
+            <pc:docMk/>
+            <pc:sldMk cId="2927474256" sldId="2754"/>
+            <ac:spMk id="5" creationId="{94F1BB64-6BD2-B2BF-B804-61A5AE170068}"/>
+          </ac:spMkLst>
+        </pc:spChg>
+        <pc:spChg chg="del">
+          <ac:chgData name="Xin Luo" userId="82312ee5779919a4" providerId="LiveId" clId="{ABECCF1F-1CAA-3A42-9710-47D9CB1C5B21}" dt="2023-08-21T08:59:29.253" v="603" actId="478"/>
+          <ac:spMkLst>
+            <pc:docMk/>
+            <pc:sldMk cId="2927474256" sldId="2754"/>
+            <ac:spMk id="6" creationId="{6741FEA2-C046-FD82-2800-2CB513792080}"/>
+          </ac:spMkLst>
+        </pc:spChg>
+        <pc:spChg chg="mod">
+          <ac:chgData name="Xin Luo" userId="82312ee5779919a4" providerId="LiveId" clId="{ABECCF1F-1CAA-3A42-9710-47D9CB1C5B21}" dt="2023-08-21T09:08:39.577" v="757" actId="1035"/>
+          <ac:spMkLst>
+            <pc:docMk/>
+            <pc:sldMk cId="2927474256" sldId="2754"/>
+            <ac:spMk id="8" creationId="{A2337412-D749-2149-F722-E14B45A47143}"/>
+          </ac:spMkLst>
+        </pc:spChg>
+        <pc:spChg chg="mod">
+          <ac:chgData name="Xin Luo" userId="82312ee5779919a4" providerId="LiveId" clId="{ABECCF1F-1CAA-3A42-9710-47D9CB1C5B21}" dt="2023-08-21T09:08:39.577" v="757" actId="1035"/>
+          <ac:spMkLst>
+            <pc:docMk/>
+            <pc:sldMk cId="2927474256" sldId="2754"/>
+            <ac:spMk id="10" creationId="{5FE06F54-CFCF-1F7B-8703-FF45449C4348}"/>
+          </ac:spMkLst>
+        </pc:spChg>
+        <pc:spChg chg="del">
+          <ac:chgData name="Xin Luo" userId="82312ee5779919a4" providerId="LiveId" clId="{ABECCF1F-1CAA-3A42-9710-47D9CB1C5B21}" dt="2023-08-21T08:59:29.253" v="603" actId="478"/>
+          <ac:spMkLst>
+            <pc:docMk/>
+            <pc:sldMk cId="2927474256" sldId="2754"/>
+            <ac:spMk id="11" creationId="{C402EBD9-8BC8-2A75-1218-C7F537BD4F74}"/>
+          </ac:spMkLst>
+        </pc:spChg>
+        <pc:spChg chg="add mod">
+          <ac:chgData name="Xin Luo" userId="82312ee5779919a4" providerId="LiveId" clId="{ABECCF1F-1CAA-3A42-9710-47D9CB1C5B21}" dt="2023-08-21T09:08:39.577" v="757" actId="1035"/>
+          <ac:spMkLst>
+            <pc:docMk/>
+            <pc:sldMk cId="2927474256" sldId="2754"/>
+            <ac:spMk id="16" creationId="{2EA13607-3EE9-0EBE-2310-AB66CADD8400}"/>
+          </ac:spMkLst>
+        </pc:spChg>
+        <pc:spChg chg="add mod">
+          <ac:chgData name="Xin Luo" userId="82312ee5779919a4" providerId="LiveId" clId="{ABECCF1F-1CAA-3A42-9710-47D9CB1C5B21}" dt="2023-08-21T09:08:39.577" v="757" actId="1035"/>
+          <ac:spMkLst>
+            <pc:docMk/>
+            <pc:sldMk cId="2927474256" sldId="2754"/>
+            <ac:spMk id="17" creationId="{8CFF8A22-C033-47DF-8707-CA76F142CBBA}"/>
+          </ac:spMkLst>
+        </pc:spChg>
+        <pc:spChg chg="add mod">
+          <ac:chgData name="Xin Luo" userId="82312ee5779919a4" providerId="LiveId" clId="{ABECCF1F-1CAA-3A42-9710-47D9CB1C5B21}" dt="2023-08-21T09:09:03.859" v="781" actId="14100"/>
+          <ac:spMkLst>
+            <pc:docMk/>
+            <pc:sldMk cId="2927474256" sldId="2754"/>
+            <ac:spMk id="19" creationId="{F1F8BC3A-2851-66F8-445F-CC5C10AB9E4F}"/>
+          </ac:spMkLst>
+        </pc:spChg>
+        <pc:grpChg chg="add mod">
+          <ac:chgData name="Xin Luo" userId="82312ee5779919a4" providerId="LiveId" clId="{ABECCF1F-1CAA-3A42-9710-47D9CB1C5B21}" dt="2023-08-21T09:08:55.770" v="774" actId="1036"/>
+          <ac:grpSpMkLst>
+            <pc:docMk/>
+            <pc:sldMk cId="2927474256" sldId="2754"/>
+            <ac:grpSpMk id="20" creationId="{8AA7B3E2-1D42-96C9-43F0-1F320D3EFD63}"/>
+          </ac:grpSpMkLst>
+        </pc:grpChg>
+        <pc:picChg chg="add mod modCrop">
+          <ac:chgData name="Xin Luo" userId="82312ee5779919a4" providerId="LiveId" clId="{ABECCF1F-1CAA-3A42-9710-47D9CB1C5B21}" dt="2023-08-21T09:08:55.770" v="774" actId="1036"/>
+          <ac:picMkLst>
+            <pc:docMk/>
+            <pc:sldMk cId="2927474256" sldId="2754"/>
+            <ac:picMk id="9" creationId="{0CF46726-2B51-43A4-FDEF-A6131C46F05F}"/>
+          </ac:picMkLst>
+        </pc:picChg>
+        <pc:picChg chg="add del mod">
+          <ac:chgData name="Xin Luo" userId="82312ee5779919a4" providerId="LiveId" clId="{ABECCF1F-1CAA-3A42-9710-47D9CB1C5B21}" dt="2023-08-21T09:04:37.137" v="680" actId="478"/>
+          <ac:picMkLst>
+            <pc:docMk/>
+            <pc:sldMk cId="2927474256" sldId="2754"/>
+            <ac:picMk id="13" creationId="{2C310207-BBE2-954A-9122-8957AF07383A}"/>
+          </ac:picMkLst>
+        </pc:picChg>
+        <pc:picChg chg="add mod modCrop">
+          <ac:chgData name="Xin Luo" userId="82312ee5779919a4" providerId="LiveId" clId="{ABECCF1F-1CAA-3A42-9710-47D9CB1C5B21}" dt="2023-08-21T09:08:39.577" v="757" actId="1035"/>
+          <ac:picMkLst>
+            <pc:docMk/>
+            <pc:sldMk cId="2927474256" sldId="2754"/>
+            <ac:picMk id="15" creationId="{639D3A36-F4F5-4F0C-7519-97D401E3DE91}"/>
+          </ac:picMkLst>
+        </pc:picChg>
+      </pc:sldChg>
+      <pc:sldChg chg="delSp modSp add mod">
+        <pc:chgData name="Xin Luo" userId="82312ee5779919a4" providerId="LiveId" clId="{ABECCF1F-1CAA-3A42-9710-47D9CB1C5B21}" dt="2023-08-21T09:31:16.266" v="879" actId="20577"/>
+        <pc:sldMkLst>
+          <pc:docMk/>
+          <pc:sldMk cId="3593416967" sldId="2755"/>
+        </pc:sldMkLst>
+        <pc:spChg chg="mod">
+          <ac:chgData name="Xin Luo" userId="82312ee5779919a4" providerId="LiveId" clId="{ABECCF1F-1CAA-3A42-9710-47D9CB1C5B21}" dt="2023-08-21T09:31:03.242" v="873" actId="20577"/>
+          <ac:spMkLst>
+            <pc:docMk/>
+            <pc:sldMk cId="3593416967" sldId="2755"/>
+            <ac:spMk id="8" creationId="{A2337412-D749-2149-F722-E14B45A47143}"/>
+          </ac:spMkLst>
+        </pc:spChg>
+        <pc:spChg chg="mod">
+          <ac:chgData name="Xin Luo" userId="82312ee5779919a4" providerId="LiveId" clId="{ABECCF1F-1CAA-3A42-9710-47D9CB1C5B21}" dt="2023-08-21T09:31:16.266" v="879" actId="20577"/>
+          <ac:spMkLst>
+            <pc:docMk/>
+            <pc:sldMk cId="3593416967" sldId="2755"/>
+            <ac:spMk id="10" creationId="{5FE06F54-CFCF-1F7B-8703-FF45449C4348}"/>
+          </ac:spMkLst>
+        </pc:spChg>
+        <pc:grpChg chg="del">
+          <ac:chgData name="Xin Luo" userId="82312ee5779919a4" providerId="LiveId" clId="{ABECCF1F-1CAA-3A42-9710-47D9CB1C5B21}" dt="2023-08-21T09:31:06.835" v="875" actId="478"/>
+          <ac:grpSpMkLst>
+            <pc:docMk/>
+            <pc:sldMk cId="3593416967" sldId="2755"/>
+            <ac:grpSpMk id="20" creationId="{8AA7B3E2-1D42-96C9-43F0-1F320D3EFD63}"/>
+          </ac:grpSpMkLst>
+        </pc:grpChg>
+        <pc:picChg chg="del">
+          <ac:chgData name="Xin Luo" userId="82312ee5779919a4" providerId="LiveId" clId="{ABECCF1F-1CAA-3A42-9710-47D9CB1C5B21}" dt="2023-08-21T09:31:06.186" v="874" actId="478"/>
+          <ac:picMkLst>
+            <pc:docMk/>
+            <pc:sldMk cId="3593416967" sldId="2755"/>
+            <ac:picMk id="9" creationId="{0CF46726-2B51-43A4-FDEF-A6131C46F05F}"/>
+          </ac:picMkLst>
+        </pc:picChg>
+      </pc:sldChg>
+    </pc:docChg>
+  </pc:docChgLst>
+  <pc:docChgLst>
+    <pc:chgData name="Xin Luo" userId="82312ee5779919a4" providerId="LiveId" clId="{D28526AD-BB72-0B4E-9638-04907E1F3622}"/>
+    <pc:docChg chg="delSld modSld">
+      <pc:chgData name="Xin Luo" userId="82312ee5779919a4" providerId="LiveId" clId="{D28526AD-BB72-0B4E-9638-04907E1F3622}" dt="2023-09-18T01:27:13.837" v="116" actId="2696"/>
+      <pc:docMkLst>
+        <pc:docMk/>
+      </pc:docMkLst>
+      <pc:sldChg chg="modSp mod">
+        <pc:chgData name="Xin Luo" userId="82312ee5779919a4" providerId="LiveId" clId="{D28526AD-BB72-0B4E-9638-04907E1F3622}" dt="2023-09-18T01:27:09.604" v="115" actId="255"/>
+        <pc:sldMkLst>
+          <pc:docMk/>
+          <pc:sldMk cId="1209572041" sldId="2722"/>
+        </pc:sldMkLst>
+        <pc:spChg chg="mod">
+          <ac:chgData name="Xin Luo" userId="82312ee5779919a4" providerId="LiveId" clId="{D28526AD-BB72-0B4E-9638-04907E1F3622}" dt="2023-09-18T01:27:09.604" v="115" actId="255"/>
+          <ac:spMkLst>
+            <pc:docMk/>
+            <pc:sldMk cId="1209572041" sldId="2722"/>
+            <ac:spMk id="13" creationId="{303BC878-BC57-D350-27A3-F03AE48213AC}"/>
+          </ac:spMkLst>
+        </pc:spChg>
+      </pc:sldChg>
+      <pc:sldChg chg="del">
+        <pc:chgData name="Xin Luo" userId="82312ee5779919a4" providerId="LiveId" clId="{D28526AD-BB72-0B4E-9638-04907E1F3622}" dt="2023-09-18T01:27:13.837" v="116" actId="2696"/>
+        <pc:sldMkLst>
+          <pc:docMk/>
+          <pc:sldMk cId="2476237792" sldId="2741"/>
+        </pc:sldMkLst>
       </pc:sldChg>
     </pc:docChg>
   </pc:docChgLst>
@@ -2984,346 +3532,49 @@
     </pc:docChg>
   </pc:docChgLst>
   <pc:docChgLst>
-    <pc:chgData name="Xin Luo" userId="82312ee5779919a4" providerId="LiveId" clId="{23920C8D-EBCE-A347-9C82-C14316D20539}"/>
-    <pc:docChg chg="undo custSel addSld modSld">
-      <pc:chgData name="Xin Luo" userId="82312ee5779919a4" providerId="LiveId" clId="{23920C8D-EBCE-A347-9C82-C14316D20539}" dt="2022-10-26T12:19:06.428" v="501" actId="767"/>
+    <pc:chgData name="Xin Luo" userId="82312ee5779919a4" providerId="LiveId" clId="{4807F875-6F75-AB41-83F0-5AE490FE2F1C}"/>
+    <pc:docChg chg="custSel addSld modSld">
+      <pc:chgData name="Xin Luo" userId="82312ee5779919a4" providerId="LiveId" clId="{4807F875-6F75-AB41-83F0-5AE490FE2F1C}" dt="2023-09-13T14:07:01.122" v="8" actId="1076"/>
       <pc:docMkLst>
         <pc:docMk/>
       </pc:docMkLst>
-      <pc:sldChg chg="modSp mod">
-        <pc:chgData name="Xin Luo" userId="82312ee5779919a4" providerId="LiveId" clId="{23920C8D-EBCE-A347-9C82-C14316D20539}" dt="2022-10-10T01:06:29.261" v="368" actId="404"/>
+      <pc:sldChg chg="addSp delSp modSp mod">
+        <pc:chgData name="Xin Luo" userId="82312ee5779919a4" providerId="LiveId" clId="{4807F875-6F75-AB41-83F0-5AE490FE2F1C}" dt="2023-09-13T14:06:41.345" v="2" actId="478"/>
         <pc:sldMkLst>
           <pc:docMk/>
-          <pc:sldMk cId="1576120367" sldId="2387"/>
+          <pc:sldMk cId="3741103209" sldId="2745"/>
+        </pc:sldMkLst>
+        <pc:picChg chg="add del mod">
+          <ac:chgData name="Xin Luo" userId="82312ee5779919a4" providerId="LiveId" clId="{4807F875-6F75-AB41-83F0-5AE490FE2F1C}" dt="2023-09-13T14:06:41.345" v="2" actId="478"/>
+          <ac:picMkLst>
+            <pc:docMk/>
+            <pc:sldMk cId="3741103209" sldId="2745"/>
+            <ac:picMk id="5" creationId="{197EF1EF-C4B4-1C55-B736-D9AE60BE4C77}"/>
+          </ac:picMkLst>
+        </pc:picChg>
+      </pc:sldChg>
+      <pc:sldChg chg="modSp add mod">
+        <pc:chgData name="Xin Luo" userId="82312ee5779919a4" providerId="LiveId" clId="{4807F875-6F75-AB41-83F0-5AE490FE2F1C}" dt="2023-09-13T14:07:01.122" v="8" actId="1076"/>
+        <pc:sldMkLst>
+          <pc:docMk/>
+          <pc:sldMk cId="1878724924" sldId="2758"/>
         </pc:sldMkLst>
         <pc:spChg chg="mod">
-          <ac:chgData name="Xin Luo" userId="82312ee5779919a4" providerId="LiveId" clId="{23920C8D-EBCE-A347-9C82-C14316D20539}" dt="2022-10-10T01:06:29.261" v="368" actId="404"/>
+          <ac:chgData name="Xin Luo" userId="82312ee5779919a4" providerId="LiveId" clId="{4807F875-6F75-AB41-83F0-5AE490FE2F1C}" dt="2023-09-13T14:06:54.082" v="5" actId="20577"/>
           <ac:spMkLst>
             <pc:docMk/>
-            <pc:sldMk cId="1576120367" sldId="2387"/>
-            <ac:spMk id="10" creationId="{00000000-0000-0000-0000-000000000000}"/>
-          </ac:spMkLst>
-        </pc:spChg>
-        <pc:spChg chg="mod">
-          <ac:chgData name="Xin Luo" userId="82312ee5779919a4" providerId="LiveId" clId="{23920C8D-EBCE-A347-9C82-C14316D20539}" dt="2022-10-10T01:06:13.262" v="366" actId="403"/>
-          <ac:spMkLst>
-            <pc:docMk/>
-            <pc:sldMk cId="1576120367" sldId="2387"/>
-            <ac:spMk id="12" creationId="{00000000-0000-0000-0000-000000000000}"/>
-          </ac:spMkLst>
-        </pc:spChg>
-        <pc:spChg chg="mod">
-          <ac:chgData name="Xin Luo" userId="82312ee5779919a4" providerId="LiveId" clId="{23920C8D-EBCE-A347-9C82-C14316D20539}" dt="2022-10-10T01:06:29.261" v="368" actId="404"/>
-          <ac:spMkLst>
-            <pc:docMk/>
-            <pc:sldMk cId="1576120367" sldId="2387"/>
-            <ac:spMk id="13" creationId="{00000000-0000-0000-0000-000000000000}"/>
-          </ac:spMkLst>
-        </pc:spChg>
-        <pc:spChg chg="mod">
-          <ac:chgData name="Xin Luo" userId="82312ee5779919a4" providerId="LiveId" clId="{23920C8D-EBCE-A347-9C82-C14316D20539}" dt="2022-10-10T01:06:13.262" v="366" actId="403"/>
-          <ac:spMkLst>
-            <pc:docMk/>
-            <pc:sldMk cId="1576120367" sldId="2387"/>
-            <ac:spMk id="14" creationId="{00000000-0000-0000-0000-000000000000}"/>
-          </ac:spMkLst>
-        </pc:spChg>
-        <pc:spChg chg="mod">
-          <ac:chgData name="Xin Luo" userId="82312ee5779919a4" providerId="LiveId" clId="{23920C8D-EBCE-A347-9C82-C14316D20539}" dt="2022-10-10T01:06:29.261" v="368" actId="404"/>
-          <ac:spMkLst>
-            <pc:docMk/>
-            <pc:sldMk cId="1576120367" sldId="2387"/>
-            <ac:spMk id="15" creationId="{00000000-0000-0000-0000-000000000000}"/>
-          </ac:spMkLst>
-        </pc:spChg>
-        <pc:spChg chg="mod">
-          <ac:chgData name="Xin Luo" userId="82312ee5779919a4" providerId="LiveId" clId="{23920C8D-EBCE-A347-9C82-C14316D20539}" dt="2022-10-10T01:06:19.369" v="367" actId="14100"/>
-          <ac:spMkLst>
-            <pc:docMk/>
-            <pc:sldMk cId="1576120367" sldId="2387"/>
-            <ac:spMk id="16" creationId="{00000000-0000-0000-0000-000000000000}"/>
-          </ac:spMkLst>
-        </pc:spChg>
-      </pc:sldChg>
-      <pc:sldChg chg="modSp mod">
-        <pc:chgData name="Xin Luo" userId="82312ee5779919a4" providerId="LiveId" clId="{23920C8D-EBCE-A347-9C82-C14316D20539}" dt="2022-10-10T01:06:39.449" v="369" actId="403"/>
-        <pc:sldMkLst>
-          <pc:docMk/>
-          <pc:sldMk cId="2415901206" sldId="2447"/>
-        </pc:sldMkLst>
-        <pc:spChg chg="mod">
-          <ac:chgData name="Xin Luo" userId="82312ee5779919a4" providerId="LiveId" clId="{23920C8D-EBCE-A347-9C82-C14316D20539}" dt="2022-10-10T01:06:39.449" v="369" actId="403"/>
-          <ac:spMkLst>
-            <pc:docMk/>
-            <pc:sldMk cId="2415901206" sldId="2447"/>
-            <ac:spMk id="7" creationId="{00000000-0000-0000-0000-000000000000}"/>
-          </ac:spMkLst>
-        </pc:spChg>
-      </pc:sldChg>
-      <pc:sldChg chg="addSp delSp modSp mod">
-        <pc:chgData name="Xin Luo" userId="82312ee5779919a4" providerId="LiveId" clId="{23920C8D-EBCE-A347-9C82-C14316D20539}" dt="2022-10-26T11:18:20.490" v="500"/>
-        <pc:sldMkLst>
-          <pc:docMk/>
-          <pc:sldMk cId="2689840772" sldId="2604"/>
-        </pc:sldMkLst>
-        <pc:spChg chg="mod">
-          <ac:chgData name="Xin Luo" userId="82312ee5779919a4" providerId="LiveId" clId="{23920C8D-EBCE-A347-9C82-C14316D20539}" dt="2022-10-26T11:18:14.630" v="497" actId="1038"/>
-          <ac:spMkLst>
-            <pc:docMk/>
-            <pc:sldMk cId="2689840772" sldId="2604"/>
-            <ac:spMk id="2" creationId="{DB381E7B-A050-4BE4-6756-9B64308C74D7}"/>
-          </ac:spMkLst>
-        </pc:spChg>
-        <pc:spChg chg="del mod">
-          <ac:chgData name="Xin Luo" userId="82312ee5779919a4" providerId="LiveId" clId="{23920C8D-EBCE-A347-9C82-C14316D20539}" dt="2022-10-10T00:58:26.498" v="9" actId="478"/>
-          <ac:spMkLst>
-            <pc:docMk/>
-            <pc:sldMk cId="2689840772" sldId="2604"/>
-            <ac:spMk id="3" creationId="{00000000-0000-0000-0000-000000000000}"/>
-          </ac:spMkLst>
-        </pc:spChg>
-        <pc:spChg chg="add del mod">
-          <ac:chgData name="Xin Luo" userId="82312ee5779919a4" providerId="LiveId" clId="{23920C8D-EBCE-A347-9C82-C14316D20539}" dt="2022-10-26T11:18:20.490" v="500"/>
-          <ac:spMkLst>
-            <pc:docMk/>
-            <pc:sldMk cId="2689840772" sldId="2604"/>
-            <ac:spMk id="3" creationId="{0AC6D251-AEF6-35BE-71D5-DE25EAD72977}"/>
-          </ac:spMkLst>
-        </pc:spChg>
-        <pc:spChg chg="add mod">
-          <ac:chgData name="Xin Luo" userId="82312ee5779919a4" providerId="LiveId" clId="{23920C8D-EBCE-A347-9C82-C14316D20539}" dt="2022-10-10T01:03:50.909" v="356" actId="20577"/>
-          <ac:spMkLst>
-            <pc:docMk/>
-            <pc:sldMk cId="2689840772" sldId="2604"/>
-            <ac:spMk id="4" creationId="{5B949F23-92C2-3ACE-AE9A-58F8C8D7AB52}"/>
-          </ac:spMkLst>
-        </pc:spChg>
-      </pc:sldChg>
-      <pc:sldChg chg="modSp mod">
-        <pc:chgData name="Xin Luo" userId="82312ee5779919a4" providerId="LiveId" clId="{23920C8D-EBCE-A347-9C82-C14316D20539}" dt="2022-10-25T11:53:23.523" v="402" actId="207"/>
-        <pc:sldMkLst>
-          <pc:docMk/>
-          <pc:sldMk cId="1392274363" sldId="2606"/>
-        </pc:sldMkLst>
-        <pc:spChg chg="mod">
-          <ac:chgData name="Xin Luo" userId="82312ee5779919a4" providerId="LiveId" clId="{23920C8D-EBCE-A347-9C82-C14316D20539}" dt="2022-10-10T01:08:08.448" v="392" actId="20577"/>
-          <ac:spMkLst>
-            <pc:docMk/>
-            <pc:sldMk cId="1392274363" sldId="2606"/>
-            <ac:spMk id="35" creationId="{2CBBD54C-A0C4-CFAB-2A67-F8BF299D28F5}"/>
-          </ac:spMkLst>
-        </pc:spChg>
-        <pc:spChg chg="mod">
-          <ac:chgData name="Xin Luo" userId="82312ee5779919a4" providerId="LiveId" clId="{23920C8D-EBCE-A347-9C82-C14316D20539}" dt="2022-10-25T11:53:23.523" v="402" actId="207"/>
-          <ac:spMkLst>
-            <pc:docMk/>
-            <pc:sldMk cId="1392274363" sldId="2606"/>
-            <ac:spMk id="42" creationId="{E4B07DDE-AB89-2B16-6B7A-2142621DE6F5}"/>
-          </ac:spMkLst>
-        </pc:spChg>
-      </pc:sldChg>
-      <pc:sldChg chg="modSp mod">
-        <pc:chgData name="Xin Luo" userId="82312ee5779919a4" providerId="LiveId" clId="{23920C8D-EBCE-A347-9C82-C14316D20539}" dt="2022-10-25T12:03:26.240" v="414" actId="14100"/>
-        <pc:sldMkLst>
-          <pc:docMk/>
-          <pc:sldMk cId="292605530" sldId="2607"/>
-        </pc:sldMkLst>
-        <pc:spChg chg="mod">
-          <ac:chgData name="Xin Luo" userId="82312ee5779919a4" providerId="LiveId" clId="{23920C8D-EBCE-A347-9C82-C14316D20539}" dt="2022-10-25T12:03:26.240" v="414" actId="14100"/>
-          <ac:spMkLst>
-            <pc:docMk/>
-            <pc:sldMk cId="292605530" sldId="2607"/>
-            <ac:spMk id="18" creationId="{8399C9E7-13B6-1DAF-F5BF-4471E8528C5F}"/>
-          </ac:spMkLst>
-        </pc:spChg>
-      </pc:sldChg>
-      <pc:sldChg chg="modSp mod">
-        <pc:chgData name="Xin Luo" userId="82312ee5779919a4" providerId="LiveId" clId="{23920C8D-EBCE-A347-9C82-C14316D20539}" dt="2022-10-25T12:09:03.730" v="478" actId="1036"/>
-        <pc:sldMkLst>
-          <pc:docMk/>
-          <pc:sldMk cId="2780969545" sldId="2609"/>
-        </pc:sldMkLst>
-        <pc:spChg chg="mod">
-          <ac:chgData name="Xin Luo" userId="82312ee5779919a4" providerId="LiveId" clId="{23920C8D-EBCE-A347-9C82-C14316D20539}" dt="2022-10-25T12:08:56.496" v="469" actId="115"/>
-          <ac:spMkLst>
-            <pc:docMk/>
-            <pc:sldMk cId="2780969545" sldId="2609"/>
-            <ac:spMk id="6" creationId="{2D1A6305-FF43-CF53-224A-B6D4901EAB0F}"/>
-          </ac:spMkLst>
-        </pc:spChg>
-        <pc:spChg chg="mod">
-          <ac:chgData name="Xin Luo" userId="82312ee5779919a4" providerId="LiveId" clId="{23920C8D-EBCE-A347-9C82-C14316D20539}" dt="2022-10-25T12:09:03.730" v="478" actId="1036"/>
-          <ac:spMkLst>
-            <pc:docMk/>
-            <pc:sldMk cId="2780969545" sldId="2609"/>
-            <ac:spMk id="11" creationId="{63EAC848-88D2-7A10-E878-444ADA855E23}"/>
-          </ac:spMkLst>
-        </pc:spChg>
-        <pc:spChg chg="mod">
-          <ac:chgData name="Xin Luo" userId="82312ee5779919a4" providerId="LiveId" clId="{23920C8D-EBCE-A347-9C82-C14316D20539}" dt="2022-10-25T12:09:03.730" v="478" actId="1036"/>
-          <ac:spMkLst>
-            <pc:docMk/>
-            <pc:sldMk cId="2780969545" sldId="2609"/>
-            <ac:spMk id="12" creationId="{BED7A820-9D6E-7E7E-A906-8A9424528316}"/>
-          </ac:spMkLst>
-        </pc:spChg>
-        <pc:spChg chg="mod">
-          <ac:chgData name="Xin Luo" userId="82312ee5779919a4" providerId="LiveId" clId="{23920C8D-EBCE-A347-9C82-C14316D20539}" dt="2022-10-25T12:09:03.730" v="478" actId="1036"/>
-          <ac:spMkLst>
-            <pc:docMk/>
-            <pc:sldMk cId="2780969545" sldId="2609"/>
-            <ac:spMk id="20" creationId="{87EC125B-CB98-6914-1633-6697471A2CB4}"/>
-          </ac:spMkLst>
-        </pc:spChg>
-        <pc:spChg chg="mod">
-          <ac:chgData name="Xin Luo" userId="82312ee5779919a4" providerId="LiveId" clId="{23920C8D-EBCE-A347-9C82-C14316D20539}" dt="2022-10-25T12:09:03.730" v="478" actId="1036"/>
-          <ac:spMkLst>
-            <pc:docMk/>
-            <pc:sldMk cId="2780969545" sldId="2609"/>
-            <ac:spMk id="21" creationId="{0AF67847-7DEF-CDAB-6208-0271BFB4FB06}"/>
-          </ac:spMkLst>
-        </pc:spChg>
-        <pc:spChg chg="mod">
-          <ac:chgData name="Xin Luo" userId="82312ee5779919a4" providerId="LiveId" clId="{23920C8D-EBCE-A347-9C82-C14316D20539}" dt="2022-10-25T12:09:03.730" v="478" actId="1036"/>
-          <ac:spMkLst>
-            <pc:docMk/>
-            <pc:sldMk cId="2780969545" sldId="2609"/>
-            <ac:spMk id="23" creationId="{0011846D-F543-398E-85CB-0AB0A842928A}"/>
-          </ac:spMkLst>
-        </pc:spChg>
-        <pc:spChg chg="mod">
-          <ac:chgData name="Xin Luo" userId="82312ee5779919a4" providerId="LiveId" clId="{23920C8D-EBCE-A347-9C82-C14316D20539}" dt="2022-10-25T12:09:03.730" v="478" actId="1036"/>
-          <ac:spMkLst>
-            <pc:docMk/>
-            <pc:sldMk cId="2780969545" sldId="2609"/>
-            <ac:spMk id="24" creationId="{37B5D87E-7419-7CC0-91CC-8A0807F0F999}"/>
-          </ac:spMkLst>
-        </pc:spChg>
-        <pc:spChg chg="mod">
-          <ac:chgData name="Xin Luo" userId="82312ee5779919a4" providerId="LiveId" clId="{23920C8D-EBCE-A347-9C82-C14316D20539}" dt="2022-10-25T12:09:03.730" v="478" actId="1036"/>
-          <ac:spMkLst>
-            <pc:docMk/>
-            <pc:sldMk cId="2780969545" sldId="2609"/>
-            <ac:spMk id="25" creationId="{4745244D-B431-F067-4A97-7CC4387296FB}"/>
-          </ac:spMkLst>
-        </pc:spChg>
-        <pc:spChg chg="mod">
-          <ac:chgData name="Xin Luo" userId="82312ee5779919a4" providerId="LiveId" clId="{23920C8D-EBCE-A347-9C82-C14316D20539}" dt="2022-10-25T12:09:03.730" v="478" actId="1036"/>
-          <ac:spMkLst>
-            <pc:docMk/>
-            <pc:sldMk cId="2780969545" sldId="2609"/>
-            <ac:spMk id="26" creationId="{FB9C53DE-8D1F-6DF4-8CE3-3A262A9F8737}"/>
+            <pc:sldMk cId="1878724924" sldId="2758"/>
+            <ac:spMk id="17" creationId="{9E05FFCA-3371-AF5C-381D-71D984055F5A}"/>
           </ac:spMkLst>
         </pc:spChg>
         <pc:picChg chg="mod">
-          <ac:chgData name="Xin Luo" userId="82312ee5779919a4" providerId="LiveId" clId="{23920C8D-EBCE-A347-9C82-C14316D20539}" dt="2022-10-25T12:09:03.730" v="478" actId="1036"/>
+          <ac:chgData name="Xin Luo" userId="82312ee5779919a4" providerId="LiveId" clId="{4807F875-6F75-AB41-83F0-5AE490FE2F1C}" dt="2023-09-13T14:07:01.122" v="8" actId="1076"/>
           <ac:picMkLst>
             <pc:docMk/>
-            <pc:sldMk cId="2780969545" sldId="2609"/>
-            <ac:picMk id="4" creationId="{49B7ACC6-6794-9162-52B2-E80F7E4B0442}"/>
+            <pc:sldMk cId="1878724924" sldId="2758"/>
+            <ac:picMk id="5" creationId="{197EF1EF-C4B4-1C55-B736-D9AE60BE4C77}"/>
           </ac:picMkLst>
         </pc:picChg>
-        <pc:picChg chg="mod">
-          <ac:chgData name="Xin Luo" userId="82312ee5779919a4" providerId="LiveId" clId="{23920C8D-EBCE-A347-9C82-C14316D20539}" dt="2022-10-25T12:09:03.730" v="478" actId="1036"/>
-          <ac:picMkLst>
-            <pc:docMk/>
-            <pc:sldMk cId="2780969545" sldId="2609"/>
-            <ac:picMk id="7" creationId="{42FD45A0-A9EA-D518-41B5-21FA7A24BA60}"/>
-          </ac:picMkLst>
-        </pc:picChg>
-        <pc:picChg chg="mod">
-          <ac:chgData name="Xin Luo" userId="82312ee5779919a4" providerId="LiveId" clId="{23920C8D-EBCE-A347-9C82-C14316D20539}" dt="2022-10-25T12:09:03.730" v="478" actId="1036"/>
-          <ac:picMkLst>
-            <pc:docMk/>
-            <pc:sldMk cId="2780969545" sldId="2609"/>
-            <ac:picMk id="10" creationId="{C2B12388-3179-41F8-2462-0C9BA14093FF}"/>
-          </ac:picMkLst>
-        </pc:picChg>
-        <pc:picChg chg="mod">
-          <ac:chgData name="Xin Luo" userId="82312ee5779919a4" providerId="LiveId" clId="{23920C8D-EBCE-A347-9C82-C14316D20539}" dt="2022-10-25T12:09:03.730" v="478" actId="1036"/>
-          <ac:picMkLst>
-            <pc:docMk/>
-            <pc:sldMk cId="2780969545" sldId="2609"/>
-            <ac:picMk id="7170" creationId="{A3C33C8C-6841-03A7-574F-E161D6BA2409}"/>
-          </ac:picMkLst>
-        </pc:picChg>
-        <pc:cxnChg chg="mod">
-          <ac:chgData name="Xin Luo" userId="82312ee5779919a4" providerId="LiveId" clId="{23920C8D-EBCE-A347-9C82-C14316D20539}" dt="2022-10-25T12:09:03.730" v="478" actId="1036"/>
-          <ac:cxnSpMkLst>
-            <pc:docMk/>
-            <pc:sldMk cId="2780969545" sldId="2609"/>
-            <ac:cxnSpMk id="9" creationId="{FD972B84-6C44-171E-8256-D2A04F01B0C9}"/>
-          </ac:cxnSpMkLst>
-        </pc:cxnChg>
-        <pc:cxnChg chg="mod">
-          <ac:chgData name="Xin Luo" userId="82312ee5779919a4" providerId="LiveId" clId="{23920C8D-EBCE-A347-9C82-C14316D20539}" dt="2022-10-25T12:09:03.730" v="478" actId="1036"/>
-          <ac:cxnSpMkLst>
-            <pc:docMk/>
-            <pc:sldMk cId="2780969545" sldId="2609"/>
-            <ac:cxnSpMk id="16" creationId="{612BCBDC-DECE-5090-7C5B-6492FF4CE722}"/>
-          </ac:cxnSpMkLst>
-        </pc:cxnChg>
-        <pc:cxnChg chg="mod">
-          <ac:chgData name="Xin Luo" userId="82312ee5779919a4" providerId="LiveId" clId="{23920C8D-EBCE-A347-9C82-C14316D20539}" dt="2022-10-25T12:09:03.730" v="478" actId="1036"/>
-          <ac:cxnSpMkLst>
-            <pc:docMk/>
-            <pc:sldMk cId="2780969545" sldId="2609"/>
-            <ac:cxnSpMk id="17" creationId="{AF045F09-2718-C456-D477-E816A43885FF}"/>
-          </ac:cxnSpMkLst>
-        </pc:cxnChg>
-        <pc:cxnChg chg="mod">
-          <ac:chgData name="Xin Luo" userId="82312ee5779919a4" providerId="LiveId" clId="{23920C8D-EBCE-A347-9C82-C14316D20539}" dt="2022-10-25T12:09:03.730" v="478" actId="1036"/>
-          <ac:cxnSpMkLst>
-            <pc:docMk/>
-            <pc:sldMk cId="2780969545" sldId="2609"/>
-            <ac:cxnSpMk id="28" creationId="{6C11ADF7-6234-2989-2798-F5AAD5EDE3BF}"/>
-          </ac:cxnSpMkLst>
-        </pc:cxnChg>
-      </pc:sldChg>
-      <pc:sldChg chg="modSp mod">
-        <pc:chgData name="Xin Luo" userId="82312ee5779919a4" providerId="LiveId" clId="{23920C8D-EBCE-A347-9C82-C14316D20539}" dt="2022-10-26T02:56:58.658" v="480" actId="207"/>
-        <pc:sldMkLst>
-          <pc:docMk/>
-          <pc:sldMk cId="63705705" sldId="2612"/>
-        </pc:sldMkLst>
-        <pc:spChg chg="mod">
-          <ac:chgData name="Xin Luo" userId="82312ee5779919a4" providerId="LiveId" clId="{23920C8D-EBCE-A347-9C82-C14316D20539}" dt="2022-10-26T02:56:58.658" v="480" actId="207"/>
-          <ac:spMkLst>
-            <pc:docMk/>
-            <pc:sldMk cId="63705705" sldId="2612"/>
-            <ac:spMk id="63" creationId="{6400CC45-5050-7ACD-CE08-CC6D7000A1DA}"/>
-          </ac:spMkLst>
-        </pc:spChg>
-      </pc:sldChg>
-      <pc:sldChg chg="addSp modSp">
-        <pc:chgData name="Xin Luo" userId="82312ee5779919a4" providerId="LiveId" clId="{23920C8D-EBCE-A347-9C82-C14316D20539}" dt="2022-10-26T12:19:06.428" v="501" actId="767"/>
-        <pc:sldMkLst>
-          <pc:docMk/>
-          <pc:sldMk cId="963926578" sldId="2613"/>
-        </pc:sldMkLst>
-        <pc:spChg chg="add mod">
-          <ac:chgData name="Xin Luo" userId="82312ee5779919a4" providerId="LiveId" clId="{23920C8D-EBCE-A347-9C82-C14316D20539}" dt="2022-10-26T12:19:06.428" v="501" actId="767"/>
-          <ac:spMkLst>
-            <pc:docMk/>
-            <pc:sldMk cId="963926578" sldId="2613"/>
-            <ac:spMk id="2" creationId="{5F7683B3-77E0-69A9-94AE-FF04E7249325}"/>
-          </ac:spMkLst>
-        </pc:spChg>
-      </pc:sldChg>
-      <pc:sldChg chg="modSp add mod">
-        <pc:chgData name="Xin Luo" userId="82312ee5779919a4" providerId="LiveId" clId="{23920C8D-EBCE-A347-9C82-C14316D20539}" dt="2022-10-10T01:06:02.902" v="365" actId="403"/>
-        <pc:sldMkLst>
-          <pc:docMk/>
-          <pc:sldMk cId="2358282757" sldId="2714"/>
-        </pc:sldMkLst>
-        <pc:spChg chg="mod">
-          <ac:chgData name="Xin Luo" userId="82312ee5779919a4" providerId="LiveId" clId="{23920C8D-EBCE-A347-9C82-C14316D20539}" dt="2022-10-10T01:06:02.902" v="365" actId="403"/>
-          <ac:spMkLst>
-            <pc:docMk/>
-            <pc:sldMk cId="2358282757" sldId="2714"/>
-            <ac:spMk id="2" creationId="{DB381E7B-A050-4BE4-6756-9B64308C74D7}"/>
-          </ac:spMkLst>
-        </pc:spChg>
       </pc:sldChg>
     </pc:docChg>
   </pc:docChgLst>
@@ -3548,214 +3799,75 @@
     </pc:docChg>
   </pc:docChgLst>
   <pc:docChgLst>
-    <pc:chgData name="Xin Luo" userId="82312ee5779919a4" providerId="LiveId" clId="{2FF6A6EB-E5A4-8842-BF32-6D47E8C174A0}"/>
-    <pc:docChg chg="custSel addSld delSld modSld">
-      <pc:chgData name="Xin Luo" userId="82312ee5779919a4" providerId="LiveId" clId="{2FF6A6EB-E5A4-8842-BF32-6D47E8C174A0}" dt="2024-09-12T05:11:37.890" v="3" actId="478"/>
-      <pc:docMkLst>
-        <pc:docMk/>
-      </pc:docMkLst>
-      <pc:sldChg chg="addSp delSp modSp mod">
-        <pc:chgData name="Xin Luo" userId="82312ee5779919a4" providerId="LiveId" clId="{2FF6A6EB-E5A4-8842-BF32-6D47E8C174A0}" dt="2024-09-12T05:11:37.890" v="3" actId="478"/>
-        <pc:sldMkLst>
-          <pc:docMk/>
-          <pc:sldMk cId="2776132283" sldId="2739"/>
-        </pc:sldMkLst>
-        <pc:spChg chg="add del mod">
-          <ac:chgData name="Xin Luo" userId="82312ee5779919a4" providerId="LiveId" clId="{2FF6A6EB-E5A4-8842-BF32-6D47E8C174A0}" dt="2024-09-12T05:11:37.890" v="3" actId="478"/>
-          <ac:spMkLst>
-            <pc:docMk/>
-            <pc:sldMk cId="2776132283" sldId="2739"/>
-            <ac:spMk id="4" creationId="{978072F8-5233-DA61-BB59-38E1F9162CF1}"/>
-          </ac:spMkLst>
-        </pc:spChg>
-      </pc:sldChg>
-      <pc:sldChg chg="add del">
-        <pc:chgData name="Xin Luo" userId="82312ee5779919a4" providerId="LiveId" clId="{2FF6A6EB-E5A4-8842-BF32-6D47E8C174A0}" dt="2024-09-12T03:22:05.035" v="1" actId="2696"/>
-        <pc:sldMkLst>
-          <pc:docMk/>
-          <pc:sldMk cId="2363515716" sldId="2767"/>
-        </pc:sldMkLst>
-      </pc:sldChg>
-    </pc:docChg>
-  </pc:docChgLst>
-  <pc:docChgLst>
-    <pc:chgData name="Xin Luo" userId="82312ee5779919a4" providerId="LiveId" clId="{A508F461-0D73-864F-B88A-277BCD613B0A}"/>
-    <pc:docChg chg="modSld">
-      <pc:chgData name="Xin Luo" userId="82312ee5779919a4" providerId="LiveId" clId="{A508F461-0D73-864F-B88A-277BCD613B0A}" dt="2023-09-11T02:08:48.074" v="121" actId="1076"/>
+    <pc:chgData name="Xin Luo" userId="82312ee5779919a4" providerId="LiveId" clId="{82BFAA31-791A-9843-976C-3AAFAA5AC07D}"/>
+    <pc:docChg chg="undo custSel addSld delSld modSld">
+      <pc:chgData name="Xin Luo" userId="82312ee5779919a4" providerId="LiveId" clId="{82BFAA31-791A-9843-976C-3AAFAA5AC07D}" dt="2023-03-05T13:50:34.172" v="6224" actId="1035"/>
       <pc:docMkLst>
         <pc:docMk/>
       </pc:docMkLst>
       <pc:sldChg chg="modSp mod">
-        <pc:chgData name="Xin Luo" userId="82312ee5779919a4" providerId="LiveId" clId="{A508F461-0D73-864F-B88A-277BCD613B0A}" dt="2023-09-11T01:25:36.157" v="49" actId="255"/>
+        <pc:chgData name="Xin Luo" userId="82312ee5779919a4" providerId="LiveId" clId="{82BFAA31-791A-9843-976C-3AAFAA5AC07D}" dt="2023-03-04T01:58:49.501" v="2918" actId="20577"/>
         <pc:sldMkLst>
           <pc:docMk/>
-          <pc:sldMk cId="1209572041" sldId="2722"/>
+          <pc:sldMk cId="4067577602" sldId="2605"/>
         </pc:sldMkLst>
         <pc:spChg chg="mod">
-          <ac:chgData name="Xin Luo" userId="82312ee5779919a4" providerId="LiveId" clId="{A508F461-0D73-864F-B88A-277BCD613B0A}" dt="2023-09-11T01:25:36.157" v="49" actId="255"/>
+          <ac:chgData name="Xin Luo" userId="82312ee5779919a4" providerId="LiveId" clId="{82BFAA31-791A-9843-976C-3AAFAA5AC07D}" dt="2023-03-04T01:58:49.501" v="2918" actId="20577"/>
           <ac:spMkLst>
             <pc:docMk/>
-            <pc:sldMk cId="1209572041" sldId="2722"/>
-            <ac:spMk id="13" creationId="{303BC878-BC57-D350-27A3-F03AE48213AC}"/>
+            <pc:sldMk cId="4067577602" sldId="2605"/>
+            <ac:spMk id="5" creationId="{78502774-B04C-634F-1396-E5815996BC36}"/>
           </ac:spMkLst>
         </pc:spChg>
       </pc:sldChg>
-      <pc:sldChg chg="modSp mod">
-        <pc:chgData name="Xin Luo" userId="82312ee5779919a4" providerId="LiveId" clId="{A508F461-0D73-864F-B88A-277BCD613B0A}" dt="2023-09-11T02:08:48.074" v="121" actId="1076"/>
-        <pc:sldMkLst>
-          <pc:docMk/>
-          <pc:sldMk cId="3151170836" sldId="2742"/>
-        </pc:sldMkLst>
-        <pc:spChg chg="mod">
-          <ac:chgData name="Xin Luo" userId="82312ee5779919a4" providerId="LiveId" clId="{A508F461-0D73-864F-B88A-277BCD613B0A}" dt="2023-09-11T02:08:48.074" v="121" actId="1076"/>
-          <ac:spMkLst>
-            <pc:docMk/>
-            <pc:sldMk cId="3151170836" sldId="2742"/>
-            <ac:spMk id="6" creationId="{FA343B24-C04E-C7D0-D427-DA131ECB74AB}"/>
-          </ac:spMkLst>
-        </pc:spChg>
-      </pc:sldChg>
-      <pc:sldChg chg="modSp mod">
-        <pc:chgData name="Xin Luo" userId="82312ee5779919a4" providerId="LiveId" clId="{A508F461-0D73-864F-B88A-277BCD613B0A}" dt="2023-09-11T01:24:19.474" v="26" actId="255"/>
-        <pc:sldMkLst>
-          <pc:docMk/>
-          <pc:sldMk cId="3741103209" sldId="2745"/>
-        </pc:sldMkLst>
-        <pc:spChg chg="mod">
-          <ac:chgData name="Xin Luo" userId="82312ee5779919a4" providerId="LiveId" clId="{A508F461-0D73-864F-B88A-277BCD613B0A}" dt="2023-09-11T01:24:19.474" v="26" actId="255"/>
-          <ac:spMkLst>
-            <pc:docMk/>
-            <pc:sldMk cId="3741103209" sldId="2745"/>
-            <ac:spMk id="17" creationId="{9E05FFCA-3371-AF5C-381D-71D984055F5A}"/>
-          </ac:spMkLst>
-        </pc:spChg>
-      </pc:sldChg>
-      <pc:sldChg chg="modSp mod">
-        <pc:chgData name="Xin Luo" userId="82312ee5779919a4" providerId="LiveId" clId="{A508F461-0D73-864F-B88A-277BCD613B0A}" dt="2023-09-11T01:25:10.921" v="46" actId="1035"/>
-        <pc:sldMkLst>
-          <pc:docMk/>
-          <pc:sldMk cId="2081473989" sldId="2748"/>
-        </pc:sldMkLst>
-        <pc:spChg chg="mod">
-          <ac:chgData name="Xin Luo" userId="82312ee5779919a4" providerId="LiveId" clId="{A508F461-0D73-864F-B88A-277BCD613B0A}" dt="2023-09-11T01:25:10.921" v="46" actId="1035"/>
-          <ac:spMkLst>
-            <pc:docMk/>
-            <pc:sldMk cId="2081473989" sldId="2748"/>
-            <ac:spMk id="15" creationId="{DAE75BEB-15B0-6AD3-FEA5-24688F0C9399}"/>
-          </ac:spMkLst>
-        </pc:spChg>
-        <pc:spChg chg="mod">
-          <ac:chgData name="Xin Luo" userId="82312ee5779919a4" providerId="LiveId" clId="{A508F461-0D73-864F-B88A-277BCD613B0A}" dt="2023-09-11T01:25:10.921" v="46" actId="1035"/>
-          <ac:spMkLst>
-            <pc:docMk/>
-            <pc:sldMk cId="2081473989" sldId="2748"/>
-            <ac:spMk id="16" creationId="{011A1F98-9159-4FE6-698D-1B0B7EFC1F4C}"/>
-          </ac:spMkLst>
-        </pc:spChg>
-        <pc:spChg chg="mod">
-          <ac:chgData name="Xin Luo" userId="82312ee5779919a4" providerId="LiveId" clId="{A508F461-0D73-864F-B88A-277BCD613B0A}" dt="2023-09-11T01:25:03.190" v="37" actId="2710"/>
-          <ac:spMkLst>
-            <pc:docMk/>
-            <pc:sldMk cId="2081473989" sldId="2748"/>
-            <ac:spMk id="17" creationId="{9E05FFCA-3371-AF5C-381D-71D984055F5A}"/>
-          </ac:spMkLst>
-        </pc:spChg>
-        <pc:picChg chg="mod">
-          <ac:chgData name="Xin Luo" userId="82312ee5779919a4" providerId="LiveId" clId="{A508F461-0D73-864F-B88A-277BCD613B0A}" dt="2023-09-11T01:25:10.921" v="46" actId="1035"/>
-          <ac:picMkLst>
-            <pc:docMk/>
-            <pc:sldMk cId="2081473989" sldId="2748"/>
-            <ac:picMk id="8" creationId="{79143EB1-6171-6D6B-E065-52F98AD03CCA}"/>
-          </ac:picMkLst>
-        </pc:picChg>
-        <pc:picChg chg="mod">
-          <ac:chgData name="Xin Luo" userId="82312ee5779919a4" providerId="LiveId" clId="{A508F461-0D73-864F-B88A-277BCD613B0A}" dt="2023-09-11T01:25:10.921" v="46" actId="1035"/>
-          <ac:picMkLst>
-            <pc:docMk/>
-            <pc:sldMk cId="2081473989" sldId="2748"/>
-            <ac:picMk id="12" creationId="{CD5784D5-D55B-B02C-C48B-B4566A95D7A5}"/>
-          </ac:picMkLst>
-        </pc:picChg>
-      </pc:sldChg>
-      <pc:sldChg chg="modSp mod">
-        <pc:chgData name="Xin Luo" userId="82312ee5779919a4" providerId="LiveId" clId="{A508F461-0D73-864F-B88A-277BCD613B0A}" dt="2023-09-11T01:23:28.376" v="25" actId="1037"/>
-        <pc:sldMkLst>
-          <pc:docMk/>
-          <pc:sldMk cId="2927474256" sldId="2754"/>
-        </pc:sldMkLst>
-        <pc:spChg chg="mod">
-          <ac:chgData name="Xin Luo" userId="82312ee5779919a4" providerId="LiveId" clId="{A508F461-0D73-864F-B88A-277BCD613B0A}" dt="2023-09-11T01:23:28.376" v="25" actId="1037"/>
-          <ac:spMkLst>
-            <pc:docMk/>
-            <pc:sldMk cId="2927474256" sldId="2754"/>
-            <ac:spMk id="17" creationId="{8CFF8A22-C033-47DF-8707-CA76F142CBBA}"/>
-          </ac:spMkLst>
-        </pc:spChg>
-        <pc:grpChg chg="mod">
-          <ac:chgData name="Xin Luo" userId="82312ee5779919a4" providerId="LiveId" clId="{A508F461-0D73-864F-B88A-277BCD613B0A}" dt="2023-09-11T01:23:15.792" v="0" actId="1037"/>
-          <ac:grpSpMkLst>
-            <pc:docMk/>
-            <pc:sldMk cId="2927474256" sldId="2754"/>
-            <ac:grpSpMk id="20" creationId="{8AA7B3E2-1D42-96C9-43F0-1F320D3EFD63}"/>
-          </ac:grpSpMkLst>
-        </pc:grpChg>
-        <pc:picChg chg="mod">
-          <ac:chgData name="Xin Luo" userId="82312ee5779919a4" providerId="LiveId" clId="{A508F461-0D73-864F-B88A-277BCD613B0A}" dt="2023-09-11T01:23:18.846" v="10" actId="1038"/>
-          <ac:picMkLst>
-            <pc:docMk/>
-            <pc:sldMk cId="2927474256" sldId="2754"/>
-            <ac:picMk id="9" creationId="{0CF46726-2B51-43A4-FDEF-A6131C46F05F}"/>
-          </ac:picMkLst>
-        </pc:picChg>
-      </pc:sldChg>
-    </pc:docChg>
-  </pc:docChgLst>
-  <pc:docChgLst>
-    <pc:chgData name="Xin Luo" userId="82312ee5779919a4" providerId="LiveId" clId="{ABECCF1F-1CAA-3A42-9710-47D9CB1C5B21}"/>
-    <pc:docChg chg="undo custSel addSld modSld sldOrd">
-      <pc:chgData name="Xin Luo" userId="82312ee5779919a4" providerId="LiveId" clId="{ABECCF1F-1CAA-3A42-9710-47D9CB1C5B21}" dt="2023-08-21T09:31:16.266" v="879" actId="20577"/>
-      <pc:docMkLst>
-        <pc:docMk/>
-      </pc:docMkLst>
-      <pc:sldChg chg="modSp mod">
-        <pc:chgData name="Xin Luo" userId="82312ee5779919a4" providerId="LiveId" clId="{ABECCF1F-1CAA-3A42-9710-47D9CB1C5B21}" dt="2023-08-21T02:55:15.471" v="67" actId="20577"/>
-        <pc:sldMkLst>
-          <pc:docMk/>
-          <pc:sldMk cId="1576120367" sldId="2387"/>
-        </pc:sldMkLst>
-        <pc:spChg chg="mod">
-          <ac:chgData name="Xin Luo" userId="82312ee5779919a4" providerId="LiveId" clId="{ABECCF1F-1CAA-3A42-9710-47D9CB1C5B21}" dt="2023-08-21T02:55:15.471" v="67" actId="20577"/>
-          <ac:spMkLst>
-            <pc:docMk/>
-            <pc:sldMk cId="1576120367" sldId="2387"/>
-            <ac:spMk id="12" creationId="{00000000-0000-0000-0000-000000000000}"/>
-          </ac:spMkLst>
-        </pc:spChg>
-        <pc:spChg chg="mod">
-          <ac:chgData name="Xin Luo" userId="82312ee5779919a4" providerId="LiveId" clId="{ABECCF1F-1CAA-3A42-9710-47D9CB1C5B21}" dt="2023-08-21T02:38:36.931" v="38" actId="20577"/>
-          <ac:spMkLst>
-            <pc:docMk/>
-            <pc:sldMk cId="1576120367" sldId="2387"/>
-            <ac:spMk id="14" creationId="{00000000-0000-0000-0000-000000000000}"/>
-          </ac:spMkLst>
-        </pc:spChg>
-      </pc:sldChg>
-      <pc:sldChg chg="modSp mod">
-        <pc:chgData name="Xin Luo" userId="82312ee5779919a4" providerId="LiveId" clId="{ABECCF1F-1CAA-3A42-9710-47D9CB1C5B21}" dt="2023-08-21T03:50:02.826" v="70" actId="14100"/>
+      <pc:sldChg chg="addSp delSp modSp mod">
+        <pc:chgData name="Xin Luo" userId="82312ee5779919a4" providerId="LiveId" clId="{82BFAA31-791A-9843-976C-3AAFAA5AC07D}" dt="2023-03-04T03:17:04.154" v="3027" actId="20577"/>
         <pc:sldMkLst>
           <pc:docMk/>
           <pc:sldMk cId="3833073590" sldId="2716"/>
         </pc:sldMkLst>
         <pc:spChg chg="mod">
-          <ac:chgData name="Xin Luo" userId="82312ee5779919a4" providerId="LiveId" clId="{ABECCF1F-1CAA-3A42-9710-47D9CB1C5B21}" dt="2023-08-21T03:50:02.826" v="70" actId="14100"/>
+          <ac:chgData name="Xin Luo" userId="82312ee5779919a4" providerId="LiveId" clId="{82BFAA31-791A-9843-976C-3AAFAA5AC07D}" dt="2023-02-24T03:06:08.550" v="104" actId="20577"/>
+          <ac:spMkLst>
+            <pc:docMk/>
+            <pc:sldMk cId="3833073590" sldId="2716"/>
+            <ac:spMk id="2" creationId="{631AADB6-C88A-D817-4683-FC087E4E240F}"/>
+          </ac:spMkLst>
+        </pc:spChg>
+        <pc:spChg chg="del">
+          <ac:chgData name="Xin Luo" userId="82312ee5779919a4" providerId="LiveId" clId="{82BFAA31-791A-9843-976C-3AAFAA5AC07D}" dt="2023-02-24T03:02:42.862" v="33" actId="478"/>
+          <ac:spMkLst>
+            <pc:docMk/>
+            <pc:sldMk cId="3833073590" sldId="2716"/>
+            <ac:spMk id="5" creationId="{9F4AEA98-0C33-E82A-EB75-839D0F0B55A4}"/>
+          </ac:spMkLst>
+        </pc:spChg>
+        <pc:spChg chg="add mod">
+          <ac:chgData name="Xin Luo" userId="82312ee5779919a4" providerId="LiveId" clId="{82BFAA31-791A-9843-976C-3AAFAA5AC07D}" dt="2023-03-04T03:17:04.154" v="3027" actId="20577"/>
           <ac:spMkLst>
             <pc:docMk/>
             <pc:sldMk cId="3833073590" sldId="2716"/>
             <ac:spMk id="6" creationId="{6741FEA2-C046-FD82-2800-2CB513792080}"/>
           </ac:spMkLst>
         </pc:spChg>
-        <pc:picChg chg="mod">
-          <ac:chgData name="Xin Luo" userId="82312ee5779919a4" providerId="LiveId" clId="{ABECCF1F-1CAA-3A42-9710-47D9CB1C5B21}" dt="2023-08-21T03:50:00.106" v="69" actId="1076"/>
+        <pc:picChg chg="add del">
+          <ac:chgData name="Xin Luo" userId="82312ee5779919a4" providerId="LiveId" clId="{82BFAA31-791A-9843-976C-3AAFAA5AC07D}" dt="2023-02-24T03:02:42.862" v="33" actId="478"/>
+          <ac:picMkLst>
+            <pc:docMk/>
+            <pc:sldMk cId="3833073590" sldId="2716"/>
+            <ac:picMk id="1026" creationId="{37EB6838-2807-43B3-E78E-EF1353DBEC4D}"/>
+          </ac:picMkLst>
+        </pc:picChg>
+        <pc:picChg chg="add del mod">
+          <ac:chgData name="Xin Luo" userId="82312ee5779919a4" providerId="LiveId" clId="{82BFAA31-791A-9843-976C-3AAFAA5AC07D}" dt="2023-02-24T03:03:49.502" v="38" actId="478"/>
+          <ac:picMkLst>
+            <pc:docMk/>
+            <pc:sldMk cId="3833073590" sldId="2716"/>
+            <ac:picMk id="1028" creationId="{0060DCE3-4593-4CBE-2C1A-12A7D72C453A}"/>
+          </ac:picMkLst>
+        </pc:picChg>
+        <pc:picChg chg="add del mod">
+          <ac:chgData name="Xin Luo" userId="82312ee5779919a4" providerId="LiveId" clId="{82BFAA31-791A-9843-976C-3AAFAA5AC07D}" dt="2023-03-04T03:16:57.384" v="3023" actId="14100"/>
           <ac:picMkLst>
             <pc:docMk/>
             <pc:sldMk cId="3833073590" sldId="2716"/>
@@ -3764,381 +3876,1009 @@
         </pc:picChg>
       </pc:sldChg>
       <pc:sldChg chg="addSp delSp modSp mod">
-        <pc:chgData name="Xin Luo" userId="82312ee5779919a4" providerId="LiveId" clId="{ABECCF1F-1CAA-3A42-9710-47D9CB1C5B21}" dt="2023-08-21T03:52:56.239" v="118"/>
+        <pc:chgData name="Xin Luo" userId="82312ee5779919a4" providerId="LiveId" clId="{82BFAA31-791A-9843-976C-3AAFAA5AC07D}" dt="2023-02-24T08:50:06.402" v="585" actId="20577"/>
+        <pc:sldMkLst>
+          <pc:docMk/>
+          <pc:sldMk cId="972163772" sldId="2720"/>
+        </pc:sldMkLst>
+        <pc:spChg chg="mod">
+          <ac:chgData name="Xin Luo" userId="82312ee5779919a4" providerId="LiveId" clId="{82BFAA31-791A-9843-976C-3AAFAA5AC07D}" dt="2023-02-24T08:50:06.402" v="585" actId="20577"/>
+          <ac:spMkLst>
+            <pc:docMk/>
+            <pc:sldMk cId="972163772" sldId="2720"/>
+            <ac:spMk id="7" creationId="{00000000-0000-0000-0000-000000000000}"/>
+          </ac:spMkLst>
+        </pc:spChg>
+        <pc:picChg chg="add del">
+          <ac:chgData name="Xin Luo" userId="82312ee5779919a4" providerId="LiveId" clId="{82BFAA31-791A-9843-976C-3AAFAA5AC07D}" dt="2023-02-24T08:47:42.881" v="485"/>
+          <ac:picMkLst>
+            <pc:docMk/>
+            <pc:sldMk cId="972163772" sldId="2720"/>
+            <ac:picMk id="3074" creationId="{C4128BB6-F8FE-667B-1E3D-38360E7E0C3C}"/>
+          </ac:picMkLst>
+        </pc:picChg>
+      </pc:sldChg>
+      <pc:sldChg chg="addSp delSp modSp mod">
+        <pc:chgData name="Xin Luo" userId="82312ee5779919a4" providerId="LiveId" clId="{82BFAA31-791A-9843-976C-3AAFAA5AC07D}" dt="2023-02-24T13:00:34.955" v="2586" actId="1036"/>
+        <pc:sldMkLst>
+          <pc:docMk/>
+          <pc:sldMk cId="2689695864" sldId="2721"/>
+        </pc:sldMkLst>
+        <pc:spChg chg="mod">
+          <ac:chgData name="Xin Luo" userId="82312ee5779919a4" providerId="LiveId" clId="{82BFAA31-791A-9843-976C-3AAFAA5AC07D}" dt="2023-02-24T13:00:34.955" v="2586" actId="1036"/>
+          <ac:spMkLst>
+            <pc:docMk/>
+            <pc:sldMk cId="2689695864" sldId="2721"/>
+            <ac:spMk id="2" creationId="{631AADB6-C88A-D817-4683-FC087E4E240F}"/>
+          </ac:spMkLst>
+        </pc:spChg>
+        <pc:spChg chg="mod">
+          <ac:chgData name="Xin Luo" userId="82312ee5779919a4" providerId="LiveId" clId="{82BFAA31-791A-9843-976C-3AAFAA5AC07D}" dt="2023-02-24T08:50:21.921" v="586"/>
+          <ac:spMkLst>
+            <pc:docMk/>
+            <pc:sldMk cId="2689695864" sldId="2721"/>
+            <ac:spMk id="3" creationId="{00000000-0000-0000-0000-000000000000}"/>
+          </ac:spMkLst>
+        </pc:spChg>
+        <pc:spChg chg="add del mod">
+          <ac:chgData name="Xin Luo" userId="82312ee5779919a4" providerId="LiveId" clId="{82BFAA31-791A-9843-976C-3AAFAA5AC07D}" dt="2023-02-24T12:38:43.360" v="1999" actId="478"/>
+          <ac:spMkLst>
+            <pc:docMk/>
+            <pc:sldMk cId="2689695864" sldId="2721"/>
+            <ac:spMk id="5" creationId="{D45B97A4-ED20-7E18-1BEF-4A81710B7783}"/>
+          </ac:spMkLst>
+        </pc:spChg>
+        <pc:spChg chg="mod">
+          <ac:chgData name="Xin Luo" userId="82312ee5779919a4" providerId="LiveId" clId="{82BFAA31-791A-9843-976C-3AAFAA5AC07D}" dt="2023-02-24T13:00:31.975" v="2582" actId="1036"/>
+          <ac:spMkLst>
+            <pc:docMk/>
+            <pc:sldMk cId="2689695864" sldId="2721"/>
+            <ac:spMk id="17" creationId="{9E05FFCA-3371-AF5C-381D-71D984055F5A}"/>
+          </ac:spMkLst>
+        </pc:spChg>
+      </pc:sldChg>
+      <pc:sldChg chg="modSp add del mod">
+        <pc:chgData name="Xin Luo" userId="82312ee5779919a4" providerId="LiveId" clId="{82BFAA31-791A-9843-976C-3AAFAA5AC07D}" dt="2023-03-05T13:50:34.172" v="6224" actId="1035"/>
+        <pc:sldMkLst>
+          <pc:docMk/>
+          <pc:sldMk cId="1209572041" sldId="2722"/>
+        </pc:sldMkLst>
+        <pc:spChg chg="mod">
+          <ac:chgData name="Xin Luo" userId="82312ee5779919a4" providerId="LiveId" clId="{82BFAA31-791A-9843-976C-3AAFAA5AC07D}" dt="2023-03-04T15:50:28.639" v="6152" actId="20577"/>
+          <ac:spMkLst>
+            <pc:docMk/>
+            <pc:sldMk cId="1209572041" sldId="2722"/>
+            <ac:spMk id="11" creationId="{53A7E693-8098-76C4-CD5D-47166ABEB164}"/>
+          </ac:spMkLst>
+        </pc:spChg>
+        <pc:spChg chg="mod">
+          <ac:chgData name="Xin Luo" userId="82312ee5779919a4" providerId="LiveId" clId="{82BFAA31-791A-9843-976C-3AAFAA5AC07D}" dt="2023-03-05T13:50:34.172" v="6224" actId="1035"/>
+          <ac:spMkLst>
+            <pc:docMk/>
+            <pc:sldMk cId="1209572041" sldId="2722"/>
+            <ac:spMk id="13" creationId="{303BC878-BC57-D350-27A3-F03AE48213AC}"/>
+          </ac:spMkLst>
+        </pc:spChg>
+      </pc:sldChg>
+      <pc:sldChg chg="add del">
+        <pc:chgData name="Xin Luo" userId="82312ee5779919a4" providerId="LiveId" clId="{82BFAA31-791A-9843-976C-3AAFAA5AC07D}" dt="2023-03-04T02:01:30.300" v="3010" actId="2696"/>
+        <pc:sldMkLst>
+          <pc:docMk/>
+          <pc:sldMk cId="2179406886" sldId="2724"/>
+        </pc:sldMkLst>
+      </pc:sldChg>
+      <pc:sldChg chg="addSp delSp modSp add mod">
+        <pc:chgData name="Xin Luo" userId="82312ee5779919a4" providerId="LiveId" clId="{82BFAA31-791A-9843-976C-3AAFAA5AC07D}" dt="2023-03-04T03:20:48.887" v="3034" actId="1036"/>
+        <pc:sldMkLst>
+          <pc:docMk/>
+          <pc:sldMk cId="4156684215" sldId="2738"/>
+        </pc:sldMkLst>
+        <pc:spChg chg="mod">
+          <ac:chgData name="Xin Luo" userId="82312ee5779919a4" providerId="LiveId" clId="{82BFAA31-791A-9843-976C-3AAFAA5AC07D}" dt="2023-02-24T07:02:55.789" v="157" actId="20577"/>
+          <ac:spMkLst>
+            <pc:docMk/>
+            <pc:sldMk cId="4156684215" sldId="2738"/>
+            <ac:spMk id="2" creationId="{631AADB6-C88A-D817-4683-FC087E4E240F}"/>
+          </ac:spMkLst>
+        </pc:spChg>
+        <pc:spChg chg="add del mod">
+          <ac:chgData name="Xin Luo" userId="82312ee5779919a4" providerId="LiveId" clId="{82BFAA31-791A-9843-976C-3AAFAA5AC07D}" dt="2023-03-04T03:20:48.887" v="3034" actId="1036"/>
+          <ac:spMkLst>
+            <pc:docMk/>
+            <pc:sldMk cId="4156684215" sldId="2738"/>
+            <ac:spMk id="6" creationId="{6741FEA2-C046-FD82-2800-2CB513792080}"/>
+          </ac:spMkLst>
+        </pc:spChg>
+        <pc:picChg chg="del mod">
+          <ac:chgData name="Xin Luo" userId="82312ee5779919a4" providerId="LiveId" clId="{82BFAA31-791A-9843-976C-3AAFAA5AC07D}" dt="2023-02-24T07:03:01.663" v="158" actId="478"/>
+          <ac:picMkLst>
+            <pc:docMk/>
+            <pc:sldMk cId="4156684215" sldId="2738"/>
+            <ac:picMk id="1030" creationId="{C93DB76E-C02F-05AC-2014-674F7E808ADA}"/>
+          </ac:picMkLst>
+        </pc:picChg>
+        <pc:picChg chg="add del mod">
+          <ac:chgData name="Xin Luo" userId="82312ee5779919a4" providerId="LiveId" clId="{82BFAA31-791A-9843-976C-3AAFAA5AC07D}" dt="2023-03-04T03:20:37.844" v="3030" actId="14100"/>
+          <ac:picMkLst>
+            <pc:docMk/>
+            <pc:sldMk cId="4156684215" sldId="2738"/>
+            <ac:picMk id="2050" creationId="{324F0AC4-07BA-4B3E-1A6B-D49FF0B87AC4}"/>
+          </ac:picMkLst>
+        </pc:picChg>
+      </pc:sldChg>
+      <pc:sldChg chg="delSp modSp add mod">
+        <pc:chgData name="Xin Luo" userId="82312ee5779919a4" providerId="LiveId" clId="{82BFAA31-791A-9843-976C-3AAFAA5AC07D}" dt="2023-03-04T03:45:03.441" v="3776" actId="21"/>
         <pc:sldMkLst>
           <pc:docMk/>
           <pc:sldMk cId="2776132283" sldId="2739"/>
         </pc:sldMkLst>
-        <pc:spChg chg="add del mod">
-          <ac:chgData name="Xin Luo" userId="82312ee5779919a4" providerId="LiveId" clId="{ABECCF1F-1CAA-3A42-9710-47D9CB1C5B21}" dt="2023-08-21T03:52:56.239" v="118"/>
+        <pc:spChg chg="mod">
+          <ac:chgData name="Xin Luo" userId="82312ee5779919a4" providerId="LiveId" clId="{82BFAA31-791A-9843-976C-3AAFAA5AC07D}" dt="2023-03-04T03:21:31.106" v="3042" actId="20577"/>
           <ac:spMkLst>
             <pc:docMk/>
             <pc:sldMk cId="2776132283" sldId="2739"/>
-            <ac:spMk id="4" creationId="{0411BEA9-35E9-6B80-5BDE-4EEB0EC8EBCB}"/>
+            <ac:spMk id="2" creationId="{631AADB6-C88A-D817-4683-FC087E4E240F}"/>
           </ac:spMkLst>
         </pc:spChg>
         <pc:spChg chg="mod">
-          <ac:chgData name="Xin Luo" userId="82312ee5779919a4" providerId="LiveId" clId="{ABECCF1F-1CAA-3A42-9710-47D9CB1C5B21}" dt="2023-08-21T03:50:50.271" v="115" actId="20577"/>
+          <ac:chgData name="Xin Luo" userId="82312ee5779919a4" providerId="LiveId" clId="{82BFAA31-791A-9843-976C-3AAFAA5AC07D}" dt="2023-03-04T03:45:03.441" v="3776" actId="21"/>
           <ac:spMkLst>
             <pc:docMk/>
             <pc:sldMk cId="2776132283" sldId="2739"/>
             <ac:spMk id="6" creationId="{6741FEA2-C046-FD82-2800-2CB513792080}"/>
           </ac:spMkLst>
         </pc:spChg>
+        <pc:picChg chg="del">
+          <ac:chgData name="Xin Luo" userId="82312ee5779919a4" providerId="LiveId" clId="{82BFAA31-791A-9843-976C-3AAFAA5AC07D}" dt="2023-02-24T09:02:09.130" v="665" actId="478"/>
+          <ac:picMkLst>
+            <pc:docMk/>
+            <pc:sldMk cId="2776132283" sldId="2739"/>
+            <ac:picMk id="2050" creationId="{324F0AC4-07BA-4B3E-1A6B-D49FF0B87AC4}"/>
+          </ac:picMkLst>
+        </pc:picChg>
       </pc:sldChg>
-      <pc:sldChg chg="addSp modSp mod ord">
-        <pc:chgData name="Xin Luo" userId="82312ee5779919a4" providerId="LiveId" clId="{ABECCF1F-1CAA-3A42-9710-47D9CB1C5B21}" dt="2023-08-21T07:26:51.742" v="177" actId="20578"/>
+      <pc:sldChg chg="delSp modSp add mod">
+        <pc:chgData name="Xin Luo" userId="82312ee5779919a4" providerId="LiveId" clId="{82BFAA31-791A-9843-976C-3AAFAA5AC07D}" dt="2023-02-24T12:42:54.354" v="2196" actId="20577"/>
+        <pc:sldMkLst>
+          <pc:docMk/>
+          <pc:sldMk cId="2510358707" sldId="2740"/>
+        </pc:sldMkLst>
+        <pc:spChg chg="mod">
+          <ac:chgData name="Xin Luo" userId="82312ee5779919a4" providerId="LiveId" clId="{82BFAA31-791A-9843-976C-3AAFAA5AC07D}" dt="2023-02-24T12:39:15.147" v="2006" actId="20577"/>
+          <ac:spMkLst>
+            <pc:docMk/>
+            <pc:sldMk cId="2510358707" sldId="2740"/>
+            <ac:spMk id="2" creationId="{631AADB6-C88A-D817-4683-FC087E4E240F}"/>
+          </ac:spMkLst>
+        </pc:spChg>
+        <pc:spChg chg="del mod">
+          <ac:chgData name="Xin Luo" userId="82312ee5779919a4" providerId="LiveId" clId="{82BFAA31-791A-9843-976C-3AAFAA5AC07D}" dt="2023-02-24T12:26:37.033" v="1934" actId="478"/>
+          <ac:spMkLst>
+            <pc:docMk/>
+            <pc:sldMk cId="2510358707" sldId="2740"/>
+            <ac:spMk id="5" creationId="{D45B97A4-ED20-7E18-1BEF-4A81710B7783}"/>
+          </ac:spMkLst>
+        </pc:spChg>
+        <pc:spChg chg="mod">
+          <ac:chgData name="Xin Luo" userId="82312ee5779919a4" providerId="LiveId" clId="{82BFAA31-791A-9843-976C-3AAFAA5AC07D}" dt="2023-02-24T12:42:54.354" v="2196" actId="20577"/>
+          <ac:spMkLst>
+            <pc:docMk/>
+            <pc:sldMk cId="2510358707" sldId="2740"/>
+            <ac:spMk id="17" creationId="{9E05FFCA-3371-AF5C-381D-71D984055F5A}"/>
+          </ac:spMkLst>
+        </pc:spChg>
+      </pc:sldChg>
+      <pc:sldChg chg="add del">
+        <pc:chgData name="Xin Luo" userId="82312ee5779919a4" providerId="LiveId" clId="{82BFAA31-791A-9843-976C-3AAFAA5AC07D}" dt="2023-02-24T12:26:24.988" v="1931"/>
+        <pc:sldMkLst>
+          <pc:docMk/>
+          <pc:sldMk cId="2028886328" sldId="2741"/>
+        </pc:sldMkLst>
+      </pc:sldChg>
+      <pc:sldChg chg="delSp modSp add mod">
+        <pc:chgData name="Xin Luo" userId="82312ee5779919a4" providerId="LiveId" clId="{82BFAA31-791A-9843-976C-3AAFAA5AC07D}" dt="2023-03-04T15:50:04.739" v="6144" actId="1076"/>
+        <pc:sldMkLst>
+          <pc:docMk/>
+          <pc:sldMk cId="2476237792" sldId="2741"/>
+        </pc:sldMkLst>
+        <pc:spChg chg="del mod">
+          <ac:chgData name="Xin Luo" userId="82312ee5779919a4" providerId="LiveId" clId="{82BFAA31-791A-9843-976C-3AAFAA5AC07D}" dt="2023-03-04T15:49:54.035" v="6137" actId="478"/>
+          <ac:spMkLst>
+            <pc:docMk/>
+            <pc:sldMk cId="2476237792" sldId="2741"/>
+            <ac:spMk id="2" creationId="{631AADB6-C88A-D817-4683-FC087E4E240F}"/>
+          </ac:spMkLst>
+        </pc:spChg>
+        <pc:spChg chg="mod">
+          <ac:chgData name="Xin Luo" userId="82312ee5779919a4" providerId="LiveId" clId="{82BFAA31-791A-9843-976C-3AAFAA5AC07D}" dt="2023-02-24T12:39:25.368" v="2008"/>
+          <ac:spMkLst>
+            <pc:docMk/>
+            <pc:sldMk cId="2476237792" sldId="2741"/>
+            <ac:spMk id="3" creationId="{00000000-0000-0000-0000-000000000000}"/>
+          </ac:spMkLst>
+        </pc:spChg>
+        <pc:spChg chg="mod">
+          <ac:chgData name="Xin Luo" userId="82312ee5779919a4" providerId="LiveId" clId="{82BFAA31-791A-9843-976C-3AAFAA5AC07D}" dt="2023-03-04T15:50:04.739" v="6144" actId="1076"/>
+          <ac:spMkLst>
+            <pc:docMk/>
+            <pc:sldMk cId="2476237792" sldId="2741"/>
+            <ac:spMk id="6" creationId="{6741FEA2-C046-FD82-2800-2CB513792080}"/>
+          </ac:spMkLst>
+        </pc:spChg>
+      </pc:sldChg>
+      <pc:sldChg chg="addSp delSp modSp add mod">
+        <pc:chgData name="Xin Luo" userId="82312ee5779919a4" providerId="LiveId" clId="{82BFAA31-791A-9843-976C-3AAFAA5AC07D}" dt="2023-03-04T03:03:29.776" v="3020" actId="1036"/>
+        <pc:sldMkLst>
+          <pc:docMk/>
+          <pc:sldMk cId="3151170836" sldId="2742"/>
+        </pc:sldMkLst>
+        <pc:spChg chg="mod">
+          <ac:chgData name="Xin Luo" userId="82312ee5779919a4" providerId="LiveId" clId="{82BFAA31-791A-9843-976C-3AAFAA5AC07D}" dt="2023-03-04T02:00:17.248" v="3002" actId="20577"/>
+          <ac:spMkLst>
+            <pc:docMk/>
+            <pc:sldMk cId="3151170836" sldId="2742"/>
+            <ac:spMk id="2" creationId="{631AADB6-C88A-D817-4683-FC087E4E240F}"/>
+          </ac:spMkLst>
+        </pc:spChg>
+        <pc:spChg chg="del">
+          <ac:chgData name="Xin Luo" userId="82312ee5779919a4" providerId="LiveId" clId="{82BFAA31-791A-9843-976C-3AAFAA5AC07D}" dt="2023-03-04T02:01:16.980" v="3004" actId="478"/>
+          <ac:spMkLst>
+            <pc:docMk/>
+            <pc:sldMk cId="3151170836" sldId="2742"/>
+            <ac:spMk id="5" creationId="{78502774-B04C-634F-1396-E5815996BC36}"/>
+          </ac:spMkLst>
+        </pc:spChg>
+        <pc:spChg chg="add mod">
+          <ac:chgData name="Xin Luo" userId="82312ee5779919a4" providerId="LiveId" clId="{82BFAA31-791A-9843-976C-3AAFAA5AC07D}" dt="2023-03-04T03:03:29.776" v="3020" actId="1036"/>
+          <ac:spMkLst>
+            <pc:docMk/>
+            <pc:sldMk cId="3151170836" sldId="2742"/>
+            <ac:spMk id="6" creationId="{FA343B24-C04E-C7D0-D427-DA131ECB74AB}"/>
+          </ac:spMkLst>
+        </pc:spChg>
+        <pc:picChg chg="add del mod">
+          <ac:chgData name="Xin Luo" userId="82312ee5779919a4" providerId="LiveId" clId="{82BFAA31-791A-9843-976C-3AAFAA5AC07D}" dt="2023-03-04T02:04:10.432" v="3011" actId="478"/>
+          <ac:picMkLst>
+            <pc:docMk/>
+            <pc:sldMk cId="3151170836" sldId="2742"/>
+            <ac:picMk id="4" creationId="{5EA5EFD9-CFD1-878E-F82B-E455DCC4FB27}"/>
+          </ac:picMkLst>
+        </pc:picChg>
+        <pc:picChg chg="add mod">
+          <ac:chgData name="Xin Luo" userId="82312ee5779919a4" providerId="LiveId" clId="{82BFAA31-791A-9843-976C-3AAFAA5AC07D}" dt="2023-03-04T03:03:27.642" v="3017" actId="1036"/>
+          <ac:picMkLst>
+            <pc:docMk/>
+            <pc:sldMk cId="3151170836" sldId="2742"/>
+            <ac:picMk id="7" creationId="{3DD36E7D-5F30-A7D7-486A-8D2AC067CE47}"/>
+          </ac:picMkLst>
+        </pc:picChg>
+        <pc:picChg chg="del">
+          <ac:chgData name="Xin Luo" userId="82312ee5779919a4" providerId="LiveId" clId="{82BFAA31-791A-9843-976C-3AAFAA5AC07D}" dt="2023-03-04T02:01:21.181" v="3006" actId="478"/>
+          <ac:picMkLst>
+            <pc:docMk/>
+            <pc:sldMk cId="3151170836" sldId="2742"/>
+            <ac:picMk id="1026" creationId="{75908E15-58DA-73BD-95F9-CACD1B8B9D82}"/>
+          </ac:picMkLst>
+        </pc:picChg>
+        <pc:picChg chg="del">
+          <ac:chgData name="Xin Luo" userId="82312ee5779919a4" providerId="LiveId" clId="{82BFAA31-791A-9843-976C-3AAFAA5AC07D}" dt="2023-03-04T02:01:19.315" v="3005" actId="478"/>
+          <ac:picMkLst>
+            <pc:docMk/>
+            <pc:sldMk cId="3151170836" sldId="2742"/>
+            <ac:picMk id="1028" creationId="{1E2BFB6C-B7E5-CAF9-B8CC-09A5029EC264}"/>
+          </ac:picMkLst>
+        </pc:picChg>
+        <pc:picChg chg="del">
+          <ac:chgData name="Xin Luo" userId="82312ee5779919a4" providerId="LiveId" clId="{82BFAA31-791A-9843-976C-3AAFAA5AC07D}" dt="2023-03-04T02:01:19.315" v="3005" actId="478"/>
+          <ac:picMkLst>
+            <pc:docMk/>
+            <pc:sldMk cId="3151170836" sldId="2742"/>
+            <ac:picMk id="1030" creationId="{CB7EE236-3D18-EC53-3225-10EBB3B4EC77}"/>
+          </ac:picMkLst>
+        </pc:picChg>
+        <pc:picChg chg="del">
+          <ac:chgData name="Xin Luo" userId="82312ee5779919a4" providerId="LiveId" clId="{82BFAA31-791A-9843-976C-3AAFAA5AC07D}" dt="2023-03-04T02:01:19.315" v="3005" actId="478"/>
+          <ac:picMkLst>
+            <pc:docMk/>
+            <pc:sldMk cId="3151170836" sldId="2742"/>
+            <ac:picMk id="1032" creationId="{BFA8C7BD-9CEC-ADA1-21BA-0EE8338C6EA3}"/>
+          </ac:picMkLst>
+        </pc:picChg>
+      </pc:sldChg>
+      <pc:sldChg chg="addSp delSp modSp add mod">
+        <pc:chgData name="Xin Luo" userId="82312ee5779919a4" providerId="LiveId" clId="{82BFAA31-791A-9843-976C-3AAFAA5AC07D}" dt="2023-03-04T03:37:26.975" v="3431" actId="1076"/>
         <pc:sldMkLst>
           <pc:docMk/>
           <pc:sldMk cId="4194482579" sldId="2743"/>
         </pc:sldMkLst>
-        <pc:spChg chg="mod">
-          <ac:chgData name="Xin Luo" userId="82312ee5779919a4" providerId="LiveId" clId="{ABECCF1F-1CAA-3A42-9710-47D9CB1C5B21}" dt="2023-08-21T03:59:16.975" v="136" actId="1076"/>
+        <pc:spChg chg="add del mod">
+          <ac:chgData name="Xin Luo" userId="82312ee5779919a4" providerId="LiveId" clId="{82BFAA31-791A-9843-976C-3AAFAA5AC07D}" dt="2023-03-04T03:37:26.975" v="3431" actId="1076"/>
           <ac:spMkLst>
             <pc:docMk/>
             <pc:sldMk cId="4194482579" sldId="2743"/>
             <ac:spMk id="6" creationId="{6741FEA2-C046-FD82-2800-2CB513792080}"/>
           </ac:spMkLst>
         </pc:spChg>
-        <pc:picChg chg="add mod">
-          <ac:chgData name="Xin Luo" userId="82312ee5779919a4" providerId="LiveId" clId="{ABECCF1F-1CAA-3A42-9710-47D9CB1C5B21}" dt="2023-08-21T04:10:13.653" v="140" actId="1076"/>
+        <pc:picChg chg="del">
+          <ac:chgData name="Xin Luo" userId="82312ee5779919a4" providerId="LiveId" clId="{82BFAA31-791A-9843-976C-3AAFAA5AC07D}" dt="2023-03-04T03:21:59.148" v="3044" actId="478"/>
           <ac:picMkLst>
             <pc:docMk/>
             <pc:sldMk cId="4194482579" sldId="2743"/>
-            <ac:picMk id="5" creationId="{9ADF8EDA-38B9-3779-D260-4F6A4E5D19BA}"/>
+            <ac:picMk id="2050" creationId="{324F0AC4-07BA-4B3E-1A6B-D49FF0B87AC4}"/>
           </ac:picMkLst>
         </pc:picChg>
       </pc:sldChg>
       <pc:sldChg chg="addSp delSp modSp add mod">
-        <pc:chgData name="Xin Luo" userId="82312ee5779919a4" providerId="LiveId" clId="{ABECCF1F-1CAA-3A42-9710-47D9CB1C5B21}" dt="2023-08-21T07:50:33.166" v="356" actId="20577"/>
+        <pc:chgData name="Xin Luo" userId="82312ee5779919a4" providerId="LiveId" clId="{82BFAA31-791A-9843-976C-3AAFAA5AC07D}" dt="2023-03-04T15:11:00.971" v="4794" actId="2711"/>
         <pc:sldMkLst>
           <pc:docMk/>
-          <pc:sldMk cId="738332523" sldId="2751"/>
+          <pc:sldMk cId="3883315984" sldId="2744"/>
         </pc:sldMkLst>
         <pc:spChg chg="mod">
-          <ac:chgData name="Xin Luo" userId="82312ee5779919a4" providerId="LiveId" clId="{ABECCF1F-1CAA-3A42-9710-47D9CB1C5B21}" dt="2023-08-21T07:50:33.166" v="356" actId="20577"/>
+          <ac:chgData name="Xin Luo" userId="82312ee5779919a4" providerId="LiveId" clId="{82BFAA31-791A-9843-976C-3AAFAA5AC07D}" dt="2023-03-04T15:08:30.473" v="4619" actId="20577"/>
           <ac:spMkLst>
             <pc:docMk/>
-            <pc:sldMk cId="738332523" sldId="2751"/>
-            <ac:spMk id="6" creationId="{6741FEA2-C046-FD82-2800-2CB513792080}"/>
+            <pc:sldMk cId="3883315984" sldId="2744"/>
+            <ac:spMk id="17" creationId="{9E05FFCA-3371-AF5C-381D-71D984055F5A}"/>
           </ac:spMkLst>
         </pc:spChg>
         <pc:spChg chg="add mod">
-          <ac:chgData name="Xin Luo" userId="82312ee5779919a4" providerId="LiveId" clId="{ABECCF1F-1CAA-3A42-9710-47D9CB1C5B21}" dt="2023-08-21T07:34:15.357" v="219" actId="1582"/>
+          <ac:chgData name="Xin Luo" userId="82312ee5779919a4" providerId="LiveId" clId="{82BFAA31-791A-9843-976C-3AAFAA5AC07D}" dt="2023-03-04T15:11:00.971" v="4794" actId="2711"/>
           <ac:spMkLst>
             <pc:docMk/>
-            <pc:sldMk cId="738332523" sldId="2751"/>
-            <ac:spMk id="9" creationId="{7DC24FD0-4314-6A12-D955-592B771F546D}"/>
+            <pc:sldMk cId="3883315984" sldId="2744"/>
+            <ac:spMk id="21" creationId="{E7C93A00-7E31-E000-6BED-292B08A4B198}"/>
           </ac:spMkLst>
         </pc:spChg>
-        <pc:spChg chg="add mod">
-          <ac:chgData name="Xin Luo" userId="82312ee5779919a4" providerId="LiveId" clId="{ABECCF1F-1CAA-3A42-9710-47D9CB1C5B21}" dt="2023-08-21T07:34:15.357" v="219" actId="1582"/>
-          <ac:spMkLst>
-            <pc:docMk/>
-            <pc:sldMk cId="738332523" sldId="2751"/>
-            <ac:spMk id="10" creationId="{99C411EF-3CC5-A5C6-671F-2074FAC1B2AA}"/>
-          </ac:spMkLst>
-        </pc:spChg>
-        <pc:picChg chg="del">
-          <ac:chgData name="Xin Luo" userId="82312ee5779919a4" providerId="LiveId" clId="{ABECCF1F-1CAA-3A42-9710-47D9CB1C5B21}" dt="2023-08-21T04:10:31.596" v="142" actId="478"/>
+        <pc:picChg chg="add del mod">
+          <ac:chgData name="Xin Luo" userId="82312ee5779919a4" providerId="LiveId" clId="{82BFAA31-791A-9843-976C-3AAFAA5AC07D}" dt="2023-03-04T14:43:12.336" v="4260" actId="478"/>
           <ac:picMkLst>
             <pc:docMk/>
-            <pc:sldMk cId="738332523" sldId="2751"/>
-            <ac:picMk id="5" creationId="{9ADF8EDA-38B9-3779-D260-4F6A4E5D19BA}"/>
+            <pc:sldMk cId="3883315984" sldId="2744"/>
+            <ac:picMk id="5" creationId="{6A29A75C-8731-031C-F586-AB16E9D87EF1}"/>
+          </ac:picMkLst>
+        </pc:picChg>
+        <pc:picChg chg="add del mod">
+          <ac:chgData name="Xin Luo" userId="82312ee5779919a4" providerId="LiveId" clId="{82BFAA31-791A-9843-976C-3AAFAA5AC07D}" dt="2023-03-04T14:43:13.340" v="4261" actId="478"/>
+          <ac:picMkLst>
+            <pc:docMk/>
+            <pc:sldMk cId="3883315984" sldId="2744"/>
+            <ac:picMk id="7" creationId="{56F139B7-CE64-C317-CDCE-ED656E5CE752}"/>
+          </ac:picMkLst>
+        </pc:picChg>
+        <pc:picChg chg="add del mod">
+          <ac:chgData name="Xin Luo" userId="82312ee5779919a4" providerId="LiveId" clId="{82BFAA31-791A-9843-976C-3AAFAA5AC07D}" dt="2023-03-04T14:57:11.977" v="4367" actId="478"/>
+          <ac:picMkLst>
+            <pc:docMk/>
+            <pc:sldMk cId="3883315984" sldId="2744"/>
+            <ac:picMk id="9" creationId="{B93FB35F-20AA-92EB-B0CA-45DF00DB1C48}"/>
+          </ac:picMkLst>
+        </pc:picChg>
+        <pc:picChg chg="add del mod">
+          <ac:chgData name="Xin Luo" userId="82312ee5779919a4" providerId="LiveId" clId="{82BFAA31-791A-9843-976C-3AAFAA5AC07D}" dt="2023-03-04T15:08:25.973" v="4617" actId="478"/>
+          <ac:picMkLst>
+            <pc:docMk/>
+            <pc:sldMk cId="3883315984" sldId="2744"/>
+            <ac:picMk id="11" creationId="{7FFE9DD7-9FAD-B833-34A7-F9D00BB93C74}"/>
+          </ac:picMkLst>
+        </pc:picChg>
+        <pc:picChg chg="add del mod">
+          <ac:chgData name="Xin Luo" userId="82312ee5779919a4" providerId="LiveId" clId="{82BFAA31-791A-9843-976C-3AAFAA5AC07D}" dt="2023-03-04T15:08:26.853" v="4618" actId="478"/>
+          <ac:picMkLst>
+            <pc:docMk/>
+            <pc:sldMk cId="3883315984" sldId="2744"/>
+            <ac:picMk id="13" creationId="{99DA1880-9B80-A24C-3180-693E3B5EE1BF}"/>
+          </ac:picMkLst>
+        </pc:picChg>
+        <pc:picChg chg="add del mod">
+          <ac:chgData name="Xin Luo" userId="82312ee5779919a4" providerId="LiveId" clId="{82BFAA31-791A-9843-976C-3AAFAA5AC07D}" dt="2023-03-04T15:07:19.751" v="4571" actId="478"/>
+          <ac:picMkLst>
+            <pc:docMk/>
+            <pc:sldMk cId="3883315984" sldId="2744"/>
+            <ac:picMk id="15" creationId="{76264687-7C79-E28C-9AC8-4ACC581E6CB9}"/>
           </ac:picMkLst>
         </pc:picChg>
         <pc:picChg chg="add mod">
-          <ac:chgData name="Xin Luo" userId="82312ee5779919a4" providerId="LiveId" clId="{ABECCF1F-1CAA-3A42-9710-47D9CB1C5B21}" dt="2023-08-21T07:32:54.017" v="202" actId="14100"/>
+          <ac:chgData name="Xin Luo" userId="82312ee5779919a4" providerId="LiveId" clId="{82BFAA31-791A-9843-976C-3AAFAA5AC07D}" dt="2023-03-04T15:09:03.244" v="4634" actId="1076"/>
           <ac:picMkLst>
             <pc:docMk/>
-            <pc:sldMk cId="738332523" sldId="2751"/>
-            <ac:picMk id="5" creationId="{BE72E01E-2598-0120-36F4-36F0A128ED69}"/>
+            <pc:sldMk cId="3883315984" sldId="2744"/>
+            <ac:picMk id="18" creationId="{0837DC30-4620-0035-DE40-9319EFBA876D}"/>
           </ac:picMkLst>
         </pc:picChg>
         <pc:picChg chg="add mod">
-          <ac:chgData name="Xin Luo" userId="82312ee5779919a4" providerId="LiveId" clId="{ABECCF1F-1CAA-3A42-9710-47D9CB1C5B21}" dt="2023-08-21T07:32:58.176" v="211" actId="1037"/>
+          <ac:chgData name="Xin Luo" userId="82312ee5779919a4" providerId="LiveId" clId="{82BFAA31-791A-9843-976C-3AAFAA5AC07D}" dt="2023-03-04T15:09:03.244" v="4634" actId="1076"/>
           <ac:picMkLst>
             <pc:docMk/>
-            <pc:sldMk cId="738332523" sldId="2751"/>
-            <ac:picMk id="8" creationId="{BE0108F0-EC07-C1EA-3126-BA6F63A1A7B8}"/>
+            <pc:sldMk cId="3883315984" sldId="2744"/>
+            <ac:picMk id="20" creationId="{1C80845A-A83F-D903-2B37-F9CB37E4E25A}"/>
+          </ac:picMkLst>
+        </pc:picChg>
+      </pc:sldChg>
+      <pc:sldChg chg="modSp add mod">
+        <pc:chgData name="Xin Luo" userId="82312ee5779919a4" providerId="LiveId" clId="{82BFAA31-791A-9843-976C-3AAFAA5AC07D}" dt="2023-03-04T15:21:58.766" v="5230" actId="1038"/>
+        <pc:sldMkLst>
+          <pc:docMk/>
+          <pc:sldMk cId="3741103209" sldId="2745"/>
+        </pc:sldMkLst>
+        <pc:spChg chg="mod">
+          <ac:chgData name="Xin Luo" userId="82312ee5779919a4" providerId="LiveId" clId="{82BFAA31-791A-9843-976C-3AAFAA5AC07D}" dt="2023-03-04T15:21:58.766" v="5230" actId="1038"/>
+          <ac:spMkLst>
+            <pc:docMk/>
+            <pc:sldMk cId="3741103209" sldId="2745"/>
+            <ac:spMk id="17" creationId="{9E05FFCA-3371-AF5C-381D-71D984055F5A}"/>
+          </ac:spMkLst>
+        </pc:spChg>
+      </pc:sldChg>
+      <pc:sldChg chg="modSp add mod">
+        <pc:chgData name="Xin Luo" userId="82312ee5779919a4" providerId="LiveId" clId="{82BFAA31-791A-9843-976C-3AAFAA5AC07D}" dt="2023-03-04T15:08:22.005" v="4615" actId="1035"/>
+        <pc:sldMkLst>
+          <pc:docMk/>
+          <pc:sldMk cId="322086101" sldId="2746"/>
+        </pc:sldMkLst>
+        <pc:spChg chg="mod">
+          <ac:chgData name="Xin Luo" userId="82312ee5779919a4" providerId="LiveId" clId="{82BFAA31-791A-9843-976C-3AAFAA5AC07D}" dt="2023-03-04T15:07:51.391" v="4588" actId="20577"/>
+          <ac:spMkLst>
+            <pc:docMk/>
+            <pc:sldMk cId="322086101" sldId="2746"/>
+            <ac:spMk id="17" creationId="{9E05FFCA-3371-AF5C-381D-71D984055F5A}"/>
+          </ac:spMkLst>
+        </pc:spChg>
+        <pc:picChg chg="mod">
+          <ac:chgData name="Xin Luo" userId="82312ee5779919a4" providerId="LiveId" clId="{82BFAA31-791A-9843-976C-3AAFAA5AC07D}" dt="2023-03-04T15:08:22.005" v="4615" actId="1035"/>
+          <ac:picMkLst>
+            <pc:docMk/>
+            <pc:sldMk cId="322086101" sldId="2746"/>
+            <ac:picMk id="11" creationId="{7FFE9DD7-9FAD-B833-34A7-F9D00BB93C74}"/>
+          </ac:picMkLst>
+        </pc:picChg>
+        <pc:picChg chg="mod">
+          <ac:chgData name="Xin Luo" userId="82312ee5779919a4" providerId="LiveId" clId="{82BFAA31-791A-9843-976C-3AAFAA5AC07D}" dt="2023-03-04T15:08:22.005" v="4615" actId="1035"/>
+          <ac:picMkLst>
+            <pc:docMk/>
+            <pc:sldMk cId="322086101" sldId="2746"/>
+            <ac:picMk id="13" creationId="{99DA1880-9B80-A24C-3180-693E3B5EE1BF}"/>
+          </ac:picMkLst>
+        </pc:picChg>
+      </pc:sldChg>
+      <pc:sldChg chg="addSp modSp add mod">
+        <pc:chgData name="Xin Luo" userId="82312ee5779919a4" providerId="LiveId" clId="{82BFAA31-791A-9843-976C-3AAFAA5AC07D}" dt="2023-03-04T15:26:46.366" v="5547" actId="1076"/>
+        <pc:sldMkLst>
+          <pc:docMk/>
+          <pc:sldMk cId="2920839983" sldId="2747"/>
+        </pc:sldMkLst>
+        <pc:spChg chg="mod">
+          <ac:chgData name="Xin Luo" userId="82312ee5779919a4" providerId="LiveId" clId="{82BFAA31-791A-9843-976C-3AAFAA5AC07D}" dt="2023-03-04T15:26:37.013" v="5544" actId="1076"/>
+          <ac:spMkLst>
+            <pc:docMk/>
+            <pc:sldMk cId="2920839983" sldId="2747"/>
+            <ac:spMk id="17" creationId="{9E05FFCA-3371-AF5C-381D-71D984055F5A}"/>
+          </ac:spMkLst>
+        </pc:spChg>
+        <pc:picChg chg="add mod">
+          <ac:chgData name="Xin Luo" userId="82312ee5779919a4" providerId="LiveId" clId="{82BFAA31-791A-9843-976C-3AAFAA5AC07D}" dt="2023-03-04T15:26:46.366" v="5547" actId="1076"/>
+          <ac:picMkLst>
+            <pc:docMk/>
+            <pc:sldMk cId="2920839983" sldId="2747"/>
+            <ac:picMk id="5" creationId="{4B5D1AA6-D397-9A79-221A-E20C2E9E5B76}"/>
           </ac:picMkLst>
         </pc:picChg>
       </pc:sldChg>
       <pc:sldChg chg="addSp delSp modSp add mod">
-        <pc:chgData name="Xin Luo" userId="82312ee5779919a4" providerId="LiveId" clId="{ABECCF1F-1CAA-3A42-9710-47D9CB1C5B21}" dt="2023-08-21T07:50:29.891" v="352" actId="20577"/>
+        <pc:chgData name="Xin Luo" userId="82312ee5779919a4" providerId="LiveId" clId="{82BFAA31-791A-9843-976C-3AAFAA5AC07D}" dt="2023-03-04T15:46:20.499" v="5952" actId="1582"/>
         <pc:sldMkLst>
           <pc:docMk/>
-          <pc:sldMk cId="3189639985" sldId="2752"/>
+          <pc:sldMk cId="2081473989" sldId="2748"/>
         </pc:sldMkLst>
-        <pc:spChg chg="mod">
-          <ac:chgData name="Xin Luo" userId="82312ee5779919a4" providerId="LiveId" clId="{ABECCF1F-1CAA-3A42-9710-47D9CB1C5B21}" dt="2023-08-21T07:50:29.891" v="352" actId="20577"/>
+        <pc:spChg chg="add del">
+          <ac:chgData name="Xin Luo" userId="82312ee5779919a4" providerId="LiveId" clId="{82BFAA31-791A-9843-976C-3AAFAA5AC07D}" dt="2023-03-04T15:37:10.804" v="5659" actId="22"/>
           <ac:spMkLst>
             <pc:docMk/>
-            <pc:sldMk cId="3189639985" sldId="2752"/>
-            <ac:spMk id="6" creationId="{6741FEA2-C046-FD82-2800-2CB513792080}"/>
-          </ac:spMkLst>
-        </pc:spChg>
-        <pc:spChg chg="del">
-          <ac:chgData name="Xin Luo" userId="82312ee5779919a4" providerId="LiveId" clId="{ABECCF1F-1CAA-3A42-9710-47D9CB1C5B21}" dt="2023-08-21T07:35:06.445" v="254" actId="478"/>
-          <ac:spMkLst>
-            <pc:docMk/>
-            <pc:sldMk cId="3189639985" sldId="2752"/>
-            <ac:spMk id="9" creationId="{7DC24FD0-4314-6A12-D955-592B771F546D}"/>
-          </ac:spMkLst>
-        </pc:spChg>
-        <pc:spChg chg="del">
-          <ac:chgData name="Xin Luo" userId="82312ee5779919a4" providerId="LiveId" clId="{ABECCF1F-1CAA-3A42-9710-47D9CB1C5B21}" dt="2023-08-21T07:35:05.287" v="253" actId="478"/>
-          <ac:spMkLst>
-            <pc:docMk/>
-            <pc:sldMk cId="3189639985" sldId="2752"/>
-            <ac:spMk id="10" creationId="{99C411EF-3CC5-A5C6-671F-2074FAC1B2AA}"/>
+            <pc:sldMk cId="2081473989" sldId="2748"/>
+            <ac:spMk id="6" creationId="{82D7925B-E2FA-6C82-149E-D49FD97901D4}"/>
           </ac:spMkLst>
         </pc:spChg>
         <pc:spChg chg="add mod">
-          <ac:chgData name="Xin Luo" userId="82312ee5779919a4" providerId="LiveId" clId="{ABECCF1F-1CAA-3A42-9710-47D9CB1C5B21}" dt="2023-08-21T07:40:48.338" v="306" actId="1036"/>
+          <ac:chgData name="Xin Luo" userId="82312ee5779919a4" providerId="LiveId" clId="{82BFAA31-791A-9843-976C-3AAFAA5AC07D}" dt="2023-03-04T15:45:35.826" v="5941" actId="1076"/>
           <ac:spMkLst>
             <pc:docMk/>
-            <pc:sldMk cId="3189639985" sldId="2752"/>
-            <ac:spMk id="11" creationId="{C402EBD9-8BC8-2A75-1218-C7F537BD4F74}"/>
+            <pc:sldMk cId="2081473989" sldId="2748"/>
+            <ac:spMk id="15" creationId="{DAE75BEB-15B0-6AD3-FEA5-24688F0C9399}"/>
           </ac:spMkLst>
         </pc:spChg>
-        <pc:picChg chg="del">
-          <ac:chgData name="Xin Luo" userId="82312ee5779919a4" providerId="LiveId" clId="{ABECCF1F-1CAA-3A42-9710-47D9CB1C5B21}" dt="2023-08-21T07:35:02.911" v="251" actId="478"/>
+        <pc:spChg chg="add mod">
+          <ac:chgData name="Xin Luo" userId="82312ee5779919a4" providerId="LiveId" clId="{82BFAA31-791A-9843-976C-3AAFAA5AC07D}" dt="2023-03-04T15:46:20.499" v="5952" actId="1582"/>
+          <ac:spMkLst>
+            <pc:docMk/>
+            <pc:sldMk cId="2081473989" sldId="2748"/>
+            <ac:spMk id="16" creationId="{011A1F98-9159-4FE6-698D-1B0B7EFC1F4C}"/>
+          </ac:spMkLst>
+        </pc:spChg>
+        <pc:spChg chg="mod">
+          <ac:chgData name="Xin Luo" userId="82312ee5779919a4" providerId="LiveId" clId="{82BFAA31-791A-9843-976C-3AAFAA5AC07D}" dt="2023-03-04T15:28:15.646" v="5654" actId="20577"/>
+          <ac:spMkLst>
+            <pc:docMk/>
+            <pc:sldMk cId="2081473989" sldId="2748"/>
+            <ac:spMk id="17" creationId="{9E05FFCA-3371-AF5C-381D-71D984055F5A}"/>
+          </ac:spMkLst>
+        </pc:spChg>
+        <pc:picChg chg="del mod">
+          <ac:chgData name="Xin Luo" userId="82312ee5779919a4" providerId="LiveId" clId="{82BFAA31-791A-9843-976C-3AAFAA5AC07D}" dt="2023-03-04T15:37:06.482" v="5657" actId="478"/>
           <ac:picMkLst>
             <pc:docMk/>
-            <pc:sldMk cId="3189639985" sldId="2752"/>
-            <ac:picMk id="5" creationId="{BE72E01E-2598-0120-36F4-36F0A128ED69}"/>
+            <pc:sldMk cId="2081473989" sldId="2748"/>
+            <ac:picMk id="5" creationId="{4B5D1AA6-D397-9A79-221A-E20C2E9E5B76}"/>
           </ac:picMkLst>
         </pc:picChg>
         <pc:picChg chg="add mod">
-          <ac:chgData name="Xin Luo" userId="82312ee5779919a4" providerId="LiveId" clId="{ABECCF1F-1CAA-3A42-9710-47D9CB1C5B21}" dt="2023-08-21T07:39:33.543" v="260" actId="1076"/>
+          <ac:chgData name="Xin Luo" userId="82312ee5779919a4" providerId="LiveId" clId="{82BFAA31-791A-9843-976C-3AAFAA5AC07D}" dt="2023-03-04T15:45:05.183" v="5929" actId="1036"/>
           <ac:picMkLst>
             <pc:docMk/>
-            <pc:sldMk cId="3189639985" sldId="2752"/>
-            <ac:picMk id="7" creationId="{24022410-0AAA-D584-D160-5FF352C689F2}"/>
+            <pc:sldMk cId="2081473989" sldId="2748"/>
+            <ac:picMk id="8" creationId="{79143EB1-6171-6D6B-E065-52F98AD03CCA}"/>
           </ac:picMkLst>
         </pc:picChg>
-        <pc:picChg chg="del">
-          <ac:chgData name="Xin Luo" userId="82312ee5779919a4" providerId="LiveId" clId="{ABECCF1F-1CAA-3A42-9710-47D9CB1C5B21}" dt="2023-08-21T07:35:04.316" v="252" actId="478"/>
+        <pc:picChg chg="add del mod">
+          <ac:chgData name="Xin Luo" userId="82312ee5779919a4" providerId="LiveId" clId="{82BFAA31-791A-9843-976C-3AAFAA5AC07D}" dt="2023-03-04T15:45:07.251" v="5930" actId="478"/>
           <ac:picMkLst>
             <pc:docMk/>
-            <pc:sldMk cId="3189639985" sldId="2752"/>
-            <ac:picMk id="8" creationId="{BE0108F0-EC07-C1EA-3126-BA6F63A1A7B8}"/>
+            <pc:sldMk cId="2081473989" sldId="2748"/>
+            <ac:picMk id="10" creationId="{30790A72-1A1F-A99B-2602-70052914B570}"/>
+          </ac:picMkLst>
+        </pc:picChg>
+        <pc:picChg chg="add mod">
+          <ac:chgData name="Xin Luo" userId="82312ee5779919a4" providerId="LiveId" clId="{82BFAA31-791A-9843-976C-3AAFAA5AC07D}" dt="2023-03-04T15:45:33.555" v="5940" actId="1076"/>
+          <ac:picMkLst>
+            <pc:docMk/>
+            <pc:sldMk cId="2081473989" sldId="2748"/>
+            <ac:picMk id="12" creationId="{CD5784D5-D55B-B02C-C48B-B4566A95D7A5}"/>
+          </ac:picMkLst>
+        </pc:picChg>
+        <pc:picChg chg="add del mod">
+          <ac:chgData name="Xin Luo" userId="82312ee5779919a4" providerId="LiveId" clId="{82BFAA31-791A-9843-976C-3AAFAA5AC07D}" dt="2023-03-04T15:45:23.214" v="5937"/>
+          <ac:picMkLst>
+            <pc:docMk/>
+            <pc:sldMk cId="2081473989" sldId="2748"/>
+            <ac:picMk id="14" creationId="{5DFB8C07-8D07-8D50-004D-9E3F08E7DE84}"/>
           </ac:picMkLst>
         </pc:picChg>
       </pc:sldChg>
       <pc:sldChg chg="addSp delSp modSp add mod">
-        <pc:chgData name="Xin Luo" userId="82312ee5779919a4" providerId="LiveId" clId="{ABECCF1F-1CAA-3A42-9710-47D9CB1C5B21}" dt="2023-08-21T08:59:24.857" v="602" actId="478"/>
+        <pc:chgData name="Xin Luo" userId="82312ee5779919a4" providerId="LiveId" clId="{82BFAA31-791A-9843-976C-3AAFAA5AC07D}" dt="2023-03-04T15:48:59.888" v="6079" actId="1076"/>
         <pc:sldMkLst>
           <pc:docMk/>
-          <pc:sldMk cId="2878944048" sldId="2753"/>
+          <pc:sldMk cId="1994915307" sldId="2749"/>
         </pc:sldMkLst>
-        <pc:spChg chg="add mod">
-          <ac:chgData name="Xin Luo" userId="82312ee5779919a4" providerId="LiveId" clId="{ABECCF1F-1CAA-3A42-9710-47D9CB1C5B21}" dt="2023-08-21T08:50:36.994" v="558" actId="1035"/>
+        <pc:spChg chg="mod">
+          <ac:chgData name="Xin Luo" userId="82312ee5779919a4" providerId="LiveId" clId="{82BFAA31-791A-9843-976C-3AAFAA5AC07D}" dt="2023-03-04T15:48:51.612" v="6078" actId="20577"/>
           <ac:spMkLst>
             <pc:docMk/>
-            <pc:sldMk cId="2878944048" sldId="2753"/>
-            <ac:spMk id="4" creationId="{7C941D71-E279-B2E7-21F9-0FFA72E7FAD1}"/>
+            <pc:sldMk cId="1994915307" sldId="2749"/>
+            <ac:spMk id="17" creationId="{9E05FFCA-3371-AF5C-381D-71D984055F5A}"/>
           </ac:spMkLst>
         </pc:spChg>
-        <pc:spChg chg="add mod">
-          <ac:chgData name="Xin Luo" userId="82312ee5779919a4" providerId="LiveId" clId="{ABECCF1F-1CAA-3A42-9710-47D9CB1C5B21}" dt="2023-08-21T08:57:49.557" v="576" actId="20577"/>
-          <ac:spMkLst>
-            <pc:docMk/>
-            <pc:sldMk cId="2878944048" sldId="2753"/>
-            <ac:spMk id="5" creationId="{94F1BB64-6BD2-B2BF-B804-61A5AE170068}"/>
-          </ac:spMkLst>
-        </pc:spChg>
-        <pc:spChg chg="mod">
-          <ac:chgData name="Xin Luo" userId="82312ee5779919a4" providerId="LiveId" clId="{ABECCF1F-1CAA-3A42-9710-47D9CB1C5B21}" dt="2023-08-21T07:50:17.070" v="348" actId="20577"/>
-          <ac:spMkLst>
-            <pc:docMk/>
-            <pc:sldMk cId="2878944048" sldId="2753"/>
-            <ac:spMk id="6" creationId="{6741FEA2-C046-FD82-2800-2CB513792080}"/>
-          </ac:spMkLst>
-        </pc:spChg>
-        <pc:spChg chg="add del mod">
-          <ac:chgData name="Xin Luo" userId="82312ee5779919a4" providerId="LiveId" clId="{ABECCF1F-1CAA-3A42-9710-47D9CB1C5B21}" dt="2023-08-21T08:59:24.857" v="602" actId="478"/>
-          <ac:spMkLst>
-            <pc:docMk/>
-            <pc:sldMk cId="2878944048" sldId="2753"/>
-            <ac:spMk id="8" creationId="{A2337412-D749-2149-F722-E14B45A47143}"/>
-          </ac:spMkLst>
-        </pc:spChg>
-        <pc:spChg chg="add del mod">
-          <ac:chgData name="Xin Luo" userId="82312ee5779919a4" providerId="LiveId" clId="{ABECCF1F-1CAA-3A42-9710-47D9CB1C5B21}" dt="2023-08-21T08:59:23.825" v="601" actId="478"/>
-          <ac:spMkLst>
-            <pc:docMk/>
-            <pc:sldMk cId="2878944048" sldId="2753"/>
-            <ac:spMk id="10" creationId="{5FE06F54-CFCF-1F7B-8703-FF45449C4348}"/>
-          </ac:spMkLst>
-        </pc:spChg>
-        <pc:spChg chg="mod">
-          <ac:chgData name="Xin Luo" userId="82312ee5779919a4" providerId="LiveId" clId="{ABECCF1F-1CAA-3A42-9710-47D9CB1C5B21}" dt="2023-08-21T08:23:18.853" v="465" actId="1076"/>
-          <ac:spMkLst>
-            <pc:docMk/>
-            <pc:sldMk cId="2878944048" sldId="2753"/>
-            <ac:spMk id="11" creationId="{C402EBD9-8BC8-2A75-1218-C7F537BD4F74}"/>
-          </ac:spMkLst>
-        </pc:spChg>
-        <pc:picChg chg="del">
-          <ac:chgData name="Xin Luo" userId="82312ee5779919a4" providerId="LiveId" clId="{ABECCF1F-1CAA-3A42-9710-47D9CB1C5B21}" dt="2023-08-21T08:21:53.593" v="357" actId="478"/>
+        <pc:picChg chg="add del mod">
+          <ac:chgData name="Xin Luo" userId="82312ee5779919a4" providerId="LiveId" clId="{82BFAA31-791A-9843-976C-3AAFAA5AC07D}" dt="2023-03-04T15:38:11.661" v="5720" actId="478"/>
           <ac:picMkLst>
             <pc:docMk/>
-            <pc:sldMk cId="2878944048" sldId="2753"/>
-            <ac:picMk id="7" creationId="{24022410-0AAA-D584-D160-5FF352C689F2}"/>
+            <pc:sldMk cId="1994915307" sldId="2749"/>
+            <ac:picMk id="5" creationId="{EA1C2F80-6A2A-D60C-9FB3-F25B1C6511A4}"/>
+          </ac:picMkLst>
+        </pc:picChg>
+        <pc:picChg chg="add mod">
+          <ac:chgData name="Xin Luo" userId="82312ee5779919a4" providerId="LiveId" clId="{82BFAA31-791A-9843-976C-3AAFAA5AC07D}" dt="2023-03-04T15:48:59.888" v="6079" actId="1076"/>
+          <ac:picMkLst>
+            <pc:docMk/>
+            <pc:sldMk cId="1994915307" sldId="2749"/>
+            <ac:picMk id="7" creationId="{FBCB15A5-92D2-31A6-9C98-86B1AA96537C}"/>
+          </ac:picMkLst>
+        </pc:picChg>
+        <pc:picChg chg="add mod">
+          <ac:chgData name="Xin Luo" userId="82312ee5779919a4" providerId="LiveId" clId="{82BFAA31-791A-9843-976C-3AAFAA5AC07D}" dt="2023-03-04T15:48:59.888" v="6079" actId="1076"/>
+          <ac:picMkLst>
+            <pc:docMk/>
+            <pc:sldMk cId="1994915307" sldId="2749"/>
+            <ac:picMk id="9" creationId="{6773422F-41A1-CECC-4339-862D5F305E78}"/>
           </ac:picMkLst>
         </pc:picChg>
       </pc:sldChg>
       <pc:sldChg chg="addSp delSp modSp add mod">
-        <pc:chgData name="Xin Luo" userId="82312ee5779919a4" providerId="LiveId" clId="{ABECCF1F-1CAA-3A42-9710-47D9CB1C5B21}" dt="2023-08-21T09:09:03.859" v="781" actId="14100"/>
+        <pc:chgData name="Xin Luo" userId="82312ee5779919a4" providerId="LiveId" clId="{82BFAA31-791A-9843-976C-3AAFAA5AC07D}" dt="2023-03-04T15:43:09.927" v="5903" actId="1035"/>
         <pc:sldMkLst>
           <pc:docMk/>
-          <pc:sldMk cId="2927474256" sldId="2754"/>
+          <pc:sldMk cId="202264030" sldId="2750"/>
         </pc:sldMkLst>
-        <pc:spChg chg="del">
-          <ac:chgData name="Xin Luo" userId="82312ee5779919a4" providerId="LiveId" clId="{ABECCF1F-1CAA-3A42-9710-47D9CB1C5B21}" dt="2023-08-21T08:59:29.253" v="603" actId="478"/>
+        <pc:spChg chg="add mod">
+          <ac:chgData name="Xin Luo" userId="82312ee5779919a4" providerId="LiveId" clId="{82BFAA31-791A-9843-976C-3AAFAA5AC07D}" dt="2023-03-04T15:43:09.927" v="5903" actId="1035"/>
           <ac:spMkLst>
             <pc:docMk/>
-            <pc:sldMk cId="2927474256" sldId="2754"/>
-            <ac:spMk id="4" creationId="{7C941D71-E279-B2E7-21F9-0FFA72E7FAD1}"/>
-          </ac:spMkLst>
-        </pc:spChg>
-        <pc:spChg chg="del">
-          <ac:chgData name="Xin Luo" userId="82312ee5779919a4" providerId="LiveId" clId="{ABECCF1F-1CAA-3A42-9710-47D9CB1C5B21}" dt="2023-08-21T08:59:29.253" v="603" actId="478"/>
-          <ac:spMkLst>
-            <pc:docMk/>
-            <pc:sldMk cId="2927474256" sldId="2754"/>
-            <ac:spMk id="5" creationId="{94F1BB64-6BD2-B2BF-B804-61A5AE170068}"/>
-          </ac:spMkLst>
-        </pc:spChg>
-        <pc:spChg chg="del">
-          <ac:chgData name="Xin Luo" userId="82312ee5779919a4" providerId="LiveId" clId="{ABECCF1F-1CAA-3A42-9710-47D9CB1C5B21}" dt="2023-08-21T08:59:29.253" v="603" actId="478"/>
-          <ac:spMkLst>
-            <pc:docMk/>
-            <pc:sldMk cId="2927474256" sldId="2754"/>
-            <ac:spMk id="6" creationId="{6741FEA2-C046-FD82-2800-2CB513792080}"/>
+            <pc:sldMk cId="202264030" sldId="2750"/>
+            <ac:spMk id="9" creationId="{D732F9A9-4A61-8CFE-4FB6-79B6EB588A79}"/>
           </ac:spMkLst>
         </pc:spChg>
         <pc:spChg chg="mod">
-          <ac:chgData name="Xin Luo" userId="82312ee5779919a4" providerId="LiveId" clId="{ABECCF1F-1CAA-3A42-9710-47D9CB1C5B21}" dt="2023-08-21T09:08:39.577" v="757" actId="1035"/>
+          <ac:chgData name="Xin Luo" userId="82312ee5779919a4" providerId="LiveId" clId="{82BFAA31-791A-9843-976C-3AAFAA5AC07D}" dt="2023-03-04T15:40:49.611" v="5818" actId="14100"/>
           <ac:spMkLst>
             <pc:docMk/>
-            <pc:sldMk cId="2927474256" sldId="2754"/>
-            <ac:spMk id="8" creationId="{A2337412-D749-2149-F722-E14B45A47143}"/>
+            <pc:sldMk cId="202264030" sldId="2750"/>
+            <ac:spMk id="17" creationId="{9E05FFCA-3371-AF5C-381D-71D984055F5A}"/>
+          </ac:spMkLst>
+        </pc:spChg>
+        <pc:picChg chg="add mod">
+          <ac:chgData name="Xin Luo" userId="82312ee5779919a4" providerId="LiveId" clId="{82BFAA31-791A-9843-976C-3AAFAA5AC07D}" dt="2023-03-04T15:43:09.927" v="5903" actId="1035"/>
+          <ac:picMkLst>
+            <pc:docMk/>
+            <pc:sldMk cId="202264030" sldId="2750"/>
+            <ac:picMk id="5" creationId="{9BBBBD8B-688B-710D-3D8D-BFDFD56DB232}"/>
+          </ac:picMkLst>
+        </pc:picChg>
+        <pc:picChg chg="del">
+          <ac:chgData name="Xin Luo" userId="82312ee5779919a4" providerId="LiveId" clId="{82BFAA31-791A-9843-976C-3AAFAA5AC07D}" dt="2023-03-04T15:38:51.044" v="5743" actId="478"/>
+          <ac:picMkLst>
+            <pc:docMk/>
+            <pc:sldMk cId="202264030" sldId="2750"/>
+            <ac:picMk id="7" creationId="{FBCB15A5-92D2-31A6-9C98-86B1AA96537C}"/>
+          </ac:picMkLst>
+        </pc:picChg>
+        <pc:picChg chg="add mod">
+          <ac:chgData name="Xin Luo" userId="82312ee5779919a4" providerId="LiveId" clId="{82BFAA31-791A-9843-976C-3AAFAA5AC07D}" dt="2023-03-04T15:43:09.927" v="5903" actId="1035"/>
+          <ac:picMkLst>
+            <pc:docMk/>
+            <pc:sldMk cId="202264030" sldId="2750"/>
+            <ac:picMk id="8" creationId="{B765428C-F39A-9703-24D3-B125CFA04483}"/>
+          </ac:picMkLst>
+        </pc:picChg>
+      </pc:sldChg>
+      <pc:sldChg chg="add del">
+        <pc:chgData name="Xin Luo" userId="82312ee5779919a4" providerId="LiveId" clId="{82BFAA31-791A-9843-976C-3AAFAA5AC07D}" dt="2023-03-04T15:46:42.673" v="5956" actId="2696"/>
+        <pc:sldMkLst>
+          <pc:docMk/>
+          <pc:sldMk cId="1628918360" sldId="2751"/>
+        </pc:sldMkLst>
+      </pc:sldChg>
+    </pc:docChg>
+  </pc:docChgLst>
+  <pc:docChgLst>
+    <pc:chgData name="Xin Luo" userId="82312ee5779919a4" providerId="LiveId" clId="{23920C8D-EBCE-A347-9C82-C14316D20539}"/>
+    <pc:docChg chg="undo custSel addSld modSld">
+      <pc:chgData name="Xin Luo" userId="82312ee5779919a4" providerId="LiveId" clId="{23920C8D-EBCE-A347-9C82-C14316D20539}" dt="2022-10-26T12:19:06.428" v="501" actId="767"/>
+      <pc:docMkLst>
+        <pc:docMk/>
+      </pc:docMkLst>
+      <pc:sldChg chg="modSp mod">
+        <pc:chgData name="Xin Luo" userId="82312ee5779919a4" providerId="LiveId" clId="{23920C8D-EBCE-A347-9C82-C14316D20539}" dt="2022-10-10T01:06:29.261" v="368" actId="404"/>
+        <pc:sldMkLst>
+          <pc:docMk/>
+          <pc:sldMk cId="1576120367" sldId="2387"/>
+        </pc:sldMkLst>
+        <pc:spChg chg="mod">
+          <ac:chgData name="Xin Luo" userId="82312ee5779919a4" providerId="LiveId" clId="{23920C8D-EBCE-A347-9C82-C14316D20539}" dt="2022-10-10T01:06:29.261" v="368" actId="404"/>
+          <ac:spMkLst>
+            <pc:docMk/>
+            <pc:sldMk cId="1576120367" sldId="2387"/>
+            <ac:spMk id="10" creationId="{00000000-0000-0000-0000-000000000000}"/>
           </ac:spMkLst>
         </pc:spChg>
         <pc:spChg chg="mod">
-          <ac:chgData name="Xin Luo" userId="82312ee5779919a4" providerId="LiveId" clId="{ABECCF1F-1CAA-3A42-9710-47D9CB1C5B21}" dt="2023-08-21T09:08:39.577" v="757" actId="1035"/>
+          <ac:chgData name="Xin Luo" userId="82312ee5779919a4" providerId="LiveId" clId="{23920C8D-EBCE-A347-9C82-C14316D20539}" dt="2022-10-10T01:06:13.262" v="366" actId="403"/>
           <ac:spMkLst>
             <pc:docMk/>
-            <pc:sldMk cId="2927474256" sldId="2754"/>
-            <ac:spMk id="10" creationId="{5FE06F54-CFCF-1F7B-8703-FF45449C4348}"/>
+            <pc:sldMk cId="1576120367" sldId="2387"/>
+            <ac:spMk id="12" creationId="{00000000-0000-0000-0000-000000000000}"/>
           </ac:spMkLst>
         </pc:spChg>
-        <pc:spChg chg="del">
-          <ac:chgData name="Xin Luo" userId="82312ee5779919a4" providerId="LiveId" clId="{ABECCF1F-1CAA-3A42-9710-47D9CB1C5B21}" dt="2023-08-21T08:59:29.253" v="603" actId="478"/>
+        <pc:spChg chg="mod">
+          <ac:chgData name="Xin Luo" userId="82312ee5779919a4" providerId="LiveId" clId="{23920C8D-EBCE-A347-9C82-C14316D20539}" dt="2022-10-10T01:06:29.261" v="368" actId="404"/>
           <ac:spMkLst>
             <pc:docMk/>
-            <pc:sldMk cId="2927474256" sldId="2754"/>
-            <ac:spMk id="11" creationId="{C402EBD9-8BC8-2A75-1218-C7F537BD4F74}"/>
+            <pc:sldMk cId="1576120367" sldId="2387"/>
+            <ac:spMk id="13" creationId="{00000000-0000-0000-0000-000000000000}"/>
+          </ac:spMkLst>
+        </pc:spChg>
+        <pc:spChg chg="mod">
+          <ac:chgData name="Xin Luo" userId="82312ee5779919a4" providerId="LiveId" clId="{23920C8D-EBCE-A347-9C82-C14316D20539}" dt="2022-10-10T01:06:13.262" v="366" actId="403"/>
+          <ac:spMkLst>
+            <pc:docMk/>
+            <pc:sldMk cId="1576120367" sldId="2387"/>
+            <ac:spMk id="14" creationId="{00000000-0000-0000-0000-000000000000}"/>
+          </ac:spMkLst>
+        </pc:spChg>
+        <pc:spChg chg="mod">
+          <ac:chgData name="Xin Luo" userId="82312ee5779919a4" providerId="LiveId" clId="{23920C8D-EBCE-A347-9C82-C14316D20539}" dt="2022-10-10T01:06:29.261" v="368" actId="404"/>
+          <ac:spMkLst>
+            <pc:docMk/>
+            <pc:sldMk cId="1576120367" sldId="2387"/>
+            <ac:spMk id="15" creationId="{00000000-0000-0000-0000-000000000000}"/>
+          </ac:spMkLst>
+        </pc:spChg>
+        <pc:spChg chg="mod">
+          <ac:chgData name="Xin Luo" userId="82312ee5779919a4" providerId="LiveId" clId="{23920C8D-EBCE-A347-9C82-C14316D20539}" dt="2022-10-10T01:06:19.369" v="367" actId="14100"/>
+          <ac:spMkLst>
+            <pc:docMk/>
+            <pc:sldMk cId="1576120367" sldId="2387"/>
+            <ac:spMk id="16" creationId="{00000000-0000-0000-0000-000000000000}"/>
+          </ac:spMkLst>
+        </pc:spChg>
+      </pc:sldChg>
+      <pc:sldChg chg="modSp mod">
+        <pc:chgData name="Xin Luo" userId="82312ee5779919a4" providerId="LiveId" clId="{23920C8D-EBCE-A347-9C82-C14316D20539}" dt="2022-10-10T01:06:39.449" v="369" actId="403"/>
+        <pc:sldMkLst>
+          <pc:docMk/>
+          <pc:sldMk cId="2415901206" sldId="2447"/>
+        </pc:sldMkLst>
+        <pc:spChg chg="mod">
+          <ac:chgData name="Xin Luo" userId="82312ee5779919a4" providerId="LiveId" clId="{23920C8D-EBCE-A347-9C82-C14316D20539}" dt="2022-10-10T01:06:39.449" v="369" actId="403"/>
+          <ac:spMkLst>
+            <pc:docMk/>
+            <pc:sldMk cId="2415901206" sldId="2447"/>
+            <ac:spMk id="7" creationId="{00000000-0000-0000-0000-000000000000}"/>
+          </ac:spMkLst>
+        </pc:spChg>
+      </pc:sldChg>
+      <pc:sldChg chg="addSp delSp modSp mod">
+        <pc:chgData name="Xin Luo" userId="82312ee5779919a4" providerId="LiveId" clId="{23920C8D-EBCE-A347-9C82-C14316D20539}" dt="2022-10-26T11:18:20.490" v="500"/>
+        <pc:sldMkLst>
+          <pc:docMk/>
+          <pc:sldMk cId="2689840772" sldId="2604"/>
+        </pc:sldMkLst>
+        <pc:spChg chg="mod">
+          <ac:chgData name="Xin Luo" userId="82312ee5779919a4" providerId="LiveId" clId="{23920C8D-EBCE-A347-9C82-C14316D20539}" dt="2022-10-26T11:18:14.630" v="497" actId="1038"/>
+          <ac:spMkLst>
+            <pc:docMk/>
+            <pc:sldMk cId="2689840772" sldId="2604"/>
+            <ac:spMk id="2" creationId="{DB381E7B-A050-4BE4-6756-9B64308C74D7}"/>
+          </ac:spMkLst>
+        </pc:spChg>
+        <pc:spChg chg="del mod">
+          <ac:chgData name="Xin Luo" userId="82312ee5779919a4" providerId="LiveId" clId="{23920C8D-EBCE-A347-9C82-C14316D20539}" dt="2022-10-10T00:58:26.498" v="9" actId="478"/>
+          <ac:spMkLst>
+            <pc:docMk/>
+            <pc:sldMk cId="2689840772" sldId="2604"/>
+            <ac:spMk id="3" creationId="{00000000-0000-0000-0000-000000000000}"/>
+          </ac:spMkLst>
+        </pc:spChg>
+        <pc:spChg chg="add del mod">
+          <ac:chgData name="Xin Luo" userId="82312ee5779919a4" providerId="LiveId" clId="{23920C8D-EBCE-A347-9C82-C14316D20539}" dt="2022-10-26T11:18:20.490" v="500"/>
+          <ac:spMkLst>
+            <pc:docMk/>
+            <pc:sldMk cId="2689840772" sldId="2604"/>
+            <ac:spMk id="3" creationId="{0AC6D251-AEF6-35BE-71D5-DE25EAD72977}"/>
           </ac:spMkLst>
         </pc:spChg>
         <pc:spChg chg="add mod">
-          <ac:chgData name="Xin Luo" userId="82312ee5779919a4" providerId="LiveId" clId="{ABECCF1F-1CAA-3A42-9710-47D9CB1C5B21}" dt="2023-08-21T09:08:39.577" v="757" actId="1035"/>
+          <ac:chgData name="Xin Luo" userId="82312ee5779919a4" providerId="LiveId" clId="{23920C8D-EBCE-A347-9C82-C14316D20539}" dt="2022-10-10T01:03:50.909" v="356" actId="20577"/>
           <ac:spMkLst>
             <pc:docMk/>
-            <pc:sldMk cId="2927474256" sldId="2754"/>
-            <ac:spMk id="16" creationId="{2EA13607-3EE9-0EBE-2310-AB66CADD8400}"/>
+            <pc:sldMk cId="2689840772" sldId="2604"/>
+            <ac:spMk id="4" creationId="{5B949F23-92C2-3ACE-AE9A-58F8C8D7AB52}"/>
           </ac:spMkLst>
         </pc:spChg>
-        <pc:spChg chg="add mod">
-          <ac:chgData name="Xin Luo" userId="82312ee5779919a4" providerId="LiveId" clId="{ABECCF1F-1CAA-3A42-9710-47D9CB1C5B21}" dt="2023-08-21T09:08:39.577" v="757" actId="1035"/>
-          <ac:spMkLst>
-            <pc:docMk/>
-            <pc:sldMk cId="2927474256" sldId="2754"/>
-            <ac:spMk id="17" creationId="{8CFF8A22-C033-47DF-8707-CA76F142CBBA}"/>
-          </ac:spMkLst>
-        </pc:spChg>
-        <pc:spChg chg="add mod">
-          <ac:chgData name="Xin Luo" userId="82312ee5779919a4" providerId="LiveId" clId="{ABECCF1F-1CAA-3A42-9710-47D9CB1C5B21}" dt="2023-08-21T09:09:03.859" v="781" actId="14100"/>
-          <ac:spMkLst>
-            <pc:docMk/>
-            <pc:sldMk cId="2927474256" sldId="2754"/>
-            <ac:spMk id="19" creationId="{F1F8BC3A-2851-66F8-445F-CC5C10AB9E4F}"/>
-          </ac:spMkLst>
-        </pc:spChg>
-        <pc:grpChg chg="add mod">
-          <ac:chgData name="Xin Luo" userId="82312ee5779919a4" providerId="LiveId" clId="{ABECCF1F-1CAA-3A42-9710-47D9CB1C5B21}" dt="2023-08-21T09:08:55.770" v="774" actId="1036"/>
-          <ac:grpSpMkLst>
-            <pc:docMk/>
-            <pc:sldMk cId="2927474256" sldId="2754"/>
-            <ac:grpSpMk id="20" creationId="{8AA7B3E2-1D42-96C9-43F0-1F320D3EFD63}"/>
-          </ac:grpSpMkLst>
-        </pc:grpChg>
-        <pc:picChg chg="add mod modCrop">
-          <ac:chgData name="Xin Luo" userId="82312ee5779919a4" providerId="LiveId" clId="{ABECCF1F-1CAA-3A42-9710-47D9CB1C5B21}" dt="2023-08-21T09:08:55.770" v="774" actId="1036"/>
-          <ac:picMkLst>
-            <pc:docMk/>
-            <pc:sldMk cId="2927474256" sldId="2754"/>
-            <ac:picMk id="9" creationId="{0CF46726-2B51-43A4-FDEF-A6131C46F05F}"/>
-          </ac:picMkLst>
-        </pc:picChg>
-        <pc:picChg chg="add del mod">
-          <ac:chgData name="Xin Luo" userId="82312ee5779919a4" providerId="LiveId" clId="{ABECCF1F-1CAA-3A42-9710-47D9CB1C5B21}" dt="2023-08-21T09:04:37.137" v="680" actId="478"/>
-          <ac:picMkLst>
-            <pc:docMk/>
-            <pc:sldMk cId="2927474256" sldId="2754"/>
-            <ac:picMk id="13" creationId="{2C310207-BBE2-954A-9122-8957AF07383A}"/>
-          </ac:picMkLst>
-        </pc:picChg>
-        <pc:picChg chg="add mod modCrop">
-          <ac:chgData name="Xin Luo" userId="82312ee5779919a4" providerId="LiveId" clId="{ABECCF1F-1CAA-3A42-9710-47D9CB1C5B21}" dt="2023-08-21T09:08:39.577" v="757" actId="1035"/>
-          <ac:picMkLst>
-            <pc:docMk/>
-            <pc:sldMk cId="2927474256" sldId="2754"/>
-            <ac:picMk id="15" creationId="{639D3A36-F4F5-4F0C-7519-97D401E3DE91}"/>
-          </ac:picMkLst>
-        </pc:picChg>
       </pc:sldChg>
-      <pc:sldChg chg="delSp modSp add mod">
-        <pc:chgData name="Xin Luo" userId="82312ee5779919a4" providerId="LiveId" clId="{ABECCF1F-1CAA-3A42-9710-47D9CB1C5B21}" dt="2023-08-21T09:31:16.266" v="879" actId="20577"/>
+      <pc:sldChg chg="modSp mod">
+        <pc:chgData name="Xin Luo" userId="82312ee5779919a4" providerId="LiveId" clId="{23920C8D-EBCE-A347-9C82-C14316D20539}" dt="2022-10-25T11:53:23.523" v="402" actId="207"/>
         <pc:sldMkLst>
           <pc:docMk/>
-          <pc:sldMk cId="3593416967" sldId="2755"/>
+          <pc:sldMk cId="1392274363" sldId="2606"/>
         </pc:sldMkLst>
         <pc:spChg chg="mod">
-          <ac:chgData name="Xin Luo" userId="82312ee5779919a4" providerId="LiveId" clId="{ABECCF1F-1CAA-3A42-9710-47D9CB1C5B21}" dt="2023-08-21T09:31:03.242" v="873" actId="20577"/>
+          <ac:chgData name="Xin Luo" userId="82312ee5779919a4" providerId="LiveId" clId="{23920C8D-EBCE-A347-9C82-C14316D20539}" dt="2022-10-10T01:08:08.448" v="392" actId="20577"/>
           <ac:spMkLst>
             <pc:docMk/>
-            <pc:sldMk cId="3593416967" sldId="2755"/>
-            <ac:spMk id="8" creationId="{A2337412-D749-2149-F722-E14B45A47143}"/>
+            <pc:sldMk cId="1392274363" sldId="2606"/>
+            <ac:spMk id="35" creationId="{2CBBD54C-A0C4-CFAB-2A67-F8BF299D28F5}"/>
           </ac:spMkLst>
         </pc:spChg>
         <pc:spChg chg="mod">
-          <ac:chgData name="Xin Luo" userId="82312ee5779919a4" providerId="LiveId" clId="{ABECCF1F-1CAA-3A42-9710-47D9CB1C5B21}" dt="2023-08-21T09:31:16.266" v="879" actId="20577"/>
+          <ac:chgData name="Xin Luo" userId="82312ee5779919a4" providerId="LiveId" clId="{23920C8D-EBCE-A347-9C82-C14316D20539}" dt="2022-10-25T11:53:23.523" v="402" actId="207"/>
           <ac:spMkLst>
             <pc:docMk/>
-            <pc:sldMk cId="3593416967" sldId="2755"/>
-            <ac:spMk id="10" creationId="{5FE06F54-CFCF-1F7B-8703-FF45449C4348}"/>
+            <pc:sldMk cId="1392274363" sldId="2606"/>
+            <ac:spMk id="42" creationId="{E4B07DDE-AB89-2B16-6B7A-2142621DE6F5}"/>
           </ac:spMkLst>
         </pc:spChg>
-        <pc:grpChg chg="del">
-          <ac:chgData name="Xin Luo" userId="82312ee5779919a4" providerId="LiveId" clId="{ABECCF1F-1CAA-3A42-9710-47D9CB1C5B21}" dt="2023-08-21T09:31:06.835" v="875" actId="478"/>
-          <ac:grpSpMkLst>
-            <pc:docMk/>
-            <pc:sldMk cId="3593416967" sldId="2755"/>
-            <ac:grpSpMk id="20" creationId="{8AA7B3E2-1D42-96C9-43F0-1F320D3EFD63}"/>
-          </ac:grpSpMkLst>
-        </pc:grpChg>
-        <pc:picChg chg="del">
-          <ac:chgData name="Xin Luo" userId="82312ee5779919a4" providerId="LiveId" clId="{ABECCF1F-1CAA-3A42-9710-47D9CB1C5B21}" dt="2023-08-21T09:31:06.186" v="874" actId="478"/>
+      </pc:sldChg>
+      <pc:sldChg chg="modSp mod">
+        <pc:chgData name="Xin Luo" userId="82312ee5779919a4" providerId="LiveId" clId="{23920C8D-EBCE-A347-9C82-C14316D20539}" dt="2022-10-25T12:03:26.240" v="414" actId="14100"/>
+        <pc:sldMkLst>
+          <pc:docMk/>
+          <pc:sldMk cId="292605530" sldId="2607"/>
+        </pc:sldMkLst>
+        <pc:spChg chg="mod">
+          <ac:chgData name="Xin Luo" userId="82312ee5779919a4" providerId="LiveId" clId="{23920C8D-EBCE-A347-9C82-C14316D20539}" dt="2022-10-25T12:03:26.240" v="414" actId="14100"/>
+          <ac:spMkLst>
+            <pc:docMk/>
+            <pc:sldMk cId="292605530" sldId="2607"/>
+            <ac:spMk id="18" creationId="{8399C9E7-13B6-1DAF-F5BF-4471E8528C5F}"/>
+          </ac:spMkLst>
+        </pc:spChg>
+      </pc:sldChg>
+      <pc:sldChg chg="modSp mod">
+        <pc:chgData name="Xin Luo" userId="82312ee5779919a4" providerId="LiveId" clId="{23920C8D-EBCE-A347-9C82-C14316D20539}" dt="2022-10-25T12:09:03.730" v="478" actId="1036"/>
+        <pc:sldMkLst>
+          <pc:docMk/>
+          <pc:sldMk cId="2780969545" sldId="2609"/>
+        </pc:sldMkLst>
+        <pc:spChg chg="mod">
+          <ac:chgData name="Xin Luo" userId="82312ee5779919a4" providerId="LiveId" clId="{23920C8D-EBCE-A347-9C82-C14316D20539}" dt="2022-10-25T12:08:56.496" v="469" actId="115"/>
+          <ac:spMkLst>
+            <pc:docMk/>
+            <pc:sldMk cId="2780969545" sldId="2609"/>
+            <ac:spMk id="6" creationId="{2D1A6305-FF43-CF53-224A-B6D4901EAB0F}"/>
+          </ac:spMkLst>
+        </pc:spChg>
+        <pc:spChg chg="mod">
+          <ac:chgData name="Xin Luo" userId="82312ee5779919a4" providerId="LiveId" clId="{23920C8D-EBCE-A347-9C82-C14316D20539}" dt="2022-10-25T12:09:03.730" v="478" actId="1036"/>
+          <ac:spMkLst>
+            <pc:docMk/>
+            <pc:sldMk cId="2780969545" sldId="2609"/>
+            <ac:spMk id="11" creationId="{63EAC848-88D2-7A10-E878-444ADA855E23}"/>
+          </ac:spMkLst>
+        </pc:spChg>
+        <pc:spChg chg="mod">
+          <ac:chgData name="Xin Luo" userId="82312ee5779919a4" providerId="LiveId" clId="{23920C8D-EBCE-A347-9C82-C14316D20539}" dt="2022-10-25T12:09:03.730" v="478" actId="1036"/>
+          <ac:spMkLst>
+            <pc:docMk/>
+            <pc:sldMk cId="2780969545" sldId="2609"/>
+            <ac:spMk id="12" creationId="{BED7A820-9D6E-7E7E-A906-8A9424528316}"/>
+          </ac:spMkLst>
+        </pc:spChg>
+        <pc:spChg chg="mod">
+          <ac:chgData name="Xin Luo" userId="82312ee5779919a4" providerId="LiveId" clId="{23920C8D-EBCE-A347-9C82-C14316D20539}" dt="2022-10-25T12:09:03.730" v="478" actId="1036"/>
+          <ac:spMkLst>
+            <pc:docMk/>
+            <pc:sldMk cId="2780969545" sldId="2609"/>
+            <ac:spMk id="20" creationId="{87EC125B-CB98-6914-1633-6697471A2CB4}"/>
+          </ac:spMkLst>
+        </pc:spChg>
+        <pc:spChg chg="mod">
+          <ac:chgData name="Xin Luo" userId="82312ee5779919a4" providerId="LiveId" clId="{23920C8D-EBCE-A347-9C82-C14316D20539}" dt="2022-10-25T12:09:03.730" v="478" actId="1036"/>
+          <ac:spMkLst>
+            <pc:docMk/>
+            <pc:sldMk cId="2780969545" sldId="2609"/>
+            <ac:spMk id="21" creationId="{0AF67847-7DEF-CDAB-6208-0271BFB4FB06}"/>
+          </ac:spMkLst>
+        </pc:spChg>
+        <pc:spChg chg="mod">
+          <ac:chgData name="Xin Luo" userId="82312ee5779919a4" providerId="LiveId" clId="{23920C8D-EBCE-A347-9C82-C14316D20539}" dt="2022-10-25T12:09:03.730" v="478" actId="1036"/>
+          <ac:spMkLst>
+            <pc:docMk/>
+            <pc:sldMk cId="2780969545" sldId="2609"/>
+            <ac:spMk id="23" creationId="{0011846D-F543-398E-85CB-0AB0A842928A}"/>
+          </ac:spMkLst>
+        </pc:spChg>
+        <pc:spChg chg="mod">
+          <ac:chgData name="Xin Luo" userId="82312ee5779919a4" providerId="LiveId" clId="{23920C8D-EBCE-A347-9C82-C14316D20539}" dt="2022-10-25T12:09:03.730" v="478" actId="1036"/>
+          <ac:spMkLst>
+            <pc:docMk/>
+            <pc:sldMk cId="2780969545" sldId="2609"/>
+            <ac:spMk id="24" creationId="{37B5D87E-7419-7CC0-91CC-8A0807F0F999}"/>
+          </ac:spMkLst>
+        </pc:spChg>
+        <pc:spChg chg="mod">
+          <ac:chgData name="Xin Luo" userId="82312ee5779919a4" providerId="LiveId" clId="{23920C8D-EBCE-A347-9C82-C14316D20539}" dt="2022-10-25T12:09:03.730" v="478" actId="1036"/>
+          <ac:spMkLst>
+            <pc:docMk/>
+            <pc:sldMk cId="2780969545" sldId="2609"/>
+            <ac:spMk id="25" creationId="{4745244D-B431-F067-4A97-7CC4387296FB}"/>
+          </ac:spMkLst>
+        </pc:spChg>
+        <pc:spChg chg="mod">
+          <ac:chgData name="Xin Luo" userId="82312ee5779919a4" providerId="LiveId" clId="{23920C8D-EBCE-A347-9C82-C14316D20539}" dt="2022-10-25T12:09:03.730" v="478" actId="1036"/>
+          <ac:spMkLst>
+            <pc:docMk/>
+            <pc:sldMk cId="2780969545" sldId="2609"/>
+            <ac:spMk id="26" creationId="{FB9C53DE-8D1F-6DF4-8CE3-3A262A9F8737}"/>
+          </ac:spMkLst>
+        </pc:spChg>
+        <pc:picChg chg="mod">
+          <ac:chgData name="Xin Luo" userId="82312ee5779919a4" providerId="LiveId" clId="{23920C8D-EBCE-A347-9C82-C14316D20539}" dt="2022-10-25T12:09:03.730" v="478" actId="1036"/>
           <ac:picMkLst>
             <pc:docMk/>
-            <pc:sldMk cId="3593416967" sldId="2755"/>
-            <ac:picMk id="9" creationId="{0CF46726-2B51-43A4-FDEF-A6131C46F05F}"/>
+            <pc:sldMk cId="2780969545" sldId="2609"/>
+            <ac:picMk id="4" creationId="{49B7ACC6-6794-9162-52B2-E80F7E4B0442}"/>
           </ac:picMkLst>
         </pc:picChg>
+        <pc:picChg chg="mod">
+          <ac:chgData name="Xin Luo" userId="82312ee5779919a4" providerId="LiveId" clId="{23920C8D-EBCE-A347-9C82-C14316D20539}" dt="2022-10-25T12:09:03.730" v="478" actId="1036"/>
+          <ac:picMkLst>
+            <pc:docMk/>
+            <pc:sldMk cId="2780969545" sldId="2609"/>
+            <ac:picMk id="7" creationId="{42FD45A0-A9EA-D518-41B5-21FA7A24BA60}"/>
+          </ac:picMkLst>
+        </pc:picChg>
+        <pc:picChg chg="mod">
+          <ac:chgData name="Xin Luo" userId="82312ee5779919a4" providerId="LiveId" clId="{23920C8D-EBCE-A347-9C82-C14316D20539}" dt="2022-10-25T12:09:03.730" v="478" actId="1036"/>
+          <ac:picMkLst>
+            <pc:docMk/>
+            <pc:sldMk cId="2780969545" sldId="2609"/>
+            <ac:picMk id="10" creationId="{C2B12388-3179-41F8-2462-0C9BA14093FF}"/>
+          </ac:picMkLst>
+        </pc:picChg>
+        <pc:picChg chg="mod">
+          <ac:chgData name="Xin Luo" userId="82312ee5779919a4" providerId="LiveId" clId="{23920C8D-EBCE-A347-9C82-C14316D20539}" dt="2022-10-25T12:09:03.730" v="478" actId="1036"/>
+          <ac:picMkLst>
+            <pc:docMk/>
+            <pc:sldMk cId="2780969545" sldId="2609"/>
+            <ac:picMk id="7170" creationId="{A3C33C8C-6841-03A7-574F-E161D6BA2409}"/>
+          </ac:picMkLst>
+        </pc:picChg>
+        <pc:cxnChg chg="mod">
+          <ac:chgData name="Xin Luo" userId="82312ee5779919a4" providerId="LiveId" clId="{23920C8D-EBCE-A347-9C82-C14316D20539}" dt="2022-10-25T12:09:03.730" v="478" actId="1036"/>
+          <ac:cxnSpMkLst>
+            <pc:docMk/>
+            <pc:sldMk cId="2780969545" sldId="2609"/>
+            <ac:cxnSpMk id="9" creationId="{FD972B84-6C44-171E-8256-D2A04F01B0C9}"/>
+          </ac:cxnSpMkLst>
+        </pc:cxnChg>
+        <pc:cxnChg chg="mod">
+          <ac:chgData name="Xin Luo" userId="82312ee5779919a4" providerId="LiveId" clId="{23920C8D-EBCE-A347-9C82-C14316D20539}" dt="2022-10-25T12:09:03.730" v="478" actId="1036"/>
+          <ac:cxnSpMkLst>
+            <pc:docMk/>
+            <pc:sldMk cId="2780969545" sldId="2609"/>
+            <ac:cxnSpMk id="16" creationId="{612BCBDC-DECE-5090-7C5B-6492FF4CE722}"/>
+          </ac:cxnSpMkLst>
+        </pc:cxnChg>
+        <pc:cxnChg chg="mod">
+          <ac:chgData name="Xin Luo" userId="82312ee5779919a4" providerId="LiveId" clId="{23920C8D-EBCE-A347-9C82-C14316D20539}" dt="2022-10-25T12:09:03.730" v="478" actId="1036"/>
+          <ac:cxnSpMkLst>
+            <pc:docMk/>
+            <pc:sldMk cId="2780969545" sldId="2609"/>
+            <ac:cxnSpMk id="17" creationId="{AF045F09-2718-C456-D477-E816A43885FF}"/>
+          </ac:cxnSpMkLst>
+        </pc:cxnChg>
+        <pc:cxnChg chg="mod">
+          <ac:chgData name="Xin Luo" userId="82312ee5779919a4" providerId="LiveId" clId="{23920C8D-EBCE-A347-9C82-C14316D20539}" dt="2022-10-25T12:09:03.730" v="478" actId="1036"/>
+          <ac:cxnSpMkLst>
+            <pc:docMk/>
+            <pc:sldMk cId="2780969545" sldId="2609"/>
+            <ac:cxnSpMk id="28" creationId="{6C11ADF7-6234-2989-2798-F5AAD5EDE3BF}"/>
+          </ac:cxnSpMkLst>
+        </pc:cxnChg>
+      </pc:sldChg>
+      <pc:sldChg chg="modSp mod">
+        <pc:chgData name="Xin Luo" userId="82312ee5779919a4" providerId="LiveId" clId="{23920C8D-EBCE-A347-9C82-C14316D20539}" dt="2022-10-26T02:56:58.658" v="480" actId="207"/>
+        <pc:sldMkLst>
+          <pc:docMk/>
+          <pc:sldMk cId="63705705" sldId="2612"/>
+        </pc:sldMkLst>
+        <pc:spChg chg="mod">
+          <ac:chgData name="Xin Luo" userId="82312ee5779919a4" providerId="LiveId" clId="{23920C8D-EBCE-A347-9C82-C14316D20539}" dt="2022-10-26T02:56:58.658" v="480" actId="207"/>
+          <ac:spMkLst>
+            <pc:docMk/>
+            <pc:sldMk cId="63705705" sldId="2612"/>
+            <ac:spMk id="63" creationId="{6400CC45-5050-7ACD-CE08-CC6D7000A1DA}"/>
+          </ac:spMkLst>
+        </pc:spChg>
+      </pc:sldChg>
+      <pc:sldChg chg="addSp modSp">
+        <pc:chgData name="Xin Luo" userId="82312ee5779919a4" providerId="LiveId" clId="{23920C8D-EBCE-A347-9C82-C14316D20539}" dt="2022-10-26T12:19:06.428" v="501" actId="767"/>
+        <pc:sldMkLst>
+          <pc:docMk/>
+          <pc:sldMk cId="963926578" sldId="2613"/>
+        </pc:sldMkLst>
+        <pc:spChg chg="add mod">
+          <ac:chgData name="Xin Luo" userId="82312ee5779919a4" providerId="LiveId" clId="{23920C8D-EBCE-A347-9C82-C14316D20539}" dt="2022-10-26T12:19:06.428" v="501" actId="767"/>
+          <ac:spMkLst>
+            <pc:docMk/>
+            <pc:sldMk cId="963926578" sldId="2613"/>
+            <ac:spMk id="2" creationId="{5F7683B3-77E0-69A9-94AE-FF04E7249325}"/>
+          </ac:spMkLst>
+        </pc:spChg>
+      </pc:sldChg>
+      <pc:sldChg chg="modSp add mod">
+        <pc:chgData name="Xin Luo" userId="82312ee5779919a4" providerId="LiveId" clId="{23920C8D-EBCE-A347-9C82-C14316D20539}" dt="2022-10-10T01:06:02.902" v="365" actId="403"/>
+        <pc:sldMkLst>
+          <pc:docMk/>
+          <pc:sldMk cId="2358282757" sldId="2714"/>
+        </pc:sldMkLst>
+        <pc:spChg chg="mod">
+          <ac:chgData name="Xin Luo" userId="82312ee5779919a4" providerId="LiveId" clId="{23920C8D-EBCE-A347-9C82-C14316D20539}" dt="2022-10-10T01:06:02.902" v="365" actId="403"/>
+          <ac:spMkLst>
+            <pc:docMk/>
+            <pc:sldMk cId="2358282757" sldId="2714"/>
+            <ac:spMk id="2" creationId="{DB381E7B-A050-4BE4-6756-9B64308C74D7}"/>
+          </ac:spMkLst>
+        </pc:spChg>
       </pc:sldChg>
     </pc:docChg>
   </pc:docChgLst>
@@ -5211,772 +5951,32 @@
     </pc:docChg>
   </pc:docChgLst>
   <pc:docChgLst>
-    <pc:chgData name="Xin Luo" userId="82312ee5779919a4" providerId="LiveId" clId="{82BFAA31-791A-9843-976C-3AAFAA5AC07D}"/>
-    <pc:docChg chg="undo custSel addSld delSld modSld">
-      <pc:chgData name="Xin Luo" userId="82312ee5779919a4" providerId="LiveId" clId="{82BFAA31-791A-9843-976C-3AAFAA5AC07D}" dt="2023-03-05T13:50:34.172" v="6224" actId="1035"/>
+    <pc:chgData name="Xin Luo" userId="82312ee5779919a4" providerId="LiveId" clId="{2FF6A6EB-E5A4-8842-BF32-6D47E8C174A0}"/>
+    <pc:docChg chg="custSel addSld delSld modSld">
+      <pc:chgData name="Xin Luo" userId="82312ee5779919a4" providerId="LiveId" clId="{2FF6A6EB-E5A4-8842-BF32-6D47E8C174A0}" dt="2024-09-12T05:11:37.890" v="3" actId="478"/>
       <pc:docMkLst>
         <pc:docMk/>
       </pc:docMkLst>
-      <pc:sldChg chg="modSp mod">
-        <pc:chgData name="Xin Luo" userId="82312ee5779919a4" providerId="LiveId" clId="{82BFAA31-791A-9843-976C-3AAFAA5AC07D}" dt="2023-03-04T01:58:49.501" v="2918" actId="20577"/>
+      <pc:sldChg chg="addSp delSp modSp mod">
+        <pc:chgData name="Xin Luo" userId="82312ee5779919a4" providerId="LiveId" clId="{2FF6A6EB-E5A4-8842-BF32-6D47E8C174A0}" dt="2024-09-12T05:11:37.890" v="3" actId="478"/>
         <pc:sldMkLst>
           <pc:docMk/>
-          <pc:sldMk cId="4067577602" sldId="2605"/>
+          <pc:sldMk cId="2776132283" sldId="2739"/>
         </pc:sldMkLst>
-        <pc:spChg chg="mod">
-          <ac:chgData name="Xin Luo" userId="82312ee5779919a4" providerId="LiveId" clId="{82BFAA31-791A-9843-976C-3AAFAA5AC07D}" dt="2023-03-04T01:58:49.501" v="2918" actId="20577"/>
+        <pc:spChg chg="add del mod">
+          <ac:chgData name="Xin Luo" userId="82312ee5779919a4" providerId="LiveId" clId="{2FF6A6EB-E5A4-8842-BF32-6D47E8C174A0}" dt="2024-09-12T05:11:37.890" v="3" actId="478"/>
           <ac:spMkLst>
             <pc:docMk/>
-            <pc:sldMk cId="4067577602" sldId="2605"/>
-            <ac:spMk id="5" creationId="{78502774-B04C-634F-1396-E5815996BC36}"/>
-          </ac:spMkLst>
-        </pc:spChg>
-      </pc:sldChg>
-      <pc:sldChg chg="addSp delSp modSp mod">
-        <pc:chgData name="Xin Luo" userId="82312ee5779919a4" providerId="LiveId" clId="{82BFAA31-791A-9843-976C-3AAFAA5AC07D}" dt="2023-03-04T03:17:04.154" v="3027" actId="20577"/>
-        <pc:sldMkLst>
-          <pc:docMk/>
-          <pc:sldMk cId="3833073590" sldId="2716"/>
-        </pc:sldMkLst>
-        <pc:spChg chg="mod">
-          <ac:chgData name="Xin Luo" userId="82312ee5779919a4" providerId="LiveId" clId="{82BFAA31-791A-9843-976C-3AAFAA5AC07D}" dt="2023-02-24T03:06:08.550" v="104" actId="20577"/>
-          <ac:spMkLst>
-            <pc:docMk/>
-            <pc:sldMk cId="3833073590" sldId="2716"/>
-            <ac:spMk id="2" creationId="{631AADB6-C88A-D817-4683-FC087E4E240F}"/>
-          </ac:spMkLst>
-        </pc:spChg>
-        <pc:spChg chg="del">
-          <ac:chgData name="Xin Luo" userId="82312ee5779919a4" providerId="LiveId" clId="{82BFAA31-791A-9843-976C-3AAFAA5AC07D}" dt="2023-02-24T03:02:42.862" v="33" actId="478"/>
-          <ac:spMkLst>
-            <pc:docMk/>
-            <pc:sldMk cId="3833073590" sldId="2716"/>
-            <ac:spMk id="5" creationId="{9F4AEA98-0C33-E82A-EB75-839D0F0B55A4}"/>
-          </ac:spMkLst>
-        </pc:spChg>
-        <pc:spChg chg="add mod">
-          <ac:chgData name="Xin Luo" userId="82312ee5779919a4" providerId="LiveId" clId="{82BFAA31-791A-9843-976C-3AAFAA5AC07D}" dt="2023-03-04T03:17:04.154" v="3027" actId="20577"/>
-          <ac:spMkLst>
-            <pc:docMk/>
-            <pc:sldMk cId="3833073590" sldId="2716"/>
-            <ac:spMk id="6" creationId="{6741FEA2-C046-FD82-2800-2CB513792080}"/>
-          </ac:spMkLst>
-        </pc:spChg>
-        <pc:picChg chg="add del">
-          <ac:chgData name="Xin Luo" userId="82312ee5779919a4" providerId="LiveId" clId="{82BFAA31-791A-9843-976C-3AAFAA5AC07D}" dt="2023-02-24T03:02:42.862" v="33" actId="478"/>
-          <ac:picMkLst>
-            <pc:docMk/>
-            <pc:sldMk cId="3833073590" sldId="2716"/>
-            <ac:picMk id="1026" creationId="{37EB6838-2807-43B3-E78E-EF1353DBEC4D}"/>
-          </ac:picMkLst>
-        </pc:picChg>
-        <pc:picChg chg="add del mod">
-          <ac:chgData name="Xin Luo" userId="82312ee5779919a4" providerId="LiveId" clId="{82BFAA31-791A-9843-976C-3AAFAA5AC07D}" dt="2023-02-24T03:03:49.502" v="38" actId="478"/>
-          <ac:picMkLst>
-            <pc:docMk/>
-            <pc:sldMk cId="3833073590" sldId="2716"/>
-            <ac:picMk id="1028" creationId="{0060DCE3-4593-4CBE-2C1A-12A7D72C453A}"/>
-          </ac:picMkLst>
-        </pc:picChg>
-        <pc:picChg chg="add del mod">
-          <ac:chgData name="Xin Luo" userId="82312ee5779919a4" providerId="LiveId" clId="{82BFAA31-791A-9843-976C-3AAFAA5AC07D}" dt="2023-03-04T03:16:57.384" v="3023" actId="14100"/>
-          <ac:picMkLst>
-            <pc:docMk/>
-            <pc:sldMk cId="3833073590" sldId="2716"/>
-            <ac:picMk id="1030" creationId="{C93DB76E-C02F-05AC-2014-674F7E808ADA}"/>
-          </ac:picMkLst>
-        </pc:picChg>
-      </pc:sldChg>
-      <pc:sldChg chg="addSp delSp modSp mod">
-        <pc:chgData name="Xin Luo" userId="82312ee5779919a4" providerId="LiveId" clId="{82BFAA31-791A-9843-976C-3AAFAA5AC07D}" dt="2023-02-24T08:50:06.402" v="585" actId="20577"/>
-        <pc:sldMkLst>
-          <pc:docMk/>
-          <pc:sldMk cId="972163772" sldId="2720"/>
-        </pc:sldMkLst>
-        <pc:spChg chg="mod">
-          <ac:chgData name="Xin Luo" userId="82312ee5779919a4" providerId="LiveId" clId="{82BFAA31-791A-9843-976C-3AAFAA5AC07D}" dt="2023-02-24T08:50:06.402" v="585" actId="20577"/>
-          <ac:spMkLst>
-            <pc:docMk/>
-            <pc:sldMk cId="972163772" sldId="2720"/>
-            <ac:spMk id="7" creationId="{00000000-0000-0000-0000-000000000000}"/>
-          </ac:spMkLst>
-        </pc:spChg>
-        <pc:picChg chg="add del">
-          <ac:chgData name="Xin Luo" userId="82312ee5779919a4" providerId="LiveId" clId="{82BFAA31-791A-9843-976C-3AAFAA5AC07D}" dt="2023-02-24T08:47:42.881" v="485"/>
-          <ac:picMkLst>
-            <pc:docMk/>
-            <pc:sldMk cId="972163772" sldId="2720"/>
-            <ac:picMk id="3074" creationId="{C4128BB6-F8FE-667B-1E3D-38360E7E0C3C}"/>
-          </ac:picMkLst>
-        </pc:picChg>
-      </pc:sldChg>
-      <pc:sldChg chg="addSp delSp modSp mod">
-        <pc:chgData name="Xin Luo" userId="82312ee5779919a4" providerId="LiveId" clId="{82BFAA31-791A-9843-976C-3AAFAA5AC07D}" dt="2023-02-24T13:00:34.955" v="2586" actId="1036"/>
-        <pc:sldMkLst>
-          <pc:docMk/>
-          <pc:sldMk cId="2689695864" sldId="2721"/>
-        </pc:sldMkLst>
-        <pc:spChg chg="mod">
-          <ac:chgData name="Xin Luo" userId="82312ee5779919a4" providerId="LiveId" clId="{82BFAA31-791A-9843-976C-3AAFAA5AC07D}" dt="2023-02-24T13:00:34.955" v="2586" actId="1036"/>
-          <ac:spMkLst>
-            <pc:docMk/>
-            <pc:sldMk cId="2689695864" sldId="2721"/>
-            <ac:spMk id="2" creationId="{631AADB6-C88A-D817-4683-FC087E4E240F}"/>
-          </ac:spMkLst>
-        </pc:spChg>
-        <pc:spChg chg="mod">
-          <ac:chgData name="Xin Luo" userId="82312ee5779919a4" providerId="LiveId" clId="{82BFAA31-791A-9843-976C-3AAFAA5AC07D}" dt="2023-02-24T08:50:21.921" v="586"/>
-          <ac:spMkLst>
-            <pc:docMk/>
-            <pc:sldMk cId="2689695864" sldId="2721"/>
-            <ac:spMk id="3" creationId="{00000000-0000-0000-0000-000000000000}"/>
-          </ac:spMkLst>
-        </pc:spChg>
-        <pc:spChg chg="add del mod">
-          <ac:chgData name="Xin Luo" userId="82312ee5779919a4" providerId="LiveId" clId="{82BFAA31-791A-9843-976C-3AAFAA5AC07D}" dt="2023-02-24T12:38:43.360" v="1999" actId="478"/>
-          <ac:spMkLst>
-            <pc:docMk/>
-            <pc:sldMk cId="2689695864" sldId="2721"/>
-            <ac:spMk id="5" creationId="{D45B97A4-ED20-7E18-1BEF-4A81710B7783}"/>
-          </ac:spMkLst>
-        </pc:spChg>
-        <pc:spChg chg="mod">
-          <ac:chgData name="Xin Luo" userId="82312ee5779919a4" providerId="LiveId" clId="{82BFAA31-791A-9843-976C-3AAFAA5AC07D}" dt="2023-02-24T13:00:31.975" v="2582" actId="1036"/>
-          <ac:spMkLst>
-            <pc:docMk/>
-            <pc:sldMk cId="2689695864" sldId="2721"/>
-            <ac:spMk id="17" creationId="{9E05FFCA-3371-AF5C-381D-71D984055F5A}"/>
-          </ac:spMkLst>
-        </pc:spChg>
-      </pc:sldChg>
-      <pc:sldChg chg="modSp add del mod">
-        <pc:chgData name="Xin Luo" userId="82312ee5779919a4" providerId="LiveId" clId="{82BFAA31-791A-9843-976C-3AAFAA5AC07D}" dt="2023-03-05T13:50:34.172" v="6224" actId="1035"/>
-        <pc:sldMkLst>
-          <pc:docMk/>
-          <pc:sldMk cId="1209572041" sldId="2722"/>
-        </pc:sldMkLst>
-        <pc:spChg chg="mod">
-          <ac:chgData name="Xin Luo" userId="82312ee5779919a4" providerId="LiveId" clId="{82BFAA31-791A-9843-976C-3AAFAA5AC07D}" dt="2023-03-04T15:50:28.639" v="6152" actId="20577"/>
-          <ac:spMkLst>
-            <pc:docMk/>
-            <pc:sldMk cId="1209572041" sldId="2722"/>
-            <ac:spMk id="11" creationId="{53A7E693-8098-76C4-CD5D-47166ABEB164}"/>
-          </ac:spMkLst>
-        </pc:spChg>
-        <pc:spChg chg="mod">
-          <ac:chgData name="Xin Luo" userId="82312ee5779919a4" providerId="LiveId" clId="{82BFAA31-791A-9843-976C-3AAFAA5AC07D}" dt="2023-03-05T13:50:34.172" v="6224" actId="1035"/>
-          <ac:spMkLst>
-            <pc:docMk/>
-            <pc:sldMk cId="1209572041" sldId="2722"/>
-            <ac:spMk id="13" creationId="{303BC878-BC57-D350-27A3-F03AE48213AC}"/>
+            <pc:sldMk cId="2776132283" sldId="2739"/>
+            <ac:spMk id="4" creationId="{978072F8-5233-DA61-BB59-38E1F9162CF1}"/>
           </ac:spMkLst>
         </pc:spChg>
       </pc:sldChg>
       <pc:sldChg chg="add del">
-        <pc:chgData name="Xin Luo" userId="82312ee5779919a4" providerId="LiveId" clId="{82BFAA31-791A-9843-976C-3AAFAA5AC07D}" dt="2023-03-04T02:01:30.300" v="3010" actId="2696"/>
+        <pc:chgData name="Xin Luo" userId="82312ee5779919a4" providerId="LiveId" clId="{2FF6A6EB-E5A4-8842-BF32-6D47E8C174A0}" dt="2024-09-12T03:22:05.035" v="1" actId="2696"/>
         <pc:sldMkLst>
           <pc:docMk/>
-          <pc:sldMk cId="2179406886" sldId="2724"/>
-        </pc:sldMkLst>
-      </pc:sldChg>
-      <pc:sldChg chg="addSp delSp modSp add mod">
-        <pc:chgData name="Xin Luo" userId="82312ee5779919a4" providerId="LiveId" clId="{82BFAA31-791A-9843-976C-3AAFAA5AC07D}" dt="2023-03-04T03:20:48.887" v="3034" actId="1036"/>
-        <pc:sldMkLst>
-          <pc:docMk/>
-          <pc:sldMk cId="4156684215" sldId="2738"/>
-        </pc:sldMkLst>
-        <pc:spChg chg="mod">
-          <ac:chgData name="Xin Luo" userId="82312ee5779919a4" providerId="LiveId" clId="{82BFAA31-791A-9843-976C-3AAFAA5AC07D}" dt="2023-02-24T07:02:55.789" v="157" actId="20577"/>
-          <ac:spMkLst>
-            <pc:docMk/>
-            <pc:sldMk cId="4156684215" sldId="2738"/>
-            <ac:spMk id="2" creationId="{631AADB6-C88A-D817-4683-FC087E4E240F}"/>
-          </ac:spMkLst>
-        </pc:spChg>
-        <pc:spChg chg="add del mod">
-          <ac:chgData name="Xin Luo" userId="82312ee5779919a4" providerId="LiveId" clId="{82BFAA31-791A-9843-976C-3AAFAA5AC07D}" dt="2023-03-04T03:20:48.887" v="3034" actId="1036"/>
-          <ac:spMkLst>
-            <pc:docMk/>
-            <pc:sldMk cId="4156684215" sldId="2738"/>
-            <ac:spMk id="6" creationId="{6741FEA2-C046-FD82-2800-2CB513792080}"/>
-          </ac:spMkLst>
-        </pc:spChg>
-        <pc:picChg chg="del mod">
-          <ac:chgData name="Xin Luo" userId="82312ee5779919a4" providerId="LiveId" clId="{82BFAA31-791A-9843-976C-3AAFAA5AC07D}" dt="2023-02-24T07:03:01.663" v="158" actId="478"/>
-          <ac:picMkLst>
-            <pc:docMk/>
-            <pc:sldMk cId="4156684215" sldId="2738"/>
-            <ac:picMk id="1030" creationId="{C93DB76E-C02F-05AC-2014-674F7E808ADA}"/>
-          </ac:picMkLst>
-        </pc:picChg>
-        <pc:picChg chg="add del mod">
-          <ac:chgData name="Xin Luo" userId="82312ee5779919a4" providerId="LiveId" clId="{82BFAA31-791A-9843-976C-3AAFAA5AC07D}" dt="2023-03-04T03:20:37.844" v="3030" actId="14100"/>
-          <ac:picMkLst>
-            <pc:docMk/>
-            <pc:sldMk cId="4156684215" sldId="2738"/>
-            <ac:picMk id="2050" creationId="{324F0AC4-07BA-4B3E-1A6B-D49FF0B87AC4}"/>
-          </ac:picMkLst>
-        </pc:picChg>
-      </pc:sldChg>
-      <pc:sldChg chg="delSp modSp add mod">
-        <pc:chgData name="Xin Luo" userId="82312ee5779919a4" providerId="LiveId" clId="{82BFAA31-791A-9843-976C-3AAFAA5AC07D}" dt="2023-03-04T03:45:03.441" v="3776" actId="21"/>
-        <pc:sldMkLst>
-          <pc:docMk/>
-          <pc:sldMk cId="2776132283" sldId="2739"/>
-        </pc:sldMkLst>
-        <pc:spChg chg="mod">
-          <ac:chgData name="Xin Luo" userId="82312ee5779919a4" providerId="LiveId" clId="{82BFAA31-791A-9843-976C-3AAFAA5AC07D}" dt="2023-03-04T03:21:31.106" v="3042" actId="20577"/>
-          <ac:spMkLst>
-            <pc:docMk/>
-            <pc:sldMk cId="2776132283" sldId="2739"/>
-            <ac:spMk id="2" creationId="{631AADB6-C88A-D817-4683-FC087E4E240F}"/>
-          </ac:spMkLst>
-        </pc:spChg>
-        <pc:spChg chg="mod">
-          <ac:chgData name="Xin Luo" userId="82312ee5779919a4" providerId="LiveId" clId="{82BFAA31-791A-9843-976C-3AAFAA5AC07D}" dt="2023-03-04T03:45:03.441" v="3776" actId="21"/>
-          <ac:spMkLst>
-            <pc:docMk/>
-            <pc:sldMk cId="2776132283" sldId="2739"/>
-            <ac:spMk id="6" creationId="{6741FEA2-C046-FD82-2800-2CB513792080}"/>
-          </ac:spMkLst>
-        </pc:spChg>
-        <pc:picChg chg="del">
-          <ac:chgData name="Xin Luo" userId="82312ee5779919a4" providerId="LiveId" clId="{82BFAA31-791A-9843-976C-3AAFAA5AC07D}" dt="2023-02-24T09:02:09.130" v="665" actId="478"/>
-          <ac:picMkLst>
-            <pc:docMk/>
-            <pc:sldMk cId="2776132283" sldId="2739"/>
-            <ac:picMk id="2050" creationId="{324F0AC4-07BA-4B3E-1A6B-D49FF0B87AC4}"/>
-          </ac:picMkLst>
-        </pc:picChg>
-      </pc:sldChg>
-      <pc:sldChg chg="delSp modSp add mod">
-        <pc:chgData name="Xin Luo" userId="82312ee5779919a4" providerId="LiveId" clId="{82BFAA31-791A-9843-976C-3AAFAA5AC07D}" dt="2023-02-24T12:42:54.354" v="2196" actId="20577"/>
-        <pc:sldMkLst>
-          <pc:docMk/>
-          <pc:sldMk cId="2510358707" sldId="2740"/>
-        </pc:sldMkLst>
-        <pc:spChg chg="mod">
-          <ac:chgData name="Xin Luo" userId="82312ee5779919a4" providerId="LiveId" clId="{82BFAA31-791A-9843-976C-3AAFAA5AC07D}" dt="2023-02-24T12:39:15.147" v="2006" actId="20577"/>
-          <ac:spMkLst>
-            <pc:docMk/>
-            <pc:sldMk cId="2510358707" sldId="2740"/>
-            <ac:spMk id="2" creationId="{631AADB6-C88A-D817-4683-FC087E4E240F}"/>
-          </ac:spMkLst>
-        </pc:spChg>
-        <pc:spChg chg="del mod">
-          <ac:chgData name="Xin Luo" userId="82312ee5779919a4" providerId="LiveId" clId="{82BFAA31-791A-9843-976C-3AAFAA5AC07D}" dt="2023-02-24T12:26:37.033" v="1934" actId="478"/>
-          <ac:spMkLst>
-            <pc:docMk/>
-            <pc:sldMk cId="2510358707" sldId="2740"/>
-            <ac:spMk id="5" creationId="{D45B97A4-ED20-7E18-1BEF-4A81710B7783}"/>
-          </ac:spMkLst>
-        </pc:spChg>
-        <pc:spChg chg="mod">
-          <ac:chgData name="Xin Luo" userId="82312ee5779919a4" providerId="LiveId" clId="{82BFAA31-791A-9843-976C-3AAFAA5AC07D}" dt="2023-02-24T12:42:54.354" v="2196" actId="20577"/>
-          <ac:spMkLst>
-            <pc:docMk/>
-            <pc:sldMk cId="2510358707" sldId="2740"/>
-            <ac:spMk id="17" creationId="{9E05FFCA-3371-AF5C-381D-71D984055F5A}"/>
-          </ac:spMkLst>
-        </pc:spChg>
-      </pc:sldChg>
-      <pc:sldChg chg="add del">
-        <pc:chgData name="Xin Luo" userId="82312ee5779919a4" providerId="LiveId" clId="{82BFAA31-791A-9843-976C-3AAFAA5AC07D}" dt="2023-02-24T12:26:24.988" v="1931"/>
-        <pc:sldMkLst>
-          <pc:docMk/>
-          <pc:sldMk cId="2028886328" sldId="2741"/>
-        </pc:sldMkLst>
-      </pc:sldChg>
-      <pc:sldChg chg="delSp modSp add mod">
-        <pc:chgData name="Xin Luo" userId="82312ee5779919a4" providerId="LiveId" clId="{82BFAA31-791A-9843-976C-3AAFAA5AC07D}" dt="2023-03-04T15:50:04.739" v="6144" actId="1076"/>
-        <pc:sldMkLst>
-          <pc:docMk/>
-          <pc:sldMk cId="2476237792" sldId="2741"/>
-        </pc:sldMkLst>
-        <pc:spChg chg="del mod">
-          <ac:chgData name="Xin Luo" userId="82312ee5779919a4" providerId="LiveId" clId="{82BFAA31-791A-9843-976C-3AAFAA5AC07D}" dt="2023-03-04T15:49:54.035" v="6137" actId="478"/>
-          <ac:spMkLst>
-            <pc:docMk/>
-            <pc:sldMk cId="2476237792" sldId="2741"/>
-            <ac:spMk id="2" creationId="{631AADB6-C88A-D817-4683-FC087E4E240F}"/>
-          </ac:spMkLst>
-        </pc:spChg>
-        <pc:spChg chg="mod">
-          <ac:chgData name="Xin Luo" userId="82312ee5779919a4" providerId="LiveId" clId="{82BFAA31-791A-9843-976C-3AAFAA5AC07D}" dt="2023-02-24T12:39:25.368" v="2008"/>
-          <ac:spMkLst>
-            <pc:docMk/>
-            <pc:sldMk cId="2476237792" sldId="2741"/>
-            <ac:spMk id="3" creationId="{00000000-0000-0000-0000-000000000000}"/>
-          </ac:spMkLst>
-        </pc:spChg>
-        <pc:spChg chg="mod">
-          <ac:chgData name="Xin Luo" userId="82312ee5779919a4" providerId="LiveId" clId="{82BFAA31-791A-9843-976C-3AAFAA5AC07D}" dt="2023-03-04T15:50:04.739" v="6144" actId="1076"/>
-          <ac:spMkLst>
-            <pc:docMk/>
-            <pc:sldMk cId="2476237792" sldId="2741"/>
-            <ac:spMk id="6" creationId="{6741FEA2-C046-FD82-2800-2CB513792080}"/>
-          </ac:spMkLst>
-        </pc:spChg>
-      </pc:sldChg>
-      <pc:sldChg chg="addSp delSp modSp add mod">
-        <pc:chgData name="Xin Luo" userId="82312ee5779919a4" providerId="LiveId" clId="{82BFAA31-791A-9843-976C-3AAFAA5AC07D}" dt="2023-03-04T03:03:29.776" v="3020" actId="1036"/>
-        <pc:sldMkLst>
-          <pc:docMk/>
-          <pc:sldMk cId="3151170836" sldId="2742"/>
-        </pc:sldMkLst>
-        <pc:spChg chg="mod">
-          <ac:chgData name="Xin Luo" userId="82312ee5779919a4" providerId="LiveId" clId="{82BFAA31-791A-9843-976C-3AAFAA5AC07D}" dt="2023-03-04T02:00:17.248" v="3002" actId="20577"/>
-          <ac:spMkLst>
-            <pc:docMk/>
-            <pc:sldMk cId="3151170836" sldId="2742"/>
-            <ac:spMk id="2" creationId="{631AADB6-C88A-D817-4683-FC087E4E240F}"/>
-          </ac:spMkLst>
-        </pc:spChg>
-        <pc:spChg chg="del">
-          <ac:chgData name="Xin Luo" userId="82312ee5779919a4" providerId="LiveId" clId="{82BFAA31-791A-9843-976C-3AAFAA5AC07D}" dt="2023-03-04T02:01:16.980" v="3004" actId="478"/>
-          <ac:spMkLst>
-            <pc:docMk/>
-            <pc:sldMk cId="3151170836" sldId="2742"/>
-            <ac:spMk id="5" creationId="{78502774-B04C-634F-1396-E5815996BC36}"/>
-          </ac:spMkLst>
-        </pc:spChg>
-        <pc:spChg chg="add mod">
-          <ac:chgData name="Xin Luo" userId="82312ee5779919a4" providerId="LiveId" clId="{82BFAA31-791A-9843-976C-3AAFAA5AC07D}" dt="2023-03-04T03:03:29.776" v="3020" actId="1036"/>
-          <ac:spMkLst>
-            <pc:docMk/>
-            <pc:sldMk cId="3151170836" sldId="2742"/>
-            <ac:spMk id="6" creationId="{FA343B24-C04E-C7D0-D427-DA131ECB74AB}"/>
-          </ac:spMkLst>
-        </pc:spChg>
-        <pc:picChg chg="add del mod">
-          <ac:chgData name="Xin Luo" userId="82312ee5779919a4" providerId="LiveId" clId="{82BFAA31-791A-9843-976C-3AAFAA5AC07D}" dt="2023-03-04T02:04:10.432" v="3011" actId="478"/>
-          <ac:picMkLst>
-            <pc:docMk/>
-            <pc:sldMk cId="3151170836" sldId="2742"/>
-            <ac:picMk id="4" creationId="{5EA5EFD9-CFD1-878E-F82B-E455DCC4FB27}"/>
-          </ac:picMkLst>
-        </pc:picChg>
-        <pc:picChg chg="add mod">
-          <ac:chgData name="Xin Luo" userId="82312ee5779919a4" providerId="LiveId" clId="{82BFAA31-791A-9843-976C-3AAFAA5AC07D}" dt="2023-03-04T03:03:27.642" v="3017" actId="1036"/>
-          <ac:picMkLst>
-            <pc:docMk/>
-            <pc:sldMk cId="3151170836" sldId="2742"/>
-            <ac:picMk id="7" creationId="{3DD36E7D-5F30-A7D7-486A-8D2AC067CE47}"/>
-          </ac:picMkLst>
-        </pc:picChg>
-        <pc:picChg chg="del">
-          <ac:chgData name="Xin Luo" userId="82312ee5779919a4" providerId="LiveId" clId="{82BFAA31-791A-9843-976C-3AAFAA5AC07D}" dt="2023-03-04T02:01:21.181" v="3006" actId="478"/>
-          <ac:picMkLst>
-            <pc:docMk/>
-            <pc:sldMk cId="3151170836" sldId="2742"/>
-            <ac:picMk id="1026" creationId="{75908E15-58DA-73BD-95F9-CACD1B8B9D82}"/>
-          </ac:picMkLst>
-        </pc:picChg>
-        <pc:picChg chg="del">
-          <ac:chgData name="Xin Luo" userId="82312ee5779919a4" providerId="LiveId" clId="{82BFAA31-791A-9843-976C-3AAFAA5AC07D}" dt="2023-03-04T02:01:19.315" v="3005" actId="478"/>
-          <ac:picMkLst>
-            <pc:docMk/>
-            <pc:sldMk cId="3151170836" sldId="2742"/>
-            <ac:picMk id="1028" creationId="{1E2BFB6C-B7E5-CAF9-B8CC-09A5029EC264}"/>
-          </ac:picMkLst>
-        </pc:picChg>
-        <pc:picChg chg="del">
-          <ac:chgData name="Xin Luo" userId="82312ee5779919a4" providerId="LiveId" clId="{82BFAA31-791A-9843-976C-3AAFAA5AC07D}" dt="2023-03-04T02:01:19.315" v="3005" actId="478"/>
-          <ac:picMkLst>
-            <pc:docMk/>
-            <pc:sldMk cId="3151170836" sldId="2742"/>
-            <ac:picMk id="1030" creationId="{CB7EE236-3D18-EC53-3225-10EBB3B4EC77}"/>
-          </ac:picMkLst>
-        </pc:picChg>
-        <pc:picChg chg="del">
-          <ac:chgData name="Xin Luo" userId="82312ee5779919a4" providerId="LiveId" clId="{82BFAA31-791A-9843-976C-3AAFAA5AC07D}" dt="2023-03-04T02:01:19.315" v="3005" actId="478"/>
-          <ac:picMkLst>
-            <pc:docMk/>
-            <pc:sldMk cId="3151170836" sldId="2742"/>
-            <ac:picMk id="1032" creationId="{BFA8C7BD-9CEC-ADA1-21BA-0EE8338C6EA3}"/>
-          </ac:picMkLst>
-        </pc:picChg>
-      </pc:sldChg>
-      <pc:sldChg chg="addSp delSp modSp add mod">
-        <pc:chgData name="Xin Luo" userId="82312ee5779919a4" providerId="LiveId" clId="{82BFAA31-791A-9843-976C-3AAFAA5AC07D}" dt="2023-03-04T03:37:26.975" v="3431" actId="1076"/>
-        <pc:sldMkLst>
-          <pc:docMk/>
-          <pc:sldMk cId="4194482579" sldId="2743"/>
-        </pc:sldMkLst>
-        <pc:spChg chg="add del mod">
-          <ac:chgData name="Xin Luo" userId="82312ee5779919a4" providerId="LiveId" clId="{82BFAA31-791A-9843-976C-3AAFAA5AC07D}" dt="2023-03-04T03:37:26.975" v="3431" actId="1076"/>
-          <ac:spMkLst>
-            <pc:docMk/>
-            <pc:sldMk cId="4194482579" sldId="2743"/>
-            <ac:spMk id="6" creationId="{6741FEA2-C046-FD82-2800-2CB513792080}"/>
-          </ac:spMkLst>
-        </pc:spChg>
-        <pc:picChg chg="del">
-          <ac:chgData name="Xin Luo" userId="82312ee5779919a4" providerId="LiveId" clId="{82BFAA31-791A-9843-976C-3AAFAA5AC07D}" dt="2023-03-04T03:21:59.148" v="3044" actId="478"/>
-          <ac:picMkLst>
-            <pc:docMk/>
-            <pc:sldMk cId="4194482579" sldId="2743"/>
-            <ac:picMk id="2050" creationId="{324F0AC4-07BA-4B3E-1A6B-D49FF0B87AC4}"/>
-          </ac:picMkLst>
-        </pc:picChg>
-      </pc:sldChg>
-      <pc:sldChg chg="addSp delSp modSp add mod">
-        <pc:chgData name="Xin Luo" userId="82312ee5779919a4" providerId="LiveId" clId="{82BFAA31-791A-9843-976C-3AAFAA5AC07D}" dt="2023-03-04T15:11:00.971" v="4794" actId="2711"/>
-        <pc:sldMkLst>
-          <pc:docMk/>
-          <pc:sldMk cId="3883315984" sldId="2744"/>
-        </pc:sldMkLst>
-        <pc:spChg chg="mod">
-          <ac:chgData name="Xin Luo" userId="82312ee5779919a4" providerId="LiveId" clId="{82BFAA31-791A-9843-976C-3AAFAA5AC07D}" dt="2023-03-04T15:08:30.473" v="4619" actId="20577"/>
-          <ac:spMkLst>
-            <pc:docMk/>
-            <pc:sldMk cId="3883315984" sldId="2744"/>
-            <ac:spMk id="17" creationId="{9E05FFCA-3371-AF5C-381D-71D984055F5A}"/>
-          </ac:spMkLst>
-        </pc:spChg>
-        <pc:spChg chg="add mod">
-          <ac:chgData name="Xin Luo" userId="82312ee5779919a4" providerId="LiveId" clId="{82BFAA31-791A-9843-976C-3AAFAA5AC07D}" dt="2023-03-04T15:11:00.971" v="4794" actId="2711"/>
-          <ac:spMkLst>
-            <pc:docMk/>
-            <pc:sldMk cId="3883315984" sldId="2744"/>
-            <ac:spMk id="21" creationId="{E7C93A00-7E31-E000-6BED-292B08A4B198}"/>
-          </ac:spMkLst>
-        </pc:spChg>
-        <pc:picChg chg="add del mod">
-          <ac:chgData name="Xin Luo" userId="82312ee5779919a4" providerId="LiveId" clId="{82BFAA31-791A-9843-976C-3AAFAA5AC07D}" dt="2023-03-04T14:43:12.336" v="4260" actId="478"/>
-          <ac:picMkLst>
-            <pc:docMk/>
-            <pc:sldMk cId="3883315984" sldId="2744"/>
-            <ac:picMk id="5" creationId="{6A29A75C-8731-031C-F586-AB16E9D87EF1}"/>
-          </ac:picMkLst>
-        </pc:picChg>
-        <pc:picChg chg="add del mod">
-          <ac:chgData name="Xin Luo" userId="82312ee5779919a4" providerId="LiveId" clId="{82BFAA31-791A-9843-976C-3AAFAA5AC07D}" dt="2023-03-04T14:43:13.340" v="4261" actId="478"/>
-          <ac:picMkLst>
-            <pc:docMk/>
-            <pc:sldMk cId="3883315984" sldId="2744"/>
-            <ac:picMk id="7" creationId="{56F139B7-CE64-C317-CDCE-ED656E5CE752}"/>
-          </ac:picMkLst>
-        </pc:picChg>
-        <pc:picChg chg="add del mod">
-          <ac:chgData name="Xin Luo" userId="82312ee5779919a4" providerId="LiveId" clId="{82BFAA31-791A-9843-976C-3AAFAA5AC07D}" dt="2023-03-04T14:57:11.977" v="4367" actId="478"/>
-          <ac:picMkLst>
-            <pc:docMk/>
-            <pc:sldMk cId="3883315984" sldId="2744"/>
-            <ac:picMk id="9" creationId="{B93FB35F-20AA-92EB-B0CA-45DF00DB1C48}"/>
-          </ac:picMkLst>
-        </pc:picChg>
-        <pc:picChg chg="add del mod">
-          <ac:chgData name="Xin Luo" userId="82312ee5779919a4" providerId="LiveId" clId="{82BFAA31-791A-9843-976C-3AAFAA5AC07D}" dt="2023-03-04T15:08:25.973" v="4617" actId="478"/>
-          <ac:picMkLst>
-            <pc:docMk/>
-            <pc:sldMk cId="3883315984" sldId="2744"/>
-            <ac:picMk id="11" creationId="{7FFE9DD7-9FAD-B833-34A7-F9D00BB93C74}"/>
-          </ac:picMkLst>
-        </pc:picChg>
-        <pc:picChg chg="add del mod">
-          <ac:chgData name="Xin Luo" userId="82312ee5779919a4" providerId="LiveId" clId="{82BFAA31-791A-9843-976C-3AAFAA5AC07D}" dt="2023-03-04T15:08:26.853" v="4618" actId="478"/>
-          <ac:picMkLst>
-            <pc:docMk/>
-            <pc:sldMk cId="3883315984" sldId="2744"/>
-            <ac:picMk id="13" creationId="{99DA1880-9B80-A24C-3180-693E3B5EE1BF}"/>
-          </ac:picMkLst>
-        </pc:picChg>
-        <pc:picChg chg="add del mod">
-          <ac:chgData name="Xin Luo" userId="82312ee5779919a4" providerId="LiveId" clId="{82BFAA31-791A-9843-976C-3AAFAA5AC07D}" dt="2023-03-04T15:07:19.751" v="4571" actId="478"/>
-          <ac:picMkLst>
-            <pc:docMk/>
-            <pc:sldMk cId="3883315984" sldId="2744"/>
-            <ac:picMk id="15" creationId="{76264687-7C79-E28C-9AC8-4ACC581E6CB9}"/>
-          </ac:picMkLst>
-        </pc:picChg>
-        <pc:picChg chg="add mod">
-          <ac:chgData name="Xin Luo" userId="82312ee5779919a4" providerId="LiveId" clId="{82BFAA31-791A-9843-976C-3AAFAA5AC07D}" dt="2023-03-04T15:09:03.244" v="4634" actId="1076"/>
-          <ac:picMkLst>
-            <pc:docMk/>
-            <pc:sldMk cId="3883315984" sldId="2744"/>
-            <ac:picMk id="18" creationId="{0837DC30-4620-0035-DE40-9319EFBA876D}"/>
-          </ac:picMkLst>
-        </pc:picChg>
-        <pc:picChg chg="add mod">
-          <ac:chgData name="Xin Luo" userId="82312ee5779919a4" providerId="LiveId" clId="{82BFAA31-791A-9843-976C-3AAFAA5AC07D}" dt="2023-03-04T15:09:03.244" v="4634" actId="1076"/>
-          <ac:picMkLst>
-            <pc:docMk/>
-            <pc:sldMk cId="3883315984" sldId="2744"/>
-            <ac:picMk id="20" creationId="{1C80845A-A83F-D903-2B37-F9CB37E4E25A}"/>
-          </ac:picMkLst>
-        </pc:picChg>
-      </pc:sldChg>
-      <pc:sldChg chg="modSp add mod">
-        <pc:chgData name="Xin Luo" userId="82312ee5779919a4" providerId="LiveId" clId="{82BFAA31-791A-9843-976C-3AAFAA5AC07D}" dt="2023-03-04T15:21:58.766" v="5230" actId="1038"/>
-        <pc:sldMkLst>
-          <pc:docMk/>
-          <pc:sldMk cId="3741103209" sldId="2745"/>
-        </pc:sldMkLst>
-        <pc:spChg chg="mod">
-          <ac:chgData name="Xin Luo" userId="82312ee5779919a4" providerId="LiveId" clId="{82BFAA31-791A-9843-976C-3AAFAA5AC07D}" dt="2023-03-04T15:21:58.766" v="5230" actId="1038"/>
-          <ac:spMkLst>
-            <pc:docMk/>
-            <pc:sldMk cId="3741103209" sldId="2745"/>
-            <ac:spMk id="17" creationId="{9E05FFCA-3371-AF5C-381D-71D984055F5A}"/>
-          </ac:spMkLst>
-        </pc:spChg>
-      </pc:sldChg>
-      <pc:sldChg chg="modSp add mod">
-        <pc:chgData name="Xin Luo" userId="82312ee5779919a4" providerId="LiveId" clId="{82BFAA31-791A-9843-976C-3AAFAA5AC07D}" dt="2023-03-04T15:08:22.005" v="4615" actId="1035"/>
-        <pc:sldMkLst>
-          <pc:docMk/>
-          <pc:sldMk cId="322086101" sldId="2746"/>
-        </pc:sldMkLst>
-        <pc:spChg chg="mod">
-          <ac:chgData name="Xin Luo" userId="82312ee5779919a4" providerId="LiveId" clId="{82BFAA31-791A-9843-976C-3AAFAA5AC07D}" dt="2023-03-04T15:07:51.391" v="4588" actId="20577"/>
-          <ac:spMkLst>
-            <pc:docMk/>
-            <pc:sldMk cId="322086101" sldId="2746"/>
-            <ac:spMk id="17" creationId="{9E05FFCA-3371-AF5C-381D-71D984055F5A}"/>
-          </ac:spMkLst>
-        </pc:spChg>
-        <pc:picChg chg="mod">
-          <ac:chgData name="Xin Luo" userId="82312ee5779919a4" providerId="LiveId" clId="{82BFAA31-791A-9843-976C-3AAFAA5AC07D}" dt="2023-03-04T15:08:22.005" v="4615" actId="1035"/>
-          <ac:picMkLst>
-            <pc:docMk/>
-            <pc:sldMk cId="322086101" sldId="2746"/>
-            <ac:picMk id="11" creationId="{7FFE9DD7-9FAD-B833-34A7-F9D00BB93C74}"/>
-          </ac:picMkLst>
-        </pc:picChg>
-        <pc:picChg chg="mod">
-          <ac:chgData name="Xin Luo" userId="82312ee5779919a4" providerId="LiveId" clId="{82BFAA31-791A-9843-976C-3AAFAA5AC07D}" dt="2023-03-04T15:08:22.005" v="4615" actId="1035"/>
-          <ac:picMkLst>
-            <pc:docMk/>
-            <pc:sldMk cId="322086101" sldId="2746"/>
-            <ac:picMk id="13" creationId="{99DA1880-9B80-A24C-3180-693E3B5EE1BF}"/>
-          </ac:picMkLst>
-        </pc:picChg>
-      </pc:sldChg>
-      <pc:sldChg chg="addSp modSp add mod">
-        <pc:chgData name="Xin Luo" userId="82312ee5779919a4" providerId="LiveId" clId="{82BFAA31-791A-9843-976C-3AAFAA5AC07D}" dt="2023-03-04T15:26:46.366" v="5547" actId="1076"/>
-        <pc:sldMkLst>
-          <pc:docMk/>
-          <pc:sldMk cId="2920839983" sldId="2747"/>
-        </pc:sldMkLst>
-        <pc:spChg chg="mod">
-          <ac:chgData name="Xin Luo" userId="82312ee5779919a4" providerId="LiveId" clId="{82BFAA31-791A-9843-976C-3AAFAA5AC07D}" dt="2023-03-04T15:26:37.013" v="5544" actId="1076"/>
-          <ac:spMkLst>
-            <pc:docMk/>
-            <pc:sldMk cId="2920839983" sldId="2747"/>
-            <ac:spMk id="17" creationId="{9E05FFCA-3371-AF5C-381D-71D984055F5A}"/>
-          </ac:spMkLst>
-        </pc:spChg>
-        <pc:picChg chg="add mod">
-          <ac:chgData name="Xin Luo" userId="82312ee5779919a4" providerId="LiveId" clId="{82BFAA31-791A-9843-976C-3AAFAA5AC07D}" dt="2023-03-04T15:26:46.366" v="5547" actId="1076"/>
-          <ac:picMkLst>
-            <pc:docMk/>
-            <pc:sldMk cId="2920839983" sldId="2747"/>
-            <ac:picMk id="5" creationId="{4B5D1AA6-D397-9A79-221A-E20C2E9E5B76}"/>
-          </ac:picMkLst>
-        </pc:picChg>
-      </pc:sldChg>
-      <pc:sldChg chg="addSp delSp modSp add mod">
-        <pc:chgData name="Xin Luo" userId="82312ee5779919a4" providerId="LiveId" clId="{82BFAA31-791A-9843-976C-3AAFAA5AC07D}" dt="2023-03-04T15:46:20.499" v="5952" actId="1582"/>
-        <pc:sldMkLst>
-          <pc:docMk/>
-          <pc:sldMk cId="2081473989" sldId="2748"/>
-        </pc:sldMkLst>
-        <pc:spChg chg="add del">
-          <ac:chgData name="Xin Luo" userId="82312ee5779919a4" providerId="LiveId" clId="{82BFAA31-791A-9843-976C-3AAFAA5AC07D}" dt="2023-03-04T15:37:10.804" v="5659" actId="22"/>
-          <ac:spMkLst>
-            <pc:docMk/>
-            <pc:sldMk cId="2081473989" sldId="2748"/>
-            <ac:spMk id="6" creationId="{82D7925B-E2FA-6C82-149E-D49FD97901D4}"/>
-          </ac:spMkLst>
-        </pc:spChg>
-        <pc:spChg chg="add mod">
-          <ac:chgData name="Xin Luo" userId="82312ee5779919a4" providerId="LiveId" clId="{82BFAA31-791A-9843-976C-3AAFAA5AC07D}" dt="2023-03-04T15:45:35.826" v="5941" actId="1076"/>
-          <ac:spMkLst>
-            <pc:docMk/>
-            <pc:sldMk cId="2081473989" sldId="2748"/>
-            <ac:spMk id="15" creationId="{DAE75BEB-15B0-6AD3-FEA5-24688F0C9399}"/>
-          </ac:spMkLst>
-        </pc:spChg>
-        <pc:spChg chg="add mod">
-          <ac:chgData name="Xin Luo" userId="82312ee5779919a4" providerId="LiveId" clId="{82BFAA31-791A-9843-976C-3AAFAA5AC07D}" dt="2023-03-04T15:46:20.499" v="5952" actId="1582"/>
-          <ac:spMkLst>
-            <pc:docMk/>
-            <pc:sldMk cId="2081473989" sldId="2748"/>
-            <ac:spMk id="16" creationId="{011A1F98-9159-4FE6-698D-1B0B7EFC1F4C}"/>
-          </ac:spMkLst>
-        </pc:spChg>
-        <pc:spChg chg="mod">
-          <ac:chgData name="Xin Luo" userId="82312ee5779919a4" providerId="LiveId" clId="{82BFAA31-791A-9843-976C-3AAFAA5AC07D}" dt="2023-03-04T15:28:15.646" v="5654" actId="20577"/>
-          <ac:spMkLst>
-            <pc:docMk/>
-            <pc:sldMk cId="2081473989" sldId="2748"/>
-            <ac:spMk id="17" creationId="{9E05FFCA-3371-AF5C-381D-71D984055F5A}"/>
-          </ac:spMkLst>
-        </pc:spChg>
-        <pc:picChg chg="del mod">
-          <ac:chgData name="Xin Luo" userId="82312ee5779919a4" providerId="LiveId" clId="{82BFAA31-791A-9843-976C-3AAFAA5AC07D}" dt="2023-03-04T15:37:06.482" v="5657" actId="478"/>
-          <ac:picMkLst>
-            <pc:docMk/>
-            <pc:sldMk cId="2081473989" sldId="2748"/>
-            <ac:picMk id="5" creationId="{4B5D1AA6-D397-9A79-221A-E20C2E9E5B76}"/>
-          </ac:picMkLst>
-        </pc:picChg>
-        <pc:picChg chg="add mod">
-          <ac:chgData name="Xin Luo" userId="82312ee5779919a4" providerId="LiveId" clId="{82BFAA31-791A-9843-976C-3AAFAA5AC07D}" dt="2023-03-04T15:45:05.183" v="5929" actId="1036"/>
-          <ac:picMkLst>
-            <pc:docMk/>
-            <pc:sldMk cId="2081473989" sldId="2748"/>
-            <ac:picMk id="8" creationId="{79143EB1-6171-6D6B-E065-52F98AD03CCA}"/>
-          </ac:picMkLst>
-        </pc:picChg>
-        <pc:picChg chg="add del mod">
-          <ac:chgData name="Xin Luo" userId="82312ee5779919a4" providerId="LiveId" clId="{82BFAA31-791A-9843-976C-3AAFAA5AC07D}" dt="2023-03-04T15:45:07.251" v="5930" actId="478"/>
-          <ac:picMkLst>
-            <pc:docMk/>
-            <pc:sldMk cId="2081473989" sldId="2748"/>
-            <ac:picMk id="10" creationId="{30790A72-1A1F-A99B-2602-70052914B570}"/>
-          </ac:picMkLst>
-        </pc:picChg>
-        <pc:picChg chg="add mod">
-          <ac:chgData name="Xin Luo" userId="82312ee5779919a4" providerId="LiveId" clId="{82BFAA31-791A-9843-976C-3AAFAA5AC07D}" dt="2023-03-04T15:45:33.555" v="5940" actId="1076"/>
-          <ac:picMkLst>
-            <pc:docMk/>
-            <pc:sldMk cId="2081473989" sldId="2748"/>
-            <ac:picMk id="12" creationId="{CD5784D5-D55B-B02C-C48B-B4566A95D7A5}"/>
-          </ac:picMkLst>
-        </pc:picChg>
-        <pc:picChg chg="add del mod">
-          <ac:chgData name="Xin Luo" userId="82312ee5779919a4" providerId="LiveId" clId="{82BFAA31-791A-9843-976C-3AAFAA5AC07D}" dt="2023-03-04T15:45:23.214" v="5937"/>
-          <ac:picMkLst>
-            <pc:docMk/>
-            <pc:sldMk cId="2081473989" sldId="2748"/>
-            <ac:picMk id="14" creationId="{5DFB8C07-8D07-8D50-004D-9E3F08E7DE84}"/>
-          </ac:picMkLst>
-        </pc:picChg>
-      </pc:sldChg>
-      <pc:sldChg chg="addSp delSp modSp add mod">
-        <pc:chgData name="Xin Luo" userId="82312ee5779919a4" providerId="LiveId" clId="{82BFAA31-791A-9843-976C-3AAFAA5AC07D}" dt="2023-03-04T15:48:59.888" v="6079" actId="1076"/>
-        <pc:sldMkLst>
-          <pc:docMk/>
-          <pc:sldMk cId="1994915307" sldId="2749"/>
-        </pc:sldMkLst>
-        <pc:spChg chg="mod">
-          <ac:chgData name="Xin Luo" userId="82312ee5779919a4" providerId="LiveId" clId="{82BFAA31-791A-9843-976C-3AAFAA5AC07D}" dt="2023-03-04T15:48:51.612" v="6078" actId="20577"/>
-          <ac:spMkLst>
-            <pc:docMk/>
-            <pc:sldMk cId="1994915307" sldId="2749"/>
-            <ac:spMk id="17" creationId="{9E05FFCA-3371-AF5C-381D-71D984055F5A}"/>
-          </ac:spMkLst>
-        </pc:spChg>
-        <pc:picChg chg="add del mod">
-          <ac:chgData name="Xin Luo" userId="82312ee5779919a4" providerId="LiveId" clId="{82BFAA31-791A-9843-976C-3AAFAA5AC07D}" dt="2023-03-04T15:38:11.661" v="5720" actId="478"/>
-          <ac:picMkLst>
-            <pc:docMk/>
-            <pc:sldMk cId="1994915307" sldId="2749"/>
-            <ac:picMk id="5" creationId="{EA1C2F80-6A2A-D60C-9FB3-F25B1C6511A4}"/>
-          </ac:picMkLst>
-        </pc:picChg>
-        <pc:picChg chg="add mod">
-          <ac:chgData name="Xin Luo" userId="82312ee5779919a4" providerId="LiveId" clId="{82BFAA31-791A-9843-976C-3AAFAA5AC07D}" dt="2023-03-04T15:48:59.888" v="6079" actId="1076"/>
-          <ac:picMkLst>
-            <pc:docMk/>
-            <pc:sldMk cId="1994915307" sldId="2749"/>
-            <ac:picMk id="7" creationId="{FBCB15A5-92D2-31A6-9C98-86B1AA96537C}"/>
-          </ac:picMkLst>
-        </pc:picChg>
-        <pc:picChg chg="add mod">
-          <ac:chgData name="Xin Luo" userId="82312ee5779919a4" providerId="LiveId" clId="{82BFAA31-791A-9843-976C-3AAFAA5AC07D}" dt="2023-03-04T15:48:59.888" v="6079" actId="1076"/>
-          <ac:picMkLst>
-            <pc:docMk/>
-            <pc:sldMk cId="1994915307" sldId="2749"/>
-            <ac:picMk id="9" creationId="{6773422F-41A1-CECC-4339-862D5F305E78}"/>
-          </ac:picMkLst>
-        </pc:picChg>
-      </pc:sldChg>
-      <pc:sldChg chg="addSp delSp modSp add mod">
-        <pc:chgData name="Xin Luo" userId="82312ee5779919a4" providerId="LiveId" clId="{82BFAA31-791A-9843-976C-3AAFAA5AC07D}" dt="2023-03-04T15:43:09.927" v="5903" actId="1035"/>
-        <pc:sldMkLst>
-          <pc:docMk/>
-          <pc:sldMk cId="202264030" sldId="2750"/>
-        </pc:sldMkLst>
-        <pc:spChg chg="add mod">
-          <ac:chgData name="Xin Luo" userId="82312ee5779919a4" providerId="LiveId" clId="{82BFAA31-791A-9843-976C-3AAFAA5AC07D}" dt="2023-03-04T15:43:09.927" v="5903" actId="1035"/>
-          <ac:spMkLst>
-            <pc:docMk/>
-            <pc:sldMk cId="202264030" sldId="2750"/>
-            <ac:spMk id="9" creationId="{D732F9A9-4A61-8CFE-4FB6-79B6EB588A79}"/>
-          </ac:spMkLst>
-        </pc:spChg>
-        <pc:spChg chg="mod">
-          <ac:chgData name="Xin Luo" userId="82312ee5779919a4" providerId="LiveId" clId="{82BFAA31-791A-9843-976C-3AAFAA5AC07D}" dt="2023-03-04T15:40:49.611" v="5818" actId="14100"/>
-          <ac:spMkLst>
-            <pc:docMk/>
-            <pc:sldMk cId="202264030" sldId="2750"/>
-            <ac:spMk id="17" creationId="{9E05FFCA-3371-AF5C-381D-71D984055F5A}"/>
-          </ac:spMkLst>
-        </pc:spChg>
-        <pc:picChg chg="add mod">
-          <ac:chgData name="Xin Luo" userId="82312ee5779919a4" providerId="LiveId" clId="{82BFAA31-791A-9843-976C-3AAFAA5AC07D}" dt="2023-03-04T15:43:09.927" v="5903" actId="1035"/>
-          <ac:picMkLst>
-            <pc:docMk/>
-            <pc:sldMk cId="202264030" sldId="2750"/>
-            <ac:picMk id="5" creationId="{9BBBBD8B-688B-710D-3D8D-BFDFD56DB232}"/>
-          </ac:picMkLst>
-        </pc:picChg>
-        <pc:picChg chg="del">
-          <ac:chgData name="Xin Luo" userId="82312ee5779919a4" providerId="LiveId" clId="{82BFAA31-791A-9843-976C-3AAFAA5AC07D}" dt="2023-03-04T15:38:51.044" v="5743" actId="478"/>
-          <ac:picMkLst>
-            <pc:docMk/>
-            <pc:sldMk cId="202264030" sldId="2750"/>
-            <ac:picMk id="7" creationId="{FBCB15A5-92D2-31A6-9C98-86B1AA96537C}"/>
-          </ac:picMkLst>
-        </pc:picChg>
-        <pc:picChg chg="add mod">
-          <ac:chgData name="Xin Luo" userId="82312ee5779919a4" providerId="LiveId" clId="{82BFAA31-791A-9843-976C-3AAFAA5AC07D}" dt="2023-03-04T15:43:09.927" v="5903" actId="1035"/>
-          <ac:picMkLst>
-            <pc:docMk/>
-            <pc:sldMk cId="202264030" sldId="2750"/>
-            <ac:picMk id="8" creationId="{B765428C-F39A-9703-24D3-B125CFA04483}"/>
-          </ac:picMkLst>
-        </pc:picChg>
-      </pc:sldChg>
-      <pc:sldChg chg="add del">
-        <pc:chgData name="Xin Luo" userId="82312ee5779919a4" providerId="LiveId" clId="{82BFAA31-791A-9843-976C-3AAFAA5AC07D}" dt="2023-03-04T15:46:42.673" v="5956" actId="2696"/>
-        <pc:sldMkLst>
-          <pc:docMk/>
-          <pc:sldMk cId="1628918360" sldId="2751"/>
-        </pc:sldMkLst>
-      </pc:sldChg>
-    </pc:docChg>
-  </pc:docChgLst>
-  <pc:docChgLst>
-    <pc:chgData name="Xin Luo" userId="82312ee5779919a4" providerId="LiveId" clId="{D28526AD-BB72-0B4E-9638-04907E1F3622}"/>
-    <pc:docChg chg="delSld modSld">
-      <pc:chgData name="Xin Luo" userId="82312ee5779919a4" providerId="LiveId" clId="{D28526AD-BB72-0B4E-9638-04907E1F3622}" dt="2023-09-18T01:27:13.837" v="116" actId="2696"/>
-      <pc:docMkLst>
-        <pc:docMk/>
-      </pc:docMkLst>
-      <pc:sldChg chg="modSp mod">
-        <pc:chgData name="Xin Luo" userId="82312ee5779919a4" providerId="LiveId" clId="{D28526AD-BB72-0B4E-9638-04907E1F3622}" dt="2023-09-18T01:27:09.604" v="115" actId="255"/>
-        <pc:sldMkLst>
-          <pc:docMk/>
-          <pc:sldMk cId="1209572041" sldId="2722"/>
-        </pc:sldMkLst>
-        <pc:spChg chg="mod">
-          <ac:chgData name="Xin Luo" userId="82312ee5779919a4" providerId="LiveId" clId="{D28526AD-BB72-0B4E-9638-04907E1F3622}" dt="2023-09-18T01:27:09.604" v="115" actId="255"/>
-          <ac:spMkLst>
-            <pc:docMk/>
-            <pc:sldMk cId="1209572041" sldId="2722"/>
-            <ac:spMk id="13" creationId="{303BC878-BC57-D350-27A3-F03AE48213AC}"/>
-          </ac:spMkLst>
-        </pc:spChg>
-      </pc:sldChg>
-      <pc:sldChg chg="del">
-        <pc:chgData name="Xin Luo" userId="82312ee5779919a4" providerId="LiveId" clId="{D28526AD-BB72-0B4E-9638-04907E1F3622}" dt="2023-09-18T01:27:13.837" v="116" actId="2696"/>
-        <pc:sldMkLst>
-          <pc:docMk/>
-          <pc:sldMk cId="2476237792" sldId="2741"/>
+          <pc:sldMk cId="2363515716" sldId="2767"/>
         </pc:sldMkLst>
       </pc:sldChg>
     </pc:docChg>
@@ -7453,7 +7453,7 @@
     </p:spTree>
     <p:extLst>
       <p:ext uri="{BB962C8B-B14F-4D97-AF65-F5344CB8AC3E}">
-        <p14:creationId xmlns:p14="http://schemas.microsoft.com/office/powerpoint/2010/main" val="4142871665"/>
+        <p14:creationId xmlns:p14="http://schemas.microsoft.com/office/powerpoint/2010/main" val="4019776585"/>
       </p:ext>
     </p:extLst>
   </p:cSld>
@@ -20293,7 +20293,7 @@
                 <a:latin typeface="微软雅黑" pitchFamily="34" charset="-122"/>
                 <a:ea typeface="微软雅黑" pitchFamily="34" charset="-122"/>
               </a:rPr>
-              <a:t>（项目发起者）</a:t>
+              <a:t>（项目发布者）</a:t>
             </a:r>
           </a:p>
         </p:txBody>
@@ -20844,10 +20844,10 @@
         </p:nvGrpSpPr>
         <p:grpSpPr>
           <a:xfrm>
-            <a:off x="585847" y="4542662"/>
-            <a:ext cx="886463" cy="1302729"/>
-            <a:chOff x="585847" y="4542662"/>
-            <a:chExt cx="886463" cy="1302729"/>
+            <a:off x="379638" y="4542662"/>
+            <a:ext cx="1092671" cy="1665981"/>
+            <a:chOff x="594486" y="4542662"/>
+            <a:chExt cx="877824" cy="1302729"/>
           </a:xfrm>
         </p:grpSpPr>
         <p:sp>
@@ -20889,7 +20889,7 @@
             <a:lstStyle/>
             <a:p>
               <a:pPr algn="l"/>
-              <a:endParaRPr lang="zh-CN" altLang="en-US" b="1" dirty="0">
+              <a:endParaRPr lang="zh-CN" altLang="en-US" sz="2800" b="1" dirty="0">
                 <a:solidFill>
                   <a:srgbClr val="FF0000"/>
                 </a:solidFill>
@@ -20913,8 +20913,8 @@
           </p:nvSpPr>
           <p:spPr>
             <a:xfrm rot="16200000">
-              <a:off x="213309" y="4988677"/>
-              <a:ext cx="1114408" cy="369332"/>
+              <a:off x="257086" y="5000261"/>
+              <a:ext cx="1026853" cy="346164"/>
             </a:xfrm>
             <a:prstGeom prst="rect">
               <a:avLst/>
@@ -20928,7 +20928,7 @@
             <a:lstStyle/>
             <a:p>
               <a:r>
-                <a:rPr lang="zh-CN" altLang="en-US" sz="1800" b="1" dirty="0">
+                <a:rPr lang="zh-CN" altLang="en-US" sz="2200" b="1" dirty="0">
                   <a:latin typeface="+mj-ea"/>
                   <a:ea typeface="+mj-ea"/>
                 </a:rPr>
@@ -20941,7 +20941,7 @@
     </p:spTree>
     <p:extLst>
       <p:ext uri="{BB962C8B-B14F-4D97-AF65-F5344CB8AC3E}">
-        <p14:creationId xmlns:p14="http://schemas.microsoft.com/office/powerpoint/2010/main" val="2531748760"/>
+        <p14:creationId xmlns:p14="http://schemas.microsoft.com/office/powerpoint/2010/main" val="1896909390"/>
       </p:ext>
     </p:extLst>
   </p:cSld>
@@ -23561,7 +23561,7 @@
                 <a:latin typeface="微软雅黑" pitchFamily="34" charset="-122"/>
                 <a:ea typeface="微软雅黑" pitchFamily="34" charset="-122"/>
               </a:rPr>
-              <a:t>git clone/pull</a:t>
+              <a:t>git clone</a:t>
             </a:r>
             <a:endParaRPr lang="zh-CN" altLang="en-US" sz="1800" b="1" dirty="0">
               <a:solidFill>
@@ -23604,22 +23604,15 @@
           <a:lstStyle/>
           <a:p>
             <a:r>
-              <a:rPr lang="en-US" altLang="zh-CN" sz="1800" b="1" dirty="0">
+              <a:rPr lang="zh-CN" altLang="en-US" sz="1800" b="1" dirty="0">
                 <a:solidFill>
                   <a:srgbClr val="002060"/>
                 </a:solidFill>
                 <a:latin typeface="微软雅黑" pitchFamily="34" charset="-122"/>
                 <a:ea typeface="微软雅黑" pitchFamily="34" charset="-122"/>
               </a:rPr>
-              <a:t>git checkout</a:t>
-            </a:r>
-            <a:endParaRPr lang="zh-CN" altLang="en-US" sz="1800" b="1" dirty="0">
-              <a:solidFill>
-                <a:srgbClr val="002060"/>
-              </a:solidFill>
-              <a:latin typeface="微软雅黑" pitchFamily="34" charset="-122"/>
-              <a:ea typeface="微软雅黑" pitchFamily="34" charset="-122"/>
-            </a:endParaRPr>
+              <a:t>代码编辑与修改</a:t>
+            </a:r>
           </a:p>
         </p:txBody>
       </p:sp>
@@ -23661,7 +23654,7 @@
                 <a:latin typeface="微软雅黑" pitchFamily="34" charset="-122"/>
                 <a:ea typeface="微软雅黑" pitchFamily="34" charset="-122"/>
               </a:rPr>
-              <a:t>git add</a:t>
+              <a:t>git add .</a:t>
             </a:r>
             <a:endParaRPr lang="zh-CN" altLang="en-US" sz="1800" b="1" dirty="0">
               <a:solidFill>

--- a/第3章-开源GIS软件开发环境-6课时/第3章-开源GIS软件开发环境-Python开发环境配置-4学时.pptx
+++ b/第3章-开源GIS软件开发环境-6课时/第3章-开源GIS软件开发环境-Python开发环境配置-4学时.pptx
@@ -8800,6 +8800,18 @@
           <a:bodyPr/>
           <a:lstStyle/>
           <a:p>
+            <a:r>
+              <a:rPr lang="en-US" altLang="zh-CN" dirty="0"/>
+              <a:t>pip/</a:t>
+            </a:r>
+            <a:r>
+              <a:rPr lang="en-US" altLang="zh-CN" dirty="0" err="1"/>
+              <a:t>conda</a:t>
+            </a:r>
+            <a:r>
+              <a:rPr lang="en-US" altLang="zh-CN" dirty="0"/>
+              <a:t> list</a:t>
+            </a:r>
             <a:endParaRPr lang="zh-CN" altLang="en-US" dirty="0"/>
           </a:p>
         </p:txBody>
@@ -32017,7 +32029,7 @@
                 <a:latin typeface="Microsoft YaHei" panose="020B0503020204020204" pitchFamily="34" charset="-122"/>
                 <a:ea typeface="Microsoft YaHei" panose="020B0503020204020204" pitchFamily="34" charset="-122"/>
               </a:rPr>
-              <a:t> –all</a:t>
+              <a:t> --all</a:t>
             </a:r>
           </a:p>
         </p:txBody>
@@ -32044,7 +32056,7 @@
         </p:blipFill>
         <p:spPr>
           <a:xfrm>
-            <a:off x="215538" y="3747809"/>
+            <a:off x="215538" y="3635722"/>
             <a:ext cx="4348201" cy="2671786"/>
           </a:xfrm>
           <a:prstGeom prst="rect">
@@ -32066,7 +32078,7 @@
         </p:nvGrpSpPr>
         <p:grpSpPr>
           <a:xfrm>
-            <a:off x="4654798" y="3796270"/>
+            <a:off x="4654798" y="3684183"/>
             <a:ext cx="4269333" cy="2623325"/>
             <a:chOff x="4654798" y="3796270"/>
             <a:chExt cx="4269333" cy="2623325"/>
